--- a/.NET Core i Angular Web Dev.pptx
+++ b/.NET Core i Angular Web Dev.pptx
@@ -8,6 +8,7 @@
   <p:sldIdLst>
     <p:sldId id="256" r:id="rId3"/>
     <p:sldId id="259" r:id="rId4"/>
+    <p:sldId id="260" r:id="rId5"/>
   </p:sldIdLst>
   <p:sldSz cx="9144000" cy="5143500" type="screen16x9"/>
   <p:notesSz cx="6858000" cy="9144000"/>
@@ -203,7 +204,7 @@
           <a:p>
             <a:fld id="{63937D59-5EDB-4C39-B697-625748F703B6}" type="datetimeFigureOut">
               <a:rPr lang="en-US" smtClean="0"/>
-              <a:t>11/25/2018</a:t>
+              <a:t>11/26/2018</a:t>
             </a:fld>
             <a:endParaRPr lang="en-US"/>
           </a:p>
@@ -480,7 +481,7 @@
           <a:p>
             <a:fld id="{63937D59-5EDB-4C39-B697-625748F703B6}" type="datetimeFigureOut">
               <a:rPr lang="en-US" smtClean="0"/>
-              <a:t>11/25/2018</a:t>
+              <a:t>11/26/2018</a:t>
             </a:fld>
             <a:endParaRPr lang="en-US"/>
           </a:p>
@@ -733,7 +734,7 @@
           <a:p>
             <a:fld id="{63937D59-5EDB-4C39-B697-625748F703B6}" type="datetimeFigureOut">
               <a:rPr lang="en-US" smtClean="0"/>
-              <a:t>11/25/2018</a:t>
+              <a:t>11/26/2018</a:t>
             </a:fld>
             <a:endParaRPr lang="en-US"/>
           </a:p>
@@ -903,7 +904,7 @@
           <a:p>
             <a:fld id="{63937D59-5EDB-4C39-B697-625748F703B6}" type="datetimeFigureOut">
               <a:rPr lang="en-US" smtClean="0"/>
-              <a:t>11/25/2018</a:t>
+              <a:t>11/26/2018</a:t>
             </a:fld>
             <a:endParaRPr lang="en-US"/>
           </a:p>
@@ -1083,7 +1084,7 @@
           <a:p>
             <a:fld id="{63937D59-5EDB-4C39-B697-625748F703B6}" type="datetimeFigureOut">
               <a:rPr lang="en-US" smtClean="0"/>
-              <a:t>11/25/2018</a:t>
+              <a:t>11/26/2018</a:t>
             </a:fld>
             <a:endParaRPr lang="en-US"/>
           </a:p>
@@ -1319,6 +1320,222 @@
   <p:clrMapOvr>
     <a:masterClrMapping/>
   </p:clrMapOvr>
+  <p:timing>
+    <p:tnLst>
+      <p:par>
+        <p:cTn id="1" dur="indefinite" restart="never" nodeType="tmRoot">
+          <p:childTnLst>
+            <p:seq concurrent="1" nextAc="seek">
+              <p:cTn id="2" dur="indefinite" nodeType="mainSeq">
+                <p:childTnLst>
+                  <p:par>
+                    <p:cTn id="3" fill="hold">
+                      <p:stCondLst>
+                        <p:cond delay="indefinite"/>
+                      </p:stCondLst>
+                      <p:childTnLst>
+                        <p:par>
+                          <p:cTn id="4" fill="hold">
+                            <p:stCondLst>
+                              <p:cond delay="0"/>
+                            </p:stCondLst>
+                            <p:childTnLst>
+                              <p:par>
+                                <p:cTn id="5" presetID="2" presetClass="entr" presetSubtype="4" fill="hold" grpId="0" nodeType="clickEffect">
+                                  <p:stCondLst>
+                                    <p:cond delay="0"/>
+                                  </p:stCondLst>
+                                  <p:childTnLst>
+                                    <p:set>
+                                      <p:cBhvr>
+                                        <p:cTn id="6" dur="1" fill="hold">
+                                          <p:stCondLst>
+                                            <p:cond delay="0"/>
+                                          </p:stCondLst>
+                                        </p:cTn>
+                                        <p:tgtEl>
+                                          <p:spTgt spid="5">
+                                            <p:txEl>
+                                              <p:pRg st="0" end="0"/>
+                                            </p:txEl>
+                                          </p:spTgt>
+                                        </p:tgtEl>
+                                        <p:attrNameLst>
+                                          <p:attrName>style.visibility</p:attrName>
+                                        </p:attrNameLst>
+                                      </p:cBhvr>
+                                      <p:to>
+                                        <p:strVal val="visible"/>
+                                      </p:to>
+                                    </p:set>
+                                    <p:anim calcmode="lin" valueType="num">
+                                      <p:cBhvr additive="base">
+                                        <p:cTn id="7" dur="500" fill="hold"/>
+                                        <p:tgtEl>
+                                          <p:spTgt spid="5">
+                                            <p:txEl>
+                                              <p:pRg st="0" end="0"/>
+                                            </p:txEl>
+                                          </p:spTgt>
+                                        </p:tgtEl>
+                                        <p:attrNameLst>
+                                          <p:attrName>ppt_x</p:attrName>
+                                        </p:attrNameLst>
+                                      </p:cBhvr>
+                                      <p:tavLst>
+                                        <p:tav tm="0">
+                                          <p:val>
+                                            <p:strVal val="#ppt_x"/>
+                                          </p:val>
+                                        </p:tav>
+                                        <p:tav tm="100000">
+                                          <p:val>
+                                            <p:strVal val="#ppt_x"/>
+                                          </p:val>
+                                        </p:tav>
+                                      </p:tavLst>
+                                    </p:anim>
+                                    <p:anim calcmode="lin" valueType="num">
+                                      <p:cBhvr additive="base">
+                                        <p:cTn id="8" dur="500" fill="hold"/>
+                                        <p:tgtEl>
+                                          <p:spTgt spid="5">
+                                            <p:txEl>
+                                              <p:pRg st="0" end="0"/>
+                                            </p:txEl>
+                                          </p:spTgt>
+                                        </p:tgtEl>
+                                        <p:attrNameLst>
+                                          <p:attrName>ppt_y</p:attrName>
+                                        </p:attrNameLst>
+                                      </p:cBhvr>
+                                      <p:tavLst>
+                                        <p:tav tm="0">
+                                          <p:val>
+                                            <p:strVal val="1+#ppt_h/2"/>
+                                          </p:val>
+                                        </p:tav>
+                                        <p:tav tm="100000">
+                                          <p:val>
+                                            <p:strVal val="#ppt_y"/>
+                                          </p:val>
+                                        </p:tav>
+                                      </p:tavLst>
+                                    </p:anim>
+                                  </p:childTnLst>
+                                </p:cTn>
+                              </p:par>
+                            </p:childTnLst>
+                          </p:cTn>
+                        </p:par>
+                      </p:childTnLst>
+                    </p:cTn>
+                  </p:par>
+                </p:childTnLst>
+              </p:cTn>
+              <p:prevCondLst>
+                <p:cond evt="onPrev" delay="0">
+                  <p:tgtEl>
+                    <p:sldTgt/>
+                  </p:tgtEl>
+                </p:cond>
+              </p:prevCondLst>
+              <p:nextCondLst>
+                <p:cond evt="onNext" delay="0">
+                  <p:tgtEl>
+                    <p:sldTgt/>
+                  </p:tgtEl>
+                </p:cond>
+              </p:nextCondLst>
+            </p:seq>
+          </p:childTnLst>
+        </p:cTn>
+      </p:par>
+    </p:tnLst>
+    <p:bldLst>
+      <p:bldP spid="5" grpId="0" build="p">
+        <p:tmplLst>
+          <p:tmpl lvl="1">
+            <p:tnLst>
+              <p:par>
+                <p:cTn presetID="2" presetClass="entr" presetSubtype="4" fill="hold" nodeType="clickEffect">
+                  <p:stCondLst>
+                    <p:cond delay="0"/>
+                  </p:stCondLst>
+                  <p:childTnLst>
+                    <p:set>
+                      <p:cBhvr>
+                        <p:cTn dur="1" fill="hold">
+                          <p:stCondLst>
+                            <p:cond delay="0"/>
+                          </p:stCondLst>
+                        </p:cTn>
+                        <p:tgtEl>
+                          <p:spTgt spid="5"/>
+                        </p:tgtEl>
+                        <p:attrNameLst>
+                          <p:attrName>style.visibility</p:attrName>
+                        </p:attrNameLst>
+                      </p:cBhvr>
+                      <p:to>
+                        <p:strVal val="visible"/>
+                      </p:to>
+                    </p:set>
+                    <p:anim calcmode="lin" valueType="num">
+                      <p:cBhvr additive="base">
+                        <p:cTn dur="500" fill="hold"/>
+                        <p:tgtEl>
+                          <p:spTgt spid="5"/>
+                        </p:tgtEl>
+                        <p:attrNameLst>
+                          <p:attrName>ppt_x</p:attrName>
+                        </p:attrNameLst>
+                      </p:cBhvr>
+                      <p:tavLst>
+                        <p:tav tm="0">
+                          <p:val>
+                            <p:strVal val="#ppt_x"/>
+                          </p:val>
+                        </p:tav>
+                        <p:tav tm="100000">
+                          <p:val>
+                            <p:strVal val="#ppt_x"/>
+                          </p:val>
+                        </p:tav>
+                      </p:tavLst>
+                    </p:anim>
+                    <p:anim calcmode="lin" valueType="num">
+                      <p:cBhvr additive="base">
+                        <p:cTn dur="500" fill="hold"/>
+                        <p:tgtEl>
+                          <p:spTgt spid="5"/>
+                        </p:tgtEl>
+                        <p:attrNameLst>
+                          <p:attrName>ppt_y</p:attrName>
+                        </p:attrNameLst>
+                      </p:cBhvr>
+                      <p:tavLst>
+                        <p:tav tm="0">
+                          <p:val>
+                            <p:strVal val="1+#ppt_h/2"/>
+                          </p:val>
+                        </p:tav>
+                        <p:tav tm="100000">
+                          <p:val>
+                            <p:strVal val="#ppt_y"/>
+                          </p:val>
+                        </p:tav>
+                      </p:tavLst>
+                    </p:anim>
+                  </p:childTnLst>
+                </p:cTn>
+              </p:par>
+            </p:tnLst>
+          </p:tmpl>
+        </p:tmplLst>
+      </p:bldP>
+    </p:bldLst>
+  </p:timing>
 </p:sldLayout>
 </file>
 
@@ -1497,6 +1714,13 @@
   <p:clrMapOvr>
     <a:masterClrMapping/>
   </p:clrMapOvr>
+  <p:timing>
+    <p:tnLst>
+      <p:par>
+        <p:cTn id="1" dur="indefinite" restart="never" nodeType="tmRoot"/>
+      </p:par>
+    </p:tnLst>
+  </p:timing>
 </p:sldLayout>
 </file>
 
@@ -1681,7 +1905,7 @@
           <a:p>
             <a:fld id="{63937D59-5EDB-4C39-B697-625748F703B6}" type="datetimeFigureOut">
               <a:rPr lang="en-US" smtClean="0"/>
-              <a:t>11/25/2018</a:t>
+              <a:t>11/26/2018</a:t>
             </a:fld>
             <a:endParaRPr lang="en-US"/>
           </a:p>
@@ -1739,6 +1963,13 @@
   <p:clrMapOvr>
     <a:masterClrMapping/>
   </p:clrMapOvr>
+  <p:timing>
+    <p:tnLst>
+      <p:par>
+        <p:cTn id="1" dur="indefinite" restart="never" nodeType="tmRoot"/>
+      </p:par>
+    </p:tnLst>
+  </p:timing>
 </p:sldLayout>
 </file>
 
@@ -1851,7 +2082,7 @@
           <a:p>
             <a:fld id="{63937D59-5EDB-4C39-B697-625748F703B6}" type="datetimeFigureOut">
               <a:rPr lang="en-US" smtClean="0"/>
-              <a:t>11/25/2018</a:t>
+              <a:t>11/26/2018</a:t>
             </a:fld>
             <a:endParaRPr lang="en-US"/>
           </a:p>
@@ -2097,7 +2328,7 @@
           <a:p>
             <a:fld id="{63937D59-5EDB-4C39-B697-625748F703B6}" type="datetimeFigureOut">
               <a:rPr lang="en-US" smtClean="0"/>
-              <a:t>11/25/2018</a:t>
+              <a:t>11/26/2018</a:t>
             </a:fld>
             <a:endParaRPr lang="en-US"/>
           </a:p>
@@ -2385,7 +2616,7 @@
           <a:p>
             <a:fld id="{63937D59-5EDB-4C39-B697-625748F703B6}" type="datetimeFigureOut">
               <a:rPr lang="en-US" smtClean="0"/>
-              <a:t>11/25/2018</a:t>
+              <a:t>11/26/2018</a:t>
             </a:fld>
             <a:endParaRPr lang="en-US"/>
           </a:p>
@@ -2807,7 +3038,7 @@
           <a:p>
             <a:fld id="{63937D59-5EDB-4C39-B697-625748F703B6}" type="datetimeFigureOut">
               <a:rPr lang="en-US" smtClean="0"/>
-              <a:t>11/25/2018</a:t>
+              <a:t>11/26/2018</a:t>
             </a:fld>
             <a:endParaRPr lang="en-US"/>
           </a:p>
@@ -2925,7 +3156,7 @@
           <a:p>
             <a:fld id="{63937D59-5EDB-4C39-B697-625748F703B6}" type="datetimeFigureOut">
               <a:rPr lang="en-US" smtClean="0"/>
-              <a:t>11/25/2018</a:t>
+              <a:t>11/26/2018</a:t>
             </a:fld>
             <a:endParaRPr lang="en-US"/>
           </a:p>
@@ -3359,38 +3590,38 @@
           <a:p>
             <a:pPr lvl="0"/>
             <a:r>
-              <a:rPr lang="en-US" smtClean="0"/>
+              <a:rPr lang="en-US" dirty="0" smtClean="0"/>
               <a:t>Click to edit Master text styles</a:t>
             </a:r>
           </a:p>
           <a:p>
             <a:pPr lvl="1"/>
             <a:r>
-              <a:rPr lang="en-US" smtClean="0"/>
+              <a:rPr lang="en-US" dirty="0" smtClean="0"/>
               <a:t>Second level</a:t>
             </a:r>
           </a:p>
           <a:p>
             <a:pPr lvl="2"/>
             <a:r>
-              <a:rPr lang="en-US" smtClean="0"/>
+              <a:rPr lang="en-US" dirty="0" smtClean="0"/>
               <a:t>Third level</a:t>
             </a:r>
           </a:p>
           <a:p>
             <a:pPr lvl="3"/>
             <a:r>
-              <a:rPr lang="en-US" smtClean="0"/>
+              <a:rPr lang="en-US" dirty="0" smtClean="0"/>
               <a:t>Fourth level</a:t>
             </a:r>
           </a:p>
           <a:p>
             <a:pPr lvl="4"/>
             <a:r>
-              <a:rPr lang="en-US" smtClean="0"/>
+              <a:rPr lang="en-US" dirty="0" smtClean="0"/>
               <a:t>Fifth level</a:t>
             </a:r>
-            <a:endParaRPr lang="en-US"/>
+            <a:endParaRPr lang="en-US" dirty="0"/>
           </a:p>
         </p:txBody>
       </p:sp>
@@ -3429,7 +3660,7 @@
           <a:p>
             <a:fld id="{63937D59-5EDB-4C39-B697-625748F703B6}" type="datetimeFigureOut">
               <a:rPr lang="en-US" smtClean="0"/>
-              <a:t>11/25/2018</a:t>
+              <a:t>11/26/2018</a:t>
             </a:fld>
             <a:endParaRPr lang="en-US"/>
           </a:p>
@@ -3534,6 +3765,13 @@
     <p:sldLayoutId id="2147483671" r:id="rId10"/>
     <p:sldLayoutId id="2147483672" r:id="rId11"/>
   </p:sldLayoutIdLst>
+  <p:timing>
+    <p:tnLst>
+      <p:par>
+        <p:cTn id="1" dur="indefinite" restart="never" nodeType="tmRoot"/>
+      </p:par>
+    </p:tnLst>
+  </p:timing>
   <p:txStyles>
     <p:titleStyle>
       <a:lvl1pPr algn="ctr" defTabSz="914400" rtl="0" eaLnBrk="1" latinLnBrk="0" hangingPunct="1">
@@ -3872,6 +4110,13 @@
   <p:clrMapOvr>
     <a:masterClrMapping/>
   </p:clrMapOvr>
+  <p:timing>
+    <p:tnLst>
+      <p:par>
+        <p:cTn id="1" dur="indefinite" restart="never" nodeType="tmRoot"/>
+      </p:par>
+    </p:tnLst>
+  </p:timing>
 </p:sld>
 </file>
 
@@ -3927,21 +4172,127 @@
         </p:nvSpPr>
         <p:spPr>
           <a:xfrm>
-            <a:off x="1990056" y="1347615"/>
-            <a:ext cx="6912768" cy="3312368"/>
+            <a:off x="1990056" y="1059582"/>
+            <a:ext cx="6912768" cy="3888432"/>
           </a:xfrm>
         </p:spPr>
         <p:txBody>
           <a:bodyPr/>
           <a:lstStyle/>
           <a:p>
-            <a:endParaRPr lang="ko-KR" altLang="en-US" dirty="0">
+            <a:r>
+              <a:rPr lang="sr-Latn-RS" altLang="ko-KR" dirty="0"/>
+              <a:t>.NET Core 2.1 Web API </a:t>
+            </a:r>
+            <a:r>
+              <a:rPr lang="sr-Latn-RS" altLang="ko-KR" dirty="0" smtClean="0"/>
+              <a:t>projekat</a:t>
+            </a:r>
+          </a:p>
+          <a:p>
+            <a:endParaRPr lang="sr-Latn-RS" altLang="ko-KR" dirty="0"/>
+          </a:p>
+          <a:p>
+            <a:endParaRPr lang="sr-Latn-RS" altLang="ko-KR" dirty="0" smtClean="0">
               <a:latin typeface="Arial" pitchFamily="34" charset="0"/>
               <a:cs typeface="Arial" pitchFamily="34" charset="0"/>
             </a:endParaRPr>
           </a:p>
-        </p:txBody>
-      </p:sp>
+          <a:p>
+            <a:endParaRPr lang="sr-Latn-RS" altLang="ko-KR" dirty="0"/>
+          </a:p>
+          <a:p>
+            <a:endParaRPr lang="sr-Latn-RS" altLang="ko-KR" dirty="0" smtClean="0">
+              <a:latin typeface="Arial" pitchFamily="34" charset="0"/>
+              <a:cs typeface="Arial" pitchFamily="34" charset="0"/>
+            </a:endParaRPr>
+          </a:p>
+          <a:p>
+            <a:endParaRPr lang="sr-Latn-RS" altLang="ko-KR" dirty="0"/>
+          </a:p>
+          <a:p>
+            <a:endParaRPr lang="sr-Latn-RS" altLang="ko-KR" dirty="0" smtClean="0">
+              <a:latin typeface="Arial" pitchFamily="34" charset="0"/>
+              <a:cs typeface="Arial" pitchFamily="34" charset="0"/>
+            </a:endParaRPr>
+          </a:p>
+          <a:p>
+            <a:endParaRPr lang="sr-Latn-RS" altLang="ko-KR" dirty="0"/>
+          </a:p>
+          <a:p>
+            <a:endParaRPr lang="sr-Latn-RS" altLang="ko-KR" dirty="0" smtClean="0">
+              <a:latin typeface="Arial" pitchFamily="34" charset="0"/>
+              <a:cs typeface="Arial" pitchFamily="34" charset="0"/>
+            </a:endParaRPr>
+          </a:p>
+          <a:p>
+            <a:endParaRPr lang="sr-Latn-RS" altLang="ko-KR" dirty="0" smtClean="0">
+              <a:latin typeface="Arial" pitchFamily="34" charset="0"/>
+              <a:cs typeface="Arial" pitchFamily="34" charset="0"/>
+            </a:endParaRPr>
+          </a:p>
+        </p:txBody>
+      </p:sp>
+      <p:pic>
+        <p:nvPicPr>
+          <p:cNvPr id="2" name="Picture 1"/>
+          <p:cNvPicPr>
+            <a:picLocks noChangeAspect="1"/>
+          </p:cNvPicPr>
+          <p:nvPr/>
+        </p:nvPicPr>
+        <p:blipFill>
+          <a:blip r:embed="rId2" cstate="print">
+            <a:extLst>
+              <a:ext uri="{28A0092B-C50C-407E-A947-70E740481C1C}">
+                <a14:useLocalDpi xmlns:a14="http://schemas.microsoft.com/office/drawing/2010/main" val="0"/>
+              </a:ext>
+            </a:extLst>
+          </a:blip>
+          <a:stretch>
+            <a:fillRect/>
+          </a:stretch>
+        </p:blipFill>
+        <p:spPr>
+          <a:xfrm>
+            <a:off x="2339753" y="1491630"/>
+            <a:ext cx="3384376" cy="1940666"/>
+          </a:xfrm>
+          <a:prstGeom prst="rect">
+            <a:avLst/>
+          </a:prstGeom>
+        </p:spPr>
+      </p:pic>
+      <p:pic>
+        <p:nvPicPr>
+          <p:cNvPr id="4" name="Picture 3"/>
+          <p:cNvPicPr>
+            <a:picLocks noChangeAspect="1"/>
+          </p:cNvPicPr>
+          <p:nvPr/>
+        </p:nvPicPr>
+        <p:blipFill>
+          <a:blip r:embed="rId3">
+            <a:extLst>
+              <a:ext uri="{28A0092B-C50C-407E-A947-70E740481C1C}">
+                <a14:useLocalDpi xmlns:a14="http://schemas.microsoft.com/office/drawing/2010/main" val="0"/>
+              </a:ext>
+            </a:extLst>
+          </a:blip>
+          <a:stretch>
+            <a:fillRect/>
+          </a:stretch>
+        </p:blipFill>
+        <p:spPr>
+          <a:xfrm>
+            <a:off x="2339753" y="3653645"/>
+            <a:ext cx="2448271" cy="1181453"/>
+          </a:xfrm>
+          <a:prstGeom prst="rect">
+            <a:avLst/>
+          </a:prstGeom>
+        </p:spPr>
+      </p:pic>
     </p:spTree>
     <p:extLst>
       <p:ext uri="{BB962C8B-B14F-4D97-AF65-F5344CB8AC3E}">
@@ -3952,6 +4303,790 @@
   <p:clrMapOvr>
     <a:masterClrMapping/>
   </p:clrMapOvr>
+  <p:timing>
+    <p:tnLst>
+      <p:par>
+        <p:cTn id="1" dur="indefinite" restart="never" nodeType="tmRoot">
+          <p:childTnLst>
+            <p:seq concurrent="1" nextAc="seek">
+              <p:cTn id="2" dur="indefinite" nodeType="mainSeq">
+                <p:childTnLst>
+                  <p:par>
+                    <p:cTn id="3" fill="hold">
+                      <p:stCondLst>
+                        <p:cond delay="indefinite"/>
+                      </p:stCondLst>
+                      <p:childTnLst>
+                        <p:par>
+                          <p:cTn id="4" fill="hold">
+                            <p:stCondLst>
+                              <p:cond delay="0"/>
+                            </p:stCondLst>
+                            <p:childTnLst>
+                              <p:par>
+                                <p:cTn id="5" presetID="2" presetClass="entr" presetSubtype="4" fill="hold" grpId="0" nodeType="clickEffect">
+                                  <p:stCondLst>
+                                    <p:cond delay="0"/>
+                                  </p:stCondLst>
+                                  <p:childTnLst>
+                                    <p:set>
+                                      <p:cBhvr>
+                                        <p:cTn id="6" dur="1" fill="hold">
+                                          <p:stCondLst>
+                                            <p:cond delay="0"/>
+                                          </p:stCondLst>
+                                        </p:cTn>
+                                        <p:tgtEl>
+                                          <p:spTgt spid="5">
+                                            <p:txEl>
+                                              <p:pRg st="0" end="0"/>
+                                            </p:txEl>
+                                          </p:spTgt>
+                                        </p:tgtEl>
+                                        <p:attrNameLst>
+                                          <p:attrName>style.visibility</p:attrName>
+                                        </p:attrNameLst>
+                                      </p:cBhvr>
+                                      <p:to>
+                                        <p:strVal val="visible"/>
+                                      </p:to>
+                                    </p:set>
+                                    <p:anim calcmode="lin" valueType="num">
+                                      <p:cBhvr additive="base">
+                                        <p:cTn id="7" dur="500" fill="hold"/>
+                                        <p:tgtEl>
+                                          <p:spTgt spid="5">
+                                            <p:txEl>
+                                              <p:pRg st="0" end="0"/>
+                                            </p:txEl>
+                                          </p:spTgt>
+                                        </p:tgtEl>
+                                        <p:attrNameLst>
+                                          <p:attrName>ppt_x</p:attrName>
+                                        </p:attrNameLst>
+                                      </p:cBhvr>
+                                      <p:tavLst>
+                                        <p:tav tm="0">
+                                          <p:val>
+                                            <p:strVal val="#ppt_x"/>
+                                          </p:val>
+                                        </p:tav>
+                                        <p:tav tm="100000">
+                                          <p:val>
+                                            <p:strVal val="#ppt_x"/>
+                                          </p:val>
+                                        </p:tav>
+                                      </p:tavLst>
+                                    </p:anim>
+                                    <p:anim calcmode="lin" valueType="num">
+                                      <p:cBhvr additive="base">
+                                        <p:cTn id="8" dur="500" fill="hold"/>
+                                        <p:tgtEl>
+                                          <p:spTgt spid="5">
+                                            <p:txEl>
+                                              <p:pRg st="0" end="0"/>
+                                            </p:txEl>
+                                          </p:spTgt>
+                                        </p:tgtEl>
+                                        <p:attrNameLst>
+                                          <p:attrName>ppt_y</p:attrName>
+                                        </p:attrNameLst>
+                                      </p:cBhvr>
+                                      <p:tavLst>
+                                        <p:tav tm="0">
+                                          <p:val>
+                                            <p:strVal val="1+#ppt_h/2"/>
+                                          </p:val>
+                                        </p:tav>
+                                        <p:tav tm="100000">
+                                          <p:val>
+                                            <p:strVal val="#ppt_y"/>
+                                          </p:val>
+                                        </p:tav>
+                                      </p:tavLst>
+                                    </p:anim>
+                                  </p:childTnLst>
+                                </p:cTn>
+                              </p:par>
+                            </p:childTnLst>
+                          </p:cTn>
+                        </p:par>
+                      </p:childTnLst>
+                    </p:cTn>
+                  </p:par>
+                  <p:par>
+                    <p:cTn id="9" fill="hold">
+                      <p:stCondLst>
+                        <p:cond delay="indefinite"/>
+                      </p:stCondLst>
+                      <p:childTnLst>
+                        <p:par>
+                          <p:cTn id="10" fill="hold">
+                            <p:stCondLst>
+                              <p:cond delay="0"/>
+                            </p:stCondLst>
+                            <p:childTnLst>
+                              <p:par>
+                                <p:cTn id="11" presetID="2" presetClass="entr" presetSubtype="4" fill="hold" nodeType="clickEffect">
+                                  <p:stCondLst>
+                                    <p:cond delay="0"/>
+                                  </p:stCondLst>
+                                  <p:childTnLst>
+                                    <p:set>
+                                      <p:cBhvr>
+                                        <p:cTn id="12" dur="1" fill="hold">
+                                          <p:stCondLst>
+                                            <p:cond delay="0"/>
+                                          </p:stCondLst>
+                                        </p:cTn>
+                                        <p:tgtEl>
+                                          <p:spTgt spid="2"/>
+                                        </p:tgtEl>
+                                        <p:attrNameLst>
+                                          <p:attrName>style.visibility</p:attrName>
+                                        </p:attrNameLst>
+                                      </p:cBhvr>
+                                      <p:to>
+                                        <p:strVal val="visible"/>
+                                      </p:to>
+                                    </p:set>
+                                    <p:anim calcmode="lin" valueType="num">
+                                      <p:cBhvr additive="base">
+                                        <p:cTn id="13" dur="500" fill="hold"/>
+                                        <p:tgtEl>
+                                          <p:spTgt spid="2"/>
+                                        </p:tgtEl>
+                                        <p:attrNameLst>
+                                          <p:attrName>ppt_x</p:attrName>
+                                        </p:attrNameLst>
+                                      </p:cBhvr>
+                                      <p:tavLst>
+                                        <p:tav tm="0">
+                                          <p:val>
+                                            <p:strVal val="#ppt_x"/>
+                                          </p:val>
+                                        </p:tav>
+                                        <p:tav tm="100000">
+                                          <p:val>
+                                            <p:strVal val="#ppt_x"/>
+                                          </p:val>
+                                        </p:tav>
+                                      </p:tavLst>
+                                    </p:anim>
+                                    <p:anim calcmode="lin" valueType="num">
+                                      <p:cBhvr additive="base">
+                                        <p:cTn id="14" dur="500" fill="hold"/>
+                                        <p:tgtEl>
+                                          <p:spTgt spid="2"/>
+                                        </p:tgtEl>
+                                        <p:attrNameLst>
+                                          <p:attrName>ppt_y</p:attrName>
+                                        </p:attrNameLst>
+                                      </p:cBhvr>
+                                      <p:tavLst>
+                                        <p:tav tm="0">
+                                          <p:val>
+                                            <p:strVal val="1+#ppt_h/2"/>
+                                          </p:val>
+                                        </p:tav>
+                                        <p:tav tm="100000">
+                                          <p:val>
+                                            <p:strVal val="#ppt_y"/>
+                                          </p:val>
+                                        </p:tav>
+                                      </p:tavLst>
+                                    </p:anim>
+                                  </p:childTnLst>
+                                </p:cTn>
+                              </p:par>
+                            </p:childTnLst>
+                          </p:cTn>
+                        </p:par>
+                      </p:childTnLst>
+                    </p:cTn>
+                  </p:par>
+                  <p:par>
+                    <p:cTn id="15" fill="hold">
+                      <p:stCondLst>
+                        <p:cond delay="indefinite"/>
+                      </p:stCondLst>
+                      <p:childTnLst>
+                        <p:par>
+                          <p:cTn id="16" fill="hold">
+                            <p:stCondLst>
+                              <p:cond delay="0"/>
+                            </p:stCondLst>
+                            <p:childTnLst>
+                              <p:par>
+                                <p:cTn id="17" presetID="2" presetClass="entr" presetSubtype="4" fill="hold" nodeType="clickEffect">
+                                  <p:stCondLst>
+                                    <p:cond delay="0"/>
+                                  </p:stCondLst>
+                                  <p:childTnLst>
+                                    <p:set>
+                                      <p:cBhvr>
+                                        <p:cTn id="18" dur="1" fill="hold">
+                                          <p:stCondLst>
+                                            <p:cond delay="0"/>
+                                          </p:stCondLst>
+                                        </p:cTn>
+                                        <p:tgtEl>
+                                          <p:spTgt spid="4"/>
+                                        </p:tgtEl>
+                                        <p:attrNameLst>
+                                          <p:attrName>style.visibility</p:attrName>
+                                        </p:attrNameLst>
+                                      </p:cBhvr>
+                                      <p:to>
+                                        <p:strVal val="visible"/>
+                                      </p:to>
+                                    </p:set>
+                                    <p:anim calcmode="lin" valueType="num">
+                                      <p:cBhvr additive="base">
+                                        <p:cTn id="19" dur="500" fill="hold"/>
+                                        <p:tgtEl>
+                                          <p:spTgt spid="4"/>
+                                        </p:tgtEl>
+                                        <p:attrNameLst>
+                                          <p:attrName>ppt_x</p:attrName>
+                                        </p:attrNameLst>
+                                      </p:cBhvr>
+                                      <p:tavLst>
+                                        <p:tav tm="0">
+                                          <p:val>
+                                            <p:strVal val="#ppt_x"/>
+                                          </p:val>
+                                        </p:tav>
+                                        <p:tav tm="100000">
+                                          <p:val>
+                                            <p:strVal val="#ppt_x"/>
+                                          </p:val>
+                                        </p:tav>
+                                      </p:tavLst>
+                                    </p:anim>
+                                    <p:anim calcmode="lin" valueType="num">
+                                      <p:cBhvr additive="base">
+                                        <p:cTn id="20" dur="500" fill="hold"/>
+                                        <p:tgtEl>
+                                          <p:spTgt spid="4"/>
+                                        </p:tgtEl>
+                                        <p:attrNameLst>
+                                          <p:attrName>ppt_y</p:attrName>
+                                        </p:attrNameLst>
+                                      </p:cBhvr>
+                                      <p:tavLst>
+                                        <p:tav tm="0">
+                                          <p:val>
+                                            <p:strVal val="1+#ppt_h/2"/>
+                                          </p:val>
+                                        </p:tav>
+                                        <p:tav tm="100000">
+                                          <p:val>
+                                            <p:strVal val="#ppt_y"/>
+                                          </p:val>
+                                        </p:tav>
+                                      </p:tavLst>
+                                    </p:anim>
+                                  </p:childTnLst>
+                                </p:cTn>
+                              </p:par>
+                            </p:childTnLst>
+                          </p:cTn>
+                        </p:par>
+                      </p:childTnLst>
+                    </p:cTn>
+                  </p:par>
+                </p:childTnLst>
+              </p:cTn>
+              <p:prevCondLst>
+                <p:cond evt="onPrev" delay="0">
+                  <p:tgtEl>
+                    <p:sldTgt/>
+                  </p:tgtEl>
+                </p:cond>
+              </p:prevCondLst>
+              <p:nextCondLst>
+                <p:cond evt="onNext" delay="0">
+                  <p:tgtEl>
+                    <p:sldTgt/>
+                  </p:tgtEl>
+                </p:cond>
+              </p:nextCondLst>
+            </p:seq>
+          </p:childTnLst>
+        </p:cTn>
+      </p:par>
+    </p:tnLst>
+    <p:bldLst>
+      <p:bldP spid="5" grpId="0" build="p"/>
+    </p:bldLst>
+  </p:timing>
+</p:sld>
+</file>
+
+<file path=ppt/slides/slide3.xml><?xml version="1.0" encoding="utf-8"?>
+<p:sld xmlns:a="http://schemas.openxmlformats.org/drawingml/2006/main" xmlns:r="http://schemas.openxmlformats.org/officeDocument/2006/relationships" xmlns:p="http://schemas.openxmlformats.org/presentationml/2006/main">
+  <p:cSld>
+    <p:spTree>
+      <p:nvGrpSpPr>
+        <p:cNvPr id="1" name=""/>
+        <p:cNvGrpSpPr/>
+        <p:nvPr/>
+      </p:nvGrpSpPr>
+      <p:grpSpPr>
+        <a:xfrm>
+          <a:off x="0" y="0"/>
+          <a:ext cx="0" cy="0"/>
+          <a:chOff x="0" y="0"/>
+          <a:chExt cx="0" cy="0"/>
+        </a:xfrm>
+      </p:grpSpPr>
+      <p:sp>
+        <p:nvSpPr>
+          <p:cNvPr id="3" name="Title 2"/>
+          <p:cNvSpPr>
+            <a:spLocks noGrp="1"/>
+          </p:cNvSpPr>
+          <p:nvPr>
+            <p:ph type="title"/>
+          </p:nvPr>
+        </p:nvSpPr>
+        <p:spPr/>
+        <p:txBody>
+          <a:bodyPr/>
+          <a:lstStyle/>
+          <a:p>
+            <a:r>
+              <a:rPr lang="sr-Latn-RS" altLang="ko-KR" dirty="0" smtClean="0"/>
+              <a:t>Kreiranje i Konfiguracija Projekta</a:t>
+            </a:r>
+            <a:endParaRPr lang="ko-KR" altLang="en-US" dirty="0"/>
+          </a:p>
+        </p:txBody>
+      </p:sp>
+      <p:sp>
+        <p:nvSpPr>
+          <p:cNvPr id="10" name="TextBox 9"/>
+          <p:cNvSpPr txBox="1"/>
+          <p:nvPr/>
+        </p:nvSpPr>
+        <p:spPr>
+          <a:xfrm>
+            <a:off x="1763688" y="987574"/>
+            <a:ext cx="7200800" cy="307777"/>
+          </a:xfrm>
+          <a:prstGeom prst="rect">
+            <a:avLst/>
+          </a:prstGeom>
+          <a:noFill/>
+        </p:spPr>
+        <p:txBody>
+          <a:bodyPr wrap="square" rtlCol="0">
+            <a:spAutoFit/>
+          </a:bodyPr>
+          <a:lstStyle/>
+          <a:p>
+            <a:r>
+              <a:rPr lang="sr-Latn-RS" sz="1400" dirty="0" smtClean="0">
+                <a:latin typeface="Arial" panose="020B0604020202020204" pitchFamily="34" charset="0"/>
+                <a:cs typeface="Arial" panose="020B0604020202020204" pitchFamily="34" charset="0"/>
+              </a:rPr>
+              <a:t>Modifikacija launchSettings.json fajla.</a:t>
+            </a:r>
+            <a:endParaRPr lang="sr-Latn-RS" sz="1400" dirty="0">
+              <a:latin typeface="Arial" panose="020B0604020202020204" pitchFamily="34" charset="0"/>
+              <a:cs typeface="Arial" panose="020B0604020202020204" pitchFamily="34" charset="0"/>
+            </a:endParaRPr>
+          </a:p>
+        </p:txBody>
+      </p:sp>
+      <p:pic>
+        <p:nvPicPr>
+          <p:cNvPr id="11" name="Picture 10"/>
+          <p:cNvPicPr>
+            <a:picLocks noChangeAspect="1"/>
+          </p:cNvPicPr>
+          <p:nvPr/>
+        </p:nvPicPr>
+        <p:blipFill>
+          <a:blip r:embed="rId2">
+            <a:extLst>
+              <a:ext uri="{28A0092B-C50C-407E-A947-70E740481C1C}">
+                <a14:useLocalDpi xmlns:a14="http://schemas.microsoft.com/office/drawing/2010/main" val="0"/>
+              </a:ext>
+            </a:extLst>
+          </a:blip>
+          <a:stretch>
+            <a:fillRect/>
+          </a:stretch>
+        </p:blipFill>
+        <p:spPr>
+          <a:xfrm>
+            <a:off x="1763688" y="1347614"/>
+            <a:ext cx="5020376" cy="3240360"/>
+          </a:xfrm>
+          <a:prstGeom prst="rect">
+            <a:avLst/>
+          </a:prstGeom>
+        </p:spPr>
+      </p:pic>
+      <p:sp>
+        <p:nvSpPr>
+          <p:cNvPr id="12" name="TextBox 11"/>
+          <p:cNvSpPr txBox="1"/>
+          <p:nvPr/>
+        </p:nvSpPr>
+        <p:spPr>
+          <a:xfrm>
+            <a:off x="1763688" y="4640237"/>
+            <a:ext cx="7200800" cy="307777"/>
+          </a:xfrm>
+          <a:prstGeom prst="rect">
+            <a:avLst/>
+          </a:prstGeom>
+          <a:noFill/>
+        </p:spPr>
+        <p:txBody>
+          <a:bodyPr wrap="square" rtlCol="0">
+            <a:spAutoFit/>
+          </a:bodyPr>
+          <a:lstStyle/>
+          <a:p>
+            <a:r>
+              <a:rPr lang="sr-Latn-RS" sz="1400" dirty="0">
+                <a:latin typeface="Arial" panose="020B0604020202020204" pitchFamily="34" charset="0"/>
+                <a:cs typeface="Arial" panose="020B0604020202020204" pitchFamily="34" charset="0"/>
+              </a:rPr>
+              <a:t>app.UseHttpsRedirection</a:t>
+            </a:r>
+            <a:r>
+              <a:rPr lang="sr-Latn-RS" sz="1400" dirty="0"/>
+              <a:t>();</a:t>
+            </a:r>
+            <a:endParaRPr lang="sr-Latn-RS" sz="1400" dirty="0">
+              <a:latin typeface="Arial" panose="020B0604020202020204" pitchFamily="34" charset="0"/>
+              <a:cs typeface="Arial" panose="020B0604020202020204" pitchFamily="34" charset="0"/>
+            </a:endParaRPr>
+          </a:p>
+        </p:txBody>
+      </p:sp>
+    </p:spTree>
+    <p:extLst>
+      <p:ext uri="{BB962C8B-B14F-4D97-AF65-F5344CB8AC3E}">
+        <p14:creationId xmlns:p14="http://schemas.microsoft.com/office/powerpoint/2010/main" val="898829084"/>
+      </p:ext>
+    </p:extLst>
+  </p:cSld>
+  <p:clrMapOvr>
+    <a:masterClrMapping/>
+  </p:clrMapOvr>
+  <p:timing>
+    <p:tnLst>
+      <p:par>
+        <p:cTn id="1" dur="indefinite" restart="never" nodeType="tmRoot">
+          <p:childTnLst>
+            <p:seq concurrent="1" nextAc="seek">
+              <p:cTn id="2" dur="indefinite" nodeType="mainSeq">
+                <p:childTnLst>
+                  <p:par>
+                    <p:cTn id="3" fill="hold">
+                      <p:stCondLst>
+                        <p:cond delay="indefinite"/>
+                      </p:stCondLst>
+                      <p:childTnLst>
+                        <p:par>
+                          <p:cTn id="4" fill="hold">
+                            <p:stCondLst>
+                              <p:cond delay="0"/>
+                            </p:stCondLst>
+                            <p:childTnLst>
+                              <p:par>
+                                <p:cTn id="5" presetID="2" presetClass="entr" presetSubtype="4" fill="hold" grpId="0" nodeType="clickEffect">
+                                  <p:stCondLst>
+                                    <p:cond delay="0"/>
+                                  </p:stCondLst>
+                                  <p:childTnLst>
+                                    <p:set>
+                                      <p:cBhvr>
+                                        <p:cTn id="6" dur="1" fill="hold">
+                                          <p:stCondLst>
+                                            <p:cond delay="0"/>
+                                          </p:stCondLst>
+                                        </p:cTn>
+                                        <p:tgtEl>
+                                          <p:spTgt spid="10"/>
+                                        </p:tgtEl>
+                                        <p:attrNameLst>
+                                          <p:attrName>style.visibility</p:attrName>
+                                        </p:attrNameLst>
+                                      </p:cBhvr>
+                                      <p:to>
+                                        <p:strVal val="visible"/>
+                                      </p:to>
+                                    </p:set>
+                                    <p:anim calcmode="lin" valueType="num">
+                                      <p:cBhvr additive="base">
+                                        <p:cTn id="7" dur="500" fill="hold"/>
+                                        <p:tgtEl>
+                                          <p:spTgt spid="10"/>
+                                        </p:tgtEl>
+                                        <p:attrNameLst>
+                                          <p:attrName>ppt_x</p:attrName>
+                                        </p:attrNameLst>
+                                      </p:cBhvr>
+                                      <p:tavLst>
+                                        <p:tav tm="0">
+                                          <p:val>
+                                            <p:strVal val="#ppt_x"/>
+                                          </p:val>
+                                        </p:tav>
+                                        <p:tav tm="100000">
+                                          <p:val>
+                                            <p:strVal val="#ppt_x"/>
+                                          </p:val>
+                                        </p:tav>
+                                      </p:tavLst>
+                                    </p:anim>
+                                    <p:anim calcmode="lin" valueType="num">
+                                      <p:cBhvr additive="base">
+                                        <p:cTn id="8" dur="500" fill="hold"/>
+                                        <p:tgtEl>
+                                          <p:spTgt spid="10"/>
+                                        </p:tgtEl>
+                                        <p:attrNameLst>
+                                          <p:attrName>ppt_y</p:attrName>
+                                        </p:attrNameLst>
+                                      </p:cBhvr>
+                                      <p:tavLst>
+                                        <p:tav tm="0">
+                                          <p:val>
+                                            <p:strVal val="1+#ppt_h/2"/>
+                                          </p:val>
+                                        </p:tav>
+                                        <p:tav tm="100000">
+                                          <p:val>
+                                            <p:strVal val="#ppt_y"/>
+                                          </p:val>
+                                        </p:tav>
+                                      </p:tavLst>
+                                    </p:anim>
+                                  </p:childTnLst>
+                                </p:cTn>
+                              </p:par>
+                            </p:childTnLst>
+                          </p:cTn>
+                        </p:par>
+                      </p:childTnLst>
+                    </p:cTn>
+                  </p:par>
+                  <p:par>
+                    <p:cTn id="9" fill="hold">
+                      <p:stCondLst>
+                        <p:cond delay="indefinite"/>
+                      </p:stCondLst>
+                      <p:childTnLst>
+                        <p:par>
+                          <p:cTn id="10" fill="hold">
+                            <p:stCondLst>
+                              <p:cond delay="0"/>
+                            </p:stCondLst>
+                            <p:childTnLst>
+                              <p:par>
+                                <p:cTn id="11" presetID="2" presetClass="entr" presetSubtype="4" fill="hold" nodeType="clickEffect">
+                                  <p:stCondLst>
+                                    <p:cond delay="0"/>
+                                  </p:stCondLst>
+                                  <p:childTnLst>
+                                    <p:set>
+                                      <p:cBhvr>
+                                        <p:cTn id="12" dur="1" fill="hold">
+                                          <p:stCondLst>
+                                            <p:cond delay="0"/>
+                                          </p:stCondLst>
+                                        </p:cTn>
+                                        <p:tgtEl>
+                                          <p:spTgt spid="11"/>
+                                        </p:tgtEl>
+                                        <p:attrNameLst>
+                                          <p:attrName>style.visibility</p:attrName>
+                                        </p:attrNameLst>
+                                      </p:cBhvr>
+                                      <p:to>
+                                        <p:strVal val="visible"/>
+                                      </p:to>
+                                    </p:set>
+                                    <p:anim calcmode="lin" valueType="num">
+                                      <p:cBhvr additive="base">
+                                        <p:cTn id="13" dur="500" fill="hold"/>
+                                        <p:tgtEl>
+                                          <p:spTgt spid="11"/>
+                                        </p:tgtEl>
+                                        <p:attrNameLst>
+                                          <p:attrName>ppt_x</p:attrName>
+                                        </p:attrNameLst>
+                                      </p:cBhvr>
+                                      <p:tavLst>
+                                        <p:tav tm="0">
+                                          <p:val>
+                                            <p:strVal val="#ppt_x"/>
+                                          </p:val>
+                                        </p:tav>
+                                        <p:tav tm="100000">
+                                          <p:val>
+                                            <p:strVal val="#ppt_x"/>
+                                          </p:val>
+                                        </p:tav>
+                                      </p:tavLst>
+                                    </p:anim>
+                                    <p:anim calcmode="lin" valueType="num">
+                                      <p:cBhvr additive="base">
+                                        <p:cTn id="14" dur="500" fill="hold"/>
+                                        <p:tgtEl>
+                                          <p:spTgt spid="11"/>
+                                        </p:tgtEl>
+                                        <p:attrNameLst>
+                                          <p:attrName>ppt_y</p:attrName>
+                                        </p:attrNameLst>
+                                      </p:cBhvr>
+                                      <p:tavLst>
+                                        <p:tav tm="0">
+                                          <p:val>
+                                            <p:strVal val="1+#ppt_h/2"/>
+                                          </p:val>
+                                        </p:tav>
+                                        <p:tav tm="100000">
+                                          <p:val>
+                                            <p:strVal val="#ppt_y"/>
+                                          </p:val>
+                                        </p:tav>
+                                      </p:tavLst>
+                                    </p:anim>
+                                  </p:childTnLst>
+                                </p:cTn>
+                              </p:par>
+                            </p:childTnLst>
+                          </p:cTn>
+                        </p:par>
+                      </p:childTnLst>
+                    </p:cTn>
+                  </p:par>
+                  <p:par>
+                    <p:cTn id="15" fill="hold">
+                      <p:stCondLst>
+                        <p:cond delay="indefinite"/>
+                      </p:stCondLst>
+                      <p:childTnLst>
+                        <p:par>
+                          <p:cTn id="16" fill="hold">
+                            <p:stCondLst>
+                              <p:cond delay="0"/>
+                            </p:stCondLst>
+                            <p:childTnLst>
+                              <p:par>
+                                <p:cTn id="17" presetID="2" presetClass="entr" presetSubtype="4" fill="hold" grpId="0" nodeType="clickEffect">
+                                  <p:stCondLst>
+                                    <p:cond delay="0"/>
+                                  </p:stCondLst>
+                                  <p:childTnLst>
+                                    <p:set>
+                                      <p:cBhvr>
+                                        <p:cTn id="18" dur="1" fill="hold">
+                                          <p:stCondLst>
+                                            <p:cond delay="0"/>
+                                          </p:stCondLst>
+                                        </p:cTn>
+                                        <p:tgtEl>
+                                          <p:spTgt spid="12"/>
+                                        </p:tgtEl>
+                                        <p:attrNameLst>
+                                          <p:attrName>style.visibility</p:attrName>
+                                        </p:attrNameLst>
+                                      </p:cBhvr>
+                                      <p:to>
+                                        <p:strVal val="visible"/>
+                                      </p:to>
+                                    </p:set>
+                                    <p:anim calcmode="lin" valueType="num">
+                                      <p:cBhvr additive="base">
+                                        <p:cTn id="19" dur="500" fill="hold"/>
+                                        <p:tgtEl>
+                                          <p:spTgt spid="12"/>
+                                        </p:tgtEl>
+                                        <p:attrNameLst>
+                                          <p:attrName>ppt_x</p:attrName>
+                                        </p:attrNameLst>
+                                      </p:cBhvr>
+                                      <p:tavLst>
+                                        <p:tav tm="0">
+                                          <p:val>
+                                            <p:strVal val="#ppt_x"/>
+                                          </p:val>
+                                        </p:tav>
+                                        <p:tav tm="100000">
+                                          <p:val>
+                                            <p:strVal val="#ppt_x"/>
+                                          </p:val>
+                                        </p:tav>
+                                      </p:tavLst>
+                                    </p:anim>
+                                    <p:anim calcmode="lin" valueType="num">
+                                      <p:cBhvr additive="base">
+                                        <p:cTn id="20" dur="500" fill="hold"/>
+                                        <p:tgtEl>
+                                          <p:spTgt spid="12"/>
+                                        </p:tgtEl>
+                                        <p:attrNameLst>
+                                          <p:attrName>ppt_y</p:attrName>
+                                        </p:attrNameLst>
+                                      </p:cBhvr>
+                                      <p:tavLst>
+                                        <p:tav tm="0">
+                                          <p:val>
+                                            <p:strVal val="1+#ppt_h/2"/>
+                                          </p:val>
+                                        </p:tav>
+                                        <p:tav tm="100000">
+                                          <p:val>
+                                            <p:strVal val="#ppt_y"/>
+                                          </p:val>
+                                        </p:tav>
+                                      </p:tavLst>
+                                    </p:anim>
+                                  </p:childTnLst>
+                                </p:cTn>
+                              </p:par>
+                            </p:childTnLst>
+                          </p:cTn>
+                        </p:par>
+                      </p:childTnLst>
+                    </p:cTn>
+                  </p:par>
+                </p:childTnLst>
+              </p:cTn>
+              <p:prevCondLst>
+                <p:cond evt="onPrev" delay="0">
+                  <p:tgtEl>
+                    <p:sldTgt/>
+                  </p:tgtEl>
+                </p:cond>
+              </p:prevCondLst>
+              <p:nextCondLst>
+                <p:cond evt="onNext" delay="0">
+                  <p:tgtEl>
+                    <p:sldTgt/>
+                  </p:tgtEl>
+                </p:cond>
+              </p:nextCondLst>
+            </p:seq>
+          </p:childTnLst>
+        </p:cTn>
+      </p:par>
+    </p:tnLst>
+    <p:bldLst>
+      <p:bldP spid="10" grpId="0"/>
+      <p:bldP spid="12" grpId="0"/>
+    </p:bldLst>
+  </p:timing>
 </p:sld>
 </file>
 

--- a/.NET Core i Angular Web Dev.pptx
+++ b/.NET Core i Angular Web Dev.pptx
@@ -5,10 +5,24 @@
     <p:sldMasterId id="2147483648" r:id="rId1"/>
     <p:sldMasterId id="2147483661" r:id="rId2"/>
   </p:sldMasterIdLst>
+  <p:notesMasterIdLst>
+    <p:notesMasterId r:id="rId17"/>
+  </p:notesMasterIdLst>
   <p:sldIdLst>
     <p:sldId id="256" r:id="rId3"/>
     <p:sldId id="259" r:id="rId4"/>
     <p:sldId id="260" r:id="rId5"/>
+    <p:sldId id="261" r:id="rId6"/>
+    <p:sldId id="262" r:id="rId7"/>
+    <p:sldId id="263" r:id="rId8"/>
+    <p:sldId id="264" r:id="rId9"/>
+    <p:sldId id="265" r:id="rId10"/>
+    <p:sldId id="266" r:id="rId11"/>
+    <p:sldId id="267" r:id="rId12"/>
+    <p:sldId id="268" r:id="rId13"/>
+    <p:sldId id="269" r:id="rId14"/>
+    <p:sldId id="270" r:id="rId15"/>
+    <p:sldId id="271" r:id="rId16"/>
   </p:sldIdLst>
   <p:sldSz cx="9144000" cy="5143500" type="screen16x9"/>
   <p:notesSz cx="6858000" cy="9144000"/>
@@ -108,6 +122,28 @@
     </a:lvl9pPr>
   </p:defaultTextStyle>
   <p:extLst>
+    <p:ext uri="{521415D9-36F7-43E2-AB2F-B90AF26B5E84}">
+      <p14:sectionLst xmlns:p14="http://schemas.microsoft.com/office/powerpoint/2010/main">
+        <p14:section name="Default Section" id="{37FC503D-1D52-413D-BB69-9358856FF92B}">
+          <p14:sldIdLst>
+            <p14:sldId id="256"/>
+            <p14:sldId id="259"/>
+            <p14:sldId id="260"/>
+            <p14:sldId id="261"/>
+            <p14:sldId id="262"/>
+            <p14:sldId id="263"/>
+            <p14:sldId id="264"/>
+            <p14:sldId id="265"/>
+            <p14:sldId id="266"/>
+            <p14:sldId id="267"/>
+            <p14:sldId id="268"/>
+            <p14:sldId id="269"/>
+            <p14:sldId id="270"/>
+            <p14:sldId id="271"/>
+          </p14:sldIdLst>
+        </p14:section>
+      </p14:sectionLst>
+    </p:ext>
     <p:ext uri="{EFAFB233-063F-42B5-8137-9DF3F51BA10A}">
       <p15:sldGuideLst xmlns:p15="http://schemas.microsoft.com/office/powerpoint/2012/main">
         <p15:guide id="1" orient="horz" pos="1620">
@@ -124,6 +160,564 @@
     </p:ext>
   </p:extLst>
 </p:presentation>
+</file>
+
+<file path=ppt/notesMasters/notesMaster1.xml><?xml version="1.0" encoding="utf-8"?>
+<p:notesMaster xmlns:a="http://schemas.openxmlformats.org/drawingml/2006/main" xmlns:r="http://schemas.openxmlformats.org/officeDocument/2006/relationships" xmlns:p="http://schemas.openxmlformats.org/presentationml/2006/main">
+  <p:cSld>
+    <p:bg>
+      <p:bgRef idx="1001">
+        <a:schemeClr val="bg1"/>
+      </p:bgRef>
+    </p:bg>
+    <p:spTree>
+      <p:nvGrpSpPr>
+        <p:cNvPr id="1" name=""/>
+        <p:cNvGrpSpPr/>
+        <p:nvPr/>
+      </p:nvGrpSpPr>
+      <p:grpSpPr>
+        <a:xfrm>
+          <a:off x="0" y="0"/>
+          <a:ext cx="0" cy="0"/>
+          <a:chOff x="0" y="0"/>
+          <a:chExt cx="0" cy="0"/>
+        </a:xfrm>
+      </p:grpSpPr>
+      <p:sp>
+        <p:nvSpPr>
+          <p:cNvPr id="2" name="Header Placeholder 1"/>
+          <p:cNvSpPr>
+            <a:spLocks noGrp="1"/>
+          </p:cNvSpPr>
+          <p:nvPr>
+            <p:ph type="hdr" sz="quarter"/>
+          </p:nvPr>
+        </p:nvSpPr>
+        <p:spPr>
+          <a:xfrm>
+            <a:off x="0" y="0"/>
+            <a:ext cx="2971800" cy="458788"/>
+          </a:xfrm>
+          <a:prstGeom prst="rect">
+            <a:avLst/>
+          </a:prstGeom>
+        </p:spPr>
+        <p:txBody>
+          <a:bodyPr vert="horz" lIns="91440" tIns="45720" rIns="91440" bIns="45720" rtlCol="0"/>
+          <a:lstStyle>
+            <a:lvl1pPr algn="l">
+              <a:defRPr sz="1200"/>
+            </a:lvl1pPr>
+          </a:lstStyle>
+          <a:p>
+            <a:endParaRPr lang="en-US"/>
+          </a:p>
+        </p:txBody>
+      </p:sp>
+      <p:sp>
+        <p:nvSpPr>
+          <p:cNvPr id="3" name="Date Placeholder 2"/>
+          <p:cNvSpPr>
+            <a:spLocks noGrp="1"/>
+          </p:cNvSpPr>
+          <p:nvPr>
+            <p:ph type="dt" idx="1"/>
+          </p:nvPr>
+        </p:nvSpPr>
+        <p:spPr>
+          <a:xfrm>
+            <a:off x="3884613" y="0"/>
+            <a:ext cx="2971800" cy="458788"/>
+          </a:xfrm>
+          <a:prstGeom prst="rect">
+            <a:avLst/>
+          </a:prstGeom>
+        </p:spPr>
+        <p:txBody>
+          <a:bodyPr vert="horz" lIns="91440" tIns="45720" rIns="91440" bIns="45720" rtlCol="0"/>
+          <a:lstStyle>
+            <a:lvl1pPr algn="r">
+              <a:defRPr sz="1200"/>
+            </a:lvl1pPr>
+          </a:lstStyle>
+          <a:p>
+            <a:fld id="{9395AC98-444F-491B-ACBF-243E6E8872C7}" type="datetimeFigureOut">
+              <a:rPr lang="en-US" smtClean="0"/>
+              <a:t>11/26/2018</a:t>
+            </a:fld>
+            <a:endParaRPr lang="en-US"/>
+          </a:p>
+        </p:txBody>
+      </p:sp>
+      <p:sp>
+        <p:nvSpPr>
+          <p:cNvPr id="4" name="Slide Image Placeholder 3"/>
+          <p:cNvSpPr>
+            <a:spLocks noGrp="1" noRot="1" noChangeAspect="1"/>
+          </p:cNvSpPr>
+          <p:nvPr>
+            <p:ph type="sldImg" idx="2"/>
+          </p:nvPr>
+        </p:nvSpPr>
+        <p:spPr>
+          <a:xfrm>
+            <a:off x="685800" y="1143000"/>
+            <a:ext cx="5486400" cy="3086100"/>
+          </a:xfrm>
+          <a:prstGeom prst="rect">
+            <a:avLst/>
+          </a:prstGeom>
+          <a:noFill/>
+          <a:ln w="12700">
+            <a:solidFill>
+              <a:prstClr val="black"/>
+            </a:solidFill>
+          </a:ln>
+        </p:spPr>
+        <p:txBody>
+          <a:bodyPr vert="horz" lIns="91440" tIns="45720" rIns="91440" bIns="45720" rtlCol="0" anchor="ctr"/>
+          <a:lstStyle/>
+          <a:p>
+            <a:endParaRPr lang="en-US"/>
+          </a:p>
+        </p:txBody>
+      </p:sp>
+      <p:sp>
+        <p:nvSpPr>
+          <p:cNvPr id="5" name="Notes Placeholder 4"/>
+          <p:cNvSpPr>
+            <a:spLocks noGrp="1"/>
+          </p:cNvSpPr>
+          <p:nvPr>
+            <p:ph type="body" sz="quarter" idx="3"/>
+          </p:nvPr>
+        </p:nvSpPr>
+        <p:spPr>
+          <a:xfrm>
+            <a:off x="685800" y="4400550"/>
+            <a:ext cx="5486400" cy="3600450"/>
+          </a:xfrm>
+          <a:prstGeom prst="rect">
+            <a:avLst/>
+          </a:prstGeom>
+        </p:spPr>
+        <p:txBody>
+          <a:bodyPr vert="horz" lIns="91440" tIns="45720" rIns="91440" bIns="45720" rtlCol="0"/>
+          <a:lstStyle/>
+          <a:p>
+            <a:pPr lvl="0"/>
+            <a:r>
+              <a:rPr lang="en-US" smtClean="0"/>
+              <a:t>Click to edit Master text styles</a:t>
+            </a:r>
+          </a:p>
+          <a:p>
+            <a:pPr lvl="1"/>
+            <a:r>
+              <a:rPr lang="en-US" smtClean="0"/>
+              <a:t>Second level</a:t>
+            </a:r>
+          </a:p>
+          <a:p>
+            <a:pPr lvl="2"/>
+            <a:r>
+              <a:rPr lang="en-US" smtClean="0"/>
+              <a:t>Third level</a:t>
+            </a:r>
+          </a:p>
+          <a:p>
+            <a:pPr lvl="3"/>
+            <a:r>
+              <a:rPr lang="en-US" smtClean="0"/>
+              <a:t>Fourth level</a:t>
+            </a:r>
+          </a:p>
+          <a:p>
+            <a:pPr lvl="4"/>
+            <a:r>
+              <a:rPr lang="en-US" smtClean="0"/>
+              <a:t>Fifth level</a:t>
+            </a:r>
+            <a:endParaRPr lang="en-US"/>
+          </a:p>
+        </p:txBody>
+      </p:sp>
+      <p:sp>
+        <p:nvSpPr>
+          <p:cNvPr id="6" name="Footer Placeholder 5"/>
+          <p:cNvSpPr>
+            <a:spLocks noGrp="1"/>
+          </p:cNvSpPr>
+          <p:nvPr>
+            <p:ph type="ftr" sz="quarter" idx="4"/>
+          </p:nvPr>
+        </p:nvSpPr>
+        <p:spPr>
+          <a:xfrm>
+            <a:off x="0" y="8685213"/>
+            <a:ext cx="2971800" cy="458787"/>
+          </a:xfrm>
+          <a:prstGeom prst="rect">
+            <a:avLst/>
+          </a:prstGeom>
+        </p:spPr>
+        <p:txBody>
+          <a:bodyPr vert="horz" lIns="91440" tIns="45720" rIns="91440" bIns="45720" rtlCol="0" anchor="b"/>
+          <a:lstStyle>
+            <a:lvl1pPr algn="l">
+              <a:defRPr sz="1200"/>
+            </a:lvl1pPr>
+          </a:lstStyle>
+          <a:p>
+            <a:endParaRPr lang="en-US"/>
+          </a:p>
+        </p:txBody>
+      </p:sp>
+      <p:sp>
+        <p:nvSpPr>
+          <p:cNvPr id="7" name="Slide Number Placeholder 6"/>
+          <p:cNvSpPr>
+            <a:spLocks noGrp="1"/>
+          </p:cNvSpPr>
+          <p:nvPr>
+            <p:ph type="sldNum" sz="quarter" idx="5"/>
+          </p:nvPr>
+        </p:nvSpPr>
+        <p:spPr>
+          <a:xfrm>
+            <a:off x="3884613" y="8685213"/>
+            <a:ext cx="2971800" cy="458787"/>
+          </a:xfrm>
+          <a:prstGeom prst="rect">
+            <a:avLst/>
+          </a:prstGeom>
+        </p:spPr>
+        <p:txBody>
+          <a:bodyPr vert="horz" lIns="91440" tIns="45720" rIns="91440" bIns="45720" rtlCol="0" anchor="b"/>
+          <a:lstStyle>
+            <a:lvl1pPr algn="r">
+              <a:defRPr sz="1200"/>
+            </a:lvl1pPr>
+          </a:lstStyle>
+          <a:p>
+            <a:fld id="{6999C38D-9D80-490C-B646-4466274A86CA}" type="slidenum">
+              <a:rPr lang="en-US" smtClean="0"/>
+              <a:t>‹#›</a:t>
+            </a:fld>
+            <a:endParaRPr lang="en-US"/>
+          </a:p>
+        </p:txBody>
+      </p:sp>
+    </p:spTree>
+    <p:extLst>
+      <p:ext uri="{BB962C8B-B14F-4D97-AF65-F5344CB8AC3E}">
+        <p14:creationId xmlns:p14="http://schemas.microsoft.com/office/powerpoint/2010/main" val="3818487533"/>
+      </p:ext>
+    </p:extLst>
+  </p:cSld>
+  <p:clrMap bg1="lt1" tx1="dk1" bg2="lt2" tx2="dk2" accent1="accent1" accent2="accent2" accent3="accent3" accent4="accent4" accent5="accent5" accent6="accent6" hlink="hlink" folHlink="folHlink"/>
+  <p:notesStyle>
+    <a:lvl1pPr marL="0" algn="l" defTabSz="914400" rtl="0" eaLnBrk="1" latinLnBrk="0" hangingPunct="1">
+      <a:defRPr sz="1200" kern="1200">
+        <a:solidFill>
+          <a:schemeClr val="tx1"/>
+        </a:solidFill>
+        <a:latin typeface="+mn-lt"/>
+        <a:ea typeface="+mn-ea"/>
+        <a:cs typeface="+mn-cs"/>
+      </a:defRPr>
+    </a:lvl1pPr>
+    <a:lvl2pPr marL="457200" algn="l" defTabSz="914400" rtl="0" eaLnBrk="1" latinLnBrk="0" hangingPunct="1">
+      <a:defRPr sz="1200" kern="1200">
+        <a:solidFill>
+          <a:schemeClr val="tx1"/>
+        </a:solidFill>
+        <a:latin typeface="+mn-lt"/>
+        <a:ea typeface="+mn-ea"/>
+        <a:cs typeface="+mn-cs"/>
+      </a:defRPr>
+    </a:lvl2pPr>
+    <a:lvl3pPr marL="914400" algn="l" defTabSz="914400" rtl="0" eaLnBrk="1" latinLnBrk="0" hangingPunct="1">
+      <a:defRPr sz="1200" kern="1200">
+        <a:solidFill>
+          <a:schemeClr val="tx1"/>
+        </a:solidFill>
+        <a:latin typeface="+mn-lt"/>
+        <a:ea typeface="+mn-ea"/>
+        <a:cs typeface="+mn-cs"/>
+      </a:defRPr>
+    </a:lvl3pPr>
+    <a:lvl4pPr marL="1371600" algn="l" defTabSz="914400" rtl="0" eaLnBrk="1" latinLnBrk="0" hangingPunct="1">
+      <a:defRPr sz="1200" kern="1200">
+        <a:solidFill>
+          <a:schemeClr val="tx1"/>
+        </a:solidFill>
+        <a:latin typeface="+mn-lt"/>
+        <a:ea typeface="+mn-ea"/>
+        <a:cs typeface="+mn-cs"/>
+      </a:defRPr>
+    </a:lvl4pPr>
+    <a:lvl5pPr marL="1828800" algn="l" defTabSz="914400" rtl="0" eaLnBrk="1" latinLnBrk="0" hangingPunct="1">
+      <a:defRPr sz="1200" kern="1200">
+        <a:solidFill>
+          <a:schemeClr val="tx1"/>
+        </a:solidFill>
+        <a:latin typeface="+mn-lt"/>
+        <a:ea typeface="+mn-ea"/>
+        <a:cs typeface="+mn-cs"/>
+      </a:defRPr>
+    </a:lvl5pPr>
+    <a:lvl6pPr marL="2286000" algn="l" defTabSz="914400" rtl="0" eaLnBrk="1" latinLnBrk="0" hangingPunct="1">
+      <a:defRPr sz="1200" kern="1200">
+        <a:solidFill>
+          <a:schemeClr val="tx1"/>
+        </a:solidFill>
+        <a:latin typeface="+mn-lt"/>
+        <a:ea typeface="+mn-ea"/>
+        <a:cs typeface="+mn-cs"/>
+      </a:defRPr>
+    </a:lvl6pPr>
+    <a:lvl7pPr marL="2743200" algn="l" defTabSz="914400" rtl="0" eaLnBrk="1" latinLnBrk="0" hangingPunct="1">
+      <a:defRPr sz="1200" kern="1200">
+        <a:solidFill>
+          <a:schemeClr val="tx1"/>
+        </a:solidFill>
+        <a:latin typeface="+mn-lt"/>
+        <a:ea typeface="+mn-ea"/>
+        <a:cs typeface="+mn-cs"/>
+      </a:defRPr>
+    </a:lvl7pPr>
+    <a:lvl8pPr marL="3200400" algn="l" defTabSz="914400" rtl="0" eaLnBrk="1" latinLnBrk="0" hangingPunct="1">
+      <a:defRPr sz="1200" kern="1200">
+        <a:solidFill>
+          <a:schemeClr val="tx1"/>
+        </a:solidFill>
+        <a:latin typeface="+mn-lt"/>
+        <a:ea typeface="+mn-ea"/>
+        <a:cs typeface="+mn-cs"/>
+      </a:defRPr>
+    </a:lvl8pPr>
+    <a:lvl9pPr marL="3657600" algn="l" defTabSz="914400" rtl="0" eaLnBrk="1" latinLnBrk="0" hangingPunct="1">
+      <a:defRPr sz="1200" kern="1200">
+        <a:solidFill>
+          <a:schemeClr val="tx1"/>
+        </a:solidFill>
+        <a:latin typeface="+mn-lt"/>
+        <a:ea typeface="+mn-ea"/>
+        <a:cs typeface="+mn-cs"/>
+      </a:defRPr>
+    </a:lvl9pPr>
+  </p:notesStyle>
+</p:notesMaster>
+</file>
+
+<file path=ppt/notesSlides/notesSlide1.xml><?xml version="1.0" encoding="utf-8"?>
+<p:notes xmlns:a="http://schemas.openxmlformats.org/drawingml/2006/main" xmlns:r="http://schemas.openxmlformats.org/officeDocument/2006/relationships" xmlns:p="http://schemas.openxmlformats.org/presentationml/2006/main">
+  <p:cSld>
+    <p:spTree>
+      <p:nvGrpSpPr>
+        <p:cNvPr id="1" name=""/>
+        <p:cNvGrpSpPr/>
+        <p:nvPr/>
+      </p:nvGrpSpPr>
+      <p:grpSpPr>
+        <a:xfrm>
+          <a:off x="0" y="0"/>
+          <a:ext cx="0" cy="0"/>
+          <a:chOff x="0" y="0"/>
+          <a:chExt cx="0" cy="0"/>
+        </a:xfrm>
+      </p:grpSpPr>
+      <p:sp>
+        <p:nvSpPr>
+          <p:cNvPr id="2" name="Slide Image Placeholder 1"/>
+          <p:cNvSpPr>
+            <a:spLocks noGrp="1" noRot="1" noChangeAspect="1"/>
+          </p:cNvSpPr>
+          <p:nvPr>
+            <p:ph type="sldImg"/>
+          </p:nvPr>
+        </p:nvSpPr>
+        <p:spPr/>
+      </p:sp>
+      <p:sp>
+        <p:nvSpPr>
+          <p:cNvPr id="3" name="Notes Placeholder 2"/>
+          <p:cNvSpPr>
+            <a:spLocks noGrp="1"/>
+          </p:cNvSpPr>
+          <p:nvPr>
+            <p:ph type="body" idx="1"/>
+          </p:nvPr>
+        </p:nvSpPr>
+        <p:spPr/>
+        <p:txBody>
+          <a:bodyPr/>
+          <a:lstStyle/>
+          <a:p>
+            <a:endParaRPr lang="en-US" dirty="0"/>
+          </a:p>
+        </p:txBody>
+      </p:sp>
+      <p:sp>
+        <p:nvSpPr>
+          <p:cNvPr id="4" name="Slide Number Placeholder 3"/>
+          <p:cNvSpPr>
+            <a:spLocks noGrp="1"/>
+          </p:cNvSpPr>
+          <p:nvPr>
+            <p:ph type="sldNum" sz="quarter" idx="10"/>
+          </p:nvPr>
+        </p:nvSpPr>
+        <p:spPr/>
+        <p:txBody>
+          <a:bodyPr/>
+          <a:lstStyle/>
+          <a:p>
+            <a:fld id="{6999C38D-9D80-490C-B646-4466274A86CA}" type="slidenum">
+              <a:rPr lang="en-US" smtClean="0"/>
+              <a:t>4</a:t>
+            </a:fld>
+            <a:endParaRPr lang="en-US"/>
+          </a:p>
+        </p:txBody>
+      </p:sp>
+    </p:spTree>
+    <p:extLst>
+      <p:ext uri="{BB962C8B-B14F-4D97-AF65-F5344CB8AC3E}">
+        <p14:creationId xmlns:p14="http://schemas.microsoft.com/office/powerpoint/2010/main" val="3930392674"/>
+      </p:ext>
+    </p:extLst>
+  </p:cSld>
+  <p:clrMapOvr>
+    <a:masterClrMapping/>
+  </p:clrMapOvr>
+</p:notes>
+</file>
+
+<file path=ppt/notesSlides/notesSlide2.xml><?xml version="1.0" encoding="utf-8"?>
+<p:notes xmlns:a="http://schemas.openxmlformats.org/drawingml/2006/main" xmlns:r="http://schemas.openxmlformats.org/officeDocument/2006/relationships" xmlns:p="http://schemas.openxmlformats.org/presentationml/2006/main">
+  <p:cSld>
+    <p:spTree>
+      <p:nvGrpSpPr>
+        <p:cNvPr id="1" name=""/>
+        <p:cNvGrpSpPr/>
+        <p:nvPr/>
+      </p:nvGrpSpPr>
+      <p:grpSpPr>
+        <a:xfrm>
+          <a:off x="0" y="0"/>
+          <a:ext cx="0" cy="0"/>
+          <a:chOff x="0" y="0"/>
+          <a:chExt cx="0" cy="0"/>
+        </a:xfrm>
+      </p:grpSpPr>
+      <p:sp>
+        <p:nvSpPr>
+          <p:cNvPr id="2" name="Slide Image Placeholder 1"/>
+          <p:cNvSpPr>
+            <a:spLocks noGrp="1" noRot="1" noChangeAspect="1"/>
+          </p:cNvSpPr>
+          <p:nvPr>
+            <p:ph type="sldImg"/>
+          </p:nvPr>
+        </p:nvSpPr>
+        <p:spPr/>
+      </p:sp>
+      <p:sp>
+        <p:nvSpPr>
+          <p:cNvPr id="3" name="Notes Placeholder 2"/>
+          <p:cNvSpPr>
+            <a:spLocks noGrp="1"/>
+          </p:cNvSpPr>
+          <p:nvPr>
+            <p:ph type="body" idx="1"/>
+          </p:nvPr>
+        </p:nvSpPr>
+        <p:spPr/>
+        <p:txBody>
+          <a:bodyPr/>
+          <a:lstStyle/>
+          <a:p>
+            <a:r>
+              <a:rPr lang="en-US" dirty="0" err="1" smtClean="0"/>
+              <a:t>Objasniti</a:t>
+            </a:r>
+            <a:r>
+              <a:rPr lang="en-US" baseline="0" dirty="0" smtClean="0"/>
+              <a:t> tri </a:t>
+            </a:r>
+            <a:r>
+              <a:rPr lang="en-US" baseline="0" dirty="0" err="1" smtClean="0"/>
+              <a:t>nivoa</a:t>
+            </a:r>
+            <a:r>
+              <a:rPr lang="en-US" baseline="0" dirty="0" smtClean="0"/>
+              <a:t> </a:t>
+            </a:r>
+            <a:r>
+              <a:rPr lang="en-US" baseline="0" dirty="0" err="1" smtClean="0"/>
+              <a:t>registracije</a:t>
+            </a:r>
+            <a:r>
+              <a:rPr lang="en-US" baseline="0" dirty="0" smtClean="0"/>
+              <a:t> u </a:t>
+            </a:r>
+            <a:r>
+              <a:rPr lang="en-US" baseline="0" dirty="0" err="1" smtClean="0"/>
+              <a:t>okviru</a:t>
+            </a:r>
+            <a:r>
+              <a:rPr lang="en-US" baseline="0" dirty="0" smtClean="0"/>
+              <a:t> </a:t>
+            </a:r>
+            <a:r>
+              <a:rPr lang="en-US" baseline="0" dirty="0" err="1" smtClean="0"/>
+              <a:t>IServiceCollection</a:t>
+            </a:r>
+            <a:r>
+              <a:rPr lang="en-US" baseline="0" dirty="0" smtClean="0"/>
+              <a:t>: Scoped, Transient, Singleton</a:t>
+            </a:r>
+            <a:endParaRPr lang="en-US" dirty="0"/>
+          </a:p>
+        </p:txBody>
+      </p:sp>
+      <p:sp>
+        <p:nvSpPr>
+          <p:cNvPr id="4" name="Slide Number Placeholder 3"/>
+          <p:cNvSpPr>
+            <a:spLocks noGrp="1"/>
+          </p:cNvSpPr>
+          <p:nvPr>
+            <p:ph type="sldNum" sz="quarter" idx="10"/>
+          </p:nvPr>
+        </p:nvSpPr>
+        <p:spPr/>
+        <p:txBody>
+          <a:bodyPr/>
+          <a:lstStyle/>
+          <a:p>
+            <a:fld id="{6999C38D-9D80-490C-B646-4466274A86CA}" type="slidenum">
+              <a:rPr lang="en-US" smtClean="0"/>
+              <a:t>8</a:t>
+            </a:fld>
+            <a:endParaRPr lang="en-US"/>
+          </a:p>
+        </p:txBody>
+      </p:sp>
+    </p:spTree>
+    <p:extLst>
+      <p:ext uri="{BB962C8B-B14F-4D97-AF65-F5344CB8AC3E}">
+        <p14:creationId xmlns:p14="http://schemas.microsoft.com/office/powerpoint/2010/main" val="3764874832"/>
+      </p:ext>
+    </p:extLst>
+  </p:cSld>
+  <p:clrMapOvr>
+    <a:masterClrMapping/>
+  </p:clrMapOvr>
+</p:notes>
 </file>
 
 <file path=ppt/slideLayouts/slideLayout1.xml><?xml version="1.0" encoding="utf-8"?>
@@ -4120,6 +4714,2281 @@
 </p:sld>
 </file>
 
+<file path=ppt/slides/slide10.xml><?xml version="1.0" encoding="utf-8"?>
+<p:sld xmlns:a="http://schemas.openxmlformats.org/drawingml/2006/main" xmlns:r="http://schemas.openxmlformats.org/officeDocument/2006/relationships" xmlns:p="http://schemas.openxmlformats.org/presentationml/2006/main">
+  <p:cSld>
+    <p:spTree>
+      <p:nvGrpSpPr>
+        <p:cNvPr id="1" name=""/>
+        <p:cNvGrpSpPr/>
+        <p:nvPr/>
+      </p:nvGrpSpPr>
+      <p:grpSpPr>
+        <a:xfrm>
+          <a:off x="0" y="0"/>
+          <a:ext cx="0" cy="0"/>
+          <a:chOff x="0" y="0"/>
+          <a:chExt cx="0" cy="0"/>
+        </a:xfrm>
+      </p:grpSpPr>
+      <p:sp>
+        <p:nvSpPr>
+          <p:cNvPr id="3" name="Title 2"/>
+          <p:cNvSpPr>
+            <a:spLocks noGrp="1"/>
+          </p:cNvSpPr>
+          <p:nvPr>
+            <p:ph type="title"/>
+          </p:nvPr>
+        </p:nvSpPr>
+        <p:spPr>
+          <a:xfrm>
+            <a:off x="1619672" y="0"/>
+            <a:ext cx="7524328" cy="627534"/>
+          </a:xfrm>
+        </p:spPr>
+        <p:txBody>
+          <a:bodyPr/>
+          <a:lstStyle/>
+          <a:p>
+            <a:pPr algn="ctr"/>
+            <a:r>
+              <a:rPr lang="sr-Latn-RS" altLang="ko-KR" dirty="0" smtClean="0"/>
+              <a:t>Konfiguracija EF Core, Code First</a:t>
+            </a:r>
+            <a:endParaRPr lang="ko-KR" altLang="en-US" dirty="0"/>
+          </a:p>
+        </p:txBody>
+      </p:sp>
+      <p:sp>
+        <p:nvSpPr>
+          <p:cNvPr id="4" name="TextBox 3"/>
+          <p:cNvSpPr txBox="1"/>
+          <p:nvPr/>
+        </p:nvSpPr>
+        <p:spPr>
+          <a:xfrm>
+            <a:off x="1619672" y="896402"/>
+            <a:ext cx="7200800" cy="307777"/>
+          </a:xfrm>
+          <a:prstGeom prst="rect">
+            <a:avLst/>
+          </a:prstGeom>
+          <a:noFill/>
+        </p:spPr>
+        <p:txBody>
+          <a:bodyPr wrap="square" rtlCol="0">
+            <a:spAutoFit/>
+          </a:bodyPr>
+          <a:lstStyle/>
+          <a:p>
+            <a:r>
+              <a:rPr lang="en-US" sz="1400" dirty="0" err="1" smtClean="0">
+                <a:latin typeface="Arial" panose="020B0604020202020204" pitchFamily="34" charset="0"/>
+                <a:cs typeface="Arial" panose="020B0604020202020204" pitchFamily="34" charset="0"/>
+              </a:rPr>
+              <a:t>Dodavanje</a:t>
+            </a:r>
+            <a:r>
+              <a:rPr lang="en-US" sz="1400" dirty="0" smtClean="0">
+                <a:latin typeface="Arial" panose="020B0604020202020204" pitchFamily="34" charset="0"/>
+                <a:cs typeface="Arial" panose="020B0604020202020204" pitchFamily="34" charset="0"/>
+              </a:rPr>
+              <a:t> </a:t>
+            </a:r>
+            <a:r>
+              <a:rPr lang="en-US" sz="1400" dirty="0" err="1" smtClean="0">
+                <a:latin typeface="Arial" panose="020B0604020202020204" pitchFamily="34" charset="0"/>
+                <a:cs typeface="Arial" panose="020B0604020202020204" pitchFamily="34" charset="0"/>
+              </a:rPr>
+              <a:t>migracije</a:t>
+            </a:r>
+            <a:r>
+              <a:rPr lang="en-US" sz="1400" dirty="0" smtClean="0">
+                <a:latin typeface="Arial" panose="020B0604020202020204" pitchFamily="34" charset="0"/>
+                <a:cs typeface="Arial" panose="020B0604020202020204" pitchFamily="34" charset="0"/>
+              </a:rPr>
+              <a:t> u Package Manager Console </a:t>
+            </a:r>
+            <a:r>
+              <a:rPr lang="en-US" sz="1400" dirty="0" err="1" smtClean="0">
+                <a:latin typeface="Arial" panose="020B0604020202020204" pitchFamily="34" charset="0"/>
+                <a:cs typeface="Arial" panose="020B0604020202020204" pitchFamily="34" charset="0"/>
+              </a:rPr>
+              <a:t>prozoru</a:t>
+            </a:r>
+            <a:endParaRPr lang="en-US" sz="1400" dirty="0">
+              <a:latin typeface="Arial" panose="020B0604020202020204" pitchFamily="34" charset="0"/>
+              <a:cs typeface="Arial" panose="020B0604020202020204" pitchFamily="34" charset="0"/>
+            </a:endParaRPr>
+          </a:p>
+        </p:txBody>
+      </p:sp>
+      <p:pic>
+        <p:nvPicPr>
+          <p:cNvPr id="5" name="Picture 4"/>
+          <p:cNvPicPr>
+            <a:picLocks noChangeAspect="1"/>
+          </p:cNvPicPr>
+          <p:nvPr/>
+        </p:nvPicPr>
+        <p:blipFill>
+          <a:blip r:embed="rId2">
+            <a:extLst>
+              <a:ext uri="{28A0092B-C50C-407E-A947-70E740481C1C}">
+                <a14:useLocalDpi xmlns:a14="http://schemas.microsoft.com/office/drawing/2010/main" val="0"/>
+              </a:ext>
+            </a:extLst>
+          </a:blip>
+          <a:stretch>
+            <a:fillRect/>
+          </a:stretch>
+        </p:blipFill>
+        <p:spPr>
+          <a:xfrm>
+            <a:off x="1748911" y="1275606"/>
+            <a:ext cx="5559393" cy="3867893"/>
+          </a:xfrm>
+          <a:prstGeom prst="rect">
+            <a:avLst/>
+          </a:prstGeom>
+        </p:spPr>
+      </p:pic>
+    </p:spTree>
+    <p:extLst>
+      <p:ext uri="{BB962C8B-B14F-4D97-AF65-F5344CB8AC3E}">
+        <p14:creationId xmlns:p14="http://schemas.microsoft.com/office/powerpoint/2010/main" val="3346928304"/>
+      </p:ext>
+    </p:extLst>
+  </p:cSld>
+  <p:clrMapOvr>
+    <a:masterClrMapping/>
+  </p:clrMapOvr>
+  <p:timing>
+    <p:tnLst>
+      <p:par>
+        <p:cTn id="1" dur="indefinite" restart="never" nodeType="tmRoot">
+          <p:childTnLst>
+            <p:seq concurrent="1" nextAc="seek">
+              <p:cTn id="2" dur="indefinite" nodeType="mainSeq">
+                <p:childTnLst>
+                  <p:par>
+                    <p:cTn id="3" fill="hold">
+                      <p:stCondLst>
+                        <p:cond delay="indefinite"/>
+                      </p:stCondLst>
+                      <p:childTnLst>
+                        <p:par>
+                          <p:cTn id="4" fill="hold">
+                            <p:stCondLst>
+                              <p:cond delay="0"/>
+                            </p:stCondLst>
+                            <p:childTnLst>
+                              <p:par>
+                                <p:cTn id="5" presetID="2" presetClass="entr" presetSubtype="4" fill="hold" grpId="0" nodeType="clickEffect">
+                                  <p:stCondLst>
+                                    <p:cond delay="0"/>
+                                  </p:stCondLst>
+                                  <p:childTnLst>
+                                    <p:set>
+                                      <p:cBhvr>
+                                        <p:cTn id="6" dur="1" fill="hold">
+                                          <p:stCondLst>
+                                            <p:cond delay="0"/>
+                                          </p:stCondLst>
+                                        </p:cTn>
+                                        <p:tgtEl>
+                                          <p:spTgt spid="4"/>
+                                        </p:tgtEl>
+                                        <p:attrNameLst>
+                                          <p:attrName>style.visibility</p:attrName>
+                                        </p:attrNameLst>
+                                      </p:cBhvr>
+                                      <p:to>
+                                        <p:strVal val="visible"/>
+                                      </p:to>
+                                    </p:set>
+                                    <p:anim calcmode="lin" valueType="num">
+                                      <p:cBhvr additive="base">
+                                        <p:cTn id="7" dur="500" fill="hold"/>
+                                        <p:tgtEl>
+                                          <p:spTgt spid="4"/>
+                                        </p:tgtEl>
+                                        <p:attrNameLst>
+                                          <p:attrName>ppt_x</p:attrName>
+                                        </p:attrNameLst>
+                                      </p:cBhvr>
+                                      <p:tavLst>
+                                        <p:tav tm="0">
+                                          <p:val>
+                                            <p:strVal val="#ppt_x"/>
+                                          </p:val>
+                                        </p:tav>
+                                        <p:tav tm="100000">
+                                          <p:val>
+                                            <p:strVal val="#ppt_x"/>
+                                          </p:val>
+                                        </p:tav>
+                                      </p:tavLst>
+                                    </p:anim>
+                                    <p:anim calcmode="lin" valueType="num">
+                                      <p:cBhvr additive="base">
+                                        <p:cTn id="8" dur="500" fill="hold"/>
+                                        <p:tgtEl>
+                                          <p:spTgt spid="4"/>
+                                        </p:tgtEl>
+                                        <p:attrNameLst>
+                                          <p:attrName>ppt_y</p:attrName>
+                                        </p:attrNameLst>
+                                      </p:cBhvr>
+                                      <p:tavLst>
+                                        <p:tav tm="0">
+                                          <p:val>
+                                            <p:strVal val="1+#ppt_h/2"/>
+                                          </p:val>
+                                        </p:tav>
+                                        <p:tav tm="100000">
+                                          <p:val>
+                                            <p:strVal val="#ppt_y"/>
+                                          </p:val>
+                                        </p:tav>
+                                      </p:tavLst>
+                                    </p:anim>
+                                  </p:childTnLst>
+                                </p:cTn>
+                              </p:par>
+                            </p:childTnLst>
+                          </p:cTn>
+                        </p:par>
+                      </p:childTnLst>
+                    </p:cTn>
+                  </p:par>
+                  <p:par>
+                    <p:cTn id="9" fill="hold">
+                      <p:stCondLst>
+                        <p:cond delay="indefinite"/>
+                      </p:stCondLst>
+                      <p:childTnLst>
+                        <p:par>
+                          <p:cTn id="10" fill="hold">
+                            <p:stCondLst>
+                              <p:cond delay="0"/>
+                            </p:stCondLst>
+                            <p:childTnLst>
+                              <p:par>
+                                <p:cTn id="11" presetID="2" presetClass="entr" presetSubtype="4" fill="hold" nodeType="clickEffect">
+                                  <p:stCondLst>
+                                    <p:cond delay="0"/>
+                                  </p:stCondLst>
+                                  <p:childTnLst>
+                                    <p:set>
+                                      <p:cBhvr>
+                                        <p:cTn id="12" dur="1" fill="hold">
+                                          <p:stCondLst>
+                                            <p:cond delay="0"/>
+                                          </p:stCondLst>
+                                        </p:cTn>
+                                        <p:tgtEl>
+                                          <p:spTgt spid="5"/>
+                                        </p:tgtEl>
+                                        <p:attrNameLst>
+                                          <p:attrName>style.visibility</p:attrName>
+                                        </p:attrNameLst>
+                                      </p:cBhvr>
+                                      <p:to>
+                                        <p:strVal val="visible"/>
+                                      </p:to>
+                                    </p:set>
+                                    <p:anim calcmode="lin" valueType="num">
+                                      <p:cBhvr additive="base">
+                                        <p:cTn id="13" dur="500" fill="hold"/>
+                                        <p:tgtEl>
+                                          <p:spTgt spid="5"/>
+                                        </p:tgtEl>
+                                        <p:attrNameLst>
+                                          <p:attrName>ppt_x</p:attrName>
+                                        </p:attrNameLst>
+                                      </p:cBhvr>
+                                      <p:tavLst>
+                                        <p:tav tm="0">
+                                          <p:val>
+                                            <p:strVal val="#ppt_x"/>
+                                          </p:val>
+                                        </p:tav>
+                                        <p:tav tm="100000">
+                                          <p:val>
+                                            <p:strVal val="#ppt_x"/>
+                                          </p:val>
+                                        </p:tav>
+                                      </p:tavLst>
+                                    </p:anim>
+                                    <p:anim calcmode="lin" valueType="num">
+                                      <p:cBhvr additive="base">
+                                        <p:cTn id="14" dur="500" fill="hold"/>
+                                        <p:tgtEl>
+                                          <p:spTgt spid="5"/>
+                                        </p:tgtEl>
+                                        <p:attrNameLst>
+                                          <p:attrName>ppt_y</p:attrName>
+                                        </p:attrNameLst>
+                                      </p:cBhvr>
+                                      <p:tavLst>
+                                        <p:tav tm="0">
+                                          <p:val>
+                                            <p:strVal val="1+#ppt_h/2"/>
+                                          </p:val>
+                                        </p:tav>
+                                        <p:tav tm="100000">
+                                          <p:val>
+                                            <p:strVal val="#ppt_y"/>
+                                          </p:val>
+                                        </p:tav>
+                                      </p:tavLst>
+                                    </p:anim>
+                                  </p:childTnLst>
+                                </p:cTn>
+                              </p:par>
+                            </p:childTnLst>
+                          </p:cTn>
+                        </p:par>
+                      </p:childTnLst>
+                    </p:cTn>
+                  </p:par>
+                </p:childTnLst>
+              </p:cTn>
+              <p:prevCondLst>
+                <p:cond evt="onPrev" delay="0">
+                  <p:tgtEl>
+                    <p:sldTgt/>
+                  </p:tgtEl>
+                </p:cond>
+              </p:prevCondLst>
+              <p:nextCondLst>
+                <p:cond evt="onNext" delay="0">
+                  <p:tgtEl>
+                    <p:sldTgt/>
+                  </p:tgtEl>
+                </p:cond>
+              </p:nextCondLst>
+            </p:seq>
+          </p:childTnLst>
+        </p:cTn>
+      </p:par>
+    </p:tnLst>
+    <p:bldLst>
+      <p:bldP spid="4" grpId="0"/>
+    </p:bldLst>
+  </p:timing>
+</p:sld>
+</file>
+
+<file path=ppt/slides/slide11.xml><?xml version="1.0" encoding="utf-8"?>
+<p:sld xmlns:a="http://schemas.openxmlformats.org/drawingml/2006/main" xmlns:r="http://schemas.openxmlformats.org/officeDocument/2006/relationships" xmlns:p="http://schemas.openxmlformats.org/presentationml/2006/main">
+  <p:cSld>
+    <p:spTree>
+      <p:nvGrpSpPr>
+        <p:cNvPr id="1" name=""/>
+        <p:cNvGrpSpPr/>
+        <p:nvPr/>
+      </p:nvGrpSpPr>
+      <p:grpSpPr>
+        <a:xfrm>
+          <a:off x="0" y="0"/>
+          <a:ext cx="0" cy="0"/>
+          <a:chOff x="0" y="0"/>
+          <a:chExt cx="0" cy="0"/>
+        </a:xfrm>
+      </p:grpSpPr>
+      <p:sp>
+        <p:nvSpPr>
+          <p:cNvPr id="3" name="Title 2"/>
+          <p:cNvSpPr>
+            <a:spLocks noGrp="1"/>
+          </p:cNvSpPr>
+          <p:nvPr>
+            <p:ph type="title"/>
+          </p:nvPr>
+        </p:nvSpPr>
+        <p:spPr>
+          <a:xfrm>
+            <a:off x="1619672" y="0"/>
+            <a:ext cx="7524328" cy="627534"/>
+          </a:xfrm>
+        </p:spPr>
+        <p:txBody>
+          <a:bodyPr/>
+          <a:lstStyle/>
+          <a:p>
+            <a:pPr algn="ctr"/>
+            <a:r>
+              <a:rPr lang="sr-Latn-RS" altLang="ko-KR" dirty="0" smtClean="0"/>
+              <a:t>Konfiguracija EF Core, Code First</a:t>
+            </a:r>
+            <a:endParaRPr lang="ko-KR" altLang="en-US" dirty="0"/>
+          </a:p>
+        </p:txBody>
+      </p:sp>
+      <p:sp>
+        <p:nvSpPr>
+          <p:cNvPr id="4" name="TextBox 3"/>
+          <p:cNvSpPr txBox="1"/>
+          <p:nvPr/>
+        </p:nvSpPr>
+        <p:spPr>
+          <a:xfrm>
+            <a:off x="1619672" y="896402"/>
+            <a:ext cx="7200800" cy="307777"/>
+          </a:xfrm>
+          <a:prstGeom prst="rect">
+            <a:avLst/>
+          </a:prstGeom>
+          <a:noFill/>
+        </p:spPr>
+        <p:txBody>
+          <a:bodyPr wrap="square" rtlCol="0">
+            <a:spAutoFit/>
+          </a:bodyPr>
+          <a:lstStyle/>
+          <a:p>
+            <a:r>
+              <a:rPr lang="en-US" sz="1400" dirty="0" err="1" smtClean="0">
+                <a:latin typeface="Arial" panose="020B0604020202020204" pitchFamily="34" charset="0"/>
+                <a:cs typeface="Arial" panose="020B0604020202020204" pitchFamily="34" charset="0"/>
+              </a:rPr>
+              <a:t>Bolji</a:t>
+            </a:r>
+            <a:r>
+              <a:rPr lang="en-US" sz="1400" dirty="0" smtClean="0">
+                <a:latin typeface="Arial" panose="020B0604020202020204" pitchFamily="34" charset="0"/>
+                <a:cs typeface="Arial" panose="020B0604020202020204" pitchFamily="34" charset="0"/>
+              </a:rPr>
+              <a:t> </a:t>
+            </a:r>
+            <a:r>
+              <a:rPr lang="en-US" sz="1400" dirty="0" err="1" smtClean="0">
+                <a:latin typeface="Arial" panose="020B0604020202020204" pitchFamily="34" charset="0"/>
+                <a:cs typeface="Arial" panose="020B0604020202020204" pitchFamily="34" charset="0"/>
+              </a:rPr>
+              <a:t>nacin</a:t>
+            </a:r>
+            <a:r>
+              <a:rPr lang="en-US" sz="1400" dirty="0" smtClean="0">
+                <a:latin typeface="Arial" panose="020B0604020202020204" pitchFamily="34" charset="0"/>
+                <a:cs typeface="Arial" panose="020B0604020202020204" pitchFamily="34" charset="0"/>
+              </a:rPr>
+              <a:t> </a:t>
+            </a:r>
+            <a:r>
+              <a:rPr lang="en-US" sz="1400" dirty="0" err="1" smtClean="0">
+                <a:latin typeface="Arial" panose="020B0604020202020204" pitchFamily="34" charset="0"/>
+                <a:cs typeface="Arial" panose="020B0604020202020204" pitchFamily="34" charset="0"/>
+              </a:rPr>
+              <a:t>za</a:t>
+            </a:r>
+            <a:r>
+              <a:rPr lang="en-US" sz="1400" dirty="0" smtClean="0">
+                <a:latin typeface="Arial" panose="020B0604020202020204" pitchFamily="34" charset="0"/>
+                <a:cs typeface="Arial" panose="020B0604020202020204" pitchFamily="34" charset="0"/>
+              </a:rPr>
+              <a:t> </a:t>
+            </a:r>
+            <a:r>
+              <a:rPr lang="en-US" sz="1400" dirty="0" err="1" smtClean="0">
+                <a:latin typeface="Arial" panose="020B0604020202020204" pitchFamily="34" charset="0"/>
+                <a:cs typeface="Arial" panose="020B0604020202020204" pitchFamily="34" charset="0"/>
+              </a:rPr>
+              <a:t>dodavanje</a:t>
+            </a:r>
+            <a:r>
+              <a:rPr lang="en-US" sz="1400" dirty="0" smtClean="0">
+                <a:latin typeface="Arial" panose="020B0604020202020204" pitchFamily="34" charset="0"/>
+                <a:cs typeface="Arial" panose="020B0604020202020204" pitchFamily="34" charset="0"/>
+              </a:rPr>
+              <a:t> </a:t>
+            </a:r>
+            <a:r>
+              <a:rPr lang="en-US" sz="1400" dirty="0" err="1" smtClean="0">
+                <a:latin typeface="Arial" panose="020B0604020202020204" pitchFamily="34" charset="0"/>
+                <a:cs typeface="Arial" panose="020B0604020202020204" pitchFamily="34" charset="0"/>
+              </a:rPr>
+              <a:t>inicijalnih</a:t>
+            </a:r>
+            <a:r>
+              <a:rPr lang="en-US" sz="1400" dirty="0" smtClean="0">
+                <a:latin typeface="Arial" panose="020B0604020202020204" pitchFamily="34" charset="0"/>
+                <a:cs typeface="Arial" panose="020B0604020202020204" pitchFamily="34" charset="0"/>
+              </a:rPr>
+              <a:t> </a:t>
+            </a:r>
+            <a:r>
+              <a:rPr lang="en-US" sz="1400" dirty="0" err="1" smtClean="0">
+                <a:latin typeface="Arial" panose="020B0604020202020204" pitchFamily="34" charset="0"/>
+                <a:cs typeface="Arial" panose="020B0604020202020204" pitchFamily="34" charset="0"/>
+              </a:rPr>
+              <a:t>podataka</a:t>
+            </a:r>
+            <a:endParaRPr lang="en-US" sz="1400" dirty="0">
+              <a:latin typeface="Arial" panose="020B0604020202020204" pitchFamily="34" charset="0"/>
+              <a:cs typeface="Arial" panose="020B0604020202020204" pitchFamily="34" charset="0"/>
+            </a:endParaRPr>
+          </a:p>
+        </p:txBody>
+      </p:sp>
+      <p:pic>
+        <p:nvPicPr>
+          <p:cNvPr id="2" name="Picture 1"/>
+          <p:cNvPicPr>
+            <a:picLocks noChangeAspect="1"/>
+          </p:cNvPicPr>
+          <p:nvPr/>
+        </p:nvPicPr>
+        <p:blipFill>
+          <a:blip r:embed="rId2">
+            <a:extLst>
+              <a:ext uri="{28A0092B-C50C-407E-A947-70E740481C1C}">
+                <a14:useLocalDpi xmlns:a14="http://schemas.microsoft.com/office/drawing/2010/main" val="0"/>
+              </a:ext>
+            </a:extLst>
+          </a:blip>
+          <a:stretch>
+            <a:fillRect/>
+          </a:stretch>
+        </p:blipFill>
+        <p:spPr>
+          <a:xfrm>
+            <a:off x="1619672" y="1225299"/>
+            <a:ext cx="5184576" cy="3866731"/>
+          </a:xfrm>
+          <a:prstGeom prst="rect">
+            <a:avLst/>
+          </a:prstGeom>
+        </p:spPr>
+      </p:pic>
+    </p:spTree>
+    <p:extLst>
+      <p:ext uri="{BB962C8B-B14F-4D97-AF65-F5344CB8AC3E}">
+        <p14:creationId xmlns:p14="http://schemas.microsoft.com/office/powerpoint/2010/main" val="1191588153"/>
+      </p:ext>
+    </p:extLst>
+  </p:cSld>
+  <p:clrMapOvr>
+    <a:masterClrMapping/>
+  </p:clrMapOvr>
+  <p:timing>
+    <p:tnLst>
+      <p:par>
+        <p:cTn id="1" dur="indefinite" restart="never" nodeType="tmRoot">
+          <p:childTnLst>
+            <p:seq concurrent="1" nextAc="seek">
+              <p:cTn id="2" dur="indefinite" nodeType="mainSeq">
+                <p:childTnLst>
+                  <p:par>
+                    <p:cTn id="3" fill="hold">
+                      <p:stCondLst>
+                        <p:cond delay="indefinite"/>
+                      </p:stCondLst>
+                      <p:childTnLst>
+                        <p:par>
+                          <p:cTn id="4" fill="hold">
+                            <p:stCondLst>
+                              <p:cond delay="0"/>
+                            </p:stCondLst>
+                            <p:childTnLst>
+                              <p:par>
+                                <p:cTn id="5" presetID="2" presetClass="entr" presetSubtype="4" fill="hold" grpId="0" nodeType="clickEffect">
+                                  <p:stCondLst>
+                                    <p:cond delay="0"/>
+                                  </p:stCondLst>
+                                  <p:childTnLst>
+                                    <p:set>
+                                      <p:cBhvr>
+                                        <p:cTn id="6" dur="1" fill="hold">
+                                          <p:stCondLst>
+                                            <p:cond delay="0"/>
+                                          </p:stCondLst>
+                                        </p:cTn>
+                                        <p:tgtEl>
+                                          <p:spTgt spid="4"/>
+                                        </p:tgtEl>
+                                        <p:attrNameLst>
+                                          <p:attrName>style.visibility</p:attrName>
+                                        </p:attrNameLst>
+                                      </p:cBhvr>
+                                      <p:to>
+                                        <p:strVal val="visible"/>
+                                      </p:to>
+                                    </p:set>
+                                    <p:anim calcmode="lin" valueType="num">
+                                      <p:cBhvr additive="base">
+                                        <p:cTn id="7" dur="500" fill="hold"/>
+                                        <p:tgtEl>
+                                          <p:spTgt spid="4"/>
+                                        </p:tgtEl>
+                                        <p:attrNameLst>
+                                          <p:attrName>ppt_x</p:attrName>
+                                        </p:attrNameLst>
+                                      </p:cBhvr>
+                                      <p:tavLst>
+                                        <p:tav tm="0">
+                                          <p:val>
+                                            <p:strVal val="#ppt_x"/>
+                                          </p:val>
+                                        </p:tav>
+                                        <p:tav tm="100000">
+                                          <p:val>
+                                            <p:strVal val="#ppt_x"/>
+                                          </p:val>
+                                        </p:tav>
+                                      </p:tavLst>
+                                    </p:anim>
+                                    <p:anim calcmode="lin" valueType="num">
+                                      <p:cBhvr additive="base">
+                                        <p:cTn id="8" dur="500" fill="hold"/>
+                                        <p:tgtEl>
+                                          <p:spTgt spid="4"/>
+                                        </p:tgtEl>
+                                        <p:attrNameLst>
+                                          <p:attrName>ppt_y</p:attrName>
+                                        </p:attrNameLst>
+                                      </p:cBhvr>
+                                      <p:tavLst>
+                                        <p:tav tm="0">
+                                          <p:val>
+                                            <p:strVal val="1+#ppt_h/2"/>
+                                          </p:val>
+                                        </p:tav>
+                                        <p:tav tm="100000">
+                                          <p:val>
+                                            <p:strVal val="#ppt_y"/>
+                                          </p:val>
+                                        </p:tav>
+                                      </p:tavLst>
+                                    </p:anim>
+                                  </p:childTnLst>
+                                </p:cTn>
+                              </p:par>
+                            </p:childTnLst>
+                          </p:cTn>
+                        </p:par>
+                      </p:childTnLst>
+                    </p:cTn>
+                  </p:par>
+                </p:childTnLst>
+              </p:cTn>
+              <p:prevCondLst>
+                <p:cond evt="onPrev" delay="0">
+                  <p:tgtEl>
+                    <p:sldTgt/>
+                  </p:tgtEl>
+                </p:cond>
+              </p:prevCondLst>
+              <p:nextCondLst>
+                <p:cond evt="onNext" delay="0">
+                  <p:tgtEl>
+                    <p:sldTgt/>
+                  </p:tgtEl>
+                </p:cond>
+              </p:nextCondLst>
+            </p:seq>
+          </p:childTnLst>
+        </p:cTn>
+      </p:par>
+    </p:tnLst>
+    <p:bldLst>
+      <p:bldP spid="4" grpId="0"/>
+    </p:bldLst>
+  </p:timing>
+</p:sld>
+</file>
+
+<file path=ppt/slides/slide12.xml><?xml version="1.0" encoding="utf-8"?>
+<p:sld xmlns:a="http://schemas.openxmlformats.org/drawingml/2006/main" xmlns:r="http://schemas.openxmlformats.org/officeDocument/2006/relationships" xmlns:p="http://schemas.openxmlformats.org/presentationml/2006/main">
+  <p:cSld>
+    <p:spTree>
+      <p:nvGrpSpPr>
+        <p:cNvPr id="1" name=""/>
+        <p:cNvGrpSpPr/>
+        <p:nvPr/>
+      </p:nvGrpSpPr>
+      <p:grpSpPr>
+        <a:xfrm>
+          <a:off x="0" y="0"/>
+          <a:ext cx="0" cy="0"/>
+          <a:chOff x="0" y="0"/>
+          <a:chExt cx="0" cy="0"/>
+        </a:xfrm>
+      </p:grpSpPr>
+      <p:sp>
+        <p:nvSpPr>
+          <p:cNvPr id="3" name="Title 2"/>
+          <p:cNvSpPr>
+            <a:spLocks noGrp="1"/>
+          </p:cNvSpPr>
+          <p:nvPr>
+            <p:ph type="title"/>
+          </p:nvPr>
+        </p:nvSpPr>
+        <p:spPr>
+          <a:xfrm>
+            <a:off x="1619672" y="-1"/>
+            <a:ext cx="7524328" cy="1204179"/>
+          </a:xfrm>
+        </p:spPr>
+        <p:txBody>
+          <a:bodyPr/>
+          <a:lstStyle/>
+          <a:p>
+            <a:pPr algn="ctr"/>
+            <a:r>
+              <a:rPr lang="en-US" altLang="ko-KR" dirty="0" err="1" smtClean="0"/>
+              <a:t>Kreiranje</a:t>
+            </a:r>
+            <a:r>
+              <a:rPr lang="en-US" altLang="ko-KR" dirty="0" smtClean="0"/>
+              <a:t> </a:t>
+            </a:r>
+            <a:r>
+              <a:rPr lang="en-US" altLang="ko-KR" dirty="0" err="1" smtClean="0"/>
+              <a:t>i</a:t>
+            </a:r>
+            <a:r>
+              <a:rPr lang="en-US" altLang="ko-KR" dirty="0" smtClean="0"/>
+              <a:t> </a:t>
+            </a:r>
+            <a:r>
+              <a:rPr lang="en-US" altLang="ko-KR" dirty="0" err="1"/>
+              <a:t>R</a:t>
+            </a:r>
+            <a:r>
+              <a:rPr lang="en-US" altLang="ko-KR" dirty="0" err="1" smtClean="0"/>
+              <a:t>egistracija</a:t>
+            </a:r>
+            <a:r>
+              <a:rPr lang="en-US" altLang="ko-KR" dirty="0" smtClean="0"/>
+              <a:t> Repository layer-a</a:t>
+            </a:r>
+            <a:endParaRPr lang="ko-KR" altLang="en-US" dirty="0"/>
+          </a:p>
+        </p:txBody>
+      </p:sp>
+      <p:sp>
+        <p:nvSpPr>
+          <p:cNvPr id="4" name="TextBox 3"/>
+          <p:cNvSpPr txBox="1"/>
+          <p:nvPr/>
+        </p:nvSpPr>
+        <p:spPr>
+          <a:xfrm>
+            <a:off x="1617207" y="1620768"/>
+            <a:ext cx="7200800" cy="523220"/>
+          </a:xfrm>
+          <a:prstGeom prst="rect">
+            <a:avLst/>
+          </a:prstGeom>
+          <a:noFill/>
+        </p:spPr>
+        <p:txBody>
+          <a:bodyPr wrap="square" rtlCol="0">
+            <a:spAutoFit/>
+          </a:bodyPr>
+          <a:lstStyle/>
+          <a:p>
+            <a:r>
+              <a:rPr lang="en-US" sz="1400" dirty="0" err="1" smtClean="0">
+                <a:latin typeface="Arial" panose="020B0604020202020204" pitchFamily="34" charset="0"/>
+                <a:cs typeface="Arial" panose="020B0604020202020204" pitchFamily="34" charset="0"/>
+              </a:rPr>
+              <a:t>Uvek</a:t>
+            </a:r>
+            <a:r>
+              <a:rPr lang="en-US" sz="1400" dirty="0" smtClean="0">
+                <a:latin typeface="Arial" panose="020B0604020202020204" pitchFamily="34" charset="0"/>
+                <a:cs typeface="Arial" panose="020B0604020202020204" pitchFamily="34" charset="0"/>
+              </a:rPr>
+              <a:t> </a:t>
+            </a:r>
+            <a:r>
+              <a:rPr lang="en-US" sz="1400" dirty="0" err="1" smtClean="0">
+                <a:latin typeface="Arial" panose="020B0604020202020204" pitchFamily="34" charset="0"/>
+                <a:cs typeface="Arial" panose="020B0604020202020204" pitchFamily="34" charset="0"/>
+              </a:rPr>
+              <a:t>koristite</a:t>
+            </a:r>
+            <a:r>
+              <a:rPr lang="en-US" sz="1400" dirty="0" smtClean="0">
+                <a:latin typeface="Arial" panose="020B0604020202020204" pitchFamily="34" charset="0"/>
+                <a:cs typeface="Arial" panose="020B0604020202020204" pitchFamily="34" charset="0"/>
+              </a:rPr>
+              <a:t> </a:t>
+            </a:r>
+            <a:r>
+              <a:rPr lang="en-US" sz="1400" dirty="0" err="1" smtClean="0">
+                <a:latin typeface="Arial" panose="020B0604020202020204" pitchFamily="34" charset="0"/>
+                <a:cs typeface="Arial" panose="020B0604020202020204" pitchFamily="34" charset="0"/>
+              </a:rPr>
+              <a:t>neki</a:t>
+            </a:r>
+            <a:r>
+              <a:rPr lang="en-US" sz="1400" dirty="0" smtClean="0">
+                <a:latin typeface="Arial" panose="020B0604020202020204" pitchFamily="34" charset="0"/>
+                <a:cs typeface="Arial" panose="020B0604020202020204" pitchFamily="34" charset="0"/>
+              </a:rPr>
+              <a:t> </a:t>
+            </a:r>
+            <a:r>
+              <a:rPr lang="en-US" sz="1400" dirty="0" err="1" smtClean="0">
+                <a:latin typeface="Arial" panose="020B0604020202020204" pitchFamily="34" charset="0"/>
+                <a:cs typeface="Arial" panose="020B0604020202020204" pitchFamily="34" charset="0"/>
+              </a:rPr>
+              <a:t>nivo</a:t>
+            </a:r>
+            <a:r>
+              <a:rPr lang="en-US" sz="1400" dirty="0" smtClean="0">
+                <a:latin typeface="Arial" panose="020B0604020202020204" pitchFamily="34" charset="0"/>
+                <a:cs typeface="Arial" panose="020B0604020202020204" pitchFamily="34" charset="0"/>
+              </a:rPr>
+              <a:t> Data layer-a. </a:t>
+            </a:r>
+            <a:r>
+              <a:rPr lang="en-US" sz="1400" dirty="0" err="1" smtClean="0">
+                <a:latin typeface="Arial" panose="020B0604020202020204" pitchFamily="34" charset="0"/>
+                <a:cs typeface="Arial" panose="020B0604020202020204" pitchFamily="34" charset="0"/>
+              </a:rPr>
+              <a:t>Va</a:t>
+            </a:r>
+            <a:r>
+              <a:rPr lang="sr-Latn-RS" sz="1400" dirty="0" smtClean="0">
+                <a:latin typeface="Arial" panose="020B0604020202020204" pitchFamily="34" charset="0"/>
+                <a:cs typeface="Arial" panose="020B0604020202020204" pitchFamily="34" charset="0"/>
+              </a:rPr>
+              <a:t>š kontroler ne treba da zna ništa o Context klasi niti o načinu prikupljanja podataka iz baze.</a:t>
+            </a:r>
+            <a:endParaRPr lang="en-US" sz="1400" dirty="0">
+              <a:latin typeface="Arial" panose="020B0604020202020204" pitchFamily="34" charset="0"/>
+              <a:cs typeface="Arial" panose="020B0604020202020204" pitchFamily="34" charset="0"/>
+            </a:endParaRPr>
+          </a:p>
+        </p:txBody>
+      </p:sp>
+      <p:sp>
+        <p:nvSpPr>
+          <p:cNvPr id="5" name="TextBox 4"/>
+          <p:cNvSpPr txBox="1"/>
+          <p:nvPr/>
+        </p:nvSpPr>
+        <p:spPr>
+          <a:xfrm>
+            <a:off x="1617207" y="2780335"/>
+            <a:ext cx="7200800" cy="523220"/>
+          </a:xfrm>
+          <a:prstGeom prst="rect">
+            <a:avLst/>
+          </a:prstGeom>
+          <a:noFill/>
+        </p:spPr>
+        <p:txBody>
+          <a:bodyPr wrap="square" rtlCol="0">
+            <a:spAutoFit/>
+          </a:bodyPr>
+          <a:lstStyle/>
+          <a:p>
+            <a:r>
+              <a:rPr lang="sr-Latn-RS" sz="1400" dirty="0" smtClean="0">
+                <a:latin typeface="Arial" panose="020B0604020202020204" pitchFamily="34" charset="0"/>
+                <a:cs typeface="Arial" panose="020B0604020202020204" pitchFamily="34" charset="0"/>
+              </a:rPr>
+              <a:t>Manje je bitno da li koristite Repository Pattern ili neki drugi , ili čak i samo novi fajl u koji ćete smestiti vašu logiku prikupljanja podataka iz baze.</a:t>
+            </a:r>
+            <a:endParaRPr lang="en-US" sz="1400" dirty="0">
+              <a:latin typeface="Arial" panose="020B0604020202020204" pitchFamily="34" charset="0"/>
+              <a:cs typeface="Arial" panose="020B0604020202020204" pitchFamily="34" charset="0"/>
+            </a:endParaRPr>
+          </a:p>
+        </p:txBody>
+      </p:sp>
+      <p:sp>
+        <p:nvSpPr>
+          <p:cNvPr id="6" name="TextBox 5"/>
+          <p:cNvSpPr txBox="1"/>
+          <p:nvPr/>
+        </p:nvSpPr>
+        <p:spPr>
+          <a:xfrm>
+            <a:off x="1619672" y="3939902"/>
+            <a:ext cx="7200800" cy="307777"/>
+          </a:xfrm>
+          <a:prstGeom prst="rect">
+            <a:avLst/>
+          </a:prstGeom>
+          <a:noFill/>
+        </p:spPr>
+        <p:txBody>
+          <a:bodyPr wrap="square" rtlCol="0">
+            <a:spAutoFit/>
+          </a:bodyPr>
+          <a:lstStyle/>
+          <a:p>
+            <a:r>
+              <a:rPr lang="sr-Latn-RS" sz="1400" dirty="0" smtClean="0">
+                <a:latin typeface="Arial" panose="020B0604020202020204" pitchFamily="34" charset="0"/>
+                <a:cs typeface="Arial" panose="020B0604020202020204" pitchFamily="34" charset="0"/>
+              </a:rPr>
+              <a:t>Mnogo je bitnije da se razdele obaveze različitih elemenata vašeg projekta.</a:t>
+            </a:r>
+            <a:endParaRPr lang="en-US" sz="1400" dirty="0">
+              <a:latin typeface="Arial" panose="020B0604020202020204" pitchFamily="34" charset="0"/>
+              <a:cs typeface="Arial" panose="020B0604020202020204" pitchFamily="34" charset="0"/>
+            </a:endParaRPr>
+          </a:p>
+        </p:txBody>
+      </p:sp>
+    </p:spTree>
+    <p:extLst>
+      <p:ext uri="{BB962C8B-B14F-4D97-AF65-F5344CB8AC3E}">
+        <p14:creationId xmlns:p14="http://schemas.microsoft.com/office/powerpoint/2010/main" val="167837612"/>
+      </p:ext>
+    </p:extLst>
+  </p:cSld>
+  <p:clrMapOvr>
+    <a:masterClrMapping/>
+  </p:clrMapOvr>
+  <p:timing>
+    <p:tnLst>
+      <p:par>
+        <p:cTn id="1" dur="indefinite" restart="never" nodeType="tmRoot">
+          <p:childTnLst>
+            <p:seq concurrent="1" nextAc="seek">
+              <p:cTn id="2" dur="indefinite" nodeType="mainSeq">
+                <p:childTnLst>
+                  <p:par>
+                    <p:cTn id="3" fill="hold">
+                      <p:stCondLst>
+                        <p:cond delay="indefinite"/>
+                      </p:stCondLst>
+                      <p:childTnLst>
+                        <p:par>
+                          <p:cTn id="4" fill="hold">
+                            <p:stCondLst>
+                              <p:cond delay="0"/>
+                            </p:stCondLst>
+                            <p:childTnLst>
+                              <p:par>
+                                <p:cTn id="5" presetID="2" presetClass="entr" presetSubtype="4" fill="hold" grpId="0" nodeType="clickEffect">
+                                  <p:stCondLst>
+                                    <p:cond delay="0"/>
+                                  </p:stCondLst>
+                                  <p:childTnLst>
+                                    <p:set>
+                                      <p:cBhvr>
+                                        <p:cTn id="6" dur="1" fill="hold">
+                                          <p:stCondLst>
+                                            <p:cond delay="0"/>
+                                          </p:stCondLst>
+                                        </p:cTn>
+                                        <p:tgtEl>
+                                          <p:spTgt spid="4"/>
+                                        </p:tgtEl>
+                                        <p:attrNameLst>
+                                          <p:attrName>style.visibility</p:attrName>
+                                        </p:attrNameLst>
+                                      </p:cBhvr>
+                                      <p:to>
+                                        <p:strVal val="visible"/>
+                                      </p:to>
+                                    </p:set>
+                                    <p:anim calcmode="lin" valueType="num">
+                                      <p:cBhvr additive="base">
+                                        <p:cTn id="7" dur="500" fill="hold"/>
+                                        <p:tgtEl>
+                                          <p:spTgt spid="4"/>
+                                        </p:tgtEl>
+                                        <p:attrNameLst>
+                                          <p:attrName>ppt_x</p:attrName>
+                                        </p:attrNameLst>
+                                      </p:cBhvr>
+                                      <p:tavLst>
+                                        <p:tav tm="0">
+                                          <p:val>
+                                            <p:strVal val="#ppt_x"/>
+                                          </p:val>
+                                        </p:tav>
+                                        <p:tav tm="100000">
+                                          <p:val>
+                                            <p:strVal val="#ppt_x"/>
+                                          </p:val>
+                                        </p:tav>
+                                      </p:tavLst>
+                                    </p:anim>
+                                    <p:anim calcmode="lin" valueType="num">
+                                      <p:cBhvr additive="base">
+                                        <p:cTn id="8" dur="500" fill="hold"/>
+                                        <p:tgtEl>
+                                          <p:spTgt spid="4"/>
+                                        </p:tgtEl>
+                                        <p:attrNameLst>
+                                          <p:attrName>ppt_y</p:attrName>
+                                        </p:attrNameLst>
+                                      </p:cBhvr>
+                                      <p:tavLst>
+                                        <p:tav tm="0">
+                                          <p:val>
+                                            <p:strVal val="1+#ppt_h/2"/>
+                                          </p:val>
+                                        </p:tav>
+                                        <p:tav tm="100000">
+                                          <p:val>
+                                            <p:strVal val="#ppt_y"/>
+                                          </p:val>
+                                        </p:tav>
+                                      </p:tavLst>
+                                    </p:anim>
+                                  </p:childTnLst>
+                                </p:cTn>
+                              </p:par>
+                            </p:childTnLst>
+                          </p:cTn>
+                        </p:par>
+                      </p:childTnLst>
+                    </p:cTn>
+                  </p:par>
+                  <p:par>
+                    <p:cTn id="9" fill="hold">
+                      <p:stCondLst>
+                        <p:cond delay="indefinite"/>
+                      </p:stCondLst>
+                      <p:childTnLst>
+                        <p:par>
+                          <p:cTn id="10" fill="hold">
+                            <p:stCondLst>
+                              <p:cond delay="0"/>
+                            </p:stCondLst>
+                            <p:childTnLst>
+                              <p:par>
+                                <p:cTn id="11" presetID="2" presetClass="entr" presetSubtype="4" fill="hold" grpId="0" nodeType="clickEffect">
+                                  <p:stCondLst>
+                                    <p:cond delay="0"/>
+                                  </p:stCondLst>
+                                  <p:childTnLst>
+                                    <p:set>
+                                      <p:cBhvr>
+                                        <p:cTn id="12" dur="1" fill="hold">
+                                          <p:stCondLst>
+                                            <p:cond delay="0"/>
+                                          </p:stCondLst>
+                                        </p:cTn>
+                                        <p:tgtEl>
+                                          <p:spTgt spid="5"/>
+                                        </p:tgtEl>
+                                        <p:attrNameLst>
+                                          <p:attrName>style.visibility</p:attrName>
+                                        </p:attrNameLst>
+                                      </p:cBhvr>
+                                      <p:to>
+                                        <p:strVal val="visible"/>
+                                      </p:to>
+                                    </p:set>
+                                    <p:anim calcmode="lin" valueType="num">
+                                      <p:cBhvr additive="base">
+                                        <p:cTn id="13" dur="500" fill="hold"/>
+                                        <p:tgtEl>
+                                          <p:spTgt spid="5"/>
+                                        </p:tgtEl>
+                                        <p:attrNameLst>
+                                          <p:attrName>ppt_x</p:attrName>
+                                        </p:attrNameLst>
+                                      </p:cBhvr>
+                                      <p:tavLst>
+                                        <p:tav tm="0">
+                                          <p:val>
+                                            <p:strVal val="#ppt_x"/>
+                                          </p:val>
+                                        </p:tav>
+                                        <p:tav tm="100000">
+                                          <p:val>
+                                            <p:strVal val="#ppt_x"/>
+                                          </p:val>
+                                        </p:tav>
+                                      </p:tavLst>
+                                    </p:anim>
+                                    <p:anim calcmode="lin" valueType="num">
+                                      <p:cBhvr additive="base">
+                                        <p:cTn id="14" dur="500" fill="hold"/>
+                                        <p:tgtEl>
+                                          <p:spTgt spid="5"/>
+                                        </p:tgtEl>
+                                        <p:attrNameLst>
+                                          <p:attrName>ppt_y</p:attrName>
+                                        </p:attrNameLst>
+                                      </p:cBhvr>
+                                      <p:tavLst>
+                                        <p:tav tm="0">
+                                          <p:val>
+                                            <p:strVal val="1+#ppt_h/2"/>
+                                          </p:val>
+                                        </p:tav>
+                                        <p:tav tm="100000">
+                                          <p:val>
+                                            <p:strVal val="#ppt_y"/>
+                                          </p:val>
+                                        </p:tav>
+                                      </p:tavLst>
+                                    </p:anim>
+                                  </p:childTnLst>
+                                </p:cTn>
+                              </p:par>
+                            </p:childTnLst>
+                          </p:cTn>
+                        </p:par>
+                      </p:childTnLst>
+                    </p:cTn>
+                  </p:par>
+                  <p:par>
+                    <p:cTn id="15" fill="hold">
+                      <p:stCondLst>
+                        <p:cond delay="indefinite"/>
+                      </p:stCondLst>
+                      <p:childTnLst>
+                        <p:par>
+                          <p:cTn id="16" fill="hold">
+                            <p:stCondLst>
+                              <p:cond delay="0"/>
+                            </p:stCondLst>
+                            <p:childTnLst>
+                              <p:par>
+                                <p:cTn id="17" presetID="2" presetClass="entr" presetSubtype="4" fill="hold" grpId="0" nodeType="clickEffect">
+                                  <p:stCondLst>
+                                    <p:cond delay="0"/>
+                                  </p:stCondLst>
+                                  <p:childTnLst>
+                                    <p:set>
+                                      <p:cBhvr>
+                                        <p:cTn id="18" dur="1" fill="hold">
+                                          <p:stCondLst>
+                                            <p:cond delay="0"/>
+                                          </p:stCondLst>
+                                        </p:cTn>
+                                        <p:tgtEl>
+                                          <p:spTgt spid="6"/>
+                                        </p:tgtEl>
+                                        <p:attrNameLst>
+                                          <p:attrName>style.visibility</p:attrName>
+                                        </p:attrNameLst>
+                                      </p:cBhvr>
+                                      <p:to>
+                                        <p:strVal val="visible"/>
+                                      </p:to>
+                                    </p:set>
+                                    <p:anim calcmode="lin" valueType="num">
+                                      <p:cBhvr additive="base">
+                                        <p:cTn id="19" dur="500" fill="hold"/>
+                                        <p:tgtEl>
+                                          <p:spTgt spid="6"/>
+                                        </p:tgtEl>
+                                        <p:attrNameLst>
+                                          <p:attrName>ppt_x</p:attrName>
+                                        </p:attrNameLst>
+                                      </p:cBhvr>
+                                      <p:tavLst>
+                                        <p:tav tm="0">
+                                          <p:val>
+                                            <p:strVal val="#ppt_x"/>
+                                          </p:val>
+                                        </p:tav>
+                                        <p:tav tm="100000">
+                                          <p:val>
+                                            <p:strVal val="#ppt_x"/>
+                                          </p:val>
+                                        </p:tav>
+                                      </p:tavLst>
+                                    </p:anim>
+                                    <p:anim calcmode="lin" valueType="num">
+                                      <p:cBhvr additive="base">
+                                        <p:cTn id="20" dur="500" fill="hold"/>
+                                        <p:tgtEl>
+                                          <p:spTgt spid="6"/>
+                                        </p:tgtEl>
+                                        <p:attrNameLst>
+                                          <p:attrName>ppt_y</p:attrName>
+                                        </p:attrNameLst>
+                                      </p:cBhvr>
+                                      <p:tavLst>
+                                        <p:tav tm="0">
+                                          <p:val>
+                                            <p:strVal val="1+#ppt_h/2"/>
+                                          </p:val>
+                                        </p:tav>
+                                        <p:tav tm="100000">
+                                          <p:val>
+                                            <p:strVal val="#ppt_y"/>
+                                          </p:val>
+                                        </p:tav>
+                                      </p:tavLst>
+                                    </p:anim>
+                                  </p:childTnLst>
+                                </p:cTn>
+                              </p:par>
+                            </p:childTnLst>
+                          </p:cTn>
+                        </p:par>
+                      </p:childTnLst>
+                    </p:cTn>
+                  </p:par>
+                </p:childTnLst>
+              </p:cTn>
+              <p:prevCondLst>
+                <p:cond evt="onPrev" delay="0">
+                  <p:tgtEl>
+                    <p:sldTgt/>
+                  </p:tgtEl>
+                </p:cond>
+              </p:prevCondLst>
+              <p:nextCondLst>
+                <p:cond evt="onNext" delay="0">
+                  <p:tgtEl>
+                    <p:sldTgt/>
+                  </p:tgtEl>
+                </p:cond>
+              </p:nextCondLst>
+            </p:seq>
+          </p:childTnLst>
+        </p:cTn>
+      </p:par>
+    </p:tnLst>
+    <p:bldLst>
+      <p:bldP spid="4" grpId="0"/>
+      <p:bldP spid="5" grpId="0"/>
+      <p:bldP spid="6" grpId="0"/>
+    </p:bldLst>
+  </p:timing>
+</p:sld>
+</file>
+
+<file path=ppt/slides/slide13.xml><?xml version="1.0" encoding="utf-8"?>
+<p:sld xmlns:a="http://schemas.openxmlformats.org/drawingml/2006/main" xmlns:r="http://schemas.openxmlformats.org/officeDocument/2006/relationships" xmlns:p="http://schemas.openxmlformats.org/presentationml/2006/main">
+  <p:cSld>
+    <p:spTree>
+      <p:nvGrpSpPr>
+        <p:cNvPr id="1" name=""/>
+        <p:cNvGrpSpPr/>
+        <p:nvPr/>
+      </p:nvGrpSpPr>
+      <p:grpSpPr>
+        <a:xfrm>
+          <a:off x="0" y="0"/>
+          <a:ext cx="0" cy="0"/>
+          <a:chOff x="0" y="0"/>
+          <a:chExt cx="0" cy="0"/>
+        </a:xfrm>
+      </p:grpSpPr>
+      <p:sp>
+        <p:nvSpPr>
+          <p:cNvPr id="3" name="Title 2"/>
+          <p:cNvSpPr>
+            <a:spLocks noGrp="1"/>
+          </p:cNvSpPr>
+          <p:nvPr>
+            <p:ph type="title"/>
+          </p:nvPr>
+        </p:nvSpPr>
+        <p:spPr>
+          <a:xfrm>
+            <a:off x="1619672" y="-1"/>
+            <a:ext cx="7524328" cy="1204179"/>
+          </a:xfrm>
+        </p:spPr>
+        <p:txBody>
+          <a:bodyPr/>
+          <a:lstStyle/>
+          <a:p>
+            <a:pPr algn="ctr"/>
+            <a:r>
+              <a:rPr lang="en-US" altLang="ko-KR" dirty="0" err="1" smtClean="0"/>
+              <a:t>Kreiranje</a:t>
+            </a:r>
+            <a:r>
+              <a:rPr lang="en-US" altLang="ko-KR" dirty="0" smtClean="0"/>
+              <a:t> </a:t>
+            </a:r>
+            <a:r>
+              <a:rPr lang="en-US" altLang="ko-KR" dirty="0" err="1" smtClean="0"/>
+              <a:t>i</a:t>
+            </a:r>
+            <a:r>
+              <a:rPr lang="en-US" altLang="ko-KR" dirty="0" smtClean="0"/>
+              <a:t> </a:t>
+            </a:r>
+            <a:r>
+              <a:rPr lang="en-US" altLang="ko-KR" dirty="0" err="1"/>
+              <a:t>R</a:t>
+            </a:r>
+            <a:r>
+              <a:rPr lang="en-US" altLang="ko-KR" dirty="0" err="1" smtClean="0"/>
+              <a:t>egistracija</a:t>
+            </a:r>
+            <a:r>
+              <a:rPr lang="en-US" altLang="ko-KR" dirty="0" smtClean="0"/>
+              <a:t> Repository layer-a</a:t>
+            </a:r>
+            <a:endParaRPr lang="ko-KR" altLang="en-US" dirty="0"/>
+          </a:p>
+        </p:txBody>
+      </p:sp>
+      <p:sp>
+        <p:nvSpPr>
+          <p:cNvPr id="4" name="TextBox 3"/>
+          <p:cNvSpPr txBox="1"/>
+          <p:nvPr/>
+        </p:nvSpPr>
+        <p:spPr>
+          <a:xfrm>
+            <a:off x="1619672" y="1347614"/>
+            <a:ext cx="7200800" cy="307777"/>
+          </a:xfrm>
+          <a:prstGeom prst="rect">
+            <a:avLst/>
+          </a:prstGeom>
+          <a:noFill/>
+        </p:spPr>
+        <p:txBody>
+          <a:bodyPr wrap="square" rtlCol="0">
+            <a:spAutoFit/>
+          </a:bodyPr>
+          <a:lstStyle/>
+          <a:p>
+            <a:r>
+              <a:rPr lang="en-US" sz="1400" dirty="0" err="1" smtClean="0">
+                <a:latin typeface="Arial" panose="020B0604020202020204" pitchFamily="34" charset="0"/>
+                <a:cs typeface="Arial" panose="020B0604020202020204" pitchFamily="34" charset="0"/>
+              </a:rPr>
+              <a:t>MovieRepository.cs</a:t>
+            </a:r>
+            <a:r>
+              <a:rPr lang="en-US" sz="1400" dirty="0" smtClean="0">
+                <a:latin typeface="Arial" panose="020B0604020202020204" pitchFamily="34" charset="0"/>
+                <a:cs typeface="Arial" panose="020B0604020202020204" pitchFamily="34" charset="0"/>
+              </a:rPr>
+              <a:t> </a:t>
+            </a:r>
+            <a:r>
+              <a:rPr lang="en-US" sz="1400" dirty="0" err="1" smtClean="0">
+                <a:latin typeface="Arial" panose="020B0604020202020204" pitchFamily="34" charset="0"/>
+                <a:cs typeface="Arial" panose="020B0604020202020204" pitchFamily="34" charset="0"/>
+              </a:rPr>
+              <a:t>klasa</a:t>
+            </a:r>
+            <a:endParaRPr lang="en-US" sz="1400" dirty="0">
+              <a:latin typeface="Arial" panose="020B0604020202020204" pitchFamily="34" charset="0"/>
+              <a:cs typeface="Arial" panose="020B0604020202020204" pitchFamily="34" charset="0"/>
+            </a:endParaRPr>
+          </a:p>
+        </p:txBody>
+      </p:sp>
+      <p:pic>
+        <p:nvPicPr>
+          <p:cNvPr id="2" name="Picture 1"/>
+          <p:cNvPicPr>
+            <a:picLocks noChangeAspect="1"/>
+          </p:cNvPicPr>
+          <p:nvPr/>
+        </p:nvPicPr>
+        <p:blipFill>
+          <a:blip r:embed="rId2">
+            <a:extLst>
+              <a:ext uri="{28A0092B-C50C-407E-A947-70E740481C1C}">
+                <a14:useLocalDpi xmlns:a14="http://schemas.microsoft.com/office/drawing/2010/main" val="0"/>
+              </a:ext>
+            </a:extLst>
+          </a:blip>
+          <a:stretch>
+            <a:fillRect/>
+          </a:stretch>
+        </p:blipFill>
+        <p:spPr>
+          <a:xfrm>
+            <a:off x="1619672" y="1655391"/>
+            <a:ext cx="6792273" cy="3364631"/>
+          </a:xfrm>
+          <a:prstGeom prst="rect">
+            <a:avLst/>
+          </a:prstGeom>
+        </p:spPr>
+      </p:pic>
+    </p:spTree>
+    <p:extLst>
+      <p:ext uri="{BB962C8B-B14F-4D97-AF65-F5344CB8AC3E}">
+        <p14:creationId xmlns:p14="http://schemas.microsoft.com/office/powerpoint/2010/main" val="3463374591"/>
+      </p:ext>
+    </p:extLst>
+  </p:cSld>
+  <p:clrMapOvr>
+    <a:masterClrMapping/>
+  </p:clrMapOvr>
+  <p:timing>
+    <p:tnLst>
+      <p:par>
+        <p:cTn id="1" dur="indefinite" restart="never" nodeType="tmRoot">
+          <p:childTnLst>
+            <p:seq concurrent="1" nextAc="seek">
+              <p:cTn id="2" dur="indefinite" nodeType="mainSeq">
+                <p:childTnLst>
+                  <p:par>
+                    <p:cTn id="3" fill="hold">
+                      <p:stCondLst>
+                        <p:cond delay="indefinite"/>
+                      </p:stCondLst>
+                      <p:childTnLst>
+                        <p:par>
+                          <p:cTn id="4" fill="hold">
+                            <p:stCondLst>
+                              <p:cond delay="0"/>
+                            </p:stCondLst>
+                            <p:childTnLst>
+                              <p:par>
+                                <p:cTn id="5" presetID="2" presetClass="entr" presetSubtype="4" fill="hold" grpId="0" nodeType="clickEffect">
+                                  <p:stCondLst>
+                                    <p:cond delay="0"/>
+                                  </p:stCondLst>
+                                  <p:childTnLst>
+                                    <p:set>
+                                      <p:cBhvr>
+                                        <p:cTn id="6" dur="1" fill="hold">
+                                          <p:stCondLst>
+                                            <p:cond delay="0"/>
+                                          </p:stCondLst>
+                                        </p:cTn>
+                                        <p:tgtEl>
+                                          <p:spTgt spid="4"/>
+                                        </p:tgtEl>
+                                        <p:attrNameLst>
+                                          <p:attrName>style.visibility</p:attrName>
+                                        </p:attrNameLst>
+                                      </p:cBhvr>
+                                      <p:to>
+                                        <p:strVal val="visible"/>
+                                      </p:to>
+                                    </p:set>
+                                    <p:anim calcmode="lin" valueType="num">
+                                      <p:cBhvr additive="base">
+                                        <p:cTn id="7" dur="500" fill="hold"/>
+                                        <p:tgtEl>
+                                          <p:spTgt spid="4"/>
+                                        </p:tgtEl>
+                                        <p:attrNameLst>
+                                          <p:attrName>ppt_x</p:attrName>
+                                        </p:attrNameLst>
+                                      </p:cBhvr>
+                                      <p:tavLst>
+                                        <p:tav tm="0">
+                                          <p:val>
+                                            <p:strVal val="#ppt_x"/>
+                                          </p:val>
+                                        </p:tav>
+                                        <p:tav tm="100000">
+                                          <p:val>
+                                            <p:strVal val="#ppt_x"/>
+                                          </p:val>
+                                        </p:tav>
+                                      </p:tavLst>
+                                    </p:anim>
+                                    <p:anim calcmode="lin" valueType="num">
+                                      <p:cBhvr additive="base">
+                                        <p:cTn id="8" dur="500" fill="hold"/>
+                                        <p:tgtEl>
+                                          <p:spTgt spid="4"/>
+                                        </p:tgtEl>
+                                        <p:attrNameLst>
+                                          <p:attrName>ppt_y</p:attrName>
+                                        </p:attrNameLst>
+                                      </p:cBhvr>
+                                      <p:tavLst>
+                                        <p:tav tm="0">
+                                          <p:val>
+                                            <p:strVal val="1+#ppt_h/2"/>
+                                          </p:val>
+                                        </p:tav>
+                                        <p:tav tm="100000">
+                                          <p:val>
+                                            <p:strVal val="#ppt_y"/>
+                                          </p:val>
+                                        </p:tav>
+                                      </p:tavLst>
+                                    </p:anim>
+                                  </p:childTnLst>
+                                </p:cTn>
+                              </p:par>
+                            </p:childTnLst>
+                          </p:cTn>
+                        </p:par>
+                      </p:childTnLst>
+                    </p:cTn>
+                  </p:par>
+                  <p:par>
+                    <p:cTn id="9" fill="hold">
+                      <p:stCondLst>
+                        <p:cond delay="indefinite"/>
+                      </p:stCondLst>
+                      <p:childTnLst>
+                        <p:par>
+                          <p:cTn id="10" fill="hold">
+                            <p:stCondLst>
+                              <p:cond delay="0"/>
+                            </p:stCondLst>
+                            <p:childTnLst>
+                              <p:par>
+                                <p:cTn id="11" presetID="2" presetClass="entr" presetSubtype="4" fill="hold" nodeType="clickEffect">
+                                  <p:stCondLst>
+                                    <p:cond delay="0"/>
+                                  </p:stCondLst>
+                                  <p:childTnLst>
+                                    <p:set>
+                                      <p:cBhvr>
+                                        <p:cTn id="12" dur="1" fill="hold">
+                                          <p:stCondLst>
+                                            <p:cond delay="0"/>
+                                          </p:stCondLst>
+                                        </p:cTn>
+                                        <p:tgtEl>
+                                          <p:spTgt spid="2"/>
+                                        </p:tgtEl>
+                                        <p:attrNameLst>
+                                          <p:attrName>style.visibility</p:attrName>
+                                        </p:attrNameLst>
+                                      </p:cBhvr>
+                                      <p:to>
+                                        <p:strVal val="visible"/>
+                                      </p:to>
+                                    </p:set>
+                                    <p:anim calcmode="lin" valueType="num">
+                                      <p:cBhvr additive="base">
+                                        <p:cTn id="13" dur="500" fill="hold"/>
+                                        <p:tgtEl>
+                                          <p:spTgt spid="2"/>
+                                        </p:tgtEl>
+                                        <p:attrNameLst>
+                                          <p:attrName>ppt_x</p:attrName>
+                                        </p:attrNameLst>
+                                      </p:cBhvr>
+                                      <p:tavLst>
+                                        <p:tav tm="0">
+                                          <p:val>
+                                            <p:strVal val="#ppt_x"/>
+                                          </p:val>
+                                        </p:tav>
+                                        <p:tav tm="100000">
+                                          <p:val>
+                                            <p:strVal val="#ppt_x"/>
+                                          </p:val>
+                                        </p:tav>
+                                      </p:tavLst>
+                                    </p:anim>
+                                    <p:anim calcmode="lin" valueType="num">
+                                      <p:cBhvr additive="base">
+                                        <p:cTn id="14" dur="500" fill="hold"/>
+                                        <p:tgtEl>
+                                          <p:spTgt spid="2"/>
+                                        </p:tgtEl>
+                                        <p:attrNameLst>
+                                          <p:attrName>ppt_y</p:attrName>
+                                        </p:attrNameLst>
+                                      </p:cBhvr>
+                                      <p:tavLst>
+                                        <p:tav tm="0">
+                                          <p:val>
+                                            <p:strVal val="1+#ppt_h/2"/>
+                                          </p:val>
+                                        </p:tav>
+                                        <p:tav tm="100000">
+                                          <p:val>
+                                            <p:strVal val="#ppt_y"/>
+                                          </p:val>
+                                        </p:tav>
+                                      </p:tavLst>
+                                    </p:anim>
+                                  </p:childTnLst>
+                                </p:cTn>
+                              </p:par>
+                            </p:childTnLst>
+                          </p:cTn>
+                        </p:par>
+                      </p:childTnLst>
+                    </p:cTn>
+                  </p:par>
+                </p:childTnLst>
+              </p:cTn>
+              <p:prevCondLst>
+                <p:cond evt="onPrev" delay="0">
+                  <p:tgtEl>
+                    <p:sldTgt/>
+                  </p:tgtEl>
+                </p:cond>
+              </p:prevCondLst>
+              <p:nextCondLst>
+                <p:cond evt="onNext" delay="0">
+                  <p:tgtEl>
+                    <p:sldTgt/>
+                  </p:tgtEl>
+                </p:cond>
+              </p:nextCondLst>
+            </p:seq>
+          </p:childTnLst>
+        </p:cTn>
+      </p:par>
+    </p:tnLst>
+    <p:bldLst>
+      <p:bldP spid="4" grpId="0"/>
+    </p:bldLst>
+  </p:timing>
+</p:sld>
+</file>
+
+<file path=ppt/slides/slide14.xml><?xml version="1.0" encoding="utf-8"?>
+<p:sld xmlns:a="http://schemas.openxmlformats.org/drawingml/2006/main" xmlns:r="http://schemas.openxmlformats.org/officeDocument/2006/relationships" xmlns:p="http://schemas.openxmlformats.org/presentationml/2006/main">
+  <p:cSld>
+    <p:spTree>
+      <p:nvGrpSpPr>
+        <p:cNvPr id="1" name=""/>
+        <p:cNvGrpSpPr/>
+        <p:nvPr/>
+      </p:nvGrpSpPr>
+      <p:grpSpPr>
+        <a:xfrm>
+          <a:off x="0" y="0"/>
+          <a:ext cx="0" cy="0"/>
+          <a:chOff x="0" y="0"/>
+          <a:chExt cx="0" cy="0"/>
+        </a:xfrm>
+      </p:grpSpPr>
+      <p:sp>
+        <p:nvSpPr>
+          <p:cNvPr id="3" name="Title 2"/>
+          <p:cNvSpPr>
+            <a:spLocks noGrp="1"/>
+          </p:cNvSpPr>
+          <p:nvPr>
+            <p:ph type="title"/>
+          </p:nvPr>
+        </p:nvSpPr>
+        <p:spPr>
+          <a:xfrm>
+            <a:off x="1619672" y="-1"/>
+            <a:ext cx="7524328" cy="1204179"/>
+          </a:xfrm>
+        </p:spPr>
+        <p:txBody>
+          <a:bodyPr/>
+          <a:lstStyle/>
+          <a:p>
+            <a:pPr algn="ctr"/>
+            <a:r>
+              <a:rPr lang="en-US" altLang="ko-KR" dirty="0" err="1" smtClean="0"/>
+              <a:t>Kreiranje</a:t>
+            </a:r>
+            <a:r>
+              <a:rPr lang="en-US" altLang="ko-KR" dirty="0" smtClean="0"/>
+              <a:t> </a:t>
+            </a:r>
+            <a:r>
+              <a:rPr lang="en-US" altLang="ko-KR" dirty="0" err="1" smtClean="0"/>
+              <a:t>i</a:t>
+            </a:r>
+            <a:r>
+              <a:rPr lang="en-US" altLang="ko-KR" dirty="0" smtClean="0"/>
+              <a:t> </a:t>
+            </a:r>
+            <a:r>
+              <a:rPr lang="en-US" altLang="ko-KR" dirty="0" err="1"/>
+              <a:t>R</a:t>
+            </a:r>
+            <a:r>
+              <a:rPr lang="en-US" altLang="ko-KR" dirty="0" err="1" smtClean="0"/>
+              <a:t>egistracija</a:t>
+            </a:r>
+            <a:r>
+              <a:rPr lang="en-US" altLang="ko-KR" dirty="0" smtClean="0"/>
+              <a:t> Repository layer-a</a:t>
+            </a:r>
+            <a:endParaRPr lang="ko-KR" altLang="en-US" dirty="0"/>
+          </a:p>
+        </p:txBody>
+      </p:sp>
+      <p:sp>
+        <p:nvSpPr>
+          <p:cNvPr id="4" name="TextBox 3"/>
+          <p:cNvSpPr txBox="1"/>
+          <p:nvPr/>
+        </p:nvSpPr>
+        <p:spPr>
+          <a:xfrm>
+            <a:off x="1619672" y="1347614"/>
+            <a:ext cx="7200800" cy="307777"/>
+          </a:xfrm>
+          <a:prstGeom prst="rect">
+            <a:avLst/>
+          </a:prstGeom>
+          <a:noFill/>
+        </p:spPr>
+        <p:txBody>
+          <a:bodyPr wrap="square" rtlCol="0">
+            <a:spAutoFit/>
+          </a:bodyPr>
+          <a:lstStyle/>
+          <a:p>
+            <a:r>
+              <a:rPr lang="en-US" sz="1400" dirty="0" err="1" smtClean="0">
+                <a:latin typeface="Arial" panose="020B0604020202020204" pitchFamily="34" charset="0"/>
+                <a:cs typeface="Arial" panose="020B0604020202020204" pitchFamily="34" charset="0"/>
+              </a:rPr>
+              <a:t>IMovieRepository</a:t>
+            </a:r>
+            <a:r>
+              <a:rPr lang="en-US" sz="1400" dirty="0" smtClean="0">
+                <a:latin typeface="Arial" panose="020B0604020202020204" pitchFamily="34" charset="0"/>
+                <a:cs typeface="Arial" panose="020B0604020202020204" pitchFamily="34" charset="0"/>
+              </a:rPr>
+              <a:t> interface</a:t>
+            </a:r>
+            <a:endParaRPr lang="en-US" sz="1400" dirty="0">
+              <a:latin typeface="Arial" panose="020B0604020202020204" pitchFamily="34" charset="0"/>
+              <a:cs typeface="Arial" panose="020B0604020202020204" pitchFamily="34" charset="0"/>
+            </a:endParaRPr>
+          </a:p>
+        </p:txBody>
+      </p:sp>
+      <p:pic>
+        <p:nvPicPr>
+          <p:cNvPr id="5" name="Picture 4"/>
+          <p:cNvPicPr>
+            <a:picLocks noChangeAspect="1"/>
+          </p:cNvPicPr>
+          <p:nvPr/>
+        </p:nvPicPr>
+        <p:blipFill>
+          <a:blip r:embed="rId2">
+            <a:extLst>
+              <a:ext uri="{28A0092B-C50C-407E-A947-70E740481C1C}">
+                <a14:useLocalDpi xmlns:a14="http://schemas.microsoft.com/office/drawing/2010/main" val="0"/>
+              </a:ext>
+            </a:extLst>
+          </a:blip>
+          <a:stretch>
+            <a:fillRect/>
+          </a:stretch>
+        </p:blipFill>
+        <p:spPr>
+          <a:xfrm>
+            <a:off x="1619672" y="1655391"/>
+            <a:ext cx="2467319" cy="1295581"/>
+          </a:xfrm>
+          <a:prstGeom prst="rect">
+            <a:avLst/>
+          </a:prstGeom>
+        </p:spPr>
+      </p:pic>
+      <p:sp>
+        <p:nvSpPr>
+          <p:cNvPr id="6" name="TextBox 5"/>
+          <p:cNvSpPr txBox="1"/>
+          <p:nvPr/>
+        </p:nvSpPr>
+        <p:spPr>
+          <a:xfrm>
+            <a:off x="1619672" y="3003798"/>
+            <a:ext cx="7200800" cy="307777"/>
+          </a:xfrm>
+          <a:prstGeom prst="rect">
+            <a:avLst/>
+          </a:prstGeom>
+          <a:noFill/>
+        </p:spPr>
+        <p:txBody>
+          <a:bodyPr wrap="square" rtlCol="0">
+            <a:spAutoFit/>
+          </a:bodyPr>
+          <a:lstStyle/>
+          <a:p>
+            <a:r>
+              <a:rPr lang="en-US" sz="1400" dirty="0" err="1" smtClean="0">
+                <a:latin typeface="Arial" panose="020B0604020202020204" pitchFamily="34" charset="0"/>
+                <a:cs typeface="Arial" panose="020B0604020202020204" pitchFamily="34" charset="0"/>
+              </a:rPr>
+              <a:t>Registracija</a:t>
+            </a:r>
+            <a:r>
+              <a:rPr lang="en-US" sz="1400" dirty="0" smtClean="0">
+                <a:latin typeface="Arial" panose="020B0604020202020204" pitchFamily="34" charset="0"/>
+                <a:cs typeface="Arial" panose="020B0604020202020204" pitchFamily="34" charset="0"/>
+              </a:rPr>
+              <a:t> </a:t>
+            </a:r>
+            <a:r>
+              <a:rPr lang="en-US" sz="1400" dirty="0" err="1" smtClean="0">
+                <a:latin typeface="Arial" panose="020B0604020202020204" pitchFamily="34" charset="0"/>
+                <a:cs typeface="Arial" panose="020B0604020202020204" pitchFamily="34" charset="0"/>
+              </a:rPr>
+              <a:t>IMovieRepository</a:t>
+            </a:r>
+            <a:r>
+              <a:rPr lang="en-US" sz="1400" dirty="0" smtClean="0">
+                <a:latin typeface="Arial" panose="020B0604020202020204" pitchFamily="34" charset="0"/>
+                <a:cs typeface="Arial" panose="020B0604020202020204" pitchFamily="34" charset="0"/>
+              </a:rPr>
+              <a:t> </a:t>
+            </a:r>
+            <a:r>
+              <a:rPr lang="en-US" sz="1400" dirty="0" err="1" smtClean="0">
+                <a:latin typeface="Arial" panose="020B0604020202020204" pitchFamily="34" charset="0"/>
+                <a:cs typeface="Arial" panose="020B0604020202020204" pitchFamily="34" charset="0"/>
+              </a:rPr>
+              <a:t>servisa</a:t>
+            </a:r>
+            <a:endParaRPr lang="en-US" sz="1400" dirty="0">
+              <a:latin typeface="Arial" panose="020B0604020202020204" pitchFamily="34" charset="0"/>
+              <a:cs typeface="Arial" panose="020B0604020202020204" pitchFamily="34" charset="0"/>
+            </a:endParaRPr>
+          </a:p>
+        </p:txBody>
+      </p:sp>
+      <p:pic>
+        <p:nvPicPr>
+          <p:cNvPr id="7" name="Picture 6"/>
+          <p:cNvPicPr>
+            <a:picLocks noChangeAspect="1"/>
+          </p:cNvPicPr>
+          <p:nvPr/>
+        </p:nvPicPr>
+        <p:blipFill>
+          <a:blip r:embed="rId3">
+            <a:extLst>
+              <a:ext uri="{28A0092B-C50C-407E-A947-70E740481C1C}">
+                <a14:useLocalDpi xmlns:a14="http://schemas.microsoft.com/office/drawing/2010/main" val="0"/>
+              </a:ext>
+            </a:extLst>
+          </a:blip>
+          <a:stretch>
+            <a:fillRect/>
+          </a:stretch>
+        </p:blipFill>
+        <p:spPr>
+          <a:xfrm>
+            <a:off x="1619672" y="3363838"/>
+            <a:ext cx="5944430" cy="1762371"/>
+          </a:xfrm>
+          <a:prstGeom prst="rect">
+            <a:avLst/>
+          </a:prstGeom>
+        </p:spPr>
+      </p:pic>
+    </p:spTree>
+    <p:extLst>
+      <p:ext uri="{BB962C8B-B14F-4D97-AF65-F5344CB8AC3E}">
+        <p14:creationId xmlns:p14="http://schemas.microsoft.com/office/powerpoint/2010/main" val="4063475464"/>
+      </p:ext>
+    </p:extLst>
+  </p:cSld>
+  <p:clrMapOvr>
+    <a:masterClrMapping/>
+  </p:clrMapOvr>
+  <p:timing>
+    <p:tnLst>
+      <p:par>
+        <p:cTn id="1" dur="indefinite" restart="never" nodeType="tmRoot">
+          <p:childTnLst>
+            <p:seq concurrent="1" nextAc="seek">
+              <p:cTn id="2" dur="indefinite" nodeType="mainSeq">
+                <p:childTnLst>
+                  <p:par>
+                    <p:cTn id="3" fill="hold">
+                      <p:stCondLst>
+                        <p:cond delay="indefinite"/>
+                      </p:stCondLst>
+                      <p:childTnLst>
+                        <p:par>
+                          <p:cTn id="4" fill="hold">
+                            <p:stCondLst>
+                              <p:cond delay="0"/>
+                            </p:stCondLst>
+                            <p:childTnLst>
+                              <p:par>
+                                <p:cTn id="5" presetID="2" presetClass="entr" presetSubtype="4" fill="hold" grpId="0" nodeType="clickEffect">
+                                  <p:stCondLst>
+                                    <p:cond delay="0"/>
+                                  </p:stCondLst>
+                                  <p:childTnLst>
+                                    <p:set>
+                                      <p:cBhvr>
+                                        <p:cTn id="6" dur="1" fill="hold">
+                                          <p:stCondLst>
+                                            <p:cond delay="0"/>
+                                          </p:stCondLst>
+                                        </p:cTn>
+                                        <p:tgtEl>
+                                          <p:spTgt spid="4"/>
+                                        </p:tgtEl>
+                                        <p:attrNameLst>
+                                          <p:attrName>style.visibility</p:attrName>
+                                        </p:attrNameLst>
+                                      </p:cBhvr>
+                                      <p:to>
+                                        <p:strVal val="visible"/>
+                                      </p:to>
+                                    </p:set>
+                                    <p:anim calcmode="lin" valueType="num">
+                                      <p:cBhvr additive="base">
+                                        <p:cTn id="7" dur="500" fill="hold"/>
+                                        <p:tgtEl>
+                                          <p:spTgt spid="4"/>
+                                        </p:tgtEl>
+                                        <p:attrNameLst>
+                                          <p:attrName>ppt_x</p:attrName>
+                                        </p:attrNameLst>
+                                      </p:cBhvr>
+                                      <p:tavLst>
+                                        <p:tav tm="0">
+                                          <p:val>
+                                            <p:strVal val="#ppt_x"/>
+                                          </p:val>
+                                        </p:tav>
+                                        <p:tav tm="100000">
+                                          <p:val>
+                                            <p:strVal val="#ppt_x"/>
+                                          </p:val>
+                                        </p:tav>
+                                      </p:tavLst>
+                                    </p:anim>
+                                    <p:anim calcmode="lin" valueType="num">
+                                      <p:cBhvr additive="base">
+                                        <p:cTn id="8" dur="500" fill="hold"/>
+                                        <p:tgtEl>
+                                          <p:spTgt spid="4"/>
+                                        </p:tgtEl>
+                                        <p:attrNameLst>
+                                          <p:attrName>ppt_y</p:attrName>
+                                        </p:attrNameLst>
+                                      </p:cBhvr>
+                                      <p:tavLst>
+                                        <p:tav tm="0">
+                                          <p:val>
+                                            <p:strVal val="1+#ppt_h/2"/>
+                                          </p:val>
+                                        </p:tav>
+                                        <p:tav tm="100000">
+                                          <p:val>
+                                            <p:strVal val="#ppt_y"/>
+                                          </p:val>
+                                        </p:tav>
+                                      </p:tavLst>
+                                    </p:anim>
+                                  </p:childTnLst>
+                                </p:cTn>
+                              </p:par>
+                            </p:childTnLst>
+                          </p:cTn>
+                        </p:par>
+                      </p:childTnLst>
+                    </p:cTn>
+                  </p:par>
+                  <p:par>
+                    <p:cTn id="9" fill="hold">
+                      <p:stCondLst>
+                        <p:cond delay="indefinite"/>
+                      </p:stCondLst>
+                      <p:childTnLst>
+                        <p:par>
+                          <p:cTn id="10" fill="hold">
+                            <p:stCondLst>
+                              <p:cond delay="0"/>
+                            </p:stCondLst>
+                            <p:childTnLst>
+                              <p:par>
+                                <p:cTn id="11" presetID="2" presetClass="entr" presetSubtype="4" fill="hold" nodeType="clickEffect">
+                                  <p:stCondLst>
+                                    <p:cond delay="0"/>
+                                  </p:stCondLst>
+                                  <p:childTnLst>
+                                    <p:set>
+                                      <p:cBhvr>
+                                        <p:cTn id="12" dur="1" fill="hold">
+                                          <p:stCondLst>
+                                            <p:cond delay="0"/>
+                                          </p:stCondLst>
+                                        </p:cTn>
+                                        <p:tgtEl>
+                                          <p:spTgt spid="5"/>
+                                        </p:tgtEl>
+                                        <p:attrNameLst>
+                                          <p:attrName>style.visibility</p:attrName>
+                                        </p:attrNameLst>
+                                      </p:cBhvr>
+                                      <p:to>
+                                        <p:strVal val="visible"/>
+                                      </p:to>
+                                    </p:set>
+                                    <p:anim calcmode="lin" valueType="num">
+                                      <p:cBhvr additive="base">
+                                        <p:cTn id="13" dur="500" fill="hold"/>
+                                        <p:tgtEl>
+                                          <p:spTgt spid="5"/>
+                                        </p:tgtEl>
+                                        <p:attrNameLst>
+                                          <p:attrName>ppt_x</p:attrName>
+                                        </p:attrNameLst>
+                                      </p:cBhvr>
+                                      <p:tavLst>
+                                        <p:tav tm="0">
+                                          <p:val>
+                                            <p:strVal val="#ppt_x"/>
+                                          </p:val>
+                                        </p:tav>
+                                        <p:tav tm="100000">
+                                          <p:val>
+                                            <p:strVal val="#ppt_x"/>
+                                          </p:val>
+                                        </p:tav>
+                                      </p:tavLst>
+                                    </p:anim>
+                                    <p:anim calcmode="lin" valueType="num">
+                                      <p:cBhvr additive="base">
+                                        <p:cTn id="14" dur="500" fill="hold"/>
+                                        <p:tgtEl>
+                                          <p:spTgt spid="5"/>
+                                        </p:tgtEl>
+                                        <p:attrNameLst>
+                                          <p:attrName>ppt_y</p:attrName>
+                                        </p:attrNameLst>
+                                      </p:cBhvr>
+                                      <p:tavLst>
+                                        <p:tav tm="0">
+                                          <p:val>
+                                            <p:strVal val="1+#ppt_h/2"/>
+                                          </p:val>
+                                        </p:tav>
+                                        <p:tav tm="100000">
+                                          <p:val>
+                                            <p:strVal val="#ppt_y"/>
+                                          </p:val>
+                                        </p:tav>
+                                      </p:tavLst>
+                                    </p:anim>
+                                  </p:childTnLst>
+                                </p:cTn>
+                              </p:par>
+                            </p:childTnLst>
+                          </p:cTn>
+                        </p:par>
+                      </p:childTnLst>
+                    </p:cTn>
+                  </p:par>
+                  <p:par>
+                    <p:cTn id="15" fill="hold">
+                      <p:stCondLst>
+                        <p:cond delay="indefinite"/>
+                      </p:stCondLst>
+                      <p:childTnLst>
+                        <p:par>
+                          <p:cTn id="16" fill="hold">
+                            <p:stCondLst>
+                              <p:cond delay="0"/>
+                            </p:stCondLst>
+                            <p:childTnLst>
+                              <p:par>
+                                <p:cTn id="17" presetID="2" presetClass="entr" presetSubtype="4" fill="hold" grpId="0" nodeType="clickEffect">
+                                  <p:stCondLst>
+                                    <p:cond delay="0"/>
+                                  </p:stCondLst>
+                                  <p:childTnLst>
+                                    <p:set>
+                                      <p:cBhvr>
+                                        <p:cTn id="18" dur="1" fill="hold">
+                                          <p:stCondLst>
+                                            <p:cond delay="0"/>
+                                          </p:stCondLst>
+                                        </p:cTn>
+                                        <p:tgtEl>
+                                          <p:spTgt spid="6"/>
+                                        </p:tgtEl>
+                                        <p:attrNameLst>
+                                          <p:attrName>style.visibility</p:attrName>
+                                        </p:attrNameLst>
+                                      </p:cBhvr>
+                                      <p:to>
+                                        <p:strVal val="visible"/>
+                                      </p:to>
+                                    </p:set>
+                                    <p:anim calcmode="lin" valueType="num">
+                                      <p:cBhvr additive="base">
+                                        <p:cTn id="19" dur="500" fill="hold"/>
+                                        <p:tgtEl>
+                                          <p:spTgt spid="6"/>
+                                        </p:tgtEl>
+                                        <p:attrNameLst>
+                                          <p:attrName>ppt_x</p:attrName>
+                                        </p:attrNameLst>
+                                      </p:cBhvr>
+                                      <p:tavLst>
+                                        <p:tav tm="0">
+                                          <p:val>
+                                            <p:strVal val="#ppt_x"/>
+                                          </p:val>
+                                        </p:tav>
+                                        <p:tav tm="100000">
+                                          <p:val>
+                                            <p:strVal val="#ppt_x"/>
+                                          </p:val>
+                                        </p:tav>
+                                      </p:tavLst>
+                                    </p:anim>
+                                    <p:anim calcmode="lin" valueType="num">
+                                      <p:cBhvr additive="base">
+                                        <p:cTn id="20" dur="500" fill="hold"/>
+                                        <p:tgtEl>
+                                          <p:spTgt spid="6"/>
+                                        </p:tgtEl>
+                                        <p:attrNameLst>
+                                          <p:attrName>ppt_y</p:attrName>
+                                        </p:attrNameLst>
+                                      </p:cBhvr>
+                                      <p:tavLst>
+                                        <p:tav tm="0">
+                                          <p:val>
+                                            <p:strVal val="1+#ppt_h/2"/>
+                                          </p:val>
+                                        </p:tav>
+                                        <p:tav tm="100000">
+                                          <p:val>
+                                            <p:strVal val="#ppt_y"/>
+                                          </p:val>
+                                        </p:tav>
+                                      </p:tavLst>
+                                    </p:anim>
+                                  </p:childTnLst>
+                                </p:cTn>
+                              </p:par>
+                            </p:childTnLst>
+                          </p:cTn>
+                        </p:par>
+                      </p:childTnLst>
+                    </p:cTn>
+                  </p:par>
+                  <p:par>
+                    <p:cTn id="21" fill="hold">
+                      <p:stCondLst>
+                        <p:cond delay="indefinite"/>
+                      </p:stCondLst>
+                      <p:childTnLst>
+                        <p:par>
+                          <p:cTn id="22" fill="hold">
+                            <p:stCondLst>
+                              <p:cond delay="0"/>
+                            </p:stCondLst>
+                            <p:childTnLst>
+                              <p:par>
+                                <p:cTn id="23" presetID="2" presetClass="entr" presetSubtype="4" fill="hold" nodeType="clickEffect">
+                                  <p:stCondLst>
+                                    <p:cond delay="0"/>
+                                  </p:stCondLst>
+                                  <p:childTnLst>
+                                    <p:set>
+                                      <p:cBhvr>
+                                        <p:cTn id="24" dur="1" fill="hold">
+                                          <p:stCondLst>
+                                            <p:cond delay="0"/>
+                                          </p:stCondLst>
+                                        </p:cTn>
+                                        <p:tgtEl>
+                                          <p:spTgt spid="7"/>
+                                        </p:tgtEl>
+                                        <p:attrNameLst>
+                                          <p:attrName>style.visibility</p:attrName>
+                                        </p:attrNameLst>
+                                      </p:cBhvr>
+                                      <p:to>
+                                        <p:strVal val="visible"/>
+                                      </p:to>
+                                    </p:set>
+                                    <p:anim calcmode="lin" valueType="num">
+                                      <p:cBhvr additive="base">
+                                        <p:cTn id="25" dur="500" fill="hold"/>
+                                        <p:tgtEl>
+                                          <p:spTgt spid="7"/>
+                                        </p:tgtEl>
+                                        <p:attrNameLst>
+                                          <p:attrName>ppt_x</p:attrName>
+                                        </p:attrNameLst>
+                                      </p:cBhvr>
+                                      <p:tavLst>
+                                        <p:tav tm="0">
+                                          <p:val>
+                                            <p:strVal val="#ppt_x"/>
+                                          </p:val>
+                                        </p:tav>
+                                        <p:tav tm="100000">
+                                          <p:val>
+                                            <p:strVal val="#ppt_x"/>
+                                          </p:val>
+                                        </p:tav>
+                                      </p:tavLst>
+                                    </p:anim>
+                                    <p:anim calcmode="lin" valueType="num">
+                                      <p:cBhvr additive="base">
+                                        <p:cTn id="26" dur="500" fill="hold"/>
+                                        <p:tgtEl>
+                                          <p:spTgt spid="7"/>
+                                        </p:tgtEl>
+                                        <p:attrNameLst>
+                                          <p:attrName>ppt_y</p:attrName>
+                                        </p:attrNameLst>
+                                      </p:cBhvr>
+                                      <p:tavLst>
+                                        <p:tav tm="0">
+                                          <p:val>
+                                            <p:strVal val="1+#ppt_h/2"/>
+                                          </p:val>
+                                        </p:tav>
+                                        <p:tav tm="100000">
+                                          <p:val>
+                                            <p:strVal val="#ppt_y"/>
+                                          </p:val>
+                                        </p:tav>
+                                      </p:tavLst>
+                                    </p:anim>
+                                  </p:childTnLst>
+                                </p:cTn>
+                              </p:par>
+                            </p:childTnLst>
+                          </p:cTn>
+                        </p:par>
+                      </p:childTnLst>
+                    </p:cTn>
+                  </p:par>
+                </p:childTnLst>
+              </p:cTn>
+              <p:prevCondLst>
+                <p:cond evt="onPrev" delay="0">
+                  <p:tgtEl>
+                    <p:sldTgt/>
+                  </p:tgtEl>
+                </p:cond>
+              </p:prevCondLst>
+              <p:nextCondLst>
+                <p:cond evt="onNext" delay="0">
+                  <p:tgtEl>
+                    <p:sldTgt/>
+                  </p:tgtEl>
+                </p:cond>
+              </p:nextCondLst>
+            </p:seq>
+          </p:childTnLst>
+        </p:cTn>
+      </p:par>
+    </p:tnLst>
+    <p:bldLst>
+      <p:bldP spid="4" grpId="0"/>
+      <p:bldP spid="6" grpId="0"/>
+    </p:bldLst>
+  </p:timing>
+</p:sld>
+</file>
+
 <file path=ppt/slides/slide2.xml><?xml version="1.0" encoding="utf-8"?>
 <p:sld xmlns:a="http://schemas.openxmlformats.org/drawingml/2006/main" xmlns:r="http://schemas.openxmlformats.org/officeDocument/2006/relationships" xmlns:p="http://schemas.openxmlformats.org/presentationml/2006/main">
   <p:cSld>
@@ -5085,6 +7954,3175 @@
     <p:bldLst>
       <p:bldP spid="10" grpId="0"/>
       <p:bldP spid="12" grpId="0"/>
+    </p:bldLst>
+  </p:timing>
+</p:sld>
+</file>
+
+<file path=ppt/slides/slide4.xml><?xml version="1.0" encoding="utf-8"?>
+<p:sld xmlns:a="http://schemas.openxmlformats.org/drawingml/2006/main" xmlns:r="http://schemas.openxmlformats.org/officeDocument/2006/relationships" xmlns:p="http://schemas.openxmlformats.org/presentationml/2006/main">
+  <p:cSld>
+    <p:spTree>
+      <p:nvGrpSpPr>
+        <p:cNvPr id="1" name=""/>
+        <p:cNvGrpSpPr/>
+        <p:nvPr/>
+      </p:nvGrpSpPr>
+      <p:grpSpPr>
+        <a:xfrm>
+          <a:off x="0" y="0"/>
+          <a:ext cx="0" cy="0"/>
+          <a:chOff x="0" y="0"/>
+          <a:chExt cx="0" cy="0"/>
+        </a:xfrm>
+      </p:grpSpPr>
+      <p:sp>
+        <p:nvSpPr>
+          <p:cNvPr id="3" name="Title 2"/>
+          <p:cNvSpPr>
+            <a:spLocks noGrp="1"/>
+          </p:cNvSpPr>
+          <p:nvPr>
+            <p:ph type="title"/>
+          </p:nvPr>
+        </p:nvSpPr>
+        <p:spPr/>
+        <p:txBody>
+          <a:bodyPr/>
+          <a:lstStyle/>
+          <a:p>
+            <a:r>
+              <a:rPr lang="sr-Latn-RS" altLang="ko-KR" dirty="0" smtClean="0"/>
+              <a:t>Kreiranje i Konfiguracija Projekta</a:t>
+            </a:r>
+            <a:endParaRPr lang="ko-KR" altLang="en-US" dirty="0"/>
+          </a:p>
+        </p:txBody>
+      </p:sp>
+      <p:sp>
+        <p:nvSpPr>
+          <p:cNvPr id="10" name="TextBox 9"/>
+          <p:cNvSpPr txBox="1"/>
+          <p:nvPr/>
+        </p:nvSpPr>
+        <p:spPr>
+          <a:xfrm>
+            <a:off x="1764216" y="884466"/>
+            <a:ext cx="7200800" cy="307777"/>
+          </a:xfrm>
+          <a:prstGeom prst="rect">
+            <a:avLst/>
+          </a:prstGeom>
+          <a:noFill/>
+        </p:spPr>
+        <p:txBody>
+          <a:bodyPr wrap="square" rtlCol="0">
+            <a:spAutoFit/>
+          </a:bodyPr>
+          <a:lstStyle/>
+          <a:p>
+            <a:r>
+              <a:rPr lang="en-US" sz="1400" dirty="0" smtClean="0">
+                <a:latin typeface="Arial" panose="020B0604020202020204" pitchFamily="34" charset="0"/>
+                <a:cs typeface="Arial" panose="020B0604020202020204" pitchFamily="34" charset="0"/>
+              </a:rPr>
+              <a:t>Server </a:t>
+            </a:r>
+            <a:r>
+              <a:rPr lang="sr-Latn-RS" sz="1400" dirty="0" smtClean="0">
+                <a:latin typeface="Arial" panose="020B0604020202020204" pitchFamily="34" charset="0"/>
+                <a:cs typeface="Arial" panose="020B0604020202020204" pitchFamily="34" charset="0"/>
+              </a:rPr>
+              <a:t>će slušati na portu 5001, klijent će slušati na 4200 (podrazumevano)</a:t>
+            </a:r>
+            <a:endParaRPr lang="sr-Latn-RS" sz="1400" dirty="0">
+              <a:latin typeface="Arial" panose="020B0604020202020204" pitchFamily="34" charset="0"/>
+              <a:cs typeface="Arial" panose="020B0604020202020204" pitchFamily="34" charset="0"/>
+            </a:endParaRPr>
+          </a:p>
+        </p:txBody>
+      </p:sp>
+      <p:sp>
+        <p:nvSpPr>
+          <p:cNvPr id="6" name="TextBox 5"/>
+          <p:cNvSpPr txBox="1"/>
+          <p:nvPr/>
+        </p:nvSpPr>
+        <p:spPr>
+          <a:xfrm>
+            <a:off x="1764216" y="1400491"/>
+            <a:ext cx="7200800" cy="307777"/>
+          </a:xfrm>
+          <a:prstGeom prst="rect">
+            <a:avLst/>
+          </a:prstGeom>
+          <a:noFill/>
+        </p:spPr>
+        <p:txBody>
+          <a:bodyPr wrap="square" rtlCol="0">
+            <a:spAutoFit/>
+          </a:bodyPr>
+          <a:lstStyle/>
+          <a:p>
+            <a:r>
+              <a:rPr lang="sr-Latn-RS" sz="1400" dirty="0" smtClean="0">
+                <a:latin typeface="Arial" panose="020B0604020202020204" pitchFamily="34" charset="0"/>
+                <a:cs typeface="Arial" panose="020B0604020202020204" pitchFamily="34" charset="0"/>
+              </a:rPr>
+              <a:t>Zbog navedenog, mora se konfigurisati CORS na serverskoj strani projekta</a:t>
+            </a:r>
+            <a:endParaRPr lang="sr-Latn-RS" sz="1400" dirty="0">
+              <a:latin typeface="Arial" panose="020B0604020202020204" pitchFamily="34" charset="0"/>
+              <a:cs typeface="Arial" panose="020B0604020202020204" pitchFamily="34" charset="0"/>
+            </a:endParaRPr>
+          </a:p>
+        </p:txBody>
+      </p:sp>
+      <p:sp>
+        <p:nvSpPr>
+          <p:cNvPr id="8" name="TextBox 7"/>
+          <p:cNvSpPr txBox="1"/>
+          <p:nvPr/>
+        </p:nvSpPr>
+        <p:spPr>
+          <a:xfrm>
+            <a:off x="1764216" y="1922820"/>
+            <a:ext cx="7200800" cy="307777"/>
+          </a:xfrm>
+          <a:prstGeom prst="rect">
+            <a:avLst/>
+          </a:prstGeom>
+          <a:noFill/>
+        </p:spPr>
+        <p:txBody>
+          <a:bodyPr wrap="square" rtlCol="0">
+            <a:spAutoFit/>
+          </a:bodyPr>
+          <a:lstStyle/>
+          <a:p>
+            <a:r>
+              <a:rPr lang="sr-Latn-RS" sz="1400" dirty="0" smtClean="0">
+                <a:latin typeface="Arial" panose="020B0604020202020204" pitchFamily="34" charset="0"/>
+                <a:cs typeface="Arial" panose="020B0604020202020204" pitchFamily="34" charset="0"/>
+              </a:rPr>
+              <a:t>Modifikacija Startup.cs klase sa </a:t>
+            </a:r>
+            <a:r>
+              <a:rPr lang="sr-Latn-RS" sz="1400" b="1" dirty="0" smtClean="0">
+                <a:latin typeface="Arial" panose="020B0604020202020204" pitchFamily="34" charset="0"/>
+                <a:cs typeface="Arial" panose="020B0604020202020204" pitchFamily="34" charset="0"/>
+              </a:rPr>
+              <a:t>ConfigureServices</a:t>
+            </a:r>
+            <a:r>
+              <a:rPr lang="sr-Latn-RS" sz="1400" dirty="0" smtClean="0">
+                <a:latin typeface="Arial" panose="020B0604020202020204" pitchFamily="34" charset="0"/>
+                <a:cs typeface="Arial" panose="020B0604020202020204" pitchFamily="34" charset="0"/>
+              </a:rPr>
+              <a:t> i </a:t>
+            </a:r>
+            <a:r>
+              <a:rPr lang="sr-Latn-RS" sz="1400" b="1" dirty="0" smtClean="0">
+                <a:latin typeface="Arial" panose="020B0604020202020204" pitchFamily="34" charset="0"/>
+                <a:cs typeface="Arial" panose="020B0604020202020204" pitchFamily="34" charset="0"/>
+              </a:rPr>
+              <a:t>Configure</a:t>
+            </a:r>
+            <a:r>
+              <a:rPr lang="sr-Latn-RS" sz="1400" dirty="0" smtClean="0">
+                <a:latin typeface="Arial" panose="020B0604020202020204" pitchFamily="34" charset="0"/>
+                <a:cs typeface="Arial" panose="020B0604020202020204" pitchFamily="34" charset="0"/>
+              </a:rPr>
+              <a:t> metodama</a:t>
+            </a:r>
+            <a:endParaRPr lang="sr-Latn-RS" sz="1400" dirty="0">
+              <a:latin typeface="Arial" panose="020B0604020202020204" pitchFamily="34" charset="0"/>
+              <a:cs typeface="Arial" panose="020B0604020202020204" pitchFamily="34" charset="0"/>
+            </a:endParaRPr>
+          </a:p>
+        </p:txBody>
+      </p:sp>
+      <p:sp>
+        <p:nvSpPr>
+          <p:cNvPr id="9" name="TextBox 8"/>
+          <p:cNvSpPr txBox="1"/>
+          <p:nvPr/>
+        </p:nvSpPr>
+        <p:spPr>
+          <a:xfrm>
+            <a:off x="1764216" y="2445149"/>
+            <a:ext cx="7200800" cy="523220"/>
+          </a:xfrm>
+          <a:prstGeom prst="rect">
+            <a:avLst/>
+          </a:prstGeom>
+          <a:noFill/>
+        </p:spPr>
+        <p:txBody>
+          <a:bodyPr wrap="square" rtlCol="0">
+            <a:spAutoFit/>
+          </a:bodyPr>
+          <a:lstStyle/>
+          <a:p>
+            <a:r>
+              <a:rPr lang="sr-Latn-RS" sz="1400" dirty="0" smtClean="0">
+                <a:latin typeface="Arial" panose="020B0604020202020204" pitchFamily="34" charset="0"/>
+                <a:cs typeface="Arial" panose="020B0604020202020204" pitchFamily="34" charset="0"/>
+              </a:rPr>
+              <a:t>ConfigureServices metoda nam služi za registrovanje servisa u okviru IServiceCollection interfejsa, odnosno registrovanje servisa u IOC kontejneru</a:t>
+            </a:r>
+            <a:endParaRPr lang="sr-Latn-RS" sz="1400" dirty="0">
+              <a:latin typeface="Arial" panose="020B0604020202020204" pitchFamily="34" charset="0"/>
+              <a:cs typeface="Arial" panose="020B0604020202020204" pitchFamily="34" charset="0"/>
+            </a:endParaRPr>
+          </a:p>
+        </p:txBody>
+      </p:sp>
+      <p:sp>
+        <p:nvSpPr>
+          <p:cNvPr id="13" name="TextBox 12"/>
+          <p:cNvSpPr txBox="1"/>
+          <p:nvPr/>
+        </p:nvSpPr>
+        <p:spPr>
+          <a:xfrm>
+            <a:off x="1764216" y="3182921"/>
+            <a:ext cx="7200800" cy="523220"/>
+          </a:xfrm>
+          <a:prstGeom prst="rect">
+            <a:avLst/>
+          </a:prstGeom>
+          <a:noFill/>
+        </p:spPr>
+        <p:txBody>
+          <a:bodyPr wrap="square" rtlCol="0">
+            <a:spAutoFit/>
+          </a:bodyPr>
+          <a:lstStyle/>
+          <a:p>
+            <a:r>
+              <a:rPr lang="sr-Latn-RS" sz="1400" dirty="0" smtClean="0">
+                <a:latin typeface="Arial" panose="020B0604020202020204" pitchFamily="34" charset="0"/>
+                <a:cs typeface="Arial" panose="020B0604020202020204" pitchFamily="34" charset="0"/>
+              </a:rPr>
+              <a:t>Configure metoda nam služi za dodavanje različitih middleware komponenti u okviru        „pipeline“-a aplikacije.</a:t>
+            </a:r>
+            <a:endParaRPr lang="sr-Latn-RS" sz="1400" dirty="0">
+              <a:latin typeface="Arial" panose="020B0604020202020204" pitchFamily="34" charset="0"/>
+              <a:cs typeface="Arial" panose="020B0604020202020204" pitchFamily="34" charset="0"/>
+            </a:endParaRPr>
+          </a:p>
+        </p:txBody>
+      </p:sp>
+    </p:spTree>
+    <p:extLst>
+      <p:ext uri="{BB962C8B-B14F-4D97-AF65-F5344CB8AC3E}">
+        <p14:creationId xmlns:p14="http://schemas.microsoft.com/office/powerpoint/2010/main" val="1819620600"/>
+      </p:ext>
+    </p:extLst>
+  </p:cSld>
+  <p:clrMapOvr>
+    <a:masterClrMapping/>
+  </p:clrMapOvr>
+  <p:timing>
+    <p:tnLst>
+      <p:par>
+        <p:cTn id="1" dur="indefinite" restart="never" nodeType="tmRoot">
+          <p:childTnLst>
+            <p:seq concurrent="1" nextAc="seek">
+              <p:cTn id="2" dur="indefinite" nodeType="mainSeq">
+                <p:childTnLst>
+                  <p:par>
+                    <p:cTn id="3" fill="hold">
+                      <p:stCondLst>
+                        <p:cond delay="indefinite"/>
+                      </p:stCondLst>
+                      <p:childTnLst>
+                        <p:par>
+                          <p:cTn id="4" fill="hold">
+                            <p:stCondLst>
+                              <p:cond delay="0"/>
+                            </p:stCondLst>
+                            <p:childTnLst>
+                              <p:par>
+                                <p:cTn id="5" presetID="2" presetClass="entr" presetSubtype="4" fill="hold" grpId="0" nodeType="clickEffect">
+                                  <p:stCondLst>
+                                    <p:cond delay="0"/>
+                                  </p:stCondLst>
+                                  <p:childTnLst>
+                                    <p:set>
+                                      <p:cBhvr>
+                                        <p:cTn id="6" dur="1" fill="hold">
+                                          <p:stCondLst>
+                                            <p:cond delay="0"/>
+                                          </p:stCondLst>
+                                        </p:cTn>
+                                        <p:tgtEl>
+                                          <p:spTgt spid="10"/>
+                                        </p:tgtEl>
+                                        <p:attrNameLst>
+                                          <p:attrName>style.visibility</p:attrName>
+                                        </p:attrNameLst>
+                                      </p:cBhvr>
+                                      <p:to>
+                                        <p:strVal val="visible"/>
+                                      </p:to>
+                                    </p:set>
+                                    <p:anim calcmode="lin" valueType="num">
+                                      <p:cBhvr additive="base">
+                                        <p:cTn id="7" dur="500" fill="hold"/>
+                                        <p:tgtEl>
+                                          <p:spTgt spid="10"/>
+                                        </p:tgtEl>
+                                        <p:attrNameLst>
+                                          <p:attrName>ppt_x</p:attrName>
+                                        </p:attrNameLst>
+                                      </p:cBhvr>
+                                      <p:tavLst>
+                                        <p:tav tm="0">
+                                          <p:val>
+                                            <p:strVal val="#ppt_x"/>
+                                          </p:val>
+                                        </p:tav>
+                                        <p:tav tm="100000">
+                                          <p:val>
+                                            <p:strVal val="#ppt_x"/>
+                                          </p:val>
+                                        </p:tav>
+                                      </p:tavLst>
+                                    </p:anim>
+                                    <p:anim calcmode="lin" valueType="num">
+                                      <p:cBhvr additive="base">
+                                        <p:cTn id="8" dur="500" fill="hold"/>
+                                        <p:tgtEl>
+                                          <p:spTgt spid="10"/>
+                                        </p:tgtEl>
+                                        <p:attrNameLst>
+                                          <p:attrName>ppt_y</p:attrName>
+                                        </p:attrNameLst>
+                                      </p:cBhvr>
+                                      <p:tavLst>
+                                        <p:tav tm="0">
+                                          <p:val>
+                                            <p:strVal val="1+#ppt_h/2"/>
+                                          </p:val>
+                                        </p:tav>
+                                        <p:tav tm="100000">
+                                          <p:val>
+                                            <p:strVal val="#ppt_y"/>
+                                          </p:val>
+                                        </p:tav>
+                                      </p:tavLst>
+                                    </p:anim>
+                                  </p:childTnLst>
+                                </p:cTn>
+                              </p:par>
+                            </p:childTnLst>
+                          </p:cTn>
+                        </p:par>
+                      </p:childTnLst>
+                    </p:cTn>
+                  </p:par>
+                  <p:par>
+                    <p:cTn id="9" fill="hold">
+                      <p:stCondLst>
+                        <p:cond delay="indefinite"/>
+                      </p:stCondLst>
+                      <p:childTnLst>
+                        <p:par>
+                          <p:cTn id="10" fill="hold">
+                            <p:stCondLst>
+                              <p:cond delay="0"/>
+                            </p:stCondLst>
+                            <p:childTnLst>
+                              <p:par>
+                                <p:cTn id="11" presetID="2" presetClass="entr" presetSubtype="4" fill="hold" grpId="0" nodeType="clickEffect">
+                                  <p:stCondLst>
+                                    <p:cond delay="0"/>
+                                  </p:stCondLst>
+                                  <p:childTnLst>
+                                    <p:set>
+                                      <p:cBhvr>
+                                        <p:cTn id="12" dur="1" fill="hold">
+                                          <p:stCondLst>
+                                            <p:cond delay="0"/>
+                                          </p:stCondLst>
+                                        </p:cTn>
+                                        <p:tgtEl>
+                                          <p:spTgt spid="6"/>
+                                        </p:tgtEl>
+                                        <p:attrNameLst>
+                                          <p:attrName>style.visibility</p:attrName>
+                                        </p:attrNameLst>
+                                      </p:cBhvr>
+                                      <p:to>
+                                        <p:strVal val="visible"/>
+                                      </p:to>
+                                    </p:set>
+                                    <p:anim calcmode="lin" valueType="num">
+                                      <p:cBhvr additive="base">
+                                        <p:cTn id="13" dur="500" fill="hold"/>
+                                        <p:tgtEl>
+                                          <p:spTgt spid="6"/>
+                                        </p:tgtEl>
+                                        <p:attrNameLst>
+                                          <p:attrName>ppt_x</p:attrName>
+                                        </p:attrNameLst>
+                                      </p:cBhvr>
+                                      <p:tavLst>
+                                        <p:tav tm="0">
+                                          <p:val>
+                                            <p:strVal val="#ppt_x"/>
+                                          </p:val>
+                                        </p:tav>
+                                        <p:tav tm="100000">
+                                          <p:val>
+                                            <p:strVal val="#ppt_x"/>
+                                          </p:val>
+                                        </p:tav>
+                                      </p:tavLst>
+                                    </p:anim>
+                                    <p:anim calcmode="lin" valueType="num">
+                                      <p:cBhvr additive="base">
+                                        <p:cTn id="14" dur="500" fill="hold"/>
+                                        <p:tgtEl>
+                                          <p:spTgt spid="6"/>
+                                        </p:tgtEl>
+                                        <p:attrNameLst>
+                                          <p:attrName>ppt_y</p:attrName>
+                                        </p:attrNameLst>
+                                      </p:cBhvr>
+                                      <p:tavLst>
+                                        <p:tav tm="0">
+                                          <p:val>
+                                            <p:strVal val="1+#ppt_h/2"/>
+                                          </p:val>
+                                        </p:tav>
+                                        <p:tav tm="100000">
+                                          <p:val>
+                                            <p:strVal val="#ppt_y"/>
+                                          </p:val>
+                                        </p:tav>
+                                      </p:tavLst>
+                                    </p:anim>
+                                  </p:childTnLst>
+                                </p:cTn>
+                              </p:par>
+                            </p:childTnLst>
+                          </p:cTn>
+                        </p:par>
+                      </p:childTnLst>
+                    </p:cTn>
+                  </p:par>
+                  <p:par>
+                    <p:cTn id="15" fill="hold">
+                      <p:stCondLst>
+                        <p:cond delay="indefinite"/>
+                      </p:stCondLst>
+                      <p:childTnLst>
+                        <p:par>
+                          <p:cTn id="16" fill="hold">
+                            <p:stCondLst>
+                              <p:cond delay="0"/>
+                            </p:stCondLst>
+                            <p:childTnLst>
+                              <p:par>
+                                <p:cTn id="17" presetID="2" presetClass="entr" presetSubtype="4" fill="hold" grpId="0" nodeType="clickEffect">
+                                  <p:stCondLst>
+                                    <p:cond delay="0"/>
+                                  </p:stCondLst>
+                                  <p:childTnLst>
+                                    <p:set>
+                                      <p:cBhvr>
+                                        <p:cTn id="18" dur="1" fill="hold">
+                                          <p:stCondLst>
+                                            <p:cond delay="0"/>
+                                          </p:stCondLst>
+                                        </p:cTn>
+                                        <p:tgtEl>
+                                          <p:spTgt spid="8"/>
+                                        </p:tgtEl>
+                                        <p:attrNameLst>
+                                          <p:attrName>style.visibility</p:attrName>
+                                        </p:attrNameLst>
+                                      </p:cBhvr>
+                                      <p:to>
+                                        <p:strVal val="visible"/>
+                                      </p:to>
+                                    </p:set>
+                                    <p:anim calcmode="lin" valueType="num">
+                                      <p:cBhvr additive="base">
+                                        <p:cTn id="19" dur="500" fill="hold"/>
+                                        <p:tgtEl>
+                                          <p:spTgt spid="8"/>
+                                        </p:tgtEl>
+                                        <p:attrNameLst>
+                                          <p:attrName>ppt_x</p:attrName>
+                                        </p:attrNameLst>
+                                      </p:cBhvr>
+                                      <p:tavLst>
+                                        <p:tav tm="0">
+                                          <p:val>
+                                            <p:strVal val="#ppt_x"/>
+                                          </p:val>
+                                        </p:tav>
+                                        <p:tav tm="100000">
+                                          <p:val>
+                                            <p:strVal val="#ppt_x"/>
+                                          </p:val>
+                                        </p:tav>
+                                      </p:tavLst>
+                                    </p:anim>
+                                    <p:anim calcmode="lin" valueType="num">
+                                      <p:cBhvr additive="base">
+                                        <p:cTn id="20" dur="500" fill="hold"/>
+                                        <p:tgtEl>
+                                          <p:spTgt spid="8"/>
+                                        </p:tgtEl>
+                                        <p:attrNameLst>
+                                          <p:attrName>ppt_y</p:attrName>
+                                        </p:attrNameLst>
+                                      </p:cBhvr>
+                                      <p:tavLst>
+                                        <p:tav tm="0">
+                                          <p:val>
+                                            <p:strVal val="1+#ppt_h/2"/>
+                                          </p:val>
+                                        </p:tav>
+                                        <p:tav tm="100000">
+                                          <p:val>
+                                            <p:strVal val="#ppt_y"/>
+                                          </p:val>
+                                        </p:tav>
+                                      </p:tavLst>
+                                    </p:anim>
+                                  </p:childTnLst>
+                                </p:cTn>
+                              </p:par>
+                            </p:childTnLst>
+                          </p:cTn>
+                        </p:par>
+                      </p:childTnLst>
+                    </p:cTn>
+                  </p:par>
+                  <p:par>
+                    <p:cTn id="21" fill="hold">
+                      <p:stCondLst>
+                        <p:cond delay="indefinite"/>
+                      </p:stCondLst>
+                      <p:childTnLst>
+                        <p:par>
+                          <p:cTn id="22" fill="hold">
+                            <p:stCondLst>
+                              <p:cond delay="0"/>
+                            </p:stCondLst>
+                            <p:childTnLst>
+                              <p:par>
+                                <p:cTn id="23" presetID="2" presetClass="entr" presetSubtype="4" fill="hold" grpId="0" nodeType="clickEffect">
+                                  <p:stCondLst>
+                                    <p:cond delay="0"/>
+                                  </p:stCondLst>
+                                  <p:childTnLst>
+                                    <p:set>
+                                      <p:cBhvr>
+                                        <p:cTn id="24" dur="1" fill="hold">
+                                          <p:stCondLst>
+                                            <p:cond delay="0"/>
+                                          </p:stCondLst>
+                                        </p:cTn>
+                                        <p:tgtEl>
+                                          <p:spTgt spid="9"/>
+                                        </p:tgtEl>
+                                        <p:attrNameLst>
+                                          <p:attrName>style.visibility</p:attrName>
+                                        </p:attrNameLst>
+                                      </p:cBhvr>
+                                      <p:to>
+                                        <p:strVal val="visible"/>
+                                      </p:to>
+                                    </p:set>
+                                    <p:anim calcmode="lin" valueType="num">
+                                      <p:cBhvr additive="base">
+                                        <p:cTn id="25" dur="500" fill="hold"/>
+                                        <p:tgtEl>
+                                          <p:spTgt spid="9"/>
+                                        </p:tgtEl>
+                                        <p:attrNameLst>
+                                          <p:attrName>ppt_x</p:attrName>
+                                        </p:attrNameLst>
+                                      </p:cBhvr>
+                                      <p:tavLst>
+                                        <p:tav tm="0">
+                                          <p:val>
+                                            <p:strVal val="#ppt_x"/>
+                                          </p:val>
+                                        </p:tav>
+                                        <p:tav tm="100000">
+                                          <p:val>
+                                            <p:strVal val="#ppt_x"/>
+                                          </p:val>
+                                        </p:tav>
+                                      </p:tavLst>
+                                    </p:anim>
+                                    <p:anim calcmode="lin" valueType="num">
+                                      <p:cBhvr additive="base">
+                                        <p:cTn id="26" dur="500" fill="hold"/>
+                                        <p:tgtEl>
+                                          <p:spTgt spid="9"/>
+                                        </p:tgtEl>
+                                        <p:attrNameLst>
+                                          <p:attrName>ppt_y</p:attrName>
+                                        </p:attrNameLst>
+                                      </p:cBhvr>
+                                      <p:tavLst>
+                                        <p:tav tm="0">
+                                          <p:val>
+                                            <p:strVal val="1+#ppt_h/2"/>
+                                          </p:val>
+                                        </p:tav>
+                                        <p:tav tm="100000">
+                                          <p:val>
+                                            <p:strVal val="#ppt_y"/>
+                                          </p:val>
+                                        </p:tav>
+                                      </p:tavLst>
+                                    </p:anim>
+                                  </p:childTnLst>
+                                </p:cTn>
+                              </p:par>
+                            </p:childTnLst>
+                          </p:cTn>
+                        </p:par>
+                      </p:childTnLst>
+                    </p:cTn>
+                  </p:par>
+                  <p:par>
+                    <p:cTn id="27" fill="hold">
+                      <p:stCondLst>
+                        <p:cond delay="indefinite"/>
+                      </p:stCondLst>
+                      <p:childTnLst>
+                        <p:par>
+                          <p:cTn id="28" fill="hold">
+                            <p:stCondLst>
+                              <p:cond delay="0"/>
+                            </p:stCondLst>
+                            <p:childTnLst>
+                              <p:par>
+                                <p:cTn id="29" presetID="2" presetClass="entr" presetSubtype="4" fill="hold" grpId="0" nodeType="clickEffect">
+                                  <p:stCondLst>
+                                    <p:cond delay="0"/>
+                                  </p:stCondLst>
+                                  <p:childTnLst>
+                                    <p:set>
+                                      <p:cBhvr>
+                                        <p:cTn id="30" dur="1" fill="hold">
+                                          <p:stCondLst>
+                                            <p:cond delay="0"/>
+                                          </p:stCondLst>
+                                        </p:cTn>
+                                        <p:tgtEl>
+                                          <p:spTgt spid="13"/>
+                                        </p:tgtEl>
+                                        <p:attrNameLst>
+                                          <p:attrName>style.visibility</p:attrName>
+                                        </p:attrNameLst>
+                                      </p:cBhvr>
+                                      <p:to>
+                                        <p:strVal val="visible"/>
+                                      </p:to>
+                                    </p:set>
+                                    <p:anim calcmode="lin" valueType="num">
+                                      <p:cBhvr additive="base">
+                                        <p:cTn id="31" dur="500" fill="hold"/>
+                                        <p:tgtEl>
+                                          <p:spTgt spid="13"/>
+                                        </p:tgtEl>
+                                        <p:attrNameLst>
+                                          <p:attrName>ppt_x</p:attrName>
+                                        </p:attrNameLst>
+                                      </p:cBhvr>
+                                      <p:tavLst>
+                                        <p:tav tm="0">
+                                          <p:val>
+                                            <p:strVal val="#ppt_x"/>
+                                          </p:val>
+                                        </p:tav>
+                                        <p:tav tm="100000">
+                                          <p:val>
+                                            <p:strVal val="#ppt_x"/>
+                                          </p:val>
+                                        </p:tav>
+                                      </p:tavLst>
+                                    </p:anim>
+                                    <p:anim calcmode="lin" valueType="num">
+                                      <p:cBhvr additive="base">
+                                        <p:cTn id="32" dur="500" fill="hold"/>
+                                        <p:tgtEl>
+                                          <p:spTgt spid="13"/>
+                                        </p:tgtEl>
+                                        <p:attrNameLst>
+                                          <p:attrName>ppt_y</p:attrName>
+                                        </p:attrNameLst>
+                                      </p:cBhvr>
+                                      <p:tavLst>
+                                        <p:tav tm="0">
+                                          <p:val>
+                                            <p:strVal val="1+#ppt_h/2"/>
+                                          </p:val>
+                                        </p:tav>
+                                        <p:tav tm="100000">
+                                          <p:val>
+                                            <p:strVal val="#ppt_y"/>
+                                          </p:val>
+                                        </p:tav>
+                                      </p:tavLst>
+                                    </p:anim>
+                                  </p:childTnLst>
+                                </p:cTn>
+                              </p:par>
+                            </p:childTnLst>
+                          </p:cTn>
+                        </p:par>
+                      </p:childTnLst>
+                    </p:cTn>
+                  </p:par>
+                </p:childTnLst>
+              </p:cTn>
+              <p:prevCondLst>
+                <p:cond evt="onPrev" delay="0">
+                  <p:tgtEl>
+                    <p:sldTgt/>
+                  </p:tgtEl>
+                </p:cond>
+              </p:prevCondLst>
+              <p:nextCondLst>
+                <p:cond evt="onNext" delay="0">
+                  <p:tgtEl>
+                    <p:sldTgt/>
+                  </p:tgtEl>
+                </p:cond>
+              </p:nextCondLst>
+            </p:seq>
+          </p:childTnLst>
+        </p:cTn>
+      </p:par>
+    </p:tnLst>
+    <p:bldLst>
+      <p:bldP spid="10" grpId="0"/>
+      <p:bldP spid="6" grpId="0"/>
+      <p:bldP spid="8" grpId="0"/>
+      <p:bldP spid="9" grpId="0"/>
+      <p:bldP spid="13" grpId="0"/>
+    </p:bldLst>
+  </p:timing>
+</p:sld>
+</file>
+
+<file path=ppt/slides/slide5.xml><?xml version="1.0" encoding="utf-8"?>
+<p:sld xmlns:a="http://schemas.openxmlformats.org/drawingml/2006/main" xmlns:r="http://schemas.openxmlformats.org/officeDocument/2006/relationships" xmlns:p="http://schemas.openxmlformats.org/presentationml/2006/main">
+  <p:cSld>
+    <p:spTree>
+      <p:nvGrpSpPr>
+        <p:cNvPr id="1" name=""/>
+        <p:cNvGrpSpPr/>
+        <p:nvPr/>
+      </p:nvGrpSpPr>
+      <p:grpSpPr>
+        <a:xfrm>
+          <a:off x="0" y="0"/>
+          <a:ext cx="0" cy="0"/>
+          <a:chOff x="0" y="0"/>
+          <a:chExt cx="0" cy="0"/>
+        </a:xfrm>
+      </p:grpSpPr>
+      <p:sp>
+        <p:nvSpPr>
+          <p:cNvPr id="3" name="Title 2"/>
+          <p:cNvSpPr>
+            <a:spLocks noGrp="1"/>
+          </p:cNvSpPr>
+          <p:nvPr>
+            <p:ph type="title"/>
+          </p:nvPr>
+        </p:nvSpPr>
+        <p:spPr/>
+        <p:txBody>
+          <a:bodyPr/>
+          <a:lstStyle/>
+          <a:p>
+            <a:r>
+              <a:rPr lang="sr-Latn-RS" altLang="ko-KR" dirty="0" smtClean="0"/>
+              <a:t>Kreiranje i Konfiguracija Projekta</a:t>
+            </a:r>
+            <a:endParaRPr lang="ko-KR" altLang="en-US" dirty="0"/>
+          </a:p>
+        </p:txBody>
+      </p:sp>
+      <p:pic>
+        <p:nvPicPr>
+          <p:cNvPr id="2" name="Picture 1"/>
+          <p:cNvPicPr>
+            <a:picLocks noChangeAspect="1"/>
+          </p:cNvPicPr>
+          <p:nvPr/>
+        </p:nvPicPr>
+        <p:blipFill>
+          <a:blip r:embed="rId2">
+            <a:extLst>
+              <a:ext uri="{28A0092B-C50C-407E-A947-70E740481C1C}">
+                <a14:useLocalDpi xmlns:a14="http://schemas.microsoft.com/office/drawing/2010/main" val="0"/>
+              </a:ext>
+            </a:extLst>
+          </a:blip>
+          <a:stretch>
+            <a:fillRect/>
+          </a:stretch>
+        </p:blipFill>
+        <p:spPr>
+          <a:xfrm>
+            <a:off x="1718414" y="771550"/>
+            <a:ext cx="5707172" cy="4371950"/>
+          </a:xfrm>
+          <a:prstGeom prst="rect">
+            <a:avLst/>
+          </a:prstGeom>
+        </p:spPr>
+      </p:pic>
+    </p:spTree>
+    <p:extLst>
+      <p:ext uri="{BB962C8B-B14F-4D97-AF65-F5344CB8AC3E}">
+        <p14:creationId xmlns:p14="http://schemas.microsoft.com/office/powerpoint/2010/main" val="2435104519"/>
+      </p:ext>
+    </p:extLst>
+  </p:cSld>
+  <p:clrMapOvr>
+    <a:masterClrMapping/>
+  </p:clrMapOvr>
+  <p:timing>
+    <p:tnLst>
+      <p:par>
+        <p:cTn id="1" dur="indefinite" restart="never" nodeType="tmRoot">
+          <p:childTnLst>
+            <p:seq concurrent="1" nextAc="seek">
+              <p:cTn id="2" dur="indefinite" nodeType="mainSeq">
+                <p:childTnLst>
+                  <p:par>
+                    <p:cTn id="3" fill="hold">
+                      <p:stCondLst>
+                        <p:cond delay="indefinite"/>
+                      </p:stCondLst>
+                      <p:childTnLst>
+                        <p:par>
+                          <p:cTn id="4" fill="hold">
+                            <p:stCondLst>
+                              <p:cond delay="0"/>
+                            </p:stCondLst>
+                            <p:childTnLst>
+                              <p:par>
+                                <p:cTn id="5" presetID="2" presetClass="entr" presetSubtype="4" fill="hold" nodeType="clickEffect">
+                                  <p:stCondLst>
+                                    <p:cond delay="0"/>
+                                  </p:stCondLst>
+                                  <p:childTnLst>
+                                    <p:set>
+                                      <p:cBhvr>
+                                        <p:cTn id="6" dur="1" fill="hold">
+                                          <p:stCondLst>
+                                            <p:cond delay="0"/>
+                                          </p:stCondLst>
+                                        </p:cTn>
+                                        <p:tgtEl>
+                                          <p:spTgt spid="2"/>
+                                        </p:tgtEl>
+                                        <p:attrNameLst>
+                                          <p:attrName>style.visibility</p:attrName>
+                                        </p:attrNameLst>
+                                      </p:cBhvr>
+                                      <p:to>
+                                        <p:strVal val="visible"/>
+                                      </p:to>
+                                    </p:set>
+                                    <p:anim calcmode="lin" valueType="num">
+                                      <p:cBhvr additive="base">
+                                        <p:cTn id="7" dur="500" fill="hold"/>
+                                        <p:tgtEl>
+                                          <p:spTgt spid="2"/>
+                                        </p:tgtEl>
+                                        <p:attrNameLst>
+                                          <p:attrName>ppt_x</p:attrName>
+                                        </p:attrNameLst>
+                                      </p:cBhvr>
+                                      <p:tavLst>
+                                        <p:tav tm="0">
+                                          <p:val>
+                                            <p:strVal val="#ppt_x"/>
+                                          </p:val>
+                                        </p:tav>
+                                        <p:tav tm="100000">
+                                          <p:val>
+                                            <p:strVal val="#ppt_x"/>
+                                          </p:val>
+                                        </p:tav>
+                                      </p:tavLst>
+                                    </p:anim>
+                                    <p:anim calcmode="lin" valueType="num">
+                                      <p:cBhvr additive="base">
+                                        <p:cTn id="8" dur="500" fill="hold"/>
+                                        <p:tgtEl>
+                                          <p:spTgt spid="2"/>
+                                        </p:tgtEl>
+                                        <p:attrNameLst>
+                                          <p:attrName>ppt_y</p:attrName>
+                                        </p:attrNameLst>
+                                      </p:cBhvr>
+                                      <p:tavLst>
+                                        <p:tav tm="0">
+                                          <p:val>
+                                            <p:strVal val="1+#ppt_h/2"/>
+                                          </p:val>
+                                        </p:tav>
+                                        <p:tav tm="100000">
+                                          <p:val>
+                                            <p:strVal val="#ppt_y"/>
+                                          </p:val>
+                                        </p:tav>
+                                      </p:tavLst>
+                                    </p:anim>
+                                  </p:childTnLst>
+                                </p:cTn>
+                              </p:par>
+                            </p:childTnLst>
+                          </p:cTn>
+                        </p:par>
+                      </p:childTnLst>
+                    </p:cTn>
+                  </p:par>
+                </p:childTnLst>
+              </p:cTn>
+              <p:prevCondLst>
+                <p:cond evt="onPrev" delay="0">
+                  <p:tgtEl>
+                    <p:sldTgt/>
+                  </p:tgtEl>
+                </p:cond>
+              </p:prevCondLst>
+              <p:nextCondLst>
+                <p:cond evt="onNext" delay="0">
+                  <p:tgtEl>
+                    <p:sldTgt/>
+                  </p:tgtEl>
+                </p:cond>
+              </p:nextCondLst>
+            </p:seq>
+          </p:childTnLst>
+        </p:cTn>
+      </p:par>
+    </p:tnLst>
+  </p:timing>
+</p:sld>
+</file>
+
+<file path=ppt/slides/slide6.xml><?xml version="1.0" encoding="utf-8"?>
+<p:sld xmlns:a="http://schemas.openxmlformats.org/drawingml/2006/main" xmlns:r="http://schemas.openxmlformats.org/officeDocument/2006/relationships" xmlns:p="http://schemas.openxmlformats.org/presentationml/2006/main">
+  <p:cSld>
+    <p:spTree>
+      <p:nvGrpSpPr>
+        <p:cNvPr id="1" name=""/>
+        <p:cNvGrpSpPr/>
+        <p:nvPr/>
+      </p:nvGrpSpPr>
+      <p:grpSpPr>
+        <a:xfrm>
+          <a:off x="0" y="0"/>
+          <a:ext cx="0" cy="0"/>
+          <a:chOff x="0" y="0"/>
+          <a:chExt cx="0" cy="0"/>
+        </a:xfrm>
+      </p:grpSpPr>
+      <p:sp>
+        <p:nvSpPr>
+          <p:cNvPr id="3" name="Title 2"/>
+          <p:cNvSpPr>
+            <a:spLocks noGrp="1"/>
+          </p:cNvSpPr>
+          <p:nvPr>
+            <p:ph type="title"/>
+          </p:nvPr>
+        </p:nvSpPr>
+        <p:spPr/>
+        <p:txBody>
+          <a:bodyPr/>
+          <a:lstStyle/>
+          <a:p>
+            <a:r>
+              <a:rPr lang="sr-Latn-RS" altLang="ko-KR" dirty="0" smtClean="0"/>
+              <a:t>Kreiranje i Konfiguracija Projekta</a:t>
+            </a:r>
+            <a:endParaRPr lang="ko-KR" altLang="en-US" dirty="0"/>
+          </a:p>
+        </p:txBody>
+      </p:sp>
+      <p:sp>
+        <p:nvSpPr>
+          <p:cNvPr id="4" name="TextBox 3"/>
+          <p:cNvSpPr txBox="1"/>
+          <p:nvPr/>
+        </p:nvSpPr>
+        <p:spPr>
+          <a:xfrm>
+            <a:off x="1619672" y="852227"/>
+            <a:ext cx="7200800" cy="523220"/>
+          </a:xfrm>
+          <a:prstGeom prst="rect">
+            <a:avLst/>
+          </a:prstGeom>
+          <a:noFill/>
+        </p:spPr>
+        <p:txBody>
+          <a:bodyPr wrap="square" rtlCol="0">
+            <a:spAutoFit/>
+          </a:bodyPr>
+          <a:lstStyle/>
+          <a:p>
+            <a:r>
+              <a:rPr lang="sr-Latn-RS" sz="1400" dirty="0" smtClean="0">
+                <a:latin typeface="Arial" panose="020B0604020202020204" pitchFamily="34" charset="0"/>
+                <a:cs typeface="Arial" panose="020B0604020202020204" pitchFamily="34" charset="0"/>
+              </a:rPr>
+              <a:t>„Čistiji“ način za registrovanje servisa u IOC je korišćenjem </a:t>
+            </a:r>
+            <a:r>
+              <a:rPr lang="sr-Latn-RS" sz="1400" b="1" dirty="0" smtClean="0">
+                <a:latin typeface="Arial" panose="020B0604020202020204" pitchFamily="34" charset="0"/>
+                <a:cs typeface="Arial" panose="020B0604020202020204" pitchFamily="34" charset="0"/>
+              </a:rPr>
+              <a:t>Ekstenzionih metoda (Exte</a:t>
+            </a:r>
+            <a:r>
+              <a:rPr lang="en-US" sz="1400" b="1" dirty="0" smtClean="0">
+                <a:latin typeface="Arial" panose="020B0604020202020204" pitchFamily="34" charset="0"/>
+                <a:cs typeface="Arial" panose="020B0604020202020204" pitchFamily="34" charset="0"/>
+              </a:rPr>
+              <a:t>-</a:t>
+            </a:r>
+            <a:r>
+              <a:rPr lang="sr-Latn-RS" sz="1400" b="1" dirty="0" smtClean="0">
+                <a:latin typeface="Arial" panose="020B0604020202020204" pitchFamily="34" charset="0"/>
+                <a:cs typeface="Arial" panose="020B0604020202020204" pitchFamily="34" charset="0"/>
+              </a:rPr>
+              <a:t>nsion Methods)</a:t>
+            </a:r>
+            <a:r>
+              <a:rPr lang="sr-Latn-RS" sz="1400" dirty="0" smtClean="0">
+                <a:latin typeface="Arial" panose="020B0604020202020204" pitchFamily="34" charset="0"/>
+                <a:cs typeface="Arial" panose="020B0604020202020204" pitchFamily="34" charset="0"/>
+              </a:rPr>
+              <a:t> </a:t>
+            </a:r>
+            <a:endParaRPr lang="en-US" sz="1400" dirty="0">
+              <a:latin typeface="Arial" panose="020B0604020202020204" pitchFamily="34" charset="0"/>
+              <a:cs typeface="Arial" panose="020B0604020202020204" pitchFamily="34" charset="0"/>
+            </a:endParaRPr>
+          </a:p>
+        </p:txBody>
+      </p:sp>
+      <p:sp>
+        <p:nvSpPr>
+          <p:cNvPr id="5" name="TextBox 4"/>
+          <p:cNvSpPr txBox="1"/>
+          <p:nvPr/>
+        </p:nvSpPr>
+        <p:spPr>
+          <a:xfrm>
+            <a:off x="1619672" y="1526066"/>
+            <a:ext cx="7200800" cy="738664"/>
+          </a:xfrm>
+          <a:prstGeom prst="rect">
+            <a:avLst/>
+          </a:prstGeom>
+          <a:noFill/>
+        </p:spPr>
+        <p:txBody>
+          <a:bodyPr wrap="square" rtlCol="0">
+            <a:spAutoFit/>
+          </a:bodyPr>
+          <a:lstStyle/>
+          <a:p>
+            <a:r>
+              <a:rPr lang="en-US" sz="1400" dirty="0" err="1"/>
+              <a:t>app.UseHttpsRedirection</a:t>
+            </a:r>
+            <a:r>
+              <a:rPr lang="en-US" sz="1400" dirty="0"/>
+              <a:t>();</a:t>
+            </a:r>
+          </a:p>
+          <a:p>
+            <a:r>
+              <a:rPr lang="en-US" sz="1400" dirty="0" err="1" smtClean="0"/>
+              <a:t>app.UseCors</a:t>
+            </a:r>
+            <a:r>
+              <a:rPr lang="en-US" sz="1400" dirty="0"/>
+              <a:t>("</a:t>
+            </a:r>
+            <a:r>
+              <a:rPr lang="en-US" sz="1400" dirty="0" err="1"/>
+              <a:t>CorsPolicy</a:t>
+            </a:r>
+            <a:r>
+              <a:rPr lang="en-US" sz="1400" dirty="0"/>
+              <a:t>");</a:t>
+            </a:r>
+          </a:p>
+          <a:p>
+            <a:r>
+              <a:rPr lang="en-US" sz="1400" dirty="0" err="1" smtClean="0"/>
+              <a:t>app.UseMvc</a:t>
+            </a:r>
+            <a:r>
+              <a:rPr lang="en-US" sz="1400" dirty="0"/>
+              <a:t>();</a:t>
+            </a:r>
+            <a:endParaRPr lang="en-US" sz="1400" dirty="0">
+              <a:latin typeface="Arial" panose="020B0604020202020204" pitchFamily="34" charset="0"/>
+              <a:cs typeface="Arial" panose="020B0604020202020204" pitchFamily="34" charset="0"/>
+            </a:endParaRPr>
+          </a:p>
+        </p:txBody>
+      </p:sp>
+      <p:pic>
+        <p:nvPicPr>
+          <p:cNvPr id="7" name="Picture 6"/>
+          <p:cNvPicPr>
+            <a:picLocks noChangeAspect="1"/>
+          </p:cNvPicPr>
+          <p:nvPr/>
+        </p:nvPicPr>
+        <p:blipFill>
+          <a:blip r:embed="rId2">
+            <a:extLst>
+              <a:ext uri="{28A0092B-C50C-407E-A947-70E740481C1C}">
+                <a14:useLocalDpi xmlns:a14="http://schemas.microsoft.com/office/drawing/2010/main" val="0"/>
+              </a:ext>
+            </a:extLst>
+          </a:blip>
+          <a:stretch>
+            <a:fillRect/>
+          </a:stretch>
+        </p:blipFill>
+        <p:spPr>
+          <a:xfrm>
+            <a:off x="1619673" y="2571750"/>
+            <a:ext cx="7344815" cy="1452545"/>
+          </a:xfrm>
+          <a:prstGeom prst="rect">
+            <a:avLst/>
+          </a:prstGeom>
+        </p:spPr>
+      </p:pic>
+    </p:spTree>
+    <p:extLst>
+      <p:ext uri="{BB962C8B-B14F-4D97-AF65-F5344CB8AC3E}">
+        <p14:creationId xmlns:p14="http://schemas.microsoft.com/office/powerpoint/2010/main" val="1362913312"/>
+      </p:ext>
+    </p:extLst>
+  </p:cSld>
+  <p:clrMapOvr>
+    <a:masterClrMapping/>
+  </p:clrMapOvr>
+  <p:timing>
+    <p:tnLst>
+      <p:par>
+        <p:cTn id="1" dur="indefinite" restart="never" nodeType="tmRoot">
+          <p:childTnLst>
+            <p:seq concurrent="1" nextAc="seek">
+              <p:cTn id="2" dur="indefinite" nodeType="mainSeq">
+                <p:childTnLst>
+                  <p:par>
+                    <p:cTn id="3" fill="hold">
+                      <p:stCondLst>
+                        <p:cond delay="indefinite"/>
+                      </p:stCondLst>
+                      <p:childTnLst>
+                        <p:par>
+                          <p:cTn id="4" fill="hold">
+                            <p:stCondLst>
+                              <p:cond delay="0"/>
+                            </p:stCondLst>
+                            <p:childTnLst>
+                              <p:par>
+                                <p:cTn id="5" presetID="2" presetClass="entr" presetSubtype="4" fill="hold" grpId="0" nodeType="clickEffect">
+                                  <p:stCondLst>
+                                    <p:cond delay="0"/>
+                                  </p:stCondLst>
+                                  <p:childTnLst>
+                                    <p:set>
+                                      <p:cBhvr>
+                                        <p:cTn id="6" dur="1" fill="hold">
+                                          <p:stCondLst>
+                                            <p:cond delay="0"/>
+                                          </p:stCondLst>
+                                        </p:cTn>
+                                        <p:tgtEl>
+                                          <p:spTgt spid="4"/>
+                                        </p:tgtEl>
+                                        <p:attrNameLst>
+                                          <p:attrName>style.visibility</p:attrName>
+                                        </p:attrNameLst>
+                                      </p:cBhvr>
+                                      <p:to>
+                                        <p:strVal val="visible"/>
+                                      </p:to>
+                                    </p:set>
+                                    <p:anim calcmode="lin" valueType="num">
+                                      <p:cBhvr additive="base">
+                                        <p:cTn id="7" dur="500" fill="hold"/>
+                                        <p:tgtEl>
+                                          <p:spTgt spid="4"/>
+                                        </p:tgtEl>
+                                        <p:attrNameLst>
+                                          <p:attrName>ppt_x</p:attrName>
+                                        </p:attrNameLst>
+                                      </p:cBhvr>
+                                      <p:tavLst>
+                                        <p:tav tm="0">
+                                          <p:val>
+                                            <p:strVal val="#ppt_x"/>
+                                          </p:val>
+                                        </p:tav>
+                                        <p:tav tm="100000">
+                                          <p:val>
+                                            <p:strVal val="#ppt_x"/>
+                                          </p:val>
+                                        </p:tav>
+                                      </p:tavLst>
+                                    </p:anim>
+                                    <p:anim calcmode="lin" valueType="num">
+                                      <p:cBhvr additive="base">
+                                        <p:cTn id="8" dur="500" fill="hold"/>
+                                        <p:tgtEl>
+                                          <p:spTgt spid="4"/>
+                                        </p:tgtEl>
+                                        <p:attrNameLst>
+                                          <p:attrName>ppt_y</p:attrName>
+                                        </p:attrNameLst>
+                                      </p:cBhvr>
+                                      <p:tavLst>
+                                        <p:tav tm="0">
+                                          <p:val>
+                                            <p:strVal val="1+#ppt_h/2"/>
+                                          </p:val>
+                                        </p:tav>
+                                        <p:tav tm="100000">
+                                          <p:val>
+                                            <p:strVal val="#ppt_y"/>
+                                          </p:val>
+                                        </p:tav>
+                                      </p:tavLst>
+                                    </p:anim>
+                                  </p:childTnLst>
+                                </p:cTn>
+                              </p:par>
+                            </p:childTnLst>
+                          </p:cTn>
+                        </p:par>
+                      </p:childTnLst>
+                    </p:cTn>
+                  </p:par>
+                  <p:par>
+                    <p:cTn id="9" fill="hold">
+                      <p:stCondLst>
+                        <p:cond delay="indefinite"/>
+                      </p:stCondLst>
+                      <p:childTnLst>
+                        <p:par>
+                          <p:cTn id="10" fill="hold">
+                            <p:stCondLst>
+                              <p:cond delay="0"/>
+                            </p:stCondLst>
+                            <p:childTnLst>
+                              <p:par>
+                                <p:cTn id="11" presetID="2" presetClass="entr" presetSubtype="4" fill="hold" grpId="0" nodeType="clickEffect">
+                                  <p:stCondLst>
+                                    <p:cond delay="0"/>
+                                  </p:stCondLst>
+                                  <p:childTnLst>
+                                    <p:set>
+                                      <p:cBhvr>
+                                        <p:cTn id="12" dur="1" fill="hold">
+                                          <p:stCondLst>
+                                            <p:cond delay="0"/>
+                                          </p:stCondLst>
+                                        </p:cTn>
+                                        <p:tgtEl>
+                                          <p:spTgt spid="5"/>
+                                        </p:tgtEl>
+                                        <p:attrNameLst>
+                                          <p:attrName>style.visibility</p:attrName>
+                                        </p:attrNameLst>
+                                      </p:cBhvr>
+                                      <p:to>
+                                        <p:strVal val="visible"/>
+                                      </p:to>
+                                    </p:set>
+                                    <p:anim calcmode="lin" valueType="num">
+                                      <p:cBhvr additive="base">
+                                        <p:cTn id="13" dur="500" fill="hold"/>
+                                        <p:tgtEl>
+                                          <p:spTgt spid="5"/>
+                                        </p:tgtEl>
+                                        <p:attrNameLst>
+                                          <p:attrName>ppt_x</p:attrName>
+                                        </p:attrNameLst>
+                                      </p:cBhvr>
+                                      <p:tavLst>
+                                        <p:tav tm="0">
+                                          <p:val>
+                                            <p:strVal val="#ppt_x"/>
+                                          </p:val>
+                                        </p:tav>
+                                        <p:tav tm="100000">
+                                          <p:val>
+                                            <p:strVal val="#ppt_x"/>
+                                          </p:val>
+                                        </p:tav>
+                                      </p:tavLst>
+                                    </p:anim>
+                                    <p:anim calcmode="lin" valueType="num">
+                                      <p:cBhvr additive="base">
+                                        <p:cTn id="14" dur="500" fill="hold"/>
+                                        <p:tgtEl>
+                                          <p:spTgt spid="5"/>
+                                        </p:tgtEl>
+                                        <p:attrNameLst>
+                                          <p:attrName>ppt_y</p:attrName>
+                                        </p:attrNameLst>
+                                      </p:cBhvr>
+                                      <p:tavLst>
+                                        <p:tav tm="0">
+                                          <p:val>
+                                            <p:strVal val="1+#ppt_h/2"/>
+                                          </p:val>
+                                        </p:tav>
+                                        <p:tav tm="100000">
+                                          <p:val>
+                                            <p:strVal val="#ppt_y"/>
+                                          </p:val>
+                                        </p:tav>
+                                      </p:tavLst>
+                                    </p:anim>
+                                  </p:childTnLst>
+                                </p:cTn>
+                              </p:par>
+                            </p:childTnLst>
+                          </p:cTn>
+                        </p:par>
+                      </p:childTnLst>
+                    </p:cTn>
+                  </p:par>
+                  <p:par>
+                    <p:cTn id="15" fill="hold">
+                      <p:stCondLst>
+                        <p:cond delay="indefinite"/>
+                      </p:stCondLst>
+                      <p:childTnLst>
+                        <p:par>
+                          <p:cTn id="16" fill="hold">
+                            <p:stCondLst>
+                              <p:cond delay="0"/>
+                            </p:stCondLst>
+                            <p:childTnLst>
+                              <p:par>
+                                <p:cTn id="17" presetID="2" presetClass="entr" presetSubtype="4" fill="hold" nodeType="clickEffect">
+                                  <p:stCondLst>
+                                    <p:cond delay="0"/>
+                                  </p:stCondLst>
+                                  <p:childTnLst>
+                                    <p:set>
+                                      <p:cBhvr>
+                                        <p:cTn id="18" dur="1" fill="hold">
+                                          <p:stCondLst>
+                                            <p:cond delay="0"/>
+                                          </p:stCondLst>
+                                        </p:cTn>
+                                        <p:tgtEl>
+                                          <p:spTgt spid="7"/>
+                                        </p:tgtEl>
+                                        <p:attrNameLst>
+                                          <p:attrName>style.visibility</p:attrName>
+                                        </p:attrNameLst>
+                                      </p:cBhvr>
+                                      <p:to>
+                                        <p:strVal val="visible"/>
+                                      </p:to>
+                                    </p:set>
+                                    <p:anim calcmode="lin" valueType="num">
+                                      <p:cBhvr additive="base">
+                                        <p:cTn id="19" dur="500" fill="hold"/>
+                                        <p:tgtEl>
+                                          <p:spTgt spid="7"/>
+                                        </p:tgtEl>
+                                        <p:attrNameLst>
+                                          <p:attrName>ppt_x</p:attrName>
+                                        </p:attrNameLst>
+                                      </p:cBhvr>
+                                      <p:tavLst>
+                                        <p:tav tm="0">
+                                          <p:val>
+                                            <p:strVal val="#ppt_x"/>
+                                          </p:val>
+                                        </p:tav>
+                                        <p:tav tm="100000">
+                                          <p:val>
+                                            <p:strVal val="#ppt_x"/>
+                                          </p:val>
+                                        </p:tav>
+                                      </p:tavLst>
+                                    </p:anim>
+                                    <p:anim calcmode="lin" valueType="num">
+                                      <p:cBhvr additive="base">
+                                        <p:cTn id="20" dur="500" fill="hold"/>
+                                        <p:tgtEl>
+                                          <p:spTgt spid="7"/>
+                                        </p:tgtEl>
+                                        <p:attrNameLst>
+                                          <p:attrName>ppt_y</p:attrName>
+                                        </p:attrNameLst>
+                                      </p:cBhvr>
+                                      <p:tavLst>
+                                        <p:tav tm="0">
+                                          <p:val>
+                                            <p:strVal val="1+#ppt_h/2"/>
+                                          </p:val>
+                                        </p:tav>
+                                        <p:tav tm="100000">
+                                          <p:val>
+                                            <p:strVal val="#ppt_y"/>
+                                          </p:val>
+                                        </p:tav>
+                                      </p:tavLst>
+                                    </p:anim>
+                                  </p:childTnLst>
+                                </p:cTn>
+                              </p:par>
+                            </p:childTnLst>
+                          </p:cTn>
+                        </p:par>
+                      </p:childTnLst>
+                    </p:cTn>
+                  </p:par>
+                </p:childTnLst>
+              </p:cTn>
+              <p:prevCondLst>
+                <p:cond evt="onPrev" delay="0">
+                  <p:tgtEl>
+                    <p:sldTgt/>
+                  </p:tgtEl>
+                </p:cond>
+              </p:prevCondLst>
+              <p:nextCondLst>
+                <p:cond evt="onNext" delay="0">
+                  <p:tgtEl>
+                    <p:sldTgt/>
+                  </p:tgtEl>
+                </p:cond>
+              </p:nextCondLst>
+            </p:seq>
+          </p:childTnLst>
+        </p:cTn>
+      </p:par>
+    </p:tnLst>
+    <p:bldLst>
+      <p:bldP spid="4" grpId="0"/>
+      <p:bldP spid="5" grpId="0"/>
+    </p:bldLst>
+  </p:timing>
+</p:sld>
+</file>
+
+<file path=ppt/slides/slide7.xml><?xml version="1.0" encoding="utf-8"?>
+<p:sld xmlns:a="http://schemas.openxmlformats.org/drawingml/2006/main" xmlns:r="http://schemas.openxmlformats.org/officeDocument/2006/relationships" xmlns:p="http://schemas.openxmlformats.org/presentationml/2006/main">
+  <p:cSld>
+    <p:spTree>
+      <p:nvGrpSpPr>
+        <p:cNvPr id="1" name=""/>
+        <p:cNvGrpSpPr/>
+        <p:nvPr/>
+      </p:nvGrpSpPr>
+      <p:grpSpPr>
+        <a:xfrm>
+          <a:off x="0" y="0"/>
+          <a:ext cx="0" cy="0"/>
+          <a:chOff x="0" y="0"/>
+          <a:chExt cx="0" cy="0"/>
+        </a:xfrm>
+      </p:grpSpPr>
+      <p:sp>
+        <p:nvSpPr>
+          <p:cNvPr id="3" name="Title 2"/>
+          <p:cNvSpPr>
+            <a:spLocks noGrp="1"/>
+          </p:cNvSpPr>
+          <p:nvPr>
+            <p:ph type="title"/>
+          </p:nvPr>
+        </p:nvSpPr>
+        <p:spPr>
+          <a:xfrm>
+            <a:off x="1619672" y="0"/>
+            <a:ext cx="7524328" cy="627534"/>
+          </a:xfrm>
+        </p:spPr>
+        <p:txBody>
+          <a:bodyPr/>
+          <a:lstStyle/>
+          <a:p>
+            <a:pPr algn="ctr"/>
+            <a:r>
+              <a:rPr lang="sr-Latn-RS" altLang="ko-KR" dirty="0" smtClean="0"/>
+              <a:t>Konfiguracija EF Core, Code First</a:t>
+            </a:r>
+            <a:endParaRPr lang="ko-KR" altLang="en-US" dirty="0"/>
+          </a:p>
+        </p:txBody>
+      </p:sp>
+      <p:sp>
+        <p:nvSpPr>
+          <p:cNvPr id="4" name="TextBox 3"/>
+          <p:cNvSpPr txBox="1"/>
+          <p:nvPr/>
+        </p:nvSpPr>
+        <p:spPr>
+          <a:xfrm>
+            <a:off x="1619672" y="896402"/>
+            <a:ext cx="7200800" cy="307777"/>
+          </a:xfrm>
+          <a:prstGeom prst="rect">
+            <a:avLst/>
+          </a:prstGeom>
+          <a:noFill/>
+        </p:spPr>
+        <p:txBody>
+          <a:bodyPr wrap="square" rtlCol="0">
+            <a:spAutoFit/>
+          </a:bodyPr>
+          <a:lstStyle/>
+          <a:p>
+            <a:r>
+              <a:rPr lang="sr-Latn-RS" sz="1400" dirty="0" smtClean="0">
+                <a:latin typeface="Arial" panose="020B0604020202020204" pitchFamily="34" charset="0"/>
+                <a:cs typeface="Arial" panose="020B0604020202020204" pitchFamily="34" charset="0"/>
+              </a:rPr>
+              <a:t>Kreiranje „Movie“ modela</a:t>
+            </a:r>
+            <a:endParaRPr lang="en-US" sz="1400" dirty="0">
+              <a:latin typeface="Arial" panose="020B0604020202020204" pitchFamily="34" charset="0"/>
+              <a:cs typeface="Arial" panose="020B0604020202020204" pitchFamily="34" charset="0"/>
+            </a:endParaRPr>
+          </a:p>
+        </p:txBody>
+      </p:sp>
+      <p:pic>
+        <p:nvPicPr>
+          <p:cNvPr id="2" name="Picture 1"/>
+          <p:cNvPicPr>
+            <a:picLocks noChangeAspect="1"/>
+          </p:cNvPicPr>
+          <p:nvPr/>
+        </p:nvPicPr>
+        <p:blipFill>
+          <a:blip r:embed="rId2">
+            <a:extLst>
+              <a:ext uri="{28A0092B-C50C-407E-A947-70E740481C1C}">
+                <a14:useLocalDpi xmlns:a14="http://schemas.microsoft.com/office/drawing/2010/main" val="0"/>
+              </a:ext>
+            </a:extLst>
+          </a:blip>
+          <a:stretch>
+            <a:fillRect/>
+          </a:stretch>
+        </p:blipFill>
+        <p:spPr>
+          <a:xfrm>
+            <a:off x="1619672" y="1347614"/>
+            <a:ext cx="3620005" cy="1705213"/>
+          </a:xfrm>
+          <a:prstGeom prst="rect">
+            <a:avLst/>
+          </a:prstGeom>
+        </p:spPr>
+      </p:pic>
+      <p:sp>
+        <p:nvSpPr>
+          <p:cNvPr id="8" name="TextBox 7"/>
+          <p:cNvSpPr txBox="1"/>
+          <p:nvPr/>
+        </p:nvSpPr>
+        <p:spPr>
+          <a:xfrm>
+            <a:off x="1619672" y="3192748"/>
+            <a:ext cx="7200800" cy="307777"/>
+          </a:xfrm>
+          <a:prstGeom prst="rect">
+            <a:avLst/>
+          </a:prstGeom>
+          <a:noFill/>
+        </p:spPr>
+        <p:txBody>
+          <a:bodyPr wrap="square" rtlCol="0">
+            <a:spAutoFit/>
+          </a:bodyPr>
+          <a:lstStyle/>
+          <a:p>
+            <a:r>
+              <a:rPr lang="en-US" sz="1400" dirty="0" err="1" smtClean="0">
+                <a:latin typeface="Arial" panose="020B0604020202020204" pitchFamily="34" charset="0"/>
+                <a:cs typeface="Arial" panose="020B0604020202020204" pitchFamily="34" charset="0"/>
+              </a:rPr>
+              <a:t>Kreiranje</a:t>
+            </a:r>
+            <a:r>
+              <a:rPr lang="en-US" sz="1400" dirty="0" smtClean="0">
+                <a:latin typeface="Arial" panose="020B0604020202020204" pitchFamily="34" charset="0"/>
+                <a:cs typeface="Arial" panose="020B0604020202020204" pitchFamily="34" charset="0"/>
+              </a:rPr>
+              <a:t> Context </a:t>
+            </a:r>
+            <a:r>
+              <a:rPr lang="en-US" sz="1400" dirty="0" err="1" smtClean="0">
+                <a:latin typeface="Arial" panose="020B0604020202020204" pitchFamily="34" charset="0"/>
+                <a:cs typeface="Arial" panose="020B0604020202020204" pitchFamily="34" charset="0"/>
+              </a:rPr>
+              <a:t>klase</a:t>
+            </a:r>
+            <a:endParaRPr lang="en-US" sz="1400" dirty="0">
+              <a:latin typeface="Arial" panose="020B0604020202020204" pitchFamily="34" charset="0"/>
+              <a:cs typeface="Arial" panose="020B0604020202020204" pitchFamily="34" charset="0"/>
+            </a:endParaRPr>
+          </a:p>
+        </p:txBody>
+      </p:sp>
+      <p:pic>
+        <p:nvPicPr>
+          <p:cNvPr id="6" name="Picture 5"/>
+          <p:cNvPicPr>
+            <a:picLocks noChangeAspect="1"/>
+          </p:cNvPicPr>
+          <p:nvPr/>
+        </p:nvPicPr>
+        <p:blipFill>
+          <a:blip r:embed="rId3">
+            <a:extLst>
+              <a:ext uri="{28A0092B-C50C-407E-A947-70E740481C1C}">
+                <a14:useLocalDpi xmlns:a14="http://schemas.microsoft.com/office/drawing/2010/main" val="0"/>
+              </a:ext>
+            </a:extLst>
+          </a:blip>
+          <a:stretch>
+            <a:fillRect/>
+          </a:stretch>
+        </p:blipFill>
+        <p:spPr>
+          <a:xfrm>
+            <a:off x="1619672" y="3640446"/>
+            <a:ext cx="3343742" cy="1428949"/>
+          </a:xfrm>
+          <a:prstGeom prst="rect">
+            <a:avLst/>
+          </a:prstGeom>
+        </p:spPr>
+      </p:pic>
+    </p:spTree>
+    <p:extLst>
+      <p:ext uri="{BB962C8B-B14F-4D97-AF65-F5344CB8AC3E}">
+        <p14:creationId xmlns:p14="http://schemas.microsoft.com/office/powerpoint/2010/main" val="1197719376"/>
+      </p:ext>
+    </p:extLst>
+  </p:cSld>
+  <p:clrMapOvr>
+    <a:masterClrMapping/>
+  </p:clrMapOvr>
+  <p:timing>
+    <p:tnLst>
+      <p:par>
+        <p:cTn id="1" dur="indefinite" restart="never" nodeType="tmRoot">
+          <p:childTnLst>
+            <p:seq concurrent="1" nextAc="seek">
+              <p:cTn id="2" dur="indefinite" nodeType="mainSeq">
+                <p:childTnLst>
+                  <p:par>
+                    <p:cTn id="3" fill="hold">
+                      <p:stCondLst>
+                        <p:cond delay="indefinite"/>
+                      </p:stCondLst>
+                      <p:childTnLst>
+                        <p:par>
+                          <p:cTn id="4" fill="hold">
+                            <p:stCondLst>
+                              <p:cond delay="0"/>
+                            </p:stCondLst>
+                            <p:childTnLst>
+                              <p:par>
+                                <p:cTn id="5" presetID="2" presetClass="entr" presetSubtype="4" fill="hold" grpId="0" nodeType="clickEffect">
+                                  <p:stCondLst>
+                                    <p:cond delay="0"/>
+                                  </p:stCondLst>
+                                  <p:childTnLst>
+                                    <p:set>
+                                      <p:cBhvr>
+                                        <p:cTn id="6" dur="1" fill="hold">
+                                          <p:stCondLst>
+                                            <p:cond delay="0"/>
+                                          </p:stCondLst>
+                                        </p:cTn>
+                                        <p:tgtEl>
+                                          <p:spTgt spid="4"/>
+                                        </p:tgtEl>
+                                        <p:attrNameLst>
+                                          <p:attrName>style.visibility</p:attrName>
+                                        </p:attrNameLst>
+                                      </p:cBhvr>
+                                      <p:to>
+                                        <p:strVal val="visible"/>
+                                      </p:to>
+                                    </p:set>
+                                    <p:anim calcmode="lin" valueType="num">
+                                      <p:cBhvr additive="base">
+                                        <p:cTn id="7" dur="500" fill="hold"/>
+                                        <p:tgtEl>
+                                          <p:spTgt spid="4"/>
+                                        </p:tgtEl>
+                                        <p:attrNameLst>
+                                          <p:attrName>ppt_x</p:attrName>
+                                        </p:attrNameLst>
+                                      </p:cBhvr>
+                                      <p:tavLst>
+                                        <p:tav tm="0">
+                                          <p:val>
+                                            <p:strVal val="#ppt_x"/>
+                                          </p:val>
+                                        </p:tav>
+                                        <p:tav tm="100000">
+                                          <p:val>
+                                            <p:strVal val="#ppt_x"/>
+                                          </p:val>
+                                        </p:tav>
+                                      </p:tavLst>
+                                    </p:anim>
+                                    <p:anim calcmode="lin" valueType="num">
+                                      <p:cBhvr additive="base">
+                                        <p:cTn id="8" dur="500" fill="hold"/>
+                                        <p:tgtEl>
+                                          <p:spTgt spid="4"/>
+                                        </p:tgtEl>
+                                        <p:attrNameLst>
+                                          <p:attrName>ppt_y</p:attrName>
+                                        </p:attrNameLst>
+                                      </p:cBhvr>
+                                      <p:tavLst>
+                                        <p:tav tm="0">
+                                          <p:val>
+                                            <p:strVal val="1+#ppt_h/2"/>
+                                          </p:val>
+                                        </p:tav>
+                                        <p:tav tm="100000">
+                                          <p:val>
+                                            <p:strVal val="#ppt_y"/>
+                                          </p:val>
+                                        </p:tav>
+                                      </p:tavLst>
+                                    </p:anim>
+                                  </p:childTnLst>
+                                </p:cTn>
+                              </p:par>
+                            </p:childTnLst>
+                          </p:cTn>
+                        </p:par>
+                      </p:childTnLst>
+                    </p:cTn>
+                  </p:par>
+                  <p:par>
+                    <p:cTn id="9" fill="hold">
+                      <p:stCondLst>
+                        <p:cond delay="indefinite"/>
+                      </p:stCondLst>
+                      <p:childTnLst>
+                        <p:par>
+                          <p:cTn id="10" fill="hold">
+                            <p:stCondLst>
+                              <p:cond delay="0"/>
+                            </p:stCondLst>
+                            <p:childTnLst>
+                              <p:par>
+                                <p:cTn id="11" presetID="2" presetClass="entr" presetSubtype="4" fill="hold" nodeType="clickEffect">
+                                  <p:stCondLst>
+                                    <p:cond delay="0"/>
+                                  </p:stCondLst>
+                                  <p:childTnLst>
+                                    <p:set>
+                                      <p:cBhvr>
+                                        <p:cTn id="12" dur="1" fill="hold">
+                                          <p:stCondLst>
+                                            <p:cond delay="0"/>
+                                          </p:stCondLst>
+                                        </p:cTn>
+                                        <p:tgtEl>
+                                          <p:spTgt spid="2"/>
+                                        </p:tgtEl>
+                                        <p:attrNameLst>
+                                          <p:attrName>style.visibility</p:attrName>
+                                        </p:attrNameLst>
+                                      </p:cBhvr>
+                                      <p:to>
+                                        <p:strVal val="visible"/>
+                                      </p:to>
+                                    </p:set>
+                                    <p:anim calcmode="lin" valueType="num">
+                                      <p:cBhvr additive="base">
+                                        <p:cTn id="13" dur="500" fill="hold"/>
+                                        <p:tgtEl>
+                                          <p:spTgt spid="2"/>
+                                        </p:tgtEl>
+                                        <p:attrNameLst>
+                                          <p:attrName>ppt_x</p:attrName>
+                                        </p:attrNameLst>
+                                      </p:cBhvr>
+                                      <p:tavLst>
+                                        <p:tav tm="0">
+                                          <p:val>
+                                            <p:strVal val="#ppt_x"/>
+                                          </p:val>
+                                        </p:tav>
+                                        <p:tav tm="100000">
+                                          <p:val>
+                                            <p:strVal val="#ppt_x"/>
+                                          </p:val>
+                                        </p:tav>
+                                      </p:tavLst>
+                                    </p:anim>
+                                    <p:anim calcmode="lin" valueType="num">
+                                      <p:cBhvr additive="base">
+                                        <p:cTn id="14" dur="500" fill="hold"/>
+                                        <p:tgtEl>
+                                          <p:spTgt spid="2"/>
+                                        </p:tgtEl>
+                                        <p:attrNameLst>
+                                          <p:attrName>ppt_y</p:attrName>
+                                        </p:attrNameLst>
+                                      </p:cBhvr>
+                                      <p:tavLst>
+                                        <p:tav tm="0">
+                                          <p:val>
+                                            <p:strVal val="1+#ppt_h/2"/>
+                                          </p:val>
+                                        </p:tav>
+                                        <p:tav tm="100000">
+                                          <p:val>
+                                            <p:strVal val="#ppt_y"/>
+                                          </p:val>
+                                        </p:tav>
+                                      </p:tavLst>
+                                    </p:anim>
+                                  </p:childTnLst>
+                                </p:cTn>
+                              </p:par>
+                            </p:childTnLst>
+                          </p:cTn>
+                        </p:par>
+                      </p:childTnLst>
+                    </p:cTn>
+                  </p:par>
+                  <p:par>
+                    <p:cTn id="15" fill="hold">
+                      <p:stCondLst>
+                        <p:cond delay="indefinite"/>
+                      </p:stCondLst>
+                      <p:childTnLst>
+                        <p:par>
+                          <p:cTn id="16" fill="hold">
+                            <p:stCondLst>
+                              <p:cond delay="0"/>
+                            </p:stCondLst>
+                            <p:childTnLst>
+                              <p:par>
+                                <p:cTn id="17" presetID="2" presetClass="entr" presetSubtype="4" fill="hold" grpId="0" nodeType="clickEffect">
+                                  <p:stCondLst>
+                                    <p:cond delay="0"/>
+                                  </p:stCondLst>
+                                  <p:childTnLst>
+                                    <p:set>
+                                      <p:cBhvr>
+                                        <p:cTn id="18" dur="1" fill="hold">
+                                          <p:stCondLst>
+                                            <p:cond delay="0"/>
+                                          </p:stCondLst>
+                                        </p:cTn>
+                                        <p:tgtEl>
+                                          <p:spTgt spid="8"/>
+                                        </p:tgtEl>
+                                        <p:attrNameLst>
+                                          <p:attrName>style.visibility</p:attrName>
+                                        </p:attrNameLst>
+                                      </p:cBhvr>
+                                      <p:to>
+                                        <p:strVal val="visible"/>
+                                      </p:to>
+                                    </p:set>
+                                    <p:anim calcmode="lin" valueType="num">
+                                      <p:cBhvr additive="base">
+                                        <p:cTn id="19" dur="500" fill="hold"/>
+                                        <p:tgtEl>
+                                          <p:spTgt spid="8"/>
+                                        </p:tgtEl>
+                                        <p:attrNameLst>
+                                          <p:attrName>ppt_x</p:attrName>
+                                        </p:attrNameLst>
+                                      </p:cBhvr>
+                                      <p:tavLst>
+                                        <p:tav tm="0">
+                                          <p:val>
+                                            <p:strVal val="#ppt_x"/>
+                                          </p:val>
+                                        </p:tav>
+                                        <p:tav tm="100000">
+                                          <p:val>
+                                            <p:strVal val="#ppt_x"/>
+                                          </p:val>
+                                        </p:tav>
+                                      </p:tavLst>
+                                    </p:anim>
+                                    <p:anim calcmode="lin" valueType="num">
+                                      <p:cBhvr additive="base">
+                                        <p:cTn id="20" dur="500" fill="hold"/>
+                                        <p:tgtEl>
+                                          <p:spTgt spid="8"/>
+                                        </p:tgtEl>
+                                        <p:attrNameLst>
+                                          <p:attrName>ppt_y</p:attrName>
+                                        </p:attrNameLst>
+                                      </p:cBhvr>
+                                      <p:tavLst>
+                                        <p:tav tm="0">
+                                          <p:val>
+                                            <p:strVal val="1+#ppt_h/2"/>
+                                          </p:val>
+                                        </p:tav>
+                                        <p:tav tm="100000">
+                                          <p:val>
+                                            <p:strVal val="#ppt_y"/>
+                                          </p:val>
+                                        </p:tav>
+                                      </p:tavLst>
+                                    </p:anim>
+                                  </p:childTnLst>
+                                </p:cTn>
+                              </p:par>
+                            </p:childTnLst>
+                          </p:cTn>
+                        </p:par>
+                      </p:childTnLst>
+                    </p:cTn>
+                  </p:par>
+                  <p:par>
+                    <p:cTn id="21" fill="hold">
+                      <p:stCondLst>
+                        <p:cond delay="indefinite"/>
+                      </p:stCondLst>
+                      <p:childTnLst>
+                        <p:par>
+                          <p:cTn id="22" fill="hold">
+                            <p:stCondLst>
+                              <p:cond delay="0"/>
+                            </p:stCondLst>
+                            <p:childTnLst>
+                              <p:par>
+                                <p:cTn id="23" presetID="2" presetClass="entr" presetSubtype="4" fill="hold" nodeType="clickEffect">
+                                  <p:stCondLst>
+                                    <p:cond delay="0"/>
+                                  </p:stCondLst>
+                                  <p:childTnLst>
+                                    <p:set>
+                                      <p:cBhvr>
+                                        <p:cTn id="24" dur="1" fill="hold">
+                                          <p:stCondLst>
+                                            <p:cond delay="0"/>
+                                          </p:stCondLst>
+                                        </p:cTn>
+                                        <p:tgtEl>
+                                          <p:spTgt spid="6"/>
+                                        </p:tgtEl>
+                                        <p:attrNameLst>
+                                          <p:attrName>style.visibility</p:attrName>
+                                        </p:attrNameLst>
+                                      </p:cBhvr>
+                                      <p:to>
+                                        <p:strVal val="visible"/>
+                                      </p:to>
+                                    </p:set>
+                                    <p:anim calcmode="lin" valueType="num">
+                                      <p:cBhvr additive="base">
+                                        <p:cTn id="25" dur="500" fill="hold"/>
+                                        <p:tgtEl>
+                                          <p:spTgt spid="6"/>
+                                        </p:tgtEl>
+                                        <p:attrNameLst>
+                                          <p:attrName>ppt_x</p:attrName>
+                                        </p:attrNameLst>
+                                      </p:cBhvr>
+                                      <p:tavLst>
+                                        <p:tav tm="0">
+                                          <p:val>
+                                            <p:strVal val="#ppt_x"/>
+                                          </p:val>
+                                        </p:tav>
+                                        <p:tav tm="100000">
+                                          <p:val>
+                                            <p:strVal val="#ppt_x"/>
+                                          </p:val>
+                                        </p:tav>
+                                      </p:tavLst>
+                                    </p:anim>
+                                    <p:anim calcmode="lin" valueType="num">
+                                      <p:cBhvr additive="base">
+                                        <p:cTn id="26" dur="500" fill="hold"/>
+                                        <p:tgtEl>
+                                          <p:spTgt spid="6"/>
+                                        </p:tgtEl>
+                                        <p:attrNameLst>
+                                          <p:attrName>ppt_y</p:attrName>
+                                        </p:attrNameLst>
+                                      </p:cBhvr>
+                                      <p:tavLst>
+                                        <p:tav tm="0">
+                                          <p:val>
+                                            <p:strVal val="1+#ppt_h/2"/>
+                                          </p:val>
+                                        </p:tav>
+                                        <p:tav tm="100000">
+                                          <p:val>
+                                            <p:strVal val="#ppt_y"/>
+                                          </p:val>
+                                        </p:tav>
+                                      </p:tavLst>
+                                    </p:anim>
+                                  </p:childTnLst>
+                                </p:cTn>
+                              </p:par>
+                            </p:childTnLst>
+                          </p:cTn>
+                        </p:par>
+                      </p:childTnLst>
+                    </p:cTn>
+                  </p:par>
+                </p:childTnLst>
+              </p:cTn>
+              <p:prevCondLst>
+                <p:cond evt="onPrev" delay="0">
+                  <p:tgtEl>
+                    <p:sldTgt/>
+                  </p:tgtEl>
+                </p:cond>
+              </p:prevCondLst>
+              <p:nextCondLst>
+                <p:cond evt="onNext" delay="0">
+                  <p:tgtEl>
+                    <p:sldTgt/>
+                  </p:tgtEl>
+                </p:cond>
+              </p:nextCondLst>
+            </p:seq>
+          </p:childTnLst>
+        </p:cTn>
+      </p:par>
+    </p:tnLst>
+    <p:bldLst>
+      <p:bldP spid="4" grpId="0"/>
+      <p:bldP spid="8" grpId="0"/>
+    </p:bldLst>
+  </p:timing>
+</p:sld>
+</file>
+
+<file path=ppt/slides/slide8.xml><?xml version="1.0" encoding="utf-8"?>
+<p:sld xmlns:a="http://schemas.openxmlformats.org/drawingml/2006/main" xmlns:r="http://schemas.openxmlformats.org/officeDocument/2006/relationships" xmlns:p="http://schemas.openxmlformats.org/presentationml/2006/main">
+  <p:cSld>
+    <p:spTree>
+      <p:nvGrpSpPr>
+        <p:cNvPr id="1" name=""/>
+        <p:cNvGrpSpPr/>
+        <p:nvPr/>
+      </p:nvGrpSpPr>
+      <p:grpSpPr>
+        <a:xfrm>
+          <a:off x="0" y="0"/>
+          <a:ext cx="0" cy="0"/>
+          <a:chOff x="0" y="0"/>
+          <a:chExt cx="0" cy="0"/>
+        </a:xfrm>
+      </p:grpSpPr>
+      <p:sp>
+        <p:nvSpPr>
+          <p:cNvPr id="3" name="Title 2"/>
+          <p:cNvSpPr>
+            <a:spLocks noGrp="1"/>
+          </p:cNvSpPr>
+          <p:nvPr>
+            <p:ph type="title"/>
+          </p:nvPr>
+        </p:nvSpPr>
+        <p:spPr>
+          <a:xfrm>
+            <a:off x="1619672" y="0"/>
+            <a:ext cx="7524328" cy="627534"/>
+          </a:xfrm>
+        </p:spPr>
+        <p:txBody>
+          <a:bodyPr/>
+          <a:lstStyle/>
+          <a:p>
+            <a:pPr algn="ctr"/>
+            <a:r>
+              <a:rPr lang="sr-Latn-RS" altLang="ko-KR" dirty="0" smtClean="0"/>
+              <a:t>Konfiguracija EF Core, Code First</a:t>
+            </a:r>
+            <a:endParaRPr lang="ko-KR" altLang="en-US" dirty="0"/>
+          </a:p>
+        </p:txBody>
+      </p:sp>
+      <p:sp>
+        <p:nvSpPr>
+          <p:cNvPr id="4" name="TextBox 3"/>
+          <p:cNvSpPr txBox="1"/>
+          <p:nvPr/>
+        </p:nvSpPr>
+        <p:spPr>
+          <a:xfrm>
+            <a:off x="1619672" y="896402"/>
+            <a:ext cx="7200800" cy="307777"/>
+          </a:xfrm>
+          <a:prstGeom prst="rect">
+            <a:avLst/>
+          </a:prstGeom>
+          <a:noFill/>
+        </p:spPr>
+        <p:txBody>
+          <a:bodyPr wrap="square" rtlCol="0">
+            <a:spAutoFit/>
+          </a:bodyPr>
+          <a:lstStyle/>
+          <a:p>
+            <a:r>
+              <a:rPr lang="en-US" sz="1400" dirty="0" err="1" smtClean="0">
+                <a:latin typeface="Arial" panose="020B0604020202020204" pitchFamily="34" charset="0"/>
+                <a:cs typeface="Arial" panose="020B0604020202020204" pitchFamily="34" charset="0"/>
+              </a:rPr>
+              <a:t>Modifikacija</a:t>
+            </a:r>
+            <a:r>
+              <a:rPr lang="en-US" sz="1400" dirty="0" smtClean="0">
+                <a:latin typeface="Arial" panose="020B0604020202020204" pitchFamily="34" charset="0"/>
+                <a:cs typeface="Arial" panose="020B0604020202020204" pitchFamily="34" charset="0"/>
+              </a:rPr>
+              <a:t> </a:t>
+            </a:r>
+            <a:r>
+              <a:rPr lang="en-US" sz="1400" dirty="0" err="1" smtClean="0">
+                <a:latin typeface="Arial" panose="020B0604020202020204" pitchFamily="34" charset="0"/>
+                <a:cs typeface="Arial" panose="020B0604020202020204" pitchFamily="34" charset="0"/>
+              </a:rPr>
+              <a:t>appsettings.json</a:t>
+            </a:r>
+            <a:r>
+              <a:rPr lang="en-US" sz="1400" dirty="0" smtClean="0">
+                <a:latin typeface="Arial" panose="020B0604020202020204" pitchFamily="34" charset="0"/>
+                <a:cs typeface="Arial" panose="020B0604020202020204" pitchFamily="34" charset="0"/>
+              </a:rPr>
+              <a:t> </a:t>
+            </a:r>
+            <a:r>
+              <a:rPr lang="en-US" sz="1400" dirty="0" err="1" smtClean="0">
+                <a:latin typeface="Arial" panose="020B0604020202020204" pitchFamily="34" charset="0"/>
+                <a:cs typeface="Arial" panose="020B0604020202020204" pitchFamily="34" charset="0"/>
+              </a:rPr>
+              <a:t>fajla</a:t>
+            </a:r>
+            <a:endParaRPr lang="en-US" sz="1400" dirty="0">
+              <a:latin typeface="Arial" panose="020B0604020202020204" pitchFamily="34" charset="0"/>
+              <a:cs typeface="Arial" panose="020B0604020202020204" pitchFamily="34" charset="0"/>
+            </a:endParaRPr>
+          </a:p>
+        </p:txBody>
+      </p:sp>
+      <p:sp>
+        <p:nvSpPr>
+          <p:cNvPr id="8" name="TextBox 7"/>
+          <p:cNvSpPr txBox="1"/>
+          <p:nvPr/>
+        </p:nvSpPr>
+        <p:spPr>
+          <a:xfrm>
+            <a:off x="1619672" y="2912045"/>
+            <a:ext cx="7200800" cy="307777"/>
+          </a:xfrm>
+          <a:prstGeom prst="rect">
+            <a:avLst/>
+          </a:prstGeom>
+          <a:noFill/>
+        </p:spPr>
+        <p:txBody>
+          <a:bodyPr wrap="square" rtlCol="0">
+            <a:spAutoFit/>
+          </a:bodyPr>
+          <a:lstStyle/>
+          <a:p>
+            <a:r>
+              <a:rPr lang="en-US" sz="1400" dirty="0" err="1" smtClean="0">
+                <a:latin typeface="Arial" panose="020B0604020202020204" pitchFamily="34" charset="0"/>
+                <a:cs typeface="Arial" panose="020B0604020202020204" pitchFamily="34" charset="0"/>
+              </a:rPr>
+              <a:t>Registracija</a:t>
+            </a:r>
+            <a:r>
+              <a:rPr lang="en-US" sz="1400" dirty="0" smtClean="0">
+                <a:latin typeface="Arial" panose="020B0604020202020204" pitchFamily="34" charset="0"/>
+                <a:cs typeface="Arial" panose="020B0604020202020204" pitchFamily="34" charset="0"/>
+              </a:rPr>
+              <a:t> </a:t>
+            </a:r>
+            <a:r>
+              <a:rPr lang="en-US" sz="1400" dirty="0" err="1" smtClean="0">
+                <a:latin typeface="Arial" panose="020B0604020202020204" pitchFamily="34" charset="0"/>
+                <a:cs typeface="Arial" panose="020B0604020202020204" pitchFamily="34" charset="0"/>
+              </a:rPr>
+              <a:t>klase</a:t>
+            </a:r>
+            <a:r>
+              <a:rPr lang="en-US" sz="1400" dirty="0" smtClean="0">
+                <a:latin typeface="Arial" panose="020B0604020202020204" pitchFamily="34" charset="0"/>
+                <a:cs typeface="Arial" panose="020B0604020202020204" pitchFamily="34" charset="0"/>
+              </a:rPr>
+              <a:t> u </a:t>
+            </a:r>
+            <a:r>
+              <a:rPr lang="en-US" sz="1400" b="1" dirty="0" err="1" smtClean="0">
+                <a:latin typeface="Arial" panose="020B0604020202020204" pitchFamily="34" charset="0"/>
+                <a:cs typeface="Arial" panose="020B0604020202020204" pitchFamily="34" charset="0"/>
+              </a:rPr>
+              <a:t>ConfigureServices</a:t>
+            </a:r>
+            <a:r>
+              <a:rPr lang="en-US" sz="1400" dirty="0" smtClean="0">
+                <a:latin typeface="Arial" panose="020B0604020202020204" pitchFamily="34" charset="0"/>
+                <a:cs typeface="Arial" panose="020B0604020202020204" pitchFamily="34" charset="0"/>
+              </a:rPr>
+              <a:t> </a:t>
+            </a:r>
+            <a:r>
+              <a:rPr lang="en-US" sz="1400" dirty="0" err="1" smtClean="0">
+                <a:latin typeface="Arial" panose="020B0604020202020204" pitchFamily="34" charset="0"/>
+                <a:cs typeface="Arial" panose="020B0604020202020204" pitchFamily="34" charset="0"/>
+              </a:rPr>
+              <a:t>metodi</a:t>
+            </a:r>
+            <a:r>
+              <a:rPr lang="en-US" sz="1400" dirty="0" smtClean="0">
+                <a:latin typeface="Arial" panose="020B0604020202020204" pitchFamily="34" charset="0"/>
+                <a:cs typeface="Arial" panose="020B0604020202020204" pitchFamily="34" charset="0"/>
+              </a:rPr>
+              <a:t> u </a:t>
+            </a:r>
+            <a:r>
+              <a:rPr lang="en-US" sz="1400" b="1" dirty="0" smtClean="0">
+                <a:latin typeface="Arial" panose="020B0604020202020204" pitchFamily="34" charset="0"/>
+                <a:cs typeface="Arial" panose="020B0604020202020204" pitchFamily="34" charset="0"/>
+              </a:rPr>
+              <a:t>Startup</a:t>
+            </a:r>
+            <a:r>
+              <a:rPr lang="en-US" sz="1400" dirty="0" smtClean="0">
+                <a:latin typeface="Arial" panose="020B0604020202020204" pitchFamily="34" charset="0"/>
+                <a:cs typeface="Arial" panose="020B0604020202020204" pitchFamily="34" charset="0"/>
+              </a:rPr>
+              <a:t> </a:t>
+            </a:r>
+            <a:r>
+              <a:rPr lang="en-US" sz="1400" dirty="0" err="1" smtClean="0">
+                <a:latin typeface="Arial" panose="020B0604020202020204" pitchFamily="34" charset="0"/>
+                <a:cs typeface="Arial" panose="020B0604020202020204" pitchFamily="34" charset="0"/>
+              </a:rPr>
+              <a:t>klasi</a:t>
+            </a:r>
+            <a:endParaRPr lang="en-US" sz="1400" dirty="0">
+              <a:latin typeface="Arial" panose="020B0604020202020204" pitchFamily="34" charset="0"/>
+              <a:cs typeface="Arial" panose="020B0604020202020204" pitchFamily="34" charset="0"/>
+            </a:endParaRPr>
+          </a:p>
+        </p:txBody>
+      </p:sp>
+      <p:pic>
+        <p:nvPicPr>
+          <p:cNvPr id="5" name="Picture 4"/>
+          <p:cNvPicPr>
+            <a:picLocks noChangeAspect="1"/>
+          </p:cNvPicPr>
+          <p:nvPr/>
+        </p:nvPicPr>
+        <p:blipFill>
+          <a:blip r:embed="rId3">
+            <a:extLst>
+              <a:ext uri="{28A0092B-C50C-407E-A947-70E740481C1C}">
+                <a14:useLocalDpi xmlns:a14="http://schemas.microsoft.com/office/drawing/2010/main" val="0"/>
+              </a:ext>
+            </a:extLst>
+          </a:blip>
+          <a:stretch>
+            <a:fillRect/>
+          </a:stretch>
+        </p:blipFill>
+        <p:spPr>
+          <a:xfrm>
+            <a:off x="1619672" y="1364909"/>
+            <a:ext cx="5449060" cy="1350857"/>
+          </a:xfrm>
+          <a:prstGeom prst="rect">
+            <a:avLst/>
+          </a:prstGeom>
+        </p:spPr>
+      </p:pic>
+      <p:pic>
+        <p:nvPicPr>
+          <p:cNvPr id="7" name="Picture 6"/>
+          <p:cNvPicPr>
+            <a:picLocks noChangeAspect="1"/>
+          </p:cNvPicPr>
+          <p:nvPr/>
+        </p:nvPicPr>
+        <p:blipFill>
+          <a:blip r:embed="rId4">
+            <a:extLst>
+              <a:ext uri="{28A0092B-C50C-407E-A947-70E740481C1C}">
+                <a14:useLocalDpi xmlns:a14="http://schemas.microsoft.com/office/drawing/2010/main" val="0"/>
+              </a:ext>
+            </a:extLst>
+          </a:blip>
+          <a:stretch>
+            <a:fillRect/>
+          </a:stretch>
+        </p:blipFill>
+        <p:spPr>
+          <a:xfrm>
+            <a:off x="1619672" y="3416101"/>
+            <a:ext cx="5706271" cy="1727399"/>
+          </a:xfrm>
+          <a:prstGeom prst="rect">
+            <a:avLst/>
+          </a:prstGeom>
+        </p:spPr>
+      </p:pic>
+    </p:spTree>
+    <p:extLst>
+      <p:ext uri="{BB962C8B-B14F-4D97-AF65-F5344CB8AC3E}">
+        <p14:creationId xmlns:p14="http://schemas.microsoft.com/office/powerpoint/2010/main" val="2639187627"/>
+      </p:ext>
+    </p:extLst>
+  </p:cSld>
+  <p:clrMapOvr>
+    <a:masterClrMapping/>
+  </p:clrMapOvr>
+  <p:timing>
+    <p:tnLst>
+      <p:par>
+        <p:cTn id="1" dur="indefinite" restart="never" nodeType="tmRoot">
+          <p:childTnLst>
+            <p:seq concurrent="1" nextAc="seek">
+              <p:cTn id="2" dur="indefinite" nodeType="mainSeq">
+                <p:childTnLst>
+                  <p:par>
+                    <p:cTn id="3" fill="hold">
+                      <p:stCondLst>
+                        <p:cond delay="indefinite"/>
+                      </p:stCondLst>
+                      <p:childTnLst>
+                        <p:par>
+                          <p:cTn id="4" fill="hold">
+                            <p:stCondLst>
+                              <p:cond delay="0"/>
+                            </p:stCondLst>
+                            <p:childTnLst>
+                              <p:par>
+                                <p:cTn id="5" presetID="2" presetClass="entr" presetSubtype="4" fill="hold" grpId="0" nodeType="clickEffect">
+                                  <p:stCondLst>
+                                    <p:cond delay="0"/>
+                                  </p:stCondLst>
+                                  <p:childTnLst>
+                                    <p:set>
+                                      <p:cBhvr>
+                                        <p:cTn id="6" dur="1" fill="hold">
+                                          <p:stCondLst>
+                                            <p:cond delay="0"/>
+                                          </p:stCondLst>
+                                        </p:cTn>
+                                        <p:tgtEl>
+                                          <p:spTgt spid="4"/>
+                                        </p:tgtEl>
+                                        <p:attrNameLst>
+                                          <p:attrName>style.visibility</p:attrName>
+                                        </p:attrNameLst>
+                                      </p:cBhvr>
+                                      <p:to>
+                                        <p:strVal val="visible"/>
+                                      </p:to>
+                                    </p:set>
+                                    <p:anim calcmode="lin" valueType="num">
+                                      <p:cBhvr additive="base">
+                                        <p:cTn id="7" dur="500" fill="hold"/>
+                                        <p:tgtEl>
+                                          <p:spTgt spid="4"/>
+                                        </p:tgtEl>
+                                        <p:attrNameLst>
+                                          <p:attrName>ppt_x</p:attrName>
+                                        </p:attrNameLst>
+                                      </p:cBhvr>
+                                      <p:tavLst>
+                                        <p:tav tm="0">
+                                          <p:val>
+                                            <p:strVal val="#ppt_x"/>
+                                          </p:val>
+                                        </p:tav>
+                                        <p:tav tm="100000">
+                                          <p:val>
+                                            <p:strVal val="#ppt_x"/>
+                                          </p:val>
+                                        </p:tav>
+                                      </p:tavLst>
+                                    </p:anim>
+                                    <p:anim calcmode="lin" valueType="num">
+                                      <p:cBhvr additive="base">
+                                        <p:cTn id="8" dur="500" fill="hold"/>
+                                        <p:tgtEl>
+                                          <p:spTgt spid="4"/>
+                                        </p:tgtEl>
+                                        <p:attrNameLst>
+                                          <p:attrName>ppt_y</p:attrName>
+                                        </p:attrNameLst>
+                                      </p:cBhvr>
+                                      <p:tavLst>
+                                        <p:tav tm="0">
+                                          <p:val>
+                                            <p:strVal val="1+#ppt_h/2"/>
+                                          </p:val>
+                                        </p:tav>
+                                        <p:tav tm="100000">
+                                          <p:val>
+                                            <p:strVal val="#ppt_y"/>
+                                          </p:val>
+                                        </p:tav>
+                                      </p:tavLst>
+                                    </p:anim>
+                                  </p:childTnLst>
+                                </p:cTn>
+                              </p:par>
+                            </p:childTnLst>
+                          </p:cTn>
+                        </p:par>
+                      </p:childTnLst>
+                    </p:cTn>
+                  </p:par>
+                  <p:par>
+                    <p:cTn id="9" fill="hold">
+                      <p:stCondLst>
+                        <p:cond delay="indefinite"/>
+                      </p:stCondLst>
+                      <p:childTnLst>
+                        <p:par>
+                          <p:cTn id="10" fill="hold">
+                            <p:stCondLst>
+                              <p:cond delay="0"/>
+                            </p:stCondLst>
+                            <p:childTnLst>
+                              <p:par>
+                                <p:cTn id="11" presetID="2" presetClass="entr" presetSubtype="4" fill="hold" nodeType="clickEffect">
+                                  <p:stCondLst>
+                                    <p:cond delay="0"/>
+                                  </p:stCondLst>
+                                  <p:childTnLst>
+                                    <p:set>
+                                      <p:cBhvr>
+                                        <p:cTn id="12" dur="1" fill="hold">
+                                          <p:stCondLst>
+                                            <p:cond delay="0"/>
+                                          </p:stCondLst>
+                                        </p:cTn>
+                                        <p:tgtEl>
+                                          <p:spTgt spid="5"/>
+                                        </p:tgtEl>
+                                        <p:attrNameLst>
+                                          <p:attrName>style.visibility</p:attrName>
+                                        </p:attrNameLst>
+                                      </p:cBhvr>
+                                      <p:to>
+                                        <p:strVal val="visible"/>
+                                      </p:to>
+                                    </p:set>
+                                    <p:anim calcmode="lin" valueType="num">
+                                      <p:cBhvr additive="base">
+                                        <p:cTn id="13" dur="500" fill="hold"/>
+                                        <p:tgtEl>
+                                          <p:spTgt spid="5"/>
+                                        </p:tgtEl>
+                                        <p:attrNameLst>
+                                          <p:attrName>ppt_x</p:attrName>
+                                        </p:attrNameLst>
+                                      </p:cBhvr>
+                                      <p:tavLst>
+                                        <p:tav tm="0">
+                                          <p:val>
+                                            <p:strVal val="#ppt_x"/>
+                                          </p:val>
+                                        </p:tav>
+                                        <p:tav tm="100000">
+                                          <p:val>
+                                            <p:strVal val="#ppt_x"/>
+                                          </p:val>
+                                        </p:tav>
+                                      </p:tavLst>
+                                    </p:anim>
+                                    <p:anim calcmode="lin" valueType="num">
+                                      <p:cBhvr additive="base">
+                                        <p:cTn id="14" dur="500" fill="hold"/>
+                                        <p:tgtEl>
+                                          <p:spTgt spid="5"/>
+                                        </p:tgtEl>
+                                        <p:attrNameLst>
+                                          <p:attrName>ppt_y</p:attrName>
+                                        </p:attrNameLst>
+                                      </p:cBhvr>
+                                      <p:tavLst>
+                                        <p:tav tm="0">
+                                          <p:val>
+                                            <p:strVal val="1+#ppt_h/2"/>
+                                          </p:val>
+                                        </p:tav>
+                                        <p:tav tm="100000">
+                                          <p:val>
+                                            <p:strVal val="#ppt_y"/>
+                                          </p:val>
+                                        </p:tav>
+                                      </p:tavLst>
+                                    </p:anim>
+                                  </p:childTnLst>
+                                </p:cTn>
+                              </p:par>
+                            </p:childTnLst>
+                          </p:cTn>
+                        </p:par>
+                      </p:childTnLst>
+                    </p:cTn>
+                  </p:par>
+                  <p:par>
+                    <p:cTn id="15" fill="hold">
+                      <p:stCondLst>
+                        <p:cond delay="indefinite"/>
+                      </p:stCondLst>
+                      <p:childTnLst>
+                        <p:par>
+                          <p:cTn id="16" fill="hold">
+                            <p:stCondLst>
+                              <p:cond delay="0"/>
+                            </p:stCondLst>
+                            <p:childTnLst>
+                              <p:par>
+                                <p:cTn id="17" presetID="2" presetClass="entr" presetSubtype="4" fill="hold" grpId="0" nodeType="clickEffect">
+                                  <p:stCondLst>
+                                    <p:cond delay="0"/>
+                                  </p:stCondLst>
+                                  <p:childTnLst>
+                                    <p:set>
+                                      <p:cBhvr>
+                                        <p:cTn id="18" dur="1" fill="hold">
+                                          <p:stCondLst>
+                                            <p:cond delay="0"/>
+                                          </p:stCondLst>
+                                        </p:cTn>
+                                        <p:tgtEl>
+                                          <p:spTgt spid="8"/>
+                                        </p:tgtEl>
+                                        <p:attrNameLst>
+                                          <p:attrName>style.visibility</p:attrName>
+                                        </p:attrNameLst>
+                                      </p:cBhvr>
+                                      <p:to>
+                                        <p:strVal val="visible"/>
+                                      </p:to>
+                                    </p:set>
+                                    <p:anim calcmode="lin" valueType="num">
+                                      <p:cBhvr additive="base">
+                                        <p:cTn id="19" dur="500" fill="hold"/>
+                                        <p:tgtEl>
+                                          <p:spTgt spid="8"/>
+                                        </p:tgtEl>
+                                        <p:attrNameLst>
+                                          <p:attrName>ppt_x</p:attrName>
+                                        </p:attrNameLst>
+                                      </p:cBhvr>
+                                      <p:tavLst>
+                                        <p:tav tm="0">
+                                          <p:val>
+                                            <p:strVal val="#ppt_x"/>
+                                          </p:val>
+                                        </p:tav>
+                                        <p:tav tm="100000">
+                                          <p:val>
+                                            <p:strVal val="#ppt_x"/>
+                                          </p:val>
+                                        </p:tav>
+                                      </p:tavLst>
+                                    </p:anim>
+                                    <p:anim calcmode="lin" valueType="num">
+                                      <p:cBhvr additive="base">
+                                        <p:cTn id="20" dur="500" fill="hold"/>
+                                        <p:tgtEl>
+                                          <p:spTgt spid="8"/>
+                                        </p:tgtEl>
+                                        <p:attrNameLst>
+                                          <p:attrName>ppt_y</p:attrName>
+                                        </p:attrNameLst>
+                                      </p:cBhvr>
+                                      <p:tavLst>
+                                        <p:tav tm="0">
+                                          <p:val>
+                                            <p:strVal val="1+#ppt_h/2"/>
+                                          </p:val>
+                                        </p:tav>
+                                        <p:tav tm="100000">
+                                          <p:val>
+                                            <p:strVal val="#ppt_y"/>
+                                          </p:val>
+                                        </p:tav>
+                                      </p:tavLst>
+                                    </p:anim>
+                                  </p:childTnLst>
+                                </p:cTn>
+                              </p:par>
+                            </p:childTnLst>
+                          </p:cTn>
+                        </p:par>
+                      </p:childTnLst>
+                    </p:cTn>
+                  </p:par>
+                  <p:par>
+                    <p:cTn id="21" fill="hold">
+                      <p:stCondLst>
+                        <p:cond delay="indefinite"/>
+                      </p:stCondLst>
+                      <p:childTnLst>
+                        <p:par>
+                          <p:cTn id="22" fill="hold">
+                            <p:stCondLst>
+                              <p:cond delay="0"/>
+                            </p:stCondLst>
+                            <p:childTnLst>
+                              <p:par>
+                                <p:cTn id="23" presetID="2" presetClass="entr" presetSubtype="4" fill="hold" nodeType="clickEffect">
+                                  <p:stCondLst>
+                                    <p:cond delay="0"/>
+                                  </p:stCondLst>
+                                  <p:childTnLst>
+                                    <p:set>
+                                      <p:cBhvr>
+                                        <p:cTn id="24" dur="1" fill="hold">
+                                          <p:stCondLst>
+                                            <p:cond delay="0"/>
+                                          </p:stCondLst>
+                                        </p:cTn>
+                                        <p:tgtEl>
+                                          <p:spTgt spid="7"/>
+                                        </p:tgtEl>
+                                        <p:attrNameLst>
+                                          <p:attrName>style.visibility</p:attrName>
+                                        </p:attrNameLst>
+                                      </p:cBhvr>
+                                      <p:to>
+                                        <p:strVal val="visible"/>
+                                      </p:to>
+                                    </p:set>
+                                    <p:anim calcmode="lin" valueType="num">
+                                      <p:cBhvr additive="base">
+                                        <p:cTn id="25" dur="500" fill="hold"/>
+                                        <p:tgtEl>
+                                          <p:spTgt spid="7"/>
+                                        </p:tgtEl>
+                                        <p:attrNameLst>
+                                          <p:attrName>ppt_x</p:attrName>
+                                        </p:attrNameLst>
+                                      </p:cBhvr>
+                                      <p:tavLst>
+                                        <p:tav tm="0">
+                                          <p:val>
+                                            <p:strVal val="#ppt_x"/>
+                                          </p:val>
+                                        </p:tav>
+                                        <p:tav tm="100000">
+                                          <p:val>
+                                            <p:strVal val="#ppt_x"/>
+                                          </p:val>
+                                        </p:tav>
+                                      </p:tavLst>
+                                    </p:anim>
+                                    <p:anim calcmode="lin" valueType="num">
+                                      <p:cBhvr additive="base">
+                                        <p:cTn id="26" dur="500" fill="hold"/>
+                                        <p:tgtEl>
+                                          <p:spTgt spid="7"/>
+                                        </p:tgtEl>
+                                        <p:attrNameLst>
+                                          <p:attrName>ppt_y</p:attrName>
+                                        </p:attrNameLst>
+                                      </p:cBhvr>
+                                      <p:tavLst>
+                                        <p:tav tm="0">
+                                          <p:val>
+                                            <p:strVal val="1+#ppt_h/2"/>
+                                          </p:val>
+                                        </p:tav>
+                                        <p:tav tm="100000">
+                                          <p:val>
+                                            <p:strVal val="#ppt_y"/>
+                                          </p:val>
+                                        </p:tav>
+                                      </p:tavLst>
+                                    </p:anim>
+                                  </p:childTnLst>
+                                </p:cTn>
+                              </p:par>
+                            </p:childTnLst>
+                          </p:cTn>
+                        </p:par>
+                      </p:childTnLst>
+                    </p:cTn>
+                  </p:par>
+                </p:childTnLst>
+              </p:cTn>
+              <p:prevCondLst>
+                <p:cond evt="onPrev" delay="0">
+                  <p:tgtEl>
+                    <p:sldTgt/>
+                  </p:tgtEl>
+                </p:cond>
+              </p:prevCondLst>
+              <p:nextCondLst>
+                <p:cond evt="onNext" delay="0">
+                  <p:tgtEl>
+                    <p:sldTgt/>
+                  </p:tgtEl>
+                </p:cond>
+              </p:nextCondLst>
+            </p:seq>
+          </p:childTnLst>
+        </p:cTn>
+      </p:par>
+    </p:tnLst>
+    <p:bldLst>
+      <p:bldP spid="4" grpId="0"/>
+      <p:bldP spid="8" grpId="0"/>
+    </p:bldLst>
+  </p:timing>
+</p:sld>
+</file>
+
+<file path=ppt/slides/slide9.xml><?xml version="1.0" encoding="utf-8"?>
+<p:sld xmlns:a="http://schemas.openxmlformats.org/drawingml/2006/main" xmlns:r="http://schemas.openxmlformats.org/officeDocument/2006/relationships" xmlns:p="http://schemas.openxmlformats.org/presentationml/2006/main">
+  <p:cSld>
+    <p:spTree>
+      <p:nvGrpSpPr>
+        <p:cNvPr id="1" name=""/>
+        <p:cNvGrpSpPr/>
+        <p:nvPr/>
+      </p:nvGrpSpPr>
+      <p:grpSpPr>
+        <a:xfrm>
+          <a:off x="0" y="0"/>
+          <a:ext cx="0" cy="0"/>
+          <a:chOff x="0" y="0"/>
+          <a:chExt cx="0" cy="0"/>
+        </a:xfrm>
+      </p:grpSpPr>
+      <p:sp>
+        <p:nvSpPr>
+          <p:cNvPr id="3" name="Title 2"/>
+          <p:cNvSpPr>
+            <a:spLocks noGrp="1"/>
+          </p:cNvSpPr>
+          <p:nvPr>
+            <p:ph type="title"/>
+          </p:nvPr>
+        </p:nvSpPr>
+        <p:spPr>
+          <a:xfrm>
+            <a:off x="1619672" y="0"/>
+            <a:ext cx="7524328" cy="627534"/>
+          </a:xfrm>
+        </p:spPr>
+        <p:txBody>
+          <a:bodyPr/>
+          <a:lstStyle/>
+          <a:p>
+            <a:pPr algn="ctr"/>
+            <a:r>
+              <a:rPr lang="sr-Latn-RS" altLang="ko-KR" dirty="0" smtClean="0"/>
+              <a:t>Konfiguracija EF Core, Code First</a:t>
+            </a:r>
+            <a:endParaRPr lang="ko-KR" altLang="en-US" dirty="0"/>
+          </a:p>
+        </p:txBody>
+      </p:sp>
+      <p:sp>
+        <p:nvSpPr>
+          <p:cNvPr id="4" name="TextBox 3"/>
+          <p:cNvSpPr txBox="1"/>
+          <p:nvPr/>
+        </p:nvSpPr>
+        <p:spPr>
+          <a:xfrm>
+            <a:off x="1619672" y="896402"/>
+            <a:ext cx="7200800" cy="307777"/>
+          </a:xfrm>
+          <a:prstGeom prst="rect">
+            <a:avLst/>
+          </a:prstGeom>
+          <a:noFill/>
+        </p:spPr>
+        <p:txBody>
+          <a:bodyPr wrap="square" rtlCol="0">
+            <a:spAutoFit/>
+          </a:bodyPr>
+          <a:lstStyle/>
+          <a:p>
+            <a:r>
+              <a:rPr lang="en-US" sz="1400" dirty="0" err="1" smtClean="0">
+                <a:latin typeface="Arial" panose="020B0604020202020204" pitchFamily="34" charset="0"/>
+                <a:cs typeface="Arial" panose="020B0604020202020204" pitchFamily="34" charset="0"/>
+              </a:rPr>
+              <a:t>Popunjavanje</a:t>
+            </a:r>
+            <a:r>
+              <a:rPr lang="en-US" sz="1400" dirty="0" smtClean="0">
+                <a:latin typeface="Arial" panose="020B0604020202020204" pitchFamily="34" charset="0"/>
+                <a:cs typeface="Arial" panose="020B0604020202020204" pitchFamily="34" charset="0"/>
+              </a:rPr>
+              <a:t> </a:t>
+            </a:r>
+            <a:r>
+              <a:rPr lang="en-US" sz="1400" dirty="0" err="1" smtClean="0">
+                <a:latin typeface="Arial" panose="020B0604020202020204" pitchFamily="34" charset="0"/>
+                <a:cs typeface="Arial" panose="020B0604020202020204" pitchFamily="34" charset="0"/>
+              </a:rPr>
+              <a:t>inicijalnih</a:t>
+            </a:r>
+            <a:r>
+              <a:rPr lang="en-US" sz="1400" dirty="0" smtClean="0">
+                <a:latin typeface="Arial" panose="020B0604020202020204" pitchFamily="34" charset="0"/>
+                <a:cs typeface="Arial" panose="020B0604020202020204" pitchFamily="34" charset="0"/>
+              </a:rPr>
+              <a:t> </a:t>
+            </a:r>
+            <a:r>
+              <a:rPr lang="en-US" sz="1400" dirty="0" err="1" smtClean="0">
+                <a:latin typeface="Arial" panose="020B0604020202020204" pitchFamily="34" charset="0"/>
+                <a:cs typeface="Arial" panose="020B0604020202020204" pitchFamily="34" charset="0"/>
+              </a:rPr>
+              <a:t>podataka</a:t>
+            </a:r>
+            <a:r>
+              <a:rPr lang="en-US" sz="1400" dirty="0" smtClean="0">
+                <a:latin typeface="Arial" panose="020B0604020202020204" pitchFamily="34" charset="0"/>
+                <a:cs typeface="Arial" panose="020B0604020202020204" pitchFamily="34" charset="0"/>
+              </a:rPr>
+              <a:t> u </a:t>
+            </a:r>
+            <a:r>
+              <a:rPr lang="en-US" sz="1400" dirty="0" err="1" smtClean="0">
+                <a:latin typeface="Arial" panose="020B0604020202020204" pitchFamily="34" charset="0"/>
+                <a:cs typeface="Arial" panose="020B0604020202020204" pitchFamily="34" charset="0"/>
+              </a:rPr>
+              <a:t>MovieContext</a:t>
+            </a:r>
+            <a:r>
+              <a:rPr lang="en-US" sz="1400" dirty="0" smtClean="0">
+                <a:latin typeface="Arial" panose="020B0604020202020204" pitchFamily="34" charset="0"/>
+                <a:cs typeface="Arial" panose="020B0604020202020204" pitchFamily="34" charset="0"/>
+              </a:rPr>
+              <a:t> </a:t>
+            </a:r>
+            <a:r>
+              <a:rPr lang="en-US" sz="1400" dirty="0" err="1" smtClean="0">
+                <a:latin typeface="Arial" panose="020B0604020202020204" pitchFamily="34" charset="0"/>
+                <a:cs typeface="Arial" panose="020B0604020202020204" pitchFamily="34" charset="0"/>
+              </a:rPr>
+              <a:t>klasi</a:t>
+            </a:r>
+            <a:endParaRPr lang="en-US" sz="1400" dirty="0">
+              <a:latin typeface="Arial" panose="020B0604020202020204" pitchFamily="34" charset="0"/>
+              <a:cs typeface="Arial" panose="020B0604020202020204" pitchFamily="34" charset="0"/>
+            </a:endParaRPr>
+          </a:p>
+        </p:txBody>
+      </p:sp>
+      <p:pic>
+        <p:nvPicPr>
+          <p:cNvPr id="2" name="Picture 1"/>
+          <p:cNvPicPr>
+            <a:picLocks noChangeAspect="1"/>
+          </p:cNvPicPr>
+          <p:nvPr/>
+        </p:nvPicPr>
+        <p:blipFill>
+          <a:blip r:embed="rId2">
+            <a:extLst>
+              <a:ext uri="{28A0092B-C50C-407E-A947-70E740481C1C}">
+                <a14:useLocalDpi xmlns:a14="http://schemas.microsoft.com/office/drawing/2010/main" val="0"/>
+              </a:ext>
+            </a:extLst>
+          </a:blip>
+          <a:stretch>
+            <a:fillRect/>
+          </a:stretch>
+        </p:blipFill>
+        <p:spPr>
+          <a:xfrm>
+            <a:off x="1708501" y="1305872"/>
+            <a:ext cx="4591691" cy="3282102"/>
+          </a:xfrm>
+          <a:prstGeom prst="rect">
+            <a:avLst/>
+          </a:prstGeom>
+        </p:spPr>
+      </p:pic>
+    </p:spTree>
+    <p:extLst>
+      <p:ext uri="{BB962C8B-B14F-4D97-AF65-F5344CB8AC3E}">
+        <p14:creationId xmlns:p14="http://schemas.microsoft.com/office/powerpoint/2010/main" val="1620710624"/>
+      </p:ext>
+    </p:extLst>
+  </p:cSld>
+  <p:clrMapOvr>
+    <a:masterClrMapping/>
+  </p:clrMapOvr>
+  <p:timing>
+    <p:tnLst>
+      <p:par>
+        <p:cTn id="1" dur="indefinite" restart="never" nodeType="tmRoot">
+          <p:childTnLst>
+            <p:seq concurrent="1" nextAc="seek">
+              <p:cTn id="2" dur="indefinite" nodeType="mainSeq">
+                <p:childTnLst>
+                  <p:par>
+                    <p:cTn id="3" fill="hold">
+                      <p:stCondLst>
+                        <p:cond delay="indefinite"/>
+                      </p:stCondLst>
+                      <p:childTnLst>
+                        <p:par>
+                          <p:cTn id="4" fill="hold">
+                            <p:stCondLst>
+                              <p:cond delay="0"/>
+                            </p:stCondLst>
+                            <p:childTnLst>
+                              <p:par>
+                                <p:cTn id="5" presetID="2" presetClass="entr" presetSubtype="4" fill="hold" grpId="0" nodeType="clickEffect">
+                                  <p:stCondLst>
+                                    <p:cond delay="0"/>
+                                  </p:stCondLst>
+                                  <p:childTnLst>
+                                    <p:set>
+                                      <p:cBhvr>
+                                        <p:cTn id="6" dur="1" fill="hold">
+                                          <p:stCondLst>
+                                            <p:cond delay="0"/>
+                                          </p:stCondLst>
+                                        </p:cTn>
+                                        <p:tgtEl>
+                                          <p:spTgt spid="4"/>
+                                        </p:tgtEl>
+                                        <p:attrNameLst>
+                                          <p:attrName>style.visibility</p:attrName>
+                                        </p:attrNameLst>
+                                      </p:cBhvr>
+                                      <p:to>
+                                        <p:strVal val="visible"/>
+                                      </p:to>
+                                    </p:set>
+                                    <p:anim calcmode="lin" valueType="num">
+                                      <p:cBhvr additive="base">
+                                        <p:cTn id="7" dur="500" fill="hold"/>
+                                        <p:tgtEl>
+                                          <p:spTgt spid="4"/>
+                                        </p:tgtEl>
+                                        <p:attrNameLst>
+                                          <p:attrName>ppt_x</p:attrName>
+                                        </p:attrNameLst>
+                                      </p:cBhvr>
+                                      <p:tavLst>
+                                        <p:tav tm="0">
+                                          <p:val>
+                                            <p:strVal val="#ppt_x"/>
+                                          </p:val>
+                                        </p:tav>
+                                        <p:tav tm="100000">
+                                          <p:val>
+                                            <p:strVal val="#ppt_x"/>
+                                          </p:val>
+                                        </p:tav>
+                                      </p:tavLst>
+                                    </p:anim>
+                                    <p:anim calcmode="lin" valueType="num">
+                                      <p:cBhvr additive="base">
+                                        <p:cTn id="8" dur="500" fill="hold"/>
+                                        <p:tgtEl>
+                                          <p:spTgt spid="4"/>
+                                        </p:tgtEl>
+                                        <p:attrNameLst>
+                                          <p:attrName>ppt_y</p:attrName>
+                                        </p:attrNameLst>
+                                      </p:cBhvr>
+                                      <p:tavLst>
+                                        <p:tav tm="0">
+                                          <p:val>
+                                            <p:strVal val="1+#ppt_h/2"/>
+                                          </p:val>
+                                        </p:tav>
+                                        <p:tav tm="100000">
+                                          <p:val>
+                                            <p:strVal val="#ppt_y"/>
+                                          </p:val>
+                                        </p:tav>
+                                      </p:tavLst>
+                                    </p:anim>
+                                  </p:childTnLst>
+                                </p:cTn>
+                              </p:par>
+                            </p:childTnLst>
+                          </p:cTn>
+                        </p:par>
+                      </p:childTnLst>
+                    </p:cTn>
+                  </p:par>
+                  <p:par>
+                    <p:cTn id="9" fill="hold">
+                      <p:stCondLst>
+                        <p:cond delay="indefinite"/>
+                      </p:stCondLst>
+                      <p:childTnLst>
+                        <p:par>
+                          <p:cTn id="10" fill="hold">
+                            <p:stCondLst>
+                              <p:cond delay="0"/>
+                            </p:stCondLst>
+                            <p:childTnLst>
+                              <p:par>
+                                <p:cTn id="11" presetID="2" presetClass="entr" presetSubtype="4" fill="hold" nodeType="clickEffect">
+                                  <p:stCondLst>
+                                    <p:cond delay="0"/>
+                                  </p:stCondLst>
+                                  <p:childTnLst>
+                                    <p:set>
+                                      <p:cBhvr>
+                                        <p:cTn id="12" dur="1" fill="hold">
+                                          <p:stCondLst>
+                                            <p:cond delay="0"/>
+                                          </p:stCondLst>
+                                        </p:cTn>
+                                        <p:tgtEl>
+                                          <p:spTgt spid="2"/>
+                                        </p:tgtEl>
+                                        <p:attrNameLst>
+                                          <p:attrName>style.visibility</p:attrName>
+                                        </p:attrNameLst>
+                                      </p:cBhvr>
+                                      <p:to>
+                                        <p:strVal val="visible"/>
+                                      </p:to>
+                                    </p:set>
+                                    <p:anim calcmode="lin" valueType="num">
+                                      <p:cBhvr additive="base">
+                                        <p:cTn id="13" dur="500" fill="hold"/>
+                                        <p:tgtEl>
+                                          <p:spTgt spid="2"/>
+                                        </p:tgtEl>
+                                        <p:attrNameLst>
+                                          <p:attrName>ppt_x</p:attrName>
+                                        </p:attrNameLst>
+                                      </p:cBhvr>
+                                      <p:tavLst>
+                                        <p:tav tm="0">
+                                          <p:val>
+                                            <p:strVal val="#ppt_x"/>
+                                          </p:val>
+                                        </p:tav>
+                                        <p:tav tm="100000">
+                                          <p:val>
+                                            <p:strVal val="#ppt_x"/>
+                                          </p:val>
+                                        </p:tav>
+                                      </p:tavLst>
+                                    </p:anim>
+                                    <p:anim calcmode="lin" valueType="num">
+                                      <p:cBhvr additive="base">
+                                        <p:cTn id="14" dur="500" fill="hold"/>
+                                        <p:tgtEl>
+                                          <p:spTgt spid="2"/>
+                                        </p:tgtEl>
+                                        <p:attrNameLst>
+                                          <p:attrName>ppt_y</p:attrName>
+                                        </p:attrNameLst>
+                                      </p:cBhvr>
+                                      <p:tavLst>
+                                        <p:tav tm="0">
+                                          <p:val>
+                                            <p:strVal val="1+#ppt_h/2"/>
+                                          </p:val>
+                                        </p:tav>
+                                        <p:tav tm="100000">
+                                          <p:val>
+                                            <p:strVal val="#ppt_y"/>
+                                          </p:val>
+                                        </p:tav>
+                                      </p:tavLst>
+                                    </p:anim>
+                                  </p:childTnLst>
+                                </p:cTn>
+                              </p:par>
+                            </p:childTnLst>
+                          </p:cTn>
+                        </p:par>
+                      </p:childTnLst>
+                    </p:cTn>
+                  </p:par>
+                </p:childTnLst>
+              </p:cTn>
+              <p:prevCondLst>
+                <p:cond evt="onPrev" delay="0">
+                  <p:tgtEl>
+                    <p:sldTgt/>
+                  </p:tgtEl>
+                </p:cond>
+              </p:prevCondLst>
+              <p:nextCondLst>
+                <p:cond evt="onNext" delay="0">
+                  <p:tgtEl>
+                    <p:sldTgt/>
+                  </p:tgtEl>
+                </p:cond>
+              </p:nextCondLst>
+            </p:seq>
+          </p:childTnLst>
+        </p:cTn>
+      </p:par>
+    </p:tnLst>
+    <p:bldLst>
+      <p:bldP spid="4" grpId="0"/>
     </p:bldLst>
   </p:timing>
 </p:sld>
@@ -5658,4 +11696,265 @@
   <a:objectDefaults/>
   <a:extraClrSchemeLst/>
 </a:theme>
+</file>
+
+<file path=ppt/theme/theme3.xml><?xml version="1.0" encoding="utf-8"?>
+<a:theme xmlns:a="http://schemas.openxmlformats.org/drawingml/2006/main" name="Office Theme">
+  <a:themeElements>
+    <a:clrScheme name="Office">
+      <a:dk1>
+        <a:sysClr val="windowText" lastClr="000000"/>
+      </a:dk1>
+      <a:lt1>
+        <a:sysClr val="window" lastClr="FFFFFF"/>
+      </a:lt1>
+      <a:dk2>
+        <a:srgbClr val="44546A"/>
+      </a:dk2>
+      <a:lt2>
+        <a:srgbClr val="E7E6E6"/>
+      </a:lt2>
+      <a:accent1>
+        <a:srgbClr val="5B9BD5"/>
+      </a:accent1>
+      <a:accent2>
+        <a:srgbClr val="ED7D31"/>
+      </a:accent2>
+      <a:accent3>
+        <a:srgbClr val="A5A5A5"/>
+      </a:accent3>
+      <a:accent4>
+        <a:srgbClr val="FFC000"/>
+      </a:accent4>
+      <a:accent5>
+        <a:srgbClr val="4472C4"/>
+      </a:accent5>
+      <a:accent6>
+        <a:srgbClr val="70AD47"/>
+      </a:accent6>
+      <a:hlink>
+        <a:srgbClr val="0563C1"/>
+      </a:hlink>
+      <a:folHlink>
+        <a:srgbClr val="954F72"/>
+      </a:folHlink>
+    </a:clrScheme>
+    <a:fontScheme name="Office">
+      <a:majorFont>
+        <a:latin typeface="Calibri Light" panose="020F0302020204030204"/>
+        <a:ea typeface=""/>
+        <a:cs typeface=""/>
+        <a:font script="Jpan" typeface="ＭＳ Ｐゴシック"/>
+        <a:font script="Hang" typeface="맑은 고딕"/>
+        <a:font script="Hans" typeface="宋体"/>
+        <a:font script="Hant" typeface="新細明體"/>
+        <a:font script="Arab" typeface="Times New Roman"/>
+        <a:font script="Hebr" typeface="Times New Roman"/>
+        <a:font script="Thai" typeface="Angsana New"/>
+        <a:font script="Ethi" typeface="Nyala"/>
+        <a:font script="Beng" typeface="Vrinda"/>
+        <a:font script="Gujr" typeface="Shruti"/>
+        <a:font script="Khmr" typeface="MoolBoran"/>
+        <a:font script="Knda" typeface="Tunga"/>
+        <a:font script="Guru" typeface="Raavi"/>
+        <a:font script="Cans" typeface="Euphemia"/>
+        <a:font script="Cher" typeface="Plantagenet Cherokee"/>
+        <a:font script="Yiii" typeface="Microsoft Yi Baiti"/>
+        <a:font script="Tibt" typeface="Microsoft Himalaya"/>
+        <a:font script="Thaa" typeface="MV Boli"/>
+        <a:font script="Deva" typeface="Mangal"/>
+        <a:font script="Telu" typeface="Gautami"/>
+        <a:font script="Taml" typeface="Latha"/>
+        <a:font script="Syrc" typeface="Estrangelo Edessa"/>
+        <a:font script="Orya" typeface="Kalinga"/>
+        <a:font script="Mlym" typeface="Kartika"/>
+        <a:font script="Laoo" typeface="DokChampa"/>
+        <a:font script="Sinh" typeface="Iskoola Pota"/>
+        <a:font script="Mong" typeface="Mongolian Baiti"/>
+        <a:font script="Viet" typeface="Times New Roman"/>
+        <a:font script="Uigh" typeface="Microsoft Uighur"/>
+        <a:font script="Geor" typeface="Sylfaen"/>
+      </a:majorFont>
+      <a:minorFont>
+        <a:latin typeface="Calibri" panose="020F0502020204030204"/>
+        <a:ea typeface=""/>
+        <a:cs typeface=""/>
+        <a:font script="Jpan" typeface="ＭＳ Ｐゴシック"/>
+        <a:font script="Hang" typeface="맑은 고딕"/>
+        <a:font script="Hans" typeface="宋体"/>
+        <a:font script="Hant" typeface="新細明體"/>
+        <a:font script="Arab" typeface="Arial"/>
+        <a:font script="Hebr" typeface="Arial"/>
+        <a:font script="Thai" typeface="Cordia New"/>
+        <a:font script="Ethi" typeface="Nyala"/>
+        <a:font script="Beng" typeface="Vrinda"/>
+        <a:font script="Gujr" typeface="Shruti"/>
+        <a:font script="Khmr" typeface="DaunPenh"/>
+        <a:font script="Knda" typeface="Tunga"/>
+        <a:font script="Guru" typeface="Raavi"/>
+        <a:font script="Cans" typeface="Euphemia"/>
+        <a:font script="Cher" typeface="Plantagenet Cherokee"/>
+        <a:font script="Yiii" typeface="Microsoft Yi Baiti"/>
+        <a:font script="Tibt" typeface="Microsoft Himalaya"/>
+        <a:font script="Thaa" typeface="MV Boli"/>
+        <a:font script="Deva" typeface="Mangal"/>
+        <a:font script="Telu" typeface="Gautami"/>
+        <a:font script="Taml" typeface="Latha"/>
+        <a:font script="Syrc" typeface="Estrangelo Edessa"/>
+        <a:font script="Orya" typeface="Kalinga"/>
+        <a:font script="Mlym" typeface="Kartika"/>
+        <a:font script="Laoo" typeface="DokChampa"/>
+        <a:font script="Sinh" typeface="Iskoola Pota"/>
+        <a:font script="Mong" typeface="Mongolian Baiti"/>
+        <a:font script="Viet" typeface="Arial"/>
+        <a:font script="Uigh" typeface="Microsoft Uighur"/>
+        <a:font script="Geor" typeface="Sylfaen"/>
+      </a:minorFont>
+    </a:fontScheme>
+    <a:fmtScheme name="Office">
+      <a:fillStyleLst>
+        <a:solidFill>
+          <a:schemeClr val="phClr"/>
+        </a:solidFill>
+        <a:gradFill rotWithShape="1">
+          <a:gsLst>
+            <a:gs pos="0">
+              <a:schemeClr val="phClr">
+                <a:lumMod val="110000"/>
+                <a:satMod val="105000"/>
+                <a:tint val="67000"/>
+              </a:schemeClr>
+            </a:gs>
+            <a:gs pos="50000">
+              <a:schemeClr val="phClr">
+                <a:lumMod val="105000"/>
+                <a:satMod val="103000"/>
+                <a:tint val="73000"/>
+              </a:schemeClr>
+            </a:gs>
+            <a:gs pos="100000">
+              <a:schemeClr val="phClr">
+                <a:lumMod val="105000"/>
+                <a:satMod val="109000"/>
+                <a:tint val="81000"/>
+              </a:schemeClr>
+            </a:gs>
+          </a:gsLst>
+          <a:lin ang="5400000" scaled="0"/>
+        </a:gradFill>
+        <a:gradFill rotWithShape="1">
+          <a:gsLst>
+            <a:gs pos="0">
+              <a:schemeClr val="phClr">
+                <a:satMod val="103000"/>
+                <a:lumMod val="102000"/>
+                <a:tint val="94000"/>
+              </a:schemeClr>
+            </a:gs>
+            <a:gs pos="50000">
+              <a:schemeClr val="phClr">
+                <a:satMod val="110000"/>
+                <a:lumMod val="100000"/>
+                <a:shade val="100000"/>
+              </a:schemeClr>
+            </a:gs>
+            <a:gs pos="100000">
+              <a:schemeClr val="phClr">
+                <a:lumMod val="99000"/>
+                <a:satMod val="120000"/>
+                <a:shade val="78000"/>
+              </a:schemeClr>
+            </a:gs>
+          </a:gsLst>
+          <a:lin ang="5400000" scaled="0"/>
+        </a:gradFill>
+      </a:fillStyleLst>
+      <a:lnStyleLst>
+        <a:ln w="6350" cap="flat" cmpd="sng" algn="ctr">
+          <a:solidFill>
+            <a:schemeClr val="phClr"/>
+          </a:solidFill>
+          <a:prstDash val="solid"/>
+          <a:miter lim="800000"/>
+        </a:ln>
+        <a:ln w="12700" cap="flat" cmpd="sng" algn="ctr">
+          <a:solidFill>
+            <a:schemeClr val="phClr"/>
+          </a:solidFill>
+          <a:prstDash val="solid"/>
+          <a:miter lim="800000"/>
+        </a:ln>
+        <a:ln w="19050" cap="flat" cmpd="sng" algn="ctr">
+          <a:solidFill>
+            <a:schemeClr val="phClr"/>
+          </a:solidFill>
+          <a:prstDash val="solid"/>
+          <a:miter lim="800000"/>
+        </a:ln>
+      </a:lnStyleLst>
+      <a:effectStyleLst>
+        <a:effectStyle>
+          <a:effectLst/>
+        </a:effectStyle>
+        <a:effectStyle>
+          <a:effectLst/>
+        </a:effectStyle>
+        <a:effectStyle>
+          <a:effectLst>
+            <a:outerShdw blurRad="57150" dist="19050" dir="5400000" algn="ctr" rotWithShape="0">
+              <a:srgbClr val="000000">
+                <a:alpha val="63000"/>
+              </a:srgbClr>
+            </a:outerShdw>
+          </a:effectLst>
+        </a:effectStyle>
+      </a:effectStyleLst>
+      <a:bgFillStyleLst>
+        <a:solidFill>
+          <a:schemeClr val="phClr"/>
+        </a:solidFill>
+        <a:solidFill>
+          <a:schemeClr val="phClr">
+            <a:tint val="95000"/>
+            <a:satMod val="170000"/>
+          </a:schemeClr>
+        </a:solidFill>
+        <a:gradFill rotWithShape="1">
+          <a:gsLst>
+            <a:gs pos="0">
+              <a:schemeClr val="phClr">
+                <a:tint val="93000"/>
+                <a:satMod val="150000"/>
+                <a:shade val="98000"/>
+                <a:lumMod val="102000"/>
+              </a:schemeClr>
+            </a:gs>
+            <a:gs pos="50000">
+              <a:schemeClr val="phClr">
+                <a:tint val="98000"/>
+                <a:satMod val="130000"/>
+                <a:shade val="90000"/>
+                <a:lumMod val="103000"/>
+              </a:schemeClr>
+            </a:gs>
+            <a:gs pos="100000">
+              <a:schemeClr val="phClr">
+                <a:shade val="63000"/>
+                <a:satMod val="120000"/>
+              </a:schemeClr>
+            </a:gs>
+          </a:gsLst>
+          <a:lin ang="5400000" scaled="0"/>
+        </a:gradFill>
+      </a:bgFillStyleLst>
+    </a:fmtScheme>
+  </a:themeElements>
+  <a:objectDefaults/>
+  <a:extraClrSchemeLst/>
+  <a:extLst>
+    <a:ext uri="{05A4C25C-085E-4340-85A3-A5531E510DB2}">
+      <thm15:themeFamily xmlns:thm15="http://schemas.microsoft.com/office/thememl/2012/main" name="Office Theme" id="{62F939B6-93AF-4DB8-9C6B-D6C7DFDC589F}" vid="{4A3C46E8-61CC-4603-A589-7422A47A8E4A}"/>
+    </a:ext>
+  </a:extLst>
+</a:theme>
 </file>
--- a/.NET Core i Angular Web Dev.pptx
+++ b/.NET Core i Angular Web Dev.pptx
@@ -6,7 +6,7 @@
     <p:sldMasterId id="2147483661" r:id="rId2"/>
   </p:sldMasterIdLst>
   <p:notesMasterIdLst>
-    <p:notesMasterId r:id="rId17"/>
+    <p:notesMasterId r:id="rId26"/>
   </p:notesMasterIdLst>
   <p:sldIdLst>
     <p:sldId id="256" r:id="rId3"/>
@@ -23,6 +23,15 @@
     <p:sldId id="269" r:id="rId14"/>
     <p:sldId id="270" r:id="rId15"/>
     <p:sldId id="271" r:id="rId16"/>
+    <p:sldId id="272" r:id="rId17"/>
+    <p:sldId id="273" r:id="rId18"/>
+    <p:sldId id="275" r:id="rId19"/>
+    <p:sldId id="274" r:id="rId20"/>
+    <p:sldId id="276" r:id="rId21"/>
+    <p:sldId id="277" r:id="rId22"/>
+    <p:sldId id="278" r:id="rId23"/>
+    <p:sldId id="279" r:id="rId24"/>
+    <p:sldId id="280" r:id="rId25"/>
   </p:sldIdLst>
   <p:sldSz cx="9144000" cy="5143500" type="screen16x9"/>
   <p:notesSz cx="6858000" cy="9144000"/>
@@ -140,6 +149,15 @@
             <p14:sldId id="269"/>
             <p14:sldId id="270"/>
             <p14:sldId id="271"/>
+            <p14:sldId id="272"/>
+            <p14:sldId id="273"/>
+            <p14:sldId id="275"/>
+            <p14:sldId id="274"/>
+            <p14:sldId id="276"/>
+            <p14:sldId id="277"/>
+            <p14:sldId id="278"/>
+            <p14:sldId id="279"/>
+            <p14:sldId id="280"/>
           </p14:sldIdLst>
         </p14:section>
       </p14:sectionLst>
@@ -244,7 +262,7 @@
           <a:p>
             <a:fld id="{9395AC98-444F-491B-ACBF-243E6E8872C7}" type="datetimeFigureOut">
               <a:rPr lang="en-US" smtClean="0"/>
-              <a:t>11/26/2018</a:t>
+              <a:t>11/27/2018</a:t>
             </a:fld>
             <a:endParaRPr lang="en-US"/>
           </a:p>
@@ -720,6 +738,178 @@
 </p:notes>
 </file>
 
+<file path=ppt/notesSlides/notesSlide3.xml><?xml version="1.0" encoding="utf-8"?>
+<p:notes xmlns:a="http://schemas.openxmlformats.org/drawingml/2006/main" xmlns:r="http://schemas.openxmlformats.org/officeDocument/2006/relationships" xmlns:p="http://schemas.openxmlformats.org/presentationml/2006/main">
+  <p:cSld>
+    <p:spTree>
+      <p:nvGrpSpPr>
+        <p:cNvPr id="1" name=""/>
+        <p:cNvGrpSpPr/>
+        <p:nvPr/>
+      </p:nvGrpSpPr>
+      <p:grpSpPr>
+        <a:xfrm>
+          <a:off x="0" y="0"/>
+          <a:ext cx="0" cy="0"/>
+          <a:chOff x="0" y="0"/>
+          <a:chExt cx="0" cy="0"/>
+        </a:xfrm>
+      </p:grpSpPr>
+      <p:sp>
+        <p:nvSpPr>
+          <p:cNvPr id="2" name="Slide Image Placeholder 1"/>
+          <p:cNvSpPr>
+            <a:spLocks noGrp="1" noRot="1" noChangeAspect="1"/>
+          </p:cNvSpPr>
+          <p:nvPr>
+            <p:ph type="sldImg"/>
+          </p:nvPr>
+        </p:nvSpPr>
+        <p:spPr/>
+      </p:sp>
+      <p:sp>
+        <p:nvSpPr>
+          <p:cNvPr id="3" name="Notes Placeholder 2"/>
+          <p:cNvSpPr>
+            <a:spLocks noGrp="1"/>
+          </p:cNvSpPr>
+          <p:nvPr>
+            <p:ph type="body" idx="1"/>
+          </p:nvPr>
+        </p:nvSpPr>
+        <p:spPr/>
+        <p:txBody>
+          <a:bodyPr/>
+          <a:lstStyle/>
+          <a:p>
+            <a:r>
+              <a:rPr lang="sr-Latn-RS" dirty="0" smtClean="0"/>
+              <a:t>Napomenuti da postoje i bolji nacini za hendlovanje gresaka u kodu kao i bolji nacini da se pisu akcije u kontroleru. (Global error handling i Action Filters)</a:t>
+            </a:r>
+            <a:endParaRPr lang="sr-Latn-RS" dirty="0"/>
+          </a:p>
+        </p:txBody>
+      </p:sp>
+      <p:sp>
+        <p:nvSpPr>
+          <p:cNvPr id="4" name="Slide Number Placeholder 3"/>
+          <p:cNvSpPr>
+            <a:spLocks noGrp="1"/>
+          </p:cNvSpPr>
+          <p:nvPr>
+            <p:ph type="sldNum" sz="quarter" idx="10"/>
+          </p:nvPr>
+        </p:nvSpPr>
+        <p:spPr/>
+        <p:txBody>
+          <a:bodyPr/>
+          <a:lstStyle/>
+          <a:p>
+            <a:fld id="{6999C38D-9D80-490C-B646-4466274A86CA}" type="slidenum">
+              <a:rPr lang="en-US" smtClean="0"/>
+              <a:t>16</a:t>
+            </a:fld>
+            <a:endParaRPr lang="en-US"/>
+          </a:p>
+        </p:txBody>
+      </p:sp>
+    </p:spTree>
+    <p:extLst>
+      <p:ext uri="{BB962C8B-B14F-4D97-AF65-F5344CB8AC3E}">
+        <p14:creationId xmlns:p14="http://schemas.microsoft.com/office/powerpoint/2010/main" val="2281481153"/>
+      </p:ext>
+    </p:extLst>
+  </p:cSld>
+  <p:clrMapOvr>
+    <a:masterClrMapping/>
+  </p:clrMapOvr>
+</p:notes>
+</file>
+
+<file path=ppt/notesSlides/notesSlide4.xml><?xml version="1.0" encoding="utf-8"?>
+<p:notes xmlns:a="http://schemas.openxmlformats.org/drawingml/2006/main" xmlns:r="http://schemas.openxmlformats.org/officeDocument/2006/relationships" xmlns:p="http://schemas.openxmlformats.org/presentationml/2006/main">
+  <p:cSld>
+    <p:spTree>
+      <p:nvGrpSpPr>
+        <p:cNvPr id="1" name=""/>
+        <p:cNvGrpSpPr/>
+        <p:nvPr/>
+      </p:nvGrpSpPr>
+      <p:grpSpPr>
+        <a:xfrm>
+          <a:off x="0" y="0"/>
+          <a:ext cx="0" cy="0"/>
+          <a:chOff x="0" y="0"/>
+          <a:chExt cx="0" cy="0"/>
+        </a:xfrm>
+      </p:grpSpPr>
+      <p:sp>
+        <p:nvSpPr>
+          <p:cNvPr id="2" name="Slide Image Placeholder 1"/>
+          <p:cNvSpPr>
+            <a:spLocks noGrp="1" noRot="1" noChangeAspect="1"/>
+          </p:cNvSpPr>
+          <p:nvPr>
+            <p:ph type="sldImg"/>
+          </p:nvPr>
+        </p:nvSpPr>
+        <p:spPr/>
+      </p:sp>
+      <p:sp>
+        <p:nvSpPr>
+          <p:cNvPr id="3" name="Notes Placeholder 2"/>
+          <p:cNvSpPr>
+            <a:spLocks noGrp="1"/>
+          </p:cNvSpPr>
+          <p:nvPr>
+            <p:ph type="body" idx="1"/>
+          </p:nvPr>
+        </p:nvSpPr>
+        <p:spPr/>
+        <p:txBody>
+          <a:bodyPr/>
+          <a:lstStyle/>
+          <a:p>
+            <a:endParaRPr lang="sr-Latn-RS" dirty="0"/>
+          </a:p>
+        </p:txBody>
+      </p:sp>
+      <p:sp>
+        <p:nvSpPr>
+          <p:cNvPr id="4" name="Slide Number Placeholder 3"/>
+          <p:cNvSpPr>
+            <a:spLocks noGrp="1"/>
+          </p:cNvSpPr>
+          <p:nvPr>
+            <p:ph type="sldNum" sz="quarter" idx="10"/>
+          </p:nvPr>
+        </p:nvSpPr>
+        <p:spPr/>
+        <p:txBody>
+          <a:bodyPr/>
+          <a:lstStyle/>
+          <a:p>
+            <a:fld id="{6999C38D-9D80-490C-B646-4466274A86CA}" type="slidenum">
+              <a:rPr lang="en-US" smtClean="0"/>
+              <a:t>17</a:t>
+            </a:fld>
+            <a:endParaRPr lang="en-US"/>
+          </a:p>
+        </p:txBody>
+      </p:sp>
+    </p:spTree>
+    <p:extLst>
+      <p:ext uri="{BB962C8B-B14F-4D97-AF65-F5344CB8AC3E}">
+        <p14:creationId xmlns:p14="http://schemas.microsoft.com/office/powerpoint/2010/main" val="3790065355"/>
+      </p:ext>
+    </p:extLst>
+  </p:cSld>
+  <p:clrMapOvr>
+    <a:masterClrMapping/>
+  </p:clrMapOvr>
+</p:notes>
+</file>
+
 <file path=ppt/slideLayouts/slideLayout1.xml><?xml version="1.0" encoding="utf-8"?>
 <p:sldLayout xmlns:a="http://schemas.openxmlformats.org/drawingml/2006/main" xmlns:r="http://schemas.openxmlformats.org/officeDocument/2006/relationships" xmlns:p="http://schemas.openxmlformats.org/presentationml/2006/main" preserve="1" userDrawn="1">
   <p:cSld name="Title Slide">
@@ -798,7 +988,7 @@
           <a:p>
             <a:fld id="{63937D59-5EDB-4C39-B697-625748F703B6}" type="datetimeFigureOut">
               <a:rPr lang="en-US" smtClean="0"/>
-              <a:t>11/26/2018</a:t>
+              <a:t>11/27/2018</a:t>
             </a:fld>
             <a:endParaRPr lang="en-US"/>
           </a:p>
@@ -1075,7 +1265,7 @@
           <a:p>
             <a:fld id="{63937D59-5EDB-4C39-B697-625748F703B6}" type="datetimeFigureOut">
               <a:rPr lang="en-US" smtClean="0"/>
-              <a:t>11/26/2018</a:t>
+              <a:t>11/27/2018</a:t>
             </a:fld>
             <a:endParaRPr lang="en-US"/>
           </a:p>
@@ -1328,7 +1518,7 @@
           <a:p>
             <a:fld id="{63937D59-5EDB-4C39-B697-625748F703B6}" type="datetimeFigureOut">
               <a:rPr lang="en-US" smtClean="0"/>
-              <a:t>11/26/2018</a:t>
+              <a:t>11/27/2018</a:t>
             </a:fld>
             <a:endParaRPr lang="en-US"/>
           </a:p>
@@ -1498,7 +1688,7 @@
           <a:p>
             <a:fld id="{63937D59-5EDB-4C39-B697-625748F703B6}" type="datetimeFigureOut">
               <a:rPr lang="en-US" smtClean="0"/>
-              <a:t>11/26/2018</a:t>
+              <a:t>11/27/2018</a:t>
             </a:fld>
             <a:endParaRPr lang="en-US"/>
           </a:p>
@@ -1678,7 +1868,7 @@
           <a:p>
             <a:fld id="{63937D59-5EDB-4C39-B697-625748F703B6}" type="datetimeFigureOut">
               <a:rPr lang="en-US" smtClean="0"/>
-              <a:t>11/26/2018</a:t>
+              <a:t>11/27/2018</a:t>
             </a:fld>
             <a:endParaRPr lang="en-US"/>
           </a:p>
@@ -2499,7 +2689,7 @@
           <a:p>
             <a:fld id="{63937D59-5EDB-4C39-B697-625748F703B6}" type="datetimeFigureOut">
               <a:rPr lang="en-US" smtClean="0"/>
-              <a:t>11/26/2018</a:t>
+              <a:t>11/27/2018</a:t>
             </a:fld>
             <a:endParaRPr lang="en-US"/>
           </a:p>
@@ -2676,7 +2866,7 @@
           <a:p>
             <a:fld id="{63937D59-5EDB-4C39-B697-625748F703B6}" type="datetimeFigureOut">
               <a:rPr lang="en-US" smtClean="0"/>
-              <a:t>11/26/2018</a:t>
+              <a:t>11/27/2018</a:t>
             </a:fld>
             <a:endParaRPr lang="en-US"/>
           </a:p>
@@ -2922,7 +3112,7 @@
           <a:p>
             <a:fld id="{63937D59-5EDB-4C39-B697-625748F703B6}" type="datetimeFigureOut">
               <a:rPr lang="en-US" smtClean="0"/>
-              <a:t>11/26/2018</a:t>
+              <a:t>11/27/2018</a:t>
             </a:fld>
             <a:endParaRPr lang="en-US"/>
           </a:p>
@@ -3210,7 +3400,7 @@
           <a:p>
             <a:fld id="{63937D59-5EDB-4C39-B697-625748F703B6}" type="datetimeFigureOut">
               <a:rPr lang="en-US" smtClean="0"/>
-              <a:t>11/26/2018</a:t>
+              <a:t>11/27/2018</a:t>
             </a:fld>
             <a:endParaRPr lang="en-US"/>
           </a:p>
@@ -3632,7 +3822,7 @@
           <a:p>
             <a:fld id="{63937D59-5EDB-4C39-B697-625748F703B6}" type="datetimeFigureOut">
               <a:rPr lang="en-US" smtClean="0"/>
-              <a:t>11/26/2018</a:t>
+              <a:t>11/27/2018</a:t>
             </a:fld>
             <a:endParaRPr lang="en-US"/>
           </a:p>
@@ -3750,7 +3940,7 @@
           <a:p>
             <a:fld id="{63937D59-5EDB-4C39-B697-625748F703B6}" type="datetimeFigureOut">
               <a:rPr lang="en-US" smtClean="0"/>
-              <a:t>11/26/2018</a:t>
+              <a:t>11/27/2018</a:t>
             </a:fld>
             <a:endParaRPr lang="en-US"/>
           </a:p>
@@ -4254,7 +4444,7 @@
           <a:p>
             <a:fld id="{63937D59-5EDB-4C39-B697-625748F703B6}" type="datetimeFigureOut">
               <a:rPr lang="en-US" smtClean="0"/>
-              <a:t>11/26/2018</a:t>
+              <a:t>11/27/2018</a:t>
             </a:fld>
             <a:endParaRPr lang="en-US"/>
           </a:p>
@@ -5993,7 +6183,7 @@
         <p:spPr>
           <a:xfrm>
             <a:off x="1619672" y="-1"/>
-            <a:ext cx="7524328" cy="1204179"/>
+            <a:ext cx="7524328" cy="915567"/>
           </a:xfrm>
         </p:spPr>
         <p:txBody>
@@ -6041,7 +6231,7 @@
         </p:nvSpPr>
         <p:spPr>
           <a:xfrm>
-            <a:off x="1619672" y="1347614"/>
+            <a:off x="1632278" y="1059582"/>
             <a:ext cx="7200800" cy="307777"/>
           </a:xfrm>
           <a:prstGeom prst="rect">
@@ -6085,7 +6275,7 @@
       </p:sp>
       <p:pic>
         <p:nvPicPr>
-          <p:cNvPr id="2" name="Picture 1"/>
+          <p:cNvPr id="5" name="Picture 4"/>
           <p:cNvPicPr>
             <a:picLocks noChangeAspect="1"/>
           </p:cNvPicPr>
@@ -6105,8 +6295,8 @@
         </p:blipFill>
         <p:spPr>
           <a:xfrm>
-            <a:off x="1619672" y="1655391"/>
-            <a:ext cx="6792273" cy="3364631"/>
+            <a:off x="1691680" y="1419622"/>
+            <a:ext cx="6573167" cy="3723879"/>
           </a:xfrm>
           <a:prstGeom prst="rect">
             <a:avLst/>
@@ -6248,7 +6438,7 @@
                                           </p:stCondLst>
                                         </p:cTn>
                                         <p:tgtEl>
-                                          <p:spTgt spid="2"/>
+                                          <p:spTgt spid="5"/>
                                         </p:tgtEl>
                                         <p:attrNameLst>
                                           <p:attrName>style.visibility</p:attrName>
@@ -6262,7 +6452,7 @@
                                       <p:cBhvr additive="base">
                                         <p:cTn id="13" dur="500" fill="hold"/>
                                         <p:tgtEl>
-                                          <p:spTgt spid="2"/>
+                                          <p:spTgt spid="5"/>
                                         </p:tgtEl>
                                         <p:attrNameLst>
                                           <p:attrName>ppt_x</p:attrName>
@@ -6285,7 +6475,7 @@
                                       <p:cBhvr additive="base">
                                         <p:cTn id="14" dur="500" fill="hold"/>
                                         <p:tgtEl>
-                                          <p:spTgt spid="2"/>
+                                          <p:spTgt spid="5"/>
                                         </p:tgtEl>
                                         <p:attrNameLst>
                                           <p:attrName>ppt_y</p:attrName>
@@ -6454,36 +6644,6 @@
           </a:p>
         </p:txBody>
       </p:sp>
-      <p:pic>
-        <p:nvPicPr>
-          <p:cNvPr id="5" name="Picture 4"/>
-          <p:cNvPicPr>
-            <a:picLocks noChangeAspect="1"/>
-          </p:cNvPicPr>
-          <p:nvPr/>
-        </p:nvPicPr>
-        <p:blipFill>
-          <a:blip r:embed="rId2">
-            <a:extLst>
-              <a:ext uri="{28A0092B-C50C-407E-A947-70E740481C1C}">
-                <a14:useLocalDpi xmlns:a14="http://schemas.microsoft.com/office/drawing/2010/main" val="0"/>
-              </a:ext>
-            </a:extLst>
-          </a:blip>
-          <a:stretch>
-            <a:fillRect/>
-          </a:stretch>
-        </p:blipFill>
-        <p:spPr>
-          <a:xfrm>
-            <a:off x="1619672" y="1655391"/>
-            <a:ext cx="2467319" cy="1295581"/>
-          </a:xfrm>
-          <a:prstGeom prst="rect">
-            <a:avLst/>
-          </a:prstGeom>
-        </p:spPr>
-      </p:pic>
       <p:sp>
         <p:nvSpPr>
           <p:cNvPr id="6" name="TextBox 5"/>
@@ -6557,7 +6717,7 @@
           <p:nvPr/>
         </p:nvPicPr>
         <p:blipFill>
-          <a:blip r:embed="rId3">
+          <a:blip r:embed="rId2">
             <a:extLst>
               <a:ext uri="{28A0092B-C50C-407E-A947-70E740481C1C}">
                 <a14:useLocalDpi xmlns:a14="http://schemas.microsoft.com/office/drawing/2010/main" val="0"/>
@@ -6572,6 +6732,36 @@
           <a:xfrm>
             <a:off x="1619672" y="3363838"/>
             <a:ext cx="5944430" cy="1762371"/>
+          </a:xfrm>
+          <a:prstGeom prst="rect">
+            <a:avLst/>
+          </a:prstGeom>
+        </p:spPr>
+      </p:pic>
+      <p:pic>
+        <p:nvPicPr>
+          <p:cNvPr id="2" name="Picture 1"/>
+          <p:cNvPicPr>
+            <a:picLocks noChangeAspect="1"/>
+          </p:cNvPicPr>
+          <p:nvPr/>
+        </p:nvPicPr>
+        <p:blipFill>
+          <a:blip r:embed="rId3">
+            <a:extLst>
+              <a:ext uri="{28A0092B-C50C-407E-A947-70E740481C1C}">
+                <a14:useLocalDpi xmlns:a14="http://schemas.microsoft.com/office/drawing/2010/main" val="0"/>
+              </a:ext>
+            </a:extLst>
+          </a:blip>
+          <a:stretch>
+            <a:fillRect/>
+          </a:stretch>
+        </p:blipFill>
+        <p:spPr>
+          <a:xfrm>
+            <a:off x="1691680" y="1665481"/>
+            <a:ext cx="3400900" cy="1286054"/>
           </a:xfrm>
           <a:prstGeom prst="rect">
             <a:avLst/>
@@ -6713,7 +6903,7 @@
                                           </p:stCondLst>
                                         </p:cTn>
                                         <p:tgtEl>
-                                          <p:spTgt spid="5"/>
+                                          <p:spTgt spid="2"/>
                                         </p:tgtEl>
                                         <p:attrNameLst>
                                           <p:attrName>style.visibility</p:attrName>
@@ -6727,7 +6917,7 @@
                                       <p:cBhvr additive="base">
                                         <p:cTn id="13" dur="500" fill="hold"/>
                                         <p:tgtEl>
-                                          <p:spTgt spid="5"/>
+                                          <p:spTgt spid="2"/>
                                         </p:tgtEl>
                                         <p:attrNameLst>
                                           <p:attrName>ppt_x</p:attrName>
@@ -6750,7 +6940,7 @@
                                       <p:cBhvr additive="base">
                                         <p:cTn id="14" dur="500" fill="hold"/>
                                         <p:tgtEl>
-                                          <p:spTgt spid="5"/>
+                                          <p:spTgt spid="2"/>
                                         </p:tgtEl>
                                         <p:attrNameLst>
                                           <p:attrName>ppt_y</p:attrName>
@@ -6984,6 +7174,1957 @@
     <p:bldLst>
       <p:bldP spid="4" grpId="0"/>
       <p:bldP spid="6" grpId="0"/>
+    </p:bldLst>
+  </p:timing>
+</p:sld>
+</file>
+
+<file path=ppt/slides/slide15.xml><?xml version="1.0" encoding="utf-8"?>
+<p:sld xmlns:a="http://schemas.openxmlformats.org/drawingml/2006/main" xmlns:r="http://schemas.openxmlformats.org/officeDocument/2006/relationships" xmlns:p="http://schemas.openxmlformats.org/presentationml/2006/main">
+  <p:cSld>
+    <p:spTree>
+      <p:nvGrpSpPr>
+        <p:cNvPr id="1" name=""/>
+        <p:cNvGrpSpPr/>
+        <p:nvPr/>
+      </p:nvGrpSpPr>
+      <p:grpSpPr>
+        <a:xfrm>
+          <a:off x="0" y="0"/>
+          <a:ext cx="0" cy="0"/>
+          <a:chOff x="0" y="0"/>
+          <a:chExt cx="0" cy="0"/>
+        </a:xfrm>
+      </p:grpSpPr>
+      <p:sp>
+        <p:nvSpPr>
+          <p:cNvPr id="3" name="Title 2"/>
+          <p:cNvSpPr>
+            <a:spLocks noGrp="1"/>
+          </p:cNvSpPr>
+          <p:nvPr>
+            <p:ph type="title"/>
+          </p:nvPr>
+        </p:nvSpPr>
+        <p:spPr>
+          <a:xfrm>
+            <a:off x="1619672" y="-1"/>
+            <a:ext cx="7524328" cy="1204179"/>
+          </a:xfrm>
+        </p:spPr>
+        <p:txBody>
+          <a:bodyPr/>
+          <a:lstStyle/>
+          <a:p>
+            <a:pPr algn="ctr"/>
+            <a:r>
+              <a:rPr lang="en-US" altLang="ko-KR" dirty="0" err="1" smtClean="0"/>
+              <a:t>Kreiranje</a:t>
+            </a:r>
+            <a:r>
+              <a:rPr lang="en-US" altLang="ko-KR" dirty="0" smtClean="0"/>
+              <a:t> </a:t>
+            </a:r>
+            <a:r>
+              <a:rPr lang="sr-Latn-RS" altLang="ko-KR" dirty="0" smtClean="0"/>
+              <a:t>Kontrolera i Akcija</a:t>
+            </a:r>
+            <a:endParaRPr lang="ko-KR" altLang="en-US" dirty="0"/>
+          </a:p>
+        </p:txBody>
+      </p:sp>
+      <p:sp>
+        <p:nvSpPr>
+          <p:cNvPr id="4" name="TextBox 3"/>
+          <p:cNvSpPr txBox="1"/>
+          <p:nvPr/>
+        </p:nvSpPr>
+        <p:spPr>
+          <a:xfrm>
+            <a:off x="1619672" y="1347614"/>
+            <a:ext cx="7200800" cy="307777"/>
+          </a:xfrm>
+          <a:prstGeom prst="rect">
+            <a:avLst/>
+          </a:prstGeom>
+          <a:noFill/>
+        </p:spPr>
+        <p:txBody>
+          <a:bodyPr wrap="square" rtlCol="0">
+            <a:spAutoFit/>
+          </a:bodyPr>
+          <a:lstStyle/>
+          <a:p>
+            <a:r>
+              <a:rPr lang="sr-Latn-RS" sz="1400" dirty="0" smtClean="0">
+                <a:latin typeface="Arial" panose="020B0604020202020204" pitchFamily="34" charset="0"/>
+                <a:cs typeface="Arial" panose="020B0604020202020204" pitchFamily="34" charset="0"/>
+              </a:rPr>
+              <a:t>Dodavanje novog MovieController kontrolera i Atribute routing</a:t>
+            </a:r>
+            <a:endParaRPr lang="en-US" sz="1400" dirty="0">
+              <a:latin typeface="Arial" panose="020B0604020202020204" pitchFamily="34" charset="0"/>
+              <a:cs typeface="Arial" panose="020B0604020202020204" pitchFamily="34" charset="0"/>
+            </a:endParaRPr>
+          </a:p>
+        </p:txBody>
+      </p:sp>
+      <p:pic>
+        <p:nvPicPr>
+          <p:cNvPr id="2" name="Picture 1"/>
+          <p:cNvPicPr>
+            <a:picLocks noChangeAspect="1"/>
+          </p:cNvPicPr>
+          <p:nvPr/>
+        </p:nvPicPr>
+        <p:blipFill>
+          <a:blip r:embed="rId2">
+            <a:extLst>
+              <a:ext uri="{28A0092B-C50C-407E-A947-70E740481C1C}">
+                <a14:useLocalDpi xmlns:a14="http://schemas.microsoft.com/office/drawing/2010/main" val="0"/>
+              </a:ext>
+            </a:extLst>
+          </a:blip>
+          <a:stretch>
+            <a:fillRect/>
+          </a:stretch>
+        </p:blipFill>
+        <p:spPr>
+          <a:xfrm>
+            <a:off x="1691680" y="1750029"/>
+            <a:ext cx="3115110" cy="943107"/>
+          </a:xfrm>
+          <a:prstGeom prst="rect">
+            <a:avLst/>
+          </a:prstGeom>
+        </p:spPr>
+      </p:pic>
+      <p:sp>
+        <p:nvSpPr>
+          <p:cNvPr id="8" name="TextBox 7"/>
+          <p:cNvSpPr txBox="1"/>
+          <p:nvPr/>
+        </p:nvSpPr>
+        <p:spPr>
+          <a:xfrm>
+            <a:off x="1691680" y="2787774"/>
+            <a:ext cx="7200800" cy="307777"/>
+          </a:xfrm>
+          <a:prstGeom prst="rect">
+            <a:avLst/>
+          </a:prstGeom>
+          <a:noFill/>
+        </p:spPr>
+        <p:txBody>
+          <a:bodyPr wrap="square" rtlCol="0">
+            <a:spAutoFit/>
+          </a:bodyPr>
+          <a:lstStyle/>
+          <a:p>
+            <a:r>
+              <a:rPr lang="sr-Latn-RS" sz="1400" dirty="0" smtClean="0">
+                <a:latin typeface="Arial" panose="020B0604020202020204" pitchFamily="34" charset="0"/>
+                <a:cs typeface="Arial" panose="020B0604020202020204" pitchFamily="34" charset="0"/>
+              </a:rPr>
+              <a:t>Attribute routing je primenjen i promenjen je sa api/[controller] na api/movie</a:t>
+            </a:r>
+            <a:endParaRPr lang="en-US" sz="1400" dirty="0">
+              <a:latin typeface="Arial" panose="020B0604020202020204" pitchFamily="34" charset="0"/>
+              <a:cs typeface="Arial" panose="020B0604020202020204" pitchFamily="34" charset="0"/>
+            </a:endParaRPr>
+          </a:p>
+        </p:txBody>
+      </p:sp>
+      <p:sp>
+        <p:nvSpPr>
+          <p:cNvPr id="9" name="TextBox 8"/>
+          <p:cNvSpPr txBox="1"/>
+          <p:nvPr/>
+        </p:nvSpPr>
+        <p:spPr>
+          <a:xfrm>
+            <a:off x="1691680" y="3190189"/>
+            <a:ext cx="7200800" cy="523220"/>
+          </a:xfrm>
+          <a:prstGeom prst="rect">
+            <a:avLst/>
+          </a:prstGeom>
+          <a:noFill/>
+        </p:spPr>
+        <p:txBody>
+          <a:bodyPr wrap="square" rtlCol="0">
+            <a:spAutoFit/>
+          </a:bodyPr>
+          <a:lstStyle/>
+          <a:p>
+            <a:r>
+              <a:rPr lang="sr-Latn-RS" sz="1400" dirty="0" smtClean="0">
+                <a:latin typeface="Arial" panose="020B0604020202020204" pitchFamily="34" charset="0"/>
+                <a:cs typeface="Arial" panose="020B0604020202020204" pitchFamily="34" charset="0"/>
+              </a:rPr>
+              <a:t>Pored Attribute routing postoji i Conventional routing i on je vise primenljiv u MVC </a:t>
+            </a:r>
+          </a:p>
+          <a:p>
+            <a:r>
+              <a:rPr lang="sr-Latn-RS" sz="1400" dirty="0" smtClean="0">
+                <a:latin typeface="Arial" panose="020B0604020202020204" pitchFamily="34" charset="0"/>
+                <a:cs typeface="Arial" panose="020B0604020202020204" pitchFamily="34" charset="0"/>
+              </a:rPr>
+              <a:t>projektima</a:t>
+            </a:r>
+            <a:endParaRPr lang="en-US" sz="1400" dirty="0">
+              <a:latin typeface="Arial" panose="020B0604020202020204" pitchFamily="34" charset="0"/>
+              <a:cs typeface="Arial" panose="020B0604020202020204" pitchFamily="34" charset="0"/>
+            </a:endParaRPr>
+          </a:p>
+        </p:txBody>
+      </p:sp>
+      <p:pic>
+        <p:nvPicPr>
+          <p:cNvPr id="10" name="Picture 9"/>
+          <p:cNvPicPr>
+            <a:picLocks noChangeAspect="1"/>
+          </p:cNvPicPr>
+          <p:nvPr/>
+        </p:nvPicPr>
+        <p:blipFill>
+          <a:blip r:embed="rId3">
+            <a:extLst>
+              <a:ext uri="{28A0092B-C50C-407E-A947-70E740481C1C}">
+                <a14:useLocalDpi xmlns:a14="http://schemas.microsoft.com/office/drawing/2010/main" val="0"/>
+              </a:ext>
+            </a:extLst>
+          </a:blip>
+          <a:stretch>
+            <a:fillRect/>
+          </a:stretch>
+        </p:blipFill>
+        <p:spPr>
+          <a:xfrm>
+            <a:off x="1698258" y="3866099"/>
+            <a:ext cx="7122214" cy="1038370"/>
+          </a:xfrm>
+          <a:prstGeom prst="rect">
+            <a:avLst/>
+          </a:prstGeom>
+        </p:spPr>
+      </p:pic>
+    </p:spTree>
+    <p:extLst>
+      <p:ext uri="{BB962C8B-B14F-4D97-AF65-F5344CB8AC3E}">
+        <p14:creationId xmlns:p14="http://schemas.microsoft.com/office/powerpoint/2010/main" val="706494888"/>
+      </p:ext>
+    </p:extLst>
+  </p:cSld>
+  <p:clrMapOvr>
+    <a:masterClrMapping/>
+  </p:clrMapOvr>
+  <p:timing>
+    <p:tnLst>
+      <p:par>
+        <p:cTn id="1" dur="indefinite" restart="never" nodeType="tmRoot">
+          <p:childTnLst>
+            <p:seq concurrent="1" nextAc="seek">
+              <p:cTn id="2" dur="indefinite" nodeType="mainSeq">
+                <p:childTnLst>
+                  <p:par>
+                    <p:cTn id="3" fill="hold">
+                      <p:stCondLst>
+                        <p:cond delay="indefinite"/>
+                      </p:stCondLst>
+                      <p:childTnLst>
+                        <p:par>
+                          <p:cTn id="4" fill="hold">
+                            <p:stCondLst>
+                              <p:cond delay="0"/>
+                            </p:stCondLst>
+                            <p:childTnLst>
+                              <p:par>
+                                <p:cTn id="5" presetID="2" presetClass="entr" presetSubtype="4" fill="hold" grpId="0" nodeType="clickEffect">
+                                  <p:stCondLst>
+                                    <p:cond delay="0"/>
+                                  </p:stCondLst>
+                                  <p:childTnLst>
+                                    <p:set>
+                                      <p:cBhvr>
+                                        <p:cTn id="6" dur="1" fill="hold">
+                                          <p:stCondLst>
+                                            <p:cond delay="0"/>
+                                          </p:stCondLst>
+                                        </p:cTn>
+                                        <p:tgtEl>
+                                          <p:spTgt spid="4"/>
+                                        </p:tgtEl>
+                                        <p:attrNameLst>
+                                          <p:attrName>style.visibility</p:attrName>
+                                        </p:attrNameLst>
+                                      </p:cBhvr>
+                                      <p:to>
+                                        <p:strVal val="visible"/>
+                                      </p:to>
+                                    </p:set>
+                                    <p:anim calcmode="lin" valueType="num">
+                                      <p:cBhvr additive="base">
+                                        <p:cTn id="7" dur="500" fill="hold"/>
+                                        <p:tgtEl>
+                                          <p:spTgt spid="4"/>
+                                        </p:tgtEl>
+                                        <p:attrNameLst>
+                                          <p:attrName>ppt_x</p:attrName>
+                                        </p:attrNameLst>
+                                      </p:cBhvr>
+                                      <p:tavLst>
+                                        <p:tav tm="0">
+                                          <p:val>
+                                            <p:strVal val="#ppt_x"/>
+                                          </p:val>
+                                        </p:tav>
+                                        <p:tav tm="100000">
+                                          <p:val>
+                                            <p:strVal val="#ppt_x"/>
+                                          </p:val>
+                                        </p:tav>
+                                      </p:tavLst>
+                                    </p:anim>
+                                    <p:anim calcmode="lin" valueType="num">
+                                      <p:cBhvr additive="base">
+                                        <p:cTn id="8" dur="500" fill="hold"/>
+                                        <p:tgtEl>
+                                          <p:spTgt spid="4"/>
+                                        </p:tgtEl>
+                                        <p:attrNameLst>
+                                          <p:attrName>ppt_y</p:attrName>
+                                        </p:attrNameLst>
+                                      </p:cBhvr>
+                                      <p:tavLst>
+                                        <p:tav tm="0">
+                                          <p:val>
+                                            <p:strVal val="1+#ppt_h/2"/>
+                                          </p:val>
+                                        </p:tav>
+                                        <p:tav tm="100000">
+                                          <p:val>
+                                            <p:strVal val="#ppt_y"/>
+                                          </p:val>
+                                        </p:tav>
+                                      </p:tavLst>
+                                    </p:anim>
+                                  </p:childTnLst>
+                                </p:cTn>
+                              </p:par>
+                            </p:childTnLst>
+                          </p:cTn>
+                        </p:par>
+                      </p:childTnLst>
+                    </p:cTn>
+                  </p:par>
+                  <p:par>
+                    <p:cTn id="9" fill="hold">
+                      <p:stCondLst>
+                        <p:cond delay="indefinite"/>
+                      </p:stCondLst>
+                      <p:childTnLst>
+                        <p:par>
+                          <p:cTn id="10" fill="hold">
+                            <p:stCondLst>
+                              <p:cond delay="0"/>
+                            </p:stCondLst>
+                            <p:childTnLst>
+                              <p:par>
+                                <p:cTn id="11" presetID="2" presetClass="entr" presetSubtype="4" fill="hold" nodeType="clickEffect">
+                                  <p:stCondLst>
+                                    <p:cond delay="0"/>
+                                  </p:stCondLst>
+                                  <p:childTnLst>
+                                    <p:set>
+                                      <p:cBhvr>
+                                        <p:cTn id="12" dur="1" fill="hold">
+                                          <p:stCondLst>
+                                            <p:cond delay="0"/>
+                                          </p:stCondLst>
+                                        </p:cTn>
+                                        <p:tgtEl>
+                                          <p:spTgt spid="2"/>
+                                        </p:tgtEl>
+                                        <p:attrNameLst>
+                                          <p:attrName>style.visibility</p:attrName>
+                                        </p:attrNameLst>
+                                      </p:cBhvr>
+                                      <p:to>
+                                        <p:strVal val="visible"/>
+                                      </p:to>
+                                    </p:set>
+                                    <p:anim calcmode="lin" valueType="num">
+                                      <p:cBhvr additive="base">
+                                        <p:cTn id="13" dur="500" fill="hold"/>
+                                        <p:tgtEl>
+                                          <p:spTgt spid="2"/>
+                                        </p:tgtEl>
+                                        <p:attrNameLst>
+                                          <p:attrName>ppt_x</p:attrName>
+                                        </p:attrNameLst>
+                                      </p:cBhvr>
+                                      <p:tavLst>
+                                        <p:tav tm="0">
+                                          <p:val>
+                                            <p:strVal val="#ppt_x"/>
+                                          </p:val>
+                                        </p:tav>
+                                        <p:tav tm="100000">
+                                          <p:val>
+                                            <p:strVal val="#ppt_x"/>
+                                          </p:val>
+                                        </p:tav>
+                                      </p:tavLst>
+                                    </p:anim>
+                                    <p:anim calcmode="lin" valueType="num">
+                                      <p:cBhvr additive="base">
+                                        <p:cTn id="14" dur="500" fill="hold"/>
+                                        <p:tgtEl>
+                                          <p:spTgt spid="2"/>
+                                        </p:tgtEl>
+                                        <p:attrNameLst>
+                                          <p:attrName>ppt_y</p:attrName>
+                                        </p:attrNameLst>
+                                      </p:cBhvr>
+                                      <p:tavLst>
+                                        <p:tav tm="0">
+                                          <p:val>
+                                            <p:strVal val="1+#ppt_h/2"/>
+                                          </p:val>
+                                        </p:tav>
+                                        <p:tav tm="100000">
+                                          <p:val>
+                                            <p:strVal val="#ppt_y"/>
+                                          </p:val>
+                                        </p:tav>
+                                      </p:tavLst>
+                                    </p:anim>
+                                  </p:childTnLst>
+                                </p:cTn>
+                              </p:par>
+                            </p:childTnLst>
+                          </p:cTn>
+                        </p:par>
+                      </p:childTnLst>
+                    </p:cTn>
+                  </p:par>
+                  <p:par>
+                    <p:cTn id="15" fill="hold">
+                      <p:stCondLst>
+                        <p:cond delay="indefinite"/>
+                      </p:stCondLst>
+                      <p:childTnLst>
+                        <p:par>
+                          <p:cTn id="16" fill="hold">
+                            <p:stCondLst>
+                              <p:cond delay="0"/>
+                            </p:stCondLst>
+                            <p:childTnLst>
+                              <p:par>
+                                <p:cTn id="17" presetID="2" presetClass="entr" presetSubtype="4" fill="hold" grpId="0" nodeType="clickEffect">
+                                  <p:stCondLst>
+                                    <p:cond delay="0"/>
+                                  </p:stCondLst>
+                                  <p:childTnLst>
+                                    <p:set>
+                                      <p:cBhvr>
+                                        <p:cTn id="18" dur="1" fill="hold">
+                                          <p:stCondLst>
+                                            <p:cond delay="0"/>
+                                          </p:stCondLst>
+                                        </p:cTn>
+                                        <p:tgtEl>
+                                          <p:spTgt spid="8"/>
+                                        </p:tgtEl>
+                                        <p:attrNameLst>
+                                          <p:attrName>style.visibility</p:attrName>
+                                        </p:attrNameLst>
+                                      </p:cBhvr>
+                                      <p:to>
+                                        <p:strVal val="visible"/>
+                                      </p:to>
+                                    </p:set>
+                                    <p:anim calcmode="lin" valueType="num">
+                                      <p:cBhvr additive="base">
+                                        <p:cTn id="19" dur="500" fill="hold"/>
+                                        <p:tgtEl>
+                                          <p:spTgt spid="8"/>
+                                        </p:tgtEl>
+                                        <p:attrNameLst>
+                                          <p:attrName>ppt_x</p:attrName>
+                                        </p:attrNameLst>
+                                      </p:cBhvr>
+                                      <p:tavLst>
+                                        <p:tav tm="0">
+                                          <p:val>
+                                            <p:strVal val="#ppt_x"/>
+                                          </p:val>
+                                        </p:tav>
+                                        <p:tav tm="100000">
+                                          <p:val>
+                                            <p:strVal val="#ppt_x"/>
+                                          </p:val>
+                                        </p:tav>
+                                      </p:tavLst>
+                                    </p:anim>
+                                    <p:anim calcmode="lin" valueType="num">
+                                      <p:cBhvr additive="base">
+                                        <p:cTn id="20" dur="500" fill="hold"/>
+                                        <p:tgtEl>
+                                          <p:spTgt spid="8"/>
+                                        </p:tgtEl>
+                                        <p:attrNameLst>
+                                          <p:attrName>ppt_y</p:attrName>
+                                        </p:attrNameLst>
+                                      </p:cBhvr>
+                                      <p:tavLst>
+                                        <p:tav tm="0">
+                                          <p:val>
+                                            <p:strVal val="1+#ppt_h/2"/>
+                                          </p:val>
+                                        </p:tav>
+                                        <p:tav tm="100000">
+                                          <p:val>
+                                            <p:strVal val="#ppt_y"/>
+                                          </p:val>
+                                        </p:tav>
+                                      </p:tavLst>
+                                    </p:anim>
+                                  </p:childTnLst>
+                                </p:cTn>
+                              </p:par>
+                            </p:childTnLst>
+                          </p:cTn>
+                        </p:par>
+                      </p:childTnLst>
+                    </p:cTn>
+                  </p:par>
+                  <p:par>
+                    <p:cTn id="21" fill="hold">
+                      <p:stCondLst>
+                        <p:cond delay="indefinite"/>
+                      </p:stCondLst>
+                      <p:childTnLst>
+                        <p:par>
+                          <p:cTn id="22" fill="hold">
+                            <p:stCondLst>
+                              <p:cond delay="0"/>
+                            </p:stCondLst>
+                            <p:childTnLst>
+                              <p:par>
+                                <p:cTn id="23" presetID="2" presetClass="entr" presetSubtype="4" fill="hold" grpId="0" nodeType="clickEffect">
+                                  <p:stCondLst>
+                                    <p:cond delay="0"/>
+                                  </p:stCondLst>
+                                  <p:childTnLst>
+                                    <p:set>
+                                      <p:cBhvr>
+                                        <p:cTn id="24" dur="1" fill="hold">
+                                          <p:stCondLst>
+                                            <p:cond delay="0"/>
+                                          </p:stCondLst>
+                                        </p:cTn>
+                                        <p:tgtEl>
+                                          <p:spTgt spid="9"/>
+                                        </p:tgtEl>
+                                        <p:attrNameLst>
+                                          <p:attrName>style.visibility</p:attrName>
+                                        </p:attrNameLst>
+                                      </p:cBhvr>
+                                      <p:to>
+                                        <p:strVal val="visible"/>
+                                      </p:to>
+                                    </p:set>
+                                    <p:anim calcmode="lin" valueType="num">
+                                      <p:cBhvr additive="base">
+                                        <p:cTn id="25" dur="500" fill="hold"/>
+                                        <p:tgtEl>
+                                          <p:spTgt spid="9"/>
+                                        </p:tgtEl>
+                                        <p:attrNameLst>
+                                          <p:attrName>ppt_x</p:attrName>
+                                        </p:attrNameLst>
+                                      </p:cBhvr>
+                                      <p:tavLst>
+                                        <p:tav tm="0">
+                                          <p:val>
+                                            <p:strVal val="#ppt_x"/>
+                                          </p:val>
+                                        </p:tav>
+                                        <p:tav tm="100000">
+                                          <p:val>
+                                            <p:strVal val="#ppt_x"/>
+                                          </p:val>
+                                        </p:tav>
+                                      </p:tavLst>
+                                    </p:anim>
+                                    <p:anim calcmode="lin" valueType="num">
+                                      <p:cBhvr additive="base">
+                                        <p:cTn id="26" dur="500" fill="hold"/>
+                                        <p:tgtEl>
+                                          <p:spTgt spid="9"/>
+                                        </p:tgtEl>
+                                        <p:attrNameLst>
+                                          <p:attrName>ppt_y</p:attrName>
+                                        </p:attrNameLst>
+                                      </p:cBhvr>
+                                      <p:tavLst>
+                                        <p:tav tm="0">
+                                          <p:val>
+                                            <p:strVal val="1+#ppt_h/2"/>
+                                          </p:val>
+                                        </p:tav>
+                                        <p:tav tm="100000">
+                                          <p:val>
+                                            <p:strVal val="#ppt_y"/>
+                                          </p:val>
+                                        </p:tav>
+                                      </p:tavLst>
+                                    </p:anim>
+                                  </p:childTnLst>
+                                </p:cTn>
+                              </p:par>
+                            </p:childTnLst>
+                          </p:cTn>
+                        </p:par>
+                      </p:childTnLst>
+                    </p:cTn>
+                  </p:par>
+                </p:childTnLst>
+              </p:cTn>
+              <p:prevCondLst>
+                <p:cond evt="onPrev" delay="0">
+                  <p:tgtEl>
+                    <p:sldTgt/>
+                  </p:tgtEl>
+                </p:cond>
+              </p:prevCondLst>
+              <p:nextCondLst>
+                <p:cond evt="onNext" delay="0">
+                  <p:tgtEl>
+                    <p:sldTgt/>
+                  </p:tgtEl>
+                </p:cond>
+              </p:nextCondLst>
+            </p:seq>
+          </p:childTnLst>
+        </p:cTn>
+      </p:par>
+    </p:tnLst>
+    <p:bldLst>
+      <p:bldP spid="4" grpId="0"/>
+      <p:bldP spid="8" grpId="0"/>
+      <p:bldP spid="9" grpId="0"/>
+    </p:bldLst>
+  </p:timing>
+</p:sld>
+</file>
+
+<file path=ppt/slides/slide16.xml><?xml version="1.0" encoding="utf-8"?>
+<p:sld xmlns:a="http://schemas.openxmlformats.org/drawingml/2006/main" xmlns:r="http://schemas.openxmlformats.org/officeDocument/2006/relationships" xmlns:p="http://schemas.openxmlformats.org/presentationml/2006/main">
+  <p:cSld>
+    <p:spTree>
+      <p:nvGrpSpPr>
+        <p:cNvPr id="1" name=""/>
+        <p:cNvGrpSpPr/>
+        <p:nvPr/>
+      </p:nvGrpSpPr>
+      <p:grpSpPr>
+        <a:xfrm>
+          <a:off x="0" y="0"/>
+          <a:ext cx="0" cy="0"/>
+          <a:chOff x="0" y="0"/>
+          <a:chExt cx="0" cy="0"/>
+        </a:xfrm>
+      </p:grpSpPr>
+      <p:sp>
+        <p:nvSpPr>
+          <p:cNvPr id="3" name="Title 2"/>
+          <p:cNvSpPr>
+            <a:spLocks noGrp="1"/>
+          </p:cNvSpPr>
+          <p:nvPr>
+            <p:ph type="title"/>
+          </p:nvPr>
+        </p:nvSpPr>
+        <p:spPr>
+          <a:xfrm>
+            <a:off x="1619672" y="-1"/>
+            <a:ext cx="7524328" cy="1204179"/>
+          </a:xfrm>
+        </p:spPr>
+        <p:txBody>
+          <a:bodyPr/>
+          <a:lstStyle/>
+          <a:p>
+            <a:pPr algn="ctr"/>
+            <a:r>
+              <a:rPr lang="en-US" altLang="ko-KR" dirty="0" err="1" smtClean="0"/>
+              <a:t>Kreiranje</a:t>
+            </a:r>
+            <a:r>
+              <a:rPr lang="en-US" altLang="ko-KR" dirty="0" smtClean="0"/>
+              <a:t> </a:t>
+            </a:r>
+            <a:r>
+              <a:rPr lang="sr-Latn-RS" altLang="ko-KR" dirty="0" smtClean="0"/>
+              <a:t>Kontrolera i Akcija</a:t>
+            </a:r>
+            <a:endParaRPr lang="ko-KR" altLang="en-US" dirty="0"/>
+          </a:p>
+        </p:txBody>
+      </p:sp>
+      <p:sp>
+        <p:nvSpPr>
+          <p:cNvPr id="4" name="TextBox 3"/>
+          <p:cNvSpPr txBox="1"/>
+          <p:nvPr/>
+        </p:nvSpPr>
+        <p:spPr>
+          <a:xfrm>
+            <a:off x="1619672" y="1347614"/>
+            <a:ext cx="7200800" cy="307777"/>
+          </a:xfrm>
+          <a:prstGeom prst="rect">
+            <a:avLst/>
+          </a:prstGeom>
+          <a:noFill/>
+        </p:spPr>
+        <p:txBody>
+          <a:bodyPr wrap="square" rtlCol="0">
+            <a:spAutoFit/>
+          </a:bodyPr>
+          <a:lstStyle/>
+          <a:p>
+            <a:r>
+              <a:rPr lang="sr-Latn-RS" sz="1400" dirty="0" smtClean="0">
+                <a:latin typeface="Arial" panose="020B0604020202020204" pitchFamily="34" charset="0"/>
+                <a:cs typeface="Arial" panose="020B0604020202020204" pitchFamily="34" charset="0"/>
+              </a:rPr>
+              <a:t>GetMovies Akcija, IActionResult i Metode za objedinjavanje povratnog tipa i Status koda</a:t>
+            </a:r>
+            <a:endParaRPr lang="en-US" sz="1400" dirty="0">
+              <a:latin typeface="Arial" panose="020B0604020202020204" pitchFamily="34" charset="0"/>
+              <a:cs typeface="Arial" panose="020B0604020202020204" pitchFamily="34" charset="0"/>
+            </a:endParaRPr>
+          </a:p>
+        </p:txBody>
+      </p:sp>
+      <p:pic>
+        <p:nvPicPr>
+          <p:cNvPr id="5" name="Picture 4"/>
+          <p:cNvPicPr>
+            <a:picLocks noChangeAspect="1"/>
+          </p:cNvPicPr>
+          <p:nvPr/>
+        </p:nvPicPr>
+        <p:blipFill>
+          <a:blip r:embed="rId3">
+            <a:extLst>
+              <a:ext uri="{28A0092B-C50C-407E-A947-70E740481C1C}">
+                <a14:useLocalDpi xmlns:a14="http://schemas.microsoft.com/office/drawing/2010/main" val="0"/>
+              </a:ext>
+            </a:extLst>
+          </a:blip>
+          <a:stretch>
+            <a:fillRect/>
+          </a:stretch>
+        </p:blipFill>
+        <p:spPr>
+          <a:xfrm>
+            <a:off x="1640470" y="1655391"/>
+            <a:ext cx="5667833" cy="3488109"/>
+          </a:xfrm>
+          <a:prstGeom prst="rect">
+            <a:avLst/>
+          </a:prstGeom>
+        </p:spPr>
+      </p:pic>
+    </p:spTree>
+    <p:extLst>
+      <p:ext uri="{BB962C8B-B14F-4D97-AF65-F5344CB8AC3E}">
+        <p14:creationId xmlns:p14="http://schemas.microsoft.com/office/powerpoint/2010/main" val="2646146121"/>
+      </p:ext>
+    </p:extLst>
+  </p:cSld>
+  <p:clrMapOvr>
+    <a:masterClrMapping/>
+  </p:clrMapOvr>
+  <p:timing>
+    <p:tnLst>
+      <p:par>
+        <p:cTn id="1" dur="indefinite" restart="never" nodeType="tmRoot">
+          <p:childTnLst>
+            <p:seq concurrent="1" nextAc="seek">
+              <p:cTn id="2" dur="indefinite" nodeType="mainSeq">
+                <p:childTnLst>
+                  <p:par>
+                    <p:cTn id="3" fill="hold">
+                      <p:stCondLst>
+                        <p:cond delay="indefinite"/>
+                      </p:stCondLst>
+                      <p:childTnLst>
+                        <p:par>
+                          <p:cTn id="4" fill="hold">
+                            <p:stCondLst>
+                              <p:cond delay="0"/>
+                            </p:stCondLst>
+                            <p:childTnLst>
+                              <p:par>
+                                <p:cTn id="5" presetID="2" presetClass="entr" presetSubtype="4" fill="hold" grpId="0" nodeType="clickEffect">
+                                  <p:stCondLst>
+                                    <p:cond delay="0"/>
+                                  </p:stCondLst>
+                                  <p:childTnLst>
+                                    <p:set>
+                                      <p:cBhvr>
+                                        <p:cTn id="6" dur="1" fill="hold">
+                                          <p:stCondLst>
+                                            <p:cond delay="0"/>
+                                          </p:stCondLst>
+                                        </p:cTn>
+                                        <p:tgtEl>
+                                          <p:spTgt spid="4"/>
+                                        </p:tgtEl>
+                                        <p:attrNameLst>
+                                          <p:attrName>style.visibility</p:attrName>
+                                        </p:attrNameLst>
+                                      </p:cBhvr>
+                                      <p:to>
+                                        <p:strVal val="visible"/>
+                                      </p:to>
+                                    </p:set>
+                                    <p:anim calcmode="lin" valueType="num">
+                                      <p:cBhvr additive="base">
+                                        <p:cTn id="7" dur="500" fill="hold"/>
+                                        <p:tgtEl>
+                                          <p:spTgt spid="4"/>
+                                        </p:tgtEl>
+                                        <p:attrNameLst>
+                                          <p:attrName>ppt_x</p:attrName>
+                                        </p:attrNameLst>
+                                      </p:cBhvr>
+                                      <p:tavLst>
+                                        <p:tav tm="0">
+                                          <p:val>
+                                            <p:strVal val="#ppt_x"/>
+                                          </p:val>
+                                        </p:tav>
+                                        <p:tav tm="100000">
+                                          <p:val>
+                                            <p:strVal val="#ppt_x"/>
+                                          </p:val>
+                                        </p:tav>
+                                      </p:tavLst>
+                                    </p:anim>
+                                    <p:anim calcmode="lin" valueType="num">
+                                      <p:cBhvr additive="base">
+                                        <p:cTn id="8" dur="500" fill="hold"/>
+                                        <p:tgtEl>
+                                          <p:spTgt spid="4"/>
+                                        </p:tgtEl>
+                                        <p:attrNameLst>
+                                          <p:attrName>ppt_y</p:attrName>
+                                        </p:attrNameLst>
+                                      </p:cBhvr>
+                                      <p:tavLst>
+                                        <p:tav tm="0">
+                                          <p:val>
+                                            <p:strVal val="1+#ppt_h/2"/>
+                                          </p:val>
+                                        </p:tav>
+                                        <p:tav tm="100000">
+                                          <p:val>
+                                            <p:strVal val="#ppt_y"/>
+                                          </p:val>
+                                        </p:tav>
+                                      </p:tavLst>
+                                    </p:anim>
+                                  </p:childTnLst>
+                                </p:cTn>
+                              </p:par>
+                            </p:childTnLst>
+                          </p:cTn>
+                        </p:par>
+                      </p:childTnLst>
+                    </p:cTn>
+                  </p:par>
+                  <p:par>
+                    <p:cTn id="9" fill="hold">
+                      <p:stCondLst>
+                        <p:cond delay="indefinite"/>
+                      </p:stCondLst>
+                      <p:childTnLst>
+                        <p:par>
+                          <p:cTn id="10" fill="hold">
+                            <p:stCondLst>
+                              <p:cond delay="0"/>
+                            </p:stCondLst>
+                            <p:childTnLst>
+                              <p:par>
+                                <p:cTn id="11" presetID="2" presetClass="entr" presetSubtype="4" fill="hold" nodeType="clickEffect">
+                                  <p:stCondLst>
+                                    <p:cond delay="0"/>
+                                  </p:stCondLst>
+                                  <p:childTnLst>
+                                    <p:set>
+                                      <p:cBhvr>
+                                        <p:cTn id="12" dur="1" fill="hold">
+                                          <p:stCondLst>
+                                            <p:cond delay="0"/>
+                                          </p:stCondLst>
+                                        </p:cTn>
+                                        <p:tgtEl>
+                                          <p:spTgt spid="5"/>
+                                        </p:tgtEl>
+                                        <p:attrNameLst>
+                                          <p:attrName>style.visibility</p:attrName>
+                                        </p:attrNameLst>
+                                      </p:cBhvr>
+                                      <p:to>
+                                        <p:strVal val="visible"/>
+                                      </p:to>
+                                    </p:set>
+                                    <p:anim calcmode="lin" valueType="num">
+                                      <p:cBhvr additive="base">
+                                        <p:cTn id="13" dur="500" fill="hold"/>
+                                        <p:tgtEl>
+                                          <p:spTgt spid="5"/>
+                                        </p:tgtEl>
+                                        <p:attrNameLst>
+                                          <p:attrName>ppt_x</p:attrName>
+                                        </p:attrNameLst>
+                                      </p:cBhvr>
+                                      <p:tavLst>
+                                        <p:tav tm="0">
+                                          <p:val>
+                                            <p:strVal val="#ppt_x"/>
+                                          </p:val>
+                                        </p:tav>
+                                        <p:tav tm="100000">
+                                          <p:val>
+                                            <p:strVal val="#ppt_x"/>
+                                          </p:val>
+                                        </p:tav>
+                                      </p:tavLst>
+                                    </p:anim>
+                                    <p:anim calcmode="lin" valueType="num">
+                                      <p:cBhvr additive="base">
+                                        <p:cTn id="14" dur="500" fill="hold"/>
+                                        <p:tgtEl>
+                                          <p:spTgt spid="5"/>
+                                        </p:tgtEl>
+                                        <p:attrNameLst>
+                                          <p:attrName>ppt_y</p:attrName>
+                                        </p:attrNameLst>
+                                      </p:cBhvr>
+                                      <p:tavLst>
+                                        <p:tav tm="0">
+                                          <p:val>
+                                            <p:strVal val="1+#ppt_h/2"/>
+                                          </p:val>
+                                        </p:tav>
+                                        <p:tav tm="100000">
+                                          <p:val>
+                                            <p:strVal val="#ppt_y"/>
+                                          </p:val>
+                                        </p:tav>
+                                      </p:tavLst>
+                                    </p:anim>
+                                  </p:childTnLst>
+                                </p:cTn>
+                              </p:par>
+                            </p:childTnLst>
+                          </p:cTn>
+                        </p:par>
+                      </p:childTnLst>
+                    </p:cTn>
+                  </p:par>
+                </p:childTnLst>
+              </p:cTn>
+              <p:prevCondLst>
+                <p:cond evt="onPrev" delay="0">
+                  <p:tgtEl>
+                    <p:sldTgt/>
+                  </p:tgtEl>
+                </p:cond>
+              </p:prevCondLst>
+              <p:nextCondLst>
+                <p:cond evt="onNext" delay="0">
+                  <p:tgtEl>
+                    <p:sldTgt/>
+                  </p:tgtEl>
+                </p:cond>
+              </p:nextCondLst>
+            </p:seq>
+          </p:childTnLst>
+        </p:cTn>
+      </p:par>
+    </p:tnLst>
+    <p:bldLst>
+      <p:bldP spid="4" grpId="0"/>
+    </p:bldLst>
+  </p:timing>
+</p:sld>
+</file>
+
+<file path=ppt/slides/slide17.xml><?xml version="1.0" encoding="utf-8"?>
+<p:sld xmlns:a="http://schemas.openxmlformats.org/drawingml/2006/main" xmlns:r="http://schemas.openxmlformats.org/officeDocument/2006/relationships" xmlns:p="http://schemas.openxmlformats.org/presentationml/2006/main">
+  <p:cSld>
+    <p:spTree>
+      <p:nvGrpSpPr>
+        <p:cNvPr id="1" name=""/>
+        <p:cNvGrpSpPr/>
+        <p:nvPr/>
+      </p:nvGrpSpPr>
+      <p:grpSpPr>
+        <a:xfrm>
+          <a:off x="0" y="0"/>
+          <a:ext cx="0" cy="0"/>
+          <a:chOff x="0" y="0"/>
+          <a:chExt cx="0" cy="0"/>
+        </a:xfrm>
+      </p:grpSpPr>
+      <p:sp>
+        <p:nvSpPr>
+          <p:cNvPr id="3" name="Title 2"/>
+          <p:cNvSpPr>
+            <a:spLocks noGrp="1"/>
+          </p:cNvSpPr>
+          <p:nvPr>
+            <p:ph type="title"/>
+          </p:nvPr>
+        </p:nvSpPr>
+        <p:spPr>
+          <a:xfrm>
+            <a:off x="1619672" y="-1"/>
+            <a:ext cx="7524328" cy="1204179"/>
+          </a:xfrm>
+        </p:spPr>
+        <p:txBody>
+          <a:bodyPr/>
+          <a:lstStyle/>
+          <a:p>
+            <a:pPr algn="ctr"/>
+            <a:r>
+              <a:rPr lang="en-US" altLang="ko-KR" dirty="0" err="1" smtClean="0"/>
+              <a:t>Kreiranje</a:t>
+            </a:r>
+            <a:r>
+              <a:rPr lang="en-US" altLang="ko-KR" dirty="0" smtClean="0"/>
+              <a:t> </a:t>
+            </a:r>
+            <a:r>
+              <a:rPr lang="sr-Latn-RS" altLang="ko-KR" dirty="0" smtClean="0"/>
+              <a:t>Kontrolera i Akcija</a:t>
+            </a:r>
+            <a:endParaRPr lang="ko-KR" altLang="en-US" dirty="0"/>
+          </a:p>
+        </p:txBody>
+      </p:sp>
+      <p:sp>
+        <p:nvSpPr>
+          <p:cNvPr id="4" name="TextBox 3"/>
+          <p:cNvSpPr txBox="1"/>
+          <p:nvPr/>
+        </p:nvSpPr>
+        <p:spPr>
+          <a:xfrm>
+            <a:off x="1619672" y="1347614"/>
+            <a:ext cx="7200800" cy="307777"/>
+          </a:xfrm>
+          <a:prstGeom prst="rect">
+            <a:avLst/>
+          </a:prstGeom>
+          <a:noFill/>
+        </p:spPr>
+        <p:txBody>
+          <a:bodyPr wrap="square" rtlCol="0">
+            <a:spAutoFit/>
+          </a:bodyPr>
+          <a:lstStyle/>
+          <a:p>
+            <a:r>
+              <a:rPr lang="sr-Latn-RS" sz="1400" dirty="0" smtClean="0">
+                <a:latin typeface="Arial" panose="020B0604020202020204" pitchFamily="34" charset="0"/>
+                <a:cs typeface="Arial" panose="020B0604020202020204" pitchFamily="34" charset="0"/>
+              </a:rPr>
+              <a:t>Rezultat pomoću </a:t>
+            </a:r>
+            <a:r>
+              <a:rPr lang="sr-Latn-RS" sz="1400" dirty="0" smtClean="0">
+                <a:latin typeface="Arial" panose="020B0604020202020204" pitchFamily="34" charset="0"/>
+                <a:cs typeface="Arial" panose="020B0604020202020204" pitchFamily="34" charset="0"/>
+              </a:rPr>
+              <a:t>Postman alata</a:t>
+            </a:r>
+            <a:endParaRPr lang="en-US" sz="1400" dirty="0">
+              <a:latin typeface="Arial" panose="020B0604020202020204" pitchFamily="34" charset="0"/>
+              <a:cs typeface="Arial" panose="020B0604020202020204" pitchFamily="34" charset="0"/>
+            </a:endParaRPr>
+          </a:p>
+        </p:txBody>
+      </p:sp>
+      <p:pic>
+        <p:nvPicPr>
+          <p:cNvPr id="2" name="Picture 1"/>
+          <p:cNvPicPr>
+            <a:picLocks noChangeAspect="1"/>
+          </p:cNvPicPr>
+          <p:nvPr/>
+        </p:nvPicPr>
+        <p:blipFill>
+          <a:blip r:embed="rId3">
+            <a:extLst>
+              <a:ext uri="{28A0092B-C50C-407E-A947-70E740481C1C}">
+                <a14:useLocalDpi xmlns:a14="http://schemas.microsoft.com/office/drawing/2010/main" val="0"/>
+              </a:ext>
+            </a:extLst>
+          </a:blip>
+          <a:stretch>
+            <a:fillRect/>
+          </a:stretch>
+        </p:blipFill>
+        <p:spPr>
+          <a:xfrm>
+            <a:off x="1619672" y="1655391"/>
+            <a:ext cx="7440063" cy="3292623"/>
+          </a:xfrm>
+          <a:prstGeom prst="rect">
+            <a:avLst/>
+          </a:prstGeom>
+        </p:spPr>
+      </p:pic>
+    </p:spTree>
+    <p:extLst>
+      <p:ext uri="{BB962C8B-B14F-4D97-AF65-F5344CB8AC3E}">
+        <p14:creationId xmlns:p14="http://schemas.microsoft.com/office/powerpoint/2010/main" val="1012244004"/>
+      </p:ext>
+    </p:extLst>
+  </p:cSld>
+  <p:clrMapOvr>
+    <a:masterClrMapping/>
+  </p:clrMapOvr>
+  <p:timing>
+    <p:tnLst>
+      <p:par>
+        <p:cTn id="1" dur="indefinite" restart="never" nodeType="tmRoot">
+          <p:childTnLst>
+            <p:seq concurrent="1" nextAc="seek">
+              <p:cTn id="2" dur="indefinite" nodeType="mainSeq">
+                <p:childTnLst>
+                  <p:par>
+                    <p:cTn id="3" fill="hold">
+                      <p:stCondLst>
+                        <p:cond delay="indefinite"/>
+                      </p:stCondLst>
+                      <p:childTnLst>
+                        <p:par>
+                          <p:cTn id="4" fill="hold">
+                            <p:stCondLst>
+                              <p:cond delay="0"/>
+                            </p:stCondLst>
+                            <p:childTnLst>
+                              <p:par>
+                                <p:cTn id="5" presetID="2" presetClass="entr" presetSubtype="4" fill="hold" grpId="0" nodeType="clickEffect">
+                                  <p:stCondLst>
+                                    <p:cond delay="0"/>
+                                  </p:stCondLst>
+                                  <p:childTnLst>
+                                    <p:set>
+                                      <p:cBhvr>
+                                        <p:cTn id="6" dur="1" fill="hold">
+                                          <p:stCondLst>
+                                            <p:cond delay="0"/>
+                                          </p:stCondLst>
+                                        </p:cTn>
+                                        <p:tgtEl>
+                                          <p:spTgt spid="4"/>
+                                        </p:tgtEl>
+                                        <p:attrNameLst>
+                                          <p:attrName>style.visibility</p:attrName>
+                                        </p:attrNameLst>
+                                      </p:cBhvr>
+                                      <p:to>
+                                        <p:strVal val="visible"/>
+                                      </p:to>
+                                    </p:set>
+                                    <p:anim calcmode="lin" valueType="num">
+                                      <p:cBhvr additive="base">
+                                        <p:cTn id="7" dur="500" fill="hold"/>
+                                        <p:tgtEl>
+                                          <p:spTgt spid="4"/>
+                                        </p:tgtEl>
+                                        <p:attrNameLst>
+                                          <p:attrName>ppt_x</p:attrName>
+                                        </p:attrNameLst>
+                                      </p:cBhvr>
+                                      <p:tavLst>
+                                        <p:tav tm="0">
+                                          <p:val>
+                                            <p:strVal val="#ppt_x"/>
+                                          </p:val>
+                                        </p:tav>
+                                        <p:tav tm="100000">
+                                          <p:val>
+                                            <p:strVal val="#ppt_x"/>
+                                          </p:val>
+                                        </p:tav>
+                                      </p:tavLst>
+                                    </p:anim>
+                                    <p:anim calcmode="lin" valueType="num">
+                                      <p:cBhvr additive="base">
+                                        <p:cTn id="8" dur="500" fill="hold"/>
+                                        <p:tgtEl>
+                                          <p:spTgt spid="4"/>
+                                        </p:tgtEl>
+                                        <p:attrNameLst>
+                                          <p:attrName>ppt_y</p:attrName>
+                                        </p:attrNameLst>
+                                      </p:cBhvr>
+                                      <p:tavLst>
+                                        <p:tav tm="0">
+                                          <p:val>
+                                            <p:strVal val="1+#ppt_h/2"/>
+                                          </p:val>
+                                        </p:tav>
+                                        <p:tav tm="100000">
+                                          <p:val>
+                                            <p:strVal val="#ppt_y"/>
+                                          </p:val>
+                                        </p:tav>
+                                      </p:tavLst>
+                                    </p:anim>
+                                  </p:childTnLst>
+                                </p:cTn>
+                              </p:par>
+                            </p:childTnLst>
+                          </p:cTn>
+                        </p:par>
+                      </p:childTnLst>
+                    </p:cTn>
+                  </p:par>
+                  <p:par>
+                    <p:cTn id="9" fill="hold">
+                      <p:stCondLst>
+                        <p:cond delay="indefinite"/>
+                      </p:stCondLst>
+                      <p:childTnLst>
+                        <p:par>
+                          <p:cTn id="10" fill="hold">
+                            <p:stCondLst>
+                              <p:cond delay="0"/>
+                            </p:stCondLst>
+                            <p:childTnLst>
+                              <p:par>
+                                <p:cTn id="11" presetID="2" presetClass="entr" presetSubtype="4" fill="hold" nodeType="clickEffect">
+                                  <p:stCondLst>
+                                    <p:cond delay="0"/>
+                                  </p:stCondLst>
+                                  <p:childTnLst>
+                                    <p:set>
+                                      <p:cBhvr>
+                                        <p:cTn id="12" dur="1" fill="hold">
+                                          <p:stCondLst>
+                                            <p:cond delay="0"/>
+                                          </p:stCondLst>
+                                        </p:cTn>
+                                        <p:tgtEl>
+                                          <p:spTgt spid="2"/>
+                                        </p:tgtEl>
+                                        <p:attrNameLst>
+                                          <p:attrName>style.visibility</p:attrName>
+                                        </p:attrNameLst>
+                                      </p:cBhvr>
+                                      <p:to>
+                                        <p:strVal val="visible"/>
+                                      </p:to>
+                                    </p:set>
+                                    <p:anim calcmode="lin" valueType="num">
+                                      <p:cBhvr additive="base">
+                                        <p:cTn id="13" dur="500" fill="hold"/>
+                                        <p:tgtEl>
+                                          <p:spTgt spid="2"/>
+                                        </p:tgtEl>
+                                        <p:attrNameLst>
+                                          <p:attrName>ppt_x</p:attrName>
+                                        </p:attrNameLst>
+                                      </p:cBhvr>
+                                      <p:tavLst>
+                                        <p:tav tm="0">
+                                          <p:val>
+                                            <p:strVal val="#ppt_x"/>
+                                          </p:val>
+                                        </p:tav>
+                                        <p:tav tm="100000">
+                                          <p:val>
+                                            <p:strVal val="#ppt_x"/>
+                                          </p:val>
+                                        </p:tav>
+                                      </p:tavLst>
+                                    </p:anim>
+                                    <p:anim calcmode="lin" valueType="num">
+                                      <p:cBhvr additive="base">
+                                        <p:cTn id="14" dur="500" fill="hold"/>
+                                        <p:tgtEl>
+                                          <p:spTgt spid="2"/>
+                                        </p:tgtEl>
+                                        <p:attrNameLst>
+                                          <p:attrName>ppt_y</p:attrName>
+                                        </p:attrNameLst>
+                                      </p:cBhvr>
+                                      <p:tavLst>
+                                        <p:tav tm="0">
+                                          <p:val>
+                                            <p:strVal val="1+#ppt_h/2"/>
+                                          </p:val>
+                                        </p:tav>
+                                        <p:tav tm="100000">
+                                          <p:val>
+                                            <p:strVal val="#ppt_y"/>
+                                          </p:val>
+                                        </p:tav>
+                                      </p:tavLst>
+                                    </p:anim>
+                                  </p:childTnLst>
+                                </p:cTn>
+                              </p:par>
+                            </p:childTnLst>
+                          </p:cTn>
+                        </p:par>
+                      </p:childTnLst>
+                    </p:cTn>
+                  </p:par>
+                </p:childTnLst>
+              </p:cTn>
+              <p:prevCondLst>
+                <p:cond evt="onPrev" delay="0">
+                  <p:tgtEl>
+                    <p:sldTgt/>
+                  </p:tgtEl>
+                </p:cond>
+              </p:prevCondLst>
+              <p:nextCondLst>
+                <p:cond evt="onNext" delay="0">
+                  <p:tgtEl>
+                    <p:sldTgt/>
+                  </p:tgtEl>
+                </p:cond>
+              </p:nextCondLst>
+            </p:seq>
+          </p:childTnLst>
+        </p:cTn>
+      </p:par>
+    </p:tnLst>
+    <p:bldLst>
+      <p:bldP spid="4" grpId="0"/>
+    </p:bldLst>
+  </p:timing>
+</p:sld>
+</file>
+
+<file path=ppt/slides/slide18.xml><?xml version="1.0" encoding="utf-8"?>
+<p:sld xmlns:a="http://schemas.openxmlformats.org/drawingml/2006/main" xmlns:r="http://schemas.openxmlformats.org/officeDocument/2006/relationships" xmlns:p="http://schemas.openxmlformats.org/presentationml/2006/main">
+  <p:cSld>
+    <p:spTree>
+      <p:nvGrpSpPr>
+        <p:cNvPr id="1" name=""/>
+        <p:cNvGrpSpPr/>
+        <p:nvPr/>
+      </p:nvGrpSpPr>
+      <p:grpSpPr>
+        <a:xfrm>
+          <a:off x="0" y="0"/>
+          <a:ext cx="0" cy="0"/>
+          <a:chOff x="0" y="0"/>
+          <a:chExt cx="0" cy="0"/>
+        </a:xfrm>
+      </p:grpSpPr>
+      <p:sp>
+        <p:nvSpPr>
+          <p:cNvPr id="3" name="Title 2"/>
+          <p:cNvSpPr>
+            <a:spLocks noGrp="1"/>
+          </p:cNvSpPr>
+          <p:nvPr>
+            <p:ph type="title"/>
+          </p:nvPr>
+        </p:nvSpPr>
+        <p:spPr>
+          <a:xfrm>
+            <a:off x="1619672" y="-1"/>
+            <a:ext cx="7524328" cy="1204179"/>
+          </a:xfrm>
+        </p:spPr>
+        <p:txBody>
+          <a:bodyPr/>
+          <a:lstStyle/>
+          <a:p>
+            <a:pPr algn="ctr"/>
+            <a:r>
+              <a:rPr lang="en-US" altLang="ko-KR" dirty="0" err="1" smtClean="0"/>
+              <a:t>Kreiranje</a:t>
+            </a:r>
+            <a:r>
+              <a:rPr lang="en-US" altLang="ko-KR" dirty="0" smtClean="0"/>
+              <a:t> </a:t>
+            </a:r>
+            <a:r>
+              <a:rPr lang="sr-Latn-RS" altLang="ko-KR" dirty="0" smtClean="0"/>
+              <a:t>Kontrolera i Akcija</a:t>
+            </a:r>
+            <a:endParaRPr lang="ko-KR" altLang="en-US" dirty="0"/>
+          </a:p>
+        </p:txBody>
+      </p:sp>
+      <p:sp>
+        <p:nvSpPr>
+          <p:cNvPr id="4" name="TextBox 3"/>
+          <p:cNvSpPr txBox="1"/>
+          <p:nvPr/>
+        </p:nvSpPr>
+        <p:spPr>
+          <a:xfrm>
+            <a:off x="1619672" y="1347614"/>
+            <a:ext cx="7200800" cy="307777"/>
+          </a:xfrm>
+          <a:prstGeom prst="rect">
+            <a:avLst/>
+          </a:prstGeom>
+          <a:noFill/>
+        </p:spPr>
+        <p:txBody>
+          <a:bodyPr wrap="square" rtlCol="0">
+            <a:spAutoFit/>
+          </a:bodyPr>
+          <a:lstStyle/>
+          <a:p>
+            <a:r>
+              <a:rPr lang="sr-Latn-RS" sz="1400" dirty="0" smtClean="0">
+                <a:latin typeface="Arial" panose="020B0604020202020204" pitchFamily="34" charset="0"/>
+                <a:cs typeface="Arial" panose="020B0604020202020204" pitchFamily="34" charset="0"/>
+              </a:rPr>
+              <a:t>GetMovie Akcija</a:t>
+            </a:r>
+            <a:endParaRPr lang="en-US" sz="1400" dirty="0">
+              <a:latin typeface="Arial" panose="020B0604020202020204" pitchFamily="34" charset="0"/>
+              <a:cs typeface="Arial" panose="020B0604020202020204" pitchFamily="34" charset="0"/>
+            </a:endParaRPr>
+          </a:p>
+        </p:txBody>
+      </p:sp>
+      <p:pic>
+        <p:nvPicPr>
+          <p:cNvPr id="2" name="Picture 1"/>
+          <p:cNvPicPr>
+            <a:picLocks noChangeAspect="1"/>
+          </p:cNvPicPr>
+          <p:nvPr/>
+        </p:nvPicPr>
+        <p:blipFill>
+          <a:blip r:embed="rId2">
+            <a:extLst>
+              <a:ext uri="{28A0092B-C50C-407E-A947-70E740481C1C}">
+                <a14:useLocalDpi xmlns:a14="http://schemas.microsoft.com/office/drawing/2010/main" val="0"/>
+              </a:ext>
+            </a:extLst>
+          </a:blip>
+          <a:stretch>
+            <a:fillRect/>
+          </a:stretch>
+        </p:blipFill>
+        <p:spPr>
+          <a:xfrm>
+            <a:off x="1619672" y="1655391"/>
+            <a:ext cx="4696480" cy="2981741"/>
+          </a:xfrm>
+          <a:prstGeom prst="rect">
+            <a:avLst/>
+          </a:prstGeom>
+        </p:spPr>
+      </p:pic>
+    </p:spTree>
+    <p:extLst>
+      <p:ext uri="{BB962C8B-B14F-4D97-AF65-F5344CB8AC3E}">
+        <p14:creationId xmlns:p14="http://schemas.microsoft.com/office/powerpoint/2010/main" val="2179792471"/>
+      </p:ext>
+    </p:extLst>
+  </p:cSld>
+  <p:clrMapOvr>
+    <a:masterClrMapping/>
+  </p:clrMapOvr>
+  <p:timing>
+    <p:tnLst>
+      <p:par>
+        <p:cTn id="1" dur="indefinite" restart="never" nodeType="tmRoot">
+          <p:childTnLst>
+            <p:seq concurrent="1" nextAc="seek">
+              <p:cTn id="2" dur="indefinite" nodeType="mainSeq">
+                <p:childTnLst>
+                  <p:par>
+                    <p:cTn id="3" fill="hold">
+                      <p:stCondLst>
+                        <p:cond delay="indefinite"/>
+                      </p:stCondLst>
+                      <p:childTnLst>
+                        <p:par>
+                          <p:cTn id="4" fill="hold">
+                            <p:stCondLst>
+                              <p:cond delay="0"/>
+                            </p:stCondLst>
+                            <p:childTnLst>
+                              <p:par>
+                                <p:cTn id="5" presetID="2" presetClass="entr" presetSubtype="4" fill="hold" grpId="0" nodeType="clickEffect">
+                                  <p:stCondLst>
+                                    <p:cond delay="0"/>
+                                  </p:stCondLst>
+                                  <p:childTnLst>
+                                    <p:set>
+                                      <p:cBhvr>
+                                        <p:cTn id="6" dur="1" fill="hold">
+                                          <p:stCondLst>
+                                            <p:cond delay="0"/>
+                                          </p:stCondLst>
+                                        </p:cTn>
+                                        <p:tgtEl>
+                                          <p:spTgt spid="4"/>
+                                        </p:tgtEl>
+                                        <p:attrNameLst>
+                                          <p:attrName>style.visibility</p:attrName>
+                                        </p:attrNameLst>
+                                      </p:cBhvr>
+                                      <p:to>
+                                        <p:strVal val="visible"/>
+                                      </p:to>
+                                    </p:set>
+                                    <p:anim calcmode="lin" valueType="num">
+                                      <p:cBhvr additive="base">
+                                        <p:cTn id="7" dur="500" fill="hold"/>
+                                        <p:tgtEl>
+                                          <p:spTgt spid="4"/>
+                                        </p:tgtEl>
+                                        <p:attrNameLst>
+                                          <p:attrName>ppt_x</p:attrName>
+                                        </p:attrNameLst>
+                                      </p:cBhvr>
+                                      <p:tavLst>
+                                        <p:tav tm="0">
+                                          <p:val>
+                                            <p:strVal val="#ppt_x"/>
+                                          </p:val>
+                                        </p:tav>
+                                        <p:tav tm="100000">
+                                          <p:val>
+                                            <p:strVal val="#ppt_x"/>
+                                          </p:val>
+                                        </p:tav>
+                                      </p:tavLst>
+                                    </p:anim>
+                                    <p:anim calcmode="lin" valueType="num">
+                                      <p:cBhvr additive="base">
+                                        <p:cTn id="8" dur="500" fill="hold"/>
+                                        <p:tgtEl>
+                                          <p:spTgt spid="4"/>
+                                        </p:tgtEl>
+                                        <p:attrNameLst>
+                                          <p:attrName>ppt_y</p:attrName>
+                                        </p:attrNameLst>
+                                      </p:cBhvr>
+                                      <p:tavLst>
+                                        <p:tav tm="0">
+                                          <p:val>
+                                            <p:strVal val="1+#ppt_h/2"/>
+                                          </p:val>
+                                        </p:tav>
+                                        <p:tav tm="100000">
+                                          <p:val>
+                                            <p:strVal val="#ppt_y"/>
+                                          </p:val>
+                                        </p:tav>
+                                      </p:tavLst>
+                                    </p:anim>
+                                  </p:childTnLst>
+                                </p:cTn>
+                              </p:par>
+                            </p:childTnLst>
+                          </p:cTn>
+                        </p:par>
+                      </p:childTnLst>
+                    </p:cTn>
+                  </p:par>
+                </p:childTnLst>
+              </p:cTn>
+              <p:prevCondLst>
+                <p:cond evt="onPrev" delay="0">
+                  <p:tgtEl>
+                    <p:sldTgt/>
+                  </p:tgtEl>
+                </p:cond>
+              </p:prevCondLst>
+              <p:nextCondLst>
+                <p:cond evt="onNext" delay="0">
+                  <p:tgtEl>
+                    <p:sldTgt/>
+                  </p:tgtEl>
+                </p:cond>
+              </p:nextCondLst>
+            </p:seq>
+          </p:childTnLst>
+        </p:cTn>
+      </p:par>
+    </p:tnLst>
+    <p:bldLst>
+      <p:bldP spid="4" grpId="0"/>
+    </p:bldLst>
+  </p:timing>
+</p:sld>
+</file>
+
+<file path=ppt/slides/slide19.xml><?xml version="1.0" encoding="utf-8"?>
+<p:sld xmlns:a="http://schemas.openxmlformats.org/drawingml/2006/main" xmlns:r="http://schemas.openxmlformats.org/officeDocument/2006/relationships" xmlns:p="http://schemas.openxmlformats.org/presentationml/2006/main">
+  <p:cSld>
+    <p:spTree>
+      <p:nvGrpSpPr>
+        <p:cNvPr id="1" name=""/>
+        <p:cNvGrpSpPr/>
+        <p:nvPr/>
+      </p:nvGrpSpPr>
+      <p:grpSpPr>
+        <a:xfrm>
+          <a:off x="0" y="0"/>
+          <a:ext cx="0" cy="0"/>
+          <a:chOff x="0" y="0"/>
+          <a:chExt cx="0" cy="0"/>
+        </a:xfrm>
+      </p:grpSpPr>
+      <p:sp>
+        <p:nvSpPr>
+          <p:cNvPr id="3" name="Title 2"/>
+          <p:cNvSpPr>
+            <a:spLocks noGrp="1"/>
+          </p:cNvSpPr>
+          <p:nvPr>
+            <p:ph type="title"/>
+          </p:nvPr>
+        </p:nvSpPr>
+        <p:spPr>
+          <a:xfrm>
+            <a:off x="1619672" y="-1"/>
+            <a:ext cx="7524328" cy="1204179"/>
+          </a:xfrm>
+        </p:spPr>
+        <p:txBody>
+          <a:bodyPr/>
+          <a:lstStyle/>
+          <a:p>
+            <a:pPr algn="ctr"/>
+            <a:r>
+              <a:rPr lang="en-US" altLang="ko-KR" dirty="0" err="1" smtClean="0"/>
+              <a:t>Kreiranje</a:t>
+            </a:r>
+            <a:r>
+              <a:rPr lang="en-US" altLang="ko-KR" dirty="0" smtClean="0"/>
+              <a:t> </a:t>
+            </a:r>
+            <a:r>
+              <a:rPr lang="sr-Latn-RS" altLang="ko-KR" dirty="0" smtClean="0"/>
+              <a:t>Kontrolera i Akcija</a:t>
+            </a:r>
+            <a:endParaRPr lang="ko-KR" altLang="en-US" dirty="0"/>
+          </a:p>
+        </p:txBody>
+      </p:sp>
+      <p:sp>
+        <p:nvSpPr>
+          <p:cNvPr id="4" name="TextBox 3"/>
+          <p:cNvSpPr txBox="1"/>
+          <p:nvPr/>
+        </p:nvSpPr>
+        <p:spPr>
+          <a:xfrm>
+            <a:off x="1619672" y="1347614"/>
+            <a:ext cx="7200800" cy="307777"/>
+          </a:xfrm>
+          <a:prstGeom prst="rect">
+            <a:avLst/>
+          </a:prstGeom>
+          <a:noFill/>
+        </p:spPr>
+        <p:txBody>
+          <a:bodyPr wrap="square" rtlCol="0">
+            <a:spAutoFit/>
+          </a:bodyPr>
+          <a:lstStyle/>
+          <a:p>
+            <a:r>
+              <a:rPr lang="sr-Latn-RS" sz="1400" dirty="0" smtClean="0">
+                <a:latin typeface="Arial" panose="020B0604020202020204" pitchFamily="34" charset="0"/>
+                <a:cs typeface="Arial" panose="020B0604020202020204" pitchFamily="34" charset="0"/>
+              </a:rPr>
+              <a:t>POST Akcija</a:t>
+            </a:r>
+            <a:endParaRPr lang="en-US" sz="1400" dirty="0">
+              <a:latin typeface="Arial" panose="020B0604020202020204" pitchFamily="34" charset="0"/>
+              <a:cs typeface="Arial" panose="020B0604020202020204" pitchFamily="34" charset="0"/>
+            </a:endParaRPr>
+          </a:p>
+        </p:txBody>
+      </p:sp>
+      <p:pic>
+        <p:nvPicPr>
+          <p:cNvPr id="6" name="Picture 5"/>
+          <p:cNvPicPr>
+            <a:picLocks noChangeAspect="1"/>
+          </p:cNvPicPr>
+          <p:nvPr/>
+        </p:nvPicPr>
+        <p:blipFill>
+          <a:blip r:embed="rId2">
+            <a:extLst>
+              <a:ext uri="{28A0092B-C50C-407E-A947-70E740481C1C}">
+                <a14:useLocalDpi xmlns:a14="http://schemas.microsoft.com/office/drawing/2010/main" val="0"/>
+              </a:ext>
+            </a:extLst>
+          </a:blip>
+          <a:stretch>
+            <a:fillRect/>
+          </a:stretch>
+        </p:blipFill>
+        <p:spPr>
+          <a:xfrm>
+            <a:off x="1691680" y="1635647"/>
+            <a:ext cx="4991797" cy="3507854"/>
+          </a:xfrm>
+          <a:prstGeom prst="rect">
+            <a:avLst/>
+          </a:prstGeom>
+        </p:spPr>
+      </p:pic>
+    </p:spTree>
+    <p:extLst>
+      <p:ext uri="{BB962C8B-B14F-4D97-AF65-F5344CB8AC3E}">
+        <p14:creationId xmlns:p14="http://schemas.microsoft.com/office/powerpoint/2010/main" val="311427548"/>
+      </p:ext>
+    </p:extLst>
+  </p:cSld>
+  <p:clrMapOvr>
+    <a:masterClrMapping/>
+  </p:clrMapOvr>
+  <p:timing>
+    <p:tnLst>
+      <p:par>
+        <p:cTn id="1" dur="indefinite" restart="never" nodeType="tmRoot">
+          <p:childTnLst>
+            <p:seq concurrent="1" nextAc="seek">
+              <p:cTn id="2" dur="indefinite" nodeType="mainSeq">
+                <p:childTnLst>
+                  <p:par>
+                    <p:cTn id="3" fill="hold">
+                      <p:stCondLst>
+                        <p:cond delay="indefinite"/>
+                      </p:stCondLst>
+                      <p:childTnLst>
+                        <p:par>
+                          <p:cTn id="4" fill="hold">
+                            <p:stCondLst>
+                              <p:cond delay="0"/>
+                            </p:stCondLst>
+                            <p:childTnLst>
+                              <p:par>
+                                <p:cTn id="5" presetID="2" presetClass="entr" presetSubtype="4" fill="hold" grpId="0" nodeType="clickEffect">
+                                  <p:stCondLst>
+                                    <p:cond delay="0"/>
+                                  </p:stCondLst>
+                                  <p:childTnLst>
+                                    <p:set>
+                                      <p:cBhvr>
+                                        <p:cTn id="6" dur="1" fill="hold">
+                                          <p:stCondLst>
+                                            <p:cond delay="0"/>
+                                          </p:stCondLst>
+                                        </p:cTn>
+                                        <p:tgtEl>
+                                          <p:spTgt spid="4"/>
+                                        </p:tgtEl>
+                                        <p:attrNameLst>
+                                          <p:attrName>style.visibility</p:attrName>
+                                        </p:attrNameLst>
+                                      </p:cBhvr>
+                                      <p:to>
+                                        <p:strVal val="visible"/>
+                                      </p:to>
+                                    </p:set>
+                                    <p:anim calcmode="lin" valueType="num">
+                                      <p:cBhvr additive="base">
+                                        <p:cTn id="7" dur="500" fill="hold"/>
+                                        <p:tgtEl>
+                                          <p:spTgt spid="4"/>
+                                        </p:tgtEl>
+                                        <p:attrNameLst>
+                                          <p:attrName>ppt_x</p:attrName>
+                                        </p:attrNameLst>
+                                      </p:cBhvr>
+                                      <p:tavLst>
+                                        <p:tav tm="0">
+                                          <p:val>
+                                            <p:strVal val="#ppt_x"/>
+                                          </p:val>
+                                        </p:tav>
+                                        <p:tav tm="100000">
+                                          <p:val>
+                                            <p:strVal val="#ppt_x"/>
+                                          </p:val>
+                                        </p:tav>
+                                      </p:tavLst>
+                                    </p:anim>
+                                    <p:anim calcmode="lin" valueType="num">
+                                      <p:cBhvr additive="base">
+                                        <p:cTn id="8" dur="500" fill="hold"/>
+                                        <p:tgtEl>
+                                          <p:spTgt spid="4"/>
+                                        </p:tgtEl>
+                                        <p:attrNameLst>
+                                          <p:attrName>ppt_y</p:attrName>
+                                        </p:attrNameLst>
+                                      </p:cBhvr>
+                                      <p:tavLst>
+                                        <p:tav tm="0">
+                                          <p:val>
+                                            <p:strVal val="1+#ppt_h/2"/>
+                                          </p:val>
+                                        </p:tav>
+                                        <p:tav tm="100000">
+                                          <p:val>
+                                            <p:strVal val="#ppt_y"/>
+                                          </p:val>
+                                        </p:tav>
+                                      </p:tavLst>
+                                    </p:anim>
+                                  </p:childTnLst>
+                                </p:cTn>
+                              </p:par>
+                            </p:childTnLst>
+                          </p:cTn>
+                        </p:par>
+                      </p:childTnLst>
+                    </p:cTn>
+                  </p:par>
+                  <p:par>
+                    <p:cTn id="9" fill="hold">
+                      <p:stCondLst>
+                        <p:cond delay="indefinite"/>
+                      </p:stCondLst>
+                      <p:childTnLst>
+                        <p:par>
+                          <p:cTn id="10" fill="hold">
+                            <p:stCondLst>
+                              <p:cond delay="0"/>
+                            </p:stCondLst>
+                            <p:childTnLst>
+                              <p:par>
+                                <p:cTn id="11" presetID="2" presetClass="entr" presetSubtype="4" fill="hold" nodeType="clickEffect">
+                                  <p:stCondLst>
+                                    <p:cond delay="0"/>
+                                  </p:stCondLst>
+                                  <p:childTnLst>
+                                    <p:set>
+                                      <p:cBhvr>
+                                        <p:cTn id="12" dur="1" fill="hold">
+                                          <p:stCondLst>
+                                            <p:cond delay="0"/>
+                                          </p:stCondLst>
+                                        </p:cTn>
+                                        <p:tgtEl>
+                                          <p:spTgt spid="6"/>
+                                        </p:tgtEl>
+                                        <p:attrNameLst>
+                                          <p:attrName>style.visibility</p:attrName>
+                                        </p:attrNameLst>
+                                      </p:cBhvr>
+                                      <p:to>
+                                        <p:strVal val="visible"/>
+                                      </p:to>
+                                    </p:set>
+                                    <p:anim calcmode="lin" valueType="num">
+                                      <p:cBhvr additive="base">
+                                        <p:cTn id="13" dur="500" fill="hold"/>
+                                        <p:tgtEl>
+                                          <p:spTgt spid="6"/>
+                                        </p:tgtEl>
+                                        <p:attrNameLst>
+                                          <p:attrName>ppt_x</p:attrName>
+                                        </p:attrNameLst>
+                                      </p:cBhvr>
+                                      <p:tavLst>
+                                        <p:tav tm="0">
+                                          <p:val>
+                                            <p:strVal val="#ppt_x"/>
+                                          </p:val>
+                                        </p:tav>
+                                        <p:tav tm="100000">
+                                          <p:val>
+                                            <p:strVal val="#ppt_x"/>
+                                          </p:val>
+                                        </p:tav>
+                                      </p:tavLst>
+                                    </p:anim>
+                                    <p:anim calcmode="lin" valueType="num">
+                                      <p:cBhvr additive="base">
+                                        <p:cTn id="14" dur="500" fill="hold"/>
+                                        <p:tgtEl>
+                                          <p:spTgt spid="6"/>
+                                        </p:tgtEl>
+                                        <p:attrNameLst>
+                                          <p:attrName>ppt_y</p:attrName>
+                                        </p:attrNameLst>
+                                      </p:cBhvr>
+                                      <p:tavLst>
+                                        <p:tav tm="0">
+                                          <p:val>
+                                            <p:strVal val="1+#ppt_h/2"/>
+                                          </p:val>
+                                        </p:tav>
+                                        <p:tav tm="100000">
+                                          <p:val>
+                                            <p:strVal val="#ppt_y"/>
+                                          </p:val>
+                                        </p:tav>
+                                      </p:tavLst>
+                                    </p:anim>
+                                  </p:childTnLst>
+                                </p:cTn>
+                              </p:par>
+                            </p:childTnLst>
+                          </p:cTn>
+                        </p:par>
+                      </p:childTnLst>
+                    </p:cTn>
+                  </p:par>
+                </p:childTnLst>
+              </p:cTn>
+              <p:prevCondLst>
+                <p:cond evt="onPrev" delay="0">
+                  <p:tgtEl>
+                    <p:sldTgt/>
+                  </p:tgtEl>
+                </p:cond>
+              </p:prevCondLst>
+              <p:nextCondLst>
+                <p:cond evt="onNext" delay="0">
+                  <p:tgtEl>
+                    <p:sldTgt/>
+                  </p:tgtEl>
+                </p:cond>
+              </p:nextCondLst>
+            </p:seq>
+          </p:childTnLst>
+        </p:cTn>
+      </p:par>
+    </p:tnLst>
+    <p:bldLst>
+      <p:bldP spid="4" grpId="0"/>
     </p:bldLst>
   </p:timing>
 </p:sld>
@@ -7488,6 +9629,1526 @@
     </p:tnLst>
     <p:bldLst>
       <p:bldP spid="5" grpId="0" build="p"/>
+    </p:bldLst>
+  </p:timing>
+</p:sld>
+</file>
+
+<file path=ppt/slides/slide20.xml><?xml version="1.0" encoding="utf-8"?>
+<p:sld xmlns:a="http://schemas.openxmlformats.org/drawingml/2006/main" xmlns:r="http://schemas.openxmlformats.org/officeDocument/2006/relationships" xmlns:p="http://schemas.openxmlformats.org/presentationml/2006/main">
+  <p:cSld>
+    <p:spTree>
+      <p:nvGrpSpPr>
+        <p:cNvPr id="1" name=""/>
+        <p:cNvGrpSpPr/>
+        <p:nvPr/>
+      </p:nvGrpSpPr>
+      <p:grpSpPr>
+        <a:xfrm>
+          <a:off x="0" y="0"/>
+          <a:ext cx="0" cy="0"/>
+          <a:chOff x="0" y="0"/>
+          <a:chExt cx="0" cy="0"/>
+        </a:xfrm>
+      </p:grpSpPr>
+      <p:sp>
+        <p:nvSpPr>
+          <p:cNvPr id="3" name="Title 2"/>
+          <p:cNvSpPr>
+            <a:spLocks noGrp="1"/>
+          </p:cNvSpPr>
+          <p:nvPr>
+            <p:ph type="title"/>
+          </p:nvPr>
+        </p:nvSpPr>
+        <p:spPr>
+          <a:xfrm>
+            <a:off x="1619672" y="-1"/>
+            <a:ext cx="7524328" cy="1204179"/>
+          </a:xfrm>
+        </p:spPr>
+        <p:txBody>
+          <a:bodyPr/>
+          <a:lstStyle/>
+          <a:p>
+            <a:pPr algn="ctr"/>
+            <a:r>
+              <a:rPr lang="en-US" altLang="ko-KR" dirty="0" err="1" smtClean="0"/>
+              <a:t>Kreiranje</a:t>
+            </a:r>
+            <a:r>
+              <a:rPr lang="en-US" altLang="ko-KR" dirty="0" smtClean="0"/>
+              <a:t> </a:t>
+            </a:r>
+            <a:r>
+              <a:rPr lang="sr-Latn-RS" altLang="ko-KR" dirty="0" smtClean="0"/>
+              <a:t>Kontrolera i Akcija</a:t>
+            </a:r>
+            <a:endParaRPr lang="ko-KR" altLang="en-US" dirty="0"/>
+          </a:p>
+        </p:txBody>
+      </p:sp>
+      <p:sp>
+        <p:nvSpPr>
+          <p:cNvPr id="4" name="TextBox 3"/>
+          <p:cNvSpPr txBox="1"/>
+          <p:nvPr/>
+        </p:nvSpPr>
+        <p:spPr>
+          <a:xfrm>
+            <a:off x="1619672" y="1347614"/>
+            <a:ext cx="7200800" cy="307777"/>
+          </a:xfrm>
+          <a:prstGeom prst="rect">
+            <a:avLst/>
+          </a:prstGeom>
+          <a:noFill/>
+        </p:spPr>
+        <p:txBody>
+          <a:bodyPr wrap="square" rtlCol="0">
+            <a:spAutoFit/>
+          </a:bodyPr>
+          <a:lstStyle/>
+          <a:p>
+            <a:r>
+              <a:rPr lang="sr-Latn-RS" sz="1400" dirty="0" smtClean="0">
+                <a:latin typeface="Arial" panose="020B0604020202020204" pitchFamily="34" charset="0"/>
+                <a:cs typeface="Arial" panose="020B0604020202020204" pitchFamily="34" charset="0"/>
+              </a:rPr>
+              <a:t>Rezultat POST request-a</a:t>
+            </a:r>
+            <a:endParaRPr lang="en-US" sz="1400" dirty="0">
+              <a:latin typeface="Arial" panose="020B0604020202020204" pitchFamily="34" charset="0"/>
+              <a:cs typeface="Arial" panose="020B0604020202020204" pitchFamily="34" charset="0"/>
+            </a:endParaRPr>
+          </a:p>
+        </p:txBody>
+      </p:sp>
+      <p:pic>
+        <p:nvPicPr>
+          <p:cNvPr id="6" name="Picture 5"/>
+          <p:cNvPicPr>
+            <a:picLocks noChangeAspect="1"/>
+          </p:cNvPicPr>
+          <p:nvPr/>
+        </p:nvPicPr>
+        <p:blipFill>
+          <a:blip r:embed="rId2">
+            <a:extLst>
+              <a:ext uri="{28A0092B-C50C-407E-A947-70E740481C1C}">
+                <a14:useLocalDpi xmlns:a14="http://schemas.microsoft.com/office/drawing/2010/main" val="0"/>
+              </a:ext>
+            </a:extLst>
+          </a:blip>
+          <a:stretch>
+            <a:fillRect/>
+          </a:stretch>
+        </p:blipFill>
+        <p:spPr>
+          <a:xfrm>
+            <a:off x="1619672" y="1655391"/>
+            <a:ext cx="4229690" cy="3488109"/>
+          </a:xfrm>
+          <a:prstGeom prst="rect">
+            <a:avLst/>
+          </a:prstGeom>
+        </p:spPr>
+      </p:pic>
+    </p:spTree>
+    <p:extLst>
+      <p:ext uri="{BB962C8B-B14F-4D97-AF65-F5344CB8AC3E}">
+        <p14:creationId xmlns:p14="http://schemas.microsoft.com/office/powerpoint/2010/main" val="2861060702"/>
+      </p:ext>
+    </p:extLst>
+  </p:cSld>
+  <p:clrMapOvr>
+    <a:masterClrMapping/>
+  </p:clrMapOvr>
+  <p:timing>
+    <p:tnLst>
+      <p:par>
+        <p:cTn id="1" dur="indefinite" restart="never" nodeType="tmRoot">
+          <p:childTnLst>
+            <p:seq concurrent="1" nextAc="seek">
+              <p:cTn id="2" dur="indefinite" nodeType="mainSeq">
+                <p:childTnLst>
+                  <p:par>
+                    <p:cTn id="3" fill="hold">
+                      <p:stCondLst>
+                        <p:cond delay="indefinite"/>
+                      </p:stCondLst>
+                      <p:childTnLst>
+                        <p:par>
+                          <p:cTn id="4" fill="hold">
+                            <p:stCondLst>
+                              <p:cond delay="0"/>
+                            </p:stCondLst>
+                            <p:childTnLst>
+                              <p:par>
+                                <p:cTn id="5" presetID="2" presetClass="entr" presetSubtype="4" fill="hold" grpId="0" nodeType="clickEffect">
+                                  <p:stCondLst>
+                                    <p:cond delay="0"/>
+                                  </p:stCondLst>
+                                  <p:childTnLst>
+                                    <p:set>
+                                      <p:cBhvr>
+                                        <p:cTn id="6" dur="1" fill="hold">
+                                          <p:stCondLst>
+                                            <p:cond delay="0"/>
+                                          </p:stCondLst>
+                                        </p:cTn>
+                                        <p:tgtEl>
+                                          <p:spTgt spid="4"/>
+                                        </p:tgtEl>
+                                        <p:attrNameLst>
+                                          <p:attrName>style.visibility</p:attrName>
+                                        </p:attrNameLst>
+                                      </p:cBhvr>
+                                      <p:to>
+                                        <p:strVal val="visible"/>
+                                      </p:to>
+                                    </p:set>
+                                    <p:anim calcmode="lin" valueType="num">
+                                      <p:cBhvr additive="base">
+                                        <p:cTn id="7" dur="500" fill="hold"/>
+                                        <p:tgtEl>
+                                          <p:spTgt spid="4"/>
+                                        </p:tgtEl>
+                                        <p:attrNameLst>
+                                          <p:attrName>ppt_x</p:attrName>
+                                        </p:attrNameLst>
+                                      </p:cBhvr>
+                                      <p:tavLst>
+                                        <p:tav tm="0">
+                                          <p:val>
+                                            <p:strVal val="#ppt_x"/>
+                                          </p:val>
+                                        </p:tav>
+                                        <p:tav tm="100000">
+                                          <p:val>
+                                            <p:strVal val="#ppt_x"/>
+                                          </p:val>
+                                        </p:tav>
+                                      </p:tavLst>
+                                    </p:anim>
+                                    <p:anim calcmode="lin" valueType="num">
+                                      <p:cBhvr additive="base">
+                                        <p:cTn id="8" dur="500" fill="hold"/>
+                                        <p:tgtEl>
+                                          <p:spTgt spid="4"/>
+                                        </p:tgtEl>
+                                        <p:attrNameLst>
+                                          <p:attrName>ppt_y</p:attrName>
+                                        </p:attrNameLst>
+                                      </p:cBhvr>
+                                      <p:tavLst>
+                                        <p:tav tm="0">
+                                          <p:val>
+                                            <p:strVal val="1+#ppt_h/2"/>
+                                          </p:val>
+                                        </p:tav>
+                                        <p:tav tm="100000">
+                                          <p:val>
+                                            <p:strVal val="#ppt_y"/>
+                                          </p:val>
+                                        </p:tav>
+                                      </p:tavLst>
+                                    </p:anim>
+                                  </p:childTnLst>
+                                </p:cTn>
+                              </p:par>
+                            </p:childTnLst>
+                          </p:cTn>
+                        </p:par>
+                      </p:childTnLst>
+                    </p:cTn>
+                  </p:par>
+                  <p:par>
+                    <p:cTn id="9" fill="hold">
+                      <p:stCondLst>
+                        <p:cond delay="indefinite"/>
+                      </p:stCondLst>
+                      <p:childTnLst>
+                        <p:par>
+                          <p:cTn id="10" fill="hold">
+                            <p:stCondLst>
+                              <p:cond delay="0"/>
+                            </p:stCondLst>
+                            <p:childTnLst>
+                              <p:par>
+                                <p:cTn id="11" presetID="2" presetClass="entr" presetSubtype="4" fill="hold" nodeType="clickEffect">
+                                  <p:stCondLst>
+                                    <p:cond delay="0"/>
+                                  </p:stCondLst>
+                                  <p:childTnLst>
+                                    <p:set>
+                                      <p:cBhvr>
+                                        <p:cTn id="12" dur="1" fill="hold">
+                                          <p:stCondLst>
+                                            <p:cond delay="0"/>
+                                          </p:stCondLst>
+                                        </p:cTn>
+                                        <p:tgtEl>
+                                          <p:spTgt spid="6"/>
+                                        </p:tgtEl>
+                                        <p:attrNameLst>
+                                          <p:attrName>style.visibility</p:attrName>
+                                        </p:attrNameLst>
+                                      </p:cBhvr>
+                                      <p:to>
+                                        <p:strVal val="visible"/>
+                                      </p:to>
+                                    </p:set>
+                                    <p:anim calcmode="lin" valueType="num">
+                                      <p:cBhvr additive="base">
+                                        <p:cTn id="13" dur="500" fill="hold"/>
+                                        <p:tgtEl>
+                                          <p:spTgt spid="6"/>
+                                        </p:tgtEl>
+                                        <p:attrNameLst>
+                                          <p:attrName>ppt_x</p:attrName>
+                                        </p:attrNameLst>
+                                      </p:cBhvr>
+                                      <p:tavLst>
+                                        <p:tav tm="0">
+                                          <p:val>
+                                            <p:strVal val="#ppt_x"/>
+                                          </p:val>
+                                        </p:tav>
+                                        <p:tav tm="100000">
+                                          <p:val>
+                                            <p:strVal val="#ppt_x"/>
+                                          </p:val>
+                                        </p:tav>
+                                      </p:tavLst>
+                                    </p:anim>
+                                    <p:anim calcmode="lin" valueType="num">
+                                      <p:cBhvr additive="base">
+                                        <p:cTn id="14" dur="500" fill="hold"/>
+                                        <p:tgtEl>
+                                          <p:spTgt spid="6"/>
+                                        </p:tgtEl>
+                                        <p:attrNameLst>
+                                          <p:attrName>ppt_y</p:attrName>
+                                        </p:attrNameLst>
+                                      </p:cBhvr>
+                                      <p:tavLst>
+                                        <p:tav tm="0">
+                                          <p:val>
+                                            <p:strVal val="1+#ppt_h/2"/>
+                                          </p:val>
+                                        </p:tav>
+                                        <p:tav tm="100000">
+                                          <p:val>
+                                            <p:strVal val="#ppt_y"/>
+                                          </p:val>
+                                        </p:tav>
+                                      </p:tavLst>
+                                    </p:anim>
+                                  </p:childTnLst>
+                                </p:cTn>
+                              </p:par>
+                            </p:childTnLst>
+                          </p:cTn>
+                        </p:par>
+                      </p:childTnLst>
+                    </p:cTn>
+                  </p:par>
+                </p:childTnLst>
+              </p:cTn>
+              <p:prevCondLst>
+                <p:cond evt="onPrev" delay="0">
+                  <p:tgtEl>
+                    <p:sldTgt/>
+                  </p:tgtEl>
+                </p:cond>
+              </p:prevCondLst>
+              <p:nextCondLst>
+                <p:cond evt="onNext" delay="0">
+                  <p:tgtEl>
+                    <p:sldTgt/>
+                  </p:tgtEl>
+                </p:cond>
+              </p:nextCondLst>
+            </p:seq>
+          </p:childTnLst>
+        </p:cTn>
+      </p:par>
+    </p:tnLst>
+    <p:bldLst>
+      <p:bldP spid="4" grpId="0"/>
+    </p:bldLst>
+  </p:timing>
+</p:sld>
+</file>
+
+<file path=ppt/slides/slide21.xml><?xml version="1.0" encoding="utf-8"?>
+<p:sld xmlns:a="http://schemas.openxmlformats.org/drawingml/2006/main" xmlns:r="http://schemas.openxmlformats.org/officeDocument/2006/relationships" xmlns:p="http://schemas.openxmlformats.org/presentationml/2006/main">
+  <p:cSld>
+    <p:spTree>
+      <p:nvGrpSpPr>
+        <p:cNvPr id="1" name=""/>
+        <p:cNvGrpSpPr/>
+        <p:nvPr/>
+      </p:nvGrpSpPr>
+      <p:grpSpPr>
+        <a:xfrm>
+          <a:off x="0" y="0"/>
+          <a:ext cx="0" cy="0"/>
+          <a:chOff x="0" y="0"/>
+          <a:chExt cx="0" cy="0"/>
+        </a:xfrm>
+      </p:grpSpPr>
+      <p:sp>
+        <p:nvSpPr>
+          <p:cNvPr id="3" name="Title 2"/>
+          <p:cNvSpPr>
+            <a:spLocks noGrp="1"/>
+          </p:cNvSpPr>
+          <p:nvPr>
+            <p:ph type="title"/>
+          </p:nvPr>
+        </p:nvSpPr>
+        <p:spPr>
+          <a:xfrm>
+            <a:off x="1619672" y="-1"/>
+            <a:ext cx="7524328" cy="1204179"/>
+          </a:xfrm>
+        </p:spPr>
+        <p:txBody>
+          <a:bodyPr/>
+          <a:lstStyle/>
+          <a:p>
+            <a:pPr algn="ctr"/>
+            <a:r>
+              <a:rPr lang="en-US" altLang="ko-KR" dirty="0" err="1" smtClean="0"/>
+              <a:t>Kreiranje</a:t>
+            </a:r>
+            <a:r>
+              <a:rPr lang="en-US" altLang="ko-KR" dirty="0" smtClean="0"/>
+              <a:t> </a:t>
+            </a:r>
+            <a:r>
+              <a:rPr lang="sr-Latn-RS" altLang="ko-KR" dirty="0" smtClean="0"/>
+              <a:t>Kontrolera i Akcija</a:t>
+            </a:r>
+            <a:endParaRPr lang="ko-KR" altLang="en-US" dirty="0"/>
+          </a:p>
+        </p:txBody>
+      </p:sp>
+      <p:sp>
+        <p:nvSpPr>
+          <p:cNvPr id="4" name="TextBox 3"/>
+          <p:cNvSpPr txBox="1"/>
+          <p:nvPr/>
+        </p:nvSpPr>
+        <p:spPr>
+          <a:xfrm>
+            <a:off x="1619672" y="1347614"/>
+            <a:ext cx="7200800" cy="307777"/>
+          </a:xfrm>
+          <a:prstGeom prst="rect">
+            <a:avLst/>
+          </a:prstGeom>
+          <a:noFill/>
+        </p:spPr>
+        <p:txBody>
+          <a:bodyPr wrap="square" rtlCol="0">
+            <a:spAutoFit/>
+          </a:bodyPr>
+          <a:lstStyle/>
+          <a:p>
+            <a:r>
+              <a:rPr lang="sr-Latn-RS" sz="1400" dirty="0" smtClean="0">
+                <a:latin typeface="Arial" panose="020B0604020202020204" pitchFamily="34" charset="0"/>
+                <a:cs typeface="Arial" panose="020B0604020202020204" pitchFamily="34" charset="0"/>
+              </a:rPr>
+              <a:t>Map extension method</a:t>
+            </a:r>
+            <a:endParaRPr lang="en-US" sz="1400" dirty="0">
+              <a:latin typeface="Arial" panose="020B0604020202020204" pitchFamily="34" charset="0"/>
+              <a:cs typeface="Arial" panose="020B0604020202020204" pitchFamily="34" charset="0"/>
+            </a:endParaRPr>
+          </a:p>
+        </p:txBody>
+      </p:sp>
+      <p:pic>
+        <p:nvPicPr>
+          <p:cNvPr id="5" name="Picture 4"/>
+          <p:cNvPicPr>
+            <a:picLocks noChangeAspect="1"/>
+          </p:cNvPicPr>
+          <p:nvPr/>
+        </p:nvPicPr>
+        <p:blipFill>
+          <a:blip r:embed="rId2">
+            <a:extLst>
+              <a:ext uri="{28A0092B-C50C-407E-A947-70E740481C1C}">
+                <a14:useLocalDpi xmlns:a14="http://schemas.microsoft.com/office/drawing/2010/main" val="0"/>
+              </a:ext>
+            </a:extLst>
+          </a:blip>
+          <a:stretch>
+            <a:fillRect/>
+          </a:stretch>
+        </p:blipFill>
+        <p:spPr>
+          <a:xfrm>
+            <a:off x="1619672" y="1718865"/>
+            <a:ext cx="4334480" cy="1428949"/>
+          </a:xfrm>
+          <a:prstGeom prst="rect">
+            <a:avLst/>
+          </a:prstGeom>
+        </p:spPr>
+      </p:pic>
+      <p:sp>
+        <p:nvSpPr>
+          <p:cNvPr id="7" name="TextBox 6"/>
+          <p:cNvSpPr txBox="1"/>
+          <p:nvPr/>
+        </p:nvSpPr>
+        <p:spPr>
+          <a:xfrm>
+            <a:off x="1619672" y="3157312"/>
+            <a:ext cx="7200800" cy="307777"/>
+          </a:xfrm>
+          <a:prstGeom prst="rect">
+            <a:avLst/>
+          </a:prstGeom>
+          <a:noFill/>
+        </p:spPr>
+        <p:txBody>
+          <a:bodyPr wrap="square" rtlCol="0">
+            <a:spAutoFit/>
+          </a:bodyPr>
+          <a:lstStyle/>
+          <a:p>
+            <a:r>
+              <a:rPr lang="sr-Latn-RS" sz="1400" dirty="0" smtClean="0">
+                <a:latin typeface="Arial" panose="020B0604020202020204" pitchFamily="34" charset="0"/>
+                <a:cs typeface="Arial" panose="020B0604020202020204" pitchFamily="34" charset="0"/>
+              </a:rPr>
+              <a:t>Korišćenje u MoveRepository fajlu pomoću sintakse: dbMovie.Map(movie);</a:t>
+            </a:r>
+            <a:endParaRPr lang="en-US" sz="1400" dirty="0">
+              <a:latin typeface="Arial" panose="020B0604020202020204" pitchFamily="34" charset="0"/>
+              <a:cs typeface="Arial" panose="020B0604020202020204" pitchFamily="34" charset="0"/>
+            </a:endParaRPr>
+          </a:p>
+        </p:txBody>
+      </p:sp>
+    </p:spTree>
+    <p:extLst>
+      <p:ext uri="{BB962C8B-B14F-4D97-AF65-F5344CB8AC3E}">
+        <p14:creationId xmlns:p14="http://schemas.microsoft.com/office/powerpoint/2010/main" val="2761030976"/>
+      </p:ext>
+    </p:extLst>
+  </p:cSld>
+  <p:clrMapOvr>
+    <a:masterClrMapping/>
+  </p:clrMapOvr>
+  <p:timing>
+    <p:tnLst>
+      <p:par>
+        <p:cTn id="1" dur="indefinite" restart="never" nodeType="tmRoot">
+          <p:childTnLst>
+            <p:seq concurrent="1" nextAc="seek">
+              <p:cTn id="2" dur="indefinite" nodeType="mainSeq">
+                <p:childTnLst>
+                  <p:par>
+                    <p:cTn id="3" fill="hold">
+                      <p:stCondLst>
+                        <p:cond delay="indefinite"/>
+                      </p:stCondLst>
+                      <p:childTnLst>
+                        <p:par>
+                          <p:cTn id="4" fill="hold">
+                            <p:stCondLst>
+                              <p:cond delay="0"/>
+                            </p:stCondLst>
+                            <p:childTnLst>
+                              <p:par>
+                                <p:cTn id="5" presetID="2" presetClass="entr" presetSubtype="4" fill="hold" grpId="0" nodeType="clickEffect">
+                                  <p:stCondLst>
+                                    <p:cond delay="0"/>
+                                  </p:stCondLst>
+                                  <p:childTnLst>
+                                    <p:set>
+                                      <p:cBhvr>
+                                        <p:cTn id="6" dur="1" fill="hold">
+                                          <p:stCondLst>
+                                            <p:cond delay="0"/>
+                                          </p:stCondLst>
+                                        </p:cTn>
+                                        <p:tgtEl>
+                                          <p:spTgt spid="4"/>
+                                        </p:tgtEl>
+                                        <p:attrNameLst>
+                                          <p:attrName>style.visibility</p:attrName>
+                                        </p:attrNameLst>
+                                      </p:cBhvr>
+                                      <p:to>
+                                        <p:strVal val="visible"/>
+                                      </p:to>
+                                    </p:set>
+                                    <p:anim calcmode="lin" valueType="num">
+                                      <p:cBhvr additive="base">
+                                        <p:cTn id="7" dur="500" fill="hold"/>
+                                        <p:tgtEl>
+                                          <p:spTgt spid="4"/>
+                                        </p:tgtEl>
+                                        <p:attrNameLst>
+                                          <p:attrName>ppt_x</p:attrName>
+                                        </p:attrNameLst>
+                                      </p:cBhvr>
+                                      <p:tavLst>
+                                        <p:tav tm="0">
+                                          <p:val>
+                                            <p:strVal val="#ppt_x"/>
+                                          </p:val>
+                                        </p:tav>
+                                        <p:tav tm="100000">
+                                          <p:val>
+                                            <p:strVal val="#ppt_x"/>
+                                          </p:val>
+                                        </p:tav>
+                                      </p:tavLst>
+                                    </p:anim>
+                                    <p:anim calcmode="lin" valueType="num">
+                                      <p:cBhvr additive="base">
+                                        <p:cTn id="8" dur="500" fill="hold"/>
+                                        <p:tgtEl>
+                                          <p:spTgt spid="4"/>
+                                        </p:tgtEl>
+                                        <p:attrNameLst>
+                                          <p:attrName>ppt_y</p:attrName>
+                                        </p:attrNameLst>
+                                      </p:cBhvr>
+                                      <p:tavLst>
+                                        <p:tav tm="0">
+                                          <p:val>
+                                            <p:strVal val="1+#ppt_h/2"/>
+                                          </p:val>
+                                        </p:tav>
+                                        <p:tav tm="100000">
+                                          <p:val>
+                                            <p:strVal val="#ppt_y"/>
+                                          </p:val>
+                                        </p:tav>
+                                      </p:tavLst>
+                                    </p:anim>
+                                  </p:childTnLst>
+                                </p:cTn>
+                              </p:par>
+                            </p:childTnLst>
+                          </p:cTn>
+                        </p:par>
+                      </p:childTnLst>
+                    </p:cTn>
+                  </p:par>
+                  <p:par>
+                    <p:cTn id="9" fill="hold">
+                      <p:stCondLst>
+                        <p:cond delay="indefinite"/>
+                      </p:stCondLst>
+                      <p:childTnLst>
+                        <p:par>
+                          <p:cTn id="10" fill="hold">
+                            <p:stCondLst>
+                              <p:cond delay="0"/>
+                            </p:stCondLst>
+                            <p:childTnLst>
+                              <p:par>
+                                <p:cTn id="11" presetID="2" presetClass="entr" presetSubtype="4" fill="hold" nodeType="clickEffect">
+                                  <p:stCondLst>
+                                    <p:cond delay="0"/>
+                                  </p:stCondLst>
+                                  <p:childTnLst>
+                                    <p:set>
+                                      <p:cBhvr>
+                                        <p:cTn id="12" dur="1" fill="hold">
+                                          <p:stCondLst>
+                                            <p:cond delay="0"/>
+                                          </p:stCondLst>
+                                        </p:cTn>
+                                        <p:tgtEl>
+                                          <p:spTgt spid="5"/>
+                                        </p:tgtEl>
+                                        <p:attrNameLst>
+                                          <p:attrName>style.visibility</p:attrName>
+                                        </p:attrNameLst>
+                                      </p:cBhvr>
+                                      <p:to>
+                                        <p:strVal val="visible"/>
+                                      </p:to>
+                                    </p:set>
+                                    <p:anim calcmode="lin" valueType="num">
+                                      <p:cBhvr additive="base">
+                                        <p:cTn id="13" dur="500" fill="hold"/>
+                                        <p:tgtEl>
+                                          <p:spTgt spid="5"/>
+                                        </p:tgtEl>
+                                        <p:attrNameLst>
+                                          <p:attrName>ppt_x</p:attrName>
+                                        </p:attrNameLst>
+                                      </p:cBhvr>
+                                      <p:tavLst>
+                                        <p:tav tm="0">
+                                          <p:val>
+                                            <p:strVal val="#ppt_x"/>
+                                          </p:val>
+                                        </p:tav>
+                                        <p:tav tm="100000">
+                                          <p:val>
+                                            <p:strVal val="#ppt_x"/>
+                                          </p:val>
+                                        </p:tav>
+                                      </p:tavLst>
+                                    </p:anim>
+                                    <p:anim calcmode="lin" valueType="num">
+                                      <p:cBhvr additive="base">
+                                        <p:cTn id="14" dur="500" fill="hold"/>
+                                        <p:tgtEl>
+                                          <p:spTgt spid="5"/>
+                                        </p:tgtEl>
+                                        <p:attrNameLst>
+                                          <p:attrName>ppt_y</p:attrName>
+                                        </p:attrNameLst>
+                                      </p:cBhvr>
+                                      <p:tavLst>
+                                        <p:tav tm="0">
+                                          <p:val>
+                                            <p:strVal val="1+#ppt_h/2"/>
+                                          </p:val>
+                                        </p:tav>
+                                        <p:tav tm="100000">
+                                          <p:val>
+                                            <p:strVal val="#ppt_y"/>
+                                          </p:val>
+                                        </p:tav>
+                                      </p:tavLst>
+                                    </p:anim>
+                                  </p:childTnLst>
+                                </p:cTn>
+                              </p:par>
+                            </p:childTnLst>
+                          </p:cTn>
+                        </p:par>
+                      </p:childTnLst>
+                    </p:cTn>
+                  </p:par>
+                  <p:par>
+                    <p:cTn id="15" fill="hold">
+                      <p:stCondLst>
+                        <p:cond delay="indefinite"/>
+                      </p:stCondLst>
+                      <p:childTnLst>
+                        <p:par>
+                          <p:cTn id="16" fill="hold">
+                            <p:stCondLst>
+                              <p:cond delay="0"/>
+                            </p:stCondLst>
+                            <p:childTnLst>
+                              <p:par>
+                                <p:cTn id="17" presetID="2" presetClass="entr" presetSubtype="4" fill="hold" grpId="0" nodeType="clickEffect">
+                                  <p:stCondLst>
+                                    <p:cond delay="0"/>
+                                  </p:stCondLst>
+                                  <p:childTnLst>
+                                    <p:set>
+                                      <p:cBhvr>
+                                        <p:cTn id="18" dur="1" fill="hold">
+                                          <p:stCondLst>
+                                            <p:cond delay="0"/>
+                                          </p:stCondLst>
+                                        </p:cTn>
+                                        <p:tgtEl>
+                                          <p:spTgt spid="7"/>
+                                        </p:tgtEl>
+                                        <p:attrNameLst>
+                                          <p:attrName>style.visibility</p:attrName>
+                                        </p:attrNameLst>
+                                      </p:cBhvr>
+                                      <p:to>
+                                        <p:strVal val="visible"/>
+                                      </p:to>
+                                    </p:set>
+                                    <p:anim calcmode="lin" valueType="num">
+                                      <p:cBhvr additive="base">
+                                        <p:cTn id="19" dur="500" fill="hold"/>
+                                        <p:tgtEl>
+                                          <p:spTgt spid="7"/>
+                                        </p:tgtEl>
+                                        <p:attrNameLst>
+                                          <p:attrName>ppt_x</p:attrName>
+                                        </p:attrNameLst>
+                                      </p:cBhvr>
+                                      <p:tavLst>
+                                        <p:tav tm="0">
+                                          <p:val>
+                                            <p:strVal val="#ppt_x"/>
+                                          </p:val>
+                                        </p:tav>
+                                        <p:tav tm="100000">
+                                          <p:val>
+                                            <p:strVal val="#ppt_x"/>
+                                          </p:val>
+                                        </p:tav>
+                                      </p:tavLst>
+                                    </p:anim>
+                                    <p:anim calcmode="lin" valueType="num">
+                                      <p:cBhvr additive="base">
+                                        <p:cTn id="20" dur="500" fill="hold"/>
+                                        <p:tgtEl>
+                                          <p:spTgt spid="7"/>
+                                        </p:tgtEl>
+                                        <p:attrNameLst>
+                                          <p:attrName>ppt_y</p:attrName>
+                                        </p:attrNameLst>
+                                      </p:cBhvr>
+                                      <p:tavLst>
+                                        <p:tav tm="0">
+                                          <p:val>
+                                            <p:strVal val="1+#ppt_h/2"/>
+                                          </p:val>
+                                        </p:tav>
+                                        <p:tav tm="100000">
+                                          <p:val>
+                                            <p:strVal val="#ppt_y"/>
+                                          </p:val>
+                                        </p:tav>
+                                      </p:tavLst>
+                                    </p:anim>
+                                  </p:childTnLst>
+                                </p:cTn>
+                              </p:par>
+                            </p:childTnLst>
+                          </p:cTn>
+                        </p:par>
+                      </p:childTnLst>
+                    </p:cTn>
+                  </p:par>
+                </p:childTnLst>
+              </p:cTn>
+              <p:prevCondLst>
+                <p:cond evt="onPrev" delay="0">
+                  <p:tgtEl>
+                    <p:sldTgt/>
+                  </p:tgtEl>
+                </p:cond>
+              </p:prevCondLst>
+              <p:nextCondLst>
+                <p:cond evt="onNext" delay="0">
+                  <p:tgtEl>
+                    <p:sldTgt/>
+                  </p:tgtEl>
+                </p:cond>
+              </p:nextCondLst>
+            </p:seq>
+          </p:childTnLst>
+        </p:cTn>
+      </p:par>
+    </p:tnLst>
+    <p:bldLst>
+      <p:bldP spid="4" grpId="0"/>
+      <p:bldP spid="7" grpId="0"/>
+    </p:bldLst>
+  </p:timing>
+</p:sld>
+</file>
+
+<file path=ppt/slides/slide22.xml><?xml version="1.0" encoding="utf-8"?>
+<p:sld xmlns:a="http://schemas.openxmlformats.org/drawingml/2006/main" xmlns:r="http://schemas.openxmlformats.org/officeDocument/2006/relationships" xmlns:p="http://schemas.openxmlformats.org/presentationml/2006/main">
+  <p:cSld>
+    <p:spTree>
+      <p:nvGrpSpPr>
+        <p:cNvPr id="1" name=""/>
+        <p:cNvGrpSpPr/>
+        <p:nvPr/>
+      </p:nvGrpSpPr>
+      <p:grpSpPr>
+        <a:xfrm>
+          <a:off x="0" y="0"/>
+          <a:ext cx="0" cy="0"/>
+          <a:chOff x="0" y="0"/>
+          <a:chExt cx="0" cy="0"/>
+        </a:xfrm>
+      </p:grpSpPr>
+      <p:sp>
+        <p:nvSpPr>
+          <p:cNvPr id="3" name="Title 2"/>
+          <p:cNvSpPr>
+            <a:spLocks noGrp="1"/>
+          </p:cNvSpPr>
+          <p:nvPr>
+            <p:ph type="title"/>
+          </p:nvPr>
+        </p:nvSpPr>
+        <p:spPr>
+          <a:xfrm>
+            <a:off x="1619672" y="-1"/>
+            <a:ext cx="7524328" cy="1204179"/>
+          </a:xfrm>
+        </p:spPr>
+        <p:txBody>
+          <a:bodyPr/>
+          <a:lstStyle/>
+          <a:p>
+            <a:pPr algn="ctr"/>
+            <a:r>
+              <a:rPr lang="en-US" altLang="ko-KR" dirty="0" err="1" smtClean="0"/>
+              <a:t>Kreiranje</a:t>
+            </a:r>
+            <a:r>
+              <a:rPr lang="en-US" altLang="ko-KR" dirty="0" smtClean="0"/>
+              <a:t> </a:t>
+            </a:r>
+            <a:r>
+              <a:rPr lang="sr-Latn-RS" altLang="ko-KR" dirty="0" smtClean="0"/>
+              <a:t>Kontrolera i Akcija</a:t>
+            </a:r>
+            <a:endParaRPr lang="ko-KR" altLang="en-US" dirty="0"/>
+          </a:p>
+        </p:txBody>
+      </p:sp>
+      <p:sp>
+        <p:nvSpPr>
+          <p:cNvPr id="4" name="TextBox 3"/>
+          <p:cNvSpPr txBox="1"/>
+          <p:nvPr/>
+        </p:nvSpPr>
+        <p:spPr>
+          <a:xfrm>
+            <a:off x="1619672" y="1307633"/>
+            <a:ext cx="7200800" cy="307777"/>
+          </a:xfrm>
+          <a:prstGeom prst="rect">
+            <a:avLst/>
+          </a:prstGeom>
+          <a:noFill/>
+        </p:spPr>
+        <p:txBody>
+          <a:bodyPr wrap="square" rtlCol="0">
+            <a:spAutoFit/>
+          </a:bodyPr>
+          <a:lstStyle/>
+          <a:p>
+            <a:r>
+              <a:rPr lang="sr-Latn-RS" sz="1400" dirty="0" smtClean="0">
+                <a:latin typeface="Arial" panose="020B0604020202020204" pitchFamily="34" charset="0"/>
+                <a:cs typeface="Arial" panose="020B0604020202020204" pitchFamily="34" charset="0"/>
+              </a:rPr>
+              <a:t>PUT Akcija</a:t>
+            </a:r>
+            <a:endParaRPr lang="en-US" sz="1400" dirty="0">
+              <a:latin typeface="Arial" panose="020B0604020202020204" pitchFamily="34" charset="0"/>
+              <a:cs typeface="Arial" panose="020B0604020202020204" pitchFamily="34" charset="0"/>
+            </a:endParaRPr>
+          </a:p>
+        </p:txBody>
+      </p:sp>
+      <p:pic>
+        <p:nvPicPr>
+          <p:cNvPr id="6" name="Picture 5"/>
+          <p:cNvPicPr>
+            <a:picLocks noChangeAspect="1"/>
+          </p:cNvPicPr>
+          <p:nvPr/>
+        </p:nvPicPr>
+        <p:blipFill>
+          <a:blip r:embed="rId2">
+            <a:extLst>
+              <a:ext uri="{28A0092B-C50C-407E-A947-70E740481C1C}">
+                <a14:useLocalDpi xmlns:a14="http://schemas.microsoft.com/office/drawing/2010/main" val="0"/>
+              </a:ext>
+            </a:extLst>
+          </a:blip>
+          <a:stretch>
+            <a:fillRect/>
+          </a:stretch>
+        </p:blipFill>
+        <p:spPr>
+          <a:xfrm>
+            <a:off x="1619672" y="1590813"/>
+            <a:ext cx="4324954" cy="3552687"/>
+          </a:xfrm>
+          <a:prstGeom prst="rect">
+            <a:avLst/>
+          </a:prstGeom>
+        </p:spPr>
+      </p:pic>
+    </p:spTree>
+    <p:extLst>
+      <p:ext uri="{BB962C8B-B14F-4D97-AF65-F5344CB8AC3E}">
+        <p14:creationId xmlns:p14="http://schemas.microsoft.com/office/powerpoint/2010/main" val="764220841"/>
+      </p:ext>
+    </p:extLst>
+  </p:cSld>
+  <p:clrMapOvr>
+    <a:masterClrMapping/>
+  </p:clrMapOvr>
+  <p:timing>
+    <p:tnLst>
+      <p:par>
+        <p:cTn id="1" dur="indefinite" restart="never" nodeType="tmRoot">
+          <p:childTnLst>
+            <p:seq concurrent="1" nextAc="seek">
+              <p:cTn id="2" dur="indefinite" nodeType="mainSeq">
+                <p:childTnLst>
+                  <p:par>
+                    <p:cTn id="3" fill="hold">
+                      <p:stCondLst>
+                        <p:cond delay="indefinite"/>
+                      </p:stCondLst>
+                      <p:childTnLst>
+                        <p:par>
+                          <p:cTn id="4" fill="hold">
+                            <p:stCondLst>
+                              <p:cond delay="0"/>
+                            </p:stCondLst>
+                            <p:childTnLst>
+                              <p:par>
+                                <p:cTn id="5" presetID="2" presetClass="entr" presetSubtype="4" fill="hold" grpId="0" nodeType="clickEffect">
+                                  <p:stCondLst>
+                                    <p:cond delay="0"/>
+                                  </p:stCondLst>
+                                  <p:childTnLst>
+                                    <p:set>
+                                      <p:cBhvr>
+                                        <p:cTn id="6" dur="1" fill="hold">
+                                          <p:stCondLst>
+                                            <p:cond delay="0"/>
+                                          </p:stCondLst>
+                                        </p:cTn>
+                                        <p:tgtEl>
+                                          <p:spTgt spid="4"/>
+                                        </p:tgtEl>
+                                        <p:attrNameLst>
+                                          <p:attrName>style.visibility</p:attrName>
+                                        </p:attrNameLst>
+                                      </p:cBhvr>
+                                      <p:to>
+                                        <p:strVal val="visible"/>
+                                      </p:to>
+                                    </p:set>
+                                    <p:anim calcmode="lin" valueType="num">
+                                      <p:cBhvr additive="base">
+                                        <p:cTn id="7" dur="500" fill="hold"/>
+                                        <p:tgtEl>
+                                          <p:spTgt spid="4"/>
+                                        </p:tgtEl>
+                                        <p:attrNameLst>
+                                          <p:attrName>ppt_x</p:attrName>
+                                        </p:attrNameLst>
+                                      </p:cBhvr>
+                                      <p:tavLst>
+                                        <p:tav tm="0">
+                                          <p:val>
+                                            <p:strVal val="#ppt_x"/>
+                                          </p:val>
+                                        </p:tav>
+                                        <p:tav tm="100000">
+                                          <p:val>
+                                            <p:strVal val="#ppt_x"/>
+                                          </p:val>
+                                        </p:tav>
+                                      </p:tavLst>
+                                    </p:anim>
+                                    <p:anim calcmode="lin" valueType="num">
+                                      <p:cBhvr additive="base">
+                                        <p:cTn id="8" dur="500" fill="hold"/>
+                                        <p:tgtEl>
+                                          <p:spTgt spid="4"/>
+                                        </p:tgtEl>
+                                        <p:attrNameLst>
+                                          <p:attrName>ppt_y</p:attrName>
+                                        </p:attrNameLst>
+                                      </p:cBhvr>
+                                      <p:tavLst>
+                                        <p:tav tm="0">
+                                          <p:val>
+                                            <p:strVal val="1+#ppt_h/2"/>
+                                          </p:val>
+                                        </p:tav>
+                                        <p:tav tm="100000">
+                                          <p:val>
+                                            <p:strVal val="#ppt_y"/>
+                                          </p:val>
+                                        </p:tav>
+                                      </p:tavLst>
+                                    </p:anim>
+                                  </p:childTnLst>
+                                </p:cTn>
+                              </p:par>
+                            </p:childTnLst>
+                          </p:cTn>
+                        </p:par>
+                      </p:childTnLst>
+                    </p:cTn>
+                  </p:par>
+                  <p:par>
+                    <p:cTn id="9" fill="hold">
+                      <p:stCondLst>
+                        <p:cond delay="indefinite"/>
+                      </p:stCondLst>
+                      <p:childTnLst>
+                        <p:par>
+                          <p:cTn id="10" fill="hold">
+                            <p:stCondLst>
+                              <p:cond delay="0"/>
+                            </p:stCondLst>
+                            <p:childTnLst>
+                              <p:par>
+                                <p:cTn id="11" presetID="2" presetClass="entr" presetSubtype="4" fill="hold" nodeType="clickEffect">
+                                  <p:stCondLst>
+                                    <p:cond delay="0"/>
+                                  </p:stCondLst>
+                                  <p:childTnLst>
+                                    <p:set>
+                                      <p:cBhvr>
+                                        <p:cTn id="12" dur="1" fill="hold">
+                                          <p:stCondLst>
+                                            <p:cond delay="0"/>
+                                          </p:stCondLst>
+                                        </p:cTn>
+                                        <p:tgtEl>
+                                          <p:spTgt spid="6"/>
+                                        </p:tgtEl>
+                                        <p:attrNameLst>
+                                          <p:attrName>style.visibility</p:attrName>
+                                        </p:attrNameLst>
+                                      </p:cBhvr>
+                                      <p:to>
+                                        <p:strVal val="visible"/>
+                                      </p:to>
+                                    </p:set>
+                                    <p:anim calcmode="lin" valueType="num">
+                                      <p:cBhvr additive="base">
+                                        <p:cTn id="13" dur="500" fill="hold"/>
+                                        <p:tgtEl>
+                                          <p:spTgt spid="6"/>
+                                        </p:tgtEl>
+                                        <p:attrNameLst>
+                                          <p:attrName>ppt_x</p:attrName>
+                                        </p:attrNameLst>
+                                      </p:cBhvr>
+                                      <p:tavLst>
+                                        <p:tav tm="0">
+                                          <p:val>
+                                            <p:strVal val="#ppt_x"/>
+                                          </p:val>
+                                        </p:tav>
+                                        <p:tav tm="100000">
+                                          <p:val>
+                                            <p:strVal val="#ppt_x"/>
+                                          </p:val>
+                                        </p:tav>
+                                      </p:tavLst>
+                                    </p:anim>
+                                    <p:anim calcmode="lin" valueType="num">
+                                      <p:cBhvr additive="base">
+                                        <p:cTn id="14" dur="500" fill="hold"/>
+                                        <p:tgtEl>
+                                          <p:spTgt spid="6"/>
+                                        </p:tgtEl>
+                                        <p:attrNameLst>
+                                          <p:attrName>ppt_y</p:attrName>
+                                        </p:attrNameLst>
+                                      </p:cBhvr>
+                                      <p:tavLst>
+                                        <p:tav tm="0">
+                                          <p:val>
+                                            <p:strVal val="1+#ppt_h/2"/>
+                                          </p:val>
+                                        </p:tav>
+                                        <p:tav tm="100000">
+                                          <p:val>
+                                            <p:strVal val="#ppt_y"/>
+                                          </p:val>
+                                        </p:tav>
+                                      </p:tavLst>
+                                    </p:anim>
+                                  </p:childTnLst>
+                                </p:cTn>
+                              </p:par>
+                            </p:childTnLst>
+                          </p:cTn>
+                        </p:par>
+                      </p:childTnLst>
+                    </p:cTn>
+                  </p:par>
+                </p:childTnLst>
+              </p:cTn>
+              <p:prevCondLst>
+                <p:cond evt="onPrev" delay="0">
+                  <p:tgtEl>
+                    <p:sldTgt/>
+                  </p:tgtEl>
+                </p:cond>
+              </p:prevCondLst>
+              <p:nextCondLst>
+                <p:cond evt="onNext" delay="0">
+                  <p:tgtEl>
+                    <p:sldTgt/>
+                  </p:tgtEl>
+                </p:cond>
+              </p:nextCondLst>
+            </p:seq>
+          </p:childTnLst>
+        </p:cTn>
+      </p:par>
+    </p:tnLst>
+    <p:bldLst>
+      <p:bldP spid="4" grpId="0"/>
+    </p:bldLst>
+  </p:timing>
+</p:sld>
+</file>
+
+<file path=ppt/slides/slide23.xml><?xml version="1.0" encoding="utf-8"?>
+<p:sld xmlns:a="http://schemas.openxmlformats.org/drawingml/2006/main" xmlns:r="http://schemas.openxmlformats.org/officeDocument/2006/relationships" xmlns:p="http://schemas.openxmlformats.org/presentationml/2006/main">
+  <p:cSld>
+    <p:spTree>
+      <p:nvGrpSpPr>
+        <p:cNvPr id="1" name=""/>
+        <p:cNvGrpSpPr/>
+        <p:nvPr/>
+      </p:nvGrpSpPr>
+      <p:grpSpPr>
+        <a:xfrm>
+          <a:off x="0" y="0"/>
+          <a:ext cx="0" cy="0"/>
+          <a:chOff x="0" y="0"/>
+          <a:chExt cx="0" cy="0"/>
+        </a:xfrm>
+      </p:grpSpPr>
+      <p:sp>
+        <p:nvSpPr>
+          <p:cNvPr id="3" name="Title 2"/>
+          <p:cNvSpPr>
+            <a:spLocks noGrp="1"/>
+          </p:cNvSpPr>
+          <p:nvPr>
+            <p:ph type="title"/>
+          </p:nvPr>
+        </p:nvSpPr>
+        <p:spPr>
+          <a:xfrm>
+            <a:off x="1619672" y="-1"/>
+            <a:ext cx="7524328" cy="1204179"/>
+          </a:xfrm>
+        </p:spPr>
+        <p:txBody>
+          <a:bodyPr/>
+          <a:lstStyle/>
+          <a:p>
+            <a:pPr algn="ctr"/>
+            <a:r>
+              <a:rPr lang="en-US" altLang="ko-KR" dirty="0" err="1" smtClean="0"/>
+              <a:t>Kreiranje</a:t>
+            </a:r>
+            <a:r>
+              <a:rPr lang="en-US" altLang="ko-KR" dirty="0" smtClean="0"/>
+              <a:t> </a:t>
+            </a:r>
+            <a:r>
+              <a:rPr lang="sr-Latn-RS" altLang="ko-KR" dirty="0" smtClean="0"/>
+              <a:t>Kontrolera i Akcija</a:t>
+            </a:r>
+            <a:endParaRPr lang="ko-KR" altLang="en-US" dirty="0"/>
+          </a:p>
+        </p:txBody>
+      </p:sp>
+      <p:sp>
+        <p:nvSpPr>
+          <p:cNvPr id="4" name="TextBox 3"/>
+          <p:cNvSpPr txBox="1"/>
+          <p:nvPr/>
+        </p:nvSpPr>
+        <p:spPr>
+          <a:xfrm>
+            <a:off x="1619672" y="1307633"/>
+            <a:ext cx="7200800" cy="307777"/>
+          </a:xfrm>
+          <a:prstGeom prst="rect">
+            <a:avLst/>
+          </a:prstGeom>
+          <a:noFill/>
+        </p:spPr>
+        <p:txBody>
+          <a:bodyPr wrap="square" rtlCol="0">
+            <a:spAutoFit/>
+          </a:bodyPr>
+          <a:lstStyle/>
+          <a:p>
+            <a:r>
+              <a:rPr lang="sr-Latn-RS" sz="1400" dirty="0" smtClean="0">
+                <a:latin typeface="Arial" panose="020B0604020202020204" pitchFamily="34" charset="0"/>
+                <a:cs typeface="Arial" panose="020B0604020202020204" pitchFamily="34" charset="0"/>
+              </a:rPr>
+              <a:t>Delete Akcija</a:t>
+            </a:r>
+            <a:endParaRPr lang="en-US" sz="1400" dirty="0">
+              <a:latin typeface="Arial" panose="020B0604020202020204" pitchFamily="34" charset="0"/>
+              <a:cs typeface="Arial" panose="020B0604020202020204" pitchFamily="34" charset="0"/>
+            </a:endParaRPr>
+          </a:p>
+        </p:txBody>
+      </p:sp>
+      <p:pic>
+        <p:nvPicPr>
+          <p:cNvPr id="2" name="Picture 1"/>
+          <p:cNvPicPr>
+            <a:picLocks noChangeAspect="1"/>
+          </p:cNvPicPr>
+          <p:nvPr/>
+        </p:nvPicPr>
+        <p:blipFill>
+          <a:blip r:embed="rId2">
+            <a:extLst>
+              <a:ext uri="{28A0092B-C50C-407E-A947-70E740481C1C}">
+                <a14:useLocalDpi xmlns:a14="http://schemas.microsoft.com/office/drawing/2010/main" val="0"/>
+              </a:ext>
+            </a:extLst>
+          </a:blip>
+          <a:stretch>
+            <a:fillRect/>
+          </a:stretch>
+        </p:blipFill>
+        <p:spPr>
+          <a:xfrm>
+            <a:off x="1619672" y="1718865"/>
+            <a:ext cx="4477375" cy="3143689"/>
+          </a:xfrm>
+          <a:prstGeom prst="rect">
+            <a:avLst/>
+          </a:prstGeom>
+        </p:spPr>
+      </p:pic>
+    </p:spTree>
+    <p:extLst>
+      <p:ext uri="{BB962C8B-B14F-4D97-AF65-F5344CB8AC3E}">
+        <p14:creationId xmlns:p14="http://schemas.microsoft.com/office/powerpoint/2010/main" val="1382379671"/>
+      </p:ext>
+    </p:extLst>
+  </p:cSld>
+  <p:clrMapOvr>
+    <a:masterClrMapping/>
+  </p:clrMapOvr>
+  <p:timing>
+    <p:tnLst>
+      <p:par>
+        <p:cTn id="1" dur="indefinite" restart="never" nodeType="tmRoot">
+          <p:childTnLst>
+            <p:seq concurrent="1" nextAc="seek">
+              <p:cTn id="2" dur="indefinite" nodeType="mainSeq">
+                <p:childTnLst>
+                  <p:par>
+                    <p:cTn id="3" fill="hold">
+                      <p:stCondLst>
+                        <p:cond delay="indefinite"/>
+                      </p:stCondLst>
+                      <p:childTnLst>
+                        <p:par>
+                          <p:cTn id="4" fill="hold">
+                            <p:stCondLst>
+                              <p:cond delay="0"/>
+                            </p:stCondLst>
+                            <p:childTnLst>
+                              <p:par>
+                                <p:cTn id="5" presetID="2" presetClass="entr" presetSubtype="4" fill="hold" grpId="0" nodeType="clickEffect">
+                                  <p:stCondLst>
+                                    <p:cond delay="0"/>
+                                  </p:stCondLst>
+                                  <p:childTnLst>
+                                    <p:set>
+                                      <p:cBhvr>
+                                        <p:cTn id="6" dur="1" fill="hold">
+                                          <p:stCondLst>
+                                            <p:cond delay="0"/>
+                                          </p:stCondLst>
+                                        </p:cTn>
+                                        <p:tgtEl>
+                                          <p:spTgt spid="4"/>
+                                        </p:tgtEl>
+                                        <p:attrNameLst>
+                                          <p:attrName>style.visibility</p:attrName>
+                                        </p:attrNameLst>
+                                      </p:cBhvr>
+                                      <p:to>
+                                        <p:strVal val="visible"/>
+                                      </p:to>
+                                    </p:set>
+                                    <p:anim calcmode="lin" valueType="num">
+                                      <p:cBhvr additive="base">
+                                        <p:cTn id="7" dur="500" fill="hold"/>
+                                        <p:tgtEl>
+                                          <p:spTgt spid="4"/>
+                                        </p:tgtEl>
+                                        <p:attrNameLst>
+                                          <p:attrName>ppt_x</p:attrName>
+                                        </p:attrNameLst>
+                                      </p:cBhvr>
+                                      <p:tavLst>
+                                        <p:tav tm="0">
+                                          <p:val>
+                                            <p:strVal val="#ppt_x"/>
+                                          </p:val>
+                                        </p:tav>
+                                        <p:tav tm="100000">
+                                          <p:val>
+                                            <p:strVal val="#ppt_x"/>
+                                          </p:val>
+                                        </p:tav>
+                                      </p:tavLst>
+                                    </p:anim>
+                                    <p:anim calcmode="lin" valueType="num">
+                                      <p:cBhvr additive="base">
+                                        <p:cTn id="8" dur="500" fill="hold"/>
+                                        <p:tgtEl>
+                                          <p:spTgt spid="4"/>
+                                        </p:tgtEl>
+                                        <p:attrNameLst>
+                                          <p:attrName>ppt_y</p:attrName>
+                                        </p:attrNameLst>
+                                      </p:cBhvr>
+                                      <p:tavLst>
+                                        <p:tav tm="0">
+                                          <p:val>
+                                            <p:strVal val="1+#ppt_h/2"/>
+                                          </p:val>
+                                        </p:tav>
+                                        <p:tav tm="100000">
+                                          <p:val>
+                                            <p:strVal val="#ppt_y"/>
+                                          </p:val>
+                                        </p:tav>
+                                      </p:tavLst>
+                                    </p:anim>
+                                  </p:childTnLst>
+                                </p:cTn>
+                              </p:par>
+                            </p:childTnLst>
+                          </p:cTn>
+                        </p:par>
+                      </p:childTnLst>
+                    </p:cTn>
+                  </p:par>
+                  <p:par>
+                    <p:cTn id="9" fill="hold">
+                      <p:stCondLst>
+                        <p:cond delay="indefinite"/>
+                      </p:stCondLst>
+                      <p:childTnLst>
+                        <p:par>
+                          <p:cTn id="10" fill="hold">
+                            <p:stCondLst>
+                              <p:cond delay="0"/>
+                            </p:stCondLst>
+                            <p:childTnLst>
+                              <p:par>
+                                <p:cTn id="11" presetID="2" presetClass="entr" presetSubtype="4" fill="hold" nodeType="clickEffect">
+                                  <p:stCondLst>
+                                    <p:cond delay="0"/>
+                                  </p:stCondLst>
+                                  <p:childTnLst>
+                                    <p:set>
+                                      <p:cBhvr>
+                                        <p:cTn id="12" dur="1" fill="hold">
+                                          <p:stCondLst>
+                                            <p:cond delay="0"/>
+                                          </p:stCondLst>
+                                        </p:cTn>
+                                        <p:tgtEl>
+                                          <p:spTgt spid="2"/>
+                                        </p:tgtEl>
+                                        <p:attrNameLst>
+                                          <p:attrName>style.visibility</p:attrName>
+                                        </p:attrNameLst>
+                                      </p:cBhvr>
+                                      <p:to>
+                                        <p:strVal val="visible"/>
+                                      </p:to>
+                                    </p:set>
+                                    <p:anim calcmode="lin" valueType="num">
+                                      <p:cBhvr additive="base">
+                                        <p:cTn id="13" dur="500" fill="hold"/>
+                                        <p:tgtEl>
+                                          <p:spTgt spid="2"/>
+                                        </p:tgtEl>
+                                        <p:attrNameLst>
+                                          <p:attrName>ppt_x</p:attrName>
+                                        </p:attrNameLst>
+                                      </p:cBhvr>
+                                      <p:tavLst>
+                                        <p:tav tm="0">
+                                          <p:val>
+                                            <p:strVal val="#ppt_x"/>
+                                          </p:val>
+                                        </p:tav>
+                                        <p:tav tm="100000">
+                                          <p:val>
+                                            <p:strVal val="#ppt_x"/>
+                                          </p:val>
+                                        </p:tav>
+                                      </p:tavLst>
+                                    </p:anim>
+                                    <p:anim calcmode="lin" valueType="num">
+                                      <p:cBhvr additive="base">
+                                        <p:cTn id="14" dur="500" fill="hold"/>
+                                        <p:tgtEl>
+                                          <p:spTgt spid="2"/>
+                                        </p:tgtEl>
+                                        <p:attrNameLst>
+                                          <p:attrName>ppt_y</p:attrName>
+                                        </p:attrNameLst>
+                                      </p:cBhvr>
+                                      <p:tavLst>
+                                        <p:tav tm="0">
+                                          <p:val>
+                                            <p:strVal val="1+#ppt_h/2"/>
+                                          </p:val>
+                                        </p:tav>
+                                        <p:tav tm="100000">
+                                          <p:val>
+                                            <p:strVal val="#ppt_y"/>
+                                          </p:val>
+                                        </p:tav>
+                                      </p:tavLst>
+                                    </p:anim>
+                                  </p:childTnLst>
+                                </p:cTn>
+                              </p:par>
+                            </p:childTnLst>
+                          </p:cTn>
+                        </p:par>
+                      </p:childTnLst>
+                    </p:cTn>
+                  </p:par>
+                </p:childTnLst>
+              </p:cTn>
+              <p:prevCondLst>
+                <p:cond evt="onPrev" delay="0">
+                  <p:tgtEl>
+                    <p:sldTgt/>
+                  </p:tgtEl>
+                </p:cond>
+              </p:prevCondLst>
+              <p:nextCondLst>
+                <p:cond evt="onNext" delay="0">
+                  <p:tgtEl>
+                    <p:sldTgt/>
+                  </p:tgtEl>
+                </p:cond>
+              </p:nextCondLst>
+            </p:seq>
+          </p:childTnLst>
+        </p:cTn>
+      </p:par>
+    </p:tnLst>
+    <p:bldLst>
+      <p:bldP spid="4" grpId="0"/>
     </p:bldLst>
   </p:timing>
 </p:sld>

--- a/.NET Core i Angular Web Dev.pptx
+++ b/.NET Core i Angular Web Dev.pptx
@@ -6,7 +6,7 @@
     <p:sldMasterId id="2147483661" r:id="rId2"/>
   </p:sldMasterIdLst>
   <p:notesMasterIdLst>
-    <p:notesMasterId r:id="rId26"/>
+    <p:notesMasterId r:id="rId27"/>
   </p:notesMasterIdLst>
   <p:sldIdLst>
     <p:sldId id="256" r:id="rId3"/>
@@ -32,6 +32,7 @@
     <p:sldId id="278" r:id="rId23"/>
     <p:sldId id="279" r:id="rId24"/>
     <p:sldId id="280" r:id="rId25"/>
+    <p:sldId id="281" r:id="rId26"/>
   </p:sldIdLst>
   <p:sldSz cx="9144000" cy="5143500" type="screen16x9"/>
   <p:notesSz cx="6858000" cy="9144000"/>
@@ -158,6 +159,7 @@
             <p14:sldId id="278"/>
             <p14:sldId id="279"/>
             <p14:sldId id="280"/>
+            <p14:sldId id="281"/>
           </p14:sldIdLst>
         </p14:section>
       </p14:sectionLst>
@@ -8251,14 +8253,7 @@
                 <a:latin typeface="Arial" panose="020B0604020202020204" pitchFamily="34" charset="0"/>
                 <a:cs typeface="Arial" panose="020B0604020202020204" pitchFamily="34" charset="0"/>
               </a:rPr>
-              <a:t>Rezultat pomoću </a:t>
-            </a:r>
-            <a:r>
-              <a:rPr lang="sr-Latn-RS" sz="1400" dirty="0" smtClean="0">
-                <a:latin typeface="Arial" panose="020B0604020202020204" pitchFamily="34" charset="0"/>
-                <a:cs typeface="Arial" panose="020B0604020202020204" pitchFamily="34" charset="0"/>
-              </a:rPr>
-              <a:t>Postman alata</a:t>
+              <a:t>Rezultat pomoću Postman alata</a:t>
             </a:r>
             <a:endParaRPr lang="en-US" sz="1400" dirty="0">
               <a:latin typeface="Arial" panose="020B0604020202020204" pitchFamily="34" charset="0"/>
@@ -11099,6 +11094,639 @@
                                         <p:cTn id="14" dur="500" fill="hold"/>
                                         <p:tgtEl>
                                           <p:spTgt spid="2"/>
+                                        </p:tgtEl>
+                                        <p:attrNameLst>
+                                          <p:attrName>ppt_y</p:attrName>
+                                        </p:attrNameLst>
+                                      </p:cBhvr>
+                                      <p:tavLst>
+                                        <p:tav tm="0">
+                                          <p:val>
+                                            <p:strVal val="1+#ppt_h/2"/>
+                                          </p:val>
+                                        </p:tav>
+                                        <p:tav tm="100000">
+                                          <p:val>
+                                            <p:strVal val="#ppt_y"/>
+                                          </p:val>
+                                        </p:tav>
+                                      </p:tavLst>
+                                    </p:anim>
+                                  </p:childTnLst>
+                                </p:cTn>
+                              </p:par>
+                            </p:childTnLst>
+                          </p:cTn>
+                        </p:par>
+                      </p:childTnLst>
+                    </p:cTn>
+                  </p:par>
+                </p:childTnLst>
+              </p:cTn>
+              <p:prevCondLst>
+                <p:cond evt="onPrev" delay="0">
+                  <p:tgtEl>
+                    <p:sldTgt/>
+                  </p:tgtEl>
+                </p:cond>
+              </p:prevCondLst>
+              <p:nextCondLst>
+                <p:cond evt="onNext" delay="0">
+                  <p:tgtEl>
+                    <p:sldTgt/>
+                  </p:tgtEl>
+                </p:cond>
+              </p:nextCondLst>
+            </p:seq>
+          </p:childTnLst>
+        </p:cTn>
+      </p:par>
+    </p:tnLst>
+    <p:bldLst>
+      <p:bldP spid="4" grpId="0"/>
+    </p:bldLst>
+  </p:timing>
+</p:sld>
+</file>
+
+<file path=ppt/slides/slide24.xml><?xml version="1.0" encoding="utf-8"?>
+<p:sld xmlns:a="http://schemas.openxmlformats.org/drawingml/2006/main" xmlns:r="http://schemas.openxmlformats.org/officeDocument/2006/relationships" xmlns:p="http://schemas.openxmlformats.org/presentationml/2006/main">
+  <p:cSld>
+    <p:spTree>
+      <p:nvGrpSpPr>
+        <p:cNvPr id="1" name=""/>
+        <p:cNvGrpSpPr/>
+        <p:nvPr/>
+      </p:nvGrpSpPr>
+      <p:grpSpPr>
+        <a:xfrm>
+          <a:off x="0" y="0"/>
+          <a:ext cx="0" cy="0"/>
+          <a:chOff x="0" y="0"/>
+          <a:chExt cx="0" cy="0"/>
+        </a:xfrm>
+      </p:grpSpPr>
+      <p:sp>
+        <p:nvSpPr>
+          <p:cNvPr id="3" name="Title 2"/>
+          <p:cNvSpPr>
+            <a:spLocks noGrp="1"/>
+          </p:cNvSpPr>
+          <p:nvPr>
+            <p:ph type="title"/>
+          </p:nvPr>
+        </p:nvSpPr>
+        <p:spPr>
+          <a:xfrm>
+            <a:off x="1619672" y="-1"/>
+            <a:ext cx="7524328" cy="1204179"/>
+          </a:xfrm>
+        </p:spPr>
+        <p:txBody>
+          <a:bodyPr/>
+          <a:lstStyle/>
+          <a:p>
+            <a:pPr algn="ctr"/>
+            <a:r>
+              <a:rPr lang="en-US" altLang="ko-KR" dirty="0" err="1" smtClean="0"/>
+              <a:t>Dodatni</a:t>
+            </a:r>
+            <a:r>
+              <a:rPr lang="en-US" altLang="ko-KR" dirty="0" smtClean="0"/>
+              <a:t> </a:t>
+            </a:r>
+            <a:r>
+              <a:rPr lang="en-US" altLang="ko-KR" dirty="0" err="1" smtClean="0"/>
+              <a:t>Materijal</a:t>
+            </a:r>
+            <a:r>
+              <a:rPr lang="en-US" altLang="ko-KR" dirty="0" smtClean="0"/>
+              <a:t> </a:t>
+            </a:r>
+            <a:r>
+              <a:rPr lang="en-US" altLang="ko-KR" dirty="0" err="1" smtClean="0"/>
+              <a:t>za</a:t>
+            </a:r>
+            <a:r>
+              <a:rPr lang="en-US" altLang="ko-KR" dirty="0" smtClean="0"/>
+              <a:t> .NET Core</a:t>
+            </a:r>
+            <a:endParaRPr lang="ko-KR" altLang="en-US" dirty="0"/>
+          </a:p>
+        </p:txBody>
+      </p:sp>
+      <p:sp>
+        <p:nvSpPr>
+          <p:cNvPr id="4" name="TextBox 3"/>
+          <p:cNvSpPr txBox="1"/>
+          <p:nvPr/>
+        </p:nvSpPr>
+        <p:spPr>
+          <a:xfrm>
+            <a:off x="1619672" y="1131590"/>
+            <a:ext cx="7200800" cy="3754874"/>
+          </a:xfrm>
+          <a:prstGeom prst="rect">
+            <a:avLst/>
+          </a:prstGeom>
+          <a:noFill/>
+        </p:spPr>
+        <p:txBody>
+          <a:bodyPr wrap="square" rtlCol="0">
+            <a:spAutoFit/>
+          </a:bodyPr>
+          <a:lstStyle/>
+          <a:p>
+            <a:r>
+              <a:rPr lang="en-US" sz="1400" dirty="0" err="1" smtClean="0">
+                <a:latin typeface="Arial" panose="020B0604020202020204" pitchFamily="34" charset="0"/>
+                <a:cs typeface="Arial" panose="020B0604020202020204" pitchFamily="34" charset="0"/>
+              </a:rPr>
+              <a:t>.Net</a:t>
+            </a:r>
+            <a:r>
+              <a:rPr lang="en-US" sz="1400" dirty="0" smtClean="0">
+                <a:latin typeface="Arial" panose="020B0604020202020204" pitchFamily="34" charset="0"/>
+                <a:cs typeface="Arial" panose="020B0604020202020204" pitchFamily="34" charset="0"/>
+              </a:rPr>
+              <a:t> Core Web </a:t>
+            </a:r>
+            <a:r>
+              <a:rPr lang="en-US" sz="1400" dirty="0" err="1" smtClean="0">
+                <a:latin typeface="Arial" panose="020B0604020202020204" pitchFamily="34" charset="0"/>
+                <a:cs typeface="Arial" panose="020B0604020202020204" pitchFamily="34" charset="0"/>
+              </a:rPr>
+              <a:t>Api</a:t>
+            </a:r>
+            <a:r>
+              <a:rPr lang="en-US" sz="1400" dirty="0" smtClean="0">
+                <a:latin typeface="Arial" panose="020B0604020202020204" pitchFamily="34" charset="0"/>
+                <a:cs typeface="Arial" panose="020B0604020202020204" pitchFamily="34" charset="0"/>
+              </a:rPr>
+              <a:t> </a:t>
+            </a:r>
+            <a:r>
+              <a:rPr lang="en-US" sz="1400" dirty="0" err="1" smtClean="0">
+                <a:latin typeface="Arial" panose="020B0604020202020204" pitchFamily="34" charset="0"/>
+                <a:cs typeface="Arial" panose="020B0604020202020204" pitchFamily="34" charset="0"/>
+              </a:rPr>
+              <a:t>Detaljnije</a:t>
+            </a:r>
+            <a:r>
+              <a:rPr lang="en-US" sz="1400" dirty="0">
+                <a:latin typeface="Arial" panose="020B0604020202020204" pitchFamily="34" charset="0"/>
+                <a:cs typeface="Arial" panose="020B0604020202020204" pitchFamily="34" charset="0"/>
+              </a:rPr>
+              <a:t> =&gt; </a:t>
+            </a:r>
+            <a:r>
+              <a:rPr lang="en-US" sz="1400" dirty="0">
+                <a:latin typeface="Arial" panose="020B0604020202020204" pitchFamily="34" charset="0"/>
+                <a:cs typeface="Arial" panose="020B0604020202020204" pitchFamily="34" charset="0"/>
+                <a:hlinkClick r:id="rId2"/>
+              </a:rPr>
+              <a:t>https://code-maze.com/net-core-series</a:t>
+            </a:r>
+            <a:r>
+              <a:rPr lang="en-US" sz="1400" dirty="0" smtClean="0">
+                <a:latin typeface="Arial" panose="020B0604020202020204" pitchFamily="34" charset="0"/>
+                <a:cs typeface="Arial" panose="020B0604020202020204" pitchFamily="34" charset="0"/>
+                <a:hlinkClick r:id="rId2"/>
+              </a:rPr>
+              <a:t>/</a:t>
+            </a:r>
+            <a:endParaRPr lang="en-US" sz="1400" dirty="0" smtClean="0">
+              <a:latin typeface="Arial" panose="020B0604020202020204" pitchFamily="34" charset="0"/>
+              <a:cs typeface="Arial" panose="020B0604020202020204" pitchFamily="34" charset="0"/>
+            </a:endParaRPr>
+          </a:p>
+          <a:p>
+            <a:endParaRPr lang="en-US" sz="1400" dirty="0">
+              <a:latin typeface="Arial" panose="020B0604020202020204" pitchFamily="34" charset="0"/>
+              <a:cs typeface="Arial" panose="020B0604020202020204" pitchFamily="34" charset="0"/>
+            </a:endParaRPr>
+          </a:p>
+          <a:p>
+            <a:r>
+              <a:rPr lang="en-US" sz="1400" dirty="0" smtClean="0">
+                <a:latin typeface="Arial" panose="020B0604020202020204" pitchFamily="34" charset="0"/>
+                <a:cs typeface="Arial" panose="020B0604020202020204" pitchFamily="34" charset="0"/>
+              </a:rPr>
+              <a:t>Global </a:t>
+            </a:r>
+            <a:r>
+              <a:rPr lang="en-US" sz="1400" dirty="0">
+                <a:latin typeface="Arial" panose="020B0604020202020204" pitchFamily="34" charset="0"/>
+                <a:cs typeface="Arial" panose="020B0604020202020204" pitchFamily="34" charset="0"/>
+              </a:rPr>
+              <a:t>Error Handling =&gt; </a:t>
+            </a:r>
+            <a:r>
+              <a:rPr lang="en-US" sz="1400" dirty="0">
+                <a:latin typeface="Arial" panose="020B0604020202020204" pitchFamily="34" charset="0"/>
+                <a:cs typeface="Arial" panose="020B0604020202020204" pitchFamily="34" charset="0"/>
+                <a:hlinkClick r:id="rId3"/>
+              </a:rPr>
+              <a:t>https://code-maze.com/global-error-handling-aspnetcore</a:t>
+            </a:r>
+            <a:r>
+              <a:rPr lang="en-US" sz="1400" dirty="0" smtClean="0">
+                <a:latin typeface="Arial" panose="020B0604020202020204" pitchFamily="34" charset="0"/>
+                <a:cs typeface="Arial" panose="020B0604020202020204" pitchFamily="34" charset="0"/>
+                <a:hlinkClick r:id="rId3"/>
+              </a:rPr>
+              <a:t>/</a:t>
+            </a:r>
+            <a:endParaRPr lang="en-US" sz="1400" dirty="0" smtClean="0">
+              <a:latin typeface="Arial" panose="020B0604020202020204" pitchFamily="34" charset="0"/>
+              <a:cs typeface="Arial" panose="020B0604020202020204" pitchFamily="34" charset="0"/>
+            </a:endParaRPr>
+          </a:p>
+          <a:p>
+            <a:endParaRPr lang="en-US" sz="1400" dirty="0">
+              <a:latin typeface="Arial" panose="020B0604020202020204" pitchFamily="34" charset="0"/>
+              <a:cs typeface="Arial" panose="020B0604020202020204" pitchFamily="34" charset="0"/>
+            </a:endParaRPr>
+          </a:p>
+          <a:p>
+            <a:r>
+              <a:rPr lang="en-US" sz="1400" dirty="0" smtClean="0">
+                <a:latin typeface="Arial" panose="020B0604020202020204" pitchFamily="34" charset="0"/>
+                <a:cs typeface="Arial" panose="020B0604020202020204" pitchFamily="34" charset="0"/>
+              </a:rPr>
+              <a:t>Action Filters </a:t>
+            </a:r>
+            <a:r>
+              <a:rPr lang="en-US" sz="1400" dirty="0" err="1" smtClean="0">
+                <a:latin typeface="Arial" panose="020B0604020202020204" pitchFamily="34" charset="0"/>
+                <a:cs typeface="Arial" panose="020B0604020202020204" pitchFamily="34" charset="0"/>
+              </a:rPr>
+              <a:t>kako</a:t>
+            </a:r>
+            <a:r>
+              <a:rPr lang="en-US" sz="1400" dirty="0" smtClean="0">
+                <a:latin typeface="Arial" panose="020B0604020202020204" pitchFamily="34" charset="0"/>
+                <a:cs typeface="Arial" panose="020B0604020202020204" pitchFamily="34" charset="0"/>
+              </a:rPr>
+              <a:t> </a:t>
+            </a:r>
+            <a:r>
+              <a:rPr lang="en-US" sz="1400" dirty="0" err="1" smtClean="0">
+                <a:latin typeface="Arial" panose="020B0604020202020204" pitchFamily="34" charset="0"/>
+                <a:cs typeface="Arial" panose="020B0604020202020204" pitchFamily="34" charset="0"/>
+              </a:rPr>
+              <a:t>pisati</a:t>
+            </a:r>
+            <a:r>
+              <a:rPr lang="en-US" sz="1400" dirty="0" smtClean="0">
+                <a:latin typeface="Arial" panose="020B0604020202020204" pitchFamily="34" charset="0"/>
+                <a:cs typeface="Arial" panose="020B0604020202020204" pitchFamily="34" charset="0"/>
+              </a:rPr>
+              <a:t> </a:t>
+            </a:r>
+            <a:r>
+              <a:rPr lang="en-US" sz="1400" dirty="0" err="1" smtClean="0">
+                <a:latin typeface="Arial" panose="020B0604020202020204" pitchFamily="34" charset="0"/>
+                <a:cs typeface="Arial" panose="020B0604020202020204" pitchFamily="34" charset="0"/>
+              </a:rPr>
+              <a:t>cistije</a:t>
+            </a:r>
+            <a:r>
+              <a:rPr lang="en-US" sz="1400" dirty="0" smtClean="0">
+                <a:latin typeface="Arial" panose="020B0604020202020204" pitchFamily="34" charset="0"/>
+                <a:cs typeface="Arial" panose="020B0604020202020204" pitchFamily="34" charset="0"/>
+              </a:rPr>
+              <a:t> </a:t>
+            </a:r>
+            <a:r>
+              <a:rPr lang="en-US" sz="1400" dirty="0" err="1" smtClean="0">
+                <a:latin typeface="Arial" panose="020B0604020202020204" pitchFamily="34" charset="0"/>
+                <a:cs typeface="Arial" panose="020B0604020202020204" pitchFamily="34" charset="0"/>
+              </a:rPr>
+              <a:t>akcije</a:t>
+            </a:r>
+            <a:r>
+              <a:rPr lang="en-US" sz="1400" dirty="0">
+                <a:latin typeface="Arial" panose="020B0604020202020204" pitchFamily="34" charset="0"/>
+                <a:cs typeface="Arial" panose="020B0604020202020204" pitchFamily="34" charset="0"/>
+              </a:rPr>
+              <a:t> </a:t>
+            </a:r>
+            <a:r>
+              <a:rPr lang="en-US" sz="1400" dirty="0" smtClean="0">
+                <a:latin typeface="Arial" panose="020B0604020202020204" pitchFamily="34" charset="0"/>
+                <a:cs typeface="Arial" panose="020B0604020202020204" pitchFamily="34" charset="0"/>
+              </a:rPr>
+              <a:t>=&gt; </a:t>
+            </a:r>
+            <a:r>
+              <a:rPr lang="en-US" sz="1400" dirty="0" smtClean="0">
+                <a:latin typeface="Arial" panose="020B0604020202020204" pitchFamily="34" charset="0"/>
+                <a:cs typeface="Arial" panose="020B0604020202020204" pitchFamily="34" charset="0"/>
+                <a:hlinkClick r:id="rId4"/>
+              </a:rPr>
+              <a:t>https</a:t>
+            </a:r>
+            <a:r>
+              <a:rPr lang="en-US" sz="1400" dirty="0">
+                <a:latin typeface="Arial" panose="020B0604020202020204" pitchFamily="34" charset="0"/>
+                <a:cs typeface="Arial" panose="020B0604020202020204" pitchFamily="34" charset="0"/>
+                <a:hlinkClick r:id="rId4"/>
+              </a:rPr>
+              <a:t>://code-maze.com/action-filters-aspnetcore</a:t>
+            </a:r>
+            <a:r>
+              <a:rPr lang="en-US" sz="1400" dirty="0" smtClean="0">
+                <a:latin typeface="Arial" panose="020B0604020202020204" pitchFamily="34" charset="0"/>
+                <a:cs typeface="Arial" panose="020B0604020202020204" pitchFamily="34" charset="0"/>
+                <a:hlinkClick r:id="rId4"/>
+              </a:rPr>
+              <a:t>/</a:t>
+            </a:r>
+            <a:endParaRPr lang="en-US" sz="1400" dirty="0" smtClean="0">
+              <a:latin typeface="Arial" panose="020B0604020202020204" pitchFamily="34" charset="0"/>
+              <a:cs typeface="Arial" panose="020B0604020202020204" pitchFamily="34" charset="0"/>
+            </a:endParaRPr>
+          </a:p>
+          <a:p>
+            <a:endParaRPr lang="en-US" sz="1400" dirty="0">
+              <a:latin typeface="Arial" panose="020B0604020202020204" pitchFamily="34" charset="0"/>
+              <a:cs typeface="Arial" panose="020B0604020202020204" pitchFamily="34" charset="0"/>
+            </a:endParaRPr>
+          </a:p>
+          <a:p>
+            <a:r>
+              <a:rPr lang="en-US" sz="1400" dirty="0" smtClean="0">
+                <a:latin typeface="Arial" panose="020B0604020202020204" pitchFamily="34" charset="0"/>
+                <a:cs typeface="Arial" panose="020B0604020202020204" pitchFamily="34" charset="0"/>
+              </a:rPr>
+              <a:t>Code First </a:t>
+            </a:r>
+            <a:r>
+              <a:rPr lang="en-US" sz="1400" dirty="0">
+                <a:latin typeface="Arial" panose="020B0604020202020204" pitchFamily="34" charset="0"/>
+                <a:cs typeface="Arial" panose="020B0604020202020204" pitchFamily="34" charset="0"/>
+              </a:rPr>
+              <a:t>EF Core =&gt; </a:t>
+            </a:r>
+            <a:r>
+              <a:rPr lang="en-US" sz="1400" dirty="0">
+                <a:latin typeface="Arial" panose="020B0604020202020204" pitchFamily="34" charset="0"/>
+                <a:cs typeface="Arial" panose="020B0604020202020204" pitchFamily="34" charset="0"/>
+                <a:hlinkClick r:id="rId5"/>
+              </a:rPr>
+              <a:t>https://code-maze.com/net-core-web-api-ef-core-code-first</a:t>
+            </a:r>
+            <a:r>
+              <a:rPr lang="en-US" sz="1400" dirty="0" smtClean="0">
+                <a:latin typeface="Arial" panose="020B0604020202020204" pitchFamily="34" charset="0"/>
+                <a:cs typeface="Arial" panose="020B0604020202020204" pitchFamily="34" charset="0"/>
+                <a:hlinkClick r:id="rId5"/>
+              </a:rPr>
+              <a:t>/</a:t>
+            </a:r>
+            <a:endParaRPr lang="en-US" sz="1400" dirty="0" smtClean="0">
+              <a:latin typeface="Arial" panose="020B0604020202020204" pitchFamily="34" charset="0"/>
+              <a:cs typeface="Arial" panose="020B0604020202020204" pitchFamily="34" charset="0"/>
+            </a:endParaRPr>
+          </a:p>
+          <a:p>
+            <a:endParaRPr lang="en-US" sz="1400" dirty="0">
+              <a:latin typeface="Arial" panose="020B0604020202020204" pitchFamily="34" charset="0"/>
+              <a:cs typeface="Arial" panose="020B0604020202020204" pitchFamily="34" charset="0"/>
+            </a:endParaRPr>
+          </a:p>
+          <a:p>
+            <a:r>
+              <a:rPr lang="en-US" sz="1400" dirty="0" smtClean="0">
+                <a:latin typeface="Arial" panose="020B0604020202020204" pitchFamily="34" charset="0"/>
+                <a:cs typeface="Arial" panose="020B0604020202020204" pitchFamily="34" charset="0"/>
+              </a:rPr>
+              <a:t>Db First </a:t>
+            </a:r>
+            <a:r>
+              <a:rPr lang="en-US" sz="1400" dirty="0">
+                <a:latin typeface="Arial" panose="020B0604020202020204" pitchFamily="34" charset="0"/>
+                <a:cs typeface="Arial" panose="020B0604020202020204" pitchFamily="34" charset="0"/>
+              </a:rPr>
+              <a:t>EF Core =&gt; </a:t>
+            </a:r>
+            <a:r>
+              <a:rPr lang="en-US" sz="1400" dirty="0">
+                <a:latin typeface="Arial" panose="020B0604020202020204" pitchFamily="34" charset="0"/>
+                <a:cs typeface="Arial" panose="020B0604020202020204" pitchFamily="34" charset="0"/>
+                <a:hlinkClick r:id="rId6"/>
+              </a:rPr>
+              <a:t>https://code-maze.com/netcore-web-api-db-first</a:t>
+            </a:r>
+            <a:r>
+              <a:rPr lang="en-US" sz="1400" dirty="0" smtClean="0">
+                <a:latin typeface="Arial" panose="020B0604020202020204" pitchFamily="34" charset="0"/>
+                <a:cs typeface="Arial" panose="020B0604020202020204" pitchFamily="34" charset="0"/>
+                <a:hlinkClick r:id="rId6"/>
+              </a:rPr>
+              <a:t>/</a:t>
+            </a:r>
+            <a:endParaRPr lang="en-US" sz="1400" dirty="0" smtClean="0">
+              <a:latin typeface="Arial" panose="020B0604020202020204" pitchFamily="34" charset="0"/>
+              <a:cs typeface="Arial" panose="020B0604020202020204" pitchFamily="34" charset="0"/>
+            </a:endParaRPr>
+          </a:p>
+          <a:p>
+            <a:endParaRPr lang="en-US" sz="1400" dirty="0">
+              <a:latin typeface="Arial" panose="020B0604020202020204" pitchFamily="34" charset="0"/>
+              <a:cs typeface="Arial" panose="020B0604020202020204" pitchFamily="34" charset="0"/>
+            </a:endParaRPr>
+          </a:p>
+          <a:p>
+            <a:r>
+              <a:rPr lang="en-US" sz="1400" dirty="0" smtClean="0">
+                <a:latin typeface="Arial" panose="020B0604020202020204" pitchFamily="34" charset="0"/>
+                <a:cs typeface="Arial" panose="020B0604020202020204" pitchFamily="34" charset="0"/>
+              </a:rPr>
+              <a:t>Best Practices .NET Core Web API </a:t>
+            </a:r>
+            <a:r>
+              <a:rPr lang="en-US" sz="1400" dirty="0">
+                <a:latin typeface="Arial" panose="020B0604020202020204" pitchFamily="34" charset="0"/>
+                <a:cs typeface="Arial" panose="020B0604020202020204" pitchFamily="34" charset="0"/>
+              </a:rPr>
+              <a:t>=&gt; </a:t>
+            </a:r>
+            <a:r>
+              <a:rPr lang="en-US" sz="1400" dirty="0">
+                <a:latin typeface="Arial" panose="020B0604020202020204" pitchFamily="34" charset="0"/>
+                <a:cs typeface="Arial" panose="020B0604020202020204" pitchFamily="34" charset="0"/>
+                <a:hlinkClick r:id="rId7"/>
+              </a:rPr>
+              <a:t>https://code-maze.com/aspnetcore-webapi-best-practices</a:t>
+            </a:r>
+            <a:r>
+              <a:rPr lang="en-US" sz="1400" dirty="0" smtClean="0">
+                <a:latin typeface="Arial" panose="020B0604020202020204" pitchFamily="34" charset="0"/>
+                <a:cs typeface="Arial" panose="020B0604020202020204" pitchFamily="34" charset="0"/>
+                <a:hlinkClick r:id="rId7"/>
+              </a:rPr>
+              <a:t>/</a:t>
+            </a:r>
+            <a:endParaRPr lang="en-US" sz="1400" dirty="0" smtClean="0">
+              <a:latin typeface="Arial" panose="020B0604020202020204" pitchFamily="34" charset="0"/>
+              <a:cs typeface="Arial" panose="020B0604020202020204" pitchFamily="34" charset="0"/>
+            </a:endParaRPr>
+          </a:p>
+          <a:p>
+            <a:endParaRPr lang="en-US" sz="1400" dirty="0">
+              <a:latin typeface="Arial" panose="020B0604020202020204" pitchFamily="34" charset="0"/>
+              <a:cs typeface="Arial" panose="020B0604020202020204" pitchFamily="34" charset="0"/>
+            </a:endParaRPr>
+          </a:p>
+          <a:p>
+            <a:r>
+              <a:rPr lang="en-US" sz="1400" dirty="0">
+                <a:latin typeface="Arial" panose="020B0604020202020204" pitchFamily="34" charset="0"/>
+                <a:cs typeface="Arial" panose="020B0604020202020204" pitchFamily="34" charset="0"/>
+              </a:rPr>
+              <a:t>Content Negotiation .NET Core =&gt; </a:t>
+            </a:r>
+            <a:r>
+              <a:rPr lang="en-US" sz="1400" dirty="0">
+                <a:latin typeface="Arial" panose="020B0604020202020204" pitchFamily="34" charset="0"/>
+                <a:cs typeface="Arial" panose="020B0604020202020204" pitchFamily="34" charset="0"/>
+                <a:hlinkClick r:id="rId8"/>
+              </a:rPr>
+              <a:t>https://code-maze.com/content-negotiation-dotnet-core</a:t>
+            </a:r>
+            <a:r>
+              <a:rPr lang="en-US" sz="1400" dirty="0" smtClean="0">
+                <a:latin typeface="Arial" panose="020B0604020202020204" pitchFamily="34" charset="0"/>
+                <a:cs typeface="Arial" panose="020B0604020202020204" pitchFamily="34" charset="0"/>
+                <a:hlinkClick r:id="rId8"/>
+              </a:rPr>
+              <a:t>/</a:t>
+            </a:r>
+            <a:endParaRPr lang="en-US" sz="1400" dirty="0" smtClean="0">
+              <a:latin typeface="Arial" panose="020B0604020202020204" pitchFamily="34" charset="0"/>
+              <a:cs typeface="Arial" panose="020B0604020202020204" pitchFamily="34" charset="0"/>
+            </a:endParaRPr>
+          </a:p>
+          <a:p>
+            <a:endParaRPr lang="en-US" sz="1400" dirty="0">
+              <a:latin typeface="Arial" panose="020B0604020202020204" pitchFamily="34" charset="0"/>
+              <a:cs typeface="Arial" panose="020B0604020202020204" pitchFamily="34" charset="0"/>
+            </a:endParaRPr>
+          </a:p>
+          <a:p>
+            <a:r>
+              <a:rPr lang="sr-Latn-RS" sz="1400" dirty="0" smtClean="0">
+                <a:latin typeface="Arial" panose="020B0604020202020204" pitchFamily="34" charset="0"/>
+                <a:cs typeface="Arial" panose="020B0604020202020204" pitchFamily="34" charset="0"/>
+              </a:rPr>
+              <a:t>Ove i mnoge druge informacije </a:t>
+            </a:r>
+            <a:r>
+              <a:rPr lang="en-US" sz="1400" dirty="0" smtClean="0">
+                <a:latin typeface="Arial" panose="020B0604020202020204" pitchFamily="34" charset="0"/>
+                <a:cs typeface="Arial" panose="020B0604020202020204" pitchFamily="34" charset="0"/>
+              </a:rPr>
+              <a:t>=&gt; </a:t>
+            </a:r>
+            <a:r>
+              <a:rPr lang="en-US" sz="1400" dirty="0" smtClean="0">
+                <a:latin typeface="Arial" panose="020B0604020202020204" pitchFamily="34" charset="0"/>
+                <a:cs typeface="Arial" panose="020B0604020202020204" pitchFamily="34" charset="0"/>
+                <a:hlinkClick r:id="rId9"/>
+              </a:rPr>
+              <a:t>https://www.google.rs</a:t>
+            </a:r>
+            <a:endParaRPr lang="en-US" sz="1400" dirty="0" smtClean="0">
+              <a:latin typeface="Arial" panose="020B0604020202020204" pitchFamily="34" charset="0"/>
+              <a:cs typeface="Arial" panose="020B0604020202020204" pitchFamily="34" charset="0"/>
+            </a:endParaRPr>
+          </a:p>
+        </p:txBody>
+      </p:sp>
+    </p:spTree>
+    <p:extLst>
+      <p:ext uri="{BB962C8B-B14F-4D97-AF65-F5344CB8AC3E}">
+        <p14:creationId xmlns:p14="http://schemas.microsoft.com/office/powerpoint/2010/main" val="225616452"/>
+      </p:ext>
+    </p:extLst>
+  </p:cSld>
+  <p:clrMapOvr>
+    <a:masterClrMapping/>
+  </p:clrMapOvr>
+  <p:timing>
+    <p:tnLst>
+      <p:par>
+        <p:cTn id="1" dur="indefinite" restart="never" nodeType="tmRoot">
+          <p:childTnLst>
+            <p:seq concurrent="1" nextAc="seek">
+              <p:cTn id="2" dur="indefinite" nodeType="mainSeq">
+                <p:childTnLst>
+                  <p:par>
+                    <p:cTn id="3" fill="hold">
+                      <p:stCondLst>
+                        <p:cond delay="indefinite"/>
+                      </p:stCondLst>
+                      <p:childTnLst>
+                        <p:par>
+                          <p:cTn id="4" fill="hold">
+                            <p:stCondLst>
+                              <p:cond delay="0"/>
+                            </p:stCondLst>
+                            <p:childTnLst>
+                              <p:par>
+                                <p:cTn id="5" presetID="2" presetClass="entr" presetSubtype="4" fill="hold" grpId="0" nodeType="clickEffect">
+                                  <p:stCondLst>
+                                    <p:cond delay="0"/>
+                                  </p:stCondLst>
+                                  <p:childTnLst>
+                                    <p:set>
+                                      <p:cBhvr>
+                                        <p:cTn id="6" dur="1" fill="hold">
+                                          <p:stCondLst>
+                                            <p:cond delay="0"/>
+                                          </p:stCondLst>
+                                        </p:cTn>
+                                        <p:tgtEl>
+                                          <p:spTgt spid="4"/>
+                                        </p:tgtEl>
+                                        <p:attrNameLst>
+                                          <p:attrName>style.visibility</p:attrName>
+                                        </p:attrNameLst>
+                                      </p:cBhvr>
+                                      <p:to>
+                                        <p:strVal val="visible"/>
+                                      </p:to>
+                                    </p:set>
+                                    <p:anim calcmode="lin" valueType="num">
+                                      <p:cBhvr additive="base">
+                                        <p:cTn id="7" dur="500" fill="hold"/>
+                                        <p:tgtEl>
+                                          <p:spTgt spid="4"/>
+                                        </p:tgtEl>
+                                        <p:attrNameLst>
+                                          <p:attrName>ppt_x</p:attrName>
+                                        </p:attrNameLst>
+                                      </p:cBhvr>
+                                      <p:tavLst>
+                                        <p:tav tm="0">
+                                          <p:val>
+                                            <p:strVal val="#ppt_x"/>
+                                          </p:val>
+                                        </p:tav>
+                                        <p:tav tm="100000">
+                                          <p:val>
+                                            <p:strVal val="#ppt_x"/>
+                                          </p:val>
+                                        </p:tav>
+                                      </p:tavLst>
+                                    </p:anim>
+                                    <p:anim calcmode="lin" valueType="num">
+                                      <p:cBhvr additive="base">
+                                        <p:cTn id="8" dur="500" fill="hold"/>
+                                        <p:tgtEl>
+                                          <p:spTgt spid="4"/>
                                         </p:tgtEl>
                                         <p:attrNameLst>
                                           <p:attrName>ppt_y</p:attrName>

--- a/.NET Core i Angular Web Dev.pptx
+++ b/.NET Core i Angular Web Dev.pptx
@@ -6,7 +6,7 @@
     <p:sldMasterId id="2147483661" r:id="rId2"/>
   </p:sldMasterIdLst>
   <p:notesMasterIdLst>
-    <p:notesMasterId r:id="rId27"/>
+    <p:notesMasterId r:id="rId39"/>
   </p:notesMasterIdLst>
   <p:sldIdLst>
     <p:sldId id="256" r:id="rId3"/>
@@ -33,6 +33,18 @@
     <p:sldId id="279" r:id="rId24"/>
     <p:sldId id="280" r:id="rId25"/>
     <p:sldId id="281" r:id="rId26"/>
+    <p:sldId id="282" r:id="rId27"/>
+    <p:sldId id="283" r:id="rId28"/>
+    <p:sldId id="284" r:id="rId29"/>
+    <p:sldId id="285" r:id="rId30"/>
+    <p:sldId id="286" r:id="rId31"/>
+    <p:sldId id="287" r:id="rId32"/>
+    <p:sldId id="288" r:id="rId33"/>
+    <p:sldId id="289" r:id="rId34"/>
+    <p:sldId id="290" r:id="rId35"/>
+    <p:sldId id="291" r:id="rId36"/>
+    <p:sldId id="292" r:id="rId37"/>
+    <p:sldId id="293" r:id="rId38"/>
   </p:sldIdLst>
   <p:sldSz cx="9144000" cy="5143500" type="screen16x9"/>
   <p:notesSz cx="6858000" cy="9144000"/>
@@ -160,6 +172,18 @@
             <p14:sldId id="279"/>
             <p14:sldId id="280"/>
             <p14:sldId id="281"/>
+            <p14:sldId id="282"/>
+            <p14:sldId id="283"/>
+            <p14:sldId id="284"/>
+            <p14:sldId id="285"/>
+            <p14:sldId id="286"/>
+            <p14:sldId id="287"/>
+            <p14:sldId id="288"/>
+            <p14:sldId id="289"/>
+            <p14:sldId id="290"/>
+            <p14:sldId id="291"/>
+            <p14:sldId id="292"/>
+            <p14:sldId id="293"/>
           </p14:sldIdLst>
         </p14:section>
       </p14:sectionLst>
@@ -264,7 +288,7 @@
           <a:p>
             <a:fld id="{9395AC98-444F-491B-ACBF-243E6E8872C7}" type="datetimeFigureOut">
               <a:rPr lang="en-US" smtClean="0"/>
-              <a:t>11/27/2018</a:t>
+              <a:t>11/30/2018</a:t>
             </a:fld>
             <a:endParaRPr lang="en-US"/>
           </a:p>
@@ -990,7 +1014,7 @@
           <a:p>
             <a:fld id="{63937D59-5EDB-4C39-B697-625748F703B6}" type="datetimeFigureOut">
               <a:rPr lang="en-US" smtClean="0"/>
-              <a:t>11/27/2018</a:t>
+              <a:t>11/30/2018</a:t>
             </a:fld>
             <a:endParaRPr lang="en-US"/>
           </a:p>
@@ -1267,7 +1291,7 @@
           <a:p>
             <a:fld id="{63937D59-5EDB-4C39-B697-625748F703B6}" type="datetimeFigureOut">
               <a:rPr lang="en-US" smtClean="0"/>
-              <a:t>11/27/2018</a:t>
+              <a:t>11/30/2018</a:t>
             </a:fld>
             <a:endParaRPr lang="en-US"/>
           </a:p>
@@ -1520,7 +1544,7 @@
           <a:p>
             <a:fld id="{63937D59-5EDB-4C39-B697-625748F703B6}" type="datetimeFigureOut">
               <a:rPr lang="en-US" smtClean="0"/>
-              <a:t>11/27/2018</a:t>
+              <a:t>11/30/2018</a:t>
             </a:fld>
             <a:endParaRPr lang="en-US"/>
           </a:p>
@@ -1690,7 +1714,7 @@
           <a:p>
             <a:fld id="{63937D59-5EDB-4C39-B697-625748F703B6}" type="datetimeFigureOut">
               <a:rPr lang="en-US" smtClean="0"/>
-              <a:t>11/27/2018</a:t>
+              <a:t>11/30/2018</a:t>
             </a:fld>
             <a:endParaRPr lang="en-US"/>
           </a:p>
@@ -1870,7 +1894,7 @@
           <a:p>
             <a:fld id="{63937D59-5EDB-4C39-B697-625748F703B6}" type="datetimeFigureOut">
               <a:rPr lang="en-US" smtClean="0"/>
-              <a:t>11/27/2018</a:t>
+              <a:t>11/30/2018</a:t>
             </a:fld>
             <a:endParaRPr lang="en-US"/>
           </a:p>
@@ -2691,7 +2715,7 @@
           <a:p>
             <a:fld id="{63937D59-5EDB-4C39-B697-625748F703B6}" type="datetimeFigureOut">
               <a:rPr lang="en-US" smtClean="0"/>
-              <a:t>11/27/2018</a:t>
+              <a:t>11/30/2018</a:t>
             </a:fld>
             <a:endParaRPr lang="en-US"/>
           </a:p>
@@ -2868,7 +2892,7 @@
           <a:p>
             <a:fld id="{63937D59-5EDB-4C39-B697-625748F703B6}" type="datetimeFigureOut">
               <a:rPr lang="en-US" smtClean="0"/>
-              <a:t>11/27/2018</a:t>
+              <a:t>11/30/2018</a:t>
             </a:fld>
             <a:endParaRPr lang="en-US"/>
           </a:p>
@@ -3114,7 +3138,7 @@
           <a:p>
             <a:fld id="{63937D59-5EDB-4C39-B697-625748F703B6}" type="datetimeFigureOut">
               <a:rPr lang="en-US" smtClean="0"/>
-              <a:t>11/27/2018</a:t>
+              <a:t>11/30/2018</a:t>
             </a:fld>
             <a:endParaRPr lang="en-US"/>
           </a:p>
@@ -3402,7 +3426,7 @@
           <a:p>
             <a:fld id="{63937D59-5EDB-4C39-B697-625748F703B6}" type="datetimeFigureOut">
               <a:rPr lang="en-US" smtClean="0"/>
-              <a:t>11/27/2018</a:t>
+              <a:t>11/30/2018</a:t>
             </a:fld>
             <a:endParaRPr lang="en-US"/>
           </a:p>
@@ -3824,7 +3848,7 @@
           <a:p>
             <a:fld id="{63937D59-5EDB-4C39-B697-625748F703B6}" type="datetimeFigureOut">
               <a:rPr lang="en-US" smtClean="0"/>
-              <a:t>11/27/2018</a:t>
+              <a:t>11/30/2018</a:t>
             </a:fld>
             <a:endParaRPr lang="en-US"/>
           </a:p>
@@ -3942,7 +3966,7 @@
           <a:p>
             <a:fld id="{63937D59-5EDB-4C39-B697-625748F703B6}" type="datetimeFigureOut">
               <a:rPr lang="en-US" smtClean="0"/>
-              <a:t>11/27/2018</a:t>
+              <a:t>11/30/2018</a:t>
             </a:fld>
             <a:endParaRPr lang="en-US"/>
           </a:p>
@@ -4446,7 +4470,7 @@
           <a:p>
             <a:fld id="{63937D59-5EDB-4C39-B697-625748F703B6}" type="datetimeFigureOut">
               <a:rPr lang="en-US" smtClean="0"/>
-              <a:t>11/27/2018</a:t>
+              <a:t>11/30/2018</a:t>
             </a:fld>
             <a:endParaRPr lang="en-US"/>
           </a:p>
@@ -11782,6 +11806,3360 @@
 </p:sld>
 </file>
 
+<file path=ppt/slides/slide25.xml><?xml version="1.0" encoding="utf-8"?>
+<p:sld xmlns:a="http://schemas.openxmlformats.org/drawingml/2006/main" xmlns:r="http://schemas.openxmlformats.org/officeDocument/2006/relationships" xmlns:p="http://schemas.openxmlformats.org/presentationml/2006/main">
+  <p:cSld>
+    <p:spTree>
+      <p:nvGrpSpPr>
+        <p:cNvPr id="1" name=""/>
+        <p:cNvGrpSpPr/>
+        <p:nvPr/>
+      </p:nvGrpSpPr>
+      <p:grpSpPr>
+        <a:xfrm>
+          <a:off x="0" y="0"/>
+          <a:ext cx="0" cy="0"/>
+          <a:chOff x="0" y="0"/>
+          <a:chExt cx="0" cy="0"/>
+        </a:xfrm>
+      </p:grpSpPr>
+      <p:sp>
+        <p:nvSpPr>
+          <p:cNvPr id="3" name="Title 2"/>
+          <p:cNvSpPr>
+            <a:spLocks noGrp="1"/>
+          </p:cNvSpPr>
+          <p:nvPr>
+            <p:ph type="title"/>
+          </p:nvPr>
+        </p:nvSpPr>
+        <p:spPr>
+          <a:xfrm>
+            <a:off x="1619672" y="-1"/>
+            <a:ext cx="7524328" cy="771551"/>
+          </a:xfrm>
+        </p:spPr>
+        <p:txBody>
+          <a:bodyPr/>
+          <a:lstStyle/>
+          <a:p>
+            <a:pPr algn="ctr"/>
+            <a:r>
+              <a:rPr lang="en-US" altLang="ko-KR" dirty="0" err="1" smtClean="0"/>
+              <a:t>Priprema</a:t>
+            </a:r>
+            <a:r>
+              <a:rPr lang="en-US" altLang="ko-KR" dirty="0"/>
+              <a:t> </a:t>
+            </a:r>
+            <a:r>
+              <a:rPr lang="en-US" altLang="ko-KR" dirty="0" smtClean="0"/>
+              <a:t>Angular </a:t>
+            </a:r>
+            <a:r>
+              <a:rPr lang="en-US" altLang="ko-KR" dirty="0" err="1" smtClean="0"/>
+              <a:t>Projekta</a:t>
+            </a:r>
+            <a:endParaRPr lang="ko-KR" altLang="en-US" dirty="0"/>
+          </a:p>
+        </p:txBody>
+      </p:sp>
+      <p:sp>
+        <p:nvSpPr>
+          <p:cNvPr id="5" name="TextBox 4"/>
+          <p:cNvSpPr txBox="1"/>
+          <p:nvPr/>
+        </p:nvSpPr>
+        <p:spPr>
+          <a:xfrm>
+            <a:off x="1585231" y="1053629"/>
+            <a:ext cx="7200800" cy="307777"/>
+          </a:xfrm>
+          <a:prstGeom prst="rect">
+            <a:avLst/>
+          </a:prstGeom>
+          <a:noFill/>
+        </p:spPr>
+        <p:txBody>
+          <a:bodyPr wrap="square" rtlCol="0">
+            <a:spAutoFit/>
+          </a:bodyPr>
+          <a:lstStyle/>
+          <a:p>
+            <a:r>
+              <a:rPr lang="en-US" sz="1400" dirty="0" smtClean="0">
+                <a:latin typeface="Arial" panose="020B0604020202020204" pitchFamily="34" charset="0"/>
+                <a:cs typeface="Arial" panose="020B0604020202020204" pitchFamily="34" charset="0"/>
+              </a:rPr>
+              <a:t>Pre </a:t>
+            </a:r>
+            <a:r>
+              <a:rPr lang="en-US" sz="1400" dirty="0" err="1" smtClean="0">
+                <a:latin typeface="Arial" panose="020B0604020202020204" pitchFamily="34" charset="0"/>
+                <a:cs typeface="Arial" panose="020B0604020202020204" pitchFamily="34" charset="0"/>
+              </a:rPr>
+              <a:t>kreiranja</a:t>
+            </a:r>
+            <a:r>
+              <a:rPr lang="en-US" sz="1400" dirty="0" smtClean="0">
+                <a:latin typeface="Arial" panose="020B0604020202020204" pitchFamily="34" charset="0"/>
+                <a:cs typeface="Arial" panose="020B0604020202020204" pitchFamily="34" charset="0"/>
+              </a:rPr>
+              <a:t> </a:t>
+            </a:r>
+            <a:r>
+              <a:rPr lang="en-US" sz="1400" dirty="0" err="1" smtClean="0">
+                <a:latin typeface="Arial" panose="020B0604020202020204" pitchFamily="34" charset="0"/>
+                <a:cs typeface="Arial" panose="020B0604020202020204" pitchFamily="34" charset="0"/>
+              </a:rPr>
+              <a:t>projekta</a:t>
+            </a:r>
+            <a:r>
+              <a:rPr lang="en-US" sz="1400" dirty="0" smtClean="0">
+                <a:latin typeface="Arial" panose="020B0604020202020204" pitchFamily="34" charset="0"/>
+                <a:cs typeface="Arial" panose="020B0604020202020204" pitchFamily="34" charset="0"/>
+              </a:rPr>
+              <a:t>, </a:t>
+            </a:r>
+            <a:r>
+              <a:rPr lang="sr-Latn-RS" sz="1400" dirty="0" smtClean="0">
+                <a:latin typeface="Arial" panose="020B0604020202020204" pitchFamily="34" charset="0"/>
+                <a:cs typeface="Arial" panose="020B0604020202020204" pitchFamily="34" charset="0"/>
+              </a:rPr>
+              <a:t>uvek je preporuka da instalirate Angular CLI   </a:t>
+            </a:r>
+            <a:endParaRPr lang="en-US" sz="1400" dirty="0">
+              <a:latin typeface="Arial" panose="020B0604020202020204" pitchFamily="34" charset="0"/>
+              <a:cs typeface="Arial" panose="020B0604020202020204" pitchFamily="34" charset="0"/>
+            </a:endParaRPr>
+          </a:p>
+        </p:txBody>
+      </p:sp>
+      <p:sp>
+        <p:nvSpPr>
+          <p:cNvPr id="6" name="TextBox 5"/>
+          <p:cNvSpPr txBox="1"/>
+          <p:nvPr/>
+        </p:nvSpPr>
+        <p:spPr>
+          <a:xfrm>
+            <a:off x="1621494" y="1643485"/>
+            <a:ext cx="7200800" cy="523220"/>
+          </a:xfrm>
+          <a:prstGeom prst="rect">
+            <a:avLst/>
+          </a:prstGeom>
+          <a:noFill/>
+        </p:spPr>
+        <p:txBody>
+          <a:bodyPr wrap="square" rtlCol="0">
+            <a:spAutoFit/>
+          </a:bodyPr>
+          <a:lstStyle/>
+          <a:p>
+            <a:r>
+              <a:rPr lang="sr-Latn-RS" sz="1400" dirty="0" smtClean="0">
+                <a:latin typeface="Arial" panose="020B0604020202020204" pitchFamily="34" charset="0"/>
+                <a:cs typeface="Arial" panose="020B0604020202020204" pitchFamily="34" charset="0"/>
+              </a:rPr>
+              <a:t>Olakšava kreiranje projekta, pravljenje fajlova u samom projektu, priprema fajlova za </a:t>
+            </a:r>
+          </a:p>
+          <a:p>
+            <a:r>
+              <a:rPr lang="sr-Latn-RS" sz="1400" dirty="0" smtClean="0">
+                <a:latin typeface="Arial" panose="020B0604020202020204" pitchFamily="34" charset="0"/>
+                <a:cs typeface="Arial" panose="020B0604020202020204" pitchFamily="34" charset="0"/>
+              </a:rPr>
+              <a:t>p</a:t>
+            </a:r>
+            <a:r>
+              <a:rPr lang="sr-Latn-RS" sz="1400" dirty="0" smtClean="0">
+                <a:latin typeface="Arial" panose="020B0604020202020204" pitchFamily="34" charset="0"/>
+                <a:cs typeface="Arial" panose="020B0604020202020204" pitchFamily="34" charset="0"/>
+              </a:rPr>
+              <a:t>rodukciju, kao i testiranje projekta.</a:t>
+            </a:r>
+            <a:endParaRPr lang="en-US" sz="1400" dirty="0">
+              <a:latin typeface="Arial" panose="020B0604020202020204" pitchFamily="34" charset="0"/>
+              <a:cs typeface="Arial" panose="020B0604020202020204" pitchFamily="34" charset="0"/>
+            </a:endParaRPr>
+          </a:p>
+        </p:txBody>
+      </p:sp>
+      <p:sp>
+        <p:nvSpPr>
+          <p:cNvPr id="7" name="TextBox 6"/>
+          <p:cNvSpPr txBox="1"/>
+          <p:nvPr/>
+        </p:nvSpPr>
+        <p:spPr>
+          <a:xfrm>
+            <a:off x="1585231" y="2454156"/>
+            <a:ext cx="7200800" cy="523220"/>
+          </a:xfrm>
+          <a:prstGeom prst="rect">
+            <a:avLst/>
+          </a:prstGeom>
+          <a:noFill/>
+        </p:spPr>
+        <p:txBody>
+          <a:bodyPr wrap="square" rtlCol="0">
+            <a:spAutoFit/>
+          </a:bodyPr>
+          <a:lstStyle/>
+          <a:p>
+            <a:r>
+              <a:rPr lang="en-US" sz="1400" dirty="0">
+                <a:latin typeface="Arial" panose="020B0604020202020204" pitchFamily="34" charset="0"/>
+                <a:cs typeface="Arial" panose="020B0604020202020204" pitchFamily="34" charset="0"/>
+                <a:hlinkClick r:id="rId2"/>
+              </a:rPr>
+              <a:t>https://</a:t>
+            </a:r>
+            <a:r>
+              <a:rPr lang="en-US" sz="1400" dirty="0" smtClean="0">
+                <a:latin typeface="Arial" panose="020B0604020202020204" pitchFamily="34" charset="0"/>
+                <a:cs typeface="Arial" panose="020B0604020202020204" pitchFamily="34" charset="0"/>
+                <a:hlinkClick r:id="rId2"/>
+              </a:rPr>
+              <a:t>github.com/angular/angular-cli/blob/master/packages/angular/cli/README.md</a:t>
+            </a:r>
+            <a:endParaRPr lang="sr-Latn-RS" sz="1400" dirty="0" smtClean="0">
+              <a:latin typeface="Arial" panose="020B0604020202020204" pitchFamily="34" charset="0"/>
+              <a:cs typeface="Arial" panose="020B0604020202020204" pitchFamily="34" charset="0"/>
+            </a:endParaRPr>
+          </a:p>
+          <a:p>
+            <a:endParaRPr lang="sr-Latn-RS" sz="1400" dirty="0" smtClean="0">
+              <a:latin typeface="Arial" panose="020B0604020202020204" pitchFamily="34" charset="0"/>
+              <a:cs typeface="Arial" panose="020B0604020202020204" pitchFamily="34" charset="0"/>
+            </a:endParaRPr>
+          </a:p>
+        </p:txBody>
+      </p:sp>
+      <p:sp>
+        <p:nvSpPr>
+          <p:cNvPr id="8" name="TextBox 7"/>
+          <p:cNvSpPr txBox="1"/>
+          <p:nvPr/>
+        </p:nvSpPr>
+        <p:spPr>
+          <a:xfrm>
+            <a:off x="1585231" y="3264827"/>
+            <a:ext cx="7200800" cy="307777"/>
+          </a:xfrm>
+          <a:prstGeom prst="rect">
+            <a:avLst/>
+          </a:prstGeom>
+          <a:noFill/>
+        </p:spPr>
+        <p:txBody>
+          <a:bodyPr wrap="square" rtlCol="0">
+            <a:spAutoFit/>
+          </a:bodyPr>
+          <a:lstStyle/>
+          <a:p>
+            <a:r>
+              <a:rPr lang="sr-Latn-RS" sz="1400" dirty="0" smtClean="0">
+                <a:latin typeface="Arial" panose="020B0604020202020204" pitchFamily="34" charset="0"/>
+                <a:cs typeface="Arial" panose="020B0604020202020204" pitchFamily="34" charset="0"/>
+              </a:rPr>
+              <a:t>Zahtevan je Node.js koji u sebi ima i npm instalaciju obezbeđenu</a:t>
+            </a:r>
+          </a:p>
+        </p:txBody>
+      </p:sp>
+      <p:sp>
+        <p:nvSpPr>
+          <p:cNvPr id="9" name="TextBox 8"/>
+          <p:cNvSpPr txBox="1"/>
+          <p:nvPr/>
+        </p:nvSpPr>
+        <p:spPr>
+          <a:xfrm>
+            <a:off x="1585231" y="3860055"/>
+            <a:ext cx="7200800" cy="307777"/>
+          </a:xfrm>
+          <a:prstGeom prst="rect">
+            <a:avLst/>
+          </a:prstGeom>
+          <a:noFill/>
+        </p:spPr>
+        <p:txBody>
+          <a:bodyPr wrap="square" rtlCol="0">
+            <a:spAutoFit/>
+          </a:bodyPr>
+          <a:lstStyle/>
+          <a:p>
+            <a:r>
+              <a:rPr lang="sr-Latn-RS" sz="1400" dirty="0" smtClean="0">
+                <a:latin typeface="Arial" panose="020B0604020202020204" pitchFamily="34" charset="0"/>
+                <a:cs typeface="Arial" panose="020B0604020202020204" pitchFamily="34" charset="0"/>
+              </a:rPr>
+              <a:t>Code editor, moja preporuka Visual Studio Code</a:t>
+            </a:r>
+          </a:p>
+        </p:txBody>
+      </p:sp>
+    </p:spTree>
+    <p:extLst>
+      <p:ext uri="{BB962C8B-B14F-4D97-AF65-F5344CB8AC3E}">
+        <p14:creationId xmlns:p14="http://schemas.microsoft.com/office/powerpoint/2010/main" val="3639481443"/>
+      </p:ext>
+    </p:extLst>
+  </p:cSld>
+  <p:clrMapOvr>
+    <a:masterClrMapping/>
+  </p:clrMapOvr>
+  <p:timing>
+    <p:tnLst>
+      <p:par>
+        <p:cTn id="1" dur="indefinite" restart="never" nodeType="tmRoot">
+          <p:childTnLst>
+            <p:seq concurrent="1" nextAc="seek">
+              <p:cTn id="2" dur="indefinite" nodeType="mainSeq">
+                <p:childTnLst>
+                  <p:par>
+                    <p:cTn id="3" fill="hold">
+                      <p:stCondLst>
+                        <p:cond delay="indefinite"/>
+                      </p:stCondLst>
+                      <p:childTnLst>
+                        <p:par>
+                          <p:cTn id="4" fill="hold">
+                            <p:stCondLst>
+                              <p:cond delay="0"/>
+                            </p:stCondLst>
+                            <p:childTnLst>
+                              <p:par>
+                                <p:cTn id="5" presetID="2" presetClass="entr" presetSubtype="4" fill="hold" grpId="0" nodeType="clickEffect">
+                                  <p:stCondLst>
+                                    <p:cond delay="0"/>
+                                  </p:stCondLst>
+                                  <p:childTnLst>
+                                    <p:set>
+                                      <p:cBhvr>
+                                        <p:cTn id="6" dur="1" fill="hold">
+                                          <p:stCondLst>
+                                            <p:cond delay="0"/>
+                                          </p:stCondLst>
+                                        </p:cTn>
+                                        <p:tgtEl>
+                                          <p:spTgt spid="5"/>
+                                        </p:tgtEl>
+                                        <p:attrNameLst>
+                                          <p:attrName>style.visibility</p:attrName>
+                                        </p:attrNameLst>
+                                      </p:cBhvr>
+                                      <p:to>
+                                        <p:strVal val="visible"/>
+                                      </p:to>
+                                    </p:set>
+                                    <p:anim calcmode="lin" valueType="num">
+                                      <p:cBhvr additive="base">
+                                        <p:cTn id="7" dur="500" fill="hold"/>
+                                        <p:tgtEl>
+                                          <p:spTgt spid="5"/>
+                                        </p:tgtEl>
+                                        <p:attrNameLst>
+                                          <p:attrName>ppt_x</p:attrName>
+                                        </p:attrNameLst>
+                                      </p:cBhvr>
+                                      <p:tavLst>
+                                        <p:tav tm="0">
+                                          <p:val>
+                                            <p:strVal val="#ppt_x"/>
+                                          </p:val>
+                                        </p:tav>
+                                        <p:tav tm="100000">
+                                          <p:val>
+                                            <p:strVal val="#ppt_x"/>
+                                          </p:val>
+                                        </p:tav>
+                                      </p:tavLst>
+                                    </p:anim>
+                                    <p:anim calcmode="lin" valueType="num">
+                                      <p:cBhvr additive="base">
+                                        <p:cTn id="8" dur="500" fill="hold"/>
+                                        <p:tgtEl>
+                                          <p:spTgt spid="5"/>
+                                        </p:tgtEl>
+                                        <p:attrNameLst>
+                                          <p:attrName>ppt_y</p:attrName>
+                                        </p:attrNameLst>
+                                      </p:cBhvr>
+                                      <p:tavLst>
+                                        <p:tav tm="0">
+                                          <p:val>
+                                            <p:strVal val="1+#ppt_h/2"/>
+                                          </p:val>
+                                        </p:tav>
+                                        <p:tav tm="100000">
+                                          <p:val>
+                                            <p:strVal val="#ppt_y"/>
+                                          </p:val>
+                                        </p:tav>
+                                      </p:tavLst>
+                                    </p:anim>
+                                  </p:childTnLst>
+                                </p:cTn>
+                              </p:par>
+                            </p:childTnLst>
+                          </p:cTn>
+                        </p:par>
+                      </p:childTnLst>
+                    </p:cTn>
+                  </p:par>
+                  <p:par>
+                    <p:cTn id="9" fill="hold">
+                      <p:stCondLst>
+                        <p:cond delay="indefinite"/>
+                      </p:stCondLst>
+                      <p:childTnLst>
+                        <p:par>
+                          <p:cTn id="10" fill="hold">
+                            <p:stCondLst>
+                              <p:cond delay="0"/>
+                            </p:stCondLst>
+                            <p:childTnLst>
+                              <p:par>
+                                <p:cTn id="11" presetID="2" presetClass="entr" presetSubtype="4" fill="hold" grpId="0" nodeType="clickEffect">
+                                  <p:stCondLst>
+                                    <p:cond delay="0"/>
+                                  </p:stCondLst>
+                                  <p:childTnLst>
+                                    <p:set>
+                                      <p:cBhvr>
+                                        <p:cTn id="12" dur="1" fill="hold">
+                                          <p:stCondLst>
+                                            <p:cond delay="0"/>
+                                          </p:stCondLst>
+                                        </p:cTn>
+                                        <p:tgtEl>
+                                          <p:spTgt spid="6"/>
+                                        </p:tgtEl>
+                                        <p:attrNameLst>
+                                          <p:attrName>style.visibility</p:attrName>
+                                        </p:attrNameLst>
+                                      </p:cBhvr>
+                                      <p:to>
+                                        <p:strVal val="visible"/>
+                                      </p:to>
+                                    </p:set>
+                                    <p:anim calcmode="lin" valueType="num">
+                                      <p:cBhvr additive="base">
+                                        <p:cTn id="13" dur="500" fill="hold"/>
+                                        <p:tgtEl>
+                                          <p:spTgt spid="6"/>
+                                        </p:tgtEl>
+                                        <p:attrNameLst>
+                                          <p:attrName>ppt_x</p:attrName>
+                                        </p:attrNameLst>
+                                      </p:cBhvr>
+                                      <p:tavLst>
+                                        <p:tav tm="0">
+                                          <p:val>
+                                            <p:strVal val="#ppt_x"/>
+                                          </p:val>
+                                        </p:tav>
+                                        <p:tav tm="100000">
+                                          <p:val>
+                                            <p:strVal val="#ppt_x"/>
+                                          </p:val>
+                                        </p:tav>
+                                      </p:tavLst>
+                                    </p:anim>
+                                    <p:anim calcmode="lin" valueType="num">
+                                      <p:cBhvr additive="base">
+                                        <p:cTn id="14" dur="500" fill="hold"/>
+                                        <p:tgtEl>
+                                          <p:spTgt spid="6"/>
+                                        </p:tgtEl>
+                                        <p:attrNameLst>
+                                          <p:attrName>ppt_y</p:attrName>
+                                        </p:attrNameLst>
+                                      </p:cBhvr>
+                                      <p:tavLst>
+                                        <p:tav tm="0">
+                                          <p:val>
+                                            <p:strVal val="1+#ppt_h/2"/>
+                                          </p:val>
+                                        </p:tav>
+                                        <p:tav tm="100000">
+                                          <p:val>
+                                            <p:strVal val="#ppt_y"/>
+                                          </p:val>
+                                        </p:tav>
+                                      </p:tavLst>
+                                    </p:anim>
+                                  </p:childTnLst>
+                                </p:cTn>
+                              </p:par>
+                            </p:childTnLst>
+                          </p:cTn>
+                        </p:par>
+                      </p:childTnLst>
+                    </p:cTn>
+                  </p:par>
+                  <p:par>
+                    <p:cTn id="15" fill="hold">
+                      <p:stCondLst>
+                        <p:cond delay="indefinite"/>
+                      </p:stCondLst>
+                      <p:childTnLst>
+                        <p:par>
+                          <p:cTn id="16" fill="hold">
+                            <p:stCondLst>
+                              <p:cond delay="0"/>
+                            </p:stCondLst>
+                            <p:childTnLst>
+                              <p:par>
+                                <p:cTn id="17" presetID="2" presetClass="entr" presetSubtype="4" fill="hold" grpId="0" nodeType="clickEffect">
+                                  <p:stCondLst>
+                                    <p:cond delay="0"/>
+                                  </p:stCondLst>
+                                  <p:childTnLst>
+                                    <p:set>
+                                      <p:cBhvr>
+                                        <p:cTn id="18" dur="1" fill="hold">
+                                          <p:stCondLst>
+                                            <p:cond delay="0"/>
+                                          </p:stCondLst>
+                                        </p:cTn>
+                                        <p:tgtEl>
+                                          <p:spTgt spid="7"/>
+                                        </p:tgtEl>
+                                        <p:attrNameLst>
+                                          <p:attrName>style.visibility</p:attrName>
+                                        </p:attrNameLst>
+                                      </p:cBhvr>
+                                      <p:to>
+                                        <p:strVal val="visible"/>
+                                      </p:to>
+                                    </p:set>
+                                    <p:anim calcmode="lin" valueType="num">
+                                      <p:cBhvr additive="base">
+                                        <p:cTn id="19" dur="500" fill="hold"/>
+                                        <p:tgtEl>
+                                          <p:spTgt spid="7"/>
+                                        </p:tgtEl>
+                                        <p:attrNameLst>
+                                          <p:attrName>ppt_x</p:attrName>
+                                        </p:attrNameLst>
+                                      </p:cBhvr>
+                                      <p:tavLst>
+                                        <p:tav tm="0">
+                                          <p:val>
+                                            <p:strVal val="#ppt_x"/>
+                                          </p:val>
+                                        </p:tav>
+                                        <p:tav tm="100000">
+                                          <p:val>
+                                            <p:strVal val="#ppt_x"/>
+                                          </p:val>
+                                        </p:tav>
+                                      </p:tavLst>
+                                    </p:anim>
+                                    <p:anim calcmode="lin" valueType="num">
+                                      <p:cBhvr additive="base">
+                                        <p:cTn id="20" dur="500" fill="hold"/>
+                                        <p:tgtEl>
+                                          <p:spTgt spid="7"/>
+                                        </p:tgtEl>
+                                        <p:attrNameLst>
+                                          <p:attrName>ppt_y</p:attrName>
+                                        </p:attrNameLst>
+                                      </p:cBhvr>
+                                      <p:tavLst>
+                                        <p:tav tm="0">
+                                          <p:val>
+                                            <p:strVal val="1+#ppt_h/2"/>
+                                          </p:val>
+                                        </p:tav>
+                                        <p:tav tm="100000">
+                                          <p:val>
+                                            <p:strVal val="#ppt_y"/>
+                                          </p:val>
+                                        </p:tav>
+                                      </p:tavLst>
+                                    </p:anim>
+                                  </p:childTnLst>
+                                </p:cTn>
+                              </p:par>
+                            </p:childTnLst>
+                          </p:cTn>
+                        </p:par>
+                      </p:childTnLst>
+                    </p:cTn>
+                  </p:par>
+                  <p:par>
+                    <p:cTn id="21" fill="hold">
+                      <p:stCondLst>
+                        <p:cond delay="indefinite"/>
+                      </p:stCondLst>
+                      <p:childTnLst>
+                        <p:par>
+                          <p:cTn id="22" fill="hold">
+                            <p:stCondLst>
+                              <p:cond delay="0"/>
+                            </p:stCondLst>
+                            <p:childTnLst>
+                              <p:par>
+                                <p:cTn id="23" presetID="2" presetClass="entr" presetSubtype="4" fill="hold" grpId="0" nodeType="clickEffect">
+                                  <p:stCondLst>
+                                    <p:cond delay="0"/>
+                                  </p:stCondLst>
+                                  <p:childTnLst>
+                                    <p:set>
+                                      <p:cBhvr>
+                                        <p:cTn id="24" dur="1" fill="hold">
+                                          <p:stCondLst>
+                                            <p:cond delay="0"/>
+                                          </p:stCondLst>
+                                        </p:cTn>
+                                        <p:tgtEl>
+                                          <p:spTgt spid="8"/>
+                                        </p:tgtEl>
+                                        <p:attrNameLst>
+                                          <p:attrName>style.visibility</p:attrName>
+                                        </p:attrNameLst>
+                                      </p:cBhvr>
+                                      <p:to>
+                                        <p:strVal val="visible"/>
+                                      </p:to>
+                                    </p:set>
+                                    <p:anim calcmode="lin" valueType="num">
+                                      <p:cBhvr additive="base">
+                                        <p:cTn id="25" dur="500" fill="hold"/>
+                                        <p:tgtEl>
+                                          <p:spTgt spid="8"/>
+                                        </p:tgtEl>
+                                        <p:attrNameLst>
+                                          <p:attrName>ppt_x</p:attrName>
+                                        </p:attrNameLst>
+                                      </p:cBhvr>
+                                      <p:tavLst>
+                                        <p:tav tm="0">
+                                          <p:val>
+                                            <p:strVal val="#ppt_x"/>
+                                          </p:val>
+                                        </p:tav>
+                                        <p:tav tm="100000">
+                                          <p:val>
+                                            <p:strVal val="#ppt_x"/>
+                                          </p:val>
+                                        </p:tav>
+                                      </p:tavLst>
+                                    </p:anim>
+                                    <p:anim calcmode="lin" valueType="num">
+                                      <p:cBhvr additive="base">
+                                        <p:cTn id="26" dur="500" fill="hold"/>
+                                        <p:tgtEl>
+                                          <p:spTgt spid="8"/>
+                                        </p:tgtEl>
+                                        <p:attrNameLst>
+                                          <p:attrName>ppt_y</p:attrName>
+                                        </p:attrNameLst>
+                                      </p:cBhvr>
+                                      <p:tavLst>
+                                        <p:tav tm="0">
+                                          <p:val>
+                                            <p:strVal val="1+#ppt_h/2"/>
+                                          </p:val>
+                                        </p:tav>
+                                        <p:tav tm="100000">
+                                          <p:val>
+                                            <p:strVal val="#ppt_y"/>
+                                          </p:val>
+                                        </p:tav>
+                                      </p:tavLst>
+                                    </p:anim>
+                                  </p:childTnLst>
+                                </p:cTn>
+                              </p:par>
+                            </p:childTnLst>
+                          </p:cTn>
+                        </p:par>
+                      </p:childTnLst>
+                    </p:cTn>
+                  </p:par>
+                  <p:par>
+                    <p:cTn id="27" fill="hold">
+                      <p:stCondLst>
+                        <p:cond delay="indefinite"/>
+                      </p:stCondLst>
+                      <p:childTnLst>
+                        <p:par>
+                          <p:cTn id="28" fill="hold">
+                            <p:stCondLst>
+                              <p:cond delay="0"/>
+                            </p:stCondLst>
+                            <p:childTnLst>
+                              <p:par>
+                                <p:cTn id="29" presetID="2" presetClass="entr" presetSubtype="4" fill="hold" grpId="0" nodeType="clickEffect">
+                                  <p:stCondLst>
+                                    <p:cond delay="0"/>
+                                  </p:stCondLst>
+                                  <p:childTnLst>
+                                    <p:set>
+                                      <p:cBhvr>
+                                        <p:cTn id="30" dur="1" fill="hold">
+                                          <p:stCondLst>
+                                            <p:cond delay="0"/>
+                                          </p:stCondLst>
+                                        </p:cTn>
+                                        <p:tgtEl>
+                                          <p:spTgt spid="9"/>
+                                        </p:tgtEl>
+                                        <p:attrNameLst>
+                                          <p:attrName>style.visibility</p:attrName>
+                                        </p:attrNameLst>
+                                      </p:cBhvr>
+                                      <p:to>
+                                        <p:strVal val="visible"/>
+                                      </p:to>
+                                    </p:set>
+                                    <p:anim calcmode="lin" valueType="num">
+                                      <p:cBhvr additive="base">
+                                        <p:cTn id="31" dur="500" fill="hold"/>
+                                        <p:tgtEl>
+                                          <p:spTgt spid="9"/>
+                                        </p:tgtEl>
+                                        <p:attrNameLst>
+                                          <p:attrName>ppt_x</p:attrName>
+                                        </p:attrNameLst>
+                                      </p:cBhvr>
+                                      <p:tavLst>
+                                        <p:tav tm="0">
+                                          <p:val>
+                                            <p:strVal val="#ppt_x"/>
+                                          </p:val>
+                                        </p:tav>
+                                        <p:tav tm="100000">
+                                          <p:val>
+                                            <p:strVal val="#ppt_x"/>
+                                          </p:val>
+                                        </p:tav>
+                                      </p:tavLst>
+                                    </p:anim>
+                                    <p:anim calcmode="lin" valueType="num">
+                                      <p:cBhvr additive="base">
+                                        <p:cTn id="32" dur="500" fill="hold"/>
+                                        <p:tgtEl>
+                                          <p:spTgt spid="9"/>
+                                        </p:tgtEl>
+                                        <p:attrNameLst>
+                                          <p:attrName>ppt_y</p:attrName>
+                                        </p:attrNameLst>
+                                      </p:cBhvr>
+                                      <p:tavLst>
+                                        <p:tav tm="0">
+                                          <p:val>
+                                            <p:strVal val="1+#ppt_h/2"/>
+                                          </p:val>
+                                        </p:tav>
+                                        <p:tav tm="100000">
+                                          <p:val>
+                                            <p:strVal val="#ppt_y"/>
+                                          </p:val>
+                                        </p:tav>
+                                      </p:tavLst>
+                                    </p:anim>
+                                  </p:childTnLst>
+                                </p:cTn>
+                              </p:par>
+                            </p:childTnLst>
+                          </p:cTn>
+                        </p:par>
+                      </p:childTnLst>
+                    </p:cTn>
+                  </p:par>
+                </p:childTnLst>
+              </p:cTn>
+              <p:prevCondLst>
+                <p:cond evt="onPrev" delay="0">
+                  <p:tgtEl>
+                    <p:sldTgt/>
+                  </p:tgtEl>
+                </p:cond>
+              </p:prevCondLst>
+              <p:nextCondLst>
+                <p:cond evt="onNext" delay="0">
+                  <p:tgtEl>
+                    <p:sldTgt/>
+                  </p:tgtEl>
+                </p:cond>
+              </p:nextCondLst>
+            </p:seq>
+          </p:childTnLst>
+        </p:cTn>
+      </p:par>
+    </p:tnLst>
+    <p:bldLst>
+      <p:bldP spid="5" grpId="0"/>
+      <p:bldP spid="6" grpId="0"/>
+      <p:bldP spid="7" grpId="0"/>
+      <p:bldP spid="8" grpId="0"/>
+      <p:bldP spid="9" grpId="0"/>
+    </p:bldLst>
+  </p:timing>
+</p:sld>
+</file>
+
+<file path=ppt/slides/slide26.xml><?xml version="1.0" encoding="utf-8"?>
+<p:sld xmlns:a="http://schemas.openxmlformats.org/drawingml/2006/main" xmlns:r="http://schemas.openxmlformats.org/officeDocument/2006/relationships" xmlns:p="http://schemas.openxmlformats.org/presentationml/2006/main">
+  <p:cSld>
+    <p:spTree>
+      <p:nvGrpSpPr>
+        <p:cNvPr id="1" name=""/>
+        <p:cNvGrpSpPr/>
+        <p:nvPr/>
+      </p:nvGrpSpPr>
+      <p:grpSpPr>
+        <a:xfrm>
+          <a:off x="0" y="0"/>
+          <a:ext cx="0" cy="0"/>
+          <a:chOff x="0" y="0"/>
+          <a:chExt cx="0" cy="0"/>
+        </a:xfrm>
+      </p:grpSpPr>
+      <p:sp>
+        <p:nvSpPr>
+          <p:cNvPr id="3" name="Title 2"/>
+          <p:cNvSpPr>
+            <a:spLocks noGrp="1"/>
+          </p:cNvSpPr>
+          <p:nvPr>
+            <p:ph type="title"/>
+          </p:nvPr>
+        </p:nvSpPr>
+        <p:spPr>
+          <a:xfrm>
+            <a:off x="1619672" y="-1"/>
+            <a:ext cx="7524328" cy="771551"/>
+          </a:xfrm>
+        </p:spPr>
+        <p:txBody>
+          <a:bodyPr/>
+          <a:lstStyle/>
+          <a:p>
+            <a:pPr algn="ctr"/>
+            <a:r>
+              <a:rPr lang="en-US" altLang="ko-KR" dirty="0" err="1" smtClean="0"/>
+              <a:t>Priprema</a:t>
+            </a:r>
+            <a:r>
+              <a:rPr lang="en-US" altLang="ko-KR" dirty="0"/>
+              <a:t> </a:t>
+            </a:r>
+            <a:r>
+              <a:rPr lang="en-US" altLang="ko-KR" dirty="0" smtClean="0"/>
+              <a:t>Angular </a:t>
+            </a:r>
+            <a:r>
+              <a:rPr lang="en-US" altLang="ko-KR" dirty="0" err="1" smtClean="0"/>
+              <a:t>Projekta</a:t>
+            </a:r>
+            <a:endParaRPr lang="ko-KR" altLang="en-US" dirty="0"/>
+          </a:p>
+        </p:txBody>
+      </p:sp>
+      <p:sp>
+        <p:nvSpPr>
+          <p:cNvPr id="5" name="TextBox 4"/>
+          <p:cNvSpPr txBox="1"/>
+          <p:nvPr/>
+        </p:nvSpPr>
+        <p:spPr>
+          <a:xfrm>
+            <a:off x="1585231" y="1053629"/>
+            <a:ext cx="7200800" cy="307777"/>
+          </a:xfrm>
+          <a:prstGeom prst="rect">
+            <a:avLst/>
+          </a:prstGeom>
+          <a:noFill/>
+        </p:spPr>
+        <p:txBody>
+          <a:bodyPr wrap="square" rtlCol="0">
+            <a:spAutoFit/>
+          </a:bodyPr>
+          <a:lstStyle/>
+          <a:p>
+            <a:r>
+              <a:rPr lang="en-US" sz="1400" dirty="0" smtClean="0">
+                <a:latin typeface="Arial" panose="020B0604020202020204" pitchFamily="34" charset="0"/>
+                <a:cs typeface="Arial" panose="020B0604020202020204" pitchFamily="34" charset="0"/>
+              </a:rPr>
+              <a:t>ng</a:t>
+            </a:r>
+            <a:r>
+              <a:rPr lang="sr-Latn-RS" sz="1400" dirty="0" smtClean="0">
+                <a:latin typeface="Arial" panose="020B0604020202020204" pitchFamily="34" charset="0"/>
+                <a:cs typeface="Arial" panose="020B0604020202020204" pitchFamily="34" charset="0"/>
+              </a:rPr>
+              <a:t> new MoviesClient</a:t>
+            </a:r>
+            <a:endParaRPr lang="en-US" sz="1400" dirty="0">
+              <a:latin typeface="Arial" panose="020B0604020202020204" pitchFamily="34" charset="0"/>
+              <a:cs typeface="Arial" panose="020B0604020202020204" pitchFamily="34" charset="0"/>
+            </a:endParaRPr>
+          </a:p>
+        </p:txBody>
+      </p:sp>
+      <p:pic>
+        <p:nvPicPr>
+          <p:cNvPr id="2" name="Picture 1"/>
+          <p:cNvPicPr>
+            <a:picLocks noChangeAspect="1"/>
+          </p:cNvPicPr>
+          <p:nvPr/>
+        </p:nvPicPr>
+        <p:blipFill>
+          <a:blip r:embed="rId2">
+            <a:extLst>
+              <a:ext uri="{28A0092B-C50C-407E-A947-70E740481C1C}">
+                <a14:useLocalDpi xmlns:a14="http://schemas.microsoft.com/office/drawing/2010/main" val="0"/>
+              </a:ext>
+            </a:extLst>
+          </a:blip>
+          <a:stretch>
+            <a:fillRect/>
+          </a:stretch>
+        </p:blipFill>
+        <p:spPr>
+          <a:xfrm>
+            <a:off x="1638911" y="1419622"/>
+            <a:ext cx="5706271" cy="1095528"/>
+          </a:xfrm>
+          <a:prstGeom prst="rect">
+            <a:avLst/>
+          </a:prstGeom>
+        </p:spPr>
+      </p:pic>
+      <p:sp>
+        <p:nvSpPr>
+          <p:cNvPr id="10" name="TextBox 9"/>
+          <p:cNvSpPr txBox="1"/>
+          <p:nvPr/>
+        </p:nvSpPr>
+        <p:spPr>
+          <a:xfrm>
+            <a:off x="1585231" y="2715766"/>
+            <a:ext cx="7200800" cy="307777"/>
+          </a:xfrm>
+          <a:prstGeom prst="rect">
+            <a:avLst/>
+          </a:prstGeom>
+          <a:noFill/>
+        </p:spPr>
+        <p:txBody>
+          <a:bodyPr wrap="square" rtlCol="0">
+            <a:spAutoFit/>
+          </a:bodyPr>
+          <a:lstStyle/>
+          <a:p>
+            <a:r>
+              <a:rPr lang="sr-Latn-RS" sz="1400" dirty="0" smtClean="0">
+                <a:latin typeface="Arial" panose="020B0604020202020204" pitchFamily="34" charset="0"/>
+                <a:cs typeface="Arial" panose="020B0604020202020204" pitchFamily="34" charset="0"/>
+              </a:rPr>
+              <a:t>Projekat otvorimo u VS Code i omogućimo Terminal Window (CTRL+</a:t>
+            </a:r>
+            <a:r>
+              <a:rPr lang="en-US" sz="1400" dirty="0" smtClean="0">
+                <a:latin typeface="Arial" panose="020B0604020202020204" pitchFamily="34" charset="0"/>
+                <a:cs typeface="Arial" panose="020B0604020202020204" pitchFamily="34" charset="0"/>
+              </a:rPr>
+              <a:t>`</a:t>
+            </a:r>
+            <a:r>
+              <a:rPr lang="sr-Latn-RS" sz="1400" dirty="0" smtClean="0">
+                <a:latin typeface="Arial" panose="020B0604020202020204" pitchFamily="34" charset="0"/>
+                <a:cs typeface="Arial" panose="020B0604020202020204" pitchFamily="34" charset="0"/>
+              </a:rPr>
+              <a:t>)</a:t>
+            </a:r>
+            <a:endParaRPr lang="en-US" sz="1400" dirty="0">
+              <a:latin typeface="Arial" panose="020B0604020202020204" pitchFamily="34" charset="0"/>
+              <a:cs typeface="Arial" panose="020B0604020202020204" pitchFamily="34" charset="0"/>
+            </a:endParaRPr>
+          </a:p>
+        </p:txBody>
+      </p:sp>
+      <p:pic>
+        <p:nvPicPr>
+          <p:cNvPr id="4" name="Picture 3"/>
+          <p:cNvPicPr>
+            <a:picLocks noChangeAspect="1"/>
+          </p:cNvPicPr>
+          <p:nvPr/>
+        </p:nvPicPr>
+        <p:blipFill>
+          <a:blip r:embed="rId3" cstate="print">
+            <a:extLst>
+              <a:ext uri="{28A0092B-C50C-407E-A947-70E740481C1C}">
+                <a14:useLocalDpi xmlns:a14="http://schemas.microsoft.com/office/drawing/2010/main" val="0"/>
+              </a:ext>
+            </a:extLst>
+          </a:blip>
+          <a:stretch>
+            <a:fillRect/>
+          </a:stretch>
+        </p:blipFill>
+        <p:spPr>
+          <a:xfrm>
+            <a:off x="1652630" y="3048370"/>
+            <a:ext cx="5295633" cy="2130379"/>
+          </a:xfrm>
+          <a:prstGeom prst="rect">
+            <a:avLst/>
+          </a:prstGeom>
+        </p:spPr>
+      </p:pic>
+    </p:spTree>
+    <p:extLst>
+      <p:ext uri="{BB962C8B-B14F-4D97-AF65-F5344CB8AC3E}">
+        <p14:creationId xmlns:p14="http://schemas.microsoft.com/office/powerpoint/2010/main" val="311746617"/>
+      </p:ext>
+    </p:extLst>
+  </p:cSld>
+  <p:clrMapOvr>
+    <a:masterClrMapping/>
+  </p:clrMapOvr>
+  <p:timing>
+    <p:tnLst>
+      <p:par>
+        <p:cTn id="1" dur="indefinite" restart="never" nodeType="tmRoot">
+          <p:childTnLst>
+            <p:seq concurrent="1" nextAc="seek">
+              <p:cTn id="2" dur="indefinite" nodeType="mainSeq">
+                <p:childTnLst>
+                  <p:par>
+                    <p:cTn id="3" fill="hold">
+                      <p:stCondLst>
+                        <p:cond delay="indefinite"/>
+                      </p:stCondLst>
+                      <p:childTnLst>
+                        <p:par>
+                          <p:cTn id="4" fill="hold">
+                            <p:stCondLst>
+                              <p:cond delay="0"/>
+                            </p:stCondLst>
+                            <p:childTnLst>
+                              <p:par>
+                                <p:cTn id="5" presetID="2" presetClass="entr" presetSubtype="4" fill="hold" grpId="0" nodeType="clickEffect">
+                                  <p:stCondLst>
+                                    <p:cond delay="0"/>
+                                  </p:stCondLst>
+                                  <p:childTnLst>
+                                    <p:set>
+                                      <p:cBhvr>
+                                        <p:cTn id="6" dur="1" fill="hold">
+                                          <p:stCondLst>
+                                            <p:cond delay="0"/>
+                                          </p:stCondLst>
+                                        </p:cTn>
+                                        <p:tgtEl>
+                                          <p:spTgt spid="5"/>
+                                        </p:tgtEl>
+                                        <p:attrNameLst>
+                                          <p:attrName>style.visibility</p:attrName>
+                                        </p:attrNameLst>
+                                      </p:cBhvr>
+                                      <p:to>
+                                        <p:strVal val="visible"/>
+                                      </p:to>
+                                    </p:set>
+                                    <p:anim calcmode="lin" valueType="num">
+                                      <p:cBhvr additive="base">
+                                        <p:cTn id="7" dur="500" fill="hold"/>
+                                        <p:tgtEl>
+                                          <p:spTgt spid="5"/>
+                                        </p:tgtEl>
+                                        <p:attrNameLst>
+                                          <p:attrName>ppt_x</p:attrName>
+                                        </p:attrNameLst>
+                                      </p:cBhvr>
+                                      <p:tavLst>
+                                        <p:tav tm="0">
+                                          <p:val>
+                                            <p:strVal val="#ppt_x"/>
+                                          </p:val>
+                                        </p:tav>
+                                        <p:tav tm="100000">
+                                          <p:val>
+                                            <p:strVal val="#ppt_x"/>
+                                          </p:val>
+                                        </p:tav>
+                                      </p:tavLst>
+                                    </p:anim>
+                                    <p:anim calcmode="lin" valueType="num">
+                                      <p:cBhvr additive="base">
+                                        <p:cTn id="8" dur="500" fill="hold"/>
+                                        <p:tgtEl>
+                                          <p:spTgt spid="5"/>
+                                        </p:tgtEl>
+                                        <p:attrNameLst>
+                                          <p:attrName>ppt_y</p:attrName>
+                                        </p:attrNameLst>
+                                      </p:cBhvr>
+                                      <p:tavLst>
+                                        <p:tav tm="0">
+                                          <p:val>
+                                            <p:strVal val="1+#ppt_h/2"/>
+                                          </p:val>
+                                        </p:tav>
+                                        <p:tav tm="100000">
+                                          <p:val>
+                                            <p:strVal val="#ppt_y"/>
+                                          </p:val>
+                                        </p:tav>
+                                      </p:tavLst>
+                                    </p:anim>
+                                  </p:childTnLst>
+                                </p:cTn>
+                              </p:par>
+                            </p:childTnLst>
+                          </p:cTn>
+                        </p:par>
+                      </p:childTnLst>
+                    </p:cTn>
+                  </p:par>
+                  <p:par>
+                    <p:cTn id="9" fill="hold">
+                      <p:stCondLst>
+                        <p:cond delay="indefinite"/>
+                      </p:stCondLst>
+                      <p:childTnLst>
+                        <p:par>
+                          <p:cTn id="10" fill="hold">
+                            <p:stCondLst>
+                              <p:cond delay="0"/>
+                            </p:stCondLst>
+                            <p:childTnLst>
+                              <p:par>
+                                <p:cTn id="11" presetID="2" presetClass="entr" presetSubtype="4" fill="hold" nodeType="clickEffect">
+                                  <p:stCondLst>
+                                    <p:cond delay="0"/>
+                                  </p:stCondLst>
+                                  <p:childTnLst>
+                                    <p:set>
+                                      <p:cBhvr>
+                                        <p:cTn id="12" dur="1" fill="hold">
+                                          <p:stCondLst>
+                                            <p:cond delay="0"/>
+                                          </p:stCondLst>
+                                        </p:cTn>
+                                        <p:tgtEl>
+                                          <p:spTgt spid="2"/>
+                                        </p:tgtEl>
+                                        <p:attrNameLst>
+                                          <p:attrName>style.visibility</p:attrName>
+                                        </p:attrNameLst>
+                                      </p:cBhvr>
+                                      <p:to>
+                                        <p:strVal val="visible"/>
+                                      </p:to>
+                                    </p:set>
+                                    <p:anim calcmode="lin" valueType="num">
+                                      <p:cBhvr additive="base">
+                                        <p:cTn id="13" dur="500" fill="hold"/>
+                                        <p:tgtEl>
+                                          <p:spTgt spid="2"/>
+                                        </p:tgtEl>
+                                        <p:attrNameLst>
+                                          <p:attrName>ppt_x</p:attrName>
+                                        </p:attrNameLst>
+                                      </p:cBhvr>
+                                      <p:tavLst>
+                                        <p:tav tm="0">
+                                          <p:val>
+                                            <p:strVal val="#ppt_x"/>
+                                          </p:val>
+                                        </p:tav>
+                                        <p:tav tm="100000">
+                                          <p:val>
+                                            <p:strVal val="#ppt_x"/>
+                                          </p:val>
+                                        </p:tav>
+                                      </p:tavLst>
+                                    </p:anim>
+                                    <p:anim calcmode="lin" valueType="num">
+                                      <p:cBhvr additive="base">
+                                        <p:cTn id="14" dur="500" fill="hold"/>
+                                        <p:tgtEl>
+                                          <p:spTgt spid="2"/>
+                                        </p:tgtEl>
+                                        <p:attrNameLst>
+                                          <p:attrName>ppt_y</p:attrName>
+                                        </p:attrNameLst>
+                                      </p:cBhvr>
+                                      <p:tavLst>
+                                        <p:tav tm="0">
+                                          <p:val>
+                                            <p:strVal val="1+#ppt_h/2"/>
+                                          </p:val>
+                                        </p:tav>
+                                        <p:tav tm="100000">
+                                          <p:val>
+                                            <p:strVal val="#ppt_y"/>
+                                          </p:val>
+                                        </p:tav>
+                                      </p:tavLst>
+                                    </p:anim>
+                                  </p:childTnLst>
+                                </p:cTn>
+                              </p:par>
+                            </p:childTnLst>
+                          </p:cTn>
+                        </p:par>
+                      </p:childTnLst>
+                    </p:cTn>
+                  </p:par>
+                  <p:par>
+                    <p:cTn id="15" fill="hold">
+                      <p:stCondLst>
+                        <p:cond delay="indefinite"/>
+                      </p:stCondLst>
+                      <p:childTnLst>
+                        <p:par>
+                          <p:cTn id="16" fill="hold">
+                            <p:stCondLst>
+                              <p:cond delay="0"/>
+                            </p:stCondLst>
+                            <p:childTnLst>
+                              <p:par>
+                                <p:cTn id="17" presetID="2" presetClass="entr" presetSubtype="4" fill="hold" grpId="0" nodeType="clickEffect">
+                                  <p:stCondLst>
+                                    <p:cond delay="0"/>
+                                  </p:stCondLst>
+                                  <p:childTnLst>
+                                    <p:set>
+                                      <p:cBhvr>
+                                        <p:cTn id="18" dur="1" fill="hold">
+                                          <p:stCondLst>
+                                            <p:cond delay="0"/>
+                                          </p:stCondLst>
+                                        </p:cTn>
+                                        <p:tgtEl>
+                                          <p:spTgt spid="10"/>
+                                        </p:tgtEl>
+                                        <p:attrNameLst>
+                                          <p:attrName>style.visibility</p:attrName>
+                                        </p:attrNameLst>
+                                      </p:cBhvr>
+                                      <p:to>
+                                        <p:strVal val="visible"/>
+                                      </p:to>
+                                    </p:set>
+                                    <p:anim calcmode="lin" valueType="num">
+                                      <p:cBhvr additive="base">
+                                        <p:cTn id="19" dur="500" fill="hold"/>
+                                        <p:tgtEl>
+                                          <p:spTgt spid="10"/>
+                                        </p:tgtEl>
+                                        <p:attrNameLst>
+                                          <p:attrName>ppt_x</p:attrName>
+                                        </p:attrNameLst>
+                                      </p:cBhvr>
+                                      <p:tavLst>
+                                        <p:tav tm="0">
+                                          <p:val>
+                                            <p:strVal val="#ppt_x"/>
+                                          </p:val>
+                                        </p:tav>
+                                        <p:tav tm="100000">
+                                          <p:val>
+                                            <p:strVal val="#ppt_x"/>
+                                          </p:val>
+                                        </p:tav>
+                                      </p:tavLst>
+                                    </p:anim>
+                                    <p:anim calcmode="lin" valueType="num">
+                                      <p:cBhvr additive="base">
+                                        <p:cTn id="20" dur="500" fill="hold"/>
+                                        <p:tgtEl>
+                                          <p:spTgt spid="10"/>
+                                        </p:tgtEl>
+                                        <p:attrNameLst>
+                                          <p:attrName>ppt_y</p:attrName>
+                                        </p:attrNameLst>
+                                      </p:cBhvr>
+                                      <p:tavLst>
+                                        <p:tav tm="0">
+                                          <p:val>
+                                            <p:strVal val="1+#ppt_h/2"/>
+                                          </p:val>
+                                        </p:tav>
+                                        <p:tav tm="100000">
+                                          <p:val>
+                                            <p:strVal val="#ppt_y"/>
+                                          </p:val>
+                                        </p:tav>
+                                      </p:tavLst>
+                                    </p:anim>
+                                  </p:childTnLst>
+                                </p:cTn>
+                              </p:par>
+                            </p:childTnLst>
+                          </p:cTn>
+                        </p:par>
+                      </p:childTnLst>
+                    </p:cTn>
+                  </p:par>
+                  <p:par>
+                    <p:cTn id="21" fill="hold">
+                      <p:stCondLst>
+                        <p:cond delay="indefinite"/>
+                      </p:stCondLst>
+                      <p:childTnLst>
+                        <p:par>
+                          <p:cTn id="22" fill="hold">
+                            <p:stCondLst>
+                              <p:cond delay="0"/>
+                            </p:stCondLst>
+                            <p:childTnLst>
+                              <p:par>
+                                <p:cTn id="23" presetID="2" presetClass="entr" presetSubtype="4" fill="hold" nodeType="clickEffect">
+                                  <p:stCondLst>
+                                    <p:cond delay="0"/>
+                                  </p:stCondLst>
+                                  <p:childTnLst>
+                                    <p:set>
+                                      <p:cBhvr>
+                                        <p:cTn id="24" dur="1" fill="hold">
+                                          <p:stCondLst>
+                                            <p:cond delay="0"/>
+                                          </p:stCondLst>
+                                        </p:cTn>
+                                        <p:tgtEl>
+                                          <p:spTgt spid="4"/>
+                                        </p:tgtEl>
+                                        <p:attrNameLst>
+                                          <p:attrName>style.visibility</p:attrName>
+                                        </p:attrNameLst>
+                                      </p:cBhvr>
+                                      <p:to>
+                                        <p:strVal val="visible"/>
+                                      </p:to>
+                                    </p:set>
+                                    <p:anim calcmode="lin" valueType="num">
+                                      <p:cBhvr additive="base">
+                                        <p:cTn id="25" dur="500" fill="hold"/>
+                                        <p:tgtEl>
+                                          <p:spTgt spid="4"/>
+                                        </p:tgtEl>
+                                        <p:attrNameLst>
+                                          <p:attrName>ppt_x</p:attrName>
+                                        </p:attrNameLst>
+                                      </p:cBhvr>
+                                      <p:tavLst>
+                                        <p:tav tm="0">
+                                          <p:val>
+                                            <p:strVal val="#ppt_x"/>
+                                          </p:val>
+                                        </p:tav>
+                                        <p:tav tm="100000">
+                                          <p:val>
+                                            <p:strVal val="#ppt_x"/>
+                                          </p:val>
+                                        </p:tav>
+                                      </p:tavLst>
+                                    </p:anim>
+                                    <p:anim calcmode="lin" valueType="num">
+                                      <p:cBhvr additive="base">
+                                        <p:cTn id="26" dur="500" fill="hold"/>
+                                        <p:tgtEl>
+                                          <p:spTgt spid="4"/>
+                                        </p:tgtEl>
+                                        <p:attrNameLst>
+                                          <p:attrName>ppt_y</p:attrName>
+                                        </p:attrNameLst>
+                                      </p:cBhvr>
+                                      <p:tavLst>
+                                        <p:tav tm="0">
+                                          <p:val>
+                                            <p:strVal val="1+#ppt_h/2"/>
+                                          </p:val>
+                                        </p:tav>
+                                        <p:tav tm="100000">
+                                          <p:val>
+                                            <p:strVal val="#ppt_y"/>
+                                          </p:val>
+                                        </p:tav>
+                                      </p:tavLst>
+                                    </p:anim>
+                                  </p:childTnLst>
+                                </p:cTn>
+                              </p:par>
+                            </p:childTnLst>
+                          </p:cTn>
+                        </p:par>
+                      </p:childTnLst>
+                    </p:cTn>
+                  </p:par>
+                </p:childTnLst>
+              </p:cTn>
+              <p:prevCondLst>
+                <p:cond evt="onPrev" delay="0">
+                  <p:tgtEl>
+                    <p:sldTgt/>
+                  </p:tgtEl>
+                </p:cond>
+              </p:prevCondLst>
+              <p:nextCondLst>
+                <p:cond evt="onNext" delay="0">
+                  <p:tgtEl>
+                    <p:sldTgt/>
+                  </p:tgtEl>
+                </p:cond>
+              </p:nextCondLst>
+            </p:seq>
+          </p:childTnLst>
+        </p:cTn>
+      </p:par>
+    </p:tnLst>
+    <p:bldLst>
+      <p:bldP spid="5" grpId="0"/>
+      <p:bldP spid="10" grpId="0"/>
+    </p:bldLst>
+  </p:timing>
+</p:sld>
+</file>
+
+<file path=ppt/slides/slide27.xml><?xml version="1.0" encoding="utf-8"?>
+<p:sld xmlns:a="http://schemas.openxmlformats.org/drawingml/2006/main" xmlns:r="http://schemas.openxmlformats.org/officeDocument/2006/relationships" xmlns:p="http://schemas.openxmlformats.org/presentationml/2006/main">
+  <p:cSld>
+    <p:spTree>
+      <p:nvGrpSpPr>
+        <p:cNvPr id="1" name=""/>
+        <p:cNvGrpSpPr/>
+        <p:nvPr/>
+      </p:nvGrpSpPr>
+      <p:grpSpPr>
+        <a:xfrm>
+          <a:off x="0" y="0"/>
+          <a:ext cx="0" cy="0"/>
+          <a:chOff x="0" y="0"/>
+          <a:chExt cx="0" cy="0"/>
+        </a:xfrm>
+      </p:grpSpPr>
+      <p:sp>
+        <p:nvSpPr>
+          <p:cNvPr id="3" name="Title 2"/>
+          <p:cNvSpPr>
+            <a:spLocks noGrp="1"/>
+          </p:cNvSpPr>
+          <p:nvPr>
+            <p:ph type="title"/>
+          </p:nvPr>
+        </p:nvSpPr>
+        <p:spPr>
+          <a:xfrm>
+            <a:off x="1619672" y="-1"/>
+            <a:ext cx="7524328" cy="771551"/>
+          </a:xfrm>
+        </p:spPr>
+        <p:txBody>
+          <a:bodyPr/>
+          <a:lstStyle/>
+          <a:p>
+            <a:pPr algn="ctr"/>
+            <a:r>
+              <a:rPr lang="en-US" altLang="ko-KR" dirty="0" err="1" smtClean="0"/>
+              <a:t>Priprema</a:t>
+            </a:r>
+            <a:r>
+              <a:rPr lang="en-US" altLang="ko-KR" dirty="0"/>
+              <a:t> </a:t>
+            </a:r>
+            <a:r>
+              <a:rPr lang="en-US" altLang="ko-KR" dirty="0" smtClean="0"/>
+              <a:t>Angular </a:t>
+            </a:r>
+            <a:r>
+              <a:rPr lang="en-US" altLang="ko-KR" dirty="0" err="1" smtClean="0"/>
+              <a:t>Projekta</a:t>
+            </a:r>
+            <a:endParaRPr lang="ko-KR" altLang="en-US" dirty="0"/>
+          </a:p>
+        </p:txBody>
+      </p:sp>
+      <p:sp>
+        <p:nvSpPr>
+          <p:cNvPr id="5" name="TextBox 4"/>
+          <p:cNvSpPr txBox="1"/>
+          <p:nvPr/>
+        </p:nvSpPr>
+        <p:spPr>
+          <a:xfrm>
+            <a:off x="1585231" y="1053629"/>
+            <a:ext cx="7200800" cy="307777"/>
+          </a:xfrm>
+          <a:prstGeom prst="rect">
+            <a:avLst/>
+          </a:prstGeom>
+          <a:noFill/>
+        </p:spPr>
+        <p:txBody>
+          <a:bodyPr wrap="square" rtlCol="0">
+            <a:spAutoFit/>
+          </a:bodyPr>
+          <a:lstStyle/>
+          <a:p>
+            <a:r>
+              <a:rPr lang="en-US" sz="1400" dirty="0" err="1" smtClean="0">
+                <a:latin typeface="Arial" panose="020B0604020202020204" pitchFamily="34" charset="0"/>
+                <a:cs typeface="Arial" panose="020B0604020202020204" pitchFamily="34" charset="0"/>
+              </a:rPr>
+              <a:t>Instalacija</a:t>
+            </a:r>
+            <a:r>
+              <a:rPr lang="en-US" sz="1400" dirty="0" smtClean="0">
+                <a:latin typeface="Arial" panose="020B0604020202020204" pitchFamily="34" charset="0"/>
+                <a:cs typeface="Arial" panose="020B0604020202020204" pitchFamily="34" charset="0"/>
+              </a:rPr>
+              <a:t> Bootstrap 3 </a:t>
+            </a:r>
+            <a:r>
+              <a:rPr lang="en-US" sz="1400" dirty="0" err="1" smtClean="0">
+                <a:latin typeface="Arial" panose="020B0604020202020204" pitchFamily="34" charset="0"/>
+                <a:cs typeface="Arial" panose="020B0604020202020204" pitchFamily="34" charset="0"/>
+              </a:rPr>
+              <a:t>biblioteke</a:t>
+            </a:r>
+            <a:r>
+              <a:rPr lang="en-US" sz="1400" dirty="0" smtClean="0">
+                <a:latin typeface="Arial" panose="020B0604020202020204" pitchFamily="34" charset="0"/>
+                <a:cs typeface="Arial" panose="020B0604020202020204" pitchFamily="34" charset="0"/>
+              </a:rPr>
+              <a:t> </a:t>
+            </a:r>
+            <a:r>
+              <a:rPr lang="en-US" sz="1400" dirty="0" err="1" smtClean="0">
+                <a:latin typeface="Arial" panose="020B0604020202020204" pitchFamily="34" charset="0"/>
+                <a:cs typeface="Arial" panose="020B0604020202020204" pitchFamily="34" charset="0"/>
+              </a:rPr>
+              <a:t>za</a:t>
+            </a:r>
+            <a:r>
+              <a:rPr lang="en-US" sz="1400" dirty="0" smtClean="0">
+                <a:latin typeface="Arial" panose="020B0604020202020204" pitchFamily="34" charset="0"/>
+                <a:cs typeface="Arial" panose="020B0604020202020204" pitchFamily="34" charset="0"/>
+              </a:rPr>
+              <a:t> </a:t>
+            </a:r>
+            <a:r>
+              <a:rPr lang="en-US" sz="1400" dirty="0" err="1" smtClean="0">
+                <a:latin typeface="Arial" panose="020B0604020202020204" pitchFamily="34" charset="0"/>
+                <a:cs typeface="Arial" panose="020B0604020202020204" pitchFamily="34" charset="0"/>
+              </a:rPr>
+              <a:t>potrebe</a:t>
+            </a:r>
+            <a:r>
+              <a:rPr lang="en-US" sz="1400" dirty="0" smtClean="0">
+                <a:latin typeface="Arial" panose="020B0604020202020204" pitchFamily="34" charset="0"/>
+                <a:cs typeface="Arial" panose="020B0604020202020204" pitchFamily="34" charset="0"/>
+              </a:rPr>
+              <a:t> </a:t>
+            </a:r>
+            <a:r>
+              <a:rPr lang="en-US" sz="1400" dirty="0" err="1" smtClean="0">
+                <a:latin typeface="Arial" panose="020B0604020202020204" pitchFamily="34" charset="0"/>
+                <a:cs typeface="Arial" panose="020B0604020202020204" pitchFamily="34" charset="0"/>
+              </a:rPr>
+              <a:t>silizovanja</a:t>
+            </a:r>
+            <a:r>
+              <a:rPr lang="en-US" sz="1400" dirty="0" smtClean="0">
+                <a:latin typeface="Arial" panose="020B0604020202020204" pitchFamily="34" charset="0"/>
+                <a:cs typeface="Arial" panose="020B0604020202020204" pitchFamily="34" charset="0"/>
+              </a:rPr>
+              <a:t> </a:t>
+            </a:r>
+            <a:r>
+              <a:rPr lang="en-US" sz="1400" dirty="0" err="1" smtClean="0">
+                <a:latin typeface="Arial" panose="020B0604020202020204" pitchFamily="34" charset="0"/>
+                <a:cs typeface="Arial" panose="020B0604020202020204" pitchFamily="34" charset="0"/>
+              </a:rPr>
+              <a:t>aplikacije</a:t>
+            </a:r>
+            <a:endParaRPr lang="en-US" sz="1400" dirty="0">
+              <a:latin typeface="Arial" panose="020B0604020202020204" pitchFamily="34" charset="0"/>
+              <a:cs typeface="Arial" panose="020B0604020202020204" pitchFamily="34" charset="0"/>
+            </a:endParaRPr>
+          </a:p>
+        </p:txBody>
+      </p:sp>
+      <p:sp>
+        <p:nvSpPr>
+          <p:cNvPr id="8" name="TextBox 7"/>
+          <p:cNvSpPr txBox="1"/>
+          <p:nvPr/>
+        </p:nvSpPr>
+        <p:spPr>
+          <a:xfrm>
+            <a:off x="1577693" y="2643758"/>
+            <a:ext cx="7200800" cy="307777"/>
+          </a:xfrm>
+          <a:prstGeom prst="rect">
+            <a:avLst/>
+          </a:prstGeom>
+          <a:noFill/>
+        </p:spPr>
+        <p:txBody>
+          <a:bodyPr wrap="square" rtlCol="0">
+            <a:spAutoFit/>
+          </a:bodyPr>
+          <a:lstStyle/>
+          <a:p>
+            <a:r>
+              <a:rPr lang="en-US" sz="1400" dirty="0" err="1" smtClean="0">
+                <a:latin typeface="Arial" panose="020B0604020202020204" pitchFamily="34" charset="0"/>
+                <a:cs typeface="Arial" panose="020B0604020202020204" pitchFamily="34" charset="0"/>
+              </a:rPr>
+              <a:t>Referenca</a:t>
+            </a:r>
+            <a:r>
+              <a:rPr lang="en-US" sz="1400" dirty="0" smtClean="0">
+                <a:latin typeface="Arial" panose="020B0604020202020204" pitchFamily="34" charset="0"/>
+                <a:cs typeface="Arial" panose="020B0604020202020204" pitchFamily="34" charset="0"/>
+              </a:rPr>
+              <a:t> </a:t>
+            </a:r>
+            <a:r>
+              <a:rPr lang="en-US" sz="1400" dirty="0" err="1" smtClean="0">
+                <a:latin typeface="Arial" panose="020B0604020202020204" pitchFamily="34" charset="0"/>
+                <a:cs typeface="Arial" panose="020B0604020202020204" pitchFamily="34" charset="0"/>
+              </a:rPr>
+              <a:t>ka</a:t>
+            </a:r>
+            <a:r>
+              <a:rPr lang="en-US" sz="1400" dirty="0" smtClean="0">
+                <a:latin typeface="Arial" panose="020B0604020202020204" pitchFamily="34" charset="0"/>
+                <a:cs typeface="Arial" panose="020B0604020202020204" pitchFamily="34" charset="0"/>
+              </a:rPr>
+              <a:t> node </a:t>
+            </a:r>
+            <a:r>
+              <a:rPr lang="en-US" sz="1400" dirty="0" err="1" smtClean="0">
+                <a:latin typeface="Arial" panose="020B0604020202020204" pitchFamily="34" charset="0"/>
+                <a:cs typeface="Arial" panose="020B0604020202020204" pitchFamily="34" charset="0"/>
+              </a:rPr>
+              <a:t>paketu</a:t>
+            </a:r>
+            <a:r>
+              <a:rPr lang="en-US" sz="1400" dirty="0" smtClean="0">
+                <a:latin typeface="Arial" panose="020B0604020202020204" pitchFamily="34" charset="0"/>
+                <a:cs typeface="Arial" panose="020B0604020202020204" pitchFamily="34" charset="0"/>
+              </a:rPr>
+              <a:t> </a:t>
+            </a:r>
+            <a:r>
+              <a:rPr lang="en-US" sz="1400" dirty="0" err="1" smtClean="0">
+                <a:latin typeface="Arial" panose="020B0604020202020204" pitchFamily="34" charset="0"/>
+                <a:cs typeface="Arial" panose="020B0604020202020204" pitchFamily="34" charset="0"/>
+              </a:rPr>
+              <a:t>unutar</a:t>
+            </a:r>
+            <a:r>
+              <a:rPr lang="en-US" sz="1400" dirty="0" smtClean="0">
+                <a:latin typeface="Arial" panose="020B0604020202020204" pitchFamily="34" charset="0"/>
+                <a:cs typeface="Arial" panose="020B0604020202020204" pitchFamily="34" charset="0"/>
+              </a:rPr>
+              <a:t> </a:t>
+            </a:r>
+            <a:r>
+              <a:rPr lang="en-US" sz="1400" dirty="0" err="1">
+                <a:latin typeface="Arial" panose="020B0604020202020204" pitchFamily="34" charset="0"/>
+                <a:cs typeface="Arial" panose="020B0604020202020204" pitchFamily="34" charset="0"/>
+              </a:rPr>
+              <a:t>a</a:t>
+            </a:r>
+            <a:r>
+              <a:rPr lang="en-US" sz="1400" dirty="0" err="1" smtClean="0">
+                <a:latin typeface="Arial" panose="020B0604020202020204" pitchFamily="34" charset="0"/>
+                <a:cs typeface="Arial" panose="020B0604020202020204" pitchFamily="34" charset="0"/>
+              </a:rPr>
+              <a:t>ngular.json</a:t>
+            </a:r>
+            <a:r>
+              <a:rPr lang="en-US" sz="1400" dirty="0" smtClean="0">
+                <a:latin typeface="Arial" panose="020B0604020202020204" pitchFamily="34" charset="0"/>
+                <a:cs typeface="Arial" panose="020B0604020202020204" pitchFamily="34" charset="0"/>
+              </a:rPr>
+              <a:t> </a:t>
+            </a:r>
+            <a:r>
+              <a:rPr lang="en-US" sz="1400" dirty="0" err="1" smtClean="0">
+                <a:latin typeface="Arial" panose="020B0604020202020204" pitchFamily="34" charset="0"/>
+                <a:cs typeface="Arial" panose="020B0604020202020204" pitchFamily="34" charset="0"/>
+              </a:rPr>
+              <a:t>fajla</a:t>
+            </a:r>
+            <a:endParaRPr lang="en-US" sz="1400" dirty="0">
+              <a:latin typeface="Arial" panose="020B0604020202020204" pitchFamily="34" charset="0"/>
+              <a:cs typeface="Arial" panose="020B0604020202020204" pitchFamily="34" charset="0"/>
+            </a:endParaRPr>
+          </a:p>
+        </p:txBody>
+      </p:sp>
+      <p:pic>
+        <p:nvPicPr>
+          <p:cNvPr id="7" name="Picture 6"/>
+          <p:cNvPicPr>
+            <a:picLocks noChangeAspect="1"/>
+          </p:cNvPicPr>
+          <p:nvPr/>
+        </p:nvPicPr>
+        <p:blipFill>
+          <a:blip r:embed="rId2">
+            <a:extLst>
+              <a:ext uri="{28A0092B-C50C-407E-A947-70E740481C1C}">
+                <a14:useLocalDpi xmlns:a14="http://schemas.microsoft.com/office/drawing/2010/main" val="0"/>
+              </a:ext>
+            </a:extLst>
+          </a:blip>
+          <a:stretch>
+            <a:fillRect/>
+          </a:stretch>
+        </p:blipFill>
+        <p:spPr>
+          <a:xfrm>
+            <a:off x="1577693" y="3095551"/>
+            <a:ext cx="4410691" cy="1086002"/>
+          </a:xfrm>
+          <a:prstGeom prst="rect">
+            <a:avLst/>
+          </a:prstGeom>
+        </p:spPr>
+      </p:pic>
+      <p:pic>
+        <p:nvPicPr>
+          <p:cNvPr id="9" name="Picture 8"/>
+          <p:cNvPicPr>
+            <a:picLocks noChangeAspect="1"/>
+          </p:cNvPicPr>
+          <p:nvPr/>
+        </p:nvPicPr>
+        <p:blipFill>
+          <a:blip r:embed="rId3"/>
+          <a:stretch>
+            <a:fillRect/>
+          </a:stretch>
+        </p:blipFill>
+        <p:spPr>
+          <a:xfrm>
+            <a:off x="1691680" y="1454818"/>
+            <a:ext cx="6115904" cy="1095528"/>
+          </a:xfrm>
+          <a:prstGeom prst="rect">
+            <a:avLst/>
+          </a:prstGeom>
+        </p:spPr>
+      </p:pic>
+    </p:spTree>
+    <p:extLst>
+      <p:ext uri="{BB962C8B-B14F-4D97-AF65-F5344CB8AC3E}">
+        <p14:creationId xmlns:p14="http://schemas.microsoft.com/office/powerpoint/2010/main" val="2189644096"/>
+      </p:ext>
+    </p:extLst>
+  </p:cSld>
+  <p:clrMapOvr>
+    <a:masterClrMapping/>
+  </p:clrMapOvr>
+  <p:timing>
+    <p:tnLst>
+      <p:par>
+        <p:cTn id="1" dur="indefinite" restart="never" nodeType="tmRoot">
+          <p:childTnLst>
+            <p:seq concurrent="1" nextAc="seek">
+              <p:cTn id="2" dur="indefinite" nodeType="mainSeq">
+                <p:childTnLst>
+                  <p:par>
+                    <p:cTn id="3" fill="hold">
+                      <p:stCondLst>
+                        <p:cond delay="indefinite"/>
+                      </p:stCondLst>
+                      <p:childTnLst>
+                        <p:par>
+                          <p:cTn id="4" fill="hold">
+                            <p:stCondLst>
+                              <p:cond delay="0"/>
+                            </p:stCondLst>
+                            <p:childTnLst>
+                              <p:par>
+                                <p:cTn id="5" presetID="2" presetClass="entr" presetSubtype="4" fill="hold" grpId="0" nodeType="clickEffect">
+                                  <p:stCondLst>
+                                    <p:cond delay="0"/>
+                                  </p:stCondLst>
+                                  <p:childTnLst>
+                                    <p:set>
+                                      <p:cBhvr>
+                                        <p:cTn id="6" dur="1" fill="hold">
+                                          <p:stCondLst>
+                                            <p:cond delay="0"/>
+                                          </p:stCondLst>
+                                        </p:cTn>
+                                        <p:tgtEl>
+                                          <p:spTgt spid="5"/>
+                                        </p:tgtEl>
+                                        <p:attrNameLst>
+                                          <p:attrName>style.visibility</p:attrName>
+                                        </p:attrNameLst>
+                                      </p:cBhvr>
+                                      <p:to>
+                                        <p:strVal val="visible"/>
+                                      </p:to>
+                                    </p:set>
+                                    <p:anim calcmode="lin" valueType="num">
+                                      <p:cBhvr additive="base">
+                                        <p:cTn id="7" dur="500" fill="hold"/>
+                                        <p:tgtEl>
+                                          <p:spTgt spid="5"/>
+                                        </p:tgtEl>
+                                        <p:attrNameLst>
+                                          <p:attrName>ppt_x</p:attrName>
+                                        </p:attrNameLst>
+                                      </p:cBhvr>
+                                      <p:tavLst>
+                                        <p:tav tm="0">
+                                          <p:val>
+                                            <p:strVal val="#ppt_x"/>
+                                          </p:val>
+                                        </p:tav>
+                                        <p:tav tm="100000">
+                                          <p:val>
+                                            <p:strVal val="#ppt_x"/>
+                                          </p:val>
+                                        </p:tav>
+                                      </p:tavLst>
+                                    </p:anim>
+                                    <p:anim calcmode="lin" valueType="num">
+                                      <p:cBhvr additive="base">
+                                        <p:cTn id="8" dur="500" fill="hold"/>
+                                        <p:tgtEl>
+                                          <p:spTgt spid="5"/>
+                                        </p:tgtEl>
+                                        <p:attrNameLst>
+                                          <p:attrName>ppt_y</p:attrName>
+                                        </p:attrNameLst>
+                                      </p:cBhvr>
+                                      <p:tavLst>
+                                        <p:tav tm="0">
+                                          <p:val>
+                                            <p:strVal val="1+#ppt_h/2"/>
+                                          </p:val>
+                                        </p:tav>
+                                        <p:tav tm="100000">
+                                          <p:val>
+                                            <p:strVal val="#ppt_y"/>
+                                          </p:val>
+                                        </p:tav>
+                                      </p:tavLst>
+                                    </p:anim>
+                                  </p:childTnLst>
+                                </p:cTn>
+                              </p:par>
+                            </p:childTnLst>
+                          </p:cTn>
+                        </p:par>
+                      </p:childTnLst>
+                    </p:cTn>
+                  </p:par>
+                  <p:par>
+                    <p:cTn id="9" fill="hold">
+                      <p:stCondLst>
+                        <p:cond delay="indefinite"/>
+                      </p:stCondLst>
+                      <p:childTnLst>
+                        <p:par>
+                          <p:cTn id="10" fill="hold">
+                            <p:stCondLst>
+                              <p:cond delay="0"/>
+                            </p:stCondLst>
+                            <p:childTnLst>
+                              <p:par>
+                                <p:cTn id="11" presetID="2" presetClass="entr" presetSubtype="4" fill="hold" grpId="0" nodeType="clickEffect">
+                                  <p:stCondLst>
+                                    <p:cond delay="0"/>
+                                  </p:stCondLst>
+                                  <p:childTnLst>
+                                    <p:set>
+                                      <p:cBhvr>
+                                        <p:cTn id="12" dur="1" fill="hold">
+                                          <p:stCondLst>
+                                            <p:cond delay="0"/>
+                                          </p:stCondLst>
+                                        </p:cTn>
+                                        <p:tgtEl>
+                                          <p:spTgt spid="8"/>
+                                        </p:tgtEl>
+                                        <p:attrNameLst>
+                                          <p:attrName>style.visibility</p:attrName>
+                                        </p:attrNameLst>
+                                      </p:cBhvr>
+                                      <p:to>
+                                        <p:strVal val="visible"/>
+                                      </p:to>
+                                    </p:set>
+                                    <p:anim calcmode="lin" valueType="num">
+                                      <p:cBhvr additive="base">
+                                        <p:cTn id="13" dur="500" fill="hold"/>
+                                        <p:tgtEl>
+                                          <p:spTgt spid="8"/>
+                                        </p:tgtEl>
+                                        <p:attrNameLst>
+                                          <p:attrName>ppt_x</p:attrName>
+                                        </p:attrNameLst>
+                                      </p:cBhvr>
+                                      <p:tavLst>
+                                        <p:tav tm="0">
+                                          <p:val>
+                                            <p:strVal val="#ppt_x"/>
+                                          </p:val>
+                                        </p:tav>
+                                        <p:tav tm="100000">
+                                          <p:val>
+                                            <p:strVal val="#ppt_x"/>
+                                          </p:val>
+                                        </p:tav>
+                                      </p:tavLst>
+                                    </p:anim>
+                                    <p:anim calcmode="lin" valueType="num">
+                                      <p:cBhvr additive="base">
+                                        <p:cTn id="14" dur="500" fill="hold"/>
+                                        <p:tgtEl>
+                                          <p:spTgt spid="8"/>
+                                        </p:tgtEl>
+                                        <p:attrNameLst>
+                                          <p:attrName>ppt_y</p:attrName>
+                                        </p:attrNameLst>
+                                      </p:cBhvr>
+                                      <p:tavLst>
+                                        <p:tav tm="0">
+                                          <p:val>
+                                            <p:strVal val="1+#ppt_h/2"/>
+                                          </p:val>
+                                        </p:tav>
+                                        <p:tav tm="100000">
+                                          <p:val>
+                                            <p:strVal val="#ppt_y"/>
+                                          </p:val>
+                                        </p:tav>
+                                      </p:tavLst>
+                                    </p:anim>
+                                  </p:childTnLst>
+                                </p:cTn>
+                              </p:par>
+                            </p:childTnLst>
+                          </p:cTn>
+                        </p:par>
+                      </p:childTnLst>
+                    </p:cTn>
+                  </p:par>
+                  <p:par>
+                    <p:cTn id="15" fill="hold">
+                      <p:stCondLst>
+                        <p:cond delay="indefinite"/>
+                      </p:stCondLst>
+                      <p:childTnLst>
+                        <p:par>
+                          <p:cTn id="16" fill="hold">
+                            <p:stCondLst>
+                              <p:cond delay="0"/>
+                            </p:stCondLst>
+                            <p:childTnLst>
+                              <p:par>
+                                <p:cTn id="17" presetID="2" presetClass="entr" presetSubtype="4" fill="hold" nodeType="clickEffect">
+                                  <p:stCondLst>
+                                    <p:cond delay="0"/>
+                                  </p:stCondLst>
+                                  <p:childTnLst>
+                                    <p:set>
+                                      <p:cBhvr>
+                                        <p:cTn id="18" dur="1" fill="hold">
+                                          <p:stCondLst>
+                                            <p:cond delay="0"/>
+                                          </p:stCondLst>
+                                        </p:cTn>
+                                        <p:tgtEl>
+                                          <p:spTgt spid="7"/>
+                                        </p:tgtEl>
+                                        <p:attrNameLst>
+                                          <p:attrName>style.visibility</p:attrName>
+                                        </p:attrNameLst>
+                                      </p:cBhvr>
+                                      <p:to>
+                                        <p:strVal val="visible"/>
+                                      </p:to>
+                                    </p:set>
+                                    <p:anim calcmode="lin" valueType="num">
+                                      <p:cBhvr additive="base">
+                                        <p:cTn id="19" dur="500" fill="hold"/>
+                                        <p:tgtEl>
+                                          <p:spTgt spid="7"/>
+                                        </p:tgtEl>
+                                        <p:attrNameLst>
+                                          <p:attrName>ppt_x</p:attrName>
+                                        </p:attrNameLst>
+                                      </p:cBhvr>
+                                      <p:tavLst>
+                                        <p:tav tm="0">
+                                          <p:val>
+                                            <p:strVal val="#ppt_x"/>
+                                          </p:val>
+                                        </p:tav>
+                                        <p:tav tm="100000">
+                                          <p:val>
+                                            <p:strVal val="#ppt_x"/>
+                                          </p:val>
+                                        </p:tav>
+                                      </p:tavLst>
+                                    </p:anim>
+                                    <p:anim calcmode="lin" valueType="num">
+                                      <p:cBhvr additive="base">
+                                        <p:cTn id="20" dur="500" fill="hold"/>
+                                        <p:tgtEl>
+                                          <p:spTgt spid="7"/>
+                                        </p:tgtEl>
+                                        <p:attrNameLst>
+                                          <p:attrName>ppt_y</p:attrName>
+                                        </p:attrNameLst>
+                                      </p:cBhvr>
+                                      <p:tavLst>
+                                        <p:tav tm="0">
+                                          <p:val>
+                                            <p:strVal val="1+#ppt_h/2"/>
+                                          </p:val>
+                                        </p:tav>
+                                        <p:tav tm="100000">
+                                          <p:val>
+                                            <p:strVal val="#ppt_y"/>
+                                          </p:val>
+                                        </p:tav>
+                                      </p:tavLst>
+                                    </p:anim>
+                                  </p:childTnLst>
+                                </p:cTn>
+                              </p:par>
+                            </p:childTnLst>
+                          </p:cTn>
+                        </p:par>
+                      </p:childTnLst>
+                    </p:cTn>
+                  </p:par>
+                </p:childTnLst>
+              </p:cTn>
+              <p:prevCondLst>
+                <p:cond evt="onPrev" delay="0">
+                  <p:tgtEl>
+                    <p:sldTgt/>
+                  </p:tgtEl>
+                </p:cond>
+              </p:prevCondLst>
+              <p:nextCondLst>
+                <p:cond evt="onNext" delay="0">
+                  <p:tgtEl>
+                    <p:sldTgt/>
+                  </p:tgtEl>
+                </p:cond>
+              </p:nextCondLst>
+            </p:seq>
+          </p:childTnLst>
+        </p:cTn>
+      </p:par>
+    </p:tnLst>
+    <p:bldLst>
+      <p:bldP spid="5" grpId="0"/>
+      <p:bldP spid="8" grpId="0"/>
+    </p:bldLst>
+  </p:timing>
+</p:sld>
+</file>
+
+<file path=ppt/slides/slide28.xml><?xml version="1.0" encoding="utf-8"?>
+<p:sld xmlns:a="http://schemas.openxmlformats.org/drawingml/2006/main" xmlns:r="http://schemas.openxmlformats.org/officeDocument/2006/relationships" xmlns:p="http://schemas.openxmlformats.org/presentationml/2006/main">
+  <p:cSld>
+    <p:spTree>
+      <p:nvGrpSpPr>
+        <p:cNvPr id="1" name=""/>
+        <p:cNvGrpSpPr/>
+        <p:nvPr/>
+      </p:nvGrpSpPr>
+      <p:grpSpPr>
+        <a:xfrm>
+          <a:off x="0" y="0"/>
+          <a:ext cx="0" cy="0"/>
+          <a:chOff x="0" y="0"/>
+          <a:chExt cx="0" cy="0"/>
+        </a:xfrm>
+      </p:grpSpPr>
+      <p:sp>
+        <p:nvSpPr>
+          <p:cNvPr id="3" name="Title 2"/>
+          <p:cNvSpPr>
+            <a:spLocks noGrp="1"/>
+          </p:cNvSpPr>
+          <p:nvPr>
+            <p:ph type="title"/>
+          </p:nvPr>
+        </p:nvSpPr>
+        <p:spPr>
+          <a:xfrm>
+            <a:off x="1619672" y="-1"/>
+            <a:ext cx="7524328" cy="771551"/>
+          </a:xfrm>
+        </p:spPr>
+        <p:txBody>
+          <a:bodyPr/>
+          <a:lstStyle/>
+          <a:p>
+            <a:pPr algn="ctr"/>
+            <a:r>
+              <a:rPr lang="en-US" altLang="ko-KR" dirty="0" err="1" smtClean="0"/>
+              <a:t>Priprema</a:t>
+            </a:r>
+            <a:r>
+              <a:rPr lang="en-US" altLang="ko-KR" dirty="0"/>
+              <a:t> </a:t>
+            </a:r>
+            <a:r>
+              <a:rPr lang="en-US" altLang="ko-KR" dirty="0" smtClean="0"/>
+              <a:t>Angular </a:t>
+            </a:r>
+            <a:r>
+              <a:rPr lang="en-US" altLang="ko-KR" dirty="0" err="1" smtClean="0"/>
+              <a:t>Projekta</a:t>
+            </a:r>
+            <a:endParaRPr lang="ko-KR" altLang="en-US" dirty="0"/>
+          </a:p>
+        </p:txBody>
+      </p:sp>
+      <p:sp>
+        <p:nvSpPr>
+          <p:cNvPr id="5" name="TextBox 4"/>
+          <p:cNvSpPr txBox="1"/>
+          <p:nvPr/>
+        </p:nvSpPr>
+        <p:spPr>
+          <a:xfrm>
+            <a:off x="1585231" y="1053629"/>
+            <a:ext cx="7200800" cy="307777"/>
+          </a:xfrm>
+          <a:prstGeom prst="rect">
+            <a:avLst/>
+          </a:prstGeom>
+          <a:noFill/>
+        </p:spPr>
+        <p:txBody>
+          <a:bodyPr wrap="square" rtlCol="0">
+            <a:spAutoFit/>
+          </a:bodyPr>
+          <a:lstStyle/>
+          <a:p>
+            <a:r>
+              <a:rPr lang="en-US" sz="1400" dirty="0" err="1" smtClean="0">
+                <a:latin typeface="Arial" panose="020B0604020202020204" pitchFamily="34" charset="0"/>
+                <a:cs typeface="Arial" panose="020B0604020202020204" pitchFamily="34" charset="0"/>
+              </a:rPr>
+              <a:t>Instalacija</a:t>
+            </a:r>
+            <a:r>
+              <a:rPr lang="en-US" sz="1400" dirty="0" smtClean="0">
+                <a:latin typeface="Arial" panose="020B0604020202020204" pitchFamily="34" charset="0"/>
+                <a:cs typeface="Arial" panose="020B0604020202020204" pitchFamily="34" charset="0"/>
+              </a:rPr>
+              <a:t> @types/bootstrap </a:t>
+            </a:r>
+            <a:r>
+              <a:rPr lang="en-US" sz="1400" dirty="0" err="1" smtClean="0">
+                <a:latin typeface="Arial" panose="020B0604020202020204" pitchFamily="34" charset="0"/>
+                <a:cs typeface="Arial" panose="020B0604020202020204" pitchFamily="34" charset="0"/>
+              </a:rPr>
+              <a:t>paketa</a:t>
+            </a:r>
+            <a:r>
+              <a:rPr lang="en-US" sz="1400" dirty="0" smtClean="0">
+                <a:latin typeface="Arial" panose="020B0604020202020204" pitchFamily="34" charset="0"/>
+                <a:cs typeface="Arial" panose="020B0604020202020204" pitchFamily="34" charset="0"/>
+              </a:rPr>
+              <a:t> </a:t>
+            </a:r>
+            <a:r>
+              <a:rPr lang="en-US" sz="1400" dirty="0" err="1" smtClean="0">
+                <a:latin typeface="Arial" panose="020B0604020202020204" pitchFamily="34" charset="0"/>
+                <a:cs typeface="Arial" panose="020B0604020202020204" pitchFamily="34" charset="0"/>
+              </a:rPr>
+              <a:t>komandom</a:t>
+            </a:r>
+            <a:r>
+              <a:rPr lang="en-US" sz="1400" dirty="0">
+                <a:latin typeface="Arial" panose="020B0604020202020204" pitchFamily="34" charset="0"/>
+                <a:cs typeface="Arial" panose="020B0604020202020204" pitchFamily="34" charset="0"/>
+              </a:rPr>
+              <a:t>: </a:t>
+            </a:r>
+            <a:r>
+              <a:rPr lang="en-US" sz="1400" dirty="0" err="1">
+                <a:latin typeface="Arial" panose="020B0604020202020204" pitchFamily="34" charset="0"/>
+                <a:cs typeface="Arial" panose="020B0604020202020204" pitchFamily="34" charset="0"/>
+              </a:rPr>
+              <a:t>npm</a:t>
+            </a:r>
+            <a:r>
+              <a:rPr lang="en-US" sz="1400" dirty="0">
+                <a:latin typeface="Arial" panose="020B0604020202020204" pitchFamily="34" charset="0"/>
+                <a:cs typeface="Arial" panose="020B0604020202020204" pitchFamily="34" charset="0"/>
+              </a:rPr>
+              <a:t> install --save @types/bootstrap</a:t>
+            </a:r>
+            <a:endParaRPr lang="en-US" sz="1400" dirty="0">
+              <a:latin typeface="Arial" panose="020B0604020202020204" pitchFamily="34" charset="0"/>
+              <a:cs typeface="Arial" panose="020B0604020202020204" pitchFamily="34" charset="0"/>
+            </a:endParaRPr>
+          </a:p>
+        </p:txBody>
+      </p:sp>
+      <p:sp>
+        <p:nvSpPr>
+          <p:cNvPr id="9" name="TextBox 8"/>
+          <p:cNvSpPr txBox="1"/>
+          <p:nvPr/>
+        </p:nvSpPr>
+        <p:spPr>
+          <a:xfrm>
+            <a:off x="1585231" y="1419622"/>
+            <a:ext cx="7200800" cy="307777"/>
+          </a:xfrm>
+          <a:prstGeom prst="rect">
+            <a:avLst/>
+          </a:prstGeom>
+          <a:noFill/>
+        </p:spPr>
+        <p:txBody>
+          <a:bodyPr wrap="square" rtlCol="0">
+            <a:spAutoFit/>
+          </a:bodyPr>
+          <a:lstStyle/>
+          <a:p>
+            <a:r>
+              <a:rPr lang="en-US" sz="1400" dirty="0" err="1" smtClean="0">
+                <a:latin typeface="Arial" panose="020B0604020202020204" pitchFamily="34" charset="0"/>
+                <a:cs typeface="Arial" panose="020B0604020202020204" pitchFamily="34" charset="0"/>
+              </a:rPr>
+              <a:t>Registracija</a:t>
+            </a:r>
+            <a:r>
+              <a:rPr lang="en-US" sz="1400" dirty="0" smtClean="0">
+                <a:latin typeface="Arial" panose="020B0604020202020204" pitchFamily="34" charset="0"/>
+                <a:cs typeface="Arial" panose="020B0604020202020204" pitchFamily="34" charset="0"/>
+              </a:rPr>
+              <a:t> @types </a:t>
+            </a:r>
+            <a:r>
+              <a:rPr lang="en-US" sz="1400" dirty="0" err="1" smtClean="0">
+                <a:latin typeface="Arial" panose="020B0604020202020204" pitchFamily="34" charset="0"/>
+                <a:cs typeface="Arial" panose="020B0604020202020204" pitchFamily="34" charset="0"/>
+              </a:rPr>
+              <a:t>unutar</a:t>
+            </a:r>
+            <a:r>
+              <a:rPr lang="en-US" sz="1400" dirty="0" smtClean="0">
+                <a:latin typeface="Arial" panose="020B0604020202020204" pitchFamily="34" charset="0"/>
+                <a:cs typeface="Arial" panose="020B0604020202020204" pitchFamily="34" charset="0"/>
+              </a:rPr>
+              <a:t> </a:t>
+            </a:r>
+            <a:r>
+              <a:rPr lang="en-US" sz="1400" dirty="0" err="1" smtClean="0">
+                <a:latin typeface="Arial" panose="020B0604020202020204" pitchFamily="34" charset="0"/>
+                <a:cs typeface="Arial" panose="020B0604020202020204" pitchFamily="34" charset="0"/>
+              </a:rPr>
+              <a:t>tsconfig.app.json</a:t>
+            </a:r>
+            <a:r>
+              <a:rPr lang="en-US" sz="1400" dirty="0" smtClean="0">
+                <a:latin typeface="Arial" panose="020B0604020202020204" pitchFamily="34" charset="0"/>
+                <a:cs typeface="Arial" panose="020B0604020202020204" pitchFamily="34" charset="0"/>
+              </a:rPr>
+              <a:t> </a:t>
+            </a:r>
+            <a:r>
+              <a:rPr lang="en-US" sz="1400" dirty="0" err="1" smtClean="0">
+                <a:latin typeface="Arial" panose="020B0604020202020204" pitchFamily="34" charset="0"/>
+                <a:cs typeface="Arial" panose="020B0604020202020204" pitchFamily="34" charset="0"/>
+              </a:rPr>
+              <a:t>fajla</a:t>
+            </a:r>
+            <a:endParaRPr lang="en-US" sz="1400" dirty="0">
+              <a:latin typeface="Arial" panose="020B0604020202020204" pitchFamily="34" charset="0"/>
+              <a:cs typeface="Arial" panose="020B0604020202020204" pitchFamily="34" charset="0"/>
+            </a:endParaRPr>
+          </a:p>
+        </p:txBody>
+      </p:sp>
+      <p:sp>
+        <p:nvSpPr>
+          <p:cNvPr id="12" name="TextBox 11"/>
+          <p:cNvSpPr txBox="1"/>
+          <p:nvPr/>
+        </p:nvSpPr>
+        <p:spPr>
+          <a:xfrm>
+            <a:off x="1585231" y="1783074"/>
+            <a:ext cx="7200800" cy="307777"/>
+          </a:xfrm>
+          <a:prstGeom prst="rect">
+            <a:avLst/>
+          </a:prstGeom>
+          <a:noFill/>
+        </p:spPr>
+        <p:txBody>
+          <a:bodyPr wrap="square" rtlCol="0">
+            <a:spAutoFit/>
+          </a:bodyPr>
+          <a:lstStyle/>
+          <a:p>
+            <a:r>
+              <a:rPr lang="en-US" sz="1400" dirty="0" err="1" smtClean="0">
+                <a:latin typeface="Arial" panose="020B0604020202020204" pitchFamily="34" charset="0"/>
+                <a:cs typeface="Arial" panose="020B0604020202020204" pitchFamily="34" charset="0"/>
+              </a:rPr>
+              <a:t>Sve</a:t>
+            </a:r>
+            <a:r>
+              <a:rPr lang="en-US" sz="1400" dirty="0" smtClean="0">
+                <a:latin typeface="Arial" panose="020B0604020202020204" pitchFamily="34" charset="0"/>
+                <a:cs typeface="Arial" panose="020B0604020202020204" pitchFamily="34" charset="0"/>
+              </a:rPr>
+              <a:t> </a:t>
+            </a:r>
+            <a:r>
+              <a:rPr lang="en-US" sz="1400" dirty="0" err="1" smtClean="0">
+                <a:latin typeface="Arial" panose="020B0604020202020204" pitchFamily="34" charset="0"/>
+                <a:cs typeface="Arial" panose="020B0604020202020204" pitchFamily="34" charset="0"/>
+              </a:rPr>
+              <a:t>isto</a:t>
+            </a:r>
+            <a:r>
+              <a:rPr lang="en-US" sz="1400" dirty="0" smtClean="0">
+                <a:latin typeface="Arial" panose="020B0604020202020204" pitchFamily="34" charset="0"/>
+                <a:cs typeface="Arial" panose="020B0604020202020204" pitchFamily="34" charset="0"/>
+              </a:rPr>
+              <a:t> </a:t>
+            </a:r>
+            <a:r>
+              <a:rPr lang="en-US" sz="1400" dirty="0" err="1" smtClean="0">
+                <a:latin typeface="Arial" panose="020B0604020202020204" pitchFamily="34" charset="0"/>
+                <a:cs typeface="Arial" panose="020B0604020202020204" pitchFamily="34" charset="0"/>
+              </a:rPr>
+              <a:t>i</a:t>
+            </a:r>
+            <a:r>
+              <a:rPr lang="en-US" sz="1400" dirty="0" smtClean="0">
+                <a:latin typeface="Arial" panose="020B0604020202020204" pitchFamily="34" charset="0"/>
+                <a:cs typeface="Arial" panose="020B0604020202020204" pitchFamily="34" charset="0"/>
+              </a:rPr>
+              <a:t> </a:t>
+            </a:r>
+            <a:r>
+              <a:rPr lang="en-US" sz="1400" dirty="0" err="1" smtClean="0">
+                <a:latin typeface="Arial" panose="020B0604020202020204" pitchFamily="34" charset="0"/>
+                <a:cs typeface="Arial" panose="020B0604020202020204" pitchFamily="34" charset="0"/>
+              </a:rPr>
+              <a:t>za</a:t>
+            </a:r>
+            <a:r>
+              <a:rPr lang="en-US" sz="1400" dirty="0" smtClean="0">
+                <a:latin typeface="Arial" panose="020B0604020202020204" pitchFamily="34" charset="0"/>
+                <a:cs typeface="Arial" panose="020B0604020202020204" pitchFamily="34" charset="0"/>
+              </a:rPr>
+              <a:t> JQuery </a:t>
+            </a:r>
+            <a:r>
+              <a:rPr lang="en-US" sz="1400" dirty="0" err="1" smtClean="0">
+                <a:latin typeface="Arial" panose="020B0604020202020204" pitchFamily="34" charset="0"/>
+                <a:cs typeface="Arial" panose="020B0604020202020204" pitchFamily="34" charset="0"/>
+              </a:rPr>
+              <a:t>biblioteku</a:t>
+            </a:r>
+            <a:r>
+              <a:rPr lang="en-US" sz="1400" dirty="0" smtClean="0">
+                <a:latin typeface="Arial" panose="020B0604020202020204" pitchFamily="34" charset="0"/>
+                <a:cs typeface="Arial" panose="020B0604020202020204" pitchFamily="34" charset="0"/>
+              </a:rPr>
+              <a:t>.</a:t>
+            </a:r>
+            <a:endParaRPr lang="en-US" sz="1400" dirty="0">
+              <a:latin typeface="Arial" panose="020B0604020202020204" pitchFamily="34" charset="0"/>
+              <a:cs typeface="Arial" panose="020B0604020202020204" pitchFamily="34" charset="0"/>
+            </a:endParaRPr>
+          </a:p>
+        </p:txBody>
+      </p:sp>
+      <p:pic>
+        <p:nvPicPr>
+          <p:cNvPr id="13" name="Picture 12"/>
+          <p:cNvPicPr>
+            <a:picLocks noChangeAspect="1"/>
+          </p:cNvPicPr>
+          <p:nvPr/>
+        </p:nvPicPr>
+        <p:blipFill>
+          <a:blip r:embed="rId2"/>
+          <a:stretch>
+            <a:fillRect/>
+          </a:stretch>
+        </p:blipFill>
+        <p:spPr>
+          <a:xfrm>
+            <a:off x="1630980" y="2176513"/>
+            <a:ext cx="1590897" cy="847843"/>
+          </a:xfrm>
+          <a:prstGeom prst="rect">
+            <a:avLst/>
+          </a:prstGeom>
+        </p:spPr>
+      </p:pic>
+      <p:pic>
+        <p:nvPicPr>
+          <p:cNvPr id="14" name="Picture 13"/>
+          <p:cNvPicPr>
+            <a:picLocks noChangeAspect="1"/>
+          </p:cNvPicPr>
+          <p:nvPr/>
+        </p:nvPicPr>
+        <p:blipFill>
+          <a:blip r:embed="rId3"/>
+          <a:stretch>
+            <a:fillRect/>
+          </a:stretch>
+        </p:blipFill>
+        <p:spPr>
+          <a:xfrm>
+            <a:off x="1619672" y="3291830"/>
+            <a:ext cx="4601217" cy="1562318"/>
+          </a:xfrm>
+          <a:prstGeom prst="rect">
+            <a:avLst/>
+          </a:prstGeom>
+        </p:spPr>
+      </p:pic>
+    </p:spTree>
+    <p:extLst>
+      <p:ext uri="{BB962C8B-B14F-4D97-AF65-F5344CB8AC3E}">
+        <p14:creationId xmlns:p14="http://schemas.microsoft.com/office/powerpoint/2010/main" val="1312685035"/>
+      </p:ext>
+    </p:extLst>
+  </p:cSld>
+  <p:clrMapOvr>
+    <a:masterClrMapping/>
+  </p:clrMapOvr>
+  <p:timing>
+    <p:tnLst>
+      <p:par>
+        <p:cTn id="1" dur="indefinite" restart="never" nodeType="tmRoot">
+          <p:childTnLst>
+            <p:seq concurrent="1" nextAc="seek">
+              <p:cTn id="2" dur="indefinite" nodeType="mainSeq">
+                <p:childTnLst>
+                  <p:par>
+                    <p:cTn id="3" fill="hold">
+                      <p:stCondLst>
+                        <p:cond delay="indefinite"/>
+                      </p:stCondLst>
+                      <p:childTnLst>
+                        <p:par>
+                          <p:cTn id="4" fill="hold">
+                            <p:stCondLst>
+                              <p:cond delay="0"/>
+                            </p:stCondLst>
+                            <p:childTnLst>
+                              <p:par>
+                                <p:cTn id="5" presetID="2" presetClass="entr" presetSubtype="4" fill="hold" grpId="0" nodeType="clickEffect">
+                                  <p:stCondLst>
+                                    <p:cond delay="0"/>
+                                  </p:stCondLst>
+                                  <p:childTnLst>
+                                    <p:set>
+                                      <p:cBhvr>
+                                        <p:cTn id="6" dur="1" fill="hold">
+                                          <p:stCondLst>
+                                            <p:cond delay="0"/>
+                                          </p:stCondLst>
+                                        </p:cTn>
+                                        <p:tgtEl>
+                                          <p:spTgt spid="5"/>
+                                        </p:tgtEl>
+                                        <p:attrNameLst>
+                                          <p:attrName>style.visibility</p:attrName>
+                                        </p:attrNameLst>
+                                      </p:cBhvr>
+                                      <p:to>
+                                        <p:strVal val="visible"/>
+                                      </p:to>
+                                    </p:set>
+                                    <p:anim calcmode="lin" valueType="num">
+                                      <p:cBhvr additive="base">
+                                        <p:cTn id="7" dur="500" fill="hold"/>
+                                        <p:tgtEl>
+                                          <p:spTgt spid="5"/>
+                                        </p:tgtEl>
+                                        <p:attrNameLst>
+                                          <p:attrName>ppt_x</p:attrName>
+                                        </p:attrNameLst>
+                                      </p:cBhvr>
+                                      <p:tavLst>
+                                        <p:tav tm="0">
+                                          <p:val>
+                                            <p:strVal val="#ppt_x"/>
+                                          </p:val>
+                                        </p:tav>
+                                        <p:tav tm="100000">
+                                          <p:val>
+                                            <p:strVal val="#ppt_x"/>
+                                          </p:val>
+                                        </p:tav>
+                                      </p:tavLst>
+                                    </p:anim>
+                                    <p:anim calcmode="lin" valueType="num">
+                                      <p:cBhvr additive="base">
+                                        <p:cTn id="8" dur="500" fill="hold"/>
+                                        <p:tgtEl>
+                                          <p:spTgt spid="5"/>
+                                        </p:tgtEl>
+                                        <p:attrNameLst>
+                                          <p:attrName>ppt_y</p:attrName>
+                                        </p:attrNameLst>
+                                      </p:cBhvr>
+                                      <p:tavLst>
+                                        <p:tav tm="0">
+                                          <p:val>
+                                            <p:strVal val="1+#ppt_h/2"/>
+                                          </p:val>
+                                        </p:tav>
+                                        <p:tav tm="100000">
+                                          <p:val>
+                                            <p:strVal val="#ppt_y"/>
+                                          </p:val>
+                                        </p:tav>
+                                      </p:tavLst>
+                                    </p:anim>
+                                  </p:childTnLst>
+                                </p:cTn>
+                              </p:par>
+                            </p:childTnLst>
+                          </p:cTn>
+                        </p:par>
+                      </p:childTnLst>
+                    </p:cTn>
+                  </p:par>
+                  <p:par>
+                    <p:cTn id="9" fill="hold">
+                      <p:stCondLst>
+                        <p:cond delay="indefinite"/>
+                      </p:stCondLst>
+                      <p:childTnLst>
+                        <p:par>
+                          <p:cTn id="10" fill="hold">
+                            <p:stCondLst>
+                              <p:cond delay="0"/>
+                            </p:stCondLst>
+                            <p:childTnLst>
+                              <p:par>
+                                <p:cTn id="11" presetID="2" presetClass="entr" presetSubtype="4" fill="hold" grpId="0" nodeType="clickEffect">
+                                  <p:stCondLst>
+                                    <p:cond delay="0"/>
+                                  </p:stCondLst>
+                                  <p:childTnLst>
+                                    <p:set>
+                                      <p:cBhvr>
+                                        <p:cTn id="12" dur="1" fill="hold">
+                                          <p:stCondLst>
+                                            <p:cond delay="0"/>
+                                          </p:stCondLst>
+                                        </p:cTn>
+                                        <p:tgtEl>
+                                          <p:spTgt spid="9"/>
+                                        </p:tgtEl>
+                                        <p:attrNameLst>
+                                          <p:attrName>style.visibility</p:attrName>
+                                        </p:attrNameLst>
+                                      </p:cBhvr>
+                                      <p:to>
+                                        <p:strVal val="visible"/>
+                                      </p:to>
+                                    </p:set>
+                                    <p:anim calcmode="lin" valueType="num">
+                                      <p:cBhvr additive="base">
+                                        <p:cTn id="13" dur="500" fill="hold"/>
+                                        <p:tgtEl>
+                                          <p:spTgt spid="9"/>
+                                        </p:tgtEl>
+                                        <p:attrNameLst>
+                                          <p:attrName>ppt_x</p:attrName>
+                                        </p:attrNameLst>
+                                      </p:cBhvr>
+                                      <p:tavLst>
+                                        <p:tav tm="0">
+                                          <p:val>
+                                            <p:strVal val="#ppt_x"/>
+                                          </p:val>
+                                        </p:tav>
+                                        <p:tav tm="100000">
+                                          <p:val>
+                                            <p:strVal val="#ppt_x"/>
+                                          </p:val>
+                                        </p:tav>
+                                      </p:tavLst>
+                                    </p:anim>
+                                    <p:anim calcmode="lin" valueType="num">
+                                      <p:cBhvr additive="base">
+                                        <p:cTn id="14" dur="500" fill="hold"/>
+                                        <p:tgtEl>
+                                          <p:spTgt spid="9"/>
+                                        </p:tgtEl>
+                                        <p:attrNameLst>
+                                          <p:attrName>ppt_y</p:attrName>
+                                        </p:attrNameLst>
+                                      </p:cBhvr>
+                                      <p:tavLst>
+                                        <p:tav tm="0">
+                                          <p:val>
+                                            <p:strVal val="1+#ppt_h/2"/>
+                                          </p:val>
+                                        </p:tav>
+                                        <p:tav tm="100000">
+                                          <p:val>
+                                            <p:strVal val="#ppt_y"/>
+                                          </p:val>
+                                        </p:tav>
+                                      </p:tavLst>
+                                    </p:anim>
+                                  </p:childTnLst>
+                                </p:cTn>
+                              </p:par>
+                            </p:childTnLst>
+                          </p:cTn>
+                        </p:par>
+                      </p:childTnLst>
+                    </p:cTn>
+                  </p:par>
+                  <p:par>
+                    <p:cTn id="15" fill="hold">
+                      <p:stCondLst>
+                        <p:cond delay="indefinite"/>
+                      </p:stCondLst>
+                      <p:childTnLst>
+                        <p:par>
+                          <p:cTn id="16" fill="hold">
+                            <p:stCondLst>
+                              <p:cond delay="0"/>
+                            </p:stCondLst>
+                            <p:childTnLst>
+                              <p:par>
+                                <p:cTn id="17" presetID="2" presetClass="entr" presetSubtype="4" fill="hold" grpId="0" nodeType="clickEffect">
+                                  <p:stCondLst>
+                                    <p:cond delay="0"/>
+                                  </p:stCondLst>
+                                  <p:childTnLst>
+                                    <p:set>
+                                      <p:cBhvr>
+                                        <p:cTn id="18" dur="1" fill="hold">
+                                          <p:stCondLst>
+                                            <p:cond delay="0"/>
+                                          </p:stCondLst>
+                                        </p:cTn>
+                                        <p:tgtEl>
+                                          <p:spTgt spid="12"/>
+                                        </p:tgtEl>
+                                        <p:attrNameLst>
+                                          <p:attrName>style.visibility</p:attrName>
+                                        </p:attrNameLst>
+                                      </p:cBhvr>
+                                      <p:to>
+                                        <p:strVal val="visible"/>
+                                      </p:to>
+                                    </p:set>
+                                    <p:anim calcmode="lin" valueType="num">
+                                      <p:cBhvr additive="base">
+                                        <p:cTn id="19" dur="500" fill="hold"/>
+                                        <p:tgtEl>
+                                          <p:spTgt spid="12"/>
+                                        </p:tgtEl>
+                                        <p:attrNameLst>
+                                          <p:attrName>ppt_x</p:attrName>
+                                        </p:attrNameLst>
+                                      </p:cBhvr>
+                                      <p:tavLst>
+                                        <p:tav tm="0">
+                                          <p:val>
+                                            <p:strVal val="#ppt_x"/>
+                                          </p:val>
+                                        </p:tav>
+                                        <p:tav tm="100000">
+                                          <p:val>
+                                            <p:strVal val="#ppt_x"/>
+                                          </p:val>
+                                        </p:tav>
+                                      </p:tavLst>
+                                    </p:anim>
+                                    <p:anim calcmode="lin" valueType="num">
+                                      <p:cBhvr additive="base">
+                                        <p:cTn id="20" dur="500" fill="hold"/>
+                                        <p:tgtEl>
+                                          <p:spTgt spid="12"/>
+                                        </p:tgtEl>
+                                        <p:attrNameLst>
+                                          <p:attrName>ppt_y</p:attrName>
+                                        </p:attrNameLst>
+                                      </p:cBhvr>
+                                      <p:tavLst>
+                                        <p:tav tm="0">
+                                          <p:val>
+                                            <p:strVal val="1+#ppt_h/2"/>
+                                          </p:val>
+                                        </p:tav>
+                                        <p:tav tm="100000">
+                                          <p:val>
+                                            <p:strVal val="#ppt_y"/>
+                                          </p:val>
+                                        </p:tav>
+                                      </p:tavLst>
+                                    </p:anim>
+                                  </p:childTnLst>
+                                </p:cTn>
+                              </p:par>
+                            </p:childTnLst>
+                          </p:cTn>
+                        </p:par>
+                      </p:childTnLst>
+                    </p:cTn>
+                  </p:par>
+                  <p:par>
+                    <p:cTn id="21" fill="hold">
+                      <p:stCondLst>
+                        <p:cond delay="indefinite"/>
+                      </p:stCondLst>
+                      <p:childTnLst>
+                        <p:par>
+                          <p:cTn id="22" fill="hold">
+                            <p:stCondLst>
+                              <p:cond delay="0"/>
+                            </p:stCondLst>
+                            <p:childTnLst>
+                              <p:par>
+                                <p:cTn id="23" presetID="2" presetClass="entr" presetSubtype="4" fill="hold" nodeType="clickEffect">
+                                  <p:stCondLst>
+                                    <p:cond delay="0"/>
+                                  </p:stCondLst>
+                                  <p:childTnLst>
+                                    <p:set>
+                                      <p:cBhvr>
+                                        <p:cTn id="24" dur="1" fill="hold">
+                                          <p:stCondLst>
+                                            <p:cond delay="0"/>
+                                          </p:stCondLst>
+                                        </p:cTn>
+                                        <p:tgtEl>
+                                          <p:spTgt spid="13"/>
+                                        </p:tgtEl>
+                                        <p:attrNameLst>
+                                          <p:attrName>style.visibility</p:attrName>
+                                        </p:attrNameLst>
+                                      </p:cBhvr>
+                                      <p:to>
+                                        <p:strVal val="visible"/>
+                                      </p:to>
+                                    </p:set>
+                                    <p:anim calcmode="lin" valueType="num">
+                                      <p:cBhvr additive="base">
+                                        <p:cTn id="25" dur="500" fill="hold"/>
+                                        <p:tgtEl>
+                                          <p:spTgt spid="13"/>
+                                        </p:tgtEl>
+                                        <p:attrNameLst>
+                                          <p:attrName>ppt_x</p:attrName>
+                                        </p:attrNameLst>
+                                      </p:cBhvr>
+                                      <p:tavLst>
+                                        <p:tav tm="0">
+                                          <p:val>
+                                            <p:strVal val="#ppt_x"/>
+                                          </p:val>
+                                        </p:tav>
+                                        <p:tav tm="100000">
+                                          <p:val>
+                                            <p:strVal val="#ppt_x"/>
+                                          </p:val>
+                                        </p:tav>
+                                      </p:tavLst>
+                                    </p:anim>
+                                    <p:anim calcmode="lin" valueType="num">
+                                      <p:cBhvr additive="base">
+                                        <p:cTn id="26" dur="500" fill="hold"/>
+                                        <p:tgtEl>
+                                          <p:spTgt spid="13"/>
+                                        </p:tgtEl>
+                                        <p:attrNameLst>
+                                          <p:attrName>ppt_y</p:attrName>
+                                        </p:attrNameLst>
+                                      </p:cBhvr>
+                                      <p:tavLst>
+                                        <p:tav tm="0">
+                                          <p:val>
+                                            <p:strVal val="1+#ppt_h/2"/>
+                                          </p:val>
+                                        </p:tav>
+                                        <p:tav tm="100000">
+                                          <p:val>
+                                            <p:strVal val="#ppt_y"/>
+                                          </p:val>
+                                        </p:tav>
+                                      </p:tavLst>
+                                    </p:anim>
+                                  </p:childTnLst>
+                                </p:cTn>
+                              </p:par>
+                            </p:childTnLst>
+                          </p:cTn>
+                        </p:par>
+                      </p:childTnLst>
+                    </p:cTn>
+                  </p:par>
+                  <p:par>
+                    <p:cTn id="27" fill="hold">
+                      <p:stCondLst>
+                        <p:cond delay="indefinite"/>
+                      </p:stCondLst>
+                      <p:childTnLst>
+                        <p:par>
+                          <p:cTn id="28" fill="hold">
+                            <p:stCondLst>
+                              <p:cond delay="0"/>
+                            </p:stCondLst>
+                            <p:childTnLst>
+                              <p:par>
+                                <p:cTn id="29" presetID="2" presetClass="entr" presetSubtype="4" fill="hold" nodeType="clickEffect">
+                                  <p:stCondLst>
+                                    <p:cond delay="0"/>
+                                  </p:stCondLst>
+                                  <p:childTnLst>
+                                    <p:set>
+                                      <p:cBhvr>
+                                        <p:cTn id="30" dur="1" fill="hold">
+                                          <p:stCondLst>
+                                            <p:cond delay="0"/>
+                                          </p:stCondLst>
+                                        </p:cTn>
+                                        <p:tgtEl>
+                                          <p:spTgt spid="14"/>
+                                        </p:tgtEl>
+                                        <p:attrNameLst>
+                                          <p:attrName>style.visibility</p:attrName>
+                                        </p:attrNameLst>
+                                      </p:cBhvr>
+                                      <p:to>
+                                        <p:strVal val="visible"/>
+                                      </p:to>
+                                    </p:set>
+                                    <p:anim calcmode="lin" valueType="num">
+                                      <p:cBhvr additive="base">
+                                        <p:cTn id="31" dur="500" fill="hold"/>
+                                        <p:tgtEl>
+                                          <p:spTgt spid="14"/>
+                                        </p:tgtEl>
+                                        <p:attrNameLst>
+                                          <p:attrName>ppt_x</p:attrName>
+                                        </p:attrNameLst>
+                                      </p:cBhvr>
+                                      <p:tavLst>
+                                        <p:tav tm="0">
+                                          <p:val>
+                                            <p:strVal val="#ppt_x"/>
+                                          </p:val>
+                                        </p:tav>
+                                        <p:tav tm="100000">
+                                          <p:val>
+                                            <p:strVal val="#ppt_x"/>
+                                          </p:val>
+                                        </p:tav>
+                                      </p:tavLst>
+                                    </p:anim>
+                                    <p:anim calcmode="lin" valueType="num">
+                                      <p:cBhvr additive="base">
+                                        <p:cTn id="32" dur="500" fill="hold"/>
+                                        <p:tgtEl>
+                                          <p:spTgt spid="14"/>
+                                        </p:tgtEl>
+                                        <p:attrNameLst>
+                                          <p:attrName>ppt_y</p:attrName>
+                                        </p:attrNameLst>
+                                      </p:cBhvr>
+                                      <p:tavLst>
+                                        <p:tav tm="0">
+                                          <p:val>
+                                            <p:strVal val="1+#ppt_h/2"/>
+                                          </p:val>
+                                        </p:tav>
+                                        <p:tav tm="100000">
+                                          <p:val>
+                                            <p:strVal val="#ppt_y"/>
+                                          </p:val>
+                                        </p:tav>
+                                      </p:tavLst>
+                                    </p:anim>
+                                  </p:childTnLst>
+                                </p:cTn>
+                              </p:par>
+                            </p:childTnLst>
+                          </p:cTn>
+                        </p:par>
+                      </p:childTnLst>
+                    </p:cTn>
+                  </p:par>
+                </p:childTnLst>
+              </p:cTn>
+              <p:prevCondLst>
+                <p:cond evt="onPrev" delay="0">
+                  <p:tgtEl>
+                    <p:sldTgt/>
+                  </p:tgtEl>
+                </p:cond>
+              </p:prevCondLst>
+              <p:nextCondLst>
+                <p:cond evt="onNext" delay="0">
+                  <p:tgtEl>
+                    <p:sldTgt/>
+                  </p:tgtEl>
+                </p:cond>
+              </p:nextCondLst>
+            </p:seq>
+          </p:childTnLst>
+        </p:cTn>
+      </p:par>
+    </p:tnLst>
+    <p:bldLst>
+      <p:bldP spid="5" grpId="0"/>
+      <p:bldP spid="9" grpId="0"/>
+      <p:bldP spid="12" grpId="0"/>
+    </p:bldLst>
+  </p:timing>
+</p:sld>
+</file>
+
+<file path=ppt/slides/slide29.xml><?xml version="1.0" encoding="utf-8"?>
+<p:sld xmlns:a="http://schemas.openxmlformats.org/drawingml/2006/main" xmlns:r="http://schemas.openxmlformats.org/officeDocument/2006/relationships" xmlns:p="http://schemas.openxmlformats.org/presentationml/2006/main">
+  <p:cSld>
+    <p:spTree>
+      <p:nvGrpSpPr>
+        <p:cNvPr id="1" name=""/>
+        <p:cNvGrpSpPr/>
+        <p:nvPr/>
+      </p:nvGrpSpPr>
+      <p:grpSpPr>
+        <a:xfrm>
+          <a:off x="0" y="0"/>
+          <a:ext cx="0" cy="0"/>
+          <a:chOff x="0" y="0"/>
+          <a:chExt cx="0" cy="0"/>
+        </a:xfrm>
+      </p:grpSpPr>
+      <p:sp>
+        <p:nvSpPr>
+          <p:cNvPr id="3" name="Title 2"/>
+          <p:cNvSpPr>
+            <a:spLocks noGrp="1"/>
+          </p:cNvSpPr>
+          <p:nvPr>
+            <p:ph type="title"/>
+          </p:nvPr>
+        </p:nvSpPr>
+        <p:spPr>
+          <a:xfrm>
+            <a:off x="1619672" y="-1"/>
+            <a:ext cx="7524328" cy="771551"/>
+          </a:xfrm>
+        </p:spPr>
+        <p:txBody>
+          <a:bodyPr/>
+          <a:lstStyle/>
+          <a:p>
+            <a:pPr algn="ctr"/>
+            <a:r>
+              <a:rPr lang="en-US" altLang="ko-KR" dirty="0" err="1" smtClean="0"/>
+              <a:t>Priprema</a:t>
+            </a:r>
+            <a:r>
+              <a:rPr lang="en-US" altLang="ko-KR" dirty="0"/>
+              <a:t> </a:t>
+            </a:r>
+            <a:r>
+              <a:rPr lang="en-US" altLang="ko-KR" dirty="0" smtClean="0"/>
+              <a:t>Angular </a:t>
+            </a:r>
+            <a:r>
+              <a:rPr lang="en-US" altLang="ko-KR" dirty="0" err="1" smtClean="0"/>
+              <a:t>Projekta</a:t>
+            </a:r>
+            <a:endParaRPr lang="ko-KR" altLang="en-US" dirty="0"/>
+          </a:p>
+        </p:txBody>
+      </p:sp>
+      <p:sp>
+        <p:nvSpPr>
+          <p:cNvPr id="5" name="TextBox 4"/>
+          <p:cNvSpPr txBox="1"/>
+          <p:nvPr/>
+        </p:nvSpPr>
+        <p:spPr>
+          <a:xfrm>
+            <a:off x="1585231" y="1053629"/>
+            <a:ext cx="7200800" cy="523220"/>
+          </a:xfrm>
+          <a:prstGeom prst="rect">
+            <a:avLst/>
+          </a:prstGeom>
+          <a:noFill/>
+        </p:spPr>
+        <p:txBody>
+          <a:bodyPr wrap="square" rtlCol="0">
+            <a:spAutoFit/>
+          </a:bodyPr>
+          <a:lstStyle/>
+          <a:p>
+            <a:r>
+              <a:rPr lang="en-US" sz="1400" dirty="0" smtClean="0">
+                <a:latin typeface="Arial" panose="020B0604020202020204" pitchFamily="34" charset="0"/>
+                <a:cs typeface="Arial" panose="020B0604020202020204" pitchFamily="34" charset="0"/>
+              </a:rPr>
+              <a:t>Angular </a:t>
+            </a:r>
+            <a:r>
+              <a:rPr lang="en-US" sz="1400" dirty="0" err="1" smtClean="0">
+                <a:latin typeface="Arial" panose="020B0604020202020204" pitchFamily="34" charset="0"/>
+                <a:cs typeface="Arial" panose="020B0604020202020204" pitchFamily="34" charset="0"/>
+              </a:rPr>
+              <a:t>aplikacije</a:t>
+            </a:r>
+            <a:r>
+              <a:rPr lang="en-US" sz="1400" dirty="0" smtClean="0">
+                <a:latin typeface="Arial" panose="020B0604020202020204" pitchFamily="34" charset="0"/>
+                <a:cs typeface="Arial" panose="020B0604020202020204" pitchFamily="34" charset="0"/>
+              </a:rPr>
+              <a:t> </a:t>
+            </a:r>
+            <a:r>
+              <a:rPr lang="en-US" sz="1400" dirty="0" err="1" smtClean="0">
+                <a:latin typeface="Arial" panose="020B0604020202020204" pitchFamily="34" charset="0"/>
+                <a:cs typeface="Arial" panose="020B0604020202020204" pitchFamily="34" charset="0"/>
+              </a:rPr>
+              <a:t>su</a:t>
+            </a:r>
+            <a:r>
+              <a:rPr lang="en-US" sz="1400" dirty="0" smtClean="0">
+                <a:latin typeface="Arial" panose="020B0604020202020204" pitchFamily="34" charset="0"/>
+                <a:cs typeface="Arial" panose="020B0604020202020204" pitchFamily="34" charset="0"/>
+              </a:rPr>
+              <a:t> SPA (single page application) </a:t>
+            </a:r>
+            <a:r>
+              <a:rPr lang="en-US" sz="1400" dirty="0" err="1" smtClean="0">
+                <a:latin typeface="Arial" panose="020B0604020202020204" pitchFamily="34" charset="0"/>
+                <a:cs typeface="Arial" panose="020B0604020202020204" pitchFamily="34" charset="0"/>
+              </a:rPr>
+              <a:t>aplikacije</a:t>
+            </a:r>
+            <a:r>
+              <a:rPr lang="en-US" sz="1400" dirty="0" smtClean="0">
+                <a:latin typeface="Arial" panose="020B0604020202020204" pitchFamily="34" charset="0"/>
+                <a:cs typeface="Arial" panose="020B0604020202020204" pitchFamily="34" charset="0"/>
+              </a:rPr>
+              <a:t> </a:t>
+            </a:r>
+            <a:r>
+              <a:rPr lang="en-US" sz="1400" dirty="0" err="1" smtClean="0">
+                <a:latin typeface="Arial" panose="020B0604020202020204" pitchFamily="34" charset="0"/>
+                <a:cs typeface="Arial" panose="020B0604020202020204" pitchFamily="34" charset="0"/>
+              </a:rPr>
+              <a:t>zato</a:t>
+            </a:r>
+            <a:r>
+              <a:rPr lang="en-US" sz="1400" dirty="0" smtClean="0">
+                <a:latin typeface="Arial" panose="020B0604020202020204" pitchFamily="34" charset="0"/>
+                <a:cs typeface="Arial" panose="020B0604020202020204" pitchFamily="34" charset="0"/>
+              </a:rPr>
+              <a:t> </a:t>
+            </a:r>
+            <a:r>
+              <a:rPr lang="sr-Latn-RS" sz="1400" dirty="0" smtClean="0">
+                <a:latin typeface="Arial" panose="020B0604020202020204" pitchFamily="34" charset="0"/>
+                <a:cs typeface="Arial" panose="020B0604020202020204" pitchFamily="34" charset="0"/>
+              </a:rPr>
+              <a:t>što se serviraju u samo jednoj stranici index.html</a:t>
+            </a:r>
+            <a:endParaRPr lang="en-US" sz="1400" dirty="0">
+              <a:latin typeface="Arial" panose="020B0604020202020204" pitchFamily="34" charset="0"/>
+              <a:cs typeface="Arial" panose="020B0604020202020204" pitchFamily="34" charset="0"/>
+            </a:endParaRPr>
+          </a:p>
+        </p:txBody>
+      </p:sp>
+      <p:pic>
+        <p:nvPicPr>
+          <p:cNvPr id="4" name="Picture 3"/>
+          <p:cNvPicPr>
+            <a:picLocks noChangeAspect="1"/>
+          </p:cNvPicPr>
+          <p:nvPr/>
+        </p:nvPicPr>
+        <p:blipFill>
+          <a:blip r:embed="rId2"/>
+          <a:stretch>
+            <a:fillRect/>
+          </a:stretch>
+        </p:blipFill>
+        <p:spPr>
+          <a:xfrm>
+            <a:off x="1636053" y="1635646"/>
+            <a:ext cx="6320323" cy="3024336"/>
+          </a:xfrm>
+          <a:prstGeom prst="rect">
+            <a:avLst/>
+          </a:prstGeom>
+        </p:spPr>
+      </p:pic>
+    </p:spTree>
+    <p:extLst>
+      <p:ext uri="{BB962C8B-B14F-4D97-AF65-F5344CB8AC3E}">
+        <p14:creationId xmlns:p14="http://schemas.microsoft.com/office/powerpoint/2010/main" val="1732249787"/>
+      </p:ext>
+    </p:extLst>
+  </p:cSld>
+  <p:clrMapOvr>
+    <a:masterClrMapping/>
+  </p:clrMapOvr>
+  <p:timing>
+    <p:tnLst>
+      <p:par>
+        <p:cTn id="1" dur="indefinite" restart="never" nodeType="tmRoot">
+          <p:childTnLst>
+            <p:seq concurrent="1" nextAc="seek">
+              <p:cTn id="2" dur="indefinite" nodeType="mainSeq">
+                <p:childTnLst>
+                  <p:par>
+                    <p:cTn id="3" fill="hold">
+                      <p:stCondLst>
+                        <p:cond delay="indefinite"/>
+                      </p:stCondLst>
+                      <p:childTnLst>
+                        <p:par>
+                          <p:cTn id="4" fill="hold">
+                            <p:stCondLst>
+                              <p:cond delay="0"/>
+                            </p:stCondLst>
+                            <p:childTnLst>
+                              <p:par>
+                                <p:cTn id="5" presetID="2" presetClass="entr" presetSubtype="4" fill="hold" grpId="0" nodeType="clickEffect">
+                                  <p:stCondLst>
+                                    <p:cond delay="0"/>
+                                  </p:stCondLst>
+                                  <p:childTnLst>
+                                    <p:set>
+                                      <p:cBhvr>
+                                        <p:cTn id="6" dur="1" fill="hold">
+                                          <p:stCondLst>
+                                            <p:cond delay="0"/>
+                                          </p:stCondLst>
+                                        </p:cTn>
+                                        <p:tgtEl>
+                                          <p:spTgt spid="5"/>
+                                        </p:tgtEl>
+                                        <p:attrNameLst>
+                                          <p:attrName>style.visibility</p:attrName>
+                                        </p:attrNameLst>
+                                      </p:cBhvr>
+                                      <p:to>
+                                        <p:strVal val="visible"/>
+                                      </p:to>
+                                    </p:set>
+                                    <p:anim calcmode="lin" valueType="num">
+                                      <p:cBhvr additive="base">
+                                        <p:cTn id="7" dur="500" fill="hold"/>
+                                        <p:tgtEl>
+                                          <p:spTgt spid="5"/>
+                                        </p:tgtEl>
+                                        <p:attrNameLst>
+                                          <p:attrName>ppt_x</p:attrName>
+                                        </p:attrNameLst>
+                                      </p:cBhvr>
+                                      <p:tavLst>
+                                        <p:tav tm="0">
+                                          <p:val>
+                                            <p:strVal val="#ppt_x"/>
+                                          </p:val>
+                                        </p:tav>
+                                        <p:tav tm="100000">
+                                          <p:val>
+                                            <p:strVal val="#ppt_x"/>
+                                          </p:val>
+                                        </p:tav>
+                                      </p:tavLst>
+                                    </p:anim>
+                                    <p:anim calcmode="lin" valueType="num">
+                                      <p:cBhvr additive="base">
+                                        <p:cTn id="8" dur="500" fill="hold"/>
+                                        <p:tgtEl>
+                                          <p:spTgt spid="5"/>
+                                        </p:tgtEl>
+                                        <p:attrNameLst>
+                                          <p:attrName>ppt_y</p:attrName>
+                                        </p:attrNameLst>
+                                      </p:cBhvr>
+                                      <p:tavLst>
+                                        <p:tav tm="0">
+                                          <p:val>
+                                            <p:strVal val="1+#ppt_h/2"/>
+                                          </p:val>
+                                        </p:tav>
+                                        <p:tav tm="100000">
+                                          <p:val>
+                                            <p:strVal val="#ppt_y"/>
+                                          </p:val>
+                                        </p:tav>
+                                      </p:tavLst>
+                                    </p:anim>
+                                  </p:childTnLst>
+                                </p:cTn>
+                              </p:par>
+                            </p:childTnLst>
+                          </p:cTn>
+                        </p:par>
+                      </p:childTnLst>
+                    </p:cTn>
+                  </p:par>
+                  <p:par>
+                    <p:cTn id="9" fill="hold">
+                      <p:stCondLst>
+                        <p:cond delay="indefinite"/>
+                      </p:stCondLst>
+                      <p:childTnLst>
+                        <p:par>
+                          <p:cTn id="10" fill="hold">
+                            <p:stCondLst>
+                              <p:cond delay="0"/>
+                            </p:stCondLst>
+                            <p:childTnLst>
+                              <p:par>
+                                <p:cTn id="11" presetID="2" presetClass="entr" presetSubtype="4" fill="hold" nodeType="clickEffect">
+                                  <p:stCondLst>
+                                    <p:cond delay="0"/>
+                                  </p:stCondLst>
+                                  <p:childTnLst>
+                                    <p:set>
+                                      <p:cBhvr>
+                                        <p:cTn id="12" dur="1" fill="hold">
+                                          <p:stCondLst>
+                                            <p:cond delay="0"/>
+                                          </p:stCondLst>
+                                        </p:cTn>
+                                        <p:tgtEl>
+                                          <p:spTgt spid="4"/>
+                                        </p:tgtEl>
+                                        <p:attrNameLst>
+                                          <p:attrName>style.visibility</p:attrName>
+                                        </p:attrNameLst>
+                                      </p:cBhvr>
+                                      <p:to>
+                                        <p:strVal val="visible"/>
+                                      </p:to>
+                                    </p:set>
+                                    <p:anim calcmode="lin" valueType="num">
+                                      <p:cBhvr additive="base">
+                                        <p:cTn id="13" dur="500" fill="hold"/>
+                                        <p:tgtEl>
+                                          <p:spTgt spid="4"/>
+                                        </p:tgtEl>
+                                        <p:attrNameLst>
+                                          <p:attrName>ppt_x</p:attrName>
+                                        </p:attrNameLst>
+                                      </p:cBhvr>
+                                      <p:tavLst>
+                                        <p:tav tm="0">
+                                          <p:val>
+                                            <p:strVal val="#ppt_x"/>
+                                          </p:val>
+                                        </p:tav>
+                                        <p:tav tm="100000">
+                                          <p:val>
+                                            <p:strVal val="#ppt_x"/>
+                                          </p:val>
+                                        </p:tav>
+                                      </p:tavLst>
+                                    </p:anim>
+                                    <p:anim calcmode="lin" valueType="num">
+                                      <p:cBhvr additive="base">
+                                        <p:cTn id="14" dur="500" fill="hold"/>
+                                        <p:tgtEl>
+                                          <p:spTgt spid="4"/>
+                                        </p:tgtEl>
+                                        <p:attrNameLst>
+                                          <p:attrName>ppt_y</p:attrName>
+                                        </p:attrNameLst>
+                                      </p:cBhvr>
+                                      <p:tavLst>
+                                        <p:tav tm="0">
+                                          <p:val>
+                                            <p:strVal val="1+#ppt_h/2"/>
+                                          </p:val>
+                                        </p:tav>
+                                        <p:tav tm="100000">
+                                          <p:val>
+                                            <p:strVal val="#ppt_y"/>
+                                          </p:val>
+                                        </p:tav>
+                                      </p:tavLst>
+                                    </p:anim>
+                                  </p:childTnLst>
+                                </p:cTn>
+                              </p:par>
+                            </p:childTnLst>
+                          </p:cTn>
+                        </p:par>
+                      </p:childTnLst>
+                    </p:cTn>
+                  </p:par>
+                </p:childTnLst>
+              </p:cTn>
+              <p:prevCondLst>
+                <p:cond evt="onPrev" delay="0">
+                  <p:tgtEl>
+                    <p:sldTgt/>
+                  </p:tgtEl>
+                </p:cond>
+              </p:prevCondLst>
+              <p:nextCondLst>
+                <p:cond evt="onNext" delay="0">
+                  <p:tgtEl>
+                    <p:sldTgt/>
+                  </p:tgtEl>
+                </p:cond>
+              </p:nextCondLst>
+            </p:seq>
+          </p:childTnLst>
+        </p:cTn>
+      </p:par>
+    </p:tnLst>
+    <p:bldLst>
+      <p:bldP spid="5" grpId="0"/>
+    </p:bldLst>
+  </p:timing>
+</p:sld>
+</file>
+
 <file path=ppt/slides/slide3.xml><?xml version="1.0" encoding="utf-8"?>
 <p:sld xmlns:a="http://schemas.openxmlformats.org/drawingml/2006/main" xmlns:r="http://schemas.openxmlformats.org/officeDocument/2006/relationships" xmlns:p="http://schemas.openxmlformats.org/presentationml/2006/main">
   <p:cSld>
@@ -12243,6 +15621,3943 @@
     <p:bldLst>
       <p:bldP spid="10" grpId="0"/>
       <p:bldP spid="12" grpId="0"/>
+    </p:bldLst>
+  </p:timing>
+</p:sld>
+</file>
+
+<file path=ppt/slides/slide30.xml><?xml version="1.0" encoding="utf-8"?>
+<p:sld xmlns:a="http://schemas.openxmlformats.org/drawingml/2006/main" xmlns:r="http://schemas.openxmlformats.org/officeDocument/2006/relationships" xmlns:p="http://schemas.openxmlformats.org/presentationml/2006/main">
+  <p:cSld>
+    <p:spTree>
+      <p:nvGrpSpPr>
+        <p:cNvPr id="1" name=""/>
+        <p:cNvGrpSpPr/>
+        <p:nvPr/>
+      </p:nvGrpSpPr>
+      <p:grpSpPr>
+        <a:xfrm>
+          <a:off x="0" y="0"/>
+          <a:ext cx="0" cy="0"/>
+          <a:chOff x="0" y="0"/>
+          <a:chExt cx="0" cy="0"/>
+        </a:xfrm>
+      </p:grpSpPr>
+      <p:sp>
+        <p:nvSpPr>
+          <p:cNvPr id="3" name="Title 2"/>
+          <p:cNvSpPr>
+            <a:spLocks noGrp="1"/>
+          </p:cNvSpPr>
+          <p:nvPr>
+            <p:ph type="title"/>
+          </p:nvPr>
+        </p:nvSpPr>
+        <p:spPr>
+          <a:xfrm>
+            <a:off x="1619672" y="-1"/>
+            <a:ext cx="7524328" cy="771551"/>
+          </a:xfrm>
+        </p:spPr>
+        <p:txBody>
+          <a:bodyPr/>
+          <a:lstStyle/>
+          <a:p>
+            <a:pPr algn="ctr"/>
+            <a:r>
+              <a:rPr lang="en-US" altLang="ko-KR" dirty="0" err="1" smtClean="0"/>
+              <a:t>Priprema</a:t>
+            </a:r>
+            <a:r>
+              <a:rPr lang="en-US" altLang="ko-KR" dirty="0"/>
+              <a:t> </a:t>
+            </a:r>
+            <a:r>
+              <a:rPr lang="en-US" altLang="ko-KR" dirty="0" smtClean="0"/>
+              <a:t>Angular </a:t>
+            </a:r>
+            <a:r>
+              <a:rPr lang="en-US" altLang="ko-KR" dirty="0" err="1" smtClean="0"/>
+              <a:t>Projekta</a:t>
+            </a:r>
+            <a:endParaRPr lang="ko-KR" altLang="en-US" dirty="0"/>
+          </a:p>
+        </p:txBody>
+      </p:sp>
+      <p:sp>
+        <p:nvSpPr>
+          <p:cNvPr id="5" name="TextBox 4"/>
+          <p:cNvSpPr txBox="1"/>
+          <p:nvPr/>
+        </p:nvSpPr>
+        <p:spPr>
+          <a:xfrm>
+            <a:off x="1585231" y="1053629"/>
+            <a:ext cx="7200800" cy="523220"/>
+          </a:xfrm>
+          <a:prstGeom prst="rect">
+            <a:avLst/>
+          </a:prstGeom>
+          <a:noFill/>
+        </p:spPr>
+        <p:txBody>
+          <a:bodyPr wrap="square" rtlCol="0">
+            <a:spAutoFit/>
+          </a:bodyPr>
+          <a:lstStyle/>
+          <a:p>
+            <a:r>
+              <a:rPr lang="sr-Latn-RS" sz="1400" dirty="0" smtClean="0">
+                <a:latin typeface="Arial" panose="020B0604020202020204" pitchFamily="34" charset="0"/>
+                <a:cs typeface="Arial" panose="020B0604020202020204" pitchFamily="34" charset="0"/>
+              </a:rPr>
+              <a:t>Svaka komponenta se sastoji iz minimalno tri fajla: .component, .html, .css</a:t>
+            </a:r>
+          </a:p>
+          <a:p>
+            <a:r>
+              <a:rPr lang="sr-Latn-RS" sz="1400" dirty="0" smtClean="0">
+                <a:latin typeface="Arial" panose="020B0604020202020204" pitchFamily="34" charset="0"/>
+                <a:cs typeface="Arial" panose="020B0604020202020204" pitchFamily="34" charset="0"/>
+              </a:rPr>
+              <a:t>Postoji i četvrti .spec.ts file, koji služi za testiranje...</a:t>
+            </a:r>
+            <a:endParaRPr lang="en-US" sz="1400" dirty="0">
+              <a:latin typeface="Arial" panose="020B0604020202020204" pitchFamily="34" charset="0"/>
+              <a:cs typeface="Arial" panose="020B0604020202020204" pitchFamily="34" charset="0"/>
+            </a:endParaRPr>
+          </a:p>
+        </p:txBody>
+      </p:sp>
+      <p:pic>
+        <p:nvPicPr>
+          <p:cNvPr id="7" name="Picture 6"/>
+          <p:cNvPicPr>
+            <a:picLocks noChangeAspect="1"/>
+          </p:cNvPicPr>
+          <p:nvPr/>
+        </p:nvPicPr>
+        <p:blipFill>
+          <a:blip r:embed="rId2"/>
+          <a:stretch>
+            <a:fillRect/>
+          </a:stretch>
+        </p:blipFill>
+        <p:spPr>
+          <a:xfrm>
+            <a:off x="1691680" y="1779662"/>
+            <a:ext cx="4648849" cy="2304256"/>
+          </a:xfrm>
+          <a:prstGeom prst="rect">
+            <a:avLst/>
+          </a:prstGeom>
+        </p:spPr>
+      </p:pic>
+      <p:pic>
+        <p:nvPicPr>
+          <p:cNvPr id="8" name="Picture 7"/>
+          <p:cNvPicPr>
+            <a:picLocks noChangeAspect="1"/>
+          </p:cNvPicPr>
+          <p:nvPr/>
+        </p:nvPicPr>
+        <p:blipFill>
+          <a:blip r:embed="rId3"/>
+          <a:stretch>
+            <a:fillRect/>
+          </a:stretch>
+        </p:blipFill>
+        <p:spPr>
+          <a:xfrm>
+            <a:off x="1691680" y="4124183"/>
+            <a:ext cx="1905266" cy="1019317"/>
+          </a:xfrm>
+          <a:prstGeom prst="rect">
+            <a:avLst/>
+          </a:prstGeom>
+        </p:spPr>
+      </p:pic>
+    </p:spTree>
+    <p:extLst>
+      <p:ext uri="{BB962C8B-B14F-4D97-AF65-F5344CB8AC3E}">
+        <p14:creationId xmlns:p14="http://schemas.microsoft.com/office/powerpoint/2010/main" val="2031943555"/>
+      </p:ext>
+    </p:extLst>
+  </p:cSld>
+  <p:clrMapOvr>
+    <a:masterClrMapping/>
+  </p:clrMapOvr>
+  <p:timing>
+    <p:tnLst>
+      <p:par>
+        <p:cTn id="1" dur="indefinite" restart="never" nodeType="tmRoot">
+          <p:childTnLst>
+            <p:seq concurrent="1" nextAc="seek">
+              <p:cTn id="2" dur="indefinite" nodeType="mainSeq">
+                <p:childTnLst>
+                  <p:par>
+                    <p:cTn id="3" fill="hold">
+                      <p:stCondLst>
+                        <p:cond delay="indefinite"/>
+                      </p:stCondLst>
+                      <p:childTnLst>
+                        <p:par>
+                          <p:cTn id="4" fill="hold">
+                            <p:stCondLst>
+                              <p:cond delay="0"/>
+                            </p:stCondLst>
+                            <p:childTnLst>
+                              <p:par>
+                                <p:cTn id="5" presetID="2" presetClass="entr" presetSubtype="4" fill="hold" grpId="0" nodeType="clickEffect">
+                                  <p:stCondLst>
+                                    <p:cond delay="0"/>
+                                  </p:stCondLst>
+                                  <p:childTnLst>
+                                    <p:set>
+                                      <p:cBhvr>
+                                        <p:cTn id="6" dur="1" fill="hold">
+                                          <p:stCondLst>
+                                            <p:cond delay="0"/>
+                                          </p:stCondLst>
+                                        </p:cTn>
+                                        <p:tgtEl>
+                                          <p:spTgt spid="5"/>
+                                        </p:tgtEl>
+                                        <p:attrNameLst>
+                                          <p:attrName>style.visibility</p:attrName>
+                                        </p:attrNameLst>
+                                      </p:cBhvr>
+                                      <p:to>
+                                        <p:strVal val="visible"/>
+                                      </p:to>
+                                    </p:set>
+                                    <p:anim calcmode="lin" valueType="num">
+                                      <p:cBhvr additive="base">
+                                        <p:cTn id="7" dur="500" fill="hold"/>
+                                        <p:tgtEl>
+                                          <p:spTgt spid="5"/>
+                                        </p:tgtEl>
+                                        <p:attrNameLst>
+                                          <p:attrName>ppt_x</p:attrName>
+                                        </p:attrNameLst>
+                                      </p:cBhvr>
+                                      <p:tavLst>
+                                        <p:tav tm="0">
+                                          <p:val>
+                                            <p:strVal val="#ppt_x"/>
+                                          </p:val>
+                                        </p:tav>
+                                        <p:tav tm="100000">
+                                          <p:val>
+                                            <p:strVal val="#ppt_x"/>
+                                          </p:val>
+                                        </p:tav>
+                                      </p:tavLst>
+                                    </p:anim>
+                                    <p:anim calcmode="lin" valueType="num">
+                                      <p:cBhvr additive="base">
+                                        <p:cTn id="8" dur="500" fill="hold"/>
+                                        <p:tgtEl>
+                                          <p:spTgt spid="5"/>
+                                        </p:tgtEl>
+                                        <p:attrNameLst>
+                                          <p:attrName>ppt_y</p:attrName>
+                                        </p:attrNameLst>
+                                      </p:cBhvr>
+                                      <p:tavLst>
+                                        <p:tav tm="0">
+                                          <p:val>
+                                            <p:strVal val="1+#ppt_h/2"/>
+                                          </p:val>
+                                        </p:tav>
+                                        <p:tav tm="100000">
+                                          <p:val>
+                                            <p:strVal val="#ppt_y"/>
+                                          </p:val>
+                                        </p:tav>
+                                      </p:tavLst>
+                                    </p:anim>
+                                  </p:childTnLst>
+                                </p:cTn>
+                              </p:par>
+                            </p:childTnLst>
+                          </p:cTn>
+                        </p:par>
+                      </p:childTnLst>
+                    </p:cTn>
+                  </p:par>
+                  <p:par>
+                    <p:cTn id="9" fill="hold">
+                      <p:stCondLst>
+                        <p:cond delay="indefinite"/>
+                      </p:stCondLst>
+                      <p:childTnLst>
+                        <p:par>
+                          <p:cTn id="10" fill="hold">
+                            <p:stCondLst>
+                              <p:cond delay="0"/>
+                            </p:stCondLst>
+                            <p:childTnLst>
+                              <p:par>
+                                <p:cTn id="11" presetID="2" presetClass="entr" presetSubtype="4" fill="hold" nodeType="clickEffect">
+                                  <p:stCondLst>
+                                    <p:cond delay="0"/>
+                                  </p:stCondLst>
+                                  <p:childTnLst>
+                                    <p:set>
+                                      <p:cBhvr>
+                                        <p:cTn id="12" dur="1" fill="hold">
+                                          <p:stCondLst>
+                                            <p:cond delay="0"/>
+                                          </p:stCondLst>
+                                        </p:cTn>
+                                        <p:tgtEl>
+                                          <p:spTgt spid="7"/>
+                                        </p:tgtEl>
+                                        <p:attrNameLst>
+                                          <p:attrName>style.visibility</p:attrName>
+                                        </p:attrNameLst>
+                                      </p:cBhvr>
+                                      <p:to>
+                                        <p:strVal val="visible"/>
+                                      </p:to>
+                                    </p:set>
+                                    <p:anim calcmode="lin" valueType="num">
+                                      <p:cBhvr additive="base">
+                                        <p:cTn id="13" dur="500" fill="hold"/>
+                                        <p:tgtEl>
+                                          <p:spTgt spid="7"/>
+                                        </p:tgtEl>
+                                        <p:attrNameLst>
+                                          <p:attrName>ppt_x</p:attrName>
+                                        </p:attrNameLst>
+                                      </p:cBhvr>
+                                      <p:tavLst>
+                                        <p:tav tm="0">
+                                          <p:val>
+                                            <p:strVal val="#ppt_x"/>
+                                          </p:val>
+                                        </p:tav>
+                                        <p:tav tm="100000">
+                                          <p:val>
+                                            <p:strVal val="#ppt_x"/>
+                                          </p:val>
+                                        </p:tav>
+                                      </p:tavLst>
+                                    </p:anim>
+                                    <p:anim calcmode="lin" valueType="num">
+                                      <p:cBhvr additive="base">
+                                        <p:cTn id="14" dur="500" fill="hold"/>
+                                        <p:tgtEl>
+                                          <p:spTgt spid="7"/>
+                                        </p:tgtEl>
+                                        <p:attrNameLst>
+                                          <p:attrName>ppt_y</p:attrName>
+                                        </p:attrNameLst>
+                                      </p:cBhvr>
+                                      <p:tavLst>
+                                        <p:tav tm="0">
+                                          <p:val>
+                                            <p:strVal val="1+#ppt_h/2"/>
+                                          </p:val>
+                                        </p:tav>
+                                        <p:tav tm="100000">
+                                          <p:val>
+                                            <p:strVal val="#ppt_y"/>
+                                          </p:val>
+                                        </p:tav>
+                                      </p:tavLst>
+                                    </p:anim>
+                                  </p:childTnLst>
+                                </p:cTn>
+                              </p:par>
+                            </p:childTnLst>
+                          </p:cTn>
+                        </p:par>
+                      </p:childTnLst>
+                    </p:cTn>
+                  </p:par>
+                  <p:par>
+                    <p:cTn id="15" fill="hold">
+                      <p:stCondLst>
+                        <p:cond delay="indefinite"/>
+                      </p:stCondLst>
+                      <p:childTnLst>
+                        <p:par>
+                          <p:cTn id="16" fill="hold">
+                            <p:stCondLst>
+                              <p:cond delay="0"/>
+                            </p:stCondLst>
+                            <p:childTnLst>
+                              <p:par>
+                                <p:cTn id="17" presetID="2" presetClass="entr" presetSubtype="4" fill="hold" nodeType="clickEffect">
+                                  <p:stCondLst>
+                                    <p:cond delay="0"/>
+                                  </p:stCondLst>
+                                  <p:childTnLst>
+                                    <p:set>
+                                      <p:cBhvr>
+                                        <p:cTn id="18" dur="1" fill="hold">
+                                          <p:stCondLst>
+                                            <p:cond delay="0"/>
+                                          </p:stCondLst>
+                                        </p:cTn>
+                                        <p:tgtEl>
+                                          <p:spTgt spid="8"/>
+                                        </p:tgtEl>
+                                        <p:attrNameLst>
+                                          <p:attrName>style.visibility</p:attrName>
+                                        </p:attrNameLst>
+                                      </p:cBhvr>
+                                      <p:to>
+                                        <p:strVal val="visible"/>
+                                      </p:to>
+                                    </p:set>
+                                    <p:anim calcmode="lin" valueType="num">
+                                      <p:cBhvr additive="base">
+                                        <p:cTn id="19" dur="500" fill="hold"/>
+                                        <p:tgtEl>
+                                          <p:spTgt spid="8"/>
+                                        </p:tgtEl>
+                                        <p:attrNameLst>
+                                          <p:attrName>ppt_x</p:attrName>
+                                        </p:attrNameLst>
+                                      </p:cBhvr>
+                                      <p:tavLst>
+                                        <p:tav tm="0">
+                                          <p:val>
+                                            <p:strVal val="#ppt_x"/>
+                                          </p:val>
+                                        </p:tav>
+                                        <p:tav tm="100000">
+                                          <p:val>
+                                            <p:strVal val="#ppt_x"/>
+                                          </p:val>
+                                        </p:tav>
+                                      </p:tavLst>
+                                    </p:anim>
+                                    <p:anim calcmode="lin" valueType="num">
+                                      <p:cBhvr additive="base">
+                                        <p:cTn id="20" dur="500" fill="hold"/>
+                                        <p:tgtEl>
+                                          <p:spTgt spid="8"/>
+                                        </p:tgtEl>
+                                        <p:attrNameLst>
+                                          <p:attrName>ppt_y</p:attrName>
+                                        </p:attrNameLst>
+                                      </p:cBhvr>
+                                      <p:tavLst>
+                                        <p:tav tm="0">
+                                          <p:val>
+                                            <p:strVal val="1+#ppt_h/2"/>
+                                          </p:val>
+                                        </p:tav>
+                                        <p:tav tm="100000">
+                                          <p:val>
+                                            <p:strVal val="#ppt_y"/>
+                                          </p:val>
+                                        </p:tav>
+                                      </p:tavLst>
+                                    </p:anim>
+                                  </p:childTnLst>
+                                </p:cTn>
+                              </p:par>
+                            </p:childTnLst>
+                          </p:cTn>
+                        </p:par>
+                      </p:childTnLst>
+                    </p:cTn>
+                  </p:par>
+                </p:childTnLst>
+              </p:cTn>
+              <p:prevCondLst>
+                <p:cond evt="onPrev" delay="0">
+                  <p:tgtEl>
+                    <p:sldTgt/>
+                  </p:tgtEl>
+                </p:cond>
+              </p:prevCondLst>
+              <p:nextCondLst>
+                <p:cond evt="onNext" delay="0">
+                  <p:tgtEl>
+                    <p:sldTgt/>
+                  </p:tgtEl>
+                </p:cond>
+              </p:nextCondLst>
+            </p:seq>
+          </p:childTnLst>
+        </p:cTn>
+      </p:par>
+    </p:tnLst>
+    <p:bldLst>
+      <p:bldP spid="5" grpId="0"/>
+    </p:bldLst>
+  </p:timing>
+</p:sld>
+</file>
+
+<file path=ppt/slides/slide31.xml><?xml version="1.0" encoding="utf-8"?>
+<p:sld xmlns:a="http://schemas.openxmlformats.org/drawingml/2006/main" xmlns:r="http://schemas.openxmlformats.org/officeDocument/2006/relationships" xmlns:p="http://schemas.openxmlformats.org/presentationml/2006/main">
+  <p:cSld>
+    <p:spTree>
+      <p:nvGrpSpPr>
+        <p:cNvPr id="1" name=""/>
+        <p:cNvGrpSpPr/>
+        <p:nvPr/>
+      </p:nvGrpSpPr>
+      <p:grpSpPr>
+        <a:xfrm>
+          <a:off x="0" y="0"/>
+          <a:ext cx="0" cy="0"/>
+          <a:chOff x="0" y="0"/>
+          <a:chExt cx="0" cy="0"/>
+        </a:xfrm>
+      </p:grpSpPr>
+      <p:sp>
+        <p:nvSpPr>
+          <p:cNvPr id="3" name="Title 2"/>
+          <p:cNvSpPr>
+            <a:spLocks noGrp="1"/>
+          </p:cNvSpPr>
+          <p:nvPr>
+            <p:ph type="title"/>
+          </p:nvPr>
+        </p:nvSpPr>
+        <p:spPr>
+          <a:xfrm>
+            <a:off x="1619672" y="-1"/>
+            <a:ext cx="7524328" cy="771551"/>
+          </a:xfrm>
+        </p:spPr>
+        <p:txBody>
+          <a:bodyPr/>
+          <a:lstStyle/>
+          <a:p>
+            <a:pPr algn="ctr"/>
+            <a:r>
+              <a:rPr lang="en-US" altLang="ko-KR" dirty="0" err="1" smtClean="0"/>
+              <a:t>Priprema</a:t>
+            </a:r>
+            <a:r>
+              <a:rPr lang="en-US" altLang="ko-KR" dirty="0"/>
+              <a:t> </a:t>
+            </a:r>
+            <a:r>
+              <a:rPr lang="en-US" altLang="ko-KR" dirty="0" smtClean="0"/>
+              <a:t>Angular </a:t>
+            </a:r>
+            <a:r>
+              <a:rPr lang="en-US" altLang="ko-KR" dirty="0" err="1" smtClean="0"/>
+              <a:t>Projekta</a:t>
+            </a:r>
+            <a:endParaRPr lang="ko-KR" altLang="en-US" dirty="0"/>
+          </a:p>
+        </p:txBody>
+      </p:sp>
+      <p:sp>
+        <p:nvSpPr>
+          <p:cNvPr id="5" name="TextBox 4"/>
+          <p:cNvSpPr txBox="1"/>
+          <p:nvPr/>
+        </p:nvSpPr>
+        <p:spPr>
+          <a:xfrm>
+            <a:off x="1585231" y="1053629"/>
+            <a:ext cx="7200800" cy="307777"/>
+          </a:xfrm>
+          <a:prstGeom prst="rect">
+            <a:avLst/>
+          </a:prstGeom>
+          <a:noFill/>
+        </p:spPr>
+        <p:txBody>
+          <a:bodyPr wrap="square" rtlCol="0">
+            <a:spAutoFit/>
+          </a:bodyPr>
+          <a:lstStyle/>
+          <a:p>
+            <a:r>
+              <a:rPr lang="sr-Latn-RS" sz="1400" dirty="0" smtClean="0">
+                <a:latin typeface="Arial" panose="020B0604020202020204" pitchFamily="34" charset="0"/>
+                <a:cs typeface="Arial" panose="020B0604020202020204" pitchFamily="34" charset="0"/>
+              </a:rPr>
+              <a:t>Komponente nemaju nikakvu funkcionalnost bez modul fajlova.</a:t>
+            </a:r>
+            <a:endParaRPr lang="en-US" sz="1400" dirty="0">
+              <a:latin typeface="Arial" panose="020B0604020202020204" pitchFamily="34" charset="0"/>
+              <a:cs typeface="Arial" panose="020B0604020202020204" pitchFamily="34" charset="0"/>
+            </a:endParaRPr>
+          </a:p>
+        </p:txBody>
+      </p:sp>
+      <p:sp>
+        <p:nvSpPr>
+          <p:cNvPr id="6" name="TextBox 5"/>
+          <p:cNvSpPr txBox="1"/>
+          <p:nvPr/>
+        </p:nvSpPr>
+        <p:spPr>
+          <a:xfrm>
+            <a:off x="1581462" y="1489596"/>
+            <a:ext cx="7200800" cy="307777"/>
+          </a:xfrm>
+          <a:prstGeom prst="rect">
+            <a:avLst/>
+          </a:prstGeom>
+          <a:noFill/>
+        </p:spPr>
+        <p:txBody>
+          <a:bodyPr wrap="square" rtlCol="0">
+            <a:spAutoFit/>
+          </a:bodyPr>
+          <a:lstStyle/>
+          <a:p>
+            <a:r>
+              <a:rPr lang="sr-Latn-RS" sz="1400" dirty="0" smtClean="0">
+                <a:latin typeface="Arial" panose="020B0604020202020204" pitchFamily="34" charset="0"/>
+                <a:cs typeface="Arial" panose="020B0604020202020204" pitchFamily="34" charset="0"/>
+              </a:rPr>
+              <a:t>Podrazumevano kreiran app.module.ts file  (App Module file)</a:t>
+            </a:r>
+            <a:endParaRPr lang="en-US" sz="1400" dirty="0">
+              <a:latin typeface="Arial" panose="020B0604020202020204" pitchFamily="34" charset="0"/>
+              <a:cs typeface="Arial" panose="020B0604020202020204" pitchFamily="34" charset="0"/>
+            </a:endParaRPr>
+          </a:p>
+        </p:txBody>
+      </p:sp>
+      <p:pic>
+        <p:nvPicPr>
+          <p:cNvPr id="2" name="Picture 1"/>
+          <p:cNvPicPr>
+            <a:picLocks noChangeAspect="1"/>
+          </p:cNvPicPr>
+          <p:nvPr/>
+        </p:nvPicPr>
+        <p:blipFill>
+          <a:blip r:embed="rId2"/>
+          <a:stretch>
+            <a:fillRect/>
+          </a:stretch>
+        </p:blipFill>
+        <p:spPr>
+          <a:xfrm>
+            <a:off x="1691680" y="1856916"/>
+            <a:ext cx="4925112" cy="3286584"/>
+          </a:xfrm>
+          <a:prstGeom prst="rect">
+            <a:avLst/>
+          </a:prstGeom>
+        </p:spPr>
+      </p:pic>
+    </p:spTree>
+    <p:extLst>
+      <p:ext uri="{BB962C8B-B14F-4D97-AF65-F5344CB8AC3E}">
+        <p14:creationId xmlns:p14="http://schemas.microsoft.com/office/powerpoint/2010/main" val="1710827966"/>
+      </p:ext>
+    </p:extLst>
+  </p:cSld>
+  <p:clrMapOvr>
+    <a:masterClrMapping/>
+  </p:clrMapOvr>
+  <p:timing>
+    <p:tnLst>
+      <p:par>
+        <p:cTn id="1" dur="indefinite" restart="never" nodeType="tmRoot">
+          <p:childTnLst>
+            <p:seq concurrent="1" nextAc="seek">
+              <p:cTn id="2" dur="indefinite" nodeType="mainSeq">
+                <p:childTnLst>
+                  <p:par>
+                    <p:cTn id="3" fill="hold">
+                      <p:stCondLst>
+                        <p:cond delay="indefinite"/>
+                      </p:stCondLst>
+                      <p:childTnLst>
+                        <p:par>
+                          <p:cTn id="4" fill="hold">
+                            <p:stCondLst>
+                              <p:cond delay="0"/>
+                            </p:stCondLst>
+                            <p:childTnLst>
+                              <p:par>
+                                <p:cTn id="5" presetID="2" presetClass="entr" presetSubtype="4" fill="hold" grpId="0" nodeType="clickEffect">
+                                  <p:stCondLst>
+                                    <p:cond delay="0"/>
+                                  </p:stCondLst>
+                                  <p:childTnLst>
+                                    <p:set>
+                                      <p:cBhvr>
+                                        <p:cTn id="6" dur="1" fill="hold">
+                                          <p:stCondLst>
+                                            <p:cond delay="0"/>
+                                          </p:stCondLst>
+                                        </p:cTn>
+                                        <p:tgtEl>
+                                          <p:spTgt spid="5"/>
+                                        </p:tgtEl>
+                                        <p:attrNameLst>
+                                          <p:attrName>style.visibility</p:attrName>
+                                        </p:attrNameLst>
+                                      </p:cBhvr>
+                                      <p:to>
+                                        <p:strVal val="visible"/>
+                                      </p:to>
+                                    </p:set>
+                                    <p:anim calcmode="lin" valueType="num">
+                                      <p:cBhvr additive="base">
+                                        <p:cTn id="7" dur="500" fill="hold"/>
+                                        <p:tgtEl>
+                                          <p:spTgt spid="5"/>
+                                        </p:tgtEl>
+                                        <p:attrNameLst>
+                                          <p:attrName>ppt_x</p:attrName>
+                                        </p:attrNameLst>
+                                      </p:cBhvr>
+                                      <p:tavLst>
+                                        <p:tav tm="0">
+                                          <p:val>
+                                            <p:strVal val="#ppt_x"/>
+                                          </p:val>
+                                        </p:tav>
+                                        <p:tav tm="100000">
+                                          <p:val>
+                                            <p:strVal val="#ppt_x"/>
+                                          </p:val>
+                                        </p:tav>
+                                      </p:tavLst>
+                                    </p:anim>
+                                    <p:anim calcmode="lin" valueType="num">
+                                      <p:cBhvr additive="base">
+                                        <p:cTn id="8" dur="500" fill="hold"/>
+                                        <p:tgtEl>
+                                          <p:spTgt spid="5"/>
+                                        </p:tgtEl>
+                                        <p:attrNameLst>
+                                          <p:attrName>ppt_y</p:attrName>
+                                        </p:attrNameLst>
+                                      </p:cBhvr>
+                                      <p:tavLst>
+                                        <p:tav tm="0">
+                                          <p:val>
+                                            <p:strVal val="1+#ppt_h/2"/>
+                                          </p:val>
+                                        </p:tav>
+                                        <p:tav tm="100000">
+                                          <p:val>
+                                            <p:strVal val="#ppt_y"/>
+                                          </p:val>
+                                        </p:tav>
+                                      </p:tavLst>
+                                    </p:anim>
+                                  </p:childTnLst>
+                                </p:cTn>
+                              </p:par>
+                            </p:childTnLst>
+                          </p:cTn>
+                        </p:par>
+                      </p:childTnLst>
+                    </p:cTn>
+                  </p:par>
+                  <p:par>
+                    <p:cTn id="9" fill="hold">
+                      <p:stCondLst>
+                        <p:cond delay="indefinite"/>
+                      </p:stCondLst>
+                      <p:childTnLst>
+                        <p:par>
+                          <p:cTn id="10" fill="hold">
+                            <p:stCondLst>
+                              <p:cond delay="0"/>
+                            </p:stCondLst>
+                            <p:childTnLst>
+                              <p:par>
+                                <p:cTn id="11" presetID="2" presetClass="entr" presetSubtype="4" fill="hold" grpId="0" nodeType="clickEffect">
+                                  <p:stCondLst>
+                                    <p:cond delay="0"/>
+                                  </p:stCondLst>
+                                  <p:childTnLst>
+                                    <p:set>
+                                      <p:cBhvr>
+                                        <p:cTn id="12" dur="1" fill="hold">
+                                          <p:stCondLst>
+                                            <p:cond delay="0"/>
+                                          </p:stCondLst>
+                                        </p:cTn>
+                                        <p:tgtEl>
+                                          <p:spTgt spid="6"/>
+                                        </p:tgtEl>
+                                        <p:attrNameLst>
+                                          <p:attrName>style.visibility</p:attrName>
+                                        </p:attrNameLst>
+                                      </p:cBhvr>
+                                      <p:to>
+                                        <p:strVal val="visible"/>
+                                      </p:to>
+                                    </p:set>
+                                    <p:anim calcmode="lin" valueType="num">
+                                      <p:cBhvr additive="base">
+                                        <p:cTn id="13" dur="500" fill="hold"/>
+                                        <p:tgtEl>
+                                          <p:spTgt spid="6"/>
+                                        </p:tgtEl>
+                                        <p:attrNameLst>
+                                          <p:attrName>ppt_x</p:attrName>
+                                        </p:attrNameLst>
+                                      </p:cBhvr>
+                                      <p:tavLst>
+                                        <p:tav tm="0">
+                                          <p:val>
+                                            <p:strVal val="#ppt_x"/>
+                                          </p:val>
+                                        </p:tav>
+                                        <p:tav tm="100000">
+                                          <p:val>
+                                            <p:strVal val="#ppt_x"/>
+                                          </p:val>
+                                        </p:tav>
+                                      </p:tavLst>
+                                    </p:anim>
+                                    <p:anim calcmode="lin" valueType="num">
+                                      <p:cBhvr additive="base">
+                                        <p:cTn id="14" dur="500" fill="hold"/>
+                                        <p:tgtEl>
+                                          <p:spTgt spid="6"/>
+                                        </p:tgtEl>
+                                        <p:attrNameLst>
+                                          <p:attrName>ppt_y</p:attrName>
+                                        </p:attrNameLst>
+                                      </p:cBhvr>
+                                      <p:tavLst>
+                                        <p:tav tm="0">
+                                          <p:val>
+                                            <p:strVal val="1+#ppt_h/2"/>
+                                          </p:val>
+                                        </p:tav>
+                                        <p:tav tm="100000">
+                                          <p:val>
+                                            <p:strVal val="#ppt_y"/>
+                                          </p:val>
+                                        </p:tav>
+                                      </p:tavLst>
+                                    </p:anim>
+                                  </p:childTnLst>
+                                </p:cTn>
+                              </p:par>
+                            </p:childTnLst>
+                          </p:cTn>
+                        </p:par>
+                      </p:childTnLst>
+                    </p:cTn>
+                  </p:par>
+                </p:childTnLst>
+              </p:cTn>
+              <p:prevCondLst>
+                <p:cond evt="onPrev" delay="0">
+                  <p:tgtEl>
+                    <p:sldTgt/>
+                  </p:tgtEl>
+                </p:cond>
+              </p:prevCondLst>
+              <p:nextCondLst>
+                <p:cond evt="onNext" delay="0">
+                  <p:tgtEl>
+                    <p:sldTgt/>
+                  </p:tgtEl>
+                </p:cond>
+              </p:nextCondLst>
+            </p:seq>
+          </p:childTnLst>
+        </p:cTn>
+      </p:par>
+    </p:tnLst>
+    <p:bldLst>
+      <p:bldP spid="5" grpId="0"/>
+      <p:bldP spid="6" grpId="0"/>
+    </p:bldLst>
+  </p:timing>
+</p:sld>
+</file>
+
+<file path=ppt/slides/slide32.xml><?xml version="1.0" encoding="utf-8"?>
+<p:sld xmlns:a="http://schemas.openxmlformats.org/drawingml/2006/main" xmlns:r="http://schemas.openxmlformats.org/officeDocument/2006/relationships" xmlns:p="http://schemas.openxmlformats.org/presentationml/2006/main">
+  <p:cSld>
+    <p:spTree>
+      <p:nvGrpSpPr>
+        <p:cNvPr id="1" name=""/>
+        <p:cNvGrpSpPr/>
+        <p:nvPr/>
+      </p:nvGrpSpPr>
+      <p:grpSpPr>
+        <a:xfrm>
+          <a:off x="0" y="0"/>
+          <a:ext cx="0" cy="0"/>
+          <a:chOff x="0" y="0"/>
+          <a:chExt cx="0" cy="0"/>
+        </a:xfrm>
+      </p:grpSpPr>
+      <p:sp>
+        <p:nvSpPr>
+          <p:cNvPr id="3" name="Title 2"/>
+          <p:cNvSpPr>
+            <a:spLocks noGrp="1"/>
+          </p:cNvSpPr>
+          <p:nvPr>
+            <p:ph type="title"/>
+          </p:nvPr>
+        </p:nvSpPr>
+        <p:spPr>
+          <a:xfrm>
+            <a:off x="1619672" y="-1"/>
+            <a:ext cx="7524328" cy="771551"/>
+          </a:xfrm>
+        </p:spPr>
+        <p:txBody>
+          <a:bodyPr/>
+          <a:lstStyle/>
+          <a:p>
+            <a:pPr algn="ctr"/>
+            <a:r>
+              <a:rPr lang="en-US" altLang="ko-KR" dirty="0" smtClean="0"/>
+              <a:t>Prva </a:t>
+            </a:r>
+            <a:r>
+              <a:rPr lang="en-US" altLang="ko-KR" dirty="0" err="1" smtClean="0"/>
+              <a:t>Komponenta</a:t>
+            </a:r>
+            <a:endParaRPr lang="ko-KR" altLang="en-US" dirty="0"/>
+          </a:p>
+        </p:txBody>
+      </p:sp>
+      <p:sp>
+        <p:nvSpPr>
+          <p:cNvPr id="5" name="TextBox 4"/>
+          <p:cNvSpPr txBox="1"/>
+          <p:nvPr/>
+        </p:nvSpPr>
+        <p:spPr>
+          <a:xfrm>
+            <a:off x="1585231" y="1053629"/>
+            <a:ext cx="7200800" cy="307777"/>
+          </a:xfrm>
+          <a:prstGeom prst="rect">
+            <a:avLst/>
+          </a:prstGeom>
+          <a:noFill/>
+        </p:spPr>
+        <p:txBody>
+          <a:bodyPr wrap="square" rtlCol="0">
+            <a:spAutoFit/>
+          </a:bodyPr>
+          <a:lstStyle/>
+          <a:p>
+            <a:r>
+              <a:rPr lang="sr-Latn-RS" sz="1400" dirty="0" smtClean="0">
+                <a:latin typeface="Arial" panose="020B0604020202020204" pitchFamily="34" charset="0"/>
+                <a:cs typeface="Arial" panose="020B0604020202020204" pitchFamily="34" charset="0"/>
+              </a:rPr>
+              <a:t>Home komponenta prvo, koja će biti deo Application Module-a</a:t>
+            </a:r>
+            <a:endParaRPr lang="en-US" sz="1400" dirty="0">
+              <a:latin typeface="Arial" panose="020B0604020202020204" pitchFamily="34" charset="0"/>
+              <a:cs typeface="Arial" panose="020B0604020202020204" pitchFamily="34" charset="0"/>
+            </a:endParaRPr>
+          </a:p>
+        </p:txBody>
+      </p:sp>
+      <p:pic>
+        <p:nvPicPr>
+          <p:cNvPr id="4" name="Picture 3"/>
+          <p:cNvPicPr>
+            <a:picLocks noChangeAspect="1"/>
+          </p:cNvPicPr>
+          <p:nvPr/>
+        </p:nvPicPr>
+        <p:blipFill>
+          <a:blip r:embed="rId2"/>
+          <a:stretch>
+            <a:fillRect/>
+          </a:stretch>
+        </p:blipFill>
+        <p:spPr>
+          <a:xfrm>
+            <a:off x="1691680" y="1491630"/>
+            <a:ext cx="6115904" cy="990738"/>
+          </a:xfrm>
+          <a:prstGeom prst="rect">
+            <a:avLst/>
+          </a:prstGeom>
+        </p:spPr>
+      </p:pic>
+      <p:pic>
+        <p:nvPicPr>
+          <p:cNvPr id="7" name="Picture 6"/>
+          <p:cNvPicPr>
+            <a:picLocks noChangeAspect="1"/>
+          </p:cNvPicPr>
+          <p:nvPr/>
+        </p:nvPicPr>
+        <p:blipFill>
+          <a:blip r:embed="rId3"/>
+          <a:stretch>
+            <a:fillRect/>
+          </a:stretch>
+        </p:blipFill>
+        <p:spPr>
+          <a:xfrm>
+            <a:off x="1714493" y="2637409"/>
+            <a:ext cx="2569476" cy="2372345"/>
+          </a:xfrm>
+          <a:prstGeom prst="rect">
+            <a:avLst/>
+          </a:prstGeom>
+        </p:spPr>
+      </p:pic>
+      <p:pic>
+        <p:nvPicPr>
+          <p:cNvPr id="8" name="Picture 7"/>
+          <p:cNvPicPr>
+            <a:picLocks noChangeAspect="1"/>
+          </p:cNvPicPr>
+          <p:nvPr/>
+        </p:nvPicPr>
+        <p:blipFill>
+          <a:blip r:embed="rId4"/>
+          <a:stretch>
+            <a:fillRect/>
+          </a:stretch>
+        </p:blipFill>
+        <p:spPr>
+          <a:xfrm>
+            <a:off x="4860032" y="2612592"/>
+            <a:ext cx="2610214" cy="2286319"/>
+          </a:xfrm>
+          <a:prstGeom prst="rect">
+            <a:avLst/>
+          </a:prstGeom>
+        </p:spPr>
+      </p:pic>
+    </p:spTree>
+    <p:extLst>
+      <p:ext uri="{BB962C8B-B14F-4D97-AF65-F5344CB8AC3E}">
+        <p14:creationId xmlns:p14="http://schemas.microsoft.com/office/powerpoint/2010/main" val="3353324520"/>
+      </p:ext>
+    </p:extLst>
+  </p:cSld>
+  <p:clrMapOvr>
+    <a:masterClrMapping/>
+  </p:clrMapOvr>
+  <p:timing>
+    <p:tnLst>
+      <p:par>
+        <p:cTn id="1" dur="indefinite" restart="never" nodeType="tmRoot">
+          <p:childTnLst>
+            <p:seq concurrent="1" nextAc="seek">
+              <p:cTn id="2" dur="indefinite" nodeType="mainSeq">
+                <p:childTnLst>
+                  <p:par>
+                    <p:cTn id="3" fill="hold">
+                      <p:stCondLst>
+                        <p:cond delay="indefinite"/>
+                      </p:stCondLst>
+                      <p:childTnLst>
+                        <p:par>
+                          <p:cTn id="4" fill="hold">
+                            <p:stCondLst>
+                              <p:cond delay="0"/>
+                            </p:stCondLst>
+                            <p:childTnLst>
+                              <p:par>
+                                <p:cTn id="5" presetID="2" presetClass="entr" presetSubtype="4" fill="hold" grpId="0" nodeType="clickEffect">
+                                  <p:stCondLst>
+                                    <p:cond delay="0"/>
+                                  </p:stCondLst>
+                                  <p:childTnLst>
+                                    <p:set>
+                                      <p:cBhvr>
+                                        <p:cTn id="6" dur="1" fill="hold">
+                                          <p:stCondLst>
+                                            <p:cond delay="0"/>
+                                          </p:stCondLst>
+                                        </p:cTn>
+                                        <p:tgtEl>
+                                          <p:spTgt spid="5"/>
+                                        </p:tgtEl>
+                                        <p:attrNameLst>
+                                          <p:attrName>style.visibility</p:attrName>
+                                        </p:attrNameLst>
+                                      </p:cBhvr>
+                                      <p:to>
+                                        <p:strVal val="visible"/>
+                                      </p:to>
+                                    </p:set>
+                                    <p:anim calcmode="lin" valueType="num">
+                                      <p:cBhvr additive="base">
+                                        <p:cTn id="7" dur="500" fill="hold"/>
+                                        <p:tgtEl>
+                                          <p:spTgt spid="5"/>
+                                        </p:tgtEl>
+                                        <p:attrNameLst>
+                                          <p:attrName>ppt_x</p:attrName>
+                                        </p:attrNameLst>
+                                      </p:cBhvr>
+                                      <p:tavLst>
+                                        <p:tav tm="0">
+                                          <p:val>
+                                            <p:strVal val="#ppt_x"/>
+                                          </p:val>
+                                        </p:tav>
+                                        <p:tav tm="100000">
+                                          <p:val>
+                                            <p:strVal val="#ppt_x"/>
+                                          </p:val>
+                                        </p:tav>
+                                      </p:tavLst>
+                                    </p:anim>
+                                    <p:anim calcmode="lin" valueType="num">
+                                      <p:cBhvr additive="base">
+                                        <p:cTn id="8" dur="500" fill="hold"/>
+                                        <p:tgtEl>
+                                          <p:spTgt spid="5"/>
+                                        </p:tgtEl>
+                                        <p:attrNameLst>
+                                          <p:attrName>ppt_y</p:attrName>
+                                        </p:attrNameLst>
+                                      </p:cBhvr>
+                                      <p:tavLst>
+                                        <p:tav tm="0">
+                                          <p:val>
+                                            <p:strVal val="1+#ppt_h/2"/>
+                                          </p:val>
+                                        </p:tav>
+                                        <p:tav tm="100000">
+                                          <p:val>
+                                            <p:strVal val="#ppt_y"/>
+                                          </p:val>
+                                        </p:tav>
+                                      </p:tavLst>
+                                    </p:anim>
+                                  </p:childTnLst>
+                                </p:cTn>
+                              </p:par>
+                            </p:childTnLst>
+                          </p:cTn>
+                        </p:par>
+                      </p:childTnLst>
+                    </p:cTn>
+                  </p:par>
+                  <p:par>
+                    <p:cTn id="9" fill="hold">
+                      <p:stCondLst>
+                        <p:cond delay="indefinite"/>
+                      </p:stCondLst>
+                      <p:childTnLst>
+                        <p:par>
+                          <p:cTn id="10" fill="hold">
+                            <p:stCondLst>
+                              <p:cond delay="0"/>
+                            </p:stCondLst>
+                            <p:childTnLst>
+                              <p:par>
+                                <p:cTn id="11" presetID="2" presetClass="entr" presetSubtype="4" fill="hold" nodeType="clickEffect">
+                                  <p:stCondLst>
+                                    <p:cond delay="0"/>
+                                  </p:stCondLst>
+                                  <p:childTnLst>
+                                    <p:set>
+                                      <p:cBhvr>
+                                        <p:cTn id="12" dur="1" fill="hold">
+                                          <p:stCondLst>
+                                            <p:cond delay="0"/>
+                                          </p:stCondLst>
+                                        </p:cTn>
+                                        <p:tgtEl>
+                                          <p:spTgt spid="4"/>
+                                        </p:tgtEl>
+                                        <p:attrNameLst>
+                                          <p:attrName>style.visibility</p:attrName>
+                                        </p:attrNameLst>
+                                      </p:cBhvr>
+                                      <p:to>
+                                        <p:strVal val="visible"/>
+                                      </p:to>
+                                    </p:set>
+                                    <p:anim calcmode="lin" valueType="num">
+                                      <p:cBhvr additive="base">
+                                        <p:cTn id="13" dur="500" fill="hold"/>
+                                        <p:tgtEl>
+                                          <p:spTgt spid="4"/>
+                                        </p:tgtEl>
+                                        <p:attrNameLst>
+                                          <p:attrName>ppt_x</p:attrName>
+                                        </p:attrNameLst>
+                                      </p:cBhvr>
+                                      <p:tavLst>
+                                        <p:tav tm="0">
+                                          <p:val>
+                                            <p:strVal val="#ppt_x"/>
+                                          </p:val>
+                                        </p:tav>
+                                        <p:tav tm="100000">
+                                          <p:val>
+                                            <p:strVal val="#ppt_x"/>
+                                          </p:val>
+                                        </p:tav>
+                                      </p:tavLst>
+                                    </p:anim>
+                                    <p:anim calcmode="lin" valueType="num">
+                                      <p:cBhvr additive="base">
+                                        <p:cTn id="14" dur="500" fill="hold"/>
+                                        <p:tgtEl>
+                                          <p:spTgt spid="4"/>
+                                        </p:tgtEl>
+                                        <p:attrNameLst>
+                                          <p:attrName>ppt_y</p:attrName>
+                                        </p:attrNameLst>
+                                      </p:cBhvr>
+                                      <p:tavLst>
+                                        <p:tav tm="0">
+                                          <p:val>
+                                            <p:strVal val="1+#ppt_h/2"/>
+                                          </p:val>
+                                        </p:tav>
+                                        <p:tav tm="100000">
+                                          <p:val>
+                                            <p:strVal val="#ppt_y"/>
+                                          </p:val>
+                                        </p:tav>
+                                      </p:tavLst>
+                                    </p:anim>
+                                  </p:childTnLst>
+                                </p:cTn>
+                              </p:par>
+                            </p:childTnLst>
+                          </p:cTn>
+                        </p:par>
+                      </p:childTnLst>
+                    </p:cTn>
+                  </p:par>
+                  <p:par>
+                    <p:cTn id="15" fill="hold">
+                      <p:stCondLst>
+                        <p:cond delay="indefinite"/>
+                      </p:stCondLst>
+                      <p:childTnLst>
+                        <p:par>
+                          <p:cTn id="16" fill="hold">
+                            <p:stCondLst>
+                              <p:cond delay="0"/>
+                            </p:stCondLst>
+                            <p:childTnLst>
+                              <p:par>
+                                <p:cTn id="17" presetID="2" presetClass="entr" presetSubtype="4" fill="hold" nodeType="clickEffect">
+                                  <p:stCondLst>
+                                    <p:cond delay="0"/>
+                                  </p:stCondLst>
+                                  <p:childTnLst>
+                                    <p:set>
+                                      <p:cBhvr>
+                                        <p:cTn id="18" dur="1" fill="hold">
+                                          <p:stCondLst>
+                                            <p:cond delay="0"/>
+                                          </p:stCondLst>
+                                        </p:cTn>
+                                        <p:tgtEl>
+                                          <p:spTgt spid="7"/>
+                                        </p:tgtEl>
+                                        <p:attrNameLst>
+                                          <p:attrName>style.visibility</p:attrName>
+                                        </p:attrNameLst>
+                                      </p:cBhvr>
+                                      <p:to>
+                                        <p:strVal val="visible"/>
+                                      </p:to>
+                                    </p:set>
+                                    <p:anim calcmode="lin" valueType="num">
+                                      <p:cBhvr additive="base">
+                                        <p:cTn id="19" dur="500" fill="hold"/>
+                                        <p:tgtEl>
+                                          <p:spTgt spid="7"/>
+                                        </p:tgtEl>
+                                        <p:attrNameLst>
+                                          <p:attrName>ppt_x</p:attrName>
+                                        </p:attrNameLst>
+                                      </p:cBhvr>
+                                      <p:tavLst>
+                                        <p:tav tm="0">
+                                          <p:val>
+                                            <p:strVal val="#ppt_x"/>
+                                          </p:val>
+                                        </p:tav>
+                                        <p:tav tm="100000">
+                                          <p:val>
+                                            <p:strVal val="#ppt_x"/>
+                                          </p:val>
+                                        </p:tav>
+                                      </p:tavLst>
+                                    </p:anim>
+                                    <p:anim calcmode="lin" valueType="num">
+                                      <p:cBhvr additive="base">
+                                        <p:cTn id="20" dur="500" fill="hold"/>
+                                        <p:tgtEl>
+                                          <p:spTgt spid="7"/>
+                                        </p:tgtEl>
+                                        <p:attrNameLst>
+                                          <p:attrName>ppt_y</p:attrName>
+                                        </p:attrNameLst>
+                                      </p:cBhvr>
+                                      <p:tavLst>
+                                        <p:tav tm="0">
+                                          <p:val>
+                                            <p:strVal val="1+#ppt_h/2"/>
+                                          </p:val>
+                                        </p:tav>
+                                        <p:tav tm="100000">
+                                          <p:val>
+                                            <p:strVal val="#ppt_y"/>
+                                          </p:val>
+                                        </p:tav>
+                                      </p:tavLst>
+                                    </p:anim>
+                                  </p:childTnLst>
+                                </p:cTn>
+                              </p:par>
+                            </p:childTnLst>
+                          </p:cTn>
+                        </p:par>
+                      </p:childTnLst>
+                    </p:cTn>
+                  </p:par>
+                  <p:par>
+                    <p:cTn id="21" fill="hold">
+                      <p:stCondLst>
+                        <p:cond delay="indefinite"/>
+                      </p:stCondLst>
+                      <p:childTnLst>
+                        <p:par>
+                          <p:cTn id="22" fill="hold">
+                            <p:stCondLst>
+                              <p:cond delay="0"/>
+                            </p:stCondLst>
+                            <p:childTnLst>
+                              <p:par>
+                                <p:cTn id="23" presetID="2" presetClass="entr" presetSubtype="4" fill="hold" nodeType="clickEffect">
+                                  <p:stCondLst>
+                                    <p:cond delay="0"/>
+                                  </p:stCondLst>
+                                  <p:childTnLst>
+                                    <p:set>
+                                      <p:cBhvr>
+                                        <p:cTn id="24" dur="1" fill="hold">
+                                          <p:stCondLst>
+                                            <p:cond delay="0"/>
+                                          </p:stCondLst>
+                                        </p:cTn>
+                                        <p:tgtEl>
+                                          <p:spTgt spid="8"/>
+                                        </p:tgtEl>
+                                        <p:attrNameLst>
+                                          <p:attrName>style.visibility</p:attrName>
+                                        </p:attrNameLst>
+                                      </p:cBhvr>
+                                      <p:to>
+                                        <p:strVal val="visible"/>
+                                      </p:to>
+                                    </p:set>
+                                    <p:anim calcmode="lin" valueType="num">
+                                      <p:cBhvr additive="base">
+                                        <p:cTn id="25" dur="500" fill="hold"/>
+                                        <p:tgtEl>
+                                          <p:spTgt spid="8"/>
+                                        </p:tgtEl>
+                                        <p:attrNameLst>
+                                          <p:attrName>ppt_x</p:attrName>
+                                        </p:attrNameLst>
+                                      </p:cBhvr>
+                                      <p:tavLst>
+                                        <p:tav tm="0">
+                                          <p:val>
+                                            <p:strVal val="#ppt_x"/>
+                                          </p:val>
+                                        </p:tav>
+                                        <p:tav tm="100000">
+                                          <p:val>
+                                            <p:strVal val="#ppt_x"/>
+                                          </p:val>
+                                        </p:tav>
+                                      </p:tavLst>
+                                    </p:anim>
+                                    <p:anim calcmode="lin" valueType="num">
+                                      <p:cBhvr additive="base">
+                                        <p:cTn id="26" dur="500" fill="hold"/>
+                                        <p:tgtEl>
+                                          <p:spTgt spid="8"/>
+                                        </p:tgtEl>
+                                        <p:attrNameLst>
+                                          <p:attrName>ppt_y</p:attrName>
+                                        </p:attrNameLst>
+                                      </p:cBhvr>
+                                      <p:tavLst>
+                                        <p:tav tm="0">
+                                          <p:val>
+                                            <p:strVal val="1+#ppt_h/2"/>
+                                          </p:val>
+                                        </p:tav>
+                                        <p:tav tm="100000">
+                                          <p:val>
+                                            <p:strVal val="#ppt_y"/>
+                                          </p:val>
+                                        </p:tav>
+                                      </p:tavLst>
+                                    </p:anim>
+                                  </p:childTnLst>
+                                </p:cTn>
+                              </p:par>
+                            </p:childTnLst>
+                          </p:cTn>
+                        </p:par>
+                      </p:childTnLst>
+                    </p:cTn>
+                  </p:par>
+                </p:childTnLst>
+              </p:cTn>
+              <p:prevCondLst>
+                <p:cond evt="onPrev" delay="0">
+                  <p:tgtEl>
+                    <p:sldTgt/>
+                  </p:tgtEl>
+                </p:cond>
+              </p:prevCondLst>
+              <p:nextCondLst>
+                <p:cond evt="onNext" delay="0">
+                  <p:tgtEl>
+                    <p:sldTgt/>
+                  </p:tgtEl>
+                </p:cond>
+              </p:nextCondLst>
+            </p:seq>
+          </p:childTnLst>
+        </p:cTn>
+      </p:par>
+    </p:tnLst>
+    <p:bldLst>
+      <p:bldP spid="5" grpId="0"/>
+    </p:bldLst>
+  </p:timing>
+</p:sld>
+</file>
+
+<file path=ppt/slides/slide33.xml><?xml version="1.0" encoding="utf-8"?>
+<p:sld xmlns:a="http://schemas.openxmlformats.org/drawingml/2006/main" xmlns:r="http://schemas.openxmlformats.org/officeDocument/2006/relationships" xmlns:p="http://schemas.openxmlformats.org/presentationml/2006/main">
+  <p:cSld>
+    <p:spTree>
+      <p:nvGrpSpPr>
+        <p:cNvPr id="1" name=""/>
+        <p:cNvGrpSpPr/>
+        <p:nvPr/>
+      </p:nvGrpSpPr>
+      <p:grpSpPr>
+        <a:xfrm>
+          <a:off x="0" y="0"/>
+          <a:ext cx="0" cy="0"/>
+          <a:chOff x="0" y="0"/>
+          <a:chExt cx="0" cy="0"/>
+        </a:xfrm>
+      </p:grpSpPr>
+      <p:sp>
+        <p:nvSpPr>
+          <p:cNvPr id="3" name="Title 2"/>
+          <p:cNvSpPr>
+            <a:spLocks noGrp="1"/>
+          </p:cNvSpPr>
+          <p:nvPr>
+            <p:ph type="title"/>
+          </p:nvPr>
+        </p:nvSpPr>
+        <p:spPr>
+          <a:xfrm>
+            <a:off x="1619672" y="-1"/>
+            <a:ext cx="7524328" cy="771551"/>
+          </a:xfrm>
+        </p:spPr>
+        <p:txBody>
+          <a:bodyPr/>
+          <a:lstStyle/>
+          <a:p>
+            <a:pPr algn="ctr"/>
+            <a:r>
+              <a:rPr lang="en-US" altLang="ko-KR" dirty="0"/>
+              <a:t>Prva </a:t>
+            </a:r>
+            <a:r>
+              <a:rPr lang="en-US" altLang="ko-KR" dirty="0" err="1"/>
+              <a:t>Komponenta</a:t>
+            </a:r>
+            <a:endParaRPr lang="ko-KR" altLang="en-US" dirty="0"/>
+          </a:p>
+        </p:txBody>
+      </p:sp>
+      <p:sp>
+        <p:nvSpPr>
+          <p:cNvPr id="5" name="TextBox 4"/>
+          <p:cNvSpPr txBox="1"/>
+          <p:nvPr/>
+        </p:nvSpPr>
+        <p:spPr>
+          <a:xfrm>
+            <a:off x="1585231" y="1053629"/>
+            <a:ext cx="7200800" cy="307777"/>
+          </a:xfrm>
+          <a:prstGeom prst="rect">
+            <a:avLst/>
+          </a:prstGeom>
+          <a:noFill/>
+        </p:spPr>
+        <p:txBody>
+          <a:bodyPr wrap="square" rtlCol="0">
+            <a:spAutoFit/>
+          </a:bodyPr>
+          <a:lstStyle/>
+          <a:p>
+            <a:r>
+              <a:rPr lang="en-US" sz="1400" dirty="0" err="1" smtClean="0">
+                <a:latin typeface="Arial" panose="020B0604020202020204" pitchFamily="34" charset="0"/>
+                <a:cs typeface="Arial" panose="020B0604020202020204" pitchFamily="34" charset="0"/>
+              </a:rPr>
+              <a:t>Modifikujemo</a:t>
+            </a:r>
+            <a:r>
+              <a:rPr lang="en-US" sz="1400" dirty="0" smtClean="0">
+                <a:latin typeface="Arial" panose="020B0604020202020204" pitchFamily="34" charset="0"/>
+                <a:cs typeface="Arial" panose="020B0604020202020204" pitchFamily="34" charset="0"/>
+              </a:rPr>
+              <a:t> </a:t>
+            </a:r>
+            <a:r>
+              <a:rPr lang="en-US" sz="1400" dirty="0" err="1" smtClean="0">
+                <a:latin typeface="Arial" panose="020B0604020202020204" pitchFamily="34" charset="0"/>
+                <a:cs typeface="Arial" panose="020B0604020202020204" pitchFamily="34" charset="0"/>
+              </a:rPr>
+              <a:t>home.component.ts</a:t>
+            </a:r>
+            <a:r>
+              <a:rPr lang="en-US" sz="1400" dirty="0" smtClean="0">
+                <a:latin typeface="Arial" panose="020B0604020202020204" pitchFamily="34" charset="0"/>
+                <a:cs typeface="Arial" panose="020B0604020202020204" pitchFamily="34" charset="0"/>
+              </a:rPr>
+              <a:t> </a:t>
+            </a:r>
+            <a:r>
+              <a:rPr lang="en-US" sz="1400" dirty="0" err="1" smtClean="0">
+                <a:latin typeface="Arial" panose="020B0604020202020204" pitchFamily="34" charset="0"/>
+                <a:cs typeface="Arial" panose="020B0604020202020204" pitchFamily="34" charset="0"/>
+              </a:rPr>
+              <a:t>fajl</a:t>
+            </a:r>
+            <a:r>
+              <a:rPr lang="en-US" sz="1400" dirty="0" smtClean="0">
+                <a:latin typeface="Arial" panose="020B0604020202020204" pitchFamily="34" charset="0"/>
+                <a:cs typeface="Arial" panose="020B0604020202020204" pitchFamily="34" charset="0"/>
+              </a:rPr>
+              <a:t> </a:t>
+            </a:r>
+            <a:r>
+              <a:rPr lang="en-US" sz="1400" dirty="0" err="1" smtClean="0">
+                <a:latin typeface="Arial" panose="020B0604020202020204" pitchFamily="34" charset="0"/>
+                <a:cs typeface="Arial" panose="020B0604020202020204" pitchFamily="34" charset="0"/>
+              </a:rPr>
+              <a:t>prvo</a:t>
+            </a:r>
+            <a:endParaRPr lang="en-US" sz="1400" dirty="0">
+              <a:latin typeface="Arial" panose="020B0604020202020204" pitchFamily="34" charset="0"/>
+              <a:cs typeface="Arial" panose="020B0604020202020204" pitchFamily="34" charset="0"/>
+            </a:endParaRPr>
+          </a:p>
+        </p:txBody>
+      </p:sp>
+      <p:pic>
+        <p:nvPicPr>
+          <p:cNvPr id="2" name="Picture 1"/>
+          <p:cNvPicPr>
+            <a:picLocks noChangeAspect="1"/>
+          </p:cNvPicPr>
+          <p:nvPr/>
+        </p:nvPicPr>
+        <p:blipFill>
+          <a:blip r:embed="rId2"/>
+          <a:stretch>
+            <a:fillRect/>
+          </a:stretch>
+        </p:blipFill>
+        <p:spPr>
+          <a:xfrm>
+            <a:off x="1691680" y="1429574"/>
+            <a:ext cx="4572638" cy="3686689"/>
+          </a:xfrm>
+          <a:prstGeom prst="rect">
+            <a:avLst/>
+          </a:prstGeom>
+        </p:spPr>
+      </p:pic>
+    </p:spTree>
+    <p:extLst>
+      <p:ext uri="{BB962C8B-B14F-4D97-AF65-F5344CB8AC3E}">
+        <p14:creationId xmlns:p14="http://schemas.microsoft.com/office/powerpoint/2010/main" val="2290122165"/>
+      </p:ext>
+    </p:extLst>
+  </p:cSld>
+  <p:clrMapOvr>
+    <a:masterClrMapping/>
+  </p:clrMapOvr>
+  <p:timing>
+    <p:tnLst>
+      <p:par>
+        <p:cTn id="1" dur="indefinite" restart="never" nodeType="tmRoot">
+          <p:childTnLst>
+            <p:seq concurrent="1" nextAc="seek">
+              <p:cTn id="2" dur="indefinite" nodeType="mainSeq">
+                <p:childTnLst>
+                  <p:par>
+                    <p:cTn id="3" fill="hold">
+                      <p:stCondLst>
+                        <p:cond delay="indefinite"/>
+                      </p:stCondLst>
+                      <p:childTnLst>
+                        <p:par>
+                          <p:cTn id="4" fill="hold">
+                            <p:stCondLst>
+                              <p:cond delay="0"/>
+                            </p:stCondLst>
+                            <p:childTnLst>
+                              <p:par>
+                                <p:cTn id="5" presetID="2" presetClass="entr" presetSubtype="4" fill="hold" grpId="0" nodeType="clickEffect">
+                                  <p:stCondLst>
+                                    <p:cond delay="0"/>
+                                  </p:stCondLst>
+                                  <p:childTnLst>
+                                    <p:set>
+                                      <p:cBhvr>
+                                        <p:cTn id="6" dur="1" fill="hold">
+                                          <p:stCondLst>
+                                            <p:cond delay="0"/>
+                                          </p:stCondLst>
+                                        </p:cTn>
+                                        <p:tgtEl>
+                                          <p:spTgt spid="5"/>
+                                        </p:tgtEl>
+                                        <p:attrNameLst>
+                                          <p:attrName>style.visibility</p:attrName>
+                                        </p:attrNameLst>
+                                      </p:cBhvr>
+                                      <p:to>
+                                        <p:strVal val="visible"/>
+                                      </p:to>
+                                    </p:set>
+                                    <p:anim calcmode="lin" valueType="num">
+                                      <p:cBhvr additive="base">
+                                        <p:cTn id="7" dur="500" fill="hold"/>
+                                        <p:tgtEl>
+                                          <p:spTgt spid="5"/>
+                                        </p:tgtEl>
+                                        <p:attrNameLst>
+                                          <p:attrName>ppt_x</p:attrName>
+                                        </p:attrNameLst>
+                                      </p:cBhvr>
+                                      <p:tavLst>
+                                        <p:tav tm="0">
+                                          <p:val>
+                                            <p:strVal val="#ppt_x"/>
+                                          </p:val>
+                                        </p:tav>
+                                        <p:tav tm="100000">
+                                          <p:val>
+                                            <p:strVal val="#ppt_x"/>
+                                          </p:val>
+                                        </p:tav>
+                                      </p:tavLst>
+                                    </p:anim>
+                                    <p:anim calcmode="lin" valueType="num">
+                                      <p:cBhvr additive="base">
+                                        <p:cTn id="8" dur="500" fill="hold"/>
+                                        <p:tgtEl>
+                                          <p:spTgt spid="5"/>
+                                        </p:tgtEl>
+                                        <p:attrNameLst>
+                                          <p:attrName>ppt_y</p:attrName>
+                                        </p:attrNameLst>
+                                      </p:cBhvr>
+                                      <p:tavLst>
+                                        <p:tav tm="0">
+                                          <p:val>
+                                            <p:strVal val="1+#ppt_h/2"/>
+                                          </p:val>
+                                        </p:tav>
+                                        <p:tav tm="100000">
+                                          <p:val>
+                                            <p:strVal val="#ppt_y"/>
+                                          </p:val>
+                                        </p:tav>
+                                      </p:tavLst>
+                                    </p:anim>
+                                  </p:childTnLst>
+                                </p:cTn>
+                              </p:par>
+                            </p:childTnLst>
+                          </p:cTn>
+                        </p:par>
+                      </p:childTnLst>
+                    </p:cTn>
+                  </p:par>
+                  <p:par>
+                    <p:cTn id="9" fill="hold">
+                      <p:stCondLst>
+                        <p:cond delay="indefinite"/>
+                      </p:stCondLst>
+                      <p:childTnLst>
+                        <p:par>
+                          <p:cTn id="10" fill="hold">
+                            <p:stCondLst>
+                              <p:cond delay="0"/>
+                            </p:stCondLst>
+                            <p:childTnLst>
+                              <p:par>
+                                <p:cTn id="11" presetID="2" presetClass="entr" presetSubtype="4" fill="hold" nodeType="clickEffect">
+                                  <p:stCondLst>
+                                    <p:cond delay="0"/>
+                                  </p:stCondLst>
+                                  <p:childTnLst>
+                                    <p:set>
+                                      <p:cBhvr>
+                                        <p:cTn id="12" dur="1" fill="hold">
+                                          <p:stCondLst>
+                                            <p:cond delay="0"/>
+                                          </p:stCondLst>
+                                        </p:cTn>
+                                        <p:tgtEl>
+                                          <p:spTgt spid="2"/>
+                                        </p:tgtEl>
+                                        <p:attrNameLst>
+                                          <p:attrName>style.visibility</p:attrName>
+                                        </p:attrNameLst>
+                                      </p:cBhvr>
+                                      <p:to>
+                                        <p:strVal val="visible"/>
+                                      </p:to>
+                                    </p:set>
+                                    <p:anim calcmode="lin" valueType="num">
+                                      <p:cBhvr additive="base">
+                                        <p:cTn id="13" dur="500" fill="hold"/>
+                                        <p:tgtEl>
+                                          <p:spTgt spid="2"/>
+                                        </p:tgtEl>
+                                        <p:attrNameLst>
+                                          <p:attrName>ppt_x</p:attrName>
+                                        </p:attrNameLst>
+                                      </p:cBhvr>
+                                      <p:tavLst>
+                                        <p:tav tm="0">
+                                          <p:val>
+                                            <p:strVal val="#ppt_x"/>
+                                          </p:val>
+                                        </p:tav>
+                                        <p:tav tm="100000">
+                                          <p:val>
+                                            <p:strVal val="#ppt_x"/>
+                                          </p:val>
+                                        </p:tav>
+                                      </p:tavLst>
+                                    </p:anim>
+                                    <p:anim calcmode="lin" valueType="num">
+                                      <p:cBhvr additive="base">
+                                        <p:cTn id="14" dur="500" fill="hold"/>
+                                        <p:tgtEl>
+                                          <p:spTgt spid="2"/>
+                                        </p:tgtEl>
+                                        <p:attrNameLst>
+                                          <p:attrName>ppt_y</p:attrName>
+                                        </p:attrNameLst>
+                                      </p:cBhvr>
+                                      <p:tavLst>
+                                        <p:tav tm="0">
+                                          <p:val>
+                                            <p:strVal val="1+#ppt_h/2"/>
+                                          </p:val>
+                                        </p:tav>
+                                        <p:tav tm="100000">
+                                          <p:val>
+                                            <p:strVal val="#ppt_y"/>
+                                          </p:val>
+                                        </p:tav>
+                                      </p:tavLst>
+                                    </p:anim>
+                                  </p:childTnLst>
+                                </p:cTn>
+                              </p:par>
+                            </p:childTnLst>
+                          </p:cTn>
+                        </p:par>
+                      </p:childTnLst>
+                    </p:cTn>
+                  </p:par>
+                </p:childTnLst>
+              </p:cTn>
+              <p:prevCondLst>
+                <p:cond evt="onPrev" delay="0">
+                  <p:tgtEl>
+                    <p:sldTgt/>
+                  </p:tgtEl>
+                </p:cond>
+              </p:prevCondLst>
+              <p:nextCondLst>
+                <p:cond evt="onNext" delay="0">
+                  <p:tgtEl>
+                    <p:sldTgt/>
+                  </p:tgtEl>
+                </p:cond>
+              </p:nextCondLst>
+            </p:seq>
+          </p:childTnLst>
+        </p:cTn>
+      </p:par>
+    </p:tnLst>
+    <p:bldLst>
+      <p:bldP spid="5" grpId="0"/>
+    </p:bldLst>
+  </p:timing>
+</p:sld>
+</file>
+
+<file path=ppt/slides/slide34.xml><?xml version="1.0" encoding="utf-8"?>
+<p:sld xmlns:a="http://schemas.openxmlformats.org/drawingml/2006/main" xmlns:r="http://schemas.openxmlformats.org/officeDocument/2006/relationships" xmlns:p="http://schemas.openxmlformats.org/presentationml/2006/main">
+  <p:cSld>
+    <p:spTree>
+      <p:nvGrpSpPr>
+        <p:cNvPr id="1" name=""/>
+        <p:cNvGrpSpPr/>
+        <p:nvPr/>
+      </p:nvGrpSpPr>
+      <p:grpSpPr>
+        <a:xfrm>
+          <a:off x="0" y="0"/>
+          <a:ext cx="0" cy="0"/>
+          <a:chOff x="0" y="0"/>
+          <a:chExt cx="0" cy="0"/>
+        </a:xfrm>
+      </p:grpSpPr>
+      <p:sp>
+        <p:nvSpPr>
+          <p:cNvPr id="3" name="Title 2"/>
+          <p:cNvSpPr>
+            <a:spLocks noGrp="1"/>
+          </p:cNvSpPr>
+          <p:nvPr>
+            <p:ph type="title"/>
+          </p:nvPr>
+        </p:nvSpPr>
+        <p:spPr>
+          <a:xfrm>
+            <a:off x="1619672" y="-1"/>
+            <a:ext cx="7524328" cy="771551"/>
+          </a:xfrm>
+        </p:spPr>
+        <p:txBody>
+          <a:bodyPr/>
+          <a:lstStyle/>
+          <a:p>
+            <a:pPr algn="ctr"/>
+            <a:r>
+              <a:rPr lang="en-US" altLang="ko-KR" dirty="0"/>
+              <a:t>Prva </a:t>
+            </a:r>
+            <a:r>
+              <a:rPr lang="en-US" altLang="ko-KR" dirty="0" err="1"/>
+              <a:t>Komponenta</a:t>
+            </a:r>
+            <a:endParaRPr lang="ko-KR" altLang="en-US" dirty="0"/>
+          </a:p>
+        </p:txBody>
+      </p:sp>
+      <p:sp>
+        <p:nvSpPr>
+          <p:cNvPr id="5" name="TextBox 4"/>
+          <p:cNvSpPr txBox="1"/>
+          <p:nvPr/>
+        </p:nvSpPr>
+        <p:spPr>
+          <a:xfrm>
+            <a:off x="1585231" y="1053629"/>
+            <a:ext cx="7200800" cy="523220"/>
+          </a:xfrm>
+          <a:prstGeom prst="rect">
+            <a:avLst/>
+          </a:prstGeom>
+          <a:noFill/>
+        </p:spPr>
+        <p:txBody>
+          <a:bodyPr wrap="square" rtlCol="0">
+            <a:spAutoFit/>
+          </a:bodyPr>
+          <a:lstStyle/>
+          <a:p>
+            <a:r>
+              <a:rPr lang="en-US" sz="1400" b="1" dirty="0" smtClean="0">
+                <a:latin typeface="Arial" panose="020B0604020202020204" pitchFamily="34" charset="0"/>
+                <a:cs typeface="Arial" panose="020B0604020202020204" pitchFamily="34" charset="0"/>
+              </a:rPr>
+              <a:t>p</a:t>
+            </a:r>
+            <a:r>
+              <a:rPr lang="en-US" sz="1400" b="1" dirty="0" smtClean="0">
+                <a:latin typeface="Arial" panose="020B0604020202020204" pitchFamily="34" charset="0"/>
+                <a:cs typeface="Arial" panose="020B0604020202020204" pitchFamily="34" charset="0"/>
+              </a:rPr>
+              <a:t>ublic</a:t>
+            </a:r>
+            <a:r>
+              <a:rPr lang="en-US" sz="1400" dirty="0" smtClean="0">
+                <a:latin typeface="Arial" panose="020B0604020202020204" pitchFamily="34" charset="0"/>
+                <a:cs typeface="Arial" panose="020B0604020202020204" pitchFamily="34" charset="0"/>
+              </a:rPr>
+              <a:t> </a:t>
+            </a:r>
+            <a:r>
+              <a:rPr lang="en-US" sz="1400" dirty="0" err="1" smtClean="0">
+                <a:latin typeface="Arial" panose="020B0604020202020204" pitchFamily="34" charset="0"/>
+                <a:cs typeface="Arial" panose="020B0604020202020204" pitchFamily="34" charset="0"/>
+              </a:rPr>
+              <a:t>modifikator</a:t>
+            </a:r>
+            <a:r>
+              <a:rPr lang="en-US" sz="1400" dirty="0" smtClean="0">
+                <a:latin typeface="Arial" panose="020B0604020202020204" pitchFamily="34" charset="0"/>
+                <a:cs typeface="Arial" panose="020B0604020202020204" pitchFamily="34" charset="0"/>
+              </a:rPr>
+              <a:t> </a:t>
+            </a:r>
+            <a:r>
+              <a:rPr lang="en-US" sz="1400" dirty="0" err="1" smtClean="0">
+                <a:latin typeface="Arial" panose="020B0604020202020204" pitchFamily="34" charset="0"/>
+                <a:cs typeface="Arial" panose="020B0604020202020204" pitchFamily="34" charset="0"/>
+              </a:rPr>
+              <a:t>pristupa</a:t>
+            </a:r>
+            <a:r>
+              <a:rPr lang="en-US" sz="1400" dirty="0" smtClean="0">
+                <a:latin typeface="Arial" panose="020B0604020202020204" pitchFamily="34" charset="0"/>
+                <a:cs typeface="Arial" panose="020B0604020202020204" pitchFamily="34" charset="0"/>
+              </a:rPr>
+              <a:t> je </a:t>
+            </a:r>
+            <a:r>
+              <a:rPr lang="en-US" sz="1400" dirty="0" err="1" smtClean="0">
+                <a:latin typeface="Arial" panose="020B0604020202020204" pitchFamily="34" charset="0"/>
+                <a:cs typeface="Arial" panose="020B0604020202020204" pitchFamily="34" charset="0"/>
+              </a:rPr>
+              <a:t>preporu</a:t>
+            </a:r>
+            <a:r>
+              <a:rPr lang="sr-Latn-RS" sz="1400" dirty="0" smtClean="0">
+                <a:latin typeface="Arial" panose="020B0604020202020204" pitchFamily="34" charset="0"/>
+                <a:cs typeface="Arial" panose="020B0604020202020204" pitchFamily="34" charset="0"/>
+              </a:rPr>
+              <a:t>čljiv kada se property ili funkcija koriste u </a:t>
+            </a:r>
+          </a:p>
+          <a:p>
+            <a:r>
+              <a:rPr lang="sr-Latn-RS" sz="1400" dirty="0">
+                <a:latin typeface="Arial" panose="020B0604020202020204" pitchFamily="34" charset="0"/>
+                <a:cs typeface="Arial" panose="020B0604020202020204" pitchFamily="34" charset="0"/>
+              </a:rPr>
+              <a:t>t</a:t>
+            </a:r>
+            <a:r>
+              <a:rPr lang="sr-Latn-RS" sz="1400" dirty="0" smtClean="0">
+                <a:latin typeface="Arial" panose="020B0604020202020204" pitchFamily="34" charset="0"/>
+                <a:cs typeface="Arial" panose="020B0604020202020204" pitchFamily="34" charset="0"/>
+              </a:rPr>
+              <a:t>emplate (.html) fajlu.</a:t>
+            </a:r>
+            <a:endParaRPr lang="en-US" sz="1400" dirty="0">
+              <a:latin typeface="Arial" panose="020B0604020202020204" pitchFamily="34" charset="0"/>
+              <a:cs typeface="Arial" panose="020B0604020202020204" pitchFamily="34" charset="0"/>
+            </a:endParaRPr>
+          </a:p>
+        </p:txBody>
+      </p:sp>
+      <p:sp>
+        <p:nvSpPr>
+          <p:cNvPr id="6" name="TextBox 5"/>
+          <p:cNvSpPr txBox="1"/>
+          <p:nvPr/>
+        </p:nvSpPr>
+        <p:spPr>
+          <a:xfrm>
+            <a:off x="1569833" y="1858928"/>
+            <a:ext cx="7200800" cy="523220"/>
+          </a:xfrm>
+          <a:prstGeom prst="rect">
+            <a:avLst/>
+          </a:prstGeom>
+          <a:noFill/>
+        </p:spPr>
+        <p:txBody>
+          <a:bodyPr wrap="square" rtlCol="0">
+            <a:spAutoFit/>
+          </a:bodyPr>
+          <a:lstStyle/>
+          <a:p>
+            <a:r>
+              <a:rPr lang="sr-Latn-RS" sz="1400" b="1" dirty="0" smtClean="0">
+                <a:latin typeface="Arial" panose="020B0604020202020204" pitchFamily="34" charset="0"/>
+                <a:cs typeface="Arial" panose="020B0604020202020204" pitchFamily="34" charset="0"/>
+              </a:rPr>
+              <a:t>OnInit</a:t>
+            </a:r>
+            <a:r>
+              <a:rPr lang="sr-Latn-RS" sz="1400" dirty="0" smtClean="0">
+                <a:latin typeface="Arial" panose="020B0604020202020204" pitchFamily="34" charset="0"/>
+                <a:cs typeface="Arial" panose="020B0604020202020204" pitchFamily="34" charset="0"/>
+              </a:rPr>
+              <a:t> je interfejs koji obavezuje implementaciju </a:t>
+            </a:r>
+            <a:r>
+              <a:rPr lang="sr-Latn-RS" sz="1400" b="1" dirty="0" smtClean="0">
+                <a:latin typeface="Arial" panose="020B0604020202020204" pitchFamily="34" charset="0"/>
+                <a:cs typeface="Arial" panose="020B0604020202020204" pitchFamily="34" charset="0"/>
+              </a:rPr>
+              <a:t>ngOnInit</a:t>
+            </a:r>
+            <a:r>
+              <a:rPr lang="sr-Latn-RS" sz="1400" dirty="0" smtClean="0">
+                <a:latin typeface="Arial" panose="020B0604020202020204" pitchFamily="34" charset="0"/>
+                <a:cs typeface="Arial" panose="020B0604020202020204" pitchFamily="34" charset="0"/>
+              </a:rPr>
+              <a:t> funkcije. Ova f-ja će se okinuti</a:t>
+            </a:r>
+          </a:p>
+          <a:p>
+            <a:r>
+              <a:rPr lang="sr-Latn-RS" sz="1400" dirty="0" smtClean="0">
+                <a:latin typeface="Arial" panose="020B0604020202020204" pitchFamily="34" charset="0"/>
+                <a:cs typeface="Arial" panose="020B0604020202020204" pitchFamily="34" charset="0"/>
+              </a:rPr>
+              <a:t>čim se komponenta inicijalizuje. Drugi u fazi </a:t>
+            </a:r>
+            <a:r>
+              <a:rPr lang="sr-Latn-RS" sz="1400" dirty="0" smtClean="0">
+                <a:latin typeface="Arial" panose="020B0604020202020204" pitchFamily="34" charset="0"/>
+                <a:cs typeface="Arial" panose="020B0604020202020204" pitchFamily="34" charset="0"/>
+              </a:rPr>
+              <a:t>životnog ciklusa Angular app.</a:t>
+            </a:r>
+            <a:endParaRPr lang="sr-Latn-RS" sz="1400" dirty="0" smtClean="0">
+              <a:latin typeface="Arial" panose="020B0604020202020204" pitchFamily="34" charset="0"/>
+              <a:cs typeface="Arial" panose="020B0604020202020204" pitchFamily="34" charset="0"/>
+            </a:endParaRPr>
+          </a:p>
+        </p:txBody>
+      </p:sp>
+      <p:sp>
+        <p:nvSpPr>
+          <p:cNvPr id="7" name="TextBox 6"/>
+          <p:cNvSpPr txBox="1"/>
+          <p:nvPr/>
+        </p:nvSpPr>
+        <p:spPr>
+          <a:xfrm>
+            <a:off x="1569833" y="2661612"/>
+            <a:ext cx="7200800" cy="523220"/>
+          </a:xfrm>
+          <a:prstGeom prst="rect">
+            <a:avLst/>
+          </a:prstGeom>
+          <a:noFill/>
+        </p:spPr>
+        <p:txBody>
+          <a:bodyPr wrap="square" rtlCol="0">
+            <a:spAutoFit/>
+          </a:bodyPr>
+          <a:lstStyle/>
+          <a:p>
+            <a:r>
+              <a:rPr lang="sr-Latn-RS" sz="1400" dirty="0" smtClean="0">
+                <a:latin typeface="Arial" panose="020B0604020202020204" pitchFamily="34" charset="0"/>
+                <a:cs typeface="Arial" panose="020B0604020202020204" pitchFamily="34" charset="0"/>
+              </a:rPr>
+              <a:t>Uvek koristite </a:t>
+            </a:r>
+            <a:r>
+              <a:rPr lang="sr-Latn-RS" sz="1400" b="1" dirty="0" smtClean="0">
+                <a:latin typeface="Arial" panose="020B0604020202020204" pitchFamily="34" charset="0"/>
+                <a:cs typeface="Arial" panose="020B0604020202020204" pitchFamily="34" charset="0"/>
+              </a:rPr>
+              <a:t>ngOnInit</a:t>
+            </a:r>
+            <a:r>
+              <a:rPr lang="sr-Latn-RS" sz="1400" dirty="0" smtClean="0">
+                <a:latin typeface="Arial" panose="020B0604020202020204" pitchFamily="34" charset="0"/>
+                <a:cs typeface="Arial" panose="020B0604020202020204" pitchFamily="34" charset="0"/>
+              </a:rPr>
+              <a:t> funkciju da bi ste inicijalizovali sve potrebne elemente u vašim </a:t>
+            </a:r>
+          </a:p>
+          <a:p>
+            <a:r>
+              <a:rPr lang="sr-Latn-RS" sz="1400" dirty="0">
+                <a:latin typeface="Arial" panose="020B0604020202020204" pitchFamily="34" charset="0"/>
+                <a:cs typeface="Arial" panose="020B0604020202020204" pitchFamily="34" charset="0"/>
+              </a:rPr>
+              <a:t>k</a:t>
+            </a:r>
+            <a:r>
+              <a:rPr lang="sr-Latn-RS" sz="1400" dirty="0" smtClean="0">
+                <a:latin typeface="Arial" panose="020B0604020202020204" pitchFamily="34" charset="0"/>
+                <a:cs typeface="Arial" panose="020B0604020202020204" pitchFamily="34" charset="0"/>
+              </a:rPr>
+              <a:t>omponentama.</a:t>
+            </a:r>
+            <a:endParaRPr lang="en-US" sz="1400" dirty="0">
+              <a:latin typeface="Arial" panose="020B0604020202020204" pitchFamily="34" charset="0"/>
+              <a:cs typeface="Arial" panose="020B0604020202020204" pitchFamily="34" charset="0"/>
+            </a:endParaRPr>
+          </a:p>
+        </p:txBody>
+      </p:sp>
+      <p:sp>
+        <p:nvSpPr>
+          <p:cNvPr id="8" name="TextBox 7"/>
+          <p:cNvSpPr txBox="1"/>
+          <p:nvPr/>
+        </p:nvSpPr>
+        <p:spPr>
+          <a:xfrm>
+            <a:off x="1569833" y="3464296"/>
+            <a:ext cx="7200800" cy="307777"/>
+          </a:xfrm>
+          <a:prstGeom prst="rect">
+            <a:avLst/>
+          </a:prstGeom>
+          <a:noFill/>
+        </p:spPr>
+        <p:txBody>
+          <a:bodyPr wrap="square" rtlCol="0">
+            <a:spAutoFit/>
+          </a:bodyPr>
+          <a:lstStyle/>
+          <a:p>
+            <a:r>
+              <a:rPr lang="sr-Latn-RS" sz="1400" dirty="0" smtClean="0">
+                <a:latin typeface="Arial" panose="020B0604020202020204" pitchFamily="34" charset="0"/>
+                <a:cs typeface="Arial" panose="020B0604020202020204" pitchFamily="34" charset="0"/>
+              </a:rPr>
+              <a:t>Ne mora se koristiti OnInit interfejs da bi se koristila ngOnInit f-ja, ali je preporučljivo.</a:t>
+            </a:r>
+            <a:endParaRPr lang="en-US" sz="1400" dirty="0">
+              <a:latin typeface="Arial" panose="020B0604020202020204" pitchFamily="34" charset="0"/>
+              <a:cs typeface="Arial" panose="020B0604020202020204" pitchFamily="34" charset="0"/>
+            </a:endParaRPr>
+          </a:p>
+        </p:txBody>
+      </p:sp>
+      <p:sp>
+        <p:nvSpPr>
+          <p:cNvPr id="9" name="TextBox 8"/>
+          <p:cNvSpPr txBox="1"/>
+          <p:nvPr/>
+        </p:nvSpPr>
+        <p:spPr>
+          <a:xfrm>
+            <a:off x="1585231" y="4051537"/>
+            <a:ext cx="7200800" cy="307777"/>
+          </a:xfrm>
+          <a:prstGeom prst="rect">
+            <a:avLst/>
+          </a:prstGeom>
+          <a:noFill/>
+        </p:spPr>
+        <p:txBody>
+          <a:bodyPr wrap="square" rtlCol="0">
+            <a:spAutoFit/>
+          </a:bodyPr>
+          <a:lstStyle/>
+          <a:p>
+            <a:r>
+              <a:rPr lang="sr-Latn-RS" sz="1400" dirty="0" smtClean="0">
+                <a:latin typeface="Arial" panose="020B0604020202020204" pitchFamily="34" charset="0"/>
+                <a:cs typeface="Arial" panose="020B0604020202020204" pitchFamily="34" charset="0"/>
+              </a:rPr>
+              <a:t>Konstruktor samo za inicijalizaciju servisa.</a:t>
+            </a:r>
+            <a:endParaRPr lang="en-US" sz="1400" dirty="0">
+              <a:latin typeface="Arial" panose="020B0604020202020204" pitchFamily="34" charset="0"/>
+              <a:cs typeface="Arial" panose="020B0604020202020204" pitchFamily="34" charset="0"/>
+            </a:endParaRPr>
+          </a:p>
+        </p:txBody>
+      </p:sp>
+      <p:sp>
+        <p:nvSpPr>
+          <p:cNvPr id="10" name="TextBox 9"/>
+          <p:cNvSpPr txBox="1"/>
+          <p:nvPr/>
+        </p:nvSpPr>
+        <p:spPr>
+          <a:xfrm>
+            <a:off x="1619672" y="4638778"/>
+            <a:ext cx="7200800" cy="307777"/>
+          </a:xfrm>
+          <a:prstGeom prst="rect">
+            <a:avLst/>
+          </a:prstGeom>
+          <a:noFill/>
+        </p:spPr>
+        <p:txBody>
+          <a:bodyPr wrap="square" rtlCol="0">
+            <a:spAutoFit/>
+          </a:bodyPr>
+          <a:lstStyle/>
+          <a:p>
+            <a:r>
+              <a:rPr lang="sr-Latn-RS" sz="1400" dirty="0">
+                <a:latin typeface="Arial" panose="020B0604020202020204" pitchFamily="34" charset="0"/>
+                <a:cs typeface="Arial" panose="020B0604020202020204" pitchFamily="34" charset="0"/>
+                <a:hlinkClick r:id="rId2"/>
+              </a:rPr>
+              <a:t>https://</a:t>
+            </a:r>
+            <a:r>
+              <a:rPr lang="sr-Latn-RS" sz="1400" dirty="0" smtClean="0">
+                <a:latin typeface="Arial" panose="020B0604020202020204" pitchFamily="34" charset="0"/>
+                <a:cs typeface="Arial" panose="020B0604020202020204" pitchFamily="34" charset="0"/>
+                <a:hlinkClick r:id="rId2"/>
+              </a:rPr>
+              <a:t>angular.io/guide/lifecycle-hooks</a:t>
+            </a:r>
+            <a:r>
+              <a:rPr lang="sr-Latn-RS" sz="1400" dirty="0" smtClean="0">
+                <a:latin typeface="Arial" panose="020B0604020202020204" pitchFamily="34" charset="0"/>
+                <a:cs typeface="Arial" panose="020B0604020202020204" pitchFamily="34" charset="0"/>
+              </a:rPr>
+              <a:t> </a:t>
+            </a:r>
+            <a:endParaRPr lang="en-US" sz="1400" dirty="0">
+              <a:latin typeface="Arial" panose="020B0604020202020204" pitchFamily="34" charset="0"/>
+              <a:cs typeface="Arial" panose="020B0604020202020204" pitchFamily="34" charset="0"/>
+            </a:endParaRPr>
+          </a:p>
+        </p:txBody>
+      </p:sp>
+    </p:spTree>
+    <p:extLst>
+      <p:ext uri="{BB962C8B-B14F-4D97-AF65-F5344CB8AC3E}">
+        <p14:creationId xmlns:p14="http://schemas.microsoft.com/office/powerpoint/2010/main" val="854715840"/>
+      </p:ext>
+    </p:extLst>
+  </p:cSld>
+  <p:clrMapOvr>
+    <a:masterClrMapping/>
+  </p:clrMapOvr>
+  <p:timing>
+    <p:tnLst>
+      <p:par>
+        <p:cTn id="1" dur="indefinite" restart="never" nodeType="tmRoot">
+          <p:childTnLst>
+            <p:seq concurrent="1" nextAc="seek">
+              <p:cTn id="2" dur="indefinite" nodeType="mainSeq">
+                <p:childTnLst>
+                  <p:par>
+                    <p:cTn id="3" fill="hold">
+                      <p:stCondLst>
+                        <p:cond delay="indefinite"/>
+                      </p:stCondLst>
+                      <p:childTnLst>
+                        <p:par>
+                          <p:cTn id="4" fill="hold">
+                            <p:stCondLst>
+                              <p:cond delay="0"/>
+                            </p:stCondLst>
+                            <p:childTnLst>
+                              <p:par>
+                                <p:cTn id="5" presetID="2" presetClass="entr" presetSubtype="4" fill="hold" grpId="0" nodeType="clickEffect">
+                                  <p:stCondLst>
+                                    <p:cond delay="0"/>
+                                  </p:stCondLst>
+                                  <p:childTnLst>
+                                    <p:set>
+                                      <p:cBhvr>
+                                        <p:cTn id="6" dur="1" fill="hold">
+                                          <p:stCondLst>
+                                            <p:cond delay="0"/>
+                                          </p:stCondLst>
+                                        </p:cTn>
+                                        <p:tgtEl>
+                                          <p:spTgt spid="5"/>
+                                        </p:tgtEl>
+                                        <p:attrNameLst>
+                                          <p:attrName>style.visibility</p:attrName>
+                                        </p:attrNameLst>
+                                      </p:cBhvr>
+                                      <p:to>
+                                        <p:strVal val="visible"/>
+                                      </p:to>
+                                    </p:set>
+                                    <p:anim calcmode="lin" valueType="num">
+                                      <p:cBhvr additive="base">
+                                        <p:cTn id="7" dur="500" fill="hold"/>
+                                        <p:tgtEl>
+                                          <p:spTgt spid="5"/>
+                                        </p:tgtEl>
+                                        <p:attrNameLst>
+                                          <p:attrName>ppt_x</p:attrName>
+                                        </p:attrNameLst>
+                                      </p:cBhvr>
+                                      <p:tavLst>
+                                        <p:tav tm="0">
+                                          <p:val>
+                                            <p:strVal val="#ppt_x"/>
+                                          </p:val>
+                                        </p:tav>
+                                        <p:tav tm="100000">
+                                          <p:val>
+                                            <p:strVal val="#ppt_x"/>
+                                          </p:val>
+                                        </p:tav>
+                                      </p:tavLst>
+                                    </p:anim>
+                                    <p:anim calcmode="lin" valueType="num">
+                                      <p:cBhvr additive="base">
+                                        <p:cTn id="8" dur="500" fill="hold"/>
+                                        <p:tgtEl>
+                                          <p:spTgt spid="5"/>
+                                        </p:tgtEl>
+                                        <p:attrNameLst>
+                                          <p:attrName>ppt_y</p:attrName>
+                                        </p:attrNameLst>
+                                      </p:cBhvr>
+                                      <p:tavLst>
+                                        <p:tav tm="0">
+                                          <p:val>
+                                            <p:strVal val="1+#ppt_h/2"/>
+                                          </p:val>
+                                        </p:tav>
+                                        <p:tav tm="100000">
+                                          <p:val>
+                                            <p:strVal val="#ppt_y"/>
+                                          </p:val>
+                                        </p:tav>
+                                      </p:tavLst>
+                                    </p:anim>
+                                  </p:childTnLst>
+                                </p:cTn>
+                              </p:par>
+                            </p:childTnLst>
+                          </p:cTn>
+                        </p:par>
+                      </p:childTnLst>
+                    </p:cTn>
+                  </p:par>
+                  <p:par>
+                    <p:cTn id="9" fill="hold">
+                      <p:stCondLst>
+                        <p:cond delay="indefinite"/>
+                      </p:stCondLst>
+                      <p:childTnLst>
+                        <p:par>
+                          <p:cTn id="10" fill="hold">
+                            <p:stCondLst>
+                              <p:cond delay="0"/>
+                            </p:stCondLst>
+                            <p:childTnLst>
+                              <p:par>
+                                <p:cTn id="11" presetID="2" presetClass="entr" presetSubtype="4" fill="hold" grpId="0" nodeType="clickEffect">
+                                  <p:stCondLst>
+                                    <p:cond delay="0"/>
+                                  </p:stCondLst>
+                                  <p:childTnLst>
+                                    <p:set>
+                                      <p:cBhvr>
+                                        <p:cTn id="12" dur="1" fill="hold">
+                                          <p:stCondLst>
+                                            <p:cond delay="0"/>
+                                          </p:stCondLst>
+                                        </p:cTn>
+                                        <p:tgtEl>
+                                          <p:spTgt spid="6"/>
+                                        </p:tgtEl>
+                                        <p:attrNameLst>
+                                          <p:attrName>style.visibility</p:attrName>
+                                        </p:attrNameLst>
+                                      </p:cBhvr>
+                                      <p:to>
+                                        <p:strVal val="visible"/>
+                                      </p:to>
+                                    </p:set>
+                                    <p:anim calcmode="lin" valueType="num">
+                                      <p:cBhvr additive="base">
+                                        <p:cTn id="13" dur="500" fill="hold"/>
+                                        <p:tgtEl>
+                                          <p:spTgt spid="6"/>
+                                        </p:tgtEl>
+                                        <p:attrNameLst>
+                                          <p:attrName>ppt_x</p:attrName>
+                                        </p:attrNameLst>
+                                      </p:cBhvr>
+                                      <p:tavLst>
+                                        <p:tav tm="0">
+                                          <p:val>
+                                            <p:strVal val="#ppt_x"/>
+                                          </p:val>
+                                        </p:tav>
+                                        <p:tav tm="100000">
+                                          <p:val>
+                                            <p:strVal val="#ppt_x"/>
+                                          </p:val>
+                                        </p:tav>
+                                      </p:tavLst>
+                                    </p:anim>
+                                    <p:anim calcmode="lin" valueType="num">
+                                      <p:cBhvr additive="base">
+                                        <p:cTn id="14" dur="500" fill="hold"/>
+                                        <p:tgtEl>
+                                          <p:spTgt spid="6"/>
+                                        </p:tgtEl>
+                                        <p:attrNameLst>
+                                          <p:attrName>ppt_y</p:attrName>
+                                        </p:attrNameLst>
+                                      </p:cBhvr>
+                                      <p:tavLst>
+                                        <p:tav tm="0">
+                                          <p:val>
+                                            <p:strVal val="1+#ppt_h/2"/>
+                                          </p:val>
+                                        </p:tav>
+                                        <p:tav tm="100000">
+                                          <p:val>
+                                            <p:strVal val="#ppt_y"/>
+                                          </p:val>
+                                        </p:tav>
+                                      </p:tavLst>
+                                    </p:anim>
+                                  </p:childTnLst>
+                                </p:cTn>
+                              </p:par>
+                            </p:childTnLst>
+                          </p:cTn>
+                        </p:par>
+                      </p:childTnLst>
+                    </p:cTn>
+                  </p:par>
+                  <p:par>
+                    <p:cTn id="15" fill="hold">
+                      <p:stCondLst>
+                        <p:cond delay="indefinite"/>
+                      </p:stCondLst>
+                      <p:childTnLst>
+                        <p:par>
+                          <p:cTn id="16" fill="hold">
+                            <p:stCondLst>
+                              <p:cond delay="0"/>
+                            </p:stCondLst>
+                            <p:childTnLst>
+                              <p:par>
+                                <p:cTn id="17" presetID="2" presetClass="entr" presetSubtype="4" fill="hold" grpId="0" nodeType="clickEffect">
+                                  <p:stCondLst>
+                                    <p:cond delay="0"/>
+                                  </p:stCondLst>
+                                  <p:childTnLst>
+                                    <p:set>
+                                      <p:cBhvr>
+                                        <p:cTn id="18" dur="1" fill="hold">
+                                          <p:stCondLst>
+                                            <p:cond delay="0"/>
+                                          </p:stCondLst>
+                                        </p:cTn>
+                                        <p:tgtEl>
+                                          <p:spTgt spid="7"/>
+                                        </p:tgtEl>
+                                        <p:attrNameLst>
+                                          <p:attrName>style.visibility</p:attrName>
+                                        </p:attrNameLst>
+                                      </p:cBhvr>
+                                      <p:to>
+                                        <p:strVal val="visible"/>
+                                      </p:to>
+                                    </p:set>
+                                    <p:anim calcmode="lin" valueType="num">
+                                      <p:cBhvr additive="base">
+                                        <p:cTn id="19" dur="500" fill="hold"/>
+                                        <p:tgtEl>
+                                          <p:spTgt spid="7"/>
+                                        </p:tgtEl>
+                                        <p:attrNameLst>
+                                          <p:attrName>ppt_x</p:attrName>
+                                        </p:attrNameLst>
+                                      </p:cBhvr>
+                                      <p:tavLst>
+                                        <p:tav tm="0">
+                                          <p:val>
+                                            <p:strVal val="#ppt_x"/>
+                                          </p:val>
+                                        </p:tav>
+                                        <p:tav tm="100000">
+                                          <p:val>
+                                            <p:strVal val="#ppt_x"/>
+                                          </p:val>
+                                        </p:tav>
+                                      </p:tavLst>
+                                    </p:anim>
+                                    <p:anim calcmode="lin" valueType="num">
+                                      <p:cBhvr additive="base">
+                                        <p:cTn id="20" dur="500" fill="hold"/>
+                                        <p:tgtEl>
+                                          <p:spTgt spid="7"/>
+                                        </p:tgtEl>
+                                        <p:attrNameLst>
+                                          <p:attrName>ppt_y</p:attrName>
+                                        </p:attrNameLst>
+                                      </p:cBhvr>
+                                      <p:tavLst>
+                                        <p:tav tm="0">
+                                          <p:val>
+                                            <p:strVal val="1+#ppt_h/2"/>
+                                          </p:val>
+                                        </p:tav>
+                                        <p:tav tm="100000">
+                                          <p:val>
+                                            <p:strVal val="#ppt_y"/>
+                                          </p:val>
+                                        </p:tav>
+                                      </p:tavLst>
+                                    </p:anim>
+                                  </p:childTnLst>
+                                </p:cTn>
+                              </p:par>
+                            </p:childTnLst>
+                          </p:cTn>
+                        </p:par>
+                      </p:childTnLst>
+                    </p:cTn>
+                  </p:par>
+                  <p:par>
+                    <p:cTn id="21" fill="hold">
+                      <p:stCondLst>
+                        <p:cond delay="indefinite"/>
+                      </p:stCondLst>
+                      <p:childTnLst>
+                        <p:par>
+                          <p:cTn id="22" fill="hold">
+                            <p:stCondLst>
+                              <p:cond delay="0"/>
+                            </p:stCondLst>
+                            <p:childTnLst>
+                              <p:par>
+                                <p:cTn id="23" presetID="2" presetClass="entr" presetSubtype="4" fill="hold" grpId="0" nodeType="clickEffect">
+                                  <p:stCondLst>
+                                    <p:cond delay="0"/>
+                                  </p:stCondLst>
+                                  <p:childTnLst>
+                                    <p:set>
+                                      <p:cBhvr>
+                                        <p:cTn id="24" dur="1" fill="hold">
+                                          <p:stCondLst>
+                                            <p:cond delay="0"/>
+                                          </p:stCondLst>
+                                        </p:cTn>
+                                        <p:tgtEl>
+                                          <p:spTgt spid="8"/>
+                                        </p:tgtEl>
+                                        <p:attrNameLst>
+                                          <p:attrName>style.visibility</p:attrName>
+                                        </p:attrNameLst>
+                                      </p:cBhvr>
+                                      <p:to>
+                                        <p:strVal val="visible"/>
+                                      </p:to>
+                                    </p:set>
+                                    <p:anim calcmode="lin" valueType="num">
+                                      <p:cBhvr additive="base">
+                                        <p:cTn id="25" dur="500" fill="hold"/>
+                                        <p:tgtEl>
+                                          <p:spTgt spid="8"/>
+                                        </p:tgtEl>
+                                        <p:attrNameLst>
+                                          <p:attrName>ppt_x</p:attrName>
+                                        </p:attrNameLst>
+                                      </p:cBhvr>
+                                      <p:tavLst>
+                                        <p:tav tm="0">
+                                          <p:val>
+                                            <p:strVal val="#ppt_x"/>
+                                          </p:val>
+                                        </p:tav>
+                                        <p:tav tm="100000">
+                                          <p:val>
+                                            <p:strVal val="#ppt_x"/>
+                                          </p:val>
+                                        </p:tav>
+                                      </p:tavLst>
+                                    </p:anim>
+                                    <p:anim calcmode="lin" valueType="num">
+                                      <p:cBhvr additive="base">
+                                        <p:cTn id="26" dur="500" fill="hold"/>
+                                        <p:tgtEl>
+                                          <p:spTgt spid="8"/>
+                                        </p:tgtEl>
+                                        <p:attrNameLst>
+                                          <p:attrName>ppt_y</p:attrName>
+                                        </p:attrNameLst>
+                                      </p:cBhvr>
+                                      <p:tavLst>
+                                        <p:tav tm="0">
+                                          <p:val>
+                                            <p:strVal val="1+#ppt_h/2"/>
+                                          </p:val>
+                                        </p:tav>
+                                        <p:tav tm="100000">
+                                          <p:val>
+                                            <p:strVal val="#ppt_y"/>
+                                          </p:val>
+                                        </p:tav>
+                                      </p:tavLst>
+                                    </p:anim>
+                                  </p:childTnLst>
+                                </p:cTn>
+                              </p:par>
+                            </p:childTnLst>
+                          </p:cTn>
+                        </p:par>
+                      </p:childTnLst>
+                    </p:cTn>
+                  </p:par>
+                  <p:par>
+                    <p:cTn id="27" fill="hold">
+                      <p:stCondLst>
+                        <p:cond delay="indefinite"/>
+                      </p:stCondLst>
+                      <p:childTnLst>
+                        <p:par>
+                          <p:cTn id="28" fill="hold">
+                            <p:stCondLst>
+                              <p:cond delay="0"/>
+                            </p:stCondLst>
+                            <p:childTnLst>
+                              <p:par>
+                                <p:cTn id="29" presetID="2" presetClass="entr" presetSubtype="4" fill="hold" grpId="0" nodeType="clickEffect">
+                                  <p:stCondLst>
+                                    <p:cond delay="0"/>
+                                  </p:stCondLst>
+                                  <p:childTnLst>
+                                    <p:set>
+                                      <p:cBhvr>
+                                        <p:cTn id="30" dur="1" fill="hold">
+                                          <p:stCondLst>
+                                            <p:cond delay="0"/>
+                                          </p:stCondLst>
+                                        </p:cTn>
+                                        <p:tgtEl>
+                                          <p:spTgt spid="9"/>
+                                        </p:tgtEl>
+                                        <p:attrNameLst>
+                                          <p:attrName>style.visibility</p:attrName>
+                                        </p:attrNameLst>
+                                      </p:cBhvr>
+                                      <p:to>
+                                        <p:strVal val="visible"/>
+                                      </p:to>
+                                    </p:set>
+                                    <p:anim calcmode="lin" valueType="num">
+                                      <p:cBhvr additive="base">
+                                        <p:cTn id="31" dur="500" fill="hold"/>
+                                        <p:tgtEl>
+                                          <p:spTgt spid="9"/>
+                                        </p:tgtEl>
+                                        <p:attrNameLst>
+                                          <p:attrName>ppt_x</p:attrName>
+                                        </p:attrNameLst>
+                                      </p:cBhvr>
+                                      <p:tavLst>
+                                        <p:tav tm="0">
+                                          <p:val>
+                                            <p:strVal val="#ppt_x"/>
+                                          </p:val>
+                                        </p:tav>
+                                        <p:tav tm="100000">
+                                          <p:val>
+                                            <p:strVal val="#ppt_x"/>
+                                          </p:val>
+                                        </p:tav>
+                                      </p:tavLst>
+                                    </p:anim>
+                                    <p:anim calcmode="lin" valueType="num">
+                                      <p:cBhvr additive="base">
+                                        <p:cTn id="32" dur="500" fill="hold"/>
+                                        <p:tgtEl>
+                                          <p:spTgt spid="9"/>
+                                        </p:tgtEl>
+                                        <p:attrNameLst>
+                                          <p:attrName>ppt_y</p:attrName>
+                                        </p:attrNameLst>
+                                      </p:cBhvr>
+                                      <p:tavLst>
+                                        <p:tav tm="0">
+                                          <p:val>
+                                            <p:strVal val="1+#ppt_h/2"/>
+                                          </p:val>
+                                        </p:tav>
+                                        <p:tav tm="100000">
+                                          <p:val>
+                                            <p:strVal val="#ppt_y"/>
+                                          </p:val>
+                                        </p:tav>
+                                      </p:tavLst>
+                                    </p:anim>
+                                  </p:childTnLst>
+                                </p:cTn>
+                              </p:par>
+                            </p:childTnLst>
+                          </p:cTn>
+                        </p:par>
+                      </p:childTnLst>
+                    </p:cTn>
+                  </p:par>
+                  <p:par>
+                    <p:cTn id="33" fill="hold">
+                      <p:stCondLst>
+                        <p:cond delay="indefinite"/>
+                      </p:stCondLst>
+                      <p:childTnLst>
+                        <p:par>
+                          <p:cTn id="34" fill="hold">
+                            <p:stCondLst>
+                              <p:cond delay="0"/>
+                            </p:stCondLst>
+                            <p:childTnLst>
+                              <p:par>
+                                <p:cTn id="35" presetID="2" presetClass="entr" presetSubtype="4" fill="hold" grpId="0" nodeType="clickEffect">
+                                  <p:stCondLst>
+                                    <p:cond delay="0"/>
+                                  </p:stCondLst>
+                                  <p:childTnLst>
+                                    <p:set>
+                                      <p:cBhvr>
+                                        <p:cTn id="36" dur="1" fill="hold">
+                                          <p:stCondLst>
+                                            <p:cond delay="0"/>
+                                          </p:stCondLst>
+                                        </p:cTn>
+                                        <p:tgtEl>
+                                          <p:spTgt spid="10"/>
+                                        </p:tgtEl>
+                                        <p:attrNameLst>
+                                          <p:attrName>style.visibility</p:attrName>
+                                        </p:attrNameLst>
+                                      </p:cBhvr>
+                                      <p:to>
+                                        <p:strVal val="visible"/>
+                                      </p:to>
+                                    </p:set>
+                                    <p:anim calcmode="lin" valueType="num">
+                                      <p:cBhvr additive="base">
+                                        <p:cTn id="37" dur="500" fill="hold"/>
+                                        <p:tgtEl>
+                                          <p:spTgt spid="10"/>
+                                        </p:tgtEl>
+                                        <p:attrNameLst>
+                                          <p:attrName>ppt_x</p:attrName>
+                                        </p:attrNameLst>
+                                      </p:cBhvr>
+                                      <p:tavLst>
+                                        <p:tav tm="0">
+                                          <p:val>
+                                            <p:strVal val="#ppt_x"/>
+                                          </p:val>
+                                        </p:tav>
+                                        <p:tav tm="100000">
+                                          <p:val>
+                                            <p:strVal val="#ppt_x"/>
+                                          </p:val>
+                                        </p:tav>
+                                      </p:tavLst>
+                                    </p:anim>
+                                    <p:anim calcmode="lin" valueType="num">
+                                      <p:cBhvr additive="base">
+                                        <p:cTn id="38" dur="500" fill="hold"/>
+                                        <p:tgtEl>
+                                          <p:spTgt spid="10"/>
+                                        </p:tgtEl>
+                                        <p:attrNameLst>
+                                          <p:attrName>ppt_y</p:attrName>
+                                        </p:attrNameLst>
+                                      </p:cBhvr>
+                                      <p:tavLst>
+                                        <p:tav tm="0">
+                                          <p:val>
+                                            <p:strVal val="1+#ppt_h/2"/>
+                                          </p:val>
+                                        </p:tav>
+                                        <p:tav tm="100000">
+                                          <p:val>
+                                            <p:strVal val="#ppt_y"/>
+                                          </p:val>
+                                        </p:tav>
+                                      </p:tavLst>
+                                    </p:anim>
+                                  </p:childTnLst>
+                                </p:cTn>
+                              </p:par>
+                            </p:childTnLst>
+                          </p:cTn>
+                        </p:par>
+                      </p:childTnLst>
+                    </p:cTn>
+                  </p:par>
+                </p:childTnLst>
+              </p:cTn>
+              <p:prevCondLst>
+                <p:cond evt="onPrev" delay="0">
+                  <p:tgtEl>
+                    <p:sldTgt/>
+                  </p:tgtEl>
+                </p:cond>
+              </p:prevCondLst>
+              <p:nextCondLst>
+                <p:cond evt="onNext" delay="0">
+                  <p:tgtEl>
+                    <p:sldTgt/>
+                  </p:tgtEl>
+                </p:cond>
+              </p:nextCondLst>
+            </p:seq>
+          </p:childTnLst>
+        </p:cTn>
+      </p:par>
+    </p:tnLst>
+    <p:bldLst>
+      <p:bldP spid="5" grpId="0"/>
+      <p:bldP spid="6" grpId="0"/>
+      <p:bldP spid="7" grpId="0"/>
+      <p:bldP spid="8" grpId="0"/>
+      <p:bldP spid="9" grpId="0"/>
+      <p:bldP spid="10" grpId="0"/>
+    </p:bldLst>
+  </p:timing>
+</p:sld>
+</file>
+
+<file path=ppt/slides/slide35.xml><?xml version="1.0" encoding="utf-8"?>
+<p:sld xmlns:a="http://schemas.openxmlformats.org/drawingml/2006/main" xmlns:r="http://schemas.openxmlformats.org/officeDocument/2006/relationships" xmlns:p="http://schemas.openxmlformats.org/presentationml/2006/main">
+  <p:cSld>
+    <p:spTree>
+      <p:nvGrpSpPr>
+        <p:cNvPr id="1" name=""/>
+        <p:cNvGrpSpPr/>
+        <p:nvPr/>
+      </p:nvGrpSpPr>
+      <p:grpSpPr>
+        <a:xfrm>
+          <a:off x="0" y="0"/>
+          <a:ext cx="0" cy="0"/>
+          <a:chOff x="0" y="0"/>
+          <a:chExt cx="0" cy="0"/>
+        </a:xfrm>
+      </p:grpSpPr>
+      <p:sp>
+        <p:nvSpPr>
+          <p:cNvPr id="3" name="Title 2"/>
+          <p:cNvSpPr>
+            <a:spLocks noGrp="1"/>
+          </p:cNvSpPr>
+          <p:nvPr>
+            <p:ph type="title"/>
+          </p:nvPr>
+        </p:nvSpPr>
+        <p:spPr>
+          <a:xfrm>
+            <a:off x="1619672" y="-1"/>
+            <a:ext cx="7524328" cy="771551"/>
+          </a:xfrm>
+        </p:spPr>
+        <p:txBody>
+          <a:bodyPr/>
+          <a:lstStyle/>
+          <a:p>
+            <a:pPr algn="ctr"/>
+            <a:r>
+              <a:rPr lang="en-US" altLang="ko-KR" dirty="0"/>
+              <a:t>Prva </a:t>
+            </a:r>
+            <a:r>
+              <a:rPr lang="en-US" altLang="ko-KR" dirty="0" err="1"/>
+              <a:t>Komponenta</a:t>
+            </a:r>
+            <a:endParaRPr lang="ko-KR" altLang="en-US" dirty="0"/>
+          </a:p>
+        </p:txBody>
+      </p:sp>
+      <p:sp>
+        <p:nvSpPr>
+          <p:cNvPr id="5" name="TextBox 4"/>
+          <p:cNvSpPr txBox="1"/>
+          <p:nvPr/>
+        </p:nvSpPr>
+        <p:spPr>
+          <a:xfrm>
+            <a:off x="1585231" y="1053629"/>
+            <a:ext cx="7200800" cy="307777"/>
+          </a:xfrm>
+          <a:prstGeom prst="rect">
+            <a:avLst/>
+          </a:prstGeom>
+          <a:noFill/>
+        </p:spPr>
+        <p:txBody>
+          <a:bodyPr wrap="square" rtlCol="0">
+            <a:spAutoFit/>
+          </a:bodyPr>
+          <a:lstStyle/>
+          <a:p>
+            <a:r>
+              <a:rPr lang="sr-Latn-RS" sz="1400" dirty="0" smtClean="0">
+                <a:latin typeface="Arial" panose="020B0604020202020204" pitchFamily="34" charset="0"/>
+                <a:cs typeface="Arial" panose="020B0604020202020204" pitchFamily="34" charset="0"/>
+              </a:rPr>
+              <a:t>Modifikacija .html i .css fajla</a:t>
+            </a:r>
+            <a:endParaRPr lang="en-US" sz="1400" dirty="0">
+              <a:latin typeface="Arial" panose="020B0604020202020204" pitchFamily="34" charset="0"/>
+              <a:cs typeface="Arial" panose="020B0604020202020204" pitchFamily="34" charset="0"/>
+            </a:endParaRPr>
+          </a:p>
+        </p:txBody>
+      </p:sp>
+      <p:pic>
+        <p:nvPicPr>
+          <p:cNvPr id="2" name="Picture 1"/>
+          <p:cNvPicPr>
+            <a:picLocks noChangeAspect="1"/>
+          </p:cNvPicPr>
+          <p:nvPr/>
+        </p:nvPicPr>
+        <p:blipFill>
+          <a:blip r:embed="rId2"/>
+          <a:stretch>
+            <a:fillRect/>
+          </a:stretch>
+        </p:blipFill>
+        <p:spPr>
+          <a:xfrm>
+            <a:off x="1585231" y="2787774"/>
+            <a:ext cx="3286584" cy="1540172"/>
+          </a:xfrm>
+          <a:prstGeom prst="rect">
+            <a:avLst/>
+          </a:prstGeom>
+        </p:spPr>
+      </p:pic>
+      <p:pic>
+        <p:nvPicPr>
+          <p:cNvPr id="4" name="Picture 3"/>
+          <p:cNvPicPr>
+            <a:picLocks noChangeAspect="1"/>
+          </p:cNvPicPr>
+          <p:nvPr/>
+        </p:nvPicPr>
+        <p:blipFill>
+          <a:blip r:embed="rId3"/>
+          <a:stretch>
+            <a:fillRect/>
+          </a:stretch>
+        </p:blipFill>
+        <p:spPr>
+          <a:xfrm>
+            <a:off x="1573406" y="1519588"/>
+            <a:ext cx="5249008" cy="1038370"/>
+          </a:xfrm>
+          <a:prstGeom prst="rect">
+            <a:avLst/>
+          </a:prstGeom>
+        </p:spPr>
+      </p:pic>
+      <p:sp>
+        <p:nvSpPr>
+          <p:cNvPr id="11" name="TextBox 10"/>
+          <p:cNvSpPr txBox="1"/>
+          <p:nvPr/>
+        </p:nvSpPr>
+        <p:spPr>
+          <a:xfrm>
+            <a:off x="1547664" y="4557762"/>
+            <a:ext cx="7200800" cy="307777"/>
+          </a:xfrm>
+          <a:prstGeom prst="rect">
+            <a:avLst/>
+          </a:prstGeom>
+          <a:noFill/>
+        </p:spPr>
+        <p:txBody>
+          <a:bodyPr wrap="square" rtlCol="0">
+            <a:spAutoFit/>
+          </a:bodyPr>
+          <a:lstStyle/>
+          <a:p>
+            <a:r>
+              <a:rPr lang="en-US" sz="1400" dirty="0" smtClean="0">
+                <a:latin typeface="Arial" panose="020B0604020202020204" pitchFamily="34" charset="0"/>
+                <a:cs typeface="Arial" panose="020B0604020202020204" pitchFamily="34" charset="0"/>
+              </a:rPr>
+              <a:t>{{}} =&gt; </a:t>
+            </a:r>
+            <a:r>
+              <a:rPr lang="en-US" sz="1400" dirty="0" err="1" smtClean="0">
+                <a:latin typeface="Arial" panose="020B0604020202020204" pitchFamily="34" charset="0"/>
+                <a:cs typeface="Arial" panose="020B0604020202020204" pitchFamily="34" charset="0"/>
+              </a:rPr>
+              <a:t>interpolacija</a:t>
+            </a:r>
+            <a:r>
+              <a:rPr lang="en-US" sz="1400" dirty="0" smtClean="0">
+                <a:latin typeface="Arial" panose="020B0604020202020204" pitchFamily="34" charset="0"/>
+                <a:cs typeface="Arial" panose="020B0604020202020204" pitchFamily="34" charset="0"/>
+              </a:rPr>
+              <a:t>. </a:t>
+            </a:r>
+            <a:r>
+              <a:rPr lang="en-US" sz="1400" dirty="0" err="1" smtClean="0">
+                <a:latin typeface="Arial" panose="020B0604020202020204" pitchFamily="34" charset="0"/>
+                <a:cs typeface="Arial" panose="020B0604020202020204" pitchFamily="34" charset="0"/>
+              </a:rPr>
+              <a:t>Projektovanje</a:t>
+            </a:r>
+            <a:r>
+              <a:rPr lang="en-US" sz="1400" dirty="0" smtClean="0">
+                <a:latin typeface="Arial" panose="020B0604020202020204" pitchFamily="34" charset="0"/>
+                <a:cs typeface="Arial" panose="020B0604020202020204" pitchFamily="34" charset="0"/>
+              </a:rPr>
+              <a:t> </a:t>
+            </a:r>
+            <a:r>
+              <a:rPr lang="en-US" sz="1400" dirty="0" err="1" smtClean="0">
+                <a:latin typeface="Arial" panose="020B0604020202020204" pitchFamily="34" charset="0"/>
+                <a:cs typeface="Arial" panose="020B0604020202020204" pitchFamily="34" charset="0"/>
+              </a:rPr>
+              <a:t>vrednosti</a:t>
+            </a:r>
+            <a:r>
+              <a:rPr lang="en-US" sz="1400" dirty="0" smtClean="0">
+                <a:latin typeface="Arial" panose="020B0604020202020204" pitchFamily="34" charset="0"/>
+                <a:cs typeface="Arial" panose="020B0604020202020204" pitchFamily="34" charset="0"/>
+              </a:rPr>
+              <a:t> </a:t>
+            </a:r>
+            <a:r>
+              <a:rPr lang="en-US" sz="1400" dirty="0" err="1" smtClean="0">
+                <a:latin typeface="Arial" panose="020B0604020202020204" pitchFamily="34" charset="0"/>
+                <a:cs typeface="Arial" panose="020B0604020202020204" pitchFamily="34" charset="0"/>
+              </a:rPr>
+              <a:t>propertia</a:t>
+            </a:r>
+            <a:r>
+              <a:rPr lang="en-US" sz="1400" dirty="0" smtClean="0">
+                <a:latin typeface="Arial" panose="020B0604020202020204" pitchFamily="34" charset="0"/>
+                <a:cs typeface="Arial" panose="020B0604020202020204" pitchFamily="34" charset="0"/>
+              </a:rPr>
+              <a:t> </a:t>
+            </a:r>
+            <a:r>
+              <a:rPr lang="en-US" sz="1400" dirty="0" err="1" smtClean="0">
+                <a:latin typeface="Arial" panose="020B0604020202020204" pitchFamily="34" charset="0"/>
+                <a:cs typeface="Arial" panose="020B0604020202020204" pitchFamily="34" charset="0"/>
+              </a:rPr>
+              <a:t>unutar</a:t>
+            </a:r>
+            <a:r>
+              <a:rPr lang="en-US" sz="1400" dirty="0" smtClean="0">
+                <a:latin typeface="Arial" panose="020B0604020202020204" pitchFamily="34" charset="0"/>
+                <a:cs typeface="Arial" panose="020B0604020202020204" pitchFamily="34" charset="0"/>
+              </a:rPr>
+              <a:t> template-a.</a:t>
+            </a:r>
+            <a:endParaRPr lang="en-US" sz="1400" dirty="0">
+              <a:latin typeface="Arial" panose="020B0604020202020204" pitchFamily="34" charset="0"/>
+              <a:cs typeface="Arial" panose="020B0604020202020204" pitchFamily="34" charset="0"/>
+            </a:endParaRPr>
+          </a:p>
+        </p:txBody>
+      </p:sp>
+    </p:spTree>
+    <p:extLst>
+      <p:ext uri="{BB962C8B-B14F-4D97-AF65-F5344CB8AC3E}">
+        <p14:creationId xmlns:p14="http://schemas.microsoft.com/office/powerpoint/2010/main" val="1624167610"/>
+      </p:ext>
+    </p:extLst>
+  </p:cSld>
+  <p:clrMapOvr>
+    <a:masterClrMapping/>
+  </p:clrMapOvr>
+  <p:timing>
+    <p:tnLst>
+      <p:par>
+        <p:cTn id="1" dur="indefinite" restart="never" nodeType="tmRoot">
+          <p:childTnLst>
+            <p:seq concurrent="1" nextAc="seek">
+              <p:cTn id="2" dur="indefinite" nodeType="mainSeq">
+                <p:childTnLst>
+                  <p:par>
+                    <p:cTn id="3" fill="hold">
+                      <p:stCondLst>
+                        <p:cond delay="indefinite"/>
+                      </p:stCondLst>
+                      <p:childTnLst>
+                        <p:par>
+                          <p:cTn id="4" fill="hold">
+                            <p:stCondLst>
+                              <p:cond delay="0"/>
+                            </p:stCondLst>
+                            <p:childTnLst>
+                              <p:par>
+                                <p:cTn id="5" presetID="2" presetClass="entr" presetSubtype="4" fill="hold" grpId="0" nodeType="clickEffect">
+                                  <p:stCondLst>
+                                    <p:cond delay="0"/>
+                                  </p:stCondLst>
+                                  <p:childTnLst>
+                                    <p:set>
+                                      <p:cBhvr>
+                                        <p:cTn id="6" dur="1" fill="hold">
+                                          <p:stCondLst>
+                                            <p:cond delay="0"/>
+                                          </p:stCondLst>
+                                        </p:cTn>
+                                        <p:tgtEl>
+                                          <p:spTgt spid="5"/>
+                                        </p:tgtEl>
+                                        <p:attrNameLst>
+                                          <p:attrName>style.visibility</p:attrName>
+                                        </p:attrNameLst>
+                                      </p:cBhvr>
+                                      <p:to>
+                                        <p:strVal val="visible"/>
+                                      </p:to>
+                                    </p:set>
+                                    <p:anim calcmode="lin" valueType="num">
+                                      <p:cBhvr additive="base">
+                                        <p:cTn id="7" dur="500" fill="hold"/>
+                                        <p:tgtEl>
+                                          <p:spTgt spid="5"/>
+                                        </p:tgtEl>
+                                        <p:attrNameLst>
+                                          <p:attrName>ppt_x</p:attrName>
+                                        </p:attrNameLst>
+                                      </p:cBhvr>
+                                      <p:tavLst>
+                                        <p:tav tm="0">
+                                          <p:val>
+                                            <p:strVal val="#ppt_x"/>
+                                          </p:val>
+                                        </p:tav>
+                                        <p:tav tm="100000">
+                                          <p:val>
+                                            <p:strVal val="#ppt_x"/>
+                                          </p:val>
+                                        </p:tav>
+                                      </p:tavLst>
+                                    </p:anim>
+                                    <p:anim calcmode="lin" valueType="num">
+                                      <p:cBhvr additive="base">
+                                        <p:cTn id="8" dur="500" fill="hold"/>
+                                        <p:tgtEl>
+                                          <p:spTgt spid="5"/>
+                                        </p:tgtEl>
+                                        <p:attrNameLst>
+                                          <p:attrName>ppt_y</p:attrName>
+                                        </p:attrNameLst>
+                                      </p:cBhvr>
+                                      <p:tavLst>
+                                        <p:tav tm="0">
+                                          <p:val>
+                                            <p:strVal val="1+#ppt_h/2"/>
+                                          </p:val>
+                                        </p:tav>
+                                        <p:tav tm="100000">
+                                          <p:val>
+                                            <p:strVal val="#ppt_y"/>
+                                          </p:val>
+                                        </p:tav>
+                                      </p:tavLst>
+                                    </p:anim>
+                                  </p:childTnLst>
+                                </p:cTn>
+                              </p:par>
+                            </p:childTnLst>
+                          </p:cTn>
+                        </p:par>
+                      </p:childTnLst>
+                    </p:cTn>
+                  </p:par>
+                  <p:par>
+                    <p:cTn id="9" fill="hold">
+                      <p:stCondLst>
+                        <p:cond delay="indefinite"/>
+                      </p:stCondLst>
+                      <p:childTnLst>
+                        <p:par>
+                          <p:cTn id="10" fill="hold">
+                            <p:stCondLst>
+                              <p:cond delay="0"/>
+                            </p:stCondLst>
+                            <p:childTnLst>
+                              <p:par>
+                                <p:cTn id="11" presetID="2" presetClass="entr" presetSubtype="4" fill="hold" nodeType="clickEffect">
+                                  <p:stCondLst>
+                                    <p:cond delay="0"/>
+                                  </p:stCondLst>
+                                  <p:childTnLst>
+                                    <p:set>
+                                      <p:cBhvr>
+                                        <p:cTn id="12" dur="1" fill="hold">
+                                          <p:stCondLst>
+                                            <p:cond delay="0"/>
+                                          </p:stCondLst>
+                                        </p:cTn>
+                                        <p:tgtEl>
+                                          <p:spTgt spid="4"/>
+                                        </p:tgtEl>
+                                        <p:attrNameLst>
+                                          <p:attrName>style.visibility</p:attrName>
+                                        </p:attrNameLst>
+                                      </p:cBhvr>
+                                      <p:to>
+                                        <p:strVal val="visible"/>
+                                      </p:to>
+                                    </p:set>
+                                    <p:anim calcmode="lin" valueType="num">
+                                      <p:cBhvr additive="base">
+                                        <p:cTn id="13" dur="500" fill="hold"/>
+                                        <p:tgtEl>
+                                          <p:spTgt spid="4"/>
+                                        </p:tgtEl>
+                                        <p:attrNameLst>
+                                          <p:attrName>ppt_x</p:attrName>
+                                        </p:attrNameLst>
+                                      </p:cBhvr>
+                                      <p:tavLst>
+                                        <p:tav tm="0">
+                                          <p:val>
+                                            <p:strVal val="#ppt_x"/>
+                                          </p:val>
+                                        </p:tav>
+                                        <p:tav tm="100000">
+                                          <p:val>
+                                            <p:strVal val="#ppt_x"/>
+                                          </p:val>
+                                        </p:tav>
+                                      </p:tavLst>
+                                    </p:anim>
+                                    <p:anim calcmode="lin" valueType="num">
+                                      <p:cBhvr additive="base">
+                                        <p:cTn id="14" dur="500" fill="hold"/>
+                                        <p:tgtEl>
+                                          <p:spTgt spid="4"/>
+                                        </p:tgtEl>
+                                        <p:attrNameLst>
+                                          <p:attrName>ppt_y</p:attrName>
+                                        </p:attrNameLst>
+                                      </p:cBhvr>
+                                      <p:tavLst>
+                                        <p:tav tm="0">
+                                          <p:val>
+                                            <p:strVal val="1+#ppt_h/2"/>
+                                          </p:val>
+                                        </p:tav>
+                                        <p:tav tm="100000">
+                                          <p:val>
+                                            <p:strVal val="#ppt_y"/>
+                                          </p:val>
+                                        </p:tav>
+                                      </p:tavLst>
+                                    </p:anim>
+                                  </p:childTnLst>
+                                </p:cTn>
+                              </p:par>
+                            </p:childTnLst>
+                          </p:cTn>
+                        </p:par>
+                      </p:childTnLst>
+                    </p:cTn>
+                  </p:par>
+                  <p:par>
+                    <p:cTn id="15" fill="hold">
+                      <p:stCondLst>
+                        <p:cond delay="indefinite"/>
+                      </p:stCondLst>
+                      <p:childTnLst>
+                        <p:par>
+                          <p:cTn id="16" fill="hold">
+                            <p:stCondLst>
+                              <p:cond delay="0"/>
+                            </p:stCondLst>
+                            <p:childTnLst>
+                              <p:par>
+                                <p:cTn id="17" presetID="2" presetClass="entr" presetSubtype="4" fill="hold" nodeType="clickEffect">
+                                  <p:stCondLst>
+                                    <p:cond delay="0"/>
+                                  </p:stCondLst>
+                                  <p:childTnLst>
+                                    <p:set>
+                                      <p:cBhvr>
+                                        <p:cTn id="18" dur="1" fill="hold">
+                                          <p:stCondLst>
+                                            <p:cond delay="0"/>
+                                          </p:stCondLst>
+                                        </p:cTn>
+                                        <p:tgtEl>
+                                          <p:spTgt spid="2"/>
+                                        </p:tgtEl>
+                                        <p:attrNameLst>
+                                          <p:attrName>style.visibility</p:attrName>
+                                        </p:attrNameLst>
+                                      </p:cBhvr>
+                                      <p:to>
+                                        <p:strVal val="visible"/>
+                                      </p:to>
+                                    </p:set>
+                                    <p:anim calcmode="lin" valueType="num">
+                                      <p:cBhvr additive="base">
+                                        <p:cTn id="19" dur="500" fill="hold"/>
+                                        <p:tgtEl>
+                                          <p:spTgt spid="2"/>
+                                        </p:tgtEl>
+                                        <p:attrNameLst>
+                                          <p:attrName>ppt_x</p:attrName>
+                                        </p:attrNameLst>
+                                      </p:cBhvr>
+                                      <p:tavLst>
+                                        <p:tav tm="0">
+                                          <p:val>
+                                            <p:strVal val="#ppt_x"/>
+                                          </p:val>
+                                        </p:tav>
+                                        <p:tav tm="100000">
+                                          <p:val>
+                                            <p:strVal val="#ppt_x"/>
+                                          </p:val>
+                                        </p:tav>
+                                      </p:tavLst>
+                                    </p:anim>
+                                    <p:anim calcmode="lin" valueType="num">
+                                      <p:cBhvr additive="base">
+                                        <p:cTn id="20" dur="500" fill="hold"/>
+                                        <p:tgtEl>
+                                          <p:spTgt spid="2"/>
+                                        </p:tgtEl>
+                                        <p:attrNameLst>
+                                          <p:attrName>ppt_y</p:attrName>
+                                        </p:attrNameLst>
+                                      </p:cBhvr>
+                                      <p:tavLst>
+                                        <p:tav tm="0">
+                                          <p:val>
+                                            <p:strVal val="1+#ppt_h/2"/>
+                                          </p:val>
+                                        </p:tav>
+                                        <p:tav tm="100000">
+                                          <p:val>
+                                            <p:strVal val="#ppt_y"/>
+                                          </p:val>
+                                        </p:tav>
+                                      </p:tavLst>
+                                    </p:anim>
+                                  </p:childTnLst>
+                                </p:cTn>
+                              </p:par>
+                            </p:childTnLst>
+                          </p:cTn>
+                        </p:par>
+                      </p:childTnLst>
+                    </p:cTn>
+                  </p:par>
+                  <p:par>
+                    <p:cTn id="21" fill="hold">
+                      <p:stCondLst>
+                        <p:cond delay="indefinite"/>
+                      </p:stCondLst>
+                      <p:childTnLst>
+                        <p:par>
+                          <p:cTn id="22" fill="hold">
+                            <p:stCondLst>
+                              <p:cond delay="0"/>
+                            </p:stCondLst>
+                            <p:childTnLst>
+                              <p:par>
+                                <p:cTn id="23" presetID="2" presetClass="entr" presetSubtype="4" fill="hold" grpId="0" nodeType="clickEffect">
+                                  <p:stCondLst>
+                                    <p:cond delay="0"/>
+                                  </p:stCondLst>
+                                  <p:childTnLst>
+                                    <p:set>
+                                      <p:cBhvr>
+                                        <p:cTn id="24" dur="1" fill="hold">
+                                          <p:stCondLst>
+                                            <p:cond delay="0"/>
+                                          </p:stCondLst>
+                                        </p:cTn>
+                                        <p:tgtEl>
+                                          <p:spTgt spid="11"/>
+                                        </p:tgtEl>
+                                        <p:attrNameLst>
+                                          <p:attrName>style.visibility</p:attrName>
+                                        </p:attrNameLst>
+                                      </p:cBhvr>
+                                      <p:to>
+                                        <p:strVal val="visible"/>
+                                      </p:to>
+                                    </p:set>
+                                    <p:anim calcmode="lin" valueType="num">
+                                      <p:cBhvr additive="base">
+                                        <p:cTn id="25" dur="500" fill="hold"/>
+                                        <p:tgtEl>
+                                          <p:spTgt spid="11"/>
+                                        </p:tgtEl>
+                                        <p:attrNameLst>
+                                          <p:attrName>ppt_x</p:attrName>
+                                        </p:attrNameLst>
+                                      </p:cBhvr>
+                                      <p:tavLst>
+                                        <p:tav tm="0">
+                                          <p:val>
+                                            <p:strVal val="#ppt_x"/>
+                                          </p:val>
+                                        </p:tav>
+                                        <p:tav tm="100000">
+                                          <p:val>
+                                            <p:strVal val="#ppt_x"/>
+                                          </p:val>
+                                        </p:tav>
+                                      </p:tavLst>
+                                    </p:anim>
+                                    <p:anim calcmode="lin" valueType="num">
+                                      <p:cBhvr additive="base">
+                                        <p:cTn id="26" dur="500" fill="hold"/>
+                                        <p:tgtEl>
+                                          <p:spTgt spid="11"/>
+                                        </p:tgtEl>
+                                        <p:attrNameLst>
+                                          <p:attrName>ppt_y</p:attrName>
+                                        </p:attrNameLst>
+                                      </p:cBhvr>
+                                      <p:tavLst>
+                                        <p:tav tm="0">
+                                          <p:val>
+                                            <p:strVal val="1+#ppt_h/2"/>
+                                          </p:val>
+                                        </p:tav>
+                                        <p:tav tm="100000">
+                                          <p:val>
+                                            <p:strVal val="#ppt_y"/>
+                                          </p:val>
+                                        </p:tav>
+                                      </p:tavLst>
+                                    </p:anim>
+                                  </p:childTnLst>
+                                </p:cTn>
+                              </p:par>
+                            </p:childTnLst>
+                          </p:cTn>
+                        </p:par>
+                      </p:childTnLst>
+                    </p:cTn>
+                  </p:par>
+                </p:childTnLst>
+              </p:cTn>
+              <p:prevCondLst>
+                <p:cond evt="onPrev" delay="0">
+                  <p:tgtEl>
+                    <p:sldTgt/>
+                  </p:tgtEl>
+                </p:cond>
+              </p:prevCondLst>
+              <p:nextCondLst>
+                <p:cond evt="onNext" delay="0">
+                  <p:tgtEl>
+                    <p:sldTgt/>
+                  </p:tgtEl>
+                </p:cond>
+              </p:nextCondLst>
+            </p:seq>
+          </p:childTnLst>
+        </p:cTn>
+      </p:par>
+    </p:tnLst>
+    <p:bldLst>
+      <p:bldP spid="5" grpId="0"/>
+      <p:bldP spid="11" grpId="0"/>
+    </p:bldLst>
+  </p:timing>
+</p:sld>
+</file>
+
+<file path=ppt/slides/slide36.xml><?xml version="1.0" encoding="utf-8"?>
+<p:sld xmlns:a="http://schemas.openxmlformats.org/drawingml/2006/main" xmlns:r="http://schemas.openxmlformats.org/officeDocument/2006/relationships" xmlns:p="http://schemas.openxmlformats.org/presentationml/2006/main">
+  <p:cSld>
+    <p:spTree>
+      <p:nvGrpSpPr>
+        <p:cNvPr id="1" name=""/>
+        <p:cNvGrpSpPr/>
+        <p:nvPr/>
+      </p:nvGrpSpPr>
+      <p:grpSpPr>
+        <a:xfrm>
+          <a:off x="0" y="0"/>
+          <a:ext cx="0" cy="0"/>
+          <a:chOff x="0" y="0"/>
+          <a:chExt cx="0" cy="0"/>
+        </a:xfrm>
+      </p:grpSpPr>
+      <p:sp>
+        <p:nvSpPr>
+          <p:cNvPr id="3" name="Title 2"/>
+          <p:cNvSpPr>
+            <a:spLocks noGrp="1"/>
+          </p:cNvSpPr>
+          <p:nvPr>
+            <p:ph type="title"/>
+          </p:nvPr>
+        </p:nvSpPr>
+        <p:spPr>
+          <a:xfrm>
+            <a:off x="1619672" y="-1"/>
+            <a:ext cx="7524328" cy="771551"/>
+          </a:xfrm>
+        </p:spPr>
+        <p:txBody>
+          <a:bodyPr/>
+          <a:lstStyle/>
+          <a:p>
+            <a:pPr algn="ctr"/>
+            <a:r>
+              <a:rPr lang="en-US" altLang="ko-KR" dirty="0"/>
+              <a:t>Prva </a:t>
+            </a:r>
+            <a:r>
+              <a:rPr lang="en-US" altLang="ko-KR" dirty="0" err="1"/>
+              <a:t>Komponenta</a:t>
+            </a:r>
+            <a:endParaRPr lang="ko-KR" altLang="en-US" dirty="0"/>
+          </a:p>
+        </p:txBody>
+      </p:sp>
+      <p:sp>
+        <p:nvSpPr>
+          <p:cNvPr id="5" name="TextBox 4"/>
+          <p:cNvSpPr txBox="1"/>
+          <p:nvPr/>
+        </p:nvSpPr>
+        <p:spPr>
+          <a:xfrm>
+            <a:off x="1585231" y="1053629"/>
+            <a:ext cx="7200800" cy="307777"/>
+          </a:xfrm>
+          <a:prstGeom prst="rect">
+            <a:avLst/>
+          </a:prstGeom>
+          <a:noFill/>
+        </p:spPr>
+        <p:txBody>
+          <a:bodyPr wrap="square" rtlCol="0">
+            <a:spAutoFit/>
+          </a:bodyPr>
+          <a:lstStyle/>
+          <a:p>
+            <a:r>
+              <a:rPr lang="en-US" sz="1400" dirty="0" err="1" smtClean="0">
+                <a:latin typeface="Arial" panose="020B0604020202020204" pitchFamily="34" charset="0"/>
+                <a:cs typeface="Arial" panose="020B0604020202020204" pitchFamily="34" charset="0"/>
+              </a:rPr>
+              <a:t>Modifikacija</a:t>
+            </a:r>
+            <a:r>
+              <a:rPr lang="en-US" sz="1400" dirty="0" smtClean="0">
+                <a:latin typeface="Arial" panose="020B0604020202020204" pitchFamily="34" charset="0"/>
+                <a:cs typeface="Arial" panose="020B0604020202020204" pitchFamily="34" charset="0"/>
+              </a:rPr>
+              <a:t> app.component.html </a:t>
+            </a:r>
+            <a:r>
+              <a:rPr lang="en-US" sz="1400" dirty="0" err="1" smtClean="0">
+                <a:latin typeface="Arial" panose="020B0604020202020204" pitchFamily="34" charset="0"/>
+                <a:cs typeface="Arial" panose="020B0604020202020204" pitchFamily="34" charset="0"/>
+              </a:rPr>
+              <a:t>fajla</a:t>
+            </a:r>
+            <a:endParaRPr lang="en-US" sz="1400" dirty="0">
+              <a:latin typeface="Arial" panose="020B0604020202020204" pitchFamily="34" charset="0"/>
+              <a:cs typeface="Arial" panose="020B0604020202020204" pitchFamily="34" charset="0"/>
+            </a:endParaRPr>
+          </a:p>
+        </p:txBody>
+      </p:sp>
+      <p:pic>
+        <p:nvPicPr>
+          <p:cNvPr id="6" name="Picture 5"/>
+          <p:cNvPicPr>
+            <a:picLocks noChangeAspect="1"/>
+          </p:cNvPicPr>
+          <p:nvPr/>
+        </p:nvPicPr>
+        <p:blipFill>
+          <a:blip r:embed="rId2"/>
+          <a:stretch>
+            <a:fillRect/>
+          </a:stretch>
+        </p:blipFill>
+        <p:spPr>
+          <a:xfrm>
+            <a:off x="1691680" y="1491630"/>
+            <a:ext cx="3534268" cy="1533739"/>
+          </a:xfrm>
+          <a:prstGeom prst="rect">
+            <a:avLst/>
+          </a:prstGeom>
+        </p:spPr>
+      </p:pic>
+      <p:pic>
+        <p:nvPicPr>
+          <p:cNvPr id="7" name="Picture 6"/>
+          <p:cNvPicPr>
+            <a:picLocks noChangeAspect="1"/>
+          </p:cNvPicPr>
+          <p:nvPr/>
+        </p:nvPicPr>
+        <p:blipFill>
+          <a:blip r:embed="rId3"/>
+          <a:stretch>
+            <a:fillRect/>
+          </a:stretch>
+        </p:blipFill>
+        <p:spPr>
+          <a:xfrm>
+            <a:off x="1691680" y="3165333"/>
+            <a:ext cx="6935168" cy="1714739"/>
+          </a:xfrm>
+          <a:prstGeom prst="rect">
+            <a:avLst/>
+          </a:prstGeom>
+        </p:spPr>
+      </p:pic>
+    </p:spTree>
+    <p:extLst>
+      <p:ext uri="{BB962C8B-B14F-4D97-AF65-F5344CB8AC3E}">
+        <p14:creationId xmlns:p14="http://schemas.microsoft.com/office/powerpoint/2010/main" val="1487954096"/>
+      </p:ext>
+    </p:extLst>
+  </p:cSld>
+  <p:clrMapOvr>
+    <a:masterClrMapping/>
+  </p:clrMapOvr>
+  <p:timing>
+    <p:tnLst>
+      <p:par>
+        <p:cTn id="1" dur="indefinite" restart="never" nodeType="tmRoot">
+          <p:childTnLst>
+            <p:seq concurrent="1" nextAc="seek">
+              <p:cTn id="2" dur="indefinite" nodeType="mainSeq">
+                <p:childTnLst>
+                  <p:par>
+                    <p:cTn id="3" fill="hold">
+                      <p:stCondLst>
+                        <p:cond delay="indefinite"/>
+                      </p:stCondLst>
+                      <p:childTnLst>
+                        <p:par>
+                          <p:cTn id="4" fill="hold">
+                            <p:stCondLst>
+                              <p:cond delay="0"/>
+                            </p:stCondLst>
+                            <p:childTnLst>
+                              <p:par>
+                                <p:cTn id="5" presetID="2" presetClass="entr" presetSubtype="4" fill="hold" grpId="0" nodeType="clickEffect">
+                                  <p:stCondLst>
+                                    <p:cond delay="0"/>
+                                  </p:stCondLst>
+                                  <p:childTnLst>
+                                    <p:set>
+                                      <p:cBhvr>
+                                        <p:cTn id="6" dur="1" fill="hold">
+                                          <p:stCondLst>
+                                            <p:cond delay="0"/>
+                                          </p:stCondLst>
+                                        </p:cTn>
+                                        <p:tgtEl>
+                                          <p:spTgt spid="5"/>
+                                        </p:tgtEl>
+                                        <p:attrNameLst>
+                                          <p:attrName>style.visibility</p:attrName>
+                                        </p:attrNameLst>
+                                      </p:cBhvr>
+                                      <p:to>
+                                        <p:strVal val="visible"/>
+                                      </p:to>
+                                    </p:set>
+                                    <p:anim calcmode="lin" valueType="num">
+                                      <p:cBhvr additive="base">
+                                        <p:cTn id="7" dur="500" fill="hold"/>
+                                        <p:tgtEl>
+                                          <p:spTgt spid="5"/>
+                                        </p:tgtEl>
+                                        <p:attrNameLst>
+                                          <p:attrName>ppt_x</p:attrName>
+                                        </p:attrNameLst>
+                                      </p:cBhvr>
+                                      <p:tavLst>
+                                        <p:tav tm="0">
+                                          <p:val>
+                                            <p:strVal val="#ppt_x"/>
+                                          </p:val>
+                                        </p:tav>
+                                        <p:tav tm="100000">
+                                          <p:val>
+                                            <p:strVal val="#ppt_x"/>
+                                          </p:val>
+                                        </p:tav>
+                                      </p:tavLst>
+                                    </p:anim>
+                                    <p:anim calcmode="lin" valueType="num">
+                                      <p:cBhvr additive="base">
+                                        <p:cTn id="8" dur="500" fill="hold"/>
+                                        <p:tgtEl>
+                                          <p:spTgt spid="5"/>
+                                        </p:tgtEl>
+                                        <p:attrNameLst>
+                                          <p:attrName>ppt_y</p:attrName>
+                                        </p:attrNameLst>
+                                      </p:cBhvr>
+                                      <p:tavLst>
+                                        <p:tav tm="0">
+                                          <p:val>
+                                            <p:strVal val="1+#ppt_h/2"/>
+                                          </p:val>
+                                        </p:tav>
+                                        <p:tav tm="100000">
+                                          <p:val>
+                                            <p:strVal val="#ppt_y"/>
+                                          </p:val>
+                                        </p:tav>
+                                      </p:tavLst>
+                                    </p:anim>
+                                  </p:childTnLst>
+                                </p:cTn>
+                              </p:par>
+                            </p:childTnLst>
+                          </p:cTn>
+                        </p:par>
+                      </p:childTnLst>
+                    </p:cTn>
+                  </p:par>
+                  <p:par>
+                    <p:cTn id="9" fill="hold">
+                      <p:stCondLst>
+                        <p:cond delay="indefinite"/>
+                      </p:stCondLst>
+                      <p:childTnLst>
+                        <p:par>
+                          <p:cTn id="10" fill="hold">
+                            <p:stCondLst>
+                              <p:cond delay="0"/>
+                            </p:stCondLst>
+                            <p:childTnLst>
+                              <p:par>
+                                <p:cTn id="11" presetID="2" presetClass="entr" presetSubtype="4" fill="hold" nodeType="clickEffect">
+                                  <p:stCondLst>
+                                    <p:cond delay="0"/>
+                                  </p:stCondLst>
+                                  <p:childTnLst>
+                                    <p:set>
+                                      <p:cBhvr>
+                                        <p:cTn id="12" dur="1" fill="hold">
+                                          <p:stCondLst>
+                                            <p:cond delay="0"/>
+                                          </p:stCondLst>
+                                        </p:cTn>
+                                        <p:tgtEl>
+                                          <p:spTgt spid="6"/>
+                                        </p:tgtEl>
+                                        <p:attrNameLst>
+                                          <p:attrName>style.visibility</p:attrName>
+                                        </p:attrNameLst>
+                                      </p:cBhvr>
+                                      <p:to>
+                                        <p:strVal val="visible"/>
+                                      </p:to>
+                                    </p:set>
+                                    <p:anim calcmode="lin" valueType="num">
+                                      <p:cBhvr additive="base">
+                                        <p:cTn id="13" dur="500" fill="hold"/>
+                                        <p:tgtEl>
+                                          <p:spTgt spid="6"/>
+                                        </p:tgtEl>
+                                        <p:attrNameLst>
+                                          <p:attrName>ppt_x</p:attrName>
+                                        </p:attrNameLst>
+                                      </p:cBhvr>
+                                      <p:tavLst>
+                                        <p:tav tm="0">
+                                          <p:val>
+                                            <p:strVal val="#ppt_x"/>
+                                          </p:val>
+                                        </p:tav>
+                                        <p:tav tm="100000">
+                                          <p:val>
+                                            <p:strVal val="#ppt_x"/>
+                                          </p:val>
+                                        </p:tav>
+                                      </p:tavLst>
+                                    </p:anim>
+                                    <p:anim calcmode="lin" valueType="num">
+                                      <p:cBhvr additive="base">
+                                        <p:cTn id="14" dur="500" fill="hold"/>
+                                        <p:tgtEl>
+                                          <p:spTgt spid="6"/>
+                                        </p:tgtEl>
+                                        <p:attrNameLst>
+                                          <p:attrName>ppt_y</p:attrName>
+                                        </p:attrNameLst>
+                                      </p:cBhvr>
+                                      <p:tavLst>
+                                        <p:tav tm="0">
+                                          <p:val>
+                                            <p:strVal val="1+#ppt_h/2"/>
+                                          </p:val>
+                                        </p:tav>
+                                        <p:tav tm="100000">
+                                          <p:val>
+                                            <p:strVal val="#ppt_y"/>
+                                          </p:val>
+                                        </p:tav>
+                                      </p:tavLst>
+                                    </p:anim>
+                                  </p:childTnLst>
+                                </p:cTn>
+                              </p:par>
+                            </p:childTnLst>
+                          </p:cTn>
+                        </p:par>
+                      </p:childTnLst>
+                    </p:cTn>
+                  </p:par>
+                  <p:par>
+                    <p:cTn id="15" fill="hold">
+                      <p:stCondLst>
+                        <p:cond delay="indefinite"/>
+                      </p:stCondLst>
+                      <p:childTnLst>
+                        <p:par>
+                          <p:cTn id="16" fill="hold">
+                            <p:stCondLst>
+                              <p:cond delay="0"/>
+                            </p:stCondLst>
+                            <p:childTnLst>
+                              <p:par>
+                                <p:cTn id="17" presetID="2" presetClass="entr" presetSubtype="4" fill="hold" nodeType="clickEffect">
+                                  <p:stCondLst>
+                                    <p:cond delay="0"/>
+                                  </p:stCondLst>
+                                  <p:childTnLst>
+                                    <p:set>
+                                      <p:cBhvr>
+                                        <p:cTn id="18" dur="1" fill="hold">
+                                          <p:stCondLst>
+                                            <p:cond delay="0"/>
+                                          </p:stCondLst>
+                                        </p:cTn>
+                                        <p:tgtEl>
+                                          <p:spTgt spid="7"/>
+                                        </p:tgtEl>
+                                        <p:attrNameLst>
+                                          <p:attrName>style.visibility</p:attrName>
+                                        </p:attrNameLst>
+                                      </p:cBhvr>
+                                      <p:to>
+                                        <p:strVal val="visible"/>
+                                      </p:to>
+                                    </p:set>
+                                    <p:anim calcmode="lin" valueType="num">
+                                      <p:cBhvr additive="base">
+                                        <p:cTn id="19" dur="500" fill="hold"/>
+                                        <p:tgtEl>
+                                          <p:spTgt spid="7"/>
+                                        </p:tgtEl>
+                                        <p:attrNameLst>
+                                          <p:attrName>ppt_x</p:attrName>
+                                        </p:attrNameLst>
+                                      </p:cBhvr>
+                                      <p:tavLst>
+                                        <p:tav tm="0">
+                                          <p:val>
+                                            <p:strVal val="#ppt_x"/>
+                                          </p:val>
+                                        </p:tav>
+                                        <p:tav tm="100000">
+                                          <p:val>
+                                            <p:strVal val="#ppt_x"/>
+                                          </p:val>
+                                        </p:tav>
+                                      </p:tavLst>
+                                    </p:anim>
+                                    <p:anim calcmode="lin" valueType="num">
+                                      <p:cBhvr additive="base">
+                                        <p:cTn id="20" dur="500" fill="hold"/>
+                                        <p:tgtEl>
+                                          <p:spTgt spid="7"/>
+                                        </p:tgtEl>
+                                        <p:attrNameLst>
+                                          <p:attrName>ppt_y</p:attrName>
+                                        </p:attrNameLst>
+                                      </p:cBhvr>
+                                      <p:tavLst>
+                                        <p:tav tm="0">
+                                          <p:val>
+                                            <p:strVal val="1+#ppt_h/2"/>
+                                          </p:val>
+                                        </p:tav>
+                                        <p:tav tm="100000">
+                                          <p:val>
+                                            <p:strVal val="#ppt_y"/>
+                                          </p:val>
+                                        </p:tav>
+                                      </p:tavLst>
+                                    </p:anim>
+                                  </p:childTnLst>
+                                </p:cTn>
+                              </p:par>
+                            </p:childTnLst>
+                          </p:cTn>
+                        </p:par>
+                      </p:childTnLst>
+                    </p:cTn>
+                  </p:par>
+                </p:childTnLst>
+              </p:cTn>
+              <p:prevCondLst>
+                <p:cond evt="onPrev" delay="0">
+                  <p:tgtEl>
+                    <p:sldTgt/>
+                  </p:tgtEl>
+                </p:cond>
+              </p:prevCondLst>
+              <p:nextCondLst>
+                <p:cond evt="onNext" delay="0">
+                  <p:tgtEl>
+                    <p:sldTgt/>
+                  </p:tgtEl>
+                </p:cond>
+              </p:nextCondLst>
+            </p:seq>
+          </p:childTnLst>
+        </p:cTn>
+      </p:par>
+    </p:tnLst>
+    <p:bldLst>
+      <p:bldP spid="5" grpId="0"/>
     </p:bldLst>
   </p:timing>
 </p:sld>

--- a/.NET Core i Angular Web Dev.pptx
+++ b/.NET Core i Angular Web Dev.pptx
@@ -6,7 +6,7 @@
     <p:sldMasterId id="2147483661" r:id="rId2"/>
   </p:sldMasterIdLst>
   <p:notesMasterIdLst>
-    <p:notesMasterId r:id="rId39"/>
+    <p:notesMasterId r:id="rId54"/>
   </p:notesMasterIdLst>
   <p:sldIdLst>
     <p:sldId id="256" r:id="rId3"/>
@@ -45,6 +45,21 @@
     <p:sldId id="291" r:id="rId36"/>
     <p:sldId id="292" r:id="rId37"/>
     <p:sldId id="293" r:id="rId38"/>
+    <p:sldId id="294" r:id="rId39"/>
+    <p:sldId id="295" r:id="rId40"/>
+    <p:sldId id="296" r:id="rId41"/>
+    <p:sldId id="297" r:id="rId42"/>
+    <p:sldId id="298" r:id="rId43"/>
+    <p:sldId id="299" r:id="rId44"/>
+    <p:sldId id="300" r:id="rId45"/>
+    <p:sldId id="301" r:id="rId46"/>
+    <p:sldId id="302" r:id="rId47"/>
+    <p:sldId id="303" r:id="rId48"/>
+    <p:sldId id="304" r:id="rId49"/>
+    <p:sldId id="305" r:id="rId50"/>
+    <p:sldId id="306" r:id="rId51"/>
+    <p:sldId id="307" r:id="rId52"/>
+    <p:sldId id="308" r:id="rId53"/>
   </p:sldIdLst>
   <p:sldSz cx="9144000" cy="5143500" type="screen16x9"/>
   <p:notesSz cx="6858000" cy="9144000"/>
@@ -184,6 +199,21 @@
             <p14:sldId id="291"/>
             <p14:sldId id="292"/>
             <p14:sldId id="293"/>
+            <p14:sldId id="294"/>
+            <p14:sldId id="295"/>
+            <p14:sldId id="296"/>
+            <p14:sldId id="297"/>
+            <p14:sldId id="298"/>
+            <p14:sldId id="299"/>
+            <p14:sldId id="300"/>
+            <p14:sldId id="301"/>
+            <p14:sldId id="302"/>
+            <p14:sldId id="303"/>
+            <p14:sldId id="304"/>
+            <p14:sldId id="305"/>
+            <p14:sldId id="306"/>
+            <p14:sldId id="307"/>
+            <p14:sldId id="308"/>
           </p14:sldIdLst>
         </p14:section>
       </p14:sectionLst>
@@ -288,7 +318,7 @@
           <a:p>
             <a:fld id="{9395AC98-444F-491B-ACBF-243E6E8872C7}" type="datetimeFigureOut">
               <a:rPr lang="en-US" smtClean="0"/>
-              <a:t>11/30/2018</a:t>
+              <a:t>12/1/2018</a:t>
             </a:fld>
             <a:endParaRPr lang="en-US"/>
           </a:p>
@@ -936,6 +966,366 @@
 </p:notes>
 </file>
 
+<file path=ppt/notesSlides/notesSlide5.xml><?xml version="1.0" encoding="utf-8"?>
+<p:notes xmlns:a="http://schemas.openxmlformats.org/drawingml/2006/main" xmlns:r="http://schemas.openxmlformats.org/officeDocument/2006/relationships" xmlns:p="http://schemas.openxmlformats.org/presentationml/2006/main">
+  <p:cSld>
+    <p:spTree>
+      <p:nvGrpSpPr>
+        <p:cNvPr id="1" name=""/>
+        <p:cNvGrpSpPr/>
+        <p:nvPr/>
+      </p:nvGrpSpPr>
+      <p:grpSpPr>
+        <a:xfrm>
+          <a:off x="0" y="0"/>
+          <a:ext cx="0" cy="0"/>
+          <a:chOff x="0" y="0"/>
+          <a:chExt cx="0" cy="0"/>
+        </a:xfrm>
+      </p:grpSpPr>
+      <p:sp>
+        <p:nvSpPr>
+          <p:cNvPr id="2" name="Slide Image Placeholder 1"/>
+          <p:cNvSpPr>
+            <a:spLocks noGrp="1" noRot="1" noChangeAspect="1"/>
+          </p:cNvSpPr>
+          <p:nvPr>
+            <p:ph type="sldImg"/>
+          </p:nvPr>
+        </p:nvSpPr>
+        <p:spPr/>
+      </p:sp>
+      <p:sp>
+        <p:nvSpPr>
+          <p:cNvPr id="3" name="Notes Placeholder 2"/>
+          <p:cNvSpPr>
+            <a:spLocks noGrp="1"/>
+          </p:cNvSpPr>
+          <p:nvPr>
+            <p:ph type="body" idx="1"/>
+          </p:nvPr>
+        </p:nvSpPr>
+        <p:spPr/>
+        <p:txBody>
+          <a:bodyPr/>
+          <a:lstStyle/>
+          <a:p>
+            <a:r>
+              <a:rPr lang="sr-Latn-RS" dirty="0" smtClean="0"/>
+              <a:t>Tree</a:t>
+            </a:r>
+            <a:r>
+              <a:rPr lang="sr-Latn-RS" baseline="0" dirty="0" smtClean="0"/>
+              <a:t> shaking i zašto se provide-uje u app.modulu tj. root. </a:t>
+            </a:r>
+            <a:endParaRPr lang="en-US" dirty="0"/>
+          </a:p>
+        </p:txBody>
+      </p:sp>
+      <p:sp>
+        <p:nvSpPr>
+          <p:cNvPr id="4" name="Slide Number Placeholder 3"/>
+          <p:cNvSpPr>
+            <a:spLocks noGrp="1"/>
+          </p:cNvSpPr>
+          <p:nvPr>
+            <p:ph type="sldNum" sz="quarter" idx="10"/>
+          </p:nvPr>
+        </p:nvSpPr>
+        <p:spPr/>
+        <p:txBody>
+          <a:bodyPr/>
+          <a:lstStyle/>
+          <a:p>
+            <a:fld id="{6999C38D-9D80-490C-B646-4466274A86CA}" type="slidenum">
+              <a:rPr lang="en-US" smtClean="0"/>
+              <a:t>48</a:t>
+            </a:fld>
+            <a:endParaRPr lang="en-US"/>
+          </a:p>
+        </p:txBody>
+      </p:sp>
+    </p:spTree>
+    <p:extLst>
+      <p:ext uri="{BB962C8B-B14F-4D97-AF65-F5344CB8AC3E}">
+        <p14:creationId xmlns:p14="http://schemas.microsoft.com/office/powerpoint/2010/main" val="1859213452"/>
+      </p:ext>
+    </p:extLst>
+  </p:cSld>
+  <p:clrMapOvr>
+    <a:masterClrMapping/>
+  </p:clrMapOvr>
+</p:notes>
+</file>
+
+<file path=ppt/notesSlides/notesSlide6.xml><?xml version="1.0" encoding="utf-8"?>
+<p:notes xmlns:a="http://schemas.openxmlformats.org/drawingml/2006/main" xmlns:r="http://schemas.openxmlformats.org/officeDocument/2006/relationships" xmlns:p="http://schemas.openxmlformats.org/presentationml/2006/main">
+  <p:cSld>
+    <p:spTree>
+      <p:nvGrpSpPr>
+        <p:cNvPr id="1" name=""/>
+        <p:cNvGrpSpPr/>
+        <p:nvPr/>
+      </p:nvGrpSpPr>
+      <p:grpSpPr>
+        <a:xfrm>
+          <a:off x="0" y="0"/>
+          <a:ext cx="0" cy="0"/>
+          <a:chOff x="0" y="0"/>
+          <a:chExt cx="0" cy="0"/>
+        </a:xfrm>
+      </p:grpSpPr>
+      <p:sp>
+        <p:nvSpPr>
+          <p:cNvPr id="2" name="Slide Image Placeholder 1"/>
+          <p:cNvSpPr>
+            <a:spLocks noGrp="1" noRot="1" noChangeAspect="1"/>
+          </p:cNvSpPr>
+          <p:nvPr>
+            <p:ph type="sldImg"/>
+          </p:nvPr>
+        </p:nvSpPr>
+        <p:spPr/>
+      </p:sp>
+      <p:sp>
+        <p:nvSpPr>
+          <p:cNvPr id="3" name="Notes Placeholder 2"/>
+          <p:cNvSpPr>
+            <a:spLocks noGrp="1"/>
+          </p:cNvSpPr>
+          <p:nvPr>
+            <p:ph type="body" idx="1"/>
+          </p:nvPr>
+        </p:nvSpPr>
+        <p:spPr/>
+        <p:txBody>
+          <a:bodyPr/>
+          <a:lstStyle/>
+          <a:p>
+            <a:endParaRPr lang="en-US" dirty="0"/>
+          </a:p>
+        </p:txBody>
+      </p:sp>
+      <p:sp>
+        <p:nvSpPr>
+          <p:cNvPr id="4" name="Slide Number Placeholder 3"/>
+          <p:cNvSpPr>
+            <a:spLocks noGrp="1"/>
+          </p:cNvSpPr>
+          <p:nvPr>
+            <p:ph type="sldNum" sz="quarter" idx="10"/>
+          </p:nvPr>
+        </p:nvSpPr>
+        <p:spPr/>
+        <p:txBody>
+          <a:bodyPr/>
+          <a:lstStyle/>
+          <a:p>
+            <a:fld id="{6999C38D-9D80-490C-B646-4466274A86CA}" type="slidenum">
+              <a:rPr lang="en-US" smtClean="0"/>
+              <a:t>49</a:t>
+            </a:fld>
+            <a:endParaRPr lang="en-US"/>
+          </a:p>
+        </p:txBody>
+      </p:sp>
+    </p:spTree>
+    <p:extLst>
+      <p:ext uri="{BB962C8B-B14F-4D97-AF65-F5344CB8AC3E}">
+        <p14:creationId xmlns:p14="http://schemas.microsoft.com/office/powerpoint/2010/main" val="2917009922"/>
+      </p:ext>
+    </p:extLst>
+  </p:cSld>
+  <p:clrMapOvr>
+    <a:masterClrMapping/>
+  </p:clrMapOvr>
+</p:notes>
+</file>
+
+<file path=ppt/notesSlides/notesSlide7.xml><?xml version="1.0" encoding="utf-8"?>
+<p:notes xmlns:a="http://schemas.openxmlformats.org/drawingml/2006/main" xmlns:r="http://schemas.openxmlformats.org/officeDocument/2006/relationships" xmlns:p="http://schemas.openxmlformats.org/presentationml/2006/main">
+  <p:cSld>
+    <p:spTree>
+      <p:nvGrpSpPr>
+        <p:cNvPr id="1" name=""/>
+        <p:cNvGrpSpPr/>
+        <p:nvPr/>
+      </p:nvGrpSpPr>
+      <p:grpSpPr>
+        <a:xfrm>
+          <a:off x="0" y="0"/>
+          <a:ext cx="0" cy="0"/>
+          <a:chOff x="0" y="0"/>
+          <a:chExt cx="0" cy="0"/>
+        </a:xfrm>
+      </p:grpSpPr>
+      <p:sp>
+        <p:nvSpPr>
+          <p:cNvPr id="2" name="Slide Image Placeholder 1"/>
+          <p:cNvSpPr>
+            <a:spLocks noGrp="1" noRot="1" noChangeAspect="1"/>
+          </p:cNvSpPr>
+          <p:nvPr>
+            <p:ph type="sldImg"/>
+          </p:nvPr>
+        </p:nvSpPr>
+        <p:spPr/>
+      </p:sp>
+      <p:sp>
+        <p:nvSpPr>
+          <p:cNvPr id="3" name="Notes Placeholder 2"/>
+          <p:cNvSpPr>
+            <a:spLocks noGrp="1"/>
+          </p:cNvSpPr>
+          <p:nvPr>
+            <p:ph type="body" idx="1"/>
+          </p:nvPr>
+        </p:nvSpPr>
+        <p:spPr/>
+        <p:txBody>
+          <a:bodyPr/>
+          <a:lstStyle/>
+          <a:p>
+            <a:r>
+              <a:rPr lang="sr-Latn-RS" dirty="0" smtClean="0"/>
+              <a:t>Tree</a:t>
+            </a:r>
+            <a:r>
+              <a:rPr lang="sr-Latn-RS" baseline="0" dirty="0" smtClean="0"/>
+              <a:t> shaking i zašto se provide-uje u app.modulu tj. root. </a:t>
+            </a:r>
+            <a:endParaRPr lang="en-US" dirty="0"/>
+          </a:p>
+        </p:txBody>
+      </p:sp>
+      <p:sp>
+        <p:nvSpPr>
+          <p:cNvPr id="4" name="Slide Number Placeholder 3"/>
+          <p:cNvSpPr>
+            <a:spLocks noGrp="1"/>
+          </p:cNvSpPr>
+          <p:nvPr>
+            <p:ph type="sldNum" sz="quarter" idx="10"/>
+          </p:nvPr>
+        </p:nvSpPr>
+        <p:spPr/>
+        <p:txBody>
+          <a:bodyPr/>
+          <a:lstStyle/>
+          <a:p>
+            <a:fld id="{6999C38D-9D80-490C-B646-4466274A86CA}" type="slidenum">
+              <a:rPr lang="en-US" smtClean="0"/>
+              <a:t>50</a:t>
+            </a:fld>
+            <a:endParaRPr lang="en-US"/>
+          </a:p>
+        </p:txBody>
+      </p:sp>
+    </p:spTree>
+    <p:extLst>
+      <p:ext uri="{BB962C8B-B14F-4D97-AF65-F5344CB8AC3E}">
+        <p14:creationId xmlns:p14="http://schemas.microsoft.com/office/powerpoint/2010/main" val="1171701978"/>
+      </p:ext>
+    </p:extLst>
+  </p:cSld>
+  <p:clrMapOvr>
+    <a:masterClrMapping/>
+  </p:clrMapOvr>
+</p:notes>
+</file>
+
+<file path=ppt/notesSlides/notesSlide8.xml><?xml version="1.0" encoding="utf-8"?>
+<p:notes xmlns:a="http://schemas.openxmlformats.org/drawingml/2006/main" xmlns:r="http://schemas.openxmlformats.org/officeDocument/2006/relationships" xmlns:p="http://schemas.openxmlformats.org/presentationml/2006/main">
+  <p:cSld>
+    <p:spTree>
+      <p:nvGrpSpPr>
+        <p:cNvPr id="1" name=""/>
+        <p:cNvGrpSpPr/>
+        <p:nvPr/>
+      </p:nvGrpSpPr>
+      <p:grpSpPr>
+        <a:xfrm>
+          <a:off x="0" y="0"/>
+          <a:ext cx="0" cy="0"/>
+          <a:chOff x="0" y="0"/>
+          <a:chExt cx="0" cy="0"/>
+        </a:xfrm>
+      </p:grpSpPr>
+      <p:sp>
+        <p:nvSpPr>
+          <p:cNvPr id="2" name="Slide Image Placeholder 1"/>
+          <p:cNvSpPr>
+            <a:spLocks noGrp="1" noRot="1" noChangeAspect="1"/>
+          </p:cNvSpPr>
+          <p:nvPr>
+            <p:ph type="sldImg"/>
+          </p:nvPr>
+        </p:nvSpPr>
+        <p:spPr/>
+      </p:sp>
+      <p:sp>
+        <p:nvSpPr>
+          <p:cNvPr id="3" name="Notes Placeholder 2"/>
+          <p:cNvSpPr>
+            <a:spLocks noGrp="1"/>
+          </p:cNvSpPr>
+          <p:nvPr>
+            <p:ph type="body" idx="1"/>
+          </p:nvPr>
+        </p:nvSpPr>
+        <p:spPr/>
+        <p:txBody>
+          <a:bodyPr/>
+          <a:lstStyle/>
+          <a:p>
+            <a:r>
+              <a:rPr lang="sr-Latn-RS" dirty="0" smtClean="0"/>
+              <a:t>Tree</a:t>
+            </a:r>
+            <a:r>
+              <a:rPr lang="sr-Latn-RS" baseline="0" dirty="0" smtClean="0"/>
+              <a:t> shaking i zašto se provide-uje u app.modulu tj. root. </a:t>
+            </a:r>
+            <a:endParaRPr lang="en-US" dirty="0"/>
+          </a:p>
+        </p:txBody>
+      </p:sp>
+      <p:sp>
+        <p:nvSpPr>
+          <p:cNvPr id="4" name="Slide Number Placeholder 3"/>
+          <p:cNvSpPr>
+            <a:spLocks noGrp="1"/>
+          </p:cNvSpPr>
+          <p:nvPr>
+            <p:ph type="sldNum" sz="quarter" idx="10"/>
+          </p:nvPr>
+        </p:nvSpPr>
+        <p:spPr/>
+        <p:txBody>
+          <a:bodyPr/>
+          <a:lstStyle/>
+          <a:p>
+            <a:fld id="{6999C38D-9D80-490C-B646-4466274A86CA}" type="slidenum">
+              <a:rPr lang="en-US" smtClean="0"/>
+              <a:t>51</a:t>
+            </a:fld>
+            <a:endParaRPr lang="en-US"/>
+          </a:p>
+        </p:txBody>
+      </p:sp>
+    </p:spTree>
+    <p:extLst>
+      <p:ext uri="{BB962C8B-B14F-4D97-AF65-F5344CB8AC3E}">
+        <p14:creationId xmlns:p14="http://schemas.microsoft.com/office/powerpoint/2010/main" val="1542674635"/>
+      </p:ext>
+    </p:extLst>
+  </p:cSld>
+  <p:clrMapOvr>
+    <a:masterClrMapping/>
+  </p:clrMapOvr>
+</p:notes>
+</file>
+
 <file path=ppt/slideLayouts/slideLayout1.xml><?xml version="1.0" encoding="utf-8"?>
 <p:sldLayout xmlns:a="http://schemas.openxmlformats.org/drawingml/2006/main" xmlns:r="http://schemas.openxmlformats.org/officeDocument/2006/relationships" xmlns:p="http://schemas.openxmlformats.org/presentationml/2006/main" preserve="1" userDrawn="1">
   <p:cSld name="Title Slide">
@@ -1014,7 +1404,7 @@
           <a:p>
             <a:fld id="{63937D59-5EDB-4C39-B697-625748F703B6}" type="datetimeFigureOut">
               <a:rPr lang="en-US" smtClean="0"/>
-              <a:t>11/30/2018</a:t>
+              <a:t>12/1/2018</a:t>
             </a:fld>
             <a:endParaRPr lang="en-US"/>
           </a:p>
@@ -1291,7 +1681,7 @@
           <a:p>
             <a:fld id="{63937D59-5EDB-4C39-B697-625748F703B6}" type="datetimeFigureOut">
               <a:rPr lang="en-US" smtClean="0"/>
-              <a:t>11/30/2018</a:t>
+              <a:t>12/1/2018</a:t>
             </a:fld>
             <a:endParaRPr lang="en-US"/>
           </a:p>
@@ -1544,7 +1934,7 @@
           <a:p>
             <a:fld id="{63937D59-5EDB-4C39-B697-625748F703B6}" type="datetimeFigureOut">
               <a:rPr lang="en-US" smtClean="0"/>
-              <a:t>11/30/2018</a:t>
+              <a:t>12/1/2018</a:t>
             </a:fld>
             <a:endParaRPr lang="en-US"/>
           </a:p>
@@ -1714,7 +2104,7 @@
           <a:p>
             <a:fld id="{63937D59-5EDB-4C39-B697-625748F703B6}" type="datetimeFigureOut">
               <a:rPr lang="en-US" smtClean="0"/>
-              <a:t>11/30/2018</a:t>
+              <a:t>12/1/2018</a:t>
             </a:fld>
             <a:endParaRPr lang="en-US"/>
           </a:p>
@@ -1894,7 +2284,7 @@
           <a:p>
             <a:fld id="{63937D59-5EDB-4C39-B697-625748F703B6}" type="datetimeFigureOut">
               <a:rPr lang="en-US" smtClean="0"/>
-              <a:t>11/30/2018</a:t>
+              <a:t>12/1/2018</a:t>
             </a:fld>
             <a:endParaRPr lang="en-US"/>
           </a:p>
@@ -2715,7 +3105,7 @@
           <a:p>
             <a:fld id="{63937D59-5EDB-4C39-B697-625748F703B6}" type="datetimeFigureOut">
               <a:rPr lang="en-US" smtClean="0"/>
-              <a:t>11/30/2018</a:t>
+              <a:t>12/1/2018</a:t>
             </a:fld>
             <a:endParaRPr lang="en-US"/>
           </a:p>
@@ -2892,7 +3282,7 @@
           <a:p>
             <a:fld id="{63937D59-5EDB-4C39-B697-625748F703B6}" type="datetimeFigureOut">
               <a:rPr lang="en-US" smtClean="0"/>
-              <a:t>11/30/2018</a:t>
+              <a:t>12/1/2018</a:t>
             </a:fld>
             <a:endParaRPr lang="en-US"/>
           </a:p>
@@ -3138,7 +3528,7 @@
           <a:p>
             <a:fld id="{63937D59-5EDB-4C39-B697-625748F703B6}" type="datetimeFigureOut">
               <a:rPr lang="en-US" smtClean="0"/>
-              <a:t>11/30/2018</a:t>
+              <a:t>12/1/2018</a:t>
             </a:fld>
             <a:endParaRPr lang="en-US"/>
           </a:p>
@@ -3426,7 +3816,7 @@
           <a:p>
             <a:fld id="{63937D59-5EDB-4C39-B697-625748F703B6}" type="datetimeFigureOut">
               <a:rPr lang="en-US" smtClean="0"/>
-              <a:t>11/30/2018</a:t>
+              <a:t>12/1/2018</a:t>
             </a:fld>
             <a:endParaRPr lang="en-US"/>
           </a:p>
@@ -3848,7 +4238,7 @@
           <a:p>
             <a:fld id="{63937D59-5EDB-4C39-B697-625748F703B6}" type="datetimeFigureOut">
               <a:rPr lang="en-US" smtClean="0"/>
-              <a:t>11/30/2018</a:t>
+              <a:t>12/1/2018</a:t>
             </a:fld>
             <a:endParaRPr lang="en-US"/>
           </a:p>
@@ -3966,7 +4356,7 @@
           <a:p>
             <a:fld id="{63937D59-5EDB-4C39-B697-625748F703B6}" type="datetimeFigureOut">
               <a:rPr lang="en-US" smtClean="0"/>
-              <a:t>11/30/2018</a:t>
+              <a:t>12/1/2018</a:t>
             </a:fld>
             <a:endParaRPr lang="en-US"/>
           </a:p>
@@ -4470,7 +4860,7 @@
           <a:p>
             <a:fld id="{63937D59-5EDB-4C39-B697-625748F703B6}" type="datetimeFigureOut">
               <a:rPr lang="en-US" smtClean="0"/>
-              <a:t>11/30/2018</a:t>
+              <a:t>12/1/2018</a:t>
             </a:fld>
             <a:endParaRPr lang="en-US"/>
           </a:p>
@@ -11971,14 +12361,7 @@
                 <a:latin typeface="Arial" panose="020B0604020202020204" pitchFamily="34" charset="0"/>
                 <a:cs typeface="Arial" panose="020B0604020202020204" pitchFamily="34" charset="0"/>
               </a:rPr>
-              <a:t>p</a:t>
-            </a:r>
-            <a:r>
-              <a:rPr lang="sr-Latn-RS" sz="1400" dirty="0" smtClean="0">
-                <a:latin typeface="Arial" panose="020B0604020202020204" pitchFamily="34" charset="0"/>
-                <a:cs typeface="Arial" panose="020B0604020202020204" pitchFamily="34" charset="0"/>
-              </a:rPr>
-              <a:t>rodukciju, kao i testiranje projekta.</a:t>
+              <a:t>produkciju, kao i testiranje projekta.</a:t>
             </a:r>
             <a:endParaRPr lang="en-US" sz="1400" dirty="0">
               <a:latin typeface="Arial" panose="020B0604020202020204" pitchFamily="34" charset="0"/>
@@ -14016,10 +14399,6 @@
               </a:rPr>
               <a:t> install --save @types/bootstrap</a:t>
             </a:r>
-            <a:endParaRPr lang="en-US" sz="1400" dirty="0">
-              <a:latin typeface="Arial" panose="020B0604020202020204" pitchFamily="34" charset="0"/>
-              <a:cs typeface="Arial" panose="020B0604020202020204" pitchFamily="34" charset="0"/>
-            </a:endParaRPr>
           </a:p>
         </p:txBody>
       </p:sp>
@@ -17504,14 +17883,7 @@
                 <a:latin typeface="Arial" panose="020B0604020202020204" pitchFamily="34" charset="0"/>
                 <a:cs typeface="Arial" panose="020B0604020202020204" pitchFamily="34" charset="0"/>
               </a:rPr>
-              <a:t>p</a:t>
-            </a:r>
-            <a:r>
-              <a:rPr lang="en-US" sz="1400" b="1" dirty="0" smtClean="0">
-                <a:latin typeface="Arial" panose="020B0604020202020204" pitchFamily="34" charset="0"/>
-                <a:cs typeface="Arial" panose="020B0604020202020204" pitchFamily="34" charset="0"/>
-              </a:rPr>
-              <a:t>ublic</a:t>
+              <a:t>public</a:t>
             </a:r>
             <a:r>
               <a:rPr lang="en-US" sz="1400" dirty="0" smtClean="0">
@@ -17642,19 +18014,8 @@
                 <a:latin typeface="Arial" panose="020B0604020202020204" pitchFamily="34" charset="0"/>
                 <a:cs typeface="Arial" panose="020B0604020202020204" pitchFamily="34" charset="0"/>
               </a:rPr>
-              <a:t>čim se komponenta inicijalizuje. Drugi u fazi </a:t>
-            </a:r>
-            <a:r>
-              <a:rPr lang="sr-Latn-RS" sz="1400" dirty="0" smtClean="0">
-                <a:latin typeface="Arial" panose="020B0604020202020204" pitchFamily="34" charset="0"/>
-                <a:cs typeface="Arial" panose="020B0604020202020204" pitchFamily="34" charset="0"/>
-              </a:rPr>
-              <a:t>životnog ciklusa Angular app.</a:t>
-            </a:r>
-            <a:endParaRPr lang="sr-Latn-RS" sz="1400" dirty="0" smtClean="0">
-              <a:latin typeface="Arial" panose="020B0604020202020204" pitchFamily="34" charset="0"/>
-              <a:cs typeface="Arial" panose="020B0604020202020204" pitchFamily="34" charset="0"/>
-            </a:endParaRPr>
+              <a:t>čim se komponenta inicijalizuje. Drugi u fazi životnog ciklusa Angular app.</a:t>
+            </a:r>
           </a:p>
         </p:txBody>
       </p:sp>
@@ -19188,6 +19549,83 @@
                 <a:cs typeface="Arial" panose="020B0604020202020204" pitchFamily="34" charset="0"/>
               </a:rPr>
               <a:t>fajla</a:t>
+            </a:r>
+            <a:r>
+              <a:rPr lang="en-US" sz="1400" dirty="0" smtClean="0">
+                <a:latin typeface="Arial" panose="020B0604020202020204" pitchFamily="34" charset="0"/>
+                <a:cs typeface="Arial" panose="020B0604020202020204" pitchFamily="34" charset="0"/>
+              </a:rPr>
+              <a:t> </a:t>
+            </a:r>
+            <a:r>
+              <a:rPr lang="en-US" sz="1400" dirty="0" err="1" smtClean="0">
+                <a:latin typeface="Arial" panose="020B0604020202020204" pitchFamily="34" charset="0"/>
+                <a:cs typeface="Arial" panose="020B0604020202020204" pitchFamily="34" charset="0"/>
+              </a:rPr>
+              <a:t>i</a:t>
+            </a:r>
+            <a:r>
+              <a:rPr lang="en-US" sz="1400" dirty="0" smtClean="0">
+                <a:latin typeface="Arial" panose="020B0604020202020204" pitchFamily="34" charset="0"/>
+                <a:cs typeface="Arial" panose="020B0604020202020204" pitchFamily="34" charset="0"/>
+              </a:rPr>
+              <a:t> </a:t>
+            </a:r>
+            <a:r>
+              <a:rPr lang="en-US" sz="1400" b="1" dirty="0" smtClean="0">
+                <a:latin typeface="Arial" panose="020B0604020202020204" pitchFamily="34" charset="0"/>
+                <a:cs typeface="Arial" panose="020B0604020202020204" pitchFamily="34" charset="0"/>
+              </a:rPr>
+              <a:t>ng serve </a:t>
+            </a:r>
+            <a:r>
+              <a:rPr lang="en-US" sz="1400" dirty="0" err="1" smtClean="0">
+                <a:latin typeface="Arial" panose="020B0604020202020204" pitchFamily="34" charset="0"/>
+                <a:cs typeface="Arial" panose="020B0604020202020204" pitchFamily="34" charset="0"/>
+              </a:rPr>
+              <a:t>komanda</a:t>
+            </a:r>
+            <a:r>
+              <a:rPr lang="en-US" sz="1400" dirty="0" smtClean="0">
+                <a:latin typeface="Arial" panose="020B0604020202020204" pitchFamily="34" charset="0"/>
+                <a:cs typeface="Arial" panose="020B0604020202020204" pitchFamily="34" charset="0"/>
+              </a:rPr>
+              <a:t> </a:t>
+            </a:r>
+            <a:r>
+              <a:rPr lang="en-US" sz="1400" dirty="0" err="1" smtClean="0">
+                <a:latin typeface="Arial" panose="020B0604020202020204" pitchFamily="34" charset="0"/>
+                <a:cs typeface="Arial" panose="020B0604020202020204" pitchFamily="34" charset="0"/>
+              </a:rPr>
+              <a:t>za</a:t>
+            </a:r>
+            <a:r>
+              <a:rPr lang="en-US" sz="1400" dirty="0" smtClean="0">
+                <a:latin typeface="Arial" panose="020B0604020202020204" pitchFamily="34" charset="0"/>
+                <a:cs typeface="Arial" panose="020B0604020202020204" pitchFamily="34" charset="0"/>
+              </a:rPr>
+              <a:t> </a:t>
+            </a:r>
+            <a:r>
+              <a:rPr lang="en-US" sz="1400" dirty="0" err="1" smtClean="0">
+                <a:latin typeface="Arial" panose="020B0604020202020204" pitchFamily="34" charset="0"/>
+                <a:cs typeface="Arial" panose="020B0604020202020204" pitchFamily="34" charset="0"/>
+              </a:rPr>
+              <a:t>startovanjej</a:t>
+            </a:r>
+            <a:r>
+              <a:rPr lang="en-US" sz="1400" dirty="0" smtClean="0">
+                <a:latin typeface="Arial" panose="020B0604020202020204" pitchFamily="34" charset="0"/>
+                <a:cs typeface="Arial" panose="020B0604020202020204" pitchFamily="34" charset="0"/>
+              </a:rPr>
+              <a:t> </a:t>
+            </a:r>
+            <a:r>
+              <a:rPr lang="en-US" sz="1400" dirty="0" err="1" smtClean="0">
+                <a:latin typeface="Arial" panose="020B0604020202020204" pitchFamily="34" charset="0"/>
+                <a:cs typeface="Arial" panose="020B0604020202020204" pitchFamily="34" charset="0"/>
+              </a:rPr>
+              <a:t>projekta</a:t>
             </a:r>
             <a:endParaRPr lang="en-US" sz="1400" dirty="0">
               <a:latin typeface="Arial" panose="020B0604020202020204" pitchFamily="34" charset="0"/>
@@ -19563,6 +20001,1791 @@
 </p:sld>
 </file>
 
+<file path=ppt/slides/slide37.xml><?xml version="1.0" encoding="utf-8"?>
+<p:sld xmlns:a="http://schemas.openxmlformats.org/drawingml/2006/main" xmlns:r="http://schemas.openxmlformats.org/officeDocument/2006/relationships" xmlns:p="http://schemas.openxmlformats.org/presentationml/2006/main">
+  <p:cSld>
+    <p:spTree>
+      <p:nvGrpSpPr>
+        <p:cNvPr id="1" name=""/>
+        <p:cNvGrpSpPr/>
+        <p:nvPr/>
+      </p:nvGrpSpPr>
+      <p:grpSpPr>
+        <a:xfrm>
+          <a:off x="0" y="0"/>
+          <a:ext cx="0" cy="0"/>
+          <a:chOff x="0" y="0"/>
+          <a:chExt cx="0" cy="0"/>
+        </a:xfrm>
+      </p:grpSpPr>
+      <p:sp>
+        <p:nvSpPr>
+          <p:cNvPr id="3" name="Title 2"/>
+          <p:cNvSpPr>
+            <a:spLocks noGrp="1"/>
+          </p:cNvSpPr>
+          <p:nvPr>
+            <p:ph type="title"/>
+          </p:nvPr>
+        </p:nvSpPr>
+        <p:spPr>
+          <a:xfrm>
+            <a:off x="1619672" y="-1"/>
+            <a:ext cx="7524328" cy="771551"/>
+          </a:xfrm>
+        </p:spPr>
+        <p:txBody>
+          <a:bodyPr/>
+          <a:lstStyle/>
+          <a:p>
+            <a:pPr algn="ctr"/>
+            <a:r>
+              <a:rPr lang="en-US" altLang="ko-KR" dirty="0" err="1" smtClean="0"/>
+              <a:t>Navigacija</a:t>
+            </a:r>
+            <a:r>
+              <a:rPr lang="en-US" altLang="ko-KR" dirty="0" smtClean="0"/>
+              <a:t> </a:t>
+            </a:r>
+            <a:r>
+              <a:rPr lang="en-US" altLang="ko-KR" dirty="0" err="1" smtClean="0"/>
+              <a:t>i</a:t>
+            </a:r>
+            <a:r>
+              <a:rPr lang="en-US" altLang="ko-KR" dirty="0" smtClean="0"/>
+              <a:t> Routing</a:t>
+            </a:r>
+            <a:endParaRPr lang="ko-KR" altLang="en-US" dirty="0"/>
+          </a:p>
+        </p:txBody>
+      </p:sp>
+      <p:sp>
+        <p:nvSpPr>
+          <p:cNvPr id="5" name="TextBox 4"/>
+          <p:cNvSpPr txBox="1"/>
+          <p:nvPr/>
+        </p:nvSpPr>
+        <p:spPr>
+          <a:xfrm>
+            <a:off x="1585231" y="1053629"/>
+            <a:ext cx="7200800" cy="307777"/>
+          </a:xfrm>
+          <a:prstGeom prst="rect">
+            <a:avLst/>
+          </a:prstGeom>
+          <a:noFill/>
+        </p:spPr>
+        <p:txBody>
+          <a:bodyPr wrap="square" rtlCol="0">
+            <a:spAutoFit/>
+          </a:bodyPr>
+          <a:lstStyle/>
+          <a:p>
+            <a:r>
+              <a:rPr lang="en-US" sz="1400" dirty="0" err="1" smtClean="0">
+                <a:latin typeface="Arial" panose="020B0604020202020204" pitchFamily="34" charset="0"/>
+                <a:cs typeface="Arial" panose="020B0604020202020204" pitchFamily="34" charset="0"/>
+              </a:rPr>
+              <a:t>Kreiramo</a:t>
+            </a:r>
+            <a:r>
+              <a:rPr lang="en-US" sz="1400" dirty="0" smtClean="0">
+                <a:latin typeface="Arial" panose="020B0604020202020204" pitchFamily="34" charset="0"/>
+                <a:cs typeface="Arial" panose="020B0604020202020204" pitchFamily="34" charset="0"/>
+              </a:rPr>
+              <a:t> Menu </a:t>
+            </a:r>
+            <a:r>
+              <a:rPr lang="en-US" sz="1400" dirty="0" err="1" smtClean="0">
+                <a:latin typeface="Arial" panose="020B0604020202020204" pitchFamily="34" charset="0"/>
+                <a:cs typeface="Arial" panose="020B0604020202020204" pitchFamily="34" charset="0"/>
+              </a:rPr>
+              <a:t>komponentu</a:t>
+            </a:r>
+            <a:r>
+              <a:rPr lang="en-US" sz="1400" dirty="0" smtClean="0">
+                <a:latin typeface="Arial" panose="020B0604020202020204" pitchFamily="34" charset="0"/>
+                <a:cs typeface="Arial" panose="020B0604020202020204" pitchFamily="34" charset="0"/>
+              </a:rPr>
+              <a:t> </a:t>
+            </a:r>
+            <a:r>
+              <a:rPr lang="en-US" sz="1400" dirty="0" err="1" smtClean="0">
+                <a:latin typeface="Arial" panose="020B0604020202020204" pitchFamily="34" charset="0"/>
+                <a:cs typeface="Arial" panose="020B0604020202020204" pitchFamily="34" charset="0"/>
+              </a:rPr>
+              <a:t>sa</a:t>
+            </a:r>
+            <a:r>
+              <a:rPr lang="en-US" sz="1400" dirty="0" smtClean="0">
+                <a:latin typeface="Arial" panose="020B0604020202020204" pitchFamily="34" charset="0"/>
+                <a:cs typeface="Arial" panose="020B0604020202020204" pitchFamily="34" charset="0"/>
+              </a:rPr>
+              <a:t> Angular CLI</a:t>
+            </a:r>
+            <a:endParaRPr lang="en-US" sz="1400" dirty="0">
+              <a:latin typeface="Arial" panose="020B0604020202020204" pitchFamily="34" charset="0"/>
+              <a:cs typeface="Arial" panose="020B0604020202020204" pitchFamily="34" charset="0"/>
+            </a:endParaRPr>
+          </a:p>
+        </p:txBody>
+      </p:sp>
+      <p:pic>
+        <p:nvPicPr>
+          <p:cNvPr id="4" name="Picture 3"/>
+          <p:cNvPicPr>
+            <a:picLocks noChangeAspect="1"/>
+          </p:cNvPicPr>
+          <p:nvPr/>
+        </p:nvPicPr>
+        <p:blipFill>
+          <a:blip r:embed="rId2"/>
+          <a:stretch>
+            <a:fillRect/>
+          </a:stretch>
+        </p:blipFill>
+        <p:spPr>
+          <a:xfrm>
+            <a:off x="1691680" y="1491630"/>
+            <a:ext cx="5611008" cy="1019317"/>
+          </a:xfrm>
+          <a:prstGeom prst="rect">
+            <a:avLst/>
+          </a:prstGeom>
+        </p:spPr>
+      </p:pic>
+      <p:sp>
+        <p:nvSpPr>
+          <p:cNvPr id="8" name="TextBox 7"/>
+          <p:cNvSpPr txBox="1"/>
+          <p:nvPr/>
+        </p:nvSpPr>
+        <p:spPr>
+          <a:xfrm>
+            <a:off x="1619672" y="2641171"/>
+            <a:ext cx="7200800" cy="307777"/>
+          </a:xfrm>
+          <a:prstGeom prst="rect">
+            <a:avLst/>
+          </a:prstGeom>
+          <a:noFill/>
+        </p:spPr>
+        <p:txBody>
+          <a:bodyPr wrap="square" rtlCol="0">
+            <a:spAutoFit/>
+          </a:bodyPr>
+          <a:lstStyle/>
+          <a:p>
+            <a:r>
+              <a:rPr lang="en-US" sz="1400" dirty="0" err="1" smtClean="0">
+                <a:latin typeface="Arial" panose="020B0604020202020204" pitchFamily="34" charset="0"/>
+                <a:cs typeface="Arial" panose="020B0604020202020204" pitchFamily="34" charset="0"/>
+              </a:rPr>
+              <a:t>Kreiramo</a:t>
+            </a:r>
+            <a:r>
+              <a:rPr lang="en-US" sz="1400" dirty="0" smtClean="0">
+                <a:latin typeface="Arial" panose="020B0604020202020204" pitchFamily="34" charset="0"/>
+                <a:cs typeface="Arial" panose="020B0604020202020204" pitchFamily="34" charset="0"/>
+              </a:rPr>
+              <a:t> Menu </a:t>
+            </a:r>
+            <a:r>
+              <a:rPr lang="en-US" sz="1400" dirty="0" err="1" smtClean="0">
+                <a:latin typeface="Arial" panose="020B0604020202020204" pitchFamily="34" charset="0"/>
+                <a:cs typeface="Arial" panose="020B0604020202020204" pitchFamily="34" charset="0"/>
+              </a:rPr>
+              <a:t>komponentu</a:t>
+            </a:r>
+            <a:r>
+              <a:rPr lang="en-US" sz="1400" dirty="0" smtClean="0">
+                <a:latin typeface="Arial" panose="020B0604020202020204" pitchFamily="34" charset="0"/>
+                <a:cs typeface="Arial" panose="020B0604020202020204" pitchFamily="34" charset="0"/>
+              </a:rPr>
+              <a:t> </a:t>
+            </a:r>
+            <a:r>
+              <a:rPr lang="en-US" sz="1400" dirty="0" err="1" smtClean="0">
+                <a:latin typeface="Arial" panose="020B0604020202020204" pitchFamily="34" charset="0"/>
+                <a:cs typeface="Arial" panose="020B0604020202020204" pitchFamily="34" charset="0"/>
+              </a:rPr>
+              <a:t>sa</a:t>
+            </a:r>
+            <a:r>
+              <a:rPr lang="en-US" sz="1400" dirty="0" smtClean="0">
+                <a:latin typeface="Arial" panose="020B0604020202020204" pitchFamily="34" charset="0"/>
+                <a:cs typeface="Arial" panose="020B0604020202020204" pitchFamily="34" charset="0"/>
+              </a:rPr>
+              <a:t> Angular CLI</a:t>
+            </a:r>
+            <a:endParaRPr lang="en-US" sz="1400" dirty="0">
+              <a:latin typeface="Arial" panose="020B0604020202020204" pitchFamily="34" charset="0"/>
+              <a:cs typeface="Arial" panose="020B0604020202020204" pitchFamily="34" charset="0"/>
+            </a:endParaRPr>
+          </a:p>
+        </p:txBody>
+      </p:sp>
+      <p:pic>
+        <p:nvPicPr>
+          <p:cNvPr id="9" name="Picture 8"/>
+          <p:cNvPicPr>
+            <a:picLocks noChangeAspect="1"/>
+          </p:cNvPicPr>
+          <p:nvPr/>
+        </p:nvPicPr>
+        <p:blipFill>
+          <a:blip r:embed="rId3"/>
+          <a:stretch>
+            <a:fillRect/>
+          </a:stretch>
+        </p:blipFill>
+        <p:spPr>
+          <a:xfrm>
+            <a:off x="1644109" y="3079172"/>
+            <a:ext cx="4610743" cy="2064328"/>
+          </a:xfrm>
+          <a:prstGeom prst="rect">
+            <a:avLst/>
+          </a:prstGeom>
+        </p:spPr>
+      </p:pic>
+    </p:spTree>
+    <p:extLst>
+      <p:ext uri="{BB962C8B-B14F-4D97-AF65-F5344CB8AC3E}">
+        <p14:creationId xmlns:p14="http://schemas.microsoft.com/office/powerpoint/2010/main" val="1957508280"/>
+      </p:ext>
+    </p:extLst>
+  </p:cSld>
+  <p:clrMapOvr>
+    <a:masterClrMapping/>
+  </p:clrMapOvr>
+  <p:timing>
+    <p:tnLst>
+      <p:par>
+        <p:cTn id="1" dur="indefinite" restart="never" nodeType="tmRoot">
+          <p:childTnLst>
+            <p:seq concurrent="1" nextAc="seek">
+              <p:cTn id="2" dur="indefinite" nodeType="mainSeq">
+                <p:childTnLst>
+                  <p:par>
+                    <p:cTn id="3" fill="hold">
+                      <p:stCondLst>
+                        <p:cond delay="indefinite"/>
+                      </p:stCondLst>
+                      <p:childTnLst>
+                        <p:par>
+                          <p:cTn id="4" fill="hold">
+                            <p:stCondLst>
+                              <p:cond delay="0"/>
+                            </p:stCondLst>
+                            <p:childTnLst>
+                              <p:par>
+                                <p:cTn id="5" presetID="2" presetClass="entr" presetSubtype="4" fill="hold" grpId="0" nodeType="clickEffect">
+                                  <p:stCondLst>
+                                    <p:cond delay="0"/>
+                                  </p:stCondLst>
+                                  <p:childTnLst>
+                                    <p:set>
+                                      <p:cBhvr>
+                                        <p:cTn id="6" dur="1" fill="hold">
+                                          <p:stCondLst>
+                                            <p:cond delay="0"/>
+                                          </p:stCondLst>
+                                        </p:cTn>
+                                        <p:tgtEl>
+                                          <p:spTgt spid="5"/>
+                                        </p:tgtEl>
+                                        <p:attrNameLst>
+                                          <p:attrName>style.visibility</p:attrName>
+                                        </p:attrNameLst>
+                                      </p:cBhvr>
+                                      <p:to>
+                                        <p:strVal val="visible"/>
+                                      </p:to>
+                                    </p:set>
+                                    <p:anim calcmode="lin" valueType="num">
+                                      <p:cBhvr additive="base">
+                                        <p:cTn id="7" dur="500" fill="hold"/>
+                                        <p:tgtEl>
+                                          <p:spTgt spid="5"/>
+                                        </p:tgtEl>
+                                        <p:attrNameLst>
+                                          <p:attrName>ppt_x</p:attrName>
+                                        </p:attrNameLst>
+                                      </p:cBhvr>
+                                      <p:tavLst>
+                                        <p:tav tm="0">
+                                          <p:val>
+                                            <p:strVal val="#ppt_x"/>
+                                          </p:val>
+                                        </p:tav>
+                                        <p:tav tm="100000">
+                                          <p:val>
+                                            <p:strVal val="#ppt_x"/>
+                                          </p:val>
+                                        </p:tav>
+                                      </p:tavLst>
+                                    </p:anim>
+                                    <p:anim calcmode="lin" valueType="num">
+                                      <p:cBhvr additive="base">
+                                        <p:cTn id="8" dur="500" fill="hold"/>
+                                        <p:tgtEl>
+                                          <p:spTgt spid="5"/>
+                                        </p:tgtEl>
+                                        <p:attrNameLst>
+                                          <p:attrName>ppt_y</p:attrName>
+                                        </p:attrNameLst>
+                                      </p:cBhvr>
+                                      <p:tavLst>
+                                        <p:tav tm="0">
+                                          <p:val>
+                                            <p:strVal val="1+#ppt_h/2"/>
+                                          </p:val>
+                                        </p:tav>
+                                        <p:tav tm="100000">
+                                          <p:val>
+                                            <p:strVal val="#ppt_y"/>
+                                          </p:val>
+                                        </p:tav>
+                                      </p:tavLst>
+                                    </p:anim>
+                                  </p:childTnLst>
+                                </p:cTn>
+                              </p:par>
+                            </p:childTnLst>
+                          </p:cTn>
+                        </p:par>
+                      </p:childTnLst>
+                    </p:cTn>
+                  </p:par>
+                  <p:par>
+                    <p:cTn id="9" fill="hold">
+                      <p:stCondLst>
+                        <p:cond delay="indefinite"/>
+                      </p:stCondLst>
+                      <p:childTnLst>
+                        <p:par>
+                          <p:cTn id="10" fill="hold">
+                            <p:stCondLst>
+                              <p:cond delay="0"/>
+                            </p:stCondLst>
+                            <p:childTnLst>
+                              <p:par>
+                                <p:cTn id="11" presetID="2" presetClass="entr" presetSubtype="4" fill="hold" nodeType="clickEffect">
+                                  <p:stCondLst>
+                                    <p:cond delay="0"/>
+                                  </p:stCondLst>
+                                  <p:childTnLst>
+                                    <p:set>
+                                      <p:cBhvr>
+                                        <p:cTn id="12" dur="1" fill="hold">
+                                          <p:stCondLst>
+                                            <p:cond delay="0"/>
+                                          </p:stCondLst>
+                                        </p:cTn>
+                                        <p:tgtEl>
+                                          <p:spTgt spid="4"/>
+                                        </p:tgtEl>
+                                        <p:attrNameLst>
+                                          <p:attrName>style.visibility</p:attrName>
+                                        </p:attrNameLst>
+                                      </p:cBhvr>
+                                      <p:to>
+                                        <p:strVal val="visible"/>
+                                      </p:to>
+                                    </p:set>
+                                    <p:anim calcmode="lin" valueType="num">
+                                      <p:cBhvr additive="base">
+                                        <p:cTn id="13" dur="500" fill="hold"/>
+                                        <p:tgtEl>
+                                          <p:spTgt spid="4"/>
+                                        </p:tgtEl>
+                                        <p:attrNameLst>
+                                          <p:attrName>ppt_x</p:attrName>
+                                        </p:attrNameLst>
+                                      </p:cBhvr>
+                                      <p:tavLst>
+                                        <p:tav tm="0">
+                                          <p:val>
+                                            <p:strVal val="#ppt_x"/>
+                                          </p:val>
+                                        </p:tav>
+                                        <p:tav tm="100000">
+                                          <p:val>
+                                            <p:strVal val="#ppt_x"/>
+                                          </p:val>
+                                        </p:tav>
+                                      </p:tavLst>
+                                    </p:anim>
+                                    <p:anim calcmode="lin" valueType="num">
+                                      <p:cBhvr additive="base">
+                                        <p:cTn id="14" dur="500" fill="hold"/>
+                                        <p:tgtEl>
+                                          <p:spTgt spid="4"/>
+                                        </p:tgtEl>
+                                        <p:attrNameLst>
+                                          <p:attrName>ppt_y</p:attrName>
+                                        </p:attrNameLst>
+                                      </p:cBhvr>
+                                      <p:tavLst>
+                                        <p:tav tm="0">
+                                          <p:val>
+                                            <p:strVal val="1+#ppt_h/2"/>
+                                          </p:val>
+                                        </p:tav>
+                                        <p:tav tm="100000">
+                                          <p:val>
+                                            <p:strVal val="#ppt_y"/>
+                                          </p:val>
+                                        </p:tav>
+                                      </p:tavLst>
+                                    </p:anim>
+                                  </p:childTnLst>
+                                </p:cTn>
+                              </p:par>
+                            </p:childTnLst>
+                          </p:cTn>
+                        </p:par>
+                      </p:childTnLst>
+                    </p:cTn>
+                  </p:par>
+                  <p:par>
+                    <p:cTn id="15" fill="hold">
+                      <p:stCondLst>
+                        <p:cond delay="indefinite"/>
+                      </p:stCondLst>
+                      <p:childTnLst>
+                        <p:par>
+                          <p:cTn id="16" fill="hold">
+                            <p:stCondLst>
+                              <p:cond delay="0"/>
+                            </p:stCondLst>
+                            <p:childTnLst>
+                              <p:par>
+                                <p:cTn id="17" presetID="2" presetClass="entr" presetSubtype="4" fill="hold" grpId="0" nodeType="clickEffect">
+                                  <p:stCondLst>
+                                    <p:cond delay="0"/>
+                                  </p:stCondLst>
+                                  <p:childTnLst>
+                                    <p:set>
+                                      <p:cBhvr>
+                                        <p:cTn id="18" dur="1" fill="hold">
+                                          <p:stCondLst>
+                                            <p:cond delay="0"/>
+                                          </p:stCondLst>
+                                        </p:cTn>
+                                        <p:tgtEl>
+                                          <p:spTgt spid="8"/>
+                                        </p:tgtEl>
+                                        <p:attrNameLst>
+                                          <p:attrName>style.visibility</p:attrName>
+                                        </p:attrNameLst>
+                                      </p:cBhvr>
+                                      <p:to>
+                                        <p:strVal val="visible"/>
+                                      </p:to>
+                                    </p:set>
+                                    <p:anim calcmode="lin" valueType="num">
+                                      <p:cBhvr additive="base">
+                                        <p:cTn id="19" dur="500" fill="hold"/>
+                                        <p:tgtEl>
+                                          <p:spTgt spid="8"/>
+                                        </p:tgtEl>
+                                        <p:attrNameLst>
+                                          <p:attrName>ppt_x</p:attrName>
+                                        </p:attrNameLst>
+                                      </p:cBhvr>
+                                      <p:tavLst>
+                                        <p:tav tm="0">
+                                          <p:val>
+                                            <p:strVal val="#ppt_x"/>
+                                          </p:val>
+                                        </p:tav>
+                                        <p:tav tm="100000">
+                                          <p:val>
+                                            <p:strVal val="#ppt_x"/>
+                                          </p:val>
+                                        </p:tav>
+                                      </p:tavLst>
+                                    </p:anim>
+                                    <p:anim calcmode="lin" valueType="num">
+                                      <p:cBhvr additive="base">
+                                        <p:cTn id="20" dur="500" fill="hold"/>
+                                        <p:tgtEl>
+                                          <p:spTgt spid="8"/>
+                                        </p:tgtEl>
+                                        <p:attrNameLst>
+                                          <p:attrName>ppt_y</p:attrName>
+                                        </p:attrNameLst>
+                                      </p:cBhvr>
+                                      <p:tavLst>
+                                        <p:tav tm="0">
+                                          <p:val>
+                                            <p:strVal val="1+#ppt_h/2"/>
+                                          </p:val>
+                                        </p:tav>
+                                        <p:tav tm="100000">
+                                          <p:val>
+                                            <p:strVal val="#ppt_y"/>
+                                          </p:val>
+                                        </p:tav>
+                                      </p:tavLst>
+                                    </p:anim>
+                                  </p:childTnLst>
+                                </p:cTn>
+                              </p:par>
+                            </p:childTnLst>
+                          </p:cTn>
+                        </p:par>
+                      </p:childTnLst>
+                    </p:cTn>
+                  </p:par>
+                  <p:par>
+                    <p:cTn id="21" fill="hold">
+                      <p:stCondLst>
+                        <p:cond delay="indefinite"/>
+                      </p:stCondLst>
+                      <p:childTnLst>
+                        <p:par>
+                          <p:cTn id="22" fill="hold">
+                            <p:stCondLst>
+                              <p:cond delay="0"/>
+                            </p:stCondLst>
+                            <p:childTnLst>
+                              <p:par>
+                                <p:cTn id="23" presetID="2" presetClass="entr" presetSubtype="4" fill="hold" nodeType="clickEffect">
+                                  <p:stCondLst>
+                                    <p:cond delay="0"/>
+                                  </p:stCondLst>
+                                  <p:childTnLst>
+                                    <p:set>
+                                      <p:cBhvr>
+                                        <p:cTn id="24" dur="1" fill="hold">
+                                          <p:stCondLst>
+                                            <p:cond delay="0"/>
+                                          </p:stCondLst>
+                                        </p:cTn>
+                                        <p:tgtEl>
+                                          <p:spTgt spid="9"/>
+                                        </p:tgtEl>
+                                        <p:attrNameLst>
+                                          <p:attrName>style.visibility</p:attrName>
+                                        </p:attrNameLst>
+                                      </p:cBhvr>
+                                      <p:to>
+                                        <p:strVal val="visible"/>
+                                      </p:to>
+                                    </p:set>
+                                    <p:anim calcmode="lin" valueType="num">
+                                      <p:cBhvr additive="base">
+                                        <p:cTn id="25" dur="500" fill="hold"/>
+                                        <p:tgtEl>
+                                          <p:spTgt spid="9"/>
+                                        </p:tgtEl>
+                                        <p:attrNameLst>
+                                          <p:attrName>ppt_x</p:attrName>
+                                        </p:attrNameLst>
+                                      </p:cBhvr>
+                                      <p:tavLst>
+                                        <p:tav tm="0">
+                                          <p:val>
+                                            <p:strVal val="#ppt_x"/>
+                                          </p:val>
+                                        </p:tav>
+                                        <p:tav tm="100000">
+                                          <p:val>
+                                            <p:strVal val="#ppt_x"/>
+                                          </p:val>
+                                        </p:tav>
+                                      </p:tavLst>
+                                    </p:anim>
+                                    <p:anim calcmode="lin" valueType="num">
+                                      <p:cBhvr additive="base">
+                                        <p:cTn id="26" dur="500" fill="hold"/>
+                                        <p:tgtEl>
+                                          <p:spTgt spid="9"/>
+                                        </p:tgtEl>
+                                        <p:attrNameLst>
+                                          <p:attrName>ppt_y</p:attrName>
+                                        </p:attrNameLst>
+                                      </p:cBhvr>
+                                      <p:tavLst>
+                                        <p:tav tm="0">
+                                          <p:val>
+                                            <p:strVal val="1+#ppt_h/2"/>
+                                          </p:val>
+                                        </p:tav>
+                                        <p:tav tm="100000">
+                                          <p:val>
+                                            <p:strVal val="#ppt_y"/>
+                                          </p:val>
+                                        </p:tav>
+                                      </p:tavLst>
+                                    </p:anim>
+                                  </p:childTnLst>
+                                </p:cTn>
+                              </p:par>
+                            </p:childTnLst>
+                          </p:cTn>
+                        </p:par>
+                      </p:childTnLst>
+                    </p:cTn>
+                  </p:par>
+                </p:childTnLst>
+              </p:cTn>
+              <p:prevCondLst>
+                <p:cond evt="onPrev" delay="0">
+                  <p:tgtEl>
+                    <p:sldTgt/>
+                  </p:tgtEl>
+                </p:cond>
+              </p:prevCondLst>
+              <p:nextCondLst>
+                <p:cond evt="onNext" delay="0">
+                  <p:tgtEl>
+                    <p:sldTgt/>
+                  </p:tgtEl>
+                </p:cond>
+              </p:nextCondLst>
+            </p:seq>
+          </p:childTnLst>
+        </p:cTn>
+      </p:par>
+    </p:tnLst>
+    <p:bldLst>
+      <p:bldP spid="5" grpId="0"/>
+      <p:bldP spid="8" grpId="0"/>
+    </p:bldLst>
+  </p:timing>
+</p:sld>
+</file>
+
+<file path=ppt/slides/slide38.xml><?xml version="1.0" encoding="utf-8"?>
+<p:sld xmlns:a="http://schemas.openxmlformats.org/drawingml/2006/main" xmlns:r="http://schemas.openxmlformats.org/officeDocument/2006/relationships" xmlns:p="http://schemas.openxmlformats.org/presentationml/2006/main">
+  <p:cSld>
+    <p:spTree>
+      <p:nvGrpSpPr>
+        <p:cNvPr id="1" name=""/>
+        <p:cNvGrpSpPr/>
+        <p:nvPr/>
+      </p:nvGrpSpPr>
+      <p:grpSpPr>
+        <a:xfrm>
+          <a:off x="0" y="0"/>
+          <a:ext cx="0" cy="0"/>
+          <a:chOff x="0" y="0"/>
+          <a:chExt cx="0" cy="0"/>
+        </a:xfrm>
+      </p:grpSpPr>
+      <p:sp>
+        <p:nvSpPr>
+          <p:cNvPr id="3" name="Title 2"/>
+          <p:cNvSpPr>
+            <a:spLocks noGrp="1"/>
+          </p:cNvSpPr>
+          <p:nvPr>
+            <p:ph type="title"/>
+          </p:nvPr>
+        </p:nvSpPr>
+        <p:spPr>
+          <a:xfrm>
+            <a:off x="1619672" y="-1"/>
+            <a:ext cx="7524328" cy="771551"/>
+          </a:xfrm>
+        </p:spPr>
+        <p:txBody>
+          <a:bodyPr/>
+          <a:lstStyle/>
+          <a:p>
+            <a:pPr algn="ctr"/>
+            <a:r>
+              <a:rPr lang="en-US" altLang="ko-KR" dirty="0" err="1" smtClean="0"/>
+              <a:t>Navigacija</a:t>
+            </a:r>
+            <a:r>
+              <a:rPr lang="en-US" altLang="ko-KR" dirty="0" smtClean="0"/>
+              <a:t> </a:t>
+            </a:r>
+            <a:r>
+              <a:rPr lang="en-US" altLang="ko-KR" dirty="0" err="1" smtClean="0"/>
+              <a:t>i</a:t>
+            </a:r>
+            <a:r>
+              <a:rPr lang="en-US" altLang="ko-KR" dirty="0" smtClean="0"/>
+              <a:t> Routing</a:t>
+            </a:r>
+            <a:endParaRPr lang="ko-KR" altLang="en-US" dirty="0"/>
+          </a:p>
+        </p:txBody>
+      </p:sp>
+      <p:sp>
+        <p:nvSpPr>
+          <p:cNvPr id="5" name="TextBox 4"/>
+          <p:cNvSpPr txBox="1"/>
+          <p:nvPr/>
+        </p:nvSpPr>
+        <p:spPr>
+          <a:xfrm>
+            <a:off x="1585231" y="1053629"/>
+            <a:ext cx="7200800" cy="307777"/>
+          </a:xfrm>
+          <a:prstGeom prst="rect">
+            <a:avLst/>
+          </a:prstGeom>
+          <a:noFill/>
+        </p:spPr>
+        <p:txBody>
+          <a:bodyPr wrap="square" rtlCol="0">
+            <a:spAutoFit/>
+          </a:bodyPr>
+          <a:lstStyle/>
+          <a:p>
+            <a:r>
+              <a:rPr lang="sr-Latn-RS" sz="1400" dirty="0" smtClean="0">
+                <a:latin typeface="Arial" panose="020B0604020202020204" pitchFamily="34" charset="0"/>
+                <a:cs typeface="Arial" panose="020B0604020202020204" pitchFamily="34" charset="0"/>
+              </a:rPr>
+              <a:t>Umetnuti app-menu slektor u app.component.html file</a:t>
+            </a:r>
+            <a:endParaRPr lang="en-US" sz="1400" dirty="0">
+              <a:latin typeface="Arial" panose="020B0604020202020204" pitchFamily="34" charset="0"/>
+              <a:cs typeface="Arial" panose="020B0604020202020204" pitchFamily="34" charset="0"/>
+            </a:endParaRPr>
+          </a:p>
+        </p:txBody>
+      </p:sp>
+      <p:pic>
+        <p:nvPicPr>
+          <p:cNvPr id="2" name="Picture 1"/>
+          <p:cNvPicPr>
+            <a:picLocks noChangeAspect="1"/>
+          </p:cNvPicPr>
+          <p:nvPr/>
+        </p:nvPicPr>
+        <p:blipFill>
+          <a:blip r:embed="rId2"/>
+          <a:stretch>
+            <a:fillRect/>
+          </a:stretch>
+        </p:blipFill>
+        <p:spPr>
+          <a:xfrm>
+            <a:off x="1691680" y="1491630"/>
+            <a:ext cx="3743847" cy="2086266"/>
+          </a:xfrm>
+          <a:prstGeom prst="rect">
+            <a:avLst/>
+          </a:prstGeom>
+        </p:spPr>
+      </p:pic>
+      <p:pic>
+        <p:nvPicPr>
+          <p:cNvPr id="6" name="Picture 5"/>
+          <p:cNvPicPr>
+            <a:picLocks noChangeAspect="1"/>
+          </p:cNvPicPr>
+          <p:nvPr/>
+        </p:nvPicPr>
+        <p:blipFill>
+          <a:blip r:embed="rId3"/>
+          <a:stretch>
+            <a:fillRect/>
+          </a:stretch>
+        </p:blipFill>
+        <p:spPr>
+          <a:xfrm>
+            <a:off x="1587090" y="3708120"/>
+            <a:ext cx="7440063" cy="1400370"/>
+          </a:xfrm>
+          <a:prstGeom prst="rect">
+            <a:avLst/>
+          </a:prstGeom>
+        </p:spPr>
+      </p:pic>
+    </p:spTree>
+    <p:extLst>
+      <p:ext uri="{BB962C8B-B14F-4D97-AF65-F5344CB8AC3E}">
+        <p14:creationId xmlns:p14="http://schemas.microsoft.com/office/powerpoint/2010/main" val="891485136"/>
+      </p:ext>
+    </p:extLst>
+  </p:cSld>
+  <p:clrMapOvr>
+    <a:masterClrMapping/>
+  </p:clrMapOvr>
+  <p:timing>
+    <p:tnLst>
+      <p:par>
+        <p:cTn id="1" dur="indefinite" restart="never" nodeType="tmRoot">
+          <p:childTnLst>
+            <p:seq concurrent="1" nextAc="seek">
+              <p:cTn id="2" dur="indefinite" nodeType="mainSeq">
+                <p:childTnLst>
+                  <p:par>
+                    <p:cTn id="3" fill="hold">
+                      <p:stCondLst>
+                        <p:cond delay="indefinite"/>
+                      </p:stCondLst>
+                      <p:childTnLst>
+                        <p:par>
+                          <p:cTn id="4" fill="hold">
+                            <p:stCondLst>
+                              <p:cond delay="0"/>
+                            </p:stCondLst>
+                            <p:childTnLst>
+                              <p:par>
+                                <p:cTn id="5" presetID="2" presetClass="entr" presetSubtype="4" fill="hold" grpId="0" nodeType="clickEffect">
+                                  <p:stCondLst>
+                                    <p:cond delay="0"/>
+                                  </p:stCondLst>
+                                  <p:childTnLst>
+                                    <p:set>
+                                      <p:cBhvr>
+                                        <p:cTn id="6" dur="1" fill="hold">
+                                          <p:stCondLst>
+                                            <p:cond delay="0"/>
+                                          </p:stCondLst>
+                                        </p:cTn>
+                                        <p:tgtEl>
+                                          <p:spTgt spid="5"/>
+                                        </p:tgtEl>
+                                        <p:attrNameLst>
+                                          <p:attrName>style.visibility</p:attrName>
+                                        </p:attrNameLst>
+                                      </p:cBhvr>
+                                      <p:to>
+                                        <p:strVal val="visible"/>
+                                      </p:to>
+                                    </p:set>
+                                    <p:anim calcmode="lin" valueType="num">
+                                      <p:cBhvr additive="base">
+                                        <p:cTn id="7" dur="500" fill="hold"/>
+                                        <p:tgtEl>
+                                          <p:spTgt spid="5"/>
+                                        </p:tgtEl>
+                                        <p:attrNameLst>
+                                          <p:attrName>ppt_x</p:attrName>
+                                        </p:attrNameLst>
+                                      </p:cBhvr>
+                                      <p:tavLst>
+                                        <p:tav tm="0">
+                                          <p:val>
+                                            <p:strVal val="#ppt_x"/>
+                                          </p:val>
+                                        </p:tav>
+                                        <p:tav tm="100000">
+                                          <p:val>
+                                            <p:strVal val="#ppt_x"/>
+                                          </p:val>
+                                        </p:tav>
+                                      </p:tavLst>
+                                    </p:anim>
+                                    <p:anim calcmode="lin" valueType="num">
+                                      <p:cBhvr additive="base">
+                                        <p:cTn id="8" dur="500" fill="hold"/>
+                                        <p:tgtEl>
+                                          <p:spTgt spid="5"/>
+                                        </p:tgtEl>
+                                        <p:attrNameLst>
+                                          <p:attrName>ppt_y</p:attrName>
+                                        </p:attrNameLst>
+                                      </p:cBhvr>
+                                      <p:tavLst>
+                                        <p:tav tm="0">
+                                          <p:val>
+                                            <p:strVal val="1+#ppt_h/2"/>
+                                          </p:val>
+                                        </p:tav>
+                                        <p:tav tm="100000">
+                                          <p:val>
+                                            <p:strVal val="#ppt_y"/>
+                                          </p:val>
+                                        </p:tav>
+                                      </p:tavLst>
+                                    </p:anim>
+                                  </p:childTnLst>
+                                </p:cTn>
+                              </p:par>
+                            </p:childTnLst>
+                          </p:cTn>
+                        </p:par>
+                      </p:childTnLst>
+                    </p:cTn>
+                  </p:par>
+                  <p:par>
+                    <p:cTn id="9" fill="hold">
+                      <p:stCondLst>
+                        <p:cond delay="indefinite"/>
+                      </p:stCondLst>
+                      <p:childTnLst>
+                        <p:par>
+                          <p:cTn id="10" fill="hold">
+                            <p:stCondLst>
+                              <p:cond delay="0"/>
+                            </p:stCondLst>
+                            <p:childTnLst>
+                              <p:par>
+                                <p:cTn id="11" presetID="2" presetClass="entr" presetSubtype="4" fill="hold" nodeType="clickEffect">
+                                  <p:stCondLst>
+                                    <p:cond delay="0"/>
+                                  </p:stCondLst>
+                                  <p:childTnLst>
+                                    <p:set>
+                                      <p:cBhvr>
+                                        <p:cTn id="12" dur="1" fill="hold">
+                                          <p:stCondLst>
+                                            <p:cond delay="0"/>
+                                          </p:stCondLst>
+                                        </p:cTn>
+                                        <p:tgtEl>
+                                          <p:spTgt spid="2"/>
+                                        </p:tgtEl>
+                                        <p:attrNameLst>
+                                          <p:attrName>style.visibility</p:attrName>
+                                        </p:attrNameLst>
+                                      </p:cBhvr>
+                                      <p:to>
+                                        <p:strVal val="visible"/>
+                                      </p:to>
+                                    </p:set>
+                                    <p:anim calcmode="lin" valueType="num">
+                                      <p:cBhvr additive="base">
+                                        <p:cTn id="13" dur="500" fill="hold"/>
+                                        <p:tgtEl>
+                                          <p:spTgt spid="2"/>
+                                        </p:tgtEl>
+                                        <p:attrNameLst>
+                                          <p:attrName>ppt_x</p:attrName>
+                                        </p:attrNameLst>
+                                      </p:cBhvr>
+                                      <p:tavLst>
+                                        <p:tav tm="0">
+                                          <p:val>
+                                            <p:strVal val="#ppt_x"/>
+                                          </p:val>
+                                        </p:tav>
+                                        <p:tav tm="100000">
+                                          <p:val>
+                                            <p:strVal val="#ppt_x"/>
+                                          </p:val>
+                                        </p:tav>
+                                      </p:tavLst>
+                                    </p:anim>
+                                    <p:anim calcmode="lin" valueType="num">
+                                      <p:cBhvr additive="base">
+                                        <p:cTn id="14" dur="500" fill="hold"/>
+                                        <p:tgtEl>
+                                          <p:spTgt spid="2"/>
+                                        </p:tgtEl>
+                                        <p:attrNameLst>
+                                          <p:attrName>ppt_y</p:attrName>
+                                        </p:attrNameLst>
+                                      </p:cBhvr>
+                                      <p:tavLst>
+                                        <p:tav tm="0">
+                                          <p:val>
+                                            <p:strVal val="1+#ppt_h/2"/>
+                                          </p:val>
+                                        </p:tav>
+                                        <p:tav tm="100000">
+                                          <p:val>
+                                            <p:strVal val="#ppt_y"/>
+                                          </p:val>
+                                        </p:tav>
+                                      </p:tavLst>
+                                    </p:anim>
+                                  </p:childTnLst>
+                                </p:cTn>
+                              </p:par>
+                            </p:childTnLst>
+                          </p:cTn>
+                        </p:par>
+                      </p:childTnLst>
+                    </p:cTn>
+                  </p:par>
+                  <p:par>
+                    <p:cTn id="15" fill="hold">
+                      <p:stCondLst>
+                        <p:cond delay="indefinite"/>
+                      </p:stCondLst>
+                      <p:childTnLst>
+                        <p:par>
+                          <p:cTn id="16" fill="hold">
+                            <p:stCondLst>
+                              <p:cond delay="0"/>
+                            </p:stCondLst>
+                            <p:childTnLst>
+                              <p:par>
+                                <p:cTn id="17" presetID="2" presetClass="entr" presetSubtype="4" fill="hold" nodeType="clickEffect">
+                                  <p:stCondLst>
+                                    <p:cond delay="0"/>
+                                  </p:stCondLst>
+                                  <p:childTnLst>
+                                    <p:set>
+                                      <p:cBhvr>
+                                        <p:cTn id="18" dur="1" fill="hold">
+                                          <p:stCondLst>
+                                            <p:cond delay="0"/>
+                                          </p:stCondLst>
+                                        </p:cTn>
+                                        <p:tgtEl>
+                                          <p:spTgt spid="6"/>
+                                        </p:tgtEl>
+                                        <p:attrNameLst>
+                                          <p:attrName>style.visibility</p:attrName>
+                                        </p:attrNameLst>
+                                      </p:cBhvr>
+                                      <p:to>
+                                        <p:strVal val="visible"/>
+                                      </p:to>
+                                    </p:set>
+                                    <p:anim calcmode="lin" valueType="num">
+                                      <p:cBhvr additive="base">
+                                        <p:cTn id="19" dur="500" fill="hold"/>
+                                        <p:tgtEl>
+                                          <p:spTgt spid="6"/>
+                                        </p:tgtEl>
+                                        <p:attrNameLst>
+                                          <p:attrName>ppt_x</p:attrName>
+                                        </p:attrNameLst>
+                                      </p:cBhvr>
+                                      <p:tavLst>
+                                        <p:tav tm="0">
+                                          <p:val>
+                                            <p:strVal val="#ppt_x"/>
+                                          </p:val>
+                                        </p:tav>
+                                        <p:tav tm="100000">
+                                          <p:val>
+                                            <p:strVal val="#ppt_x"/>
+                                          </p:val>
+                                        </p:tav>
+                                      </p:tavLst>
+                                    </p:anim>
+                                    <p:anim calcmode="lin" valueType="num">
+                                      <p:cBhvr additive="base">
+                                        <p:cTn id="20" dur="500" fill="hold"/>
+                                        <p:tgtEl>
+                                          <p:spTgt spid="6"/>
+                                        </p:tgtEl>
+                                        <p:attrNameLst>
+                                          <p:attrName>ppt_y</p:attrName>
+                                        </p:attrNameLst>
+                                      </p:cBhvr>
+                                      <p:tavLst>
+                                        <p:tav tm="0">
+                                          <p:val>
+                                            <p:strVal val="1+#ppt_h/2"/>
+                                          </p:val>
+                                        </p:tav>
+                                        <p:tav tm="100000">
+                                          <p:val>
+                                            <p:strVal val="#ppt_y"/>
+                                          </p:val>
+                                        </p:tav>
+                                      </p:tavLst>
+                                    </p:anim>
+                                  </p:childTnLst>
+                                </p:cTn>
+                              </p:par>
+                            </p:childTnLst>
+                          </p:cTn>
+                        </p:par>
+                      </p:childTnLst>
+                    </p:cTn>
+                  </p:par>
+                </p:childTnLst>
+              </p:cTn>
+              <p:prevCondLst>
+                <p:cond evt="onPrev" delay="0">
+                  <p:tgtEl>
+                    <p:sldTgt/>
+                  </p:tgtEl>
+                </p:cond>
+              </p:prevCondLst>
+              <p:nextCondLst>
+                <p:cond evt="onNext" delay="0">
+                  <p:tgtEl>
+                    <p:sldTgt/>
+                  </p:tgtEl>
+                </p:cond>
+              </p:nextCondLst>
+            </p:seq>
+          </p:childTnLst>
+        </p:cTn>
+      </p:par>
+    </p:tnLst>
+    <p:bldLst>
+      <p:bldP spid="5" grpId="0"/>
+    </p:bldLst>
+  </p:timing>
+</p:sld>
+</file>
+
+<file path=ppt/slides/slide39.xml><?xml version="1.0" encoding="utf-8"?>
+<p:sld xmlns:a="http://schemas.openxmlformats.org/drawingml/2006/main" xmlns:r="http://schemas.openxmlformats.org/officeDocument/2006/relationships" xmlns:p="http://schemas.openxmlformats.org/presentationml/2006/main">
+  <p:cSld>
+    <p:spTree>
+      <p:nvGrpSpPr>
+        <p:cNvPr id="1" name=""/>
+        <p:cNvGrpSpPr/>
+        <p:nvPr/>
+      </p:nvGrpSpPr>
+      <p:grpSpPr>
+        <a:xfrm>
+          <a:off x="0" y="0"/>
+          <a:ext cx="0" cy="0"/>
+          <a:chOff x="0" y="0"/>
+          <a:chExt cx="0" cy="0"/>
+        </a:xfrm>
+      </p:grpSpPr>
+      <p:sp>
+        <p:nvSpPr>
+          <p:cNvPr id="3" name="Title 2"/>
+          <p:cNvSpPr>
+            <a:spLocks noGrp="1"/>
+          </p:cNvSpPr>
+          <p:nvPr>
+            <p:ph type="title"/>
+          </p:nvPr>
+        </p:nvSpPr>
+        <p:spPr>
+          <a:xfrm>
+            <a:off x="1619672" y="-1"/>
+            <a:ext cx="7524328" cy="771551"/>
+          </a:xfrm>
+        </p:spPr>
+        <p:txBody>
+          <a:bodyPr/>
+          <a:lstStyle/>
+          <a:p>
+            <a:pPr algn="ctr"/>
+            <a:r>
+              <a:rPr lang="en-US" altLang="ko-KR" dirty="0" err="1" smtClean="0"/>
+              <a:t>Navigacija</a:t>
+            </a:r>
+            <a:r>
+              <a:rPr lang="en-US" altLang="ko-KR" dirty="0" smtClean="0"/>
+              <a:t> </a:t>
+            </a:r>
+            <a:r>
+              <a:rPr lang="en-US" altLang="ko-KR" dirty="0" err="1" smtClean="0"/>
+              <a:t>i</a:t>
+            </a:r>
+            <a:r>
+              <a:rPr lang="en-US" altLang="ko-KR" dirty="0" smtClean="0"/>
+              <a:t> Routing</a:t>
+            </a:r>
+            <a:endParaRPr lang="ko-KR" altLang="en-US" dirty="0"/>
+          </a:p>
+        </p:txBody>
+      </p:sp>
+      <p:sp>
+        <p:nvSpPr>
+          <p:cNvPr id="5" name="TextBox 4"/>
+          <p:cNvSpPr txBox="1"/>
+          <p:nvPr/>
+        </p:nvSpPr>
+        <p:spPr>
+          <a:xfrm>
+            <a:off x="1585231" y="1053629"/>
+            <a:ext cx="7200800" cy="307777"/>
+          </a:xfrm>
+          <a:prstGeom prst="rect">
+            <a:avLst/>
+          </a:prstGeom>
+          <a:noFill/>
+        </p:spPr>
+        <p:txBody>
+          <a:bodyPr wrap="square" rtlCol="0">
+            <a:spAutoFit/>
+          </a:bodyPr>
+          <a:lstStyle/>
+          <a:p>
+            <a:r>
+              <a:rPr lang="sr-Latn-RS" sz="1400" dirty="0" smtClean="0">
+                <a:latin typeface="Arial" panose="020B0604020202020204" pitchFamily="34" charset="0"/>
+                <a:cs typeface="Arial" panose="020B0604020202020204" pitchFamily="34" charset="0"/>
+              </a:rPr>
+              <a:t>Da bi smo implementirali Routing u projektu, prvo moramo da kreiramo Routing module</a:t>
+            </a:r>
+            <a:endParaRPr lang="en-US" sz="1400" dirty="0">
+              <a:latin typeface="Arial" panose="020B0604020202020204" pitchFamily="34" charset="0"/>
+              <a:cs typeface="Arial" panose="020B0604020202020204" pitchFamily="34" charset="0"/>
+            </a:endParaRPr>
+          </a:p>
+        </p:txBody>
+      </p:sp>
+      <p:pic>
+        <p:nvPicPr>
+          <p:cNvPr id="4" name="Picture 3"/>
+          <p:cNvPicPr>
+            <a:picLocks noChangeAspect="1"/>
+          </p:cNvPicPr>
+          <p:nvPr/>
+        </p:nvPicPr>
+        <p:blipFill>
+          <a:blip r:embed="rId2"/>
+          <a:stretch>
+            <a:fillRect/>
+          </a:stretch>
+        </p:blipFill>
+        <p:spPr>
+          <a:xfrm>
+            <a:off x="1691680" y="1491630"/>
+            <a:ext cx="6820852" cy="581106"/>
+          </a:xfrm>
+          <a:prstGeom prst="rect">
+            <a:avLst/>
+          </a:prstGeom>
+        </p:spPr>
+      </p:pic>
+      <p:sp>
+        <p:nvSpPr>
+          <p:cNvPr id="7" name="TextBox 6"/>
+          <p:cNvSpPr txBox="1"/>
+          <p:nvPr/>
+        </p:nvSpPr>
+        <p:spPr>
+          <a:xfrm>
+            <a:off x="1619672" y="2335981"/>
+            <a:ext cx="7200800" cy="307777"/>
+          </a:xfrm>
+          <a:prstGeom prst="rect">
+            <a:avLst/>
+          </a:prstGeom>
+          <a:noFill/>
+        </p:spPr>
+        <p:txBody>
+          <a:bodyPr wrap="square" rtlCol="0">
+            <a:spAutoFit/>
+          </a:bodyPr>
+          <a:lstStyle/>
+          <a:p>
+            <a:r>
+              <a:rPr lang="sr-Latn-RS" sz="1400" dirty="0" smtClean="0">
+                <a:latin typeface="Arial" panose="020B0604020202020204" pitchFamily="34" charset="0"/>
+                <a:cs typeface="Arial" panose="020B0604020202020204" pitchFamily="34" charset="0"/>
+              </a:rPr>
+              <a:t>Komanda će kreirati novi routing.module.ts file i registrovati ga u app.module.ts fajlu</a:t>
+            </a:r>
+            <a:endParaRPr lang="en-US" sz="1400" dirty="0">
+              <a:latin typeface="Arial" panose="020B0604020202020204" pitchFamily="34" charset="0"/>
+              <a:cs typeface="Arial" panose="020B0604020202020204" pitchFamily="34" charset="0"/>
+            </a:endParaRPr>
+          </a:p>
+        </p:txBody>
+      </p:sp>
+      <p:sp>
+        <p:nvSpPr>
+          <p:cNvPr id="8" name="TextBox 7"/>
+          <p:cNvSpPr txBox="1"/>
+          <p:nvPr/>
+        </p:nvSpPr>
+        <p:spPr>
+          <a:xfrm>
+            <a:off x="1619672" y="2931790"/>
+            <a:ext cx="7200800" cy="307777"/>
+          </a:xfrm>
+          <a:prstGeom prst="rect">
+            <a:avLst/>
+          </a:prstGeom>
+          <a:noFill/>
+        </p:spPr>
+        <p:txBody>
+          <a:bodyPr wrap="square" rtlCol="0">
+            <a:spAutoFit/>
+          </a:bodyPr>
+          <a:lstStyle/>
+          <a:p>
+            <a:r>
+              <a:rPr lang="en-US" sz="1400" dirty="0" err="1" smtClean="0">
+                <a:latin typeface="Arial" panose="020B0604020202020204" pitchFamily="34" charset="0"/>
+                <a:cs typeface="Arial" panose="020B0604020202020204" pitchFamily="34" charset="0"/>
+              </a:rPr>
+              <a:t>Kada</a:t>
+            </a:r>
+            <a:r>
+              <a:rPr lang="en-US" sz="1400" dirty="0" smtClean="0">
+                <a:latin typeface="Arial" panose="020B0604020202020204" pitchFamily="34" charset="0"/>
+                <a:cs typeface="Arial" panose="020B0604020202020204" pitchFamily="34" charset="0"/>
+              </a:rPr>
+              <a:t> </a:t>
+            </a:r>
+            <a:r>
+              <a:rPr lang="en-US" sz="1400" dirty="0" err="1" smtClean="0">
+                <a:latin typeface="Arial" panose="020B0604020202020204" pitchFamily="34" charset="0"/>
+                <a:cs typeface="Arial" panose="020B0604020202020204" pitchFamily="34" charset="0"/>
+              </a:rPr>
+              <a:t>izmenimo</a:t>
+            </a:r>
+            <a:r>
+              <a:rPr lang="en-US" sz="1400" dirty="0" smtClean="0">
+                <a:latin typeface="Arial" panose="020B0604020202020204" pitchFamily="34" charset="0"/>
+                <a:cs typeface="Arial" panose="020B0604020202020204" pitchFamily="34" charset="0"/>
+              </a:rPr>
+              <a:t> routing file, on </a:t>
+            </a:r>
+            <a:r>
+              <a:rPr lang="en-US" sz="1400" dirty="0" err="1" smtClean="0">
+                <a:latin typeface="Arial" panose="020B0604020202020204" pitchFamily="34" charset="0"/>
+                <a:cs typeface="Arial" panose="020B0604020202020204" pitchFamily="34" charset="0"/>
+              </a:rPr>
+              <a:t>treba</a:t>
+            </a:r>
+            <a:r>
+              <a:rPr lang="en-US" sz="1400" dirty="0" smtClean="0">
+                <a:latin typeface="Arial" panose="020B0604020202020204" pitchFamily="34" charset="0"/>
+                <a:cs typeface="Arial" panose="020B0604020202020204" pitchFamily="34" charset="0"/>
+              </a:rPr>
+              <a:t> da </a:t>
+            </a:r>
+            <a:r>
+              <a:rPr lang="en-US" sz="1400" dirty="0" err="1" smtClean="0">
+                <a:latin typeface="Arial" panose="020B0604020202020204" pitchFamily="34" charset="0"/>
+                <a:cs typeface="Arial" panose="020B0604020202020204" pitchFamily="34" charset="0"/>
+              </a:rPr>
+              <a:t>izgleda</a:t>
+            </a:r>
+            <a:r>
+              <a:rPr lang="en-US" sz="1400" dirty="0" smtClean="0">
+                <a:latin typeface="Arial" panose="020B0604020202020204" pitchFamily="34" charset="0"/>
+                <a:cs typeface="Arial" panose="020B0604020202020204" pitchFamily="34" charset="0"/>
+              </a:rPr>
+              <a:t> </a:t>
+            </a:r>
+            <a:r>
+              <a:rPr lang="en-US" sz="1400" dirty="0" err="1" smtClean="0">
+                <a:latin typeface="Arial" panose="020B0604020202020204" pitchFamily="34" charset="0"/>
+                <a:cs typeface="Arial" panose="020B0604020202020204" pitchFamily="34" charset="0"/>
+              </a:rPr>
+              <a:t>ovako</a:t>
+            </a:r>
+            <a:r>
+              <a:rPr lang="en-US" sz="1400" dirty="0" smtClean="0">
+                <a:latin typeface="Arial" panose="020B0604020202020204" pitchFamily="34" charset="0"/>
+                <a:cs typeface="Arial" panose="020B0604020202020204" pitchFamily="34" charset="0"/>
+              </a:rPr>
+              <a:t>:</a:t>
+            </a:r>
+            <a:endParaRPr lang="en-US" sz="1400" dirty="0">
+              <a:latin typeface="Arial" panose="020B0604020202020204" pitchFamily="34" charset="0"/>
+              <a:cs typeface="Arial" panose="020B0604020202020204" pitchFamily="34" charset="0"/>
+            </a:endParaRPr>
+          </a:p>
+        </p:txBody>
+      </p:sp>
+    </p:spTree>
+    <p:extLst>
+      <p:ext uri="{BB962C8B-B14F-4D97-AF65-F5344CB8AC3E}">
+        <p14:creationId xmlns:p14="http://schemas.microsoft.com/office/powerpoint/2010/main" val="1459188546"/>
+      </p:ext>
+    </p:extLst>
+  </p:cSld>
+  <p:clrMapOvr>
+    <a:masterClrMapping/>
+  </p:clrMapOvr>
+  <p:timing>
+    <p:tnLst>
+      <p:par>
+        <p:cTn id="1" dur="indefinite" restart="never" nodeType="tmRoot">
+          <p:childTnLst>
+            <p:seq concurrent="1" nextAc="seek">
+              <p:cTn id="2" dur="indefinite" nodeType="mainSeq">
+                <p:childTnLst>
+                  <p:par>
+                    <p:cTn id="3" fill="hold">
+                      <p:stCondLst>
+                        <p:cond delay="indefinite"/>
+                      </p:stCondLst>
+                      <p:childTnLst>
+                        <p:par>
+                          <p:cTn id="4" fill="hold">
+                            <p:stCondLst>
+                              <p:cond delay="0"/>
+                            </p:stCondLst>
+                            <p:childTnLst>
+                              <p:par>
+                                <p:cTn id="5" presetID="2" presetClass="entr" presetSubtype="4" fill="hold" grpId="0" nodeType="clickEffect">
+                                  <p:stCondLst>
+                                    <p:cond delay="0"/>
+                                  </p:stCondLst>
+                                  <p:childTnLst>
+                                    <p:set>
+                                      <p:cBhvr>
+                                        <p:cTn id="6" dur="1" fill="hold">
+                                          <p:stCondLst>
+                                            <p:cond delay="0"/>
+                                          </p:stCondLst>
+                                        </p:cTn>
+                                        <p:tgtEl>
+                                          <p:spTgt spid="5"/>
+                                        </p:tgtEl>
+                                        <p:attrNameLst>
+                                          <p:attrName>style.visibility</p:attrName>
+                                        </p:attrNameLst>
+                                      </p:cBhvr>
+                                      <p:to>
+                                        <p:strVal val="visible"/>
+                                      </p:to>
+                                    </p:set>
+                                    <p:anim calcmode="lin" valueType="num">
+                                      <p:cBhvr additive="base">
+                                        <p:cTn id="7" dur="500" fill="hold"/>
+                                        <p:tgtEl>
+                                          <p:spTgt spid="5"/>
+                                        </p:tgtEl>
+                                        <p:attrNameLst>
+                                          <p:attrName>ppt_x</p:attrName>
+                                        </p:attrNameLst>
+                                      </p:cBhvr>
+                                      <p:tavLst>
+                                        <p:tav tm="0">
+                                          <p:val>
+                                            <p:strVal val="#ppt_x"/>
+                                          </p:val>
+                                        </p:tav>
+                                        <p:tav tm="100000">
+                                          <p:val>
+                                            <p:strVal val="#ppt_x"/>
+                                          </p:val>
+                                        </p:tav>
+                                      </p:tavLst>
+                                    </p:anim>
+                                    <p:anim calcmode="lin" valueType="num">
+                                      <p:cBhvr additive="base">
+                                        <p:cTn id="8" dur="500" fill="hold"/>
+                                        <p:tgtEl>
+                                          <p:spTgt spid="5"/>
+                                        </p:tgtEl>
+                                        <p:attrNameLst>
+                                          <p:attrName>ppt_y</p:attrName>
+                                        </p:attrNameLst>
+                                      </p:cBhvr>
+                                      <p:tavLst>
+                                        <p:tav tm="0">
+                                          <p:val>
+                                            <p:strVal val="1+#ppt_h/2"/>
+                                          </p:val>
+                                        </p:tav>
+                                        <p:tav tm="100000">
+                                          <p:val>
+                                            <p:strVal val="#ppt_y"/>
+                                          </p:val>
+                                        </p:tav>
+                                      </p:tavLst>
+                                    </p:anim>
+                                  </p:childTnLst>
+                                </p:cTn>
+                              </p:par>
+                            </p:childTnLst>
+                          </p:cTn>
+                        </p:par>
+                      </p:childTnLst>
+                    </p:cTn>
+                  </p:par>
+                  <p:par>
+                    <p:cTn id="9" fill="hold">
+                      <p:stCondLst>
+                        <p:cond delay="indefinite"/>
+                      </p:stCondLst>
+                      <p:childTnLst>
+                        <p:par>
+                          <p:cTn id="10" fill="hold">
+                            <p:stCondLst>
+                              <p:cond delay="0"/>
+                            </p:stCondLst>
+                            <p:childTnLst>
+                              <p:par>
+                                <p:cTn id="11" presetID="2" presetClass="entr" presetSubtype="4" fill="hold" nodeType="clickEffect">
+                                  <p:stCondLst>
+                                    <p:cond delay="0"/>
+                                  </p:stCondLst>
+                                  <p:childTnLst>
+                                    <p:set>
+                                      <p:cBhvr>
+                                        <p:cTn id="12" dur="1" fill="hold">
+                                          <p:stCondLst>
+                                            <p:cond delay="0"/>
+                                          </p:stCondLst>
+                                        </p:cTn>
+                                        <p:tgtEl>
+                                          <p:spTgt spid="4"/>
+                                        </p:tgtEl>
+                                        <p:attrNameLst>
+                                          <p:attrName>style.visibility</p:attrName>
+                                        </p:attrNameLst>
+                                      </p:cBhvr>
+                                      <p:to>
+                                        <p:strVal val="visible"/>
+                                      </p:to>
+                                    </p:set>
+                                    <p:anim calcmode="lin" valueType="num">
+                                      <p:cBhvr additive="base">
+                                        <p:cTn id="13" dur="500" fill="hold"/>
+                                        <p:tgtEl>
+                                          <p:spTgt spid="4"/>
+                                        </p:tgtEl>
+                                        <p:attrNameLst>
+                                          <p:attrName>ppt_x</p:attrName>
+                                        </p:attrNameLst>
+                                      </p:cBhvr>
+                                      <p:tavLst>
+                                        <p:tav tm="0">
+                                          <p:val>
+                                            <p:strVal val="#ppt_x"/>
+                                          </p:val>
+                                        </p:tav>
+                                        <p:tav tm="100000">
+                                          <p:val>
+                                            <p:strVal val="#ppt_x"/>
+                                          </p:val>
+                                        </p:tav>
+                                      </p:tavLst>
+                                    </p:anim>
+                                    <p:anim calcmode="lin" valueType="num">
+                                      <p:cBhvr additive="base">
+                                        <p:cTn id="14" dur="500" fill="hold"/>
+                                        <p:tgtEl>
+                                          <p:spTgt spid="4"/>
+                                        </p:tgtEl>
+                                        <p:attrNameLst>
+                                          <p:attrName>ppt_y</p:attrName>
+                                        </p:attrNameLst>
+                                      </p:cBhvr>
+                                      <p:tavLst>
+                                        <p:tav tm="0">
+                                          <p:val>
+                                            <p:strVal val="1+#ppt_h/2"/>
+                                          </p:val>
+                                        </p:tav>
+                                        <p:tav tm="100000">
+                                          <p:val>
+                                            <p:strVal val="#ppt_y"/>
+                                          </p:val>
+                                        </p:tav>
+                                      </p:tavLst>
+                                    </p:anim>
+                                  </p:childTnLst>
+                                </p:cTn>
+                              </p:par>
+                            </p:childTnLst>
+                          </p:cTn>
+                        </p:par>
+                      </p:childTnLst>
+                    </p:cTn>
+                  </p:par>
+                  <p:par>
+                    <p:cTn id="15" fill="hold">
+                      <p:stCondLst>
+                        <p:cond delay="indefinite"/>
+                      </p:stCondLst>
+                      <p:childTnLst>
+                        <p:par>
+                          <p:cTn id="16" fill="hold">
+                            <p:stCondLst>
+                              <p:cond delay="0"/>
+                            </p:stCondLst>
+                            <p:childTnLst>
+                              <p:par>
+                                <p:cTn id="17" presetID="2" presetClass="entr" presetSubtype="4" fill="hold" grpId="0" nodeType="clickEffect">
+                                  <p:stCondLst>
+                                    <p:cond delay="0"/>
+                                  </p:stCondLst>
+                                  <p:childTnLst>
+                                    <p:set>
+                                      <p:cBhvr>
+                                        <p:cTn id="18" dur="1" fill="hold">
+                                          <p:stCondLst>
+                                            <p:cond delay="0"/>
+                                          </p:stCondLst>
+                                        </p:cTn>
+                                        <p:tgtEl>
+                                          <p:spTgt spid="7"/>
+                                        </p:tgtEl>
+                                        <p:attrNameLst>
+                                          <p:attrName>style.visibility</p:attrName>
+                                        </p:attrNameLst>
+                                      </p:cBhvr>
+                                      <p:to>
+                                        <p:strVal val="visible"/>
+                                      </p:to>
+                                    </p:set>
+                                    <p:anim calcmode="lin" valueType="num">
+                                      <p:cBhvr additive="base">
+                                        <p:cTn id="19" dur="500" fill="hold"/>
+                                        <p:tgtEl>
+                                          <p:spTgt spid="7"/>
+                                        </p:tgtEl>
+                                        <p:attrNameLst>
+                                          <p:attrName>ppt_x</p:attrName>
+                                        </p:attrNameLst>
+                                      </p:cBhvr>
+                                      <p:tavLst>
+                                        <p:tav tm="0">
+                                          <p:val>
+                                            <p:strVal val="#ppt_x"/>
+                                          </p:val>
+                                        </p:tav>
+                                        <p:tav tm="100000">
+                                          <p:val>
+                                            <p:strVal val="#ppt_x"/>
+                                          </p:val>
+                                        </p:tav>
+                                      </p:tavLst>
+                                    </p:anim>
+                                    <p:anim calcmode="lin" valueType="num">
+                                      <p:cBhvr additive="base">
+                                        <p:cTn id="20" dur="500" fill="hold"/>
+                                        <p:tgtEl>
+                                          <p:spTgt spid="7"/>
+                                        </p:tgtEl>
+                                        <p:attrNameLst>
+                                          <p:attrName>ppt_y</p:attrName>
+                                        </p:attrNameLst>
+                                      </p:cBhvr>
+                                      <p:tavLst>
+                                        <p:tav tm="0">
+                                          <p:val>
+                                            <p:strVal val="1+#ppt_h/2"/>
+                                          </p:val>
+                                        </p:tav>
+                                        <p:tav tm="100000">
+                                          <p:val>
+                                            <p:strVal val="#ppt_y"/>
+                                          </p:val>
+                                        </p:tav>
+                                      </p:tavLst>
+                                    </p:anim>
+                                  </p:childTnLst>
+                                </p:cTn>
+                              </p:par>
+                            </p:childTnLst>
+                          </p:cTn>
+                        </p:par>
+                      </p:childTnLst>
+                    </p:cTn>
+                  </p:par>
+                  <p:par>
+                    <p:cTn id="21" fill="hold">
+                      <p:stCondLst>
+                        <p:cond delay="indefinite"/>
+                      </p:stCondLst>
+                      <p:childTnLst>
+                        <p:par>
+                          <p:cTn id="22" fill="hold">
+                            <p:stCondLst>
+                              <p:cond delay="0"/>
+                            </p:stCondLst>
+                            <p:childTnLst>
+                              <p:par>
+                                <p:cTn id="23" presetID="2" presetClass="entr" presetSubtype="4" fill="hold" grpId="0" nodeType="clickEffect">
+                                  <p:stCondLst>
+                                    <p:cond delay="0"/>
+                                  </p:stCondLst>
+                                  <p:childTnLst>
+                                    <p:set>
+                                      <p:cBhvr>
+                                        <p:cTn id="24" dur="1" fill="hold">
+                                          <p:stCondLst>
+                                            <p:cond delay="0"/>
+                                          </p:stCondLst>
+                                        </p:cTn>
+                                        <p:tgtEl>
+                                          <p:spTgt spid="8"/>
+                                        </p:tgtEl>
+                                        <p:attrNameLst>
+                                          <p:attrName>style.visibility</p:attrName>
+                                        </p:attrNameLst>
+                                      </p:cBhvr>
+                                      <p:to>
+                                        <p:strVal val="visible"/>
+                                      </p:to>
+                                    </p:set>
+                                    <p:anim calcmode="lin" valueType="num">
+                                      <p:cBhvr additive="base">
+                                        <p:cTn id="25" dur="500" fill="hold"/>
+                                        <p:tgtEl>
+                                          <p:spTgt spid="8"/>
+                                        </p:tgtEl>
+                                        <p:attrNameLst>
+                                          <p:attrName>ppt_x</p:attrName>
+                                        </p:attrNameLst>
+                                      </p:cBhvr>
+                                      <p:tavLst>
+                                        <p:tav tm="0">
+                                          <p:val>
+                                            <p:strVal val="#ppt_x"/>
+                                          </p:val>
+                                        </p:tav>
+                                        <p:tav tm="100000">
+                                          <p:val>
+                                            <p:strVal val="#ppt_x"/>
+                                          </p:val>
+                                        </p:tav>
+                                      </p:tavLst>
+                                    </p:anim>
+                                    <p:anim calcmode="lin" valueType="num">
+                                      <p:cBhvr additive="base">
+                                        <p:cTn id="26" dur="500" fill="hold"/>
+                                        <p:tgtEl>
+                                          <p:spTgt spid="8"/>
+                                        </p:tgtEl>
+                                        <p:attrNameLst>
+                                          <p:attrName>ppt_y</p:attrName>
+                                        </p:attrNameLst>
+                                      </p:cBhvr>
+                                      <p:tavLst>
+                                        <p:tav tm="0">
+                                          <p:val>
+                                            <p:strVal val="1+#ppt_h/2"/>
+                                          </p:val>
+                                        </p:tav>
+                                        <p:tav tm="100000">
+                                          <p:val>
+                                            <p:strVal val="#ppt_y"/>
+                                          </p:val>
+                                        </p:tav>
+                                      </p:tavLst>
+                                    </p:anim>
+                                  </p:childTnLst>
+                                </p:cTn>
+                              </p:par>
+                            </p:childTnLst>
+                          </p:cTn>
+                        </p:par>
+                      </p:childTnLst>
+                    </p:cTn>
+                  </p:par>
+                </p:childTnLst>
+              </p:cTn>
+              <p:prevCondLst>
+                <p:cond evt="onPrev" delay="0">
+                  <p:tgtEl>
+                    <p:sldTgt/>
+                  </p:tgtEl>
+                </p:cond>
+              </p:prevCondLst>
+              <p:nextCondLst>
+                <p:cond evt="onNext" delay="0">
+                  <p:tgtEl>
+                    <p:sldTgt/>
+                  </p:tgtEl>
+                </p:cond>
+              </p:nextCondLst>
+            </p:seq>
+          </p:childTnLst>
+        </p:cTn>
+      </p:par>
+    </p:tnLst>
+    <p:bldLst>
+      <p:bldP spid="5" grpId="0"/>
+      <p:bldP spid="7" grpId="0"/>
+      <p:bldP spid="8" grpId="0"/>
+    </p:bldLst>
+  </p:timing>
+</p:sld>
+</file>
+
 <file path=ppt/slides/slide4.xml><?xml version="1.0" encoding="utf-8"?>
 <p:sld xmlns:a="http://schemas.openxmlformats.org/drawingml/2006/main" xmlns:r="http://schemas.openxmlformats.org/officeDocument/2006/relationships" xmlns:p="http://schemas.openxmlformats.org/presentationml/2006/main">
   <p:cSld>
@@ -20319,6 +22542,5414 @@
       <p:bldP spid="9" grpId="0"/>
       <p:bldP spid="13" grpId="0"/>
     </p:bldLst>
+  </p:timing>
+</p:sld>
+</file>
+
+<file path=ppt/slides/slide40.xml><?xml version="1.0" encoding="utf-8"?>
+<p:sld xmlns:a="http://schemas.openxmlformats.org/drawingml/2006/main" xmlns:r="http://schemas.openxmlformats.org/officeDocument/2006/relationships" xmlns:p="http://schemas.openxmlformats.org/presentationml/2006/main">
+  <p:cSld>
+    <p:spTree>
+      <p:nvGrpSpPr>
+        <p:cNvPr id="1" name=""/>
+        <p:cNvGrpSpPr/>
+        <p:nvPr/>
+      </p:nvGrpSpPr>
+      <p:grpSpPr>
+        <a:xfrm>
+          <a:off x="0" y="0"/>
+          <a:ext cx="0" cy="0"/>
+          <a:chOff x="0" y="0"/>
+          <a:chExt cx="0" cy="0"/>
+        </a:xfrm>
+      </p:grpSpPr>
+      <p:sp>
+        <p:nvSpPr>
+          <p:cNvPr id="3" name="Title 2"/>
+          <p:cNvSpPr>
+            <a:spLocks noGrp="1"/>
+          </p:cNvSpPr>
+          <p:nvPr>
+            <p:ph type="title"/>
+          </p:nvPr>
+        </p:nvSpPr>
+        <p:spPr>
+          <a:xfrm>
+            <a:off x="1619672" y="-1"/>
+            <a:ext cx="7524328" cy="771551"/>
+          </a:xfrm>
+        </p:spPr>
+        <p:txBody>
+          <a:bodyPr/>
+          <a:lstStyle/>
+          <a:p>
+            <a:pPr algn="ctr"/>
+            <a:r>
+              <a:rPr lang="en-US" altLang="ko-KR" dirty="0" err="1" smtClean="0"/>
+              <a:t>Navigacija</a:t>
+            </a:r>
+            <a:r>
+              <a:rPr lang="en-US" altLang="ko-KR" dirty="0" smtClean="0"/>
+              <a:t> </a:t>
+            </a:r>
+            <a:r>
+              <a:rPr lang="en-US" altLang="ko-KR" dirty="0" err="1" smtClean="0"/>
+              <a:t>i</a:t>
+            </a:r>
+            <a:r>
+              <a:rPr lang="en-US" altLang="ko-KR" dirty="0" smtClean="0"/>
+              <a:t> Routing</a:t>
+            </a:r>
+            <a:endParaRPr lang="ko-KR" altLang="en-US" dirty="0"/>
+          </a:p>
+        </p:txBody>
+      </p:sp>
+      <p:pic>
+        <p:nvPicPr>
+          <p:cNvPr id="2" name="Picture 1"/>
+          <p:cNvPicPr>
+            <a:picLocks noChangeAspect="1"/>
+          </p:cNvPicPr>
+          <p:nvPr/>
+        </p:nvPicPr>
+        <p:blipFill>
+          <a:blip r:embed="rId2"/>
+          <a:stretch>
+            <a:fillRect/>
+          </a:stretch>
+        </p:blipFill>
+        <p:spPr>
+          <a:xfrm>
+            <a:off x="1835696" y="673125"/>
+            <a:ext cx="4820323" cy="4470375"/>
+          </a:xfrm>
+          <a:prstGeom prst="rect">
+            <a:avLst/>
+          </a:prstGeom>
+        </p:spPr>
+      </p:pic>
+    </p:spTree>
+    <p:extLst>
+      <p:ext uri="{BB962C8B-B14F-4D97-AF65-F5344CB8AC3E}">
+        <p14:creationId xmlns:p14="http://schemas.microsoft.com/office/powerpoint/2010/main" val="358335459"/>
+      </p:ext>
+    </p:extLst>
+  </p:cSld>
+  <p:clrMapOvr>
+    <a:masterClrMapping/>
+  </p:clrMapOvr>
+  <p:timing>
+    <p:tnLst>
+      <p:par>
+        <p:cTn id="1" dur="indefinite" restart="never" nodeType="tmRoot">
+          <p:childTnLst>
+            <p:seq concurrent="1" nextAc="seek">
+              <p:cTn id="2" dur="indefinite" nodeType="mainSeq">
+                <p:childTnLst>
+                  <p:par>
+                    <p:cTn id="3" fill="hold">
+                      <p:stCondLst>
+                        <p:cond delay="indefinite"/>
+                      </p:stCondLst>
+                      <p:childTnLst>
+                        <p:par>
+                          <p:cTn id="4" fill="hold">
+                            <p:stCondLst>
+                              <p:cond delay="0"/>
+                            </p:stCondLst>
+                            <p:childTnLst>
+                              <p:par>
+                                <p:cTn id="5" presetID="2" presetClass="entr" presetSubtype="4" fill="hold" nodeType="clickEffect">
+                                  <p:stCondLst>
+                                    <p:cond delay="0"/>
+                                  </p:stCondLst>
+                                  <p:childTnLst>
+                                    <p:set>
+                                      <p:cBhvr>
+                                        <p:cTn id="6" dur="1" fill="hold">
+                                          <p:stCondLst>
+                                            <p:cond delay="0"/>
+                                          </p:stCondLst>
+                                        </p:cTn>
+                                        <p:tgtEl>
+                                          <p:spTgt spid="2"/>
+                                        </p:tgtEl>
+                                        <p:attrNameLst>
+                                          <p:attrName>style.visibility</p:attrName>
+                                        </p:attrNameLst>
+                                      </p:cBhvr>
+                                      <p:to>
+                                        <p:strVal val="visible"/>
+                                      </p:to>
+                                    </p:set>
+                                    <p:anim calcmode="lin" valueType="num">
+                                      <p:cBhvr additive="base">
+                                        <p:cTn id="7" dur="500" fill="hold"/>
+                                        <p:tgtEl>
+                                          <p:spTgt spid="2"/>
+                                        </p:tgtEl>
+                                        <p:attrNameLst>
+                                          <p:attrName>ppt_x</p:attrName>
+                                        </p:attrNameLst>
+                                      </p:cBhvr>
+                                      <p:tavLst>
+                                        <p:tav tm="0">
+                                          <p:val>
+                                            <p:strVal val="#ppt_x"/>
+                                          </p:val>
+                                        </p:tav>
+                                        <p:tav tm="100000">
+                                          <p:val>
+                                            <p:strVal val="#ppt_x"/>
+                                          </p:val>
+                                        </p:tav>
+                                      </p:tavLst>
+                                    </p:anim>
+                                    <p:anim calcmode="lin" valueType="num">
+                                      <p:cBhvr additive="base">
+                                        <p:cTn id="8" dur="500" fill="hold"/>
+                                        <p:tgtEl>
+                                          <p:spTgt spid="2"/>
+                                        </p:tgtEl>
+                                        <p:attrNameLst>
+                                          <p:attrName>ppt_y</p:attrName>
+                                        </p:attrNameLst>
+                                      </p:cBhvr>
+                                      <p:tavLst>
+                                        <p:tav tm="0">
+                                          <p:val>
+                                            <p:strVal val="1+#ppt_h/2"/>
+                                          </p:val>
+                                        </p:tav>
+                                        <p:tav tm="100000">
+                                          <p:val>
+                                            <p:strVal val="#ppt_y"/>
+                                          </p:val>
+                                        </p:tav>
+                                      </p:tavLst>
+                                    </p:anim>
+                                  </p:childTnLst>
+                                </p:cTn>
+                              </p:par>
+                            </p:childTnLst>
+                          </p:cTn>
+                        </p:par>
+                      </p:childTnLst>
+                    </p:cTn>
+                  </p:par>
+                </p:childTnLst>
+              </p:cTn>
+              <p:prevCondLst>
+                <p:cond evt="onPrev" delay="0">
+                  <p:tgtEl>
+                    <p:sldTgt/>
+                  </p:tgtEl>
+                </p:cond>
+              </p:prevCondLst>
+              <p:nextCondLst>
+                <p:cond evt="onNext" delay="0">
+                  <p:tgtEl>
+                    <p:sldTgt/>
+                  </p:tgtEl>
+                </p:cond>
+              </p:nextCondLst>
+            </p:seq>
+          </p:childTnLst>
+        </p:cTn>
+      </p:par>
+    </p:tnLst>
+  </p:timing>
+</p:sld>
+</file>
+
+<file path=ppt/slides/slide41.xml><?xml version="1.0" encoding="utf-8"?>
+<p:sld xmlns:a="http://schemas.openxmlformats.org/drawingml/2006/main" xmlns:r="http://schemas.openxmlformats.org/officeDocument/2006/relationships" xmlns:p="http://schemas.openxmlformats.org/presentationml/2006/main">
+  <p:cSld>
+    <p:spTree>
+      <p:nvGrpSpPr>
+        <p:cNvPr id="1" name=""/>
+        <p:cNvGrpSpPr/>
+        <p:nvPr/>
+      </p:nvGrpSpPr>
+      <p:grpSpPr>
+        <a:xfrm>
+          <a:off x="0" y="0"/>
+          <a:ext cx="0" cy="0"/>
+          <a:chOff x="0" y="0"/>
+          <a:chExt cx="0" cy="0"/>
+        </a:xfrm>
+      </p:grpSpPr>
+      <p:sp>
+        <p:nvSpPr>
+          <p:cNvPr id="3" name="Title 2"/>
+          <p:cNvSpPr>
+            <a:spLocks noGrp="1"/>
+          </p:cNvSpPr>
+          <p:nvPr>
+            <p:ph type="title"/>
+          </p:nvPr>
+        </p:nvSpPr>
+        <p:spPr>
+          <a:xfrm>
+            <a:off x="1619672" y="-1"/>
+            <a:ext cx="7524328" cy="771551"/>
+          </a:xfrm>
+        </p:spPr>
+        <p:txBody>
+          <a:bodyPr/>
+          <a:lstStyle/>
+          <a:p>
+            <a:pPr algn="ctr"/>
+            <a:r>
+              <a:rPr lang="en-US" altLang="ko-KR" dirty="0" err="1" smtClean="0"/>
+              <a:t>Navigacija</a:t>
+            </a:r>
+            <a:r>
+              <a:rPr lang="en-US" altLang="ko-KR" dirty="0" smtClean="0"/>
+              <a:t> </a:t>
+            </a:r>
+            <a:r>
+              <a:rPr lang="en-US" altLang="ko-KR" dirty="0" err="1" smtClean="0"/>
+              <a:t>i</a:t>
+            </a:r>
+            <a:r>
+              <a:rPr lang="en-US" altLang="ko-KR" dirty="0" smtClean="0"/>
+              <a:t> Routing</a:t>
+            </a:r>
+            <a:endParaRPr lang="ko-KR" altLang="en-US" dirty="0"/>
+          </a:p>
+        </p:txBody>
+      </p:sp>
+      <p:sp>
+        <p:nvSpPr>
+          <p:cNvPr id="5" name="TextBox 4"/>
+          <p:cNvSpPr txBox="1"/>
+          <p:nvPr/>
+        </p:nvSpPr>
+        <p:spPr>
+          <a:xfrm>
+            <a:off x="1585231" y="771550"/>
+            <a:ext cx="7200800" cy="307777"/>
+          </a:xfrm>
+          <a:prstGeom prst="rect">
+            <a:avLst/>
+          </a:prstGeom>
+          <a:noFill/>
+        </p:spPr>
+        <p:txBody>
+          <a:bodyPr wrap="square" rtlCol="0">
+            <a:spAutoFit/>
+          </a:bodyPr>
+          <a:lstStyle/>
+          <a:p>
+            <a:r>
+              <a:rPr lang="en-US" sz="1400" dirty="0" err="1" smtClean="0">
+                <a:latin typeface="Arial" panose="020B0604020202020204" pitchFamily="34" charset="0"/>
+                <a:cs typeface="Arial" panose="020B0604020202020204" pitchFamily="34" charset="0"/>
+              </a:rPr>
+              <a:t>Sada</a:t>
+            </a:r>
+            <a:r>
+              <a:rPr lang="en-US" sz="1400" dirty="0" smtClean="0">
+                <a:latin typeface="Arial" panose="020B0604020202020204" pitchFamily="34" charset="0"/>
+                <a:cs typeface="Arial" panose="020B0604020202020204" pitchFamily="34" charset="0"/>
+              </a:rPr>
+              <a:t> </a:t>
+            </a:r>
+            <a:r>
+              <a:rPr lang="en-US" sz="1400" dirty="0" err="1" smtClean="0">
+                <a:latin typeface="Arial" panose="020B0604020202020204" pitchFamily="34" charset="0"/>
+                <a:cs typeface="Arial" panose="020B0604020202020204" pitchFamily="34" charset="0"/>
+              </a:rPr>
+              <a:t>moramo</a:t>
+            </a:r>
+            <a:r>
+              <a:rPr lang="en-US" sz="1400" dirty="0" smtClean="0">
+                <a:latin typeface="Arial" panose="020B0604020202020204" pitchFamily="34" charset="0"/>
+                <a:cs typeface="Arial" panose="020B0604020202020204" pitchFamily="34" charset="0"/>
+              </a:rPr>
+              <a:t> </a:t>
+            </a:r>
+            <a:r>
+              <a:rPr lang="en-US" sz="1400" dirty="0" err="1" smtClean="0">
+                <a:latin typeface="Arial" panose="020B0604020202020204" pitchFamily="34" charset="0"/>
+                <a:cs typeface="Arial" panose="020B0604020202020204" pitchFamily="34" charset="0"/>
+              </a:rPr>
+              <a:t>izmeniti</a:t>
+            </a:r>
+            <a:r>
+              <a:rPr lang="en-US" sz="1400" dirty="0" smtClean="0">
+                <a:latin typeface="Arial" panose="020B0604020202020204" pitchFamily="34" charset="0"/>
+                <a:cs typeface="Arial" panose="020B0604020202020204" pitchFamily="34" charset="0"/>
+              </a:rPr>
+              <a:t> app.component.html file</a:t>
+            </a:r>
+            <a:endParaRPr lang="en-US" sz="1400" dirty="0">
+              <a:latin typeface="Arial" panose="020B0604020202020204" pitchFamily="34" charset="0"/>
+              <a:cs typeface="Arial" panose="020B0604020202020204" pitchFamily="34" charset="0"/>
+            </a:endParaRPr>
+          </a:p>
+        </p:txBody>
+      </p:sp>
+      <p:pic>
+        <p:nvPicPr>
+          <p:cNvPr id="2" name="Picture 1"/>
+          <p:cNvPicPr>
+            <a:picLocks noChangeAspect="1"/>
+          </p:cNvPicPr>
+          <p:nvPr/>
+        </p:nvPicPr>
+        <p:blipFill>
+          <a:blip r:embed="rId2"/>
+          <a:stretch>
+            <a:fillRect/>
+          </a:stretch>
+        </p:blipFill>
+        <p:spPr>
+          <a:xfrm>
+            <a:off x="1691680" y="1131590"/>
+            <a:ext cx="3258005" cy="1296144"/>
+          </a:xfrm>
+          <a:prstGeom prst="rect">
+            <a:avLst/>
+          </a:prstGeom>
+        </p:spPr>
+      </p:pic>
+      <p:sp>
+        <p:nvSpPr>
+          <p:cNvPr id="9" name="TextBox 8"/>
+          <p:cNvSpPr txBox="1"/>
+          <p:nvPr/>
+        </p:nvSpPr>
+        <p:spPr>
+          <a:xfrm>
+            <a:off x="1585231" y="2499742"/>
+            <a:ext cx="7200800" cy="523220"/>
+          </a:xfrm>
+          <a:prstGeom prst="rect">
+            <a:avLst/>
+          </a:prstGeom>
+          <a:noFill/>
+        </p:spPr>
+        <p:txBody>
+          <a:bodyPr wrap="square" rtlCol="0">
+            <a:spAutoFit/>
+          </a:bodyPr>
+          <a:lstStyle/>
+          <a:p>
+            <a:r>
+              <a:rPr lang="en-US" sz="1400" dirty="0" smtClean="0">
+                <a:latin typeface="Arial" panose="020B0604020202020204" pitchFamily="34" charset="0"/>
+                <a:cs typeface="Arial" panose="020B0604020202020204" pitchFamily="34" charset="0"/>
+              </a:rPr>
+              <a:t>&lt;router-outlet&gt; </a:t>
+            </a:r>
+            <a:r>
+              <a:rPr lang="en-US" sz="1400" dirty="0" err="1" smtClean="0">
+                <a:latin typeface="Arial" panose="020B0604020202020204" pitchFamily="34" charset="0"/>
+                <a:cs typeface="Arial" panose="020B0604020202020204" pitchFamily="34" charset="0"/>
+              </a:rPr>
+              <a:t>predstavlja</a:t>
+            </a:r>
+            <a:r>
+              <a:rPr lang="en-US" sz="1400" dirty="0" smtClean="0">
+                <a:latin typeface="Arial" panose="020B0604020202020204" pitchFamily="34" charset="0"/>
+                <a:cs typeface="Arial" panose="020B0604020202020204" pitchFamily="34" charset="0"/>
+              </a:rPr>
+              <a:t> placeholder </a:t>
+            </a:r>
+            <a:r>
+              <a:rPr lang="en-US" sz="1400" dirty="0" err="1" smtClean="0">
+                <a:latin typeface="Arial" panose="020B0604020202020204" pitchFamily="34" charset="0"/>
+                <a:cs typeface="Arial" panose="020B0604020202020204" pitchFamily="34" charset="0"/>
+              </a:rPr>
+              <a:t>koji</a:t>
+            </a:r>
+            <a:r>
+              <a:rPr lang="en-US" sz="1400" dirty="0" smtClean="0">
+                <a:latin typeface="Arial" panose="020B0604020202020204" pitchFamily="34" charset="0"/>
+                <a:cs typeface="Arial" panose="020B0604020202020204" pitchFamily="34" charset="0"/>
+              </a:rPr>
+              <a:t> </a:t>
+            </a:r>
+            <a:r>
+              <a:rPr lang="sr-Latn-RS" sz="1400" dirty="0" smtClean="0">
+                <a:latin typeface="Arial" panose="020B0604020202020204" pitchFamily="34" charset="0"/>
+                <a:cs typeface="Arial" panose="020B0604020202020204" pitchFamily="34" charset="0"/>
+              </a:rPr>
+              <a:t>će prihvatati sadržaj komponenti koje želimo da izrenderujemo na stranici.</a:t>
+            </a:r>
+            <a:endParaRPr lang="en-US" sz="1400" dirty="0">
+              <a:latin typeface="Arial" panose="020B0604020202020204" pitchFamily="34" charset="0"/>
+              <a:cs typeface="Arial" panose="020B0604020202020204" pitchFamily="34" charset="0"/>
+            </a:endParaRPr>
+          </a:p>
+        </p:txBody>
+      </p:sp>
+      <p:pic>
+        <p:nvPicPr>
+          <p:cNvPr id="6" name="Picture 5"/>
+          <p:cNvPicPr>
+            <a:picLocks noChangeAspect="1"/>
+          </p:cNvPicPr>
+          <p:nvPr/>
+        </p:nvPicPr>
+        <p:blipFill>
+          <a:blip r:embed="rId3">
+            <a:extLst>
+              <a:ext uri="{28A0092B-C50C-407E-A947-70E740481C1C}">
+                <a14:useLocalDpi xmlns:a14="http://schemas.microsoft.com/office/drawing/2010/main" val="0"/>
+              </a:ext>
+            </a:extLst>
+          </a:blip>
+          <a:stretch>
+            <a:fillRect/>
+          </a:stretch>
+        </p:blipFill>
+        <p:spPr>
+          <a:xfrm>
+            <a:off x="1646801" y="3094970"/>
+            <a:ext cx="7272808" cy="1853045"/>
+          </a:xfrm>
+          <a:prstGeom prst="rect">
+            <a:avLst/>
+          </a:prstGeom>
+        </p:spPr>
+      </p:pic>
+    </p:spTree>
+    <p:extLst>
+      <p:ext uri="{BB962C8B-B14F-4D97-AF65-F5344CB8AC3E}">
+        <p14:creationId xmlns:p14="http://schemas.microsoft.com/office/powerpoint/2010/main" val="3395151038"/>
+      </p:ext>
+    </p:extLst>
+  </p:cSld>
+  <p:clrMapOvr>
+    <a:masterClrMapping/>
+  </p:clrMapOvr>
+  <p:timing>
+    <p:tnLst>
+      <p:par>
+        <p:cTn id="1" dur="indefinite" restart="never" nodeType="tmRoot">
+          <p:childTnLst>
+            <p:seq concurrent="1" nextAc="seek">
+              <p:cTn id="2" dur="indefinite" nodeType="mainSeq">
+                <p:childTnLst>
+                  <p:par>
+                    <p:cTn id="3" fill="hold">
+                      <p:stCondLst>
+                        <p:cond delay="indefinite"/>
+                      </p:stCondLst>
+                      <p:childTnLst>
+                        <p:par>
+                          <p:cTn id="4" fill="hold">
+                            <p:stCondLst>
+                              <p:cond delay="0"/>
+                            </p:stCondLst>
+                            <p:childTnLst>
+                              <p:par>
+                                <p:cTn id="5" presetID="2" presetClass="entr" presetSubtype="4" fill="hold" grpId="0" nodeType="clickEffect">
+                                  <p:stCondLst>
+                                    <p:cond delay="0"/>
+                                  </p:stCondLst>
+                                  <p:childTnLst>
+                                    <p:set>
+                                      <p:cBhvr>
+                                        <p:cTn id="6" dur="1" fill="hold">
+                                          <p:stCondLst>
+                                            <p:cond delay="0"/>
+                                          </p:stCondLst>
+                                        </p:cTn>
+                                        <p:tgtEl>
+                                          <p:spTgt spid="5"/>
+                                        </p:tgtEl>
+                                        <p:attrNameLst>
+                                          <p:attrName>style.visibility</p:attrName>
+                                        </p:attrNameLst>
+                                      </p:cBhvr>
+                                      <p:to>
+                                        <p:strVal val="visible"/>
+                                      </p:to>
+                                    </p:set>
+                                    <p:anim calcmode="lin" valueType="num">
+                                      <p:cBhvr additive="base">
+                                        <p:cTn id="7" dur="500" fill="hold"/>
+                                        <p:tgtEl>
+                                          <p:spTgt spid="5"/>
+                                        </p:tgtEl>
+                                        <p:attrNameLst>
+                                          <p:attrName>ppt_x</p:attrName>
+                                        </p:attrNameLst>
+                                      </p:cBhvr>
+                                      <p:tavLst>
+                                        <p:tav tm="0">
+                                          <p:val>
+                                            <p:strVal val="#ppt_x"/>
+                                          </p:val>
+                                        </p:tav>
+                                        <p:tav tm="100000">
+                                          <p:val>
+                                            <p:strVal val="#ppt_x"/>
+                                          </p:val>
+                                        </p:tav>
+                                      </p:tavLst>
+                                    </p:anim>
+                                    <p:anim calcmode="lin" valueType="num">
+                                      <p:cBhvr additive="base">
+                                        <p:cTn id="8" dur="500" fill="hold"/>
+                                        <p:tgtEl>
+                                          <p:spTgt spid="5"/>
+                                        </p:tgtEl>
+                                        <p:attrNameLst>
+                                          <p:attrName>ppt_y</p:attrName>
+                                        </p:attrNameLst>
+                                      </p:cBhvr>
+                                      <p:tavLst>
+                                        <p:tav tm="0">
+                                          <p:val>
+                                            <p:strVal val="1+#ppt_h/2"/>
+                                          </p:val>
+                                        </p:tav>
+                                        <p:tav tm="100000">
+                                          <p:val>
+                                            <p:strVal val="#ppt_y"/>
+                                          </p:val>
+                                        </p:tav>
+                                      </p:tavLst>
+                                    </p:anim>
+                                  </p:childTnLst>
+                                </p:cTn>
+                              </p:par>
+                            </p:childTnLst>
+                          </p:cTn>
+                        </p:par>
+                      </p:childTnLst>
+                    </p:cTn>
+                  </p:par>
+                  <p:par>
+                    <p:cTn id="9" fill="hold">
+                      <p:stCondLst>
+                        <p:cond delay="indefinite"/>
+                      </p:stCondLst>
+                      <p:childTnLst>
+                        <p:par>
+                          <p:cTn id="10" fill="hold">
+                            <p:stCondLst>
+                              <p:cond delay="0"/>
+                            </p:stCondLst>
+                            <p:childTnLst>
+                              <p:par>
+                                <p:cTn id="11" presetID="2" presetClass="entr" presetSubtype="4" fill="hold" nodeType="clickEffect">
+                                  <p:stCondLst>
+                                    <p:cond delay="0"/>
+                                  </p:stCondLst>
+                                  <p:childTnLst>
+                                    <p:set>
+                                      <p:cBhvr>
+                                        <p:cTn id="12" dur="1" fill="hold">
+                                          <p:stCondLst>
+                                            <p:cond delay="0"/>
+                                          </p:stCondLst>
+                                        </p:cTn>
+                                        <p:tgtEl>
+                                          <p:spTgt spid="2"/>
+                                        </p:tgtEl>
+                                        <p:attrNameLst>
+                                          <p:attrName>style.visibility</p:attrName>
+                                        </p:attrNameLst>
+                                      </p:cBhvr>
+                                      <p:to>
+                                        <p:strVal val="visible"/>
+                                      </p:to>
+                                    </p:set>
+                                    <p:anim calcmode="lin" valueType="num">
+                                      <p:cBhvr additive="base">
+                                        <p:cTn id="13" dur="500" fill="hold"/>
+                                        <p:tgtEl>
+                                          <p:spTgt spid="2"/>
+                                        </p:tgtEl>
+                                        <p:attrNameLst>
+                                          <p:attrName>ppt_x</p:attrName>
+                                        </p:attrNameLst>
+                                      </p:cBhvr>
+                                      <p:tavLst>
+                                        <p:tav tm="0">
+                                          <p:val>
+                                            <p:strVal val="#ppt_x"/>
+                                          </p:val>
+                                        </p:tav>
+                                        <p:tav tm="100000">
+                                          <p:val>
+                                            <p:strVal val="#ppt_x"/>
+                                          </p:val>
+                                        </p:tav>
+                                      </p:tavLst>
+                                    </p:anim>
+                                    <p:anim calcmode="lin" valueType="num">
+                                      <p:cBhvr additive="base">
+                                        <p:cTn id="14" dur="500" fill="hold"/>
+                                        <p:tgtEl>
+                                          <p:spTgt spid="2"/>
+                                        </p:tgtEl>
+                                        <p:attrNameLst>
+                                          <p:attrName>ppt_y</p:attrName>
+                                        </p:attrNameLst>
+                                      </p:cBhvr>
+                                      <p:tavLst>
+                                        <p:tav tm="0">
+                                          <p:val>
+                                            <p:strVal val="1+#ppt_h/2"/>
+                                          </p:val>
+                                        </p:tav>
+                                        <p:tav tm="100000">
+                                          <p:val>
+                                            <p:strVal val="#ppt_y"/>
+                                          </p:val>
+                                        </p:tav>
+                                      </p:tavLst>
+                                    </p:anim>
+                                  </p:childTnLst>
+                                </p:cTn>
+                              </p:par>
+                            </p:childTnLst>
+                          </p:cTn>
+                        </p:par>
+                      </p:childTnLst>
+                    </p:cTn>
+                  </p:par>
+                  <p:par>
+                    <p:cTn id="15" fill="hold">
+                      <p:stCondLst>
+                        <p:cond delay="indefinite"/>
+                      </p:stCondLst>
+                      <p:childTnLst>
+                        <p:par>
+                          <p:cTn id="16" fill="hold">
+                            <p:stCondLst>
+                              <p:cond delay="0"/>
+                            </p:stCondLst>
+                            <p:childTnLst>
+                              <p:par>
+                                <p:cTn id="17" presetID="2" presetClass="entr" presetSubtype="4" fill="hold" grpId="0" nodeType="clickEffect">
+                                  <p:stCondLst>
+                                    <p:cond delay="0"/>
+                                  </p:stCondLst>
+                                  <p:childTnLst>
+                                    <p:set>
+                                      <p:cBhvr>
+                                        <p:cTn id="18" dur="1" fill="hold">
+                                          <p:stCondLst>
+                                            <p:cond delay="0"/>
+                                          </p:stCondLst>
+                                        </p:cTn>
+                                        <p:tgtEl>
+                                          <p:spTgt spid="9"/>
+                                        </p:tgtEl>
+                                        <p:attrNameLst>
+                                          <p:attrName>style.visibility</p:attrName>
+                                        </p:attrNameLst>
+                                      </p:cBhvr>
+                                      <p:to>
+                                        <p:strVal val="visible"/>
+                                      </p:to>
+                                    </p:set>
+                                    <p:anim calcmode="lin" valueType="num">
+                                      <p:cBhvr additive="base">
+                                        <p:cTn id="19" dur="500" fill="hold"/>
+                                        <p:tgtEl>
+                                          <p:spTgt spid="9"/>
+                                        </p:tgtEl>
+                                        <p:attrNameLst>
+                                          <p:attrName>ppt_x</p:attrName>
+                                        </p:attrNameLst>
+                                      </p:cBhvr>
+                                      <p:tavLst>
+                                        <p:tav tm="0">
+                                          <p:val>
+                                            <p:strVal val="#ppt_x"/>
+                                          </p:val>
+                                        </p:tav>
+                                        <p:tav tm="100000">
+                                          <p:val>
+                                            <p:strVal val="#ppt_x"/>
+                                          </p:val>
+                                        </p:tav>
+                                      </p:tavLst>
+                                    </p:anim>
+                                    <p:anim calcmode="lin" valueType="num">
+                                      <p:cBhvr additive="base">
+                                        <p:cTn id="20" dur="500" fill="hold"/>
+                                        <p:tgtEl>
+                                          <p:spTgt spid="9"/>
+                                        </p:tgtEl>
+                                        <p:attrNameLst>
+                                          <p:attrName>ppt_y</p:attrName>
+                                        </p:attrNameLst>
+                                      </p:cBhvr>
+                                      <p:tavLst>
+                                        <p:tav tm="0">
+                                          <p:val>
+                                            <p:strVal val="1+#ppt_h/2"/>
+                                          </p:val>
+                                        </p:tav>
+                                        <p:tav tm="100000">
+                                          <p:val>
+                                            <p:strVal val="#ppt_y"/>
+                                          </p:val>
+                                        </p:tav>
+                                      </p:tavLst>
+                                    </p:anim>
+                                  </p:childTnLst>
+                                </p:cTn>
+                              </p:par>
+                            </p:childTnLst>
+                          </p:cTn>
+                        </p:par>
+                      </p:childTnLst>
+                    </p:cTn>
+                  </p:par>
+                  <p:par>
+                    <p:cTn id="21" fill="hold">
+                      <p:stCondLst>
+                        <p:cond delay="indefinite"/>
+                      </p:stCondLst>
+                      <p:childTnLst>
+                        <p:par>
+                          <p:cTn id="22" fill="hold">
+                            <p:stCondLst>
+                              <p:cond delay="0"/>
+                            </p:stCondLst>
+                            <p:childTnLst>
+                              <p:par>
+                                <p:cTn id="23" presetID="2" presetClass="entr" presetSubtype="4" fill="hold" nodeType="clickEffect">
+                                  <p:stCondLst>
+                                    <p:cond delay="0"/>
+                                  </p:stCondLst>
+                                  <p:childTnLst>
+                                    <p:set>
+                                      <p:cBhvr>
+                                        <p:cTn id="24" dur="1" fill="hold">
+                                          <p:stCondLst>
+                                            <p:cond delay="0"/>
+                                          </p:stCondLst>
+                                        </p:cTn>
+                                        <p:tgtEl>
+                                          <p:spTgt spid="6"/>
+                                        </p:tgtEl>
+                                        <p:attrNameLst>
+                                          <p:attrName>style.visibility</p:attrName>
+                                        </p:attrNameLst>
+                                      </p:cBhvr>
+                                      <p:to>
+                                        <p:strVal val="visible"/>
+                                      </p:to>
+                                    </p:set>
+                                    <p:anim calcmode="lin" valueType="num">
+                                      <p:cBhvr additive="base">
+                                        <p:cTn id="25" dur="500" fill="hold"/>
+                                        <p:tgtEl>
+                                          <p:spTgt spid="6"/>
+                                        </p:tgtEl>
+                                        <p:attrNameLst>
+                                          <p:attrName>ppt_x</p:attrName>
+                                        </p:attrNameLst>
+                                      </p:cBhvr>
+                                      <p:tavLst>
+                                        <p:tav tm="0">
+                                          <p:val>
+                                            <p:strVal val="#ppt_x"/>
+                                          </p:val>
+                                        </p:tav>
+                                        <p:tav tm="100000">
+                                          <p:val>
+                                            <p:strVal val="#ppt_x"/>
+                                          </p:val>
+                                        </p:tav>
+                                      </p:tavLst>
+                                    </p:anim>
+                                    <p:anim calcmode="lin" valueType="num">
+                                      <p:cBhvr additive="base">
+                                        <p:cTn id="26" dur="500" fill="hold"/>
+                                        <p:tgtEl>
+                                          <p:spTgt spid="6"/>
+                                        </p:tgtEl>
+                                        <p:attrNameLst>
+                                          <p:attrName>ppt_y</p:attrName>
+                                        </p:attrNameLst>
+                                      </p:cBhvr>
+                                      <p:tavLst>
+                                        <p:tav tm="0">
+                                          <p:val>
+                                            <p:strVal val="1+#ppt_h/2"/>
+                                          </p:val>
+                                        </p:tav>
+                                        <p:tav tm="100000">
+                                          <p:val>
+                                            <p:strVal val="#ppt_y"/>
+                                          </p:val>
+                                        </p:tav>
+                                      </p:tavLst>
+                                    </p:anim>
+                                  </p:childTnLst>
+                                </p:cTn>
+                              </p:par>
+                            </p:childTnLst>
+                          </p:cTn>
+                        </p:par>
+                      </p:childTnLst>
+                    </p:cTn>
+                  </p:par>
+                </p:childTnLst>
+              </p:cTn>
+              <p:prevCondLst>
+                <p:cond evt="onPrev" delay="0">
+                  <p:tgtEl>
+                    <p:sldTgt/>
+                  </p:tgtEl>
+                </p:cond>
+              </p:prevCondLst>
+              <p:nextCondLst>
+                <p:cond evt="onNext" delay="0">
+                  <p:tgtEl>
+                    <p:sldTgt/>
+                  </p:tgtEl>
+                </p:cond>
+              </p:nextCondLst>
+            </p:seq>
+          </p:childTnLst>
+        </p:cTn>
+      </p:par>
+    </p:tnLst>
+    <p:bldLst>
+      <p:bldP spid="5" grpId="0"/>
+      <p:bldP spid="9" grpId="0"/>
+    </p:bldLst>
+  </p:timing>
+</p:sld>
+</file>
+
+<file path=ppt/slides/slide42.xml><?xml version="1.0" encoding="utf-8"?>
+<p:sld xmlns:a="http://schemas.openxmlformats.org/drawingml/2006/main" xmlns:r="http://schemas.openxmlformats.org/officeDocument/2006/relationships" xmlns:p="http://schemas.openxmlformats.org/presentationml/2006/main">
+  <p:cSld>
+    <p:spTree>
+      <p:nvGrpSpPr>
+        <p:cNvPr id="1" name=""/>
+        <p:cNvGrpSpPr/>
+        <p:nvPr/>
+      </p:nvGrpSpPr>
+      <p:grpSpPr>
+        <a:xfrm>
+          <a:off x="0" y="0"/>
+          <a:ext cx="0" cy="0"/>
+          <a:chOff x="0" y="0"/>
+          <a:chExt cx="0" cy="0"/>
+        </a:xfrm>
+      </p:grpSpPr>
+      <p:sp>
+        <p:nvSpPr>
+          <p:cNvPr id="3" name="Title 2"/>
+          <p:cNvSpPr>
+            <a:spLocks noGrp="1"/>
+          </p:cNvSpPr>
+          <p:nvPr>
+            <p:ph type="title"/>
+          </p:nvPr>
+        </p:nvSpPr>
+        <p:spPr>
+          <a:xfrm>
+            <a:off x="1619672" y="-1"/>
+            <a:ext cx="7524328" cy="771551"/>
+          </a:xfrm>
+        </p:spPr>
+        <p:txBody>
+          <a:bodyPr/>
+          <a:lstStyle/>
+          <a:p>
+            <a:pPr algn="ctr"/>
+            <a:r>
+              <a:rPr lang="en-US" altLang="ko-KR" dirty="0" err="1" smtClean="0"/>
+              <a:t>Navigacija</a:t>
+            </a:r>
+            <a:r>
+              <a:rPr lang="en-US" altLang="ko-KR" dirty="0" smtClean="0"/>
+              <a:t> </a:t>
+            </a:r>
+            <a:r>
+              <a:rPr lang="en-US" altLang="ko-KR" dirty="0" err="1" smtClean="0"/>
+              <a:t>i</a:t>
+            </a:r>
+            <a:r>
+              <a:rPr lang="en-US" altLang="ko-KR" dirty="0" smtClean="0"/>
+              <a:t> Routing</a:t>
+            </a:r>
+            <a:endParaRPr lang="ko-KR" altLang="en-US" dirty="0"/>
+          </a:p>
+        </p:txBody>
+      </p:sp>
+      <p:sp>
+        <p:nvSpPr>
+          <p:cNvPr id="5" name="TextBox 4"/>
+          <p:cNvSpPr txBox="1"/>
+          <p:nvPr/>
+        </p:nvSpPr>
+        <p:spPr>
+          <a:xfrm>
+            <a:off x="1619672" y="915566"/>
+            <a:ext cx="7200800" cy="307777"/>
+          </a:xfrm>
+          <a:prstGeom prst="rect">
+            <a:avLst/>
+          </a:prstGeom>
+          <a:noFill/>
+        </p:spPr>
+        <p:txBody>
+          <a:bodyPr wrap="square" rtlCol="0">
+            <a:spAutoFit/>
+          </a:bodyPr>
+          <a:lstStyle/>
+          <a:p>
+            <a:r>
+              <a:rPr lang="sr-Latn-RS" sz="1400" dirty="0" smtClean="0">
+                <a:latin typeface="Arial" panose="020B0604020202020204" pitchFamily="34" charset="0"/>
+                <a:cs typeface="Arial" panose="020B0604020202020204" pitchFamily="34" charset="0"/>
+              </a:rPr>
+              <a:t>Da bi nam menu radio, moramo mu podesiti definisane rute</a:t>
+            </a:r>
+            <a:endParaRPr lang="en-US" sz="1400" dirty="0">
+              <a:latin typeface="Arial" panose="020B0604020202020204" pitchFamily="34" charset="0"/>
+              <a:cs typeface="Arial" panose="020B0604020202020204" pitchFamily="34" charset="0"/>
+            </a:endParaRPr>
+          </a:p>
+        </p:txBody>
+      </p:sp>
+      <p:pic>
+        <p:nvPicPr>
+          <p:cNvPr id="4" name="Picture 3"/>
+          <p:cNvPicPr>
+            <a:picLocks noChangeAspect="1"/>
+          </p:cNvPicPr>
+          <p:nvPr/>
+        </p:nvPicPr>
+        <p:blipFill>
+          <a:blip r:embed="rId2"/>
+          <a:stretch>
+            <a:fillRect/>
+          </a:stretch>
+        </p:blipFill>
+        <p:spPr>
+          <a:xfrm>
+            <a:off x="1619672" y="1363620"/>
+            <a:ext cx="6573167" cy="2353003"/>
+          </a:xfrm>
+          <a:prstGeom prst="rect">
+            <a:avLst/>
+          </a:prstGeom>
+        </p:spPr>
+      </p:pic>
+      <p:pic>
+        <p:nvPicPr>
+          <p:cNvPr id="7" name="Picture 6"/>
+          <p:cNvPicPr>
+            <a:picLocks noChangeAspect="1"/>
+          </p:cNvPicPr>
+          <p:nvPr/>
+        </p:nvPicPr>
+        <p:blipFill>
+          <a:blip r:embed="rId3"/>
+          <a:stretch>
+            <a:fillRect/>
+          </a:stretch>
+        </p:blipFill>
+        <p:spPr>
+          <a:xfrm>
+            <a:off x="1626777" y="3776448"/>
+            <a:ext cx="2314898" cy="1390844"/>
+          </a:xfrm>
+          <a:prstGeom prst="rect">
+            <a:avLst/>
+          </a:prstGeom>
+        </p:spPr>
+      </p:pic>
+    </p:spTree>
+    <p:extLst>
+      <p:ext uri="{BB962C8B-B14F-4D97-AF65-F5344CB8AC3E}">
+        <p14:creationId xmlns:p14="http://schemas.microsoft.com/office/powerpoint/2010/main" val="3245104934"/>
+      </p:ext>
+    </p:extLst>
+  </p:cSld>
+  <p:clrMapOvr>
+    <a:masterClrMapping/>
+  </p:clrMapOvr>
+  <p:timing>
+    <p:tnLst>
+      <p:par>
+        <p:cTn id="1" dur="indefinite" restart="never" nodeType="tmRoot">
+          <p:childTnLst>
+            <p:seq concurrent="1" nextAc="seek">
+              <p:cTn id="2" dur="indefinite" nodeType="mainSeq">
+                <p:childTnLst>
+                  <p:par>
+                    <p:cTn id="3" fill="hold">
+                      <p:stCondLst>
+                        <p:cond delay="indefinite"/>
+                      </p:stCondLst>
+                      <p:childTnLst>
+                        <p:par>
+                          <p:cTn id="4" fill="hold">
+                            <p:stCondLst>
+                              <p:cond delay="0"/>
+                            </p:stCondLst>
+                            <p:childTnLst>
+                              <p:par>
+                                <p:cTn id="5" presetID="2" presetClass="entr" presetSubtype="4" fill="hold" grpId="0" nodeType="clickEffect">
+                                  <p:stCondLst>
+                                    <p:cond delay="0"/>
+                                  </p:stCondLst>
+                                  <p:childTnLst>
+                                    <p:set>
+                                      <p:cBhvr>
+                                        <p:cTn id="6" dur="1" fill="hold">
+                                          <p:stCondLst>
+                                            <p:cond delay="0"/>
+                                          </p:stCondLst>
+                                        </p:cTn>
+                                        <p:tgtEl>
+                                          <p:spTgt spid="5"/>
+                                        </p:tgtEl>
+                                        <p:attrNameLst>
+                                          <p:attrName>style.visibility</p:attrName>
+                                        </p:attrNameLst>
+                                      </p:cBhvr>
+                                      <p:to>
+                                        <p:strVal val="visible"/>
+                                      </p:to>
+                                    </p:set>
+                                    <p:anim calcmode="lin" valueType="num">
+                                      <p:cBhvr additive="base">
+                                        <p:cTn id="7" dur="500" fill="hold"/>
+                                        <p:tgtEl>
+                                          <p:spTgt spid="5"/>
+                                        </p:tgtEl>
+                                        <p:attrNameLst>
+                                          <p:attrName>ppt_x</p:attrName>
+                                        </p:attrNameLst>
+                                      </p:cBhvr>
+                                      <p:tavLst>
+                                        <p:tav tm="0">
+                                          <p:val>
+                                            <p:strVal val="#ppt_x"/>
+                                          </p:val>
+                                        </p:tav>
+                                        <p:tav tm="100000">
+                                          <p:val>
+                                            <p:strVal val="#ppt_x"/>
+                                          </p:val>
+                                        </p:tav>
+                                      </p:tavLst>
+                                    </p:anim>
+                                    <p:anim calcmode="lin" valueType="num">
+                                      <p:cBhvr additive="base">
+                                        <p:cTn id="8" dur="500" fill="hold"/>
+                                        <p:tgtEl>
+                                          <p:spTgt spid="5"/>
+                                        </p:tgtEl>
+                                        <p:attrNameLst>
+                                          <p:attrName>ppt_y</p:attrName>
+                                        </p:attrNameLst>
+                                      </p:cBhvr>
+                                      <p:tavLst>
+                                        <p:tav tm="0">
+                                          <p:val>
+                                            <p:strVal val="1+#ppt_h/2"/>
+                                          </p:val>
+                                        </p:tav>
+                                        <p:tav tm="100000">
+                                          <p:val>
+                                            <p:strVal val="#ppt_y"/>
+                                          </p:val>
+                                        </p:tav>
+                                      </p:tavLst>
+                                    </p:anim>
+                                  </p:childTnLst>
+                                </p:cTn>
+                              </p:par>
+                            </p:childTnLst>
+                          </p:cTn>
+                        </p:par>
+                      </p:childTnLst>
+                    </p:cTn>
+                  </p:par>
+                  <p:par>
+                    <p:cTn id="9" fill="hold">
+                      <p:stCondLst>
+                        <p:cond delay="indefinite"/>
+                      </p:stCondLst>
+                      <p:childTnLst>
+                        <p:par>
+                          <p:cTn id="10" fill="hold">
+                            <p:stCondLst>
+                              <p:cond delay="0"/>
+                            </p:stCondLst>
+                            <p:childTnLst>
+                              <p:par>
+                                <p:cTn id="11" presetID="2" presetClass="entr" presetSubtype="4" fill="hold" nodeType="clickEffect">
+                                  <p:stCondLst>
+                                    <p:cond delay="0"/>
+                                  </p:stCondLst>
+                                  <p:childTnLst>
+                                    <p:set>
+                                      <p:cBhvr>
+                                        <p:cTn id="12" dur="1" fill="hold">
+                                          <p:stCondLst>
+                                            <p:cond delay="0"/>
+                                          </p:stCondLst>
+                                        </p:cTn>
+                                        <p:tgtEl>
+                                          <p:spTgt spid="4"/>
+                                        </p:tgtEl>
+                                        <p:attrNameLst>
+                                          <p:attrName>style.visibility</p:attrName>
+                                        </p:attrNameLst>
+                                      </p:cBhvr>
+                                      <p:to>
+                                        <p:strVal val="visible"/>
+                                      </p:to>
+                                    </p:set>
+                                    <p:anim calcmode="lin" valueType="num">
+                                      <p:cBhvr additive="base">
+                                        <p:cTn id="13" dur="500" fill="hold"/>
+                                        <p:tgtEl>
+                                          <p:spTgt spid="4"/>
+                                        </p:tgtEl>
+                                        <p:attrNameLst>
+                                          <p:attrName>ppt_x</p:attrName>
+                                        </p:attrNameLst>
+                                      </p:cBhvr>
+                                      <p:tavLst>
+                                        <p:tav tm="0">
+                                          <p:val>
+                                            <p:strVal val="#ppt_x"/>
+                                          </p:val>
+                                        </p:tav>
+                                        <p:tav tm="100000">
+                                          <p:val>
+                                            <p:strVal val="#ppt_x"/>
+                                          </p:val>
+                                        </p:tav>
+                                      </p:tavLst>
+                                    </p:anim>
+                                    <p:anim calcmode="lin" valueType="num">
+                                      <p:cBhvr additive="base">
+                                        <p:cTn id="14" dur="500" fill="hold"/>
+                                        <p:tgtEl>
+                                          <p:spTgt spid="4"/>
+                                        </p:tgtEl>
+                                        <p:attrNameLst>
+                                          <p:attrName>ppt_y</p:attrName>
+                                        </p:attrNameLst>
+                                      </p:cBhvr>
+                                      <p:tavLst>
+                                        <p:tav tm="0">
+                                          <p:val>
+                                            <p:strVal val="1+#ppt_h/2"/>
+                                          </p:val>
+                                        </p:tav>
+                                        <p:tav tm="100000">
+                                          <p:val>
+                                            <p:strVal val="#ppt_y"/>
+                                          </p:val>
+                                        </p:tav>
+                                      </p:tavLst>
+                                    </p:anim>
+                                  </p:childTnLst>
+                                </p:cTn>
+                              </p:par>
+                            </p:childTnLst>
+                          </p:cTn>
+                        </p:par>
+                      </p:childTnLst>
+                    </p:cTn>
+                  </p:par>
+                  <p:par>
+                    <p:cTn id="15" fill="hold">
+                      <p:stCondLst>
+                        <p:cond delay="indefinite"/>
+                      </p:stCondLst>
+                      <p:childTnLst>
+                        <p:par>
+                          <p:cTn id="16" fill="hold">
+                            <p:stCondLst>
+                              <p:cond delay="0"/>
+                            </p:stCondLst>
+                            <p:childTnLst>
+                              <p:par>
+                                <p:cTn id="17" presetID="2" presetClass="entr" presetSubtype="4" fill="hold" nodeType="clickEffect">
+                                  <p:stCondLst>
+                                    <p:cond delay="0"/>
+                                  </p:stCondLst>
+                                  <p:childTnLst>
+                                    <p:set>
+                                      <p:cBhvr>
+                                        <p:cTn id="18" dur="1" fill="hold">
+                                          <p:stCondLst>
+                                            <p:cond delay="0"/>
+                                          </p:stCondLst>
+                                        </p:cTn>
+                                        <p:tgtEl>
+                                          <p:spTgt spid="7"/>
+                                        </p:tgtEl>
+                                        <p:attrNameLst>
+                                          <p:attrName>style.visibility</p:attrName>
+                                        </p:attrNameLst>
+                                      </p:cBhvr>
+                                      <p:to>
+                                        <p:strVal val="visible"/>
+                                      </p:to>
+                                    </p:set>
+                                    <p:anim calcmode="lin" valueType="num">
+                                      <p:cBhvr additive="base">
+                                        <p:cTn id="19" dur="500" fill="hold"/>
+                                        <p:tgtEl>
+                                          <p:spTgt spid="7"/>
+                                        </p:tgtEl>
+                                        <p:attrNameLst>
+                                          <p:attrName>ppt_x</p:attrName>
+                                        </p:attrNameLst>
+                                      </p:cBhvr>
+                                      <p:tavLst>
+                                        <p:tav tm="0">
+                                          <p:val>
+                                            <p:strVal val="#ppt_x"/>
+                                          </p:val>
+                                        </p:tav>
+                                        <p:tav tm="100000">
+                                          <p:val>
+                                            <p:strVal val="#ppt_x"/>
+                                          </p:val>
+                                        </p:tav>
+                                      </p:tavLst>
+                                    </p:anim>
+                                    <p:anim calcmode="lin" valueType="num">
+                                      <p:cBhvr additive="base">
+                                        <p:cTn id="20" dur="500" fill="hold"/>
+                                        <p:tgtEl>
+                                          <p:spTgt spid="7"/>
+                                        </p:tgtEl>
+                                        <p:attrNameLst>
+                                          <p:attrName>ppt_y</p:attrName>
+                                        </p:attrNameLst>
+                                      </p:cBhvr>
+                                      <p:tavLst>
+                                        <p:tav tm="0">
+                                          <p:val>
+                                            <p:strVal val="1+#ppt_h/2"/>
+                                          </p:val>
+                                        </p:tav>
+                                        <p:tav tm="100000">
+                                          <p:val>
+                                            <p:strVal val="#ppt_y"/>
+                                          </p:val>
+                                        </p:tav>
+                                      </p:tavLst>
+                                    </p:anim>
+                                  </p:childTnLst>
+                                </p:cTn>
+                              </p:par>
+                            </p:childTnLst>
+                          </p:cTn>
+                        </p:par>
+                      </p:childTnLst>
+                    </p:cTn>
+                  </p:par>
+                </p:childTnLst>
+              </p:cTn>
+              <p:prevCondLst>
+                <p:cond evt="onPrev" delay="0">
+                  <p:tgtEl>
+                    <p:sldTgt/>
+                  </p:tgtEl>
+                </p:cond>
+              </p:prevCondLst>
+              <p:nextCondLst>
+                <p:cond evt="onNext" delay="0">
+                  <p:tgtEl>
+                    <p:sldTgt/>
+                  </p:tgtEl>
+                </p:cond>
+              </p:nextCondLst>
+            </p:seq>
+          </p:childTnLst>
+        </p:cTn>
+      </p:par>
+    </p:tnLst>
+    <p:bldLst>
+      <p:bldP spid="5" grpId="0"/>
+    </p:bldLst>
+  </p:timing>
+</p:sld>
+</file>
+
+<file path=ppt/slides/slide43.xml><?xml version="1.0" encoding="utf-8"?>
+<p:sld xmlns:a="http://schemas.openxmlformats.org/drawingml/2006/main" xmlns:r="http://schemas.openxmlformats.org/officeDocument/2006/relationships" xmlns:p="http://schemas.openxmlformats.org/presentationml/2006/main">
+  <p:cSld>
+    <p:spTree>
+      <p:nvGrpSpPr>
+        <p:cNvPr id="1" name=""/>
+        <p:cNvGrpSpPr/>
+        <p:nvPr/>
+      </p:nvGrpSpPr>
+      <p:grpSpPr>
+        <a:xfrm>
+          <a:off x="0" y="0"/>
+          <a:ext cx="0" cy="0"/>
+          <a:chOff x="0" y="0"/>
+          <a:chExt cx="0" cy="0"/>
+        </a:xfrm>
+      </p:grpSpPr>
+      <p:sp>
+        <p:nvSpPr>
+          <p:cNvPr id="3" name="Title 2"/>
+          <p:cNvSpPr>
+            <a:spLocks noGrp="1"/>
+          </p:cNvSpPr>
+          <p:nvPr>
+            <p:ph type="title"/>
+          </p:nvPr>
+        </p:nvSpPr>
+        <p:spPr>
+          <a:xfrm>
+            <a:off x="1619672" y="-1"/>
+            <a:ext cx="7524328" cy="771551"/>
+          </a:xfrm>
+        </p:spPr>
+        <p:txBody>
+          <a:bodyPr/>
+          <a:lstStyle/>
+          <a:p>
+            <a:pPr algn="ctr"/>
+            <a:r>
+              <a:rPr lang="en-US" altLang="ko-KR" dirty="0" err="1" smtClean="0"/>
+              <a:t>Navigacija</a:t>
+            </a:r>
+            <a:r>
+              <a:rPr lang="en-US" altLang="ko-KR" dirty="0" smtClean="0"/>
+              <a:t> </a:t>
+            </a:r>
+            <a:r>
+              <a:rPr lang="en-US" altLang="ko-KR" dirty="0" err="1" smtClean="0"/>
+              <a:t>i</a:t>
+            </a:r>
+            <a:r>
+              <a:rPr lang="en-US" altLang="ko-KR" dirty="0" smtClean="0"/>
+              <a:t> Routing</a:t>
+            </a:r>
+            <a:endParaRPr lang="ko-KR" altLang="en-US" dirty="0"/>
+          </a:p>
+        </p:txBody>
+      </p:sp>
+      <p:sp>
+        <p:nvSpPr>
+          <p:cNvPr id="5" name="TextBox 4"/>
+          <p:cNvSpPr txBox="1"/>
+          <p:nvPr/>
+        </p:nvSpPr>
+        <p:spPr>
+          <a:xfrm>
+            <a:off x="1619672" y="915566"/>
+            <a:ext cx="7200800" cy="307777"/>
+          </a:xfrm>
+          <a:prstGeom prst="rect">
+            <a:avLst/>
+          </a:prstGeom>
+          <a:noFill/>
+        </p:spPr>
+        <p:txBody>
+          <a:bodyPr wrap="square" rtlCol="0">
+            <a:spAutoFit/>
+          </a:bodyPr>
+          <a:lstStyle/>
+          <a:p>
+            <a:r>
+              <a:rPr lang="sr-Latn-RS" sz="1400" dirty="0" smtClean="0">
+                <a:latin typeface="Arial" panose="020B0604020202020204" pitchFamily="34" charset="0"/>
+                <a:cs typeface="Arial" panose="020B0604020202020204" pitchFamily="34" charset="0"/>
+              </a:rPr>
+              <a:t>Da bi nam menu radio, moramo mu podesiti definisane rute</a:t>
+            </a:r>
+            <a:endParaRPr lang="en-US" sz="1400" dirty="0">
+              <a:latin typeface="Arial" panose="020B0604020202020204" pitchFamily="34" charset="0"/>
+              <a:cs typeface="Arial" panose="020B0604020202020204" pitchFamily="34" charset="0"/>
+            </a:endParaRPr>
+          </a:p>
+        </p:txBody>
+      </p:sp>
+      <p:pic>
+        <p:nvPicPr>
+          <p:cNvPr id="2" name="Picture 1"/>
+          <p:cNvPicPr>
+            <a:picLocks noChangeAspect="1"/>
+          </p:cNvPicPr>
+          <p:nvPr/>
+        </p:nvPicPr>
+        <p:blipFill>
+          <a:blip r:embed="rId2"/>
+          <a:stretch>
+            <a:fillRect/>
+          </a:stretch>
+        </p:blipFill>
+        <p:spPr>
+          <a:xfrm>
+            <a:off x="1619672" y="1491630"/>
+            <a:ext cx="6408712" cy="2286319"/>
+          </a:xfrm>
+          <a:prstGeom prst="rect">
+            <a:avLst/>
+          </a:prstGeom>
+        </p:spPr>
+      </p:pic>
+    </p:spTree>
+    <p:extLst>
+      <p:ext uri="{BB962C8B-B14F-4D97-AF65-F5344CB8AC3E}">
+        <p14:creationId xmlns:p14="http://schemas.microsoft.com/office/powerpoint/2010/main" val="1643192999"/>
+      </p:ext>
+    </p:extLst>
+  </p:cSld>
+  <p:clrMapOvr>
+    <a:masterClrMapping/>
+  </p:clrMapOvr>
+  <p:timing>
+    <p:tnLst>
+      <p:par>
+        <p:cTn id="1" dur="indefinite" restart="never" nodeType="tmRoot">
+          <p:childTnLst>
+            <p:seq concurrent="1" nextAc="seek">
+              <p:cTn id="2" dur="indefinite" nodeType="mainSeq">
+                <p:childTnLst>
+                  <p:par>
+                    <p:cTn id="3" fill="hold">
+                      <p:stCondLst>
+                        <p:cond delay="indefinite"/>
+                      </p:stCondLst>
+                      <p:childTnLst>
+                        <p:par>
+                          <p:cTn id="4" fill="hold">
+                            <p:stCondLst>
+                              <p:cond delay="0"/>
+                            </p:stCondLst>
+                            <p:childTnLst>
+                              <p:par>
+                                <p:cTn id="5" presetID="2" presetClass="entr" presetSubtype="4" fill="hold" grpId="0" nodeType="clickEffect">
+                                  <p:stCondLst>
+                                    <p:cond delay="0"/>
+                                  </p:stCondLst>
+                                  <p:childTnLst>
+                                    <p:set>
+                                      <p:cBhvr>
+                                        <p:cTn id="6" dur="1" fill="hold">
+                                          <p:stCondLst>
+                                            <p:cond delay="0"/>
+                                          </p:stCondLst>
+                                        </p:cTn>
+                                        <p:tgtEl>
+                                          <p:spTgt spid="5"/>
+                                        </p:tgtEl>
+                                        <p:attrNameLst>
+                                          <p:attrName>style.visibility</p:attrName>
+                                        </p:attrNameLst>
+                                      </p:cBhvr>
+                                      <p:to>
+                                        <p:strVal val="visible"/>
+                                      </p:to>
+                                    </p:set>
+                                    <p:anim calcmode="lin" valueType="num">
+                                      <p:cBhvr additive="base">
+                                        <p:cTn id="7" dur="500" fill="hold"/>
+                                        <p:tgtEl>
+                                          <p:spTgt spid="5"/>
+                                        </p:tgtEl>
+                                        <p:attrNameLst>
+                                          <p:attrName>ppt_x</p:attrName>
+                                        </p:attrNameLst>
+                                      </p:cBhvr>
+                                      <p:tavLst>
+                                        <p:tav tm="0">
+                                          <p:val>
+                                            <p:strVal val="#ppt_x"/>
+                                          </p:val>
+                                        </p:tav>
+                                        <p:tav tm="100000">
+                                          <p:val>
+                                            <p:strVal val="#ppt_x"/>
+                                          </p:val>
+                                        </p:tav>
+                                      </p:tavLst>
+                                    </p:anim>
+                                    <p:anim calcmode="lin" valueType="num">
+                                      <p:cBhvr additive="base">
+                                        <p:cTn id="8" dur="500" fill="hold"/>
+                                        <p:tgtEl>
+                                          <p:spTgt spid="5"/>
+                                        </p:tgtEl>
+                                        <p:attrNameLst>
+                                          <p:attrName>ppt_y</p:attrName>
+                                        </p:attrNameLst>
+                                      </p:cBhvr>
+                                      <p:tavLst>
+                                        <p:tav tm="0">
+                                          <p:val>
+                                            <p:strVal val="1+#ppt_h/2"/>
+                                          </p:val>
+                                        </p:tav>
+                                        <p:tav tm="100000">
+                                          <p:val>
+                                            <p:strVal val="#ppt_y"/>
+                                          </p:val>
+                                        </p:tav>
+                                      </p:tavLst>
+                                    </p:anim>
+                                  </p:childTnLst>
+                                </p:cTn>
+                              </p:par>
+                            </p:childTnLst>
+                          </p:cTn>
+                        </p:par>
+                      </p:childTnLst>
+                    </p:cTn>
+                  </p:par>
+                  <p:par>
+                    <p:cTn id="9" fill="hold">
+                      <p:stCondLst>
+                        <p:cond delay="indefinite"/>
+                      </p:stCondLst>
+                      <p:childTnLst>
+                        <p:par>
+                          <p:cTn id="10" fill="hold">
+                            <p:stCondLst>
+                              <p:cond delay="0"/>
+                            </p:stCondLst>
+                            <p:childTnLst>
+                              <p:par>
+                                <p:cTn id="11" presetID="2" presetClass="entr" presetSubtype="4" fill="hold" nodeType="clickEffect">
+                                  <p:stCondLst>
+                                    <p:cond delay="0"/>
+                                  </p:stCondLst>
+                                  <p:childTnLst>
+                                    <p:set>
+                                      <p:cBhvr>
+                                        <p:cTn id="12" dur="1" fill="hold">
+                                          <p:stCondLst>
+                                            <p:cond delay="0"/>
+                                          </p:stCondLst>
+                                        </p:cTn>
+                                        <p:tgtEl>
+                                          <p:spTgt spid="2"/>
+                                        </p:tgtEl>
+                                        <p:attrNameLst>
+                                          <p:attrName>style.visibility</p:attrName>
+                                        </p:attrNameLst>
+                                      </p:cBhvr>
+                                      <p:to>
+                                        <p:strVal val="visible"/>
+                                      </p:to>
+                                    </p:set>
+                                    <p:anim calcmode="lin" valueType="num">
+                                      <p:cBhvr additive="base">
+                                        <p:cTn id="13" dur="500" fill="hold"/>
+                                        <p:tgtEl>
+                                          <p:spTgt spid="2"/>
+                                        </p:tgtEl>
+                                        <p:attrNameLst>
+                                          <p:attrName>ppt_x</p:attrName>
+                                        </p:attrNameLst>
+                                      </p:cBhvr>
+                                      <p:tavLst>
+                                        <p:tav tm="0">
+                                          <p:val>
+                                            <p:strVal val="#ppt_x"/>
+                                          </p:val>
+                                        </p:tav>
+                                        <p:tav tm="100000">
+                                          <p:val>
+                                            <p:strVal val="#ppt_x"/>
+                                          </p:val>
+                                        </p:tav>
+                                      </p:tavLst>
+                                    </p:anim>
+                                    <p:anim calcmode="lin" valueType="num">
+                                      <p:cBhvr additive="base">
+                                        <p:cTn id="14" dur="500" fill="hold"/>
+                                        <p:tgtEl>
+                                          <p:spTgt spid="2"/>
+                                        </p:tgtEl>
+                                        <p:attrNameLst>
+                                          <p:attrName>ppt_y</p:attrName>
+                                        </p:attrNameLst>
+                                      </p:cBhvr>
+                                      <p:tavLst>
+                                        <p:tav tm="0">
+                                          <p:val>
+                                            <p:strVal val="1+#ppt_h/2"/>
+                                          </p:val>
+                                        </p:tav>
+                                        <p:tav tm="100000">
+                                          <p:val>
+                                            <p:strVal val="#ppt_y"/>
+                                          </p:val>
+                                        </p:tav>
+                                      </p:tavLst>
+                                    </p:anim>
+                                  </p:childTnLst>
+                                </p:cTn>
+                              </p:par>
+                            </p:childTnLst>
+                          </p:cTn>
+                        </p:par>
+                      </p:childTnLst>
+                    </p:cTn>
+                  </p:par>
+                </p:childTnLst>
+              </p:cTn>
+              <p:prevCondLst>
+                <p:cond evt="onPrev" delay="0">
+                  <p:tgtEl>
+                    <p:sldTgt/>
+                  </p:tgtEl>
+                </p:cond>
+              </p:prevCondLst>
+              <p:nextCondLst>
+                <p:cond evt="onNext" delay="0">
+                  <p:tgtEl>
+                    <p:sldTgt/>
+                  </p:tgtEl>
+                </p:cond>
+              </p:nextCondLst>
+            </p:seq>
+          </p:childTnLst>
+        </p:cTn>
+      </p:par>
+    </p:tnLst>
+    <p:bldLst>
+      <p:bldP spid="5" grpId="0"/>
+    </p:bldLst>
+  </p:timing>
+</p:sld>
+</file>
+
+<file path=ppt/slides/slide44.xml><?xml version="1.0" encoding="utf-8"?>
+<p:sld xmlns:a="http://schemas.openxmlformats.org/drawingml/2006/main" xmlns:r="http://schemas.openxmlformats.org/officeDocument/2006/relationships" xmlns:p="http://schemas.openxmlformats.org/presentationml/2006/main">
+  <p:cSld>
+    <p:spTree>
+      <p:nvGrpSpPr>
+        <p:cNvPr id="1" name=""/>
+        <p:cNvGrpSpPr/>
+        <p:nvPr/>
+      </p:nvGrpSpPr>
+      <p:grpSpPr>
+        <a:xfrm>
+          <a:off x="0" y="0"/>
+          <a:ext cx="0" cy="0"/>
+          <a:chOff x="0" y="0"/>
+          <a:chExt cx="0" cy="0"/>
+        </a:xfrm>
+      </p:grpSpPr>
+      <p:sp>
+        <p:nvSpPr>
+          <p:cNvPr id="3" name="Title 2"/>
+          <p:cNvSpPr>
+            <a:spLocks noGrp="1"/>
+          </p:cNvSpPr>
+          <p:nvPr>
+            <p:ph type="title"/>
+          </p:nvPr>
+        </p:nvSpPr>
+        <p:spPr>
+          <a:xfrm>
+            <a:off x="1619672" y="-1"/>
+            <a:ext cx="7524328" cy="771551"/>
+          </a:xfrm>
+        </p:spPr>
+        <p:txBody>
+          <a:bodyPr/>
+          <a:lstStyle/>
+          <a:p>
+            <a:pPr algn="ctr"/>
+            <a:r>
+              <a:rPr lang="en-US" altLang="ko-KR" dirty="0" smtClean="0"/>
+              <a:t>“Not Found” </a:t>
+            </a:r>
+            <a:r>
+              <a:rPr lang="en-US" altLang="ko-KR" dirty="0" err="1" smtClean="0"/>
+              <a:t>Komponenta</a:t>
+            </a:r>
+            <a:endParaRPr lang="ko-KR" altLang="en-US" dirty="0"/>
+          </a:p>
+        </p:txBody>
+      </p:sp>
+      <p:sp>
+        <p:nvSpPr>
+          <p:cNvPr id="5" name="TextBox 4"/>
+          <p:cNvSpPr txBox="1"/>
+          <p:nvPr/>
+        </p:nvSpPr>
+        <p:spPr>
+          <a:xfrm>
+            <a:off x="1619672" y="915566"/>
+            <a:ext cx="7200800" cy="307777"/>
+          </a:xfrm>
+          <a:prstGeom prst="rect">
+            <a:avLst/>
+          </a:prstGeom>
+          <a:noFill/>
+        </p:spPr>
+        <p:txBody>
+          <a:bodyPr wrap="square" rtlCol="0">
+            <a:spAutoFit/>
+          </a:bodyPr>
+          <a:lstStyle/>
+          <a:p>
+            <a:r>
+              <a:rPr lang="en-US" sz="1400" dirty="0" err="1" smtClean="0">
+                <a:latin typeface="Arial" panose="020B0604020202020204" pitchFamily="34" charset="0"/>
+                <a:cs typeface="Arial" panose="020B0604020202020204" pitchFamily="34" charset="0"/>
+              </a:rPr>
+              <a:t>Kreiranje</a:t>
+            </a:r>
+            <a:r>
+              <a:rPr lang="en-US" sz="1400" dirty="0" smtClean="0">
+                <a:latin typeface="Arial" panose="020B0604020202020204" pitchFamily="34" charset="0"/>
+                <a:cs typeface="Arial" panose="020B0604020202020204" pitchFamily="34" charset="0"/>
+              </a:rPr>
+              <a:t> </a:t>
+            </a:r>
+            <a:r>
+              <a:rPr lang="en-US" sz="1400" dirty="0" err="1" smtClean="0">
+                <a:latin typeface="Arial" panose="020B0604020202020204" pitchFamily="34" charset="0"/>
+                <a:cs typeface="Arial" panose="020B0604020202020204" pitchFamily="34" charset="0"/>
+              </a:rPr>
+              <a:t>komponente</a:t>
+            </a:r>
+            <a:endParaRPr lang="en-US" sz="1400" dirty="0">
+              <a:latin typeface="Arial" panose="020B0604020202020204" pitchFamily="34" charset="0"/>
+              <a:cs typeface="Arial" panose="020B0604020202020204" pitchFamily="34" charset="0"/>
+            </a:endParaRPr>
+          </a:p>
+        </p:txBody>
+      </p:sp>
+      <p:pic>
+        <p:nvPicPr>
+          <p:cNvPr id="4" name="Picture 3"/>
+          <p:cNvPicPr>
+            <a:picLocks noChangeAspect="1"/>
+          </p:cNvPicPr>
+          <p:nvPr/>
+        </p:nvPicPr>
+        <p:blipFill>
+          <a:blip r:embed="rId2"/>
+          <a:stretch>
+            <a:fillRect/>
+          </a:stretch>
+        </p:blipFill>
+        <p:spPr>
+          <a:xfrm>
+            <a:off x="1648272" y="1367359"/>
+            <a:ext cx="5677692" cy="914528"/>
+          </a:xfrm>
+          <a:prstGeom prst="rect">
+            <a:avLst/>
+          </a:prstGeom>
+        </p:spPr>
+      </p:pic>
+      <p:pic>
+        <p:nvPicPr>
+          <p:cNvPr id="7" name="Picture 6"/>
+          <p:cNvPicPr>
+            <a:picLocks noChangeAspect="1"/>
+          </p:cNvPicPr>
+          <p:nvPr/>
+        </p:nvPicPr>
+        <p:blipFill>
+          <a:blip r:embed="rId3"/>
+          <a:stretch>
+            <a:fillRect/>
+          </a:stretch>
+        </p:blipFill>
+        <p:spPr>
+          <a:xfrm>
+            <a:off x="1678538" y="2787774"/>
+            <a:ext cx="3086869" cy="2160240"/>
+          </a:xfrm>
+          <a:prstGeom prst="rect">
+            <a:avLst/>
+          </a:prstGeom>
+        </p:spPr>
+      </p:pic>
+      <p:sp>
+        <p:nvSpPr>
+          <p:cNvPr id="8" name="TextBox 7"/>
+          <p:cNvSpPr txBox="1"/>
+          <p:nvPr/>
+        </p:nvSpPr>
+        <p:spPr>
+          <a:xfrm>
+            <a:off x="1547664" y="2380942"/>
+            <a:ext cx="7200800" cy="307777"/>
+          </a:xfrm>
+          <a:prstGeom prst="rect">
+            <a:avLst/>
+          </a:prstGeom>
+          <a:noFill/>
+        </p:spPr>
+        <p:txBody>
+          <a:bodyPr wrap="square" rtlCol="0">
+            <a:spAutoFit/>
+          </a:bodyPr>
+          <a:lstStyle/>
+          <a:p>
+            <a:r>
+              <a:rPr lang="en-US" sz="1400" dirty="0" err="1" smtClean="0">
+                <a:latin typeface="Arial" panose="020B0604020202020204" pitchFamily="34" charset="0"/>
+                <a:cs typeface="Arial" panose="020B0604020202020204" pitchFamily="34" charset="0"/>
+              </a:rPr>
+              <a:t>Modifikacija</a:t>
+            </a:r>
+            <a:r>
+              <a:rPr lang="en-US" sz="1400" dirty="0" smtClean="0">
+                <a:latin typeface="Arial" panose="020B0604020202020204" pitchFamily="34" charset="0"/>
+                <a:cs typeface="Arial" panose="020B0604020202020204" pitchFamily="34" charset="0"/>
+              </a:rPr>
+              <a:t> </a:t>
+            </a:r>
+            <a:r>
+              <a:rPr lang="en-US" sz="1400" dirty="0" err="1" smtClean="0">
+                <a:latin typeface="Arial" panose="020B0604020202020204" pitchFamily="34" charset="0"/>
+                <a:cs typeface="Arial" panose="020B0604020202020204" pitchFamily="34" charset="0"/>
+              </a:rPr>
+              <a:t>fajlova</a:t>
+            </a:r>
+            <a:endParaRPr lang="en-US" sz="1400" dirty="0">
+              <a:latin typeface="Arial" panose="020B0604020202020204" pitchFamily="34" charset="0"/>
+              <a:cs typeface="Arial" panose="020B0604020202020204" pitchFamily="34" charset="0"/>
+            </a:endParaRPr>
+          </a:p>
+        </p:txBody>
+      </p:sp>
+      <p:pic>
+        <p:nvPicPr>
+          <p:cNvPr id="9" name="Picture 8"/>
+          <p:cNvPicPr>
+            <a:picLocks noChangeAspect="1"/>
+          </p:cNvPicPr>
+          <p:nvPr/>
+        </p:nvPicPr>
+        <p:blipFill>
+          <a:blip r:embed="rId4"/>
+          <a:stretch>
+            <a:fillRect/>
+          </a:stretch>
+        </p:blipFill>
+        <p:spPr>
+          <a:xfrm>
+            <a:off x="4809287" y="3078740"/>
+            <a:ext cx="2076740" cy="1219370"/>
+          </a:xfrm>
+          <a:prstGeom prst="rect">
+            <a:avLst/>
+          </a:prstGeom>
+        </p:spPr>
+      </p:pic>
+      <p:pic>
+        <p:nvPicPr>
+          <p:cNvPr id="10" name="Picture 9"/>
+          <p:cNvPicPr>
+            <a:picLocks noChangeAspect="1"/>
+          </p:cNvPicPr>
+          <p:nvPr/>
+        </p:nvPicPr>
+        <p:blipFill>
+          <a:blip r:embed="rId5"/>
+          <a:stretch>
+            <a:fillRect/>
+          </a:stretch>
+        </p:blipFill>
+        <p:spPr>
+          <a:xfrm>
+            <a:off x="6929907" y="2945371"/>
+            <a:ext cx="2146308" cy="1486107"/>
+          </a:xfrm>
+          <a:prstGeom prst="rect">
+            <a:avLst/>
+          </a:prstGeom>
+        </p:spPr>
+      </p:pic>
+    </p:spTree>
+    <p:extLst>
+      <p:ext uri="{BB962C8B-B14F-4D97-AF65-F5344CB8AC3E}">
+        <p14:creationId xmlns:p14="http://schemas.microsoft.com/office/powerpoint/2010/main" val="3302827150"/>
+      </p:ext>
+    </p:extLst>
+  </p:cSld>
+  <p:clrMapOvr>
+    <a:masterClrMapping/>
+  </p:clrMapOvr>
+  <p:timing>
+    <p:tnLst>
+      <p:par>
+        <p:cTn id="1" dur="indefinite" restart="never" nodeType="tmRoot">
+          <p:childTnLst>
+            <p:seq concurrent="1" nextAc="seek">
+              <p:cTn id="2" dur="indefinite" nodeType="mainSeq">
+                <p:childTnLst>
+                  <p:par>
+                    <p:cTn id="3" fill="hold">
+                      <p:stCondLst>
+                        <p:cond delay="indefinite"/>
+                      </p:stCondLst>
+                      <p:childTnLst>
+                        <p:par>
+                          <p:cTn id="4" fill="hold">
+                            <p:stCondLst>
+                              <p:cond delay="0"/>
+                            </p:stCondLst>
+                            <p:childTnLst>
+                              <p:par>
+                                <p:cTn id="5" presetID="2" presetClass="entr" presetSubtype="4" fill="hold" grpId="0" nodeType="clickEffect">
+                                  <p:stCondLst>
+                                    <p:cond delay="0"/>
+                                  </p:stCondLst>
+                                  <p:childTnLst>
+                                    <p:set>
+                                      <p:cBhvr>
+                                        <p:cTn id="6" dur="1" fill="hold">
+                                          <p:stCondLst>
+                                            <p:cond delay="0"/>
+                                          </p:stCondLst>
+                                        </p:cTn>
+                                        <p:tgtEl>
+                                          <p:spTgt spid="5"/>
+                                        </p:tgtEl>
+                                        <p:attrNameLst>
+                                          <p:attrName>style.visibility</p:attrName>
+                                        </p:attrNameLst>
+                                      </p:cBhvr>
+                                      <p:to>
+                                        <p:strVal val="visible"/>
+                                      </p:to>
+                                    </p:set>
+                                    <p:anim calcmode="lin" valueType="num">
+                                      <p:cBhvr additive="base">
+                                        <p:cTn id="7" dur="500" fill="hold"/>
+                                        <p:tgtEl>
+                                          <p:spTgt spid="5"/>
+                                        </p:tgtEl>
+                                        <p:attrNameLst>
+                                          <p:attrName>ppt_x</p:attrName>
+                                        </p:attrNameLst>
+                                      </p:cBhvr>
+                                      <p:tavLst>
+                                        <p:tav tm="0">
+                                          <p:val>
+                                            <p:strVal val="#ppt_x"/>
+                                          </p:val>
+                                        </p:tav>
+                                        <p:tav tm="100000">
+                                          <p:val>
+                                            <p:strVal val="#ppt_x"/>
+                                          </p:val>
+                                        </p:tav>
+                                      </p:tavLst>
+                                    </p:anim>
+                                    <p:anim calcmode="lin" valueType="num">
+                                      <p:cBhvr additive="base">
+                                        <p:cTn id="8" dur="500" fill="hold"/>
+                                        <p:tgtEl>
+                                          <p:spTgt spid="5"/>
+                                        </p:tgtEl>
+                                        <p:attrNameLst>
+                                          <p:attrName>ppt_y</p:attrName>
+                                        </p:attrNameLst>
+                                      </p:cBhvr>
+                                      <p:tavLst>
+                                        <p:tav tm="0">
+                                          <p:val>
+                                            <p:strVal val="1+#ppt_h/2"/>
+                                          </p:val>
+                                        </p:tav>
+                                        <p:tav tm="100000">
+                                          <p:val>
+                                            <p:strVal val="#ppt_y"/>
+                                          </p:val>
+                                        </p:tav>
+                                      </p:tavLst>
+                                    </p:anim>
+                                  </p:childTnLst>
+                                </p:cTn>
+                              </p:par>
+                            </p:childTnLst>
+                          </p:cTn>
+                        </p:par>
+                      </p:childTnLst>
+                    </p:cTn>
+                  </p:par>
+                  <p:par>
+                    <p:cTn id="9" fill="hold">
+                      <p:stCondLst>
+                        <p:cond delay="indefinite"/>
+                      </p:stCondLst>
+                      <p:childTnLst>
+                        <p:par>
+                          <p:cTn id="10" fill="hold">
+                            <p:stCondLst>
+                              <p:cond delay="0"/>
+                            </p:stCondLst>
+                            <p:childTnLst>
+                              <p:par>
+                                <p:cTn id="11" presetID="2" presetClass="entr" presetSubtype="4" fill="hold" nodeType="clickEffect">
+                                  <p:stCondLst>
+                                    <p:cond delay="0"/>
+                                  </p:stCondLst>
+                                  <p:childTnLst>
+                                    <p:set>
+                                      <p:cBhvr>
+                                        <p:cTn id="12" dur="1" fill="hold">
+                                          <p:stCondLst>
+                                            <p:cond delay="0"/>
+                                          </p:stCondLst>
+                                        </p:cTn>
+                                        <p:tgtEl>
+                                          <p:spTgt spid="4"/>
+                                        </p:tgtEl>
+                                        <p:attrNameLst>
+                                          <p:attrName>style.visibility</p:attrName>
+                                        </p:attrNameLst>
+                                      </p:cBhvr>
+                                      <p:to>
+                                        <p:strVal val="visible"/>
+                                      </p:to>
+                                    </p:set>
+                                    <p:anim calcmode="lin" valueType="num">
+                                      <p:cBhvr additive="base">
+                                        <p:cTn id="13" dur="500" fill="hold"/>
+                                        <p:tgtEl>
+                                          <p:spTgt spid="4"/>
+                                        </p:tgtEl>
+                                        <p:attrNameLst>
+                                          <p:attrName>ppt_x</p:attrName>
+                                        </p:attrNameLst>
+                                      </p:cBhvr>
+                                      <p:tavLst>
+                                        <p:tav tm="0">
+                                          <p:val>
+                                            <p:strVal val="#ppt_x"/>
+                                          </p:val>
+                                        </p:tav>
+                                        <p:tav tm="100000">
+                                          <p:val>
+                                            <p:strVal val="#ppt_x"/>
+                                          </p:val>
+                                        </p:tav>
+                                      </p:tavLst>
+                                    </p:anim>
+                                    <p:anim calcmode="lin" valueType="num">
+                                      <p:cBhvr additive="base">
+                                        <p:cTn id="14" dur="500" fill="hold"/>
+                                        <p:tgtEl>
+                                          <p:spTgt spid="4"/>
+                                        </p:tgtEl>
+                                        <p:attrNameLst>
+                                          <p:attrName>ppt_y</p:attrName>
+                                        </p:attrNameLst>
+                                      </p:cBhvr>
+                                      <p:tavLst>
+                                        <p:tav tm="0">
+                                          <p:val>
+                                            <p:strVal val="1+#ppt_h/2"/>
+                                          </p:val>
+                                        </p:tav>
+                                        <p:tav tm="100000">
+                                          <p:val>
+                                            <p:strVal val="#ppt_y"/>
+                                          </p:val>
+                                        </p:tav>
+                                      </p:tavLst>
+                                    </p:anim>
+                                  </p:childTnLst>
+                                </p:cTn>
+                              </p:par>
+                            </p:childTnLst>
+                          </p:cTn>
+                        </p:par>
+                      </p:childTnLst>
+                    </p:cTn>
+                  </p:par>
+                  <p:par>
+                    <p:cTn id="15" fill="hold">
+                      <p:stCondLst>
+                        <p:cond delay="indefinite"/>
+                      </p:stCondLst>
+                      <p:childTnLst>
+                        <p:par>
+                          <p:cTn id="16" fill="hold">
+                            <p:stCondLst>
+                              <p:cond delay="0"/>
+                            </p:stCondLst>
+                            <p:childTnLst>
+                              <p:par>
+                                <p:cTn id="17" presetID="2" presetClass="entr" presetSubtype="4" fill="hold" grpId="0" nodeType="clickEffect">
+                                  <p:stCondLst>
+                                    <p:cond delay="0"/>
+                                  </p:stCondLst>
+                                  <p:childTnLst>
+                                    <p:set>
+                                      <p:cBhvr>
+                                        <p:cTn id="18" dur="1" fill="hold">
+                                          <p:stCondLst>
+                                            <p:cond delay="0"/>
+                                          </p:stCondLst>
+                                        </p:cTn>
+                                        <p:tgtEl>
+                                          <p:spTgt spid="8"/>
+                                        </p:tgtEl>
+                                        <p:attrNameLst>
+                                          <p:attrName>style.visibility</p:attrName>
+                                        </p:attrNameLst>
+                                      </p:cBhvr>
+                                      <p:to>
+                                        <p:strVal val="visible"/>
+                                      </p:to>
+                                    </p:set>
+                                    <p:anim calcmode="lin" valueType="num">
+                                      <p:cBhvr additive="base">
+                                        <p:cTn id="19" dur="500" fill="hold"/>
+                                        <p:tgtEl>
+                                          <p:spTgt spid="8"/>
+                                        </p:tgtEl>
+                                        <p:attrNameLst>
+                                          <p:attrName>ppt_x</p:attrName>
+                                        </p:attrNameLst>
+                                      </p:cBhvr>
+                                      <p:tavLst>
+                                        <p:tav tm="0">
+                                          <p:val>
+                                            <p:strVal val="#ppt_x"/>
+                                          </p:val>
+                                        </p:tav>
+                                        <p:tav tm="100000">
+                                          <p:val>
+                                            <p:strVal val="#ppt_x"/>
+                                          </p:val>
+                                        </p:tav>
+                                      </p:tavLst>
+                                    </p:anim>
+                                    <p:anim calcmode="lin" valueType="num">
+                                      <p:cBhvr additive="base">
+                                        <p:cTn id="20" dur="500" fill="hold"/>
+                                        <p:tgtEl>
+                                          <p:spTgt spid="8"/>
+                                        </p:tgtEl>
+                                        <p:attrNameLst>
+                                          <p:attrName>ppt_y</p:attrName>
+                                        </p:attrNameLst>
+                                      </p:cBhvr>
+                                      <p:tavLst>
+                                        <p:tav tm="0">
+                                          <p:val>
+                                            <p:strVal val="1+#ppt_h/2"/>
+                                          </p:val>
+                                        </p:tav>
+                                        <p:tav tm="100000">
+                                          <p:val>
+                                            <p:strVal val="#ppt_y"/>
+                                          </p:val>
+                                        </p:tav>
+                                      </p:tavLst>
+                                    </p:anim>
+                                  </p:childTnLst>
+                                </p:cTn>
+                              </p:par>
+                            </p:childTnLst>
+                          </p:cTn>
+                        </p:par>
+                      </p:childTnLst>
+                    </p:cTn>
+                  </p:par>
+                  <p:par>
+                    <p:cTn id="21" fill="hold">
+                      <p:stCondLst>
+                        <p:cond delay="indefinite"/>
+                      </p:stCondLst>
+                      <p:childTnLst>
+                        <p:par>
+                          <p:cTn id="22" fill="hold">
+                            <p:stCondLst>
+                              <p:cond delay="0"/>
+                            </p:stCondLst>
+                            <p:childTnLst>
+                              <p:par>
+                                <p:cTn id="23" presetID="2" presetClass="entr" presetSubtype="4" fill="hold" nodeType="clickEffect">
+                                  <p:stCondLst>
+                                    <p:cond delay="0"/>
+                                  </p:stCondLst>
+                                  <p:childTnLst>
+                                    <p:set>
+                                      <p:cBhvr>
+                                        <p:cTn id="24" dur="1" fill="hold">
+                                          <p:stCondLst>
+                                            <p:cond delay="0"/>
+                                          </p:stCondLst>
+                                        </p:cTn>
+                                        <p:tgtEl>
+                                          <p:spTgt spid="7"/>
+                                        </p:tgtEl>
+                                        <p:attrNameLst>
+                                          <p:attrName>style.visibility</p:attrName>
+                                        </p:attrNameLst>
+                                      </p:cBhvr>
+                                      <p:to>
+                                        <p:strVal val="visible"/>
+                                      </p:to>
+                                    </p:set>
+                                    <p:anim calcmode="lin" valueType="num">
+                                      <p:cBhvr additive="base">
+                                        <p:cTn id="25" dur="500" fill="hold"/>
+                                        <p:tgtEl>
+                                          <p:spTgt spid="7"/>
+                                        </p:tgtEl>
+                                        <p:attrNameLst>
+                                          <p:attrName>ppt_x</p:attrName>
+                                        </p:attrNameLst>
+                                      </p:cBhvr>
+                                      <p:tavLst>
+                                        <p:tav tm="0">
+                                          <p:val>
+                                            <p:strVal val="#ppt_x"/>
+                                          </p:val>
+                                        </p:tav>
+                                        <p:tav tm="100000">
+                                          <p:val>
+                                            <p:strVal val="#ppt_x"/>
+                                          </p:val>
+                                        </p:tav>
+                                      </p:tavLst>
+                                    </p:anim>
+                                    <p:anim calcmode="lin" valueType="num">
+                                      <p:cBhvr additive="base">
+                                        <p:cTn id="26" dur="500" fill="hold"/>
+                                        <p:tgtEl>
+                                          <p:spTgt spid="7"/>
+                                        </p:tgtEl>
+                                        <p:attrNameLst>
+                                          <p:attrName>ppt_y</p:attrName>
+                                        </p:attrNameLst>
+                                      </p:cBhvr>
+                                      <p:tavLst>
+                                        <p:tav tm="0">
+                                          <p:val>
+                                            <p:strVal val="1+#ppt_h/2"/>
+                                          </p:val>
+                                        </p:tav>
+                                        <p:tav tm="100000">
+                                          <p:val>
+                                            <p:strVal val="#ppt_y"/>
+                                          </p:val>
+                                        </p:tav>
+                                      </p:tavLst>
+                                    </p:anim>
+                                  </p:childTnLst>
+                                </p:cTn>
+                              </p:par>
+                            </p:childTnLst>
+                          </p:cTn>
+                        </p:par>
+                      </p:childTnLst>
+                    </p:cTn>
+                  </p:par>
+                  <p:par>
+                    <p:cTn id="27" fill="hold">
+                      <p:stCondLst>
+                        <p:cond delay="indefinite"/>
+                      </p:stCondLst>
+                      <p:childTnLst>
+                        <p:par>
+                          <p:cTn id="28" fill="hold">
+                            <p:stCondLst>
+                              <p:cond delay="0"/>
+                            </p:stCondLst>
+                            <p:childTnLst>
+                              <p:par>
+                                <p:cTn id="29" presetID="2" presetClass="entr" presetSubtype="4" fill="hold" nodeType="clickEffect">
+                                  <p:stCondLst>
+                                    <p:cond delay="0"/>
+                                  </p:stCondLst>
+                                  <p:childTnLst>
+                                    <p:set>
+                                      <p:cBhvr>
+                                        <p:cTn id="30" dur="1" fill="hold">
+                                          <p:stCondLst>
+                                            <p:cond delay="0"/>
+                                          </p:stCondLst>
+                                        </p:cTn>
+                                        <p:tgtEl>
+                                          <p:spTgt spid="9"/>
+                                        </p:tgtEl>
+                                        <p:attrNameLst>
+                                          <p:attrName>style.visibility</p:attrName>
+                                        </p:attrNameLst>
+                                      </p:cBhvr>
+                                      <p:to>
+                                        <p:strVal val="visible"/>
+                                      </p:to>
+                                    </p:set>
+                                    <p:anim calcmode="lin" valueType="num">
+                                      <p:cBhvr additive="base">
+                                        <p:cTn id="31" dur="500" fill="hold"/>
+                                        <p:tgtEl>
+                                          <p:spTgt spid="9"/>
+                                        </p:tgtEl>
+                                        <p:attrNameLst>
+                                          <p:attrName>ppt_x</p:attrName>
+                                        </p:attrNameLst>
+                                      </p:cBhvr>
+                                      <p:tavLst>
+                                        <p:tav tm="0">
+                                          <p:val>
+                                            <p:strVal val="#ppt_x"/>
+                                          </p:val>
+                                        </p:tav>
+                                        <p:tav tm="100000">
+                                          <p:val>
+                                            <p:strVal val="#ppt_x"/>
+                                          </p:val>
+                                        </p:tav>
+                                      </p:tavLst>
+                                    </p:anim>
+                                    <p:anim calcmode="lin" valueType="num">
+                                      <p:cBhvr additive="base">
+                                        <p:cTn id="32" dur="500" fill="hold"/>
+                                        <p:tgtEl>
+                                          <p:spTgt spid="9"/>
+                                        </p:tgtEl>
+                                        <p:attrNameLst>
+                                          <p:attrName>ppt_y</p:attrName>
+                                        </p:attrNameLst>
+                                      </p:cBhvr>
+                                      <p:tavLst>
+                                        <p:tav tm="0">
+                                          <p:val>
+                                            <p:strVal val="1+#ppt_h/2"/>
+                                          </p:val>
+                                        </p:tav>
+                                        <p:tav tm="100000">
+                                          <p:val>
+                                            <p:strVal val="#ppt_y"/>
+                                          </p:val>
+                                        </p:tav>
+                                      </p:tavLst>
+                                    </p:anim>
+                                  </p:childTnLst>
+                                </p:cTn>
+                              </p:par>
+                            </p:childTnLst>
+                          </p:cTn>
+                        </p:par>
+                      </p:childTnLst>
+                    </p:cTn>
+                  </p:par>
+                  <p:par>
+                    <p:cTn id="33" fill="hold">
+                      <p:stCondLst>
+                        <p:cond delay="indefinite"/>
+                      </p:stCondLst>
+                      <p:childTnLst>
+                        <p:par>
+                          <p:cTn id="34" fill="hold">
+                            <p:stCondLst>
+                              <p:cond delay="0"/>
+                            </p:stCondLst>
+                            <p:childTnLst>
+                              <p:par>
+                                <p:cTn id="35" presetID="2" presetClass="entr" presetSubtype="4" fill="hold" nodeType="clickEffect">
+                                  <p:stCondLst>
+                                    <p:cond delay="0"/>
+                                  </p:stCondLst>
+                                  <p:childTnLst>
+                                    <p:set>
+                                      <p:cBhvr>
+                                        <p:cTn id="36" dur="1" fill="hold">
+                                          <p:stCondLst>
+                                            <p:cond delay="0"/>
+                                          </p:stCondLst>
+                                        </p:cTn>
+                                        <p:tgtEl>
+                                          <p:spTgt spid="10"/>
+                                        </p:tgtEl>
+                                        <p:attrNameLst>
+                                          <p:attrName>style.visibility</p:attrName>
+                                        </p:attrNameLst>
+                                      </p:cBhvr>
+                                      <p:to>
+                                        <p:strVal val="visible"/>
+                                      </p:to>
+                                    </p:set>
+                                    <p:anim calcmode="lin" valueType="num">
+                                      <p:cBhvr additive="base">
+                                        <p:cTn id="37" dur="500" fill="hold"/>
+                                        <p:tgtEl>
+                                          <p:spTgt spid="10"/>
+                                        </p:tgtEl>
+                                        <p:attrNameLst>
+                                          <p:attrName>ppt_x</p:attrName>
+                                        </p:attrNameLst>
+                                      </p:cBhvr>
+                                      <p:tavLst>
+                                        <p:tav tm="0">
+                                          <p:val>
+                                            <p:strVal val="#ppt_x"/>
+                                          </p:val>
+                                        </p:tav>
+                                        <p:tav tm="100000">
+                                          <p:val>
+                                            <p:strVal val="#ppt_x"/>
+                                          </p:val>
+                                        </p:tav>
+                                      </p:tavLst>
+                                    </p:anim>
+                                    <p:anim calcmode="lin" valueType="num">
+                                      <p:cBhvr additive="base">
+                                        <p:cTn id="38" dur="500" fill="hold"/>
+                                        <p:tgtEl>
+                                          <p:spTgt spid="10"/>
+                                        </p:tgtEl>
+                                        <p:attrNameLst>
+                                          <p:attrName>ppt_y</p:attrName>
+                                        </p:attrNameLst>
+                                      </p:cBhvr>
+                                      <p:tavLst>
+                                        <p:tav tm="0">
+                                          <p:val>
+                                            <p:strVal val="1+#ppt_h/2"/>
+                                          </p:val>
+                                        </p:tav>
+                                        <p:tav tm="100000">
+                                          <p:val>
+                                            <p:strVal val="#ppt_y"/>
+                                          </p:val>
+                                        </p:tav>
+                                      </p:tavLst>
+                                    </p:anim>
+                                  </p:childTnLst>
+                                </p:cTn>
+                              </p:par>
+                            </p:childTnLst>
+                          </p:cTn>
+                        </p:par>
+                      </p:childTnLst>
+                    </p:cTn>
+                  </p:par>
+                </p:childTnLst>
+              </p:cTn>
+              <p:prevCondLst>
+                <p:cond evt="onPrev" delay="0">
+                  <p:tgtEl>
+                    <p:sldTgt/>
+                  </p:tgtEl>
+                </p:cond>
+              </p:prevCondLst>
+              <p:nextCondLst>
+                <p:cond evt="onNext" delay="0">
+                  <p:tgtEl>
+                    <p:sldTgt/>
+                  </p:tgtEl>
+                </p:cond>
+              </p:nextCondLst>
+            </p:seq>
+          </p:childTnLst>
+        </p:cTn>
+      </p:par>
+    </p:tnLst>
+    <p:bldLst>
+      <p:bldP spid="5" grpId="0"/>
+      <p:bldP spid="8" grpId="0"/>
+    </p:bldLst>
+  </p:timing>
+</p:sld>
+</file>
+
+<file path=ppt/slides/slide45.xml><?xml version="1.0" encoding="utf-8"?>
+<p:sld xmlns:a="http://schemas.openxmlformats.org/drawingml/2006/main" xmlns:r="http://schemas.openxmlformats.org/officeDocument/2006/relationships" xmlns:p="http://schemas.openxmlformats.org/presentationml/2006/main">
+  <p:cSld>
+    <p:spTree>
+      <p:nvGrpSpPr>
+        <p:cNvPr id="1" name=""/>
+        <p:cNvGrpSpPr/>
+        <p:nvPr/>
+      </p:nvGrpSpPr>
+      <p:grpSpPr>
+        <a:xfrm>
+          <a:off x="0" y="0"/>
+          <a:ext cx="0" cy="0"/>
+          <a:chOff x="0" y="0"/>
+          <a:chExt cx="0" cy="0"/>
+        </a:xfrm>
+      </p:grpSpPr>
+      <p:sp>
+        <p:nvSpPr>
+          <p:cNvPr id="3" name="Title 2"/>
+          <p:cNvSpPr>
+            <a:spLocks noGrp="1"/>
+          </p:cNvSpPr>
+          <p:nvPr>
+            <p:ph type="title"/>
+          </p:nvPr>
+        </p:nvSpPr>
+        <p:spPr>
+          <a:xfrm>
+            <a:off x="1619672" y="-1"/>
+            <a:ext cx="7524328" cy="771551"/>
+          </a:xfrm>
+        </p:spPr>
+        <p:txBody>
+          <a:bodyPr/>
+          <a:lstStyle/>
+          <a:p>
+            <a:pPr algn="ctr"/>
+            <a:r>
+              <a:rPr lang="en-US" altLang="ko-KR" dirty="0" smtClean="0"/>
+              <a:t>“Not Found” </a:t>
+            </a:r>
+            <a:r>
+              <a:rPr lang="en-US" altLang="ko-KR" dirty="0" err="1" smtClean="0"/>
+              <a:t>Komponenta</a:t>
+            </a:r>
+            <a:endParaRPr lang="ko-KR" altLang="en-US" dirty="0"/>
+          </a:p>
+        </p:txBody>
+      </p:sp>
+      <p:sp>
+        <p:nvSpPr>
+          <p:cNvPr id="5" name="TextBox 4"/>
+          <p:cNvSpPr txBox="1"/>
+          <p:nvPr/>
+        </p:nvSpPr>
+        <p:spPr>
+          <a:xfrm>
+            <a:off x="1619672" y="915566"/>
+            <a:ext cx="7200800" cy="307777"/>
+          </a:xfrm>
+          <a:prstGeom prst="rect">
+            <a:avLst/>
+          </a:prstGeom>
+          <a:noFill/>
+        </p:spPr>
+        <p:txBody>
+          <a:bodyPr wrap="square" rtlCol="0">
+            <a:spAutoFit/>
+          </a:bodyPr>
+          <a:lstStyle/>
+          <a:p>
+            <a:r>
+              <a:rPr lang="en-US" sz="1400" dirty="0" err="1" smtClean="0">
+                <a:latin typeface="Arial" panose="020B0604020202020204" pitchFamily="34" charset="0"/>
+                <a:cs typeface="Arial" panose="020B0604020202020204" pitchFamily="34" charset="0"/>
+              </a:rPr>
+              <a:t>Pode</a:t>
+            </a:r>
+            <a:r>
+              <a:rPr lang="sr-Latn-RS" sz="1400" dirty="0" smtClean="0">
+                <a:latin typeface="Arial" panose="020B0604020202020204" pitchFamily="34" charset="0"/>
+                <a:cs typeface="Arial" panose="020B0604020202020204" pitchFamily="34" charset="0"/>
+              </a:rPr>
+              <a:t>šavanje router moudle fajla</a:t>
+            </a:r>
+            <a:endParaRPr lang="en-US" sz="1400" dirty="0">
+              <a:latin typeface="Arial" panose="020B0604020202020204" pitchFamily="34" charset="0"/>
+              <a:cs typeface="Arial" panose="020B0604020202020204" pitchFamily="34" charset="0"/>
+            </a:endParaRPr>
+          </a:p>
+        </p:txBody>
+      </p:sp>
+      <p:pic>
+        <p:nvPicPr>
+          <p:cNvPr id="2" name="Picture 1"/>
+          <p:cNvPicPr>
+            <a:picLocks noChangeAspect="1"/>
+          </p:cNvPicPr>
+          <p:nvPr/>
+        </p:nvPicPr>
+        <p:blipFill>
+          <a:blip r:embed="rId2"/>
+          <a:stretch>
+            <a:fillRect/>
+          </a:stretch>
+        </p:blipFill>
+        <p:spPr>
+          <a:xfrm>
+            <a:off x="1691680" y="1252784"/>
+            <a:ext cx="5153744" cy="1428949"/>
+          </a:xfrm>
+          <a:prstGeom prst="rect">
+            <a:avLst/>
+          </a:prstGeom>
+        </p:spPr>
+      </p:pic>
+      <p:pic>
+        <p:nvPicPr>
+          <p:cNvPr id="6" name="Picture 5"/>
+          <p:cNvPicPr>
+            <a:picLocks noChangeAspect="1"/>
+          </p:cNvPicPr>
+          <p:nvPr/>
+        </p:nvPicPr>
+        <p:blipFill>
+          <a:blip r:embed="rId3">
+            <a:extLst>
+              <a:ext uri="{28A0092B-C50C-407E-A947-70E740481C1C}">
+                <a14:useLocalDpi xmlns:a14="http://schemas.microsoft.com/office/drawing/2010/main" val="0"/>
+              </a:ext>
+            </a:extLst>
+          </a:blip>
+          <a:stretch>
+            <a:fillRect/>
+          </a:stretch>
+        </p:blipFill>
+        <p:spPr>
+          <a:xfrm>
+            <a:off x="1622585" y="2705113"/>
+            <a:ext cx="6702896" cy="2314909"/>
+          </a:xfrm>
+          <a:prstGeom prst="rect">
+            <a:avLst/>
+          </a:prstGeom>
+        </p:spPr>
+      </p:pic>
+    </p:spTree>
+    <p:extLst>
+      <p:ext uri="{BB962C8B-B14F-4D97-AF65-F5344CB8AC3E}">
+        <p14:creationId xmlns:p14="http://schemas.microsoft.com/office/powerpoint/2010/main" val="128661886"/>
+      </p:ext>
+    </p:extLst>
+  </p:cSld>
+  <p:clrMapOvr>
+    <a:masterClrMapping/>
+  </p:clrMapOvr>
+  <p:timing>
+    <p:tnLst>
+      <p:par>
+        <p:cTn id="1" dur="indefinite" restart="never" nodeType="tmRoot">
+          <p:childTnLst>
+            <p:seq concurrent="1" nextAc="seek">
+              <p:cTn id="2" dur="indefinite" nodeType="mainSeq">
+                <p:childTnLst>
+                  <p:par>
+                    <p:cTn id="3" fill="hold">
+                      <p:stCondLst>
+                        <p:cond delay="indefinite"/>
+                      </p:stCondLst>
+                      <p:childTnLst>
+                        <p:par>
+                          <p:cTn id="4" fill="hold">
+                            <p:stCondLst>
+                              <p:cond delay="0"/>
+                            </p:stCondLst>
+                            <p:childTnLst>
+                              <p:par>
+                                <p:cTn id="5" presetID="2" presetClass="entr" presetSubtype="4" fill="hold" grpId="0" nodeType="clickEffect">
+                                  <p:stCondLst>
+                                    <p:cond delay="0"/>
+                                  </p:stCondLst>
+                                  <p:childTnLst>
+                                    <p:set>
+                                      <p:cBhvr>
+                                        <p:cTn id="6" dur="1" fill="hold">
+                                          <p:stCondLst>
+                                            <p:cond delay="0"/>
+                                          </p:stCondLst>
+                                        </p:cTn>
+                                        <p:tgtEl>
+                                          <p:spTgt spid="5"/>
+                                        </p:tgtEl>
+                                        <p:attrNameLst>
+                                          <p:attrName>style.visibility</p:attrName>
+                                        </p:attrNameLst>
+                                      </p:cBhvr>
+                                      <p:to>
+                                        <p:strVal val="visible"/>
+                                      </p:to>
+                                    </p:set>
+                                    <p:anim calcmode="lin" valueType="num">
+                                      <p:cBhvr additive="base">
+                                        <p:cTn id="7" dur="500" fill="hold"/>
+                                        <p:tgtEl>
+                                          <p:spTgt spid="5"/>
+                                        </p:tgtEl>
+                                        <p:attrNameLst>
+                                          <p:attrName>ppt_x</p:attrName>
+                                        </p:attrNameLst>
+                                      </p:cBhvr>
+                                      <p:tavLst>
+                                        <p:tav tm="0">
+                                          <p:val>
+                                            <p:strVal val="#ppt_x"/>
+                                          </p:val>
+                                        </p:tav>
+                                        <p:tav tm="100000">
+                                          <p:val>
+                                            <p:strVal val="#ppt_x"/>
+                                          </p:val>
+                                        </p:tav>
+                                      </p:tavLst>
+                                    </p:anim>
+                                    <p:anim calcmode="lin" valueType="num">
+                                      <p:cBhvr additive="base">
+                                        <p:cTn id="8" dur="500" fill="hold"/>
+                                        <p:tgtEl>
+                                          <p:spTgt spid="5"/>
+                                        </p:tgtEl>
+                                        <p:attrNameLst>
+                                          <p:attrName>ppt_y</p:attrName>
+                                        </p:attrNameLst>
+                                      </p:cBhvr>
+                                      <p:tavLst>
+                                        <p:tav tm="0">
+                                          <p:val>
+                                            <p:strVal val="1+#ppt_h/2"/>
+                                          </p:val>
+                                        </p:tav>
+                                        <p:tav tm="100000">
+                                          <p:val>
+                                            <p:strVal val="#ppt_y"/>
+                                          </p:val>
+                                        </p:tav>
+                                      </p:tavLst>
+                                    </p:anim>
+                                  </p:childTnLst>
+                                </p:cTn>
+                              </p:par>
+                            </p:childTnLst>
+                          </p:cTn>
+                        </p:par>
+                      </p:childTnLst>
+                    </p:cTn>
+                  </p:par>
+                  <p:par>
+                    <p:cTn id="9" fill="hold">
+                      <p:stCondLst>
+                        <p:cond delay="indefinite"/>
+                      </p:stCondLst>
+                      <p:childTnLst>
+                        <p:par>
+                          <p:cTn id="10" fill="hold">
+                            <p:stCondLst>
+                              <p:cond delay="0"/>
+                            </p:stCondLst>
+                            <p:childTnLst>
+                              <p:par>
+                                <p:cTn id="11" presetID="2" presetClass="entr" presetSubtype="4" fill="hold" nodeType="clickEffect">
+                                  <p:stCondLst>
+                                    <p:cond delay="0"/>
+                                  </p:stCondLst>
+                                  <p:childTnLst>
+                                    <p:set>
+                                      <p:cBhvr>
+                                        <p:cTn id="12" dur="1" fill="hold">
+                                          <p:stCondLst>
+                                            <p:cond delay="0"/>
+                                          </p:stCondLst>
+                                        </p:cTn>
+                                        <p:tgtEl>
+                                          <p:spTgt spid="2"/>
+                                        </p:tgtEl>
+                                        <p:attrNameLst>
+                                          <p:attrName>style.visibility</p:attrName>
+                                        </p:attrNameLst>
+                                      </p:cBhvr>
+                                      <p:to>
+                                        <p:strVal val="visible"/>
+                                      </p:to>
+                                    </p:set>
+                                    <p:anim calcmode="lin" valueType="num">
+                                      <p:cBhvr additive="base">
+                                        <p:cTn id="13" dur="500" fill="hold"/>
+                                        <p:tgtEl>
+                                          <p:spTgt spid="2"/>
+                                        </p:tgtEl>
+                                        <p:attrNameLst>
+                                          <p:attrName>ppt_x</p:attrName>
+                                        </p:attrNameLst>
+                                      </p:cBhvr>
+                                      <p:tavLst>
+                                        <p:tav tm="0">
+                                          <p:val>
+                                            <p:strVal val="#ppt_x"/>
+                                          </p:val>
+                                        </p:tav>
+                                        <p:tav tm="100000">
+                                          <p:val>
+                                            <p:strVal val="#ppt_x"/>
+                                          </p:val>
+                                        </p:tav>
+                                      </p:tavLst>
+                                    </p:anim>
+                                    <p:anim calcmode="lin" valueType="num">
+                                      <p:cBhvr additive="base">
+                                        <p:cTn id="14" dur="500" fill="hold"/>
+                                        <p:tgtEl>
+                                          <p:spTgt spid="2"/>
+                                        </p:tgtEl>
+                                        <p:attrNameLst>
+                                          <p:attrName>ppt_y</p:attrName>
+                                        </p:attrNameLst>
+                                      </p:cBhvr>
+                                      <p:tavLst>
+                                        <p:tav tm="0">
+                                          <p:val>
+                                            <p:strVal val="1+#ppt_h/2"/>
+                                          </p:val>
+                                        </p:tav>
+                                        <p:tav tm="100000">
+                                          <p:val>
+                                            <p:strVal val="#ppt_y"/>
+                                          </p:val>
+                                        </p:tav>
+                                      </p:tavLst>
+                                    </p:anim>
+                                  </p:childTnLst>
+                                </p:cTn>
+                              </p:par>
+                            </p:childTnLst>
+                          </p:cTn>
+                        </p:par>
+                      </p:childTnLst>
+                    </p:cTn>
+                  </p:par>
+                  <p:par>
+                    <p:cTn id="15" fill="hold">
+                      <p:stCondLst>
+                        <p:cond delay="indefinite"/>
+                      </p:stCondLst>
+                      <p:childTnLst>
+                        <p:par>
+                          <p:cTn id="16" fill="hold">
+                            <p:stCondLst>
+                              <p:cond delay="0"/>
+                            </p:stCondLst>
+                            <p:childTnLst>
+                              <p:par>
+                                <p:cTn id="17" presetID="2" presetClass="entr" presetSubtype="4" fill="hold" nodeType="clickEffect">
+                                  <p:stCondLst>
+                                    <p:cond delay="0"/>
+                                  </p:stCondLst>
+                                  <p:childTnLst>
+                                    <p:set>
+                                      <p:cBhvr>
+                                        <p:cTn id="18" dur="1" fill="hold">
+                                          <p:stCondLst>
+                                            <p:cond delay="0"/>
+                                          </p:stCondLst>
+                                        </p:cTn>
+                                        <p:tgtEl>
+                                          <p:spTgt spid="6"/>
+                                        </p:tgtEl>
+                                        <p:attrNameLst>
+                                          <p:attrName>style.visibility</p:attrName>
+                                        </p:attrNameLst>
+                                      </p:cBhvr>
+                                      <p:to>
+                                        <p:strVal val="visible"/>
+                                      </p:to>
+                                    </p:set>
+                                    <p:anim calcmode="lin" valueType="num">
+                                      <p:cBhvr additive="base">
+                                        <p:cTn id="19" dur="500" fill="hold"/>
+                                        <p:tgtEl>
+                                          <p:spTgt spid="6"/>
+                                        </p:tgtEl>
+                                        <p:attrNameLst>
+                                          <p:attrName>ppt_x</p:attrName>
+                                        </p:attrNameLst>
+                                      </p:cBhvr>
+                                      <p:tavLst>
+                                        <p:tav tm="0">
+                                          <p:val>
+                                            <p:strVal val="#ppt_x"/>
+                                          </p:val>
+                                        </p:tav>
+                                        <p:tav tm="100000">
+                                          <p:val>
+                                            <p:strVal val="#ppt_x"/>
+                                          </p:val>
+                                        </p:tav>
+                                      </p:tavLst>
+                                    </p:anim>
+                                    <p:anim calcmode="lin" valueType="num">
+                                      <p:cBhvr additive="base">
+                                        <p:cTn id="20" dur="500" fill="hold"/>
+                                        <p:tgtEl>
+                                          <p:spTgt spid="6"/>
+                                        </p:tgtEl>
+                                        <p:attrNameLst>
+                                          <p:attrName>ppt_y</p:attrName>
+                                        </p:attrNameLst>
+                                      </p:cBhvr>
+                                      <p:tavLst>
+                                        <p:tav tm="0">
+                                          <p:val>
+                                            <p:strVal val="1+#ppt_h/2"/>
+                                          </p:val>
+                                        </p:tav>
+                                        <p:tav tm="100000">
+                                          <p:val>
+                                            <p:strVal val="#ppt_y"/>
+                                          </p:val>
+                                        </p:tav>
+                                      </p:tavLst>
+                                    </p:anim>
+                                  </p:childTnLst>
+                                </p:cTn>
+                              </p:par>
+                            </p:childTnLst>
+                          </p:cTn>
+                        </p:par>
+                      </p:childTnLst>
+                    </p:cTn>
+                  </p:par>
+                </p:childTnLst>
+              </p:cTn>
+              <p:prevCondLst>
+                <p:cond evt="onPrev" delay="0">
+                  <p:tgtEl>
+                    <p:sldTgt/>
+                  </p:tgtEl>
+                </p:cond>
+              </p:prevCondLst>
+              <p:nextCondLst>
+                <p:cond evt="onNext" delay="0">
+                  <p:tgtEl>
+                    <p:sldTgt/>
+                  </p:tgtEl>
+                </p:cond>
+              </p:nextCondLst>
+            </p:seq>
+          </p:childTnLst>
+        </p:cTn>
+      </p:par>
+    </p:tnLst>
+    <p:bldLst>
+      <p:bldP spid="5" grpId="0"/>
+    </p:bldLst>
+  </p:timing>
+</p:sld>
+</file>
+
+<file path=ppt/slides/slide46.xml><?xml version="1.0" encoding="utf-8"?>
+<p:sld xmlns:a="http://schemas.openxmlformats.org/drawingml/2006/main" xmlns:r="http://schemas.openxmlformats.org/officeDocument/2006/relationships" xmlns:p="http://schemas.openxmlformats.org/presentationml/2006/main">
+  <p:cSld>
+    <p:spTree>
+      <p:nvGrpSpPr>
+        <p:cNvPr id="1" name=""/>
+        <p:cNvGrpSpPr/>
+        <p:nvPr/>
+      </p:nvGrpSpPr>
+      <p:grpSpPr>
+        <a:xfrm>
+          <a:off x="0" y="0"/>
+          <a:ext cx="0" cy="0"/>
+          <a:chOff x="0" y="0"/>
+          <a:chExt cx="0" cy="0"/>
+        </a:xfrm>
+      </p:grpSpPr>
+      <p:sp>
+        <p:nvSpPr>
+          <p:cNvPr id="3" name="Title 2"/>
+          <p:cNvSpPr>
+            <a:spLocks noGrp="1"/>
+          </p:cNvSpPr>
+          <p:nvPr>
+            <p:ph type="title"/>
+          </p:nvPr>
+        </p:nvSpPr>
+        <p:spPr>
+          <a:xfrm>
+            <a:off x="1619672" y="-1"/>
+            <a:ext cx="7524328" cy="771551"/>
+          </a:xfrm>
+        </p:spPr>
+        <p:txBody>
+          <a:bodyPr/>
+          <a:lstStyle/>
+          <a:p>
+            <a:pPr algn="ctr"/>
+            <a:r>
+              <a:rPr lang="en-US" altLang="ko-KR" dirty="0" err="1" smtClean="0"/>
+              <a:t>Servisi</a:t>
+            </a:r>
+            <a:r>
+              <a:rPr lang="en-US" altLang="ko-KR" dirty="0" smtClean="0"/>
+              <a:t> </a:t>
+            </a:r>
+            <a:r>
+              <a:rPr lang="en-US" altLang="ko-KR" dirty="0" err="1" smtClean="0"/>
+              <a:t>i</a:t>
+            </a:r>
+            <a:r>
+              <a:rPr lang="en-US" altLang="ko-KR" dirty="0" smtClean="0"/>
+              <a:t> Environment </a:t>
+            </a:r>
+            <a:r>
+              <a:rPr lang="en-US" altLang="ko-KR" dirty="0" err="1" smtClean="0"/>
+              <a:t>Fajlovi</a:t>
+            </a:r>
+            <a:endParaRPr lang="ko-KR" altLang="en-US" dirty="0"/>
+          </a:p>
+        </p:txBody>
+      </p:sp>
+      <p:sp>
+        <p:nvSpPr>
+          <p:cNvPr id="5" name="TextBox 4"/>
+          <p:cNvSpPr txBox="1"/>
+          <p:nvPr/>
+        </p:nvSpPr>
+        <p:spPr>
+          <a:xfrm>
+            <a:off x="1619672" y="915566"/>
+            <a:ext cx="7200800" cy="523220"/>
+          </a:xfrm>
+          <a:prstGeom prst="rect">
+            <a:avLst/>
+          </a:prstGeom>
+          <a:noFill/>
+        </p:spPr>
+        <p:txBody>
+          <a:bodyPr wrap="square" rtlCol="0">
+            <a:spAutoFit/>
+          </a:bodyPr>
+          <a:lstStyle/>
+          <a:p>
+            <a:r>
+              <a:rPr lang="en-US" sz="1400" dirty="0" smtClean="0">
+                <a:latin typeface="Arial" panose="020B0604020202020204" pitchFamily="34" charset="0"/>
+                <a:cs typeface="Arial" panose="020B0604020202020204" pitchFamily="34" charset="0"/>
+              </a:rPr>
+              <a:t>Environment </a:t>
+            </a:r>
+            <a:r>
+              <a:rPr lang="en-US" sz="1400" dirty="0" err="1" smtClean="0">
+                <a:latin typeface="Arial" panose="020B0604020202020204" pitchFamily="34" charset="0"/>
+                <a:cs typeface="Arial" panose="020B0604020202020204" pitchFamily="34" charset="0"/>
+              </a:rPr>
+              <a:t>fajlovi</a:t>
+            </a:r>
+            <a:r>
+              <a:rPr lang="en-US" sz="1400" dirty="0" smtClean="0">
+                <a:latin typeface="Arial" panose="020B0604020202020204" pitchFamily="34" charset="0"/>
+                <a:cs typeface="Arial" panose="020B0604020202020204" pitchFamily="34" charset="0"/>
+              </a:rPr>
+              <a:t> </a:t>
+            </a:r>
+            <a:r>
+              <a:rPr lang="en-US" sz="1400" dirty="0" err="1" smtClean="0">
+                <a:latin typeface="Arial" panose="020B0604020202020204" pitchFamily="34" charset="0"/>
+                <a:cs typeface="Arial" panose="020B0604020202020204" pitchFamily="34" charset="0"/>
+              </a:rPr>
+              <a:t>nam</a:t>
+            </a:r>
+            <a:r>
+              <a:rPr lang="en-US" sz="1400" dirty="0" smtClean="0">
+                <a:latin typeface="Arial" panose="020B0604020202020204" pitchFamily="34" charset="0"/>
+                <a:cs typeface="Arial" panose="020B0604020202020204" pitchFamily="34" charset="0"/>
+              </a:rPr>
+              <a:t> </a:t>
+            </a:r>
+            <a:r>
+              <a:rPr lang="en-US" sz="1400" dirty="0" err="1" smtClean="0">
+                <a:latin typeface="Arial" panose="020B0604020202020204" pitchFamily="34" charset="0"/>
+                <a:cs typeface="Arial" panose="020B0604020202020204" pitchFamily="34" charset="0"/>
+              </a:rPr>
+              <a:t>omogu</a:t>
+            </a:r>
+            <a:r>
+              <a:rPr lang="sr-Latn-RS" sz="1400" dirty="0" smtClean="0">
+                <a:latin typeface="Arial" panose="020B0604020202020204" pitchFamily="34" charset="0"/>
+                <a:cs typeface="Arial" panose="020B0604020202020204" pitchFamily="34" charset="0"/>
+              </a:rPr>
+              <a:t>ćavaju da prepoznamo u kom okruženju nam se nalazi aplikacija i u odnosu na to da podesimo određena podešavanja, kao npr end-point adresu.</a:t>
+            </a:r>
+            <a:endParaRPr lang="en-US" sz="1400" dirty="0">
+              <a:latin typeface="Arial" panose="020B0604020202020204" pitchFamily="34" charset="0"/>
+              <a:cs typeface="Arial" panose="020B0604020202020204" pitchFamily="34" charset="0"/>
+            </a:endParaRPr>
+          </a:p>
+        </p:txBody>
+      </p:sp>
+      <p:pic>
+        <p:nvPicPr>
+          <p:cNvPr id="4" name="Picture 3"/>
+          <p:cNvPicPr>
+            <a:picLocks noChangeAspect="1"/>
+          </p:cNvPicPr>
+          <p:nvPr/>
+        </p:nvPicPr>
+        <p:blipFill>
+          <a:blip r:embed="rId2"/>
+          <a:stretch>
+            <a:fillRect/>
+          </a:stretch>
+        </p:blipFill>
+        <p:spPr>
+          <a:xfrm>
+            <a:off x="1691680" y="1582802"/>
+            <a:ext cx="1914792" cy="666843"/>
+          </a:xfrm>
+          <a:prstGeom prst="rect">
+            <a:avLst/>
+          </a:prstGeom>
+        </p:spPr>
+      </p:pic>
+      <p:pic>
+        <p:nvPicPr>
+          <p:cNvPr id="8" name="Picture 7"/>
+          <p:cNvPicPr>
+            <a:picLocks noChangeAspect="1"/>
+          </p:cNvPicPr>
+          <p:nvPr/>
+        </p:nvPicPr>
+        <p:blipFill>
+          <a:blip r:embed="rId3"/>
+          <a:stretch>
+            <a:fillRect/>
+          </a:stretch>
+        </p:blipFill>
+        <p:spPr>
+          <a:xfrm>
+            <a:off x="3923928" y="1601854"/>
+            <a:ext cx="2448267" cy="628738"/>
+          </a:xfrm>
+          <a:prstGeom prst="rect">
+            <a:avLst/>
+          </a:prstGeom>
+        </p:spPr>
+      </p:pic>
+      <p:pic>
+        <p:nvPicPr>
+          <p:cNvPr id="9" name="Picture 8"/>
+          <p:cNvPicPr>
+            <a:picLocks noChangeAspect="1"/>
+          </p:cNvPicPr>
+          <p:nvPr/>
+        </p:nvPicPr>
+        <p:blipFill>
+          <a:blip r:embed="rId4"/>
+          <a:stretch>
+            <a:fillRect/>
+          </a:stretch>
+        </p:blipFill>
+        <p:spPr>
+          <a:xfrm>
+            <a:off x="6630008" y="1601854"/>
+            <a:ext cx="2314898" cy="685896"/>
+          </a:xfrm>
+          <a:prstGeom prst="rect">
+            <a:avLst/>
+          </a:prstGeom>
+        </p:spPr>
+      </p:pic>
+      <p:pic>
+        <p:nvPicPr>
+          <p:cNvPr id="11" name="Picture 10"/>
+          <p:cNvPicPr>
+            <a:picLocks noChangeAspect="1"/>
+          </p:cNvPicPr>
+          <p:nvPr/>
+        </p:nvPicPr>
+        <p:blipFill>
+          <a:blip r:embed="rId5"/>
+          <a:stretch>
+            <a:fillRect/>
+          </a:stretch>
+        </p:blipFill>
+        <p:spPr>
+          <a:xfrm>
+            <a:off x="1691680" y="3075806"/>
+            <a:ext cx="3200847" cy="952633"/>
+          </a:xfrm>
+          <a:prstGeom prst="rect">
+            <a:avLst/>
+          </a:prstGeom>
+        </p:spPr>
+      </p:pic>
+      <p:sp>
+        <p:nvSpPr>
+          <p:cNvPr id="12" name="TextBox 11"/>
+          <p:cNvSpPr txBox="1"/>
+          <p:nvPr/>
+        </p:nvSpPr>
+        <p:spPr>
+          <a:xfrm>
+            <a:off x="1619672" y="2416097"/>
+            <a:ext cx="7200800" cy="307777"/>
+          </a:xfrm>
+          <a:prstGeom prst="rect">
+            <a:avLst/>
+          </a:prstGeom>
+          <a:noFill/>
+        </p:spPr>
+        <p:txBody>
+          <a:bodyPr wrap="square" rtlCol="0">
+            <a:spAutoFit/>
+          </a:bodyPr>
+          <a:lstStyle/>
+          <a:p>
+            <a:r>
+              <a:rPr lang="en-US" sz="1400" dirty="0" smtClean="0">
+                <a:latin typeface="Arial" panose="020B0604020202020204" pitchFamily="34" charset="0"/>
+                <a:cs typeface="Arial" panose="020B0604020202020204" pitchFamily="34" charset="0"/>
+              </a:rPr>
+              <a:t>I</a:t>
+            </a:r>
+            <a:r>
+              <a:rPr lang="sr-Latn-RS" sz="1400" dirty="0" smtClean="0">
+                <a:latin typeface="Arial" panose="020B0604020202020204" pitchFamily="34" charset="0"/>
+                <a:cs typeface="Arial" panose="020B0604020202020204" pitchFamily="34" charset="0"/>
+              </a:rPr>
+              <a:t>zmenićemo oba fajla sa odgovarajućim serverskim adresama</a:t>
+            </a:r>
+            <a:endParaRPr lang="en-US" sz="1400" dirty="0">
+              <a:latin typeface="Arial" panose="020B0604020202020204" pitchFamily="34" charset="0"/>
+              <a:cs typeface="Arial" panose="020B0604020202020204" pitchFamily="34" charset="0"/>
+            </a:endParaRPr>
+          </a:p>
+        </p:txBody>
+      </p:sp>
+      <p:pic>
+        <p:nvPicPr>
+          <p:cNvPr id="13" name="Picture 12"/>
+          <p:cNvPicPr>
+            <a:picLocks noChangeAspect="1"/>
+          </p:cNvPicPr>
+          <p:nvPr/>
+        </p:nvPicPr>
+        <p:blipFill>
+          <a:blip r:embed="rId6"/>
+          <a:stretch>
+            <a:fillRect/>
+          </a:stretch>
+        </p:blipFill>
+        <p:spPr>
+          <a:xfrm>
+            <a:off x="5148061" y="3075806"/>
+            <a:ext cx="3629532" cy="952633"/>
+          </a:xfrm>
+          <a:prstGeom prst="rect">
+            <a:avLst/>
+          </a:prstGeom>
+        </p:spPr>
+      </p:pic>
+      <p:sp>
+        <p:nvSpPr>
+          <p:cNvPr id="14" name="TextBox 13"/>
+          <p:cNvSpPr txBox="1"/>
+          <p:nvPr/>
+        </p:nvSpPr>
+        <p:spPr>
+          <a:xfrm>
+            <a:off x="1685465" y="4364701"/>
+            <a:ext cx="7200800" cy="307777"/>
+          </a:xfrm>
+          <a:prstGeom prst="rect">
+            <a:avLst/>
+          </a:prstGeom>
+          <a:noFill/>
+        </p:spPr>
+        <p:txBody>
+          <a:bodyPr wrap="square" rtlCol="0">
+            <a:spAutoFit/>
+          </a:bodyPr>
+          <a:lstStyle/>
+          <a:p>
+            <a:r>
+              <a:rPr lang="sr-Latn-RS" sz="1400" dirty="0" smtClean="0">
+                <a:latin typeface="Arial" panose="020B0604020202020204" pitchFamily="34" charset="0"/>
+                <a:cs typeface="Arial" panose="020B0604020202020204" pitchFamily="34" charset="0"/>
+              </a:rPr>
+              <a:t>Posle podešavanja fajlova za okruženje, kreiraćemo servis za HTTP zahteve ka serveru.</a:t>
+            </a:r>
+            <a:endParaRPr lang="en-US" sz="1400" dirty="0">
+              <a:latin typeface="Arial" panose="020B0604020202020204" pitchFamily="34" charset="0"/>
+              <a:cs typeface="Arial" panose="020B0604020202020204" pitchFamily="34" charset="0"/>
+            </a:endParaRPr>
+          </a:p>
+        </p:txBody>
+      </p:sp>
+    </p:spTree>
+    <p:extLst>
+      <p:ext uri="{BB962C8B-B14F-4D97-AF65-F5344CB8AC3E}">
+        <p14:creationId xmlns:p14="http://schemas.microsoft.com/office/powerpoint/2010/main" val="3289503174"/>
+      </p:ext>
+    </p:extLst>
+  </p:cSld>
+  <p:clrMapOvr>
+    <a:masterClrMapping/>
+  </p:clrMapOvr>
+  <p:timing>
+    <p:tnLst>
+      <p:par>
+        <p:cTn id="1" dur="indefinite" restart="never" nodeType="tmRoot">
+          <p:childTnLst>
+            <p:seq concurrent="1" nextAc="seek">
+              <p:cTn id="2" dur="indefinite" nodeType="mainSeq">
+                <p:childTnLst>
+                  <p:par>
+                    <p:cTn id="3" fill="hold">
+                      <p:stCondLst>
+                        <p:cond delay="indefinite"/>
+                      </p:stCondLst>
+                      <p:childTnLst>
+                        <p:par>
+                          <p:cTn id="4" fill="hold">
+                            <p:stCondLst>
+                              <p:cond delay="0"/>
+                            </p:stCondLst>
+                            <p:childTnLst>
+                              <p:par>
+                                <p:cTn id="5" presetID="2" presetClass="entr" presetSubtype="4" fill="hold" grpId="0" nodeType="clickEffect">
+                                  <p:stCondLst>
+                                    <p:cond delay="0"/>
+                                  </p:stCondLst>
+                                  <p:childTnLst>
+                                    <p:set>
+                                      <p:cBhvr>
+                                        <p:cTn id="6" dur="1" fill="hold">
+                                          <p:stCondLst>
+                                            <p:cond delay="0"/>
+                                          </p:stCondLst>
+                                        </p:cTn>
+                                        <p:tgtEl>
+                                          <p:spTgt spid="5"/>
+                                        </p:tgtEl>
+                                        <p:attrNameLst>
+                                          <p:attrName>style.visibility</p:attrName>
+                                        </p:attrNameLst>
+                                      </p:cBhvr>
+                                      <p:to>
+                                        <p:strVal val="visible"/>
+                                      </p:to>
+                                    </p:set>
+                                    <p:anim calcmode="lin" valueType="num">
+                                      <p:cBhvr additive="base">
+                                        <p:cTn id="7" dur="500" fill="hold"/>
+                                        <p:tgtEl>
+                                          <p:spTgt spid="5"/>
+                                        </p:tgtEl>
+                                        <p:attrNameLst>
+                                          <p:attrName>ppt_x</p:attrName>
+                                        </p:attrNameLst>
+                                      </p:cBhvr>
+                                      <p:tavLst>
+                                        <p:tav tm="0">
+                                          <p:val>
+                                            <p:strVal val="#ppt_x"/>
+                                          </p:val>
+                                        </p:tav>
+                                        <p:tav tm="100000">
+                                          <p:val>
+                                            <p:strVal val="#ppt_x"/>
+                                          </p:val>
+                                        </p:tav>
+                                      </p:tavLst>
+                                    </p:anim>
+                                    <p:anim calcmode="lin" valueType="num">
+                                      <p:cBhvr additive="base">
+                                        <p:cTn id="8" dur="500" fill="hold"/>
+                                        <p:tgtEl>
+                                          <p:spTgt spid="5"/>
+                                        </p:tgtEl>
+                                        <p:attrNameLst>
+                                          <p:attrName>ppt_y</p:attrName>
+                                        </p:attrNameLst>
+                                      </p:cBhvr>
+                                      <p:tavLst>
+                                        <p:tav tm="0">
+                                          <p:val>
+                                            <p:strVal val="1+#ppt_h/2"/>
+                                          </p:val>
+                                        </p:tav>
+                                        <p:tav tm="100000">
+                                          <p:val>
+                                            <p:strVal val="#ppt_y"/>
+                                          </p:val>
+                                        </p:tav>
+                                      </p:tavLst>
+                                    </p:anim>
+                                  </p:childTnLst>
+                                </p:cTn>
+                              </p:par>
+                            </p:childTnLst>
+                          </p:cTn>
+                        </p:par>
+                      </p:childTnLst>
+                    </p:cTn>
+                  </p:par>
+                  <p:par>
+                    <p:cTn id="9" fill="hold">
+                      <p:stCondLst>
+                        <p:cond delay="indefinite"/>
+                      </p:stCondLst>
+                      <p:childTnLst>
+                        <p:par>
+                          <p:cTn id="10" fill="hold">
+                            <p:stCondLst>
+                              <p:cond delay="0"/>
+                            </p:stCondLst>
+                            <p:childTnLst>
+                              <p:par>
+                                <p:cTn id="11" presetID="2" presetClass="entr" presetSubtype="4" fill="hold" nodeType="clickEffect">
+                                  <p:stCondLst>
+                                    <p:cond delay="0"/>
+                                  </p:stCondLst>
+                                  <p:childTnLst>
+                                    <p:set>
+                                      <p:cBhvr>
+                                        <p:cTn id="12" dur="1" fill="hold">
+                                          <p:stCondLst>
+                                            <p:cond delay="0"/>
+                                          </p:stCondLst>
+                                        </p:cTn>
+                                        <p:tgtEl>
+                                          <p:spTgt spid="4"/>
+                                        </p:tgtEl>
+                                        <p:attrNameLst>
+                                          <p:attrName>style.visibility</p:attrName>
+                                        </p:attrNameLst>
+                                      </p:cBhvr>
+                                      <p:to>
+                                        <p:strVal val="visible"/>
+                                      </p:to>
+                                    </p:set>
+                                    <p:anim calcmode="lin" valueType="num">
+                                      <p:cBhvr additive="base">
+                                        <p:cTn id="13" dur="500" fill="hold"/>
+                                        <p:tgtEl>
+                                          <p:spTgt spid="4"/>
+                                        </p:tgtEl>
+                                        <p:attrNameLst>
+                                          <p:attrName>ppt_x</p:attrName>
+                                        </p:attrNameLst>
+                                      </p:cBhvr>
+                                      <p:tavLst>
+                                        <p:tav tm="0">
+                                          <p:val>
+                                            <p:strVal val="#ppt_x"/>
+                                          </p:val>
+                                        </p:tav>
+                                        <p:tav tm="100000">
+                                          <p:val>
+                                            <p:strVal val="#ppt_x"/>
+                                          </p:val>
+                                        </p:tav>
+                                      </p:tavLst>
+                                    </p:anim>
+                                    <p:anim calcmode="lin" valueType="num">
+                                      <p:cBhvr additive="base">
+                                        <p:cTn id="14" dur="500" fill="hold"/>
+                                        <p:tgtEl>
+                                          <p:spTgt spid="4"/>
+                                        </p:tgtEl>
+                                        <p:attrNameLst>
+                                          <p:attrName>ppt_y</p:attrName>
+                                        </p:attrNameLst>
+                                      </p:cBhvr>
+                                      <p:tavLst>
+                                        <p:tav tm="0">
+                                          <p:val>
+                                            <p:strVal val="1+#ppt_h/2"/>
+                                          </p:val>
+                                        </p:tav>
+                                        <p:tav tm="100000">
+                                          <p:val>
+                                            <p:strVal val="#ppt_y"/>
+                                          </p:val>
+                                        </p:tav>
+                                      </p:tavLst>
+                                    </p:anim>
+                                  </p:childTnLst>
+                                </p:cTn>
+                              </p:par>
+                            </p:childTnLst>
+                          </p:cTn>
+                        </p:par>
+                      </p:childTnLst>
+                    </p:cTn>
+                  </p:par>
+                  <p:par>
+                    <p:cTn id="15" fill="hold">
+                      <p:stCondLst>
+                        <p:cond delay="indefinite"/>
+                      </p:stCondLst>
+                      <p:childTnLst>
+                        <p:par>
+                          <p:cTn id="16" fill="hold">
+                            <p:stCondLst>
+                              <p:cond delay="0"/>
+                            </p:stCondLst>
+                            <p:childTnLst>
+                              <p:par>
+                                <p:cTn id="17" presetID="2" presetClass="entr" presetSubtype="4" fill="hold" nodeType="clickEffect">
+                                  <p:stCondLst>
+                                    <p:cond delay="0"/>
+                                  </p:stCondLst>
+                                  <p:childTnLst>
+                                    <p:set>
+                                      <p:cBhvr>
+                                        <p:cTn id="18" dur="1" fill="hold">
+                                          <p:stCondLst>
+                                            <p:cond delay="0"/>
+                                          </p:stCondLst>
+                                        </p:cTn>
+                                        <p:tgtEl>
+                                          <p:spTgt spid="8"/>
+                                        </p:tgtEl>
+                                        <p:attrNameLst>
+                                          <p:attrName>style.visibility</p:attrName>
+                                        </p:attrNameLst>
+                                      </p:cBhvr>
+                                      <p:to>
+                                        <p:strVal val="visible"/>
+                                      </p:to>
+                                    </p:set>
+                                    <p:anim calcmode="lin" valueType="num">
+                                      <p:cBhvr additive="base">
+                                        <p:cTn id="19" dur="500" fill="hold"/>
+                                        <p:tgtEl>
+                                          <p:spTgt spid="8"/>
+                                        </p:tgtEl>
+                                        <p:attrNameLst>
+                                          <p:attrName>ppt_x</p:attrName>
+                                        </p:attrNameLst>
+                                      </p:cBhvr>
+                                      <p:tavLst>
+                                        <p:tav tm="0">
+                                          <p:val>
+                                            <p:strVal val="#ppt_x"/>
+                                          </p:val>
+                                        </p:tav>
+                                        <p:tav tm="100000">
+                                          <p:val>
+                                            <p:strVal val="#ppt_x"/>
+                                          </p:val>
+                                        </p:tav>
+                                      </p:tavLst>
+                                    </p:anim>
+                                    <p:anim calcmode="lin" valueType="num">
+                                      <p:cBhvr additive="base">
+                                        <p:cTn id="20" dur="500" fill="hold"/>
+                                        <p:tgtEl>
+                                          <p:spTgt spid="8"/>
+                                        </p:tgtEl>
+                                        <p:attrNameLst>
+                                          <p:attrName>ppt_y</p:attrName>
+                                        </p:attrNameLst>
+                                      </p:cBhvr>
+                                      <p:tavLst>
+                                        <p:tav tm="0">
+                                          <p:val>
+                                            <p:strVal val="1+#ppt_h/2"/>
+                                          </p:val>
+                                        </p:tav>
+                                        <p:tav tm="100000">
+                                          <p:val>
+                                            <p:strVal val="#ppt_y"/>
+                                          </p:val>
+                                        </p:tav>
+                                      </p:tavLst>
+                                    </p:anim>
+                                  </p:childTnLst>
+                                </p:cTn>
+                              </p:par>
+                            </p:childTnLst>
+                          </p:cTn>
+                        </p:par>
+                      </p:childTnLst>
+                    </p:cTn>
+                  </p:par>
+                  <p:par>
+                    <p:cTn id="21" fill="hold">
+                      <p:stCondLst>
+                        <p:cond delay="indefinite"/>
+                      </p:stCondLst>
+                      <p:childTnLst>
+                        <p:par>
+                          <p:cTn id="22" fill="hold">
+                            <p:stCondLst>
+                              <p:cond delay="0"/>
+                            </p:stCondLst>
+                            <p:childTnLst>
+                              <p:par>
+                                <p:cTn id="23" presetID="2" presetClass="entr" presetSubtype="4" fill="hold" nodeType="clickEffect">
+                                  <p:stCondLst>
+                                    <p:cond delay="0"/>
+                                  </p:stCondLst>
+                                  <p:childTnLst>
+                                    <p:set>
+                                      <p:cBhvr>
+                                        <p:cTn id="24" dur="1" fill="hold">
+                                          <p:stCondLst>
+                                            <p:cond delay="0"/>
+                                          </p:stCondLst>
+                                        </p:cTn>
+                                        <p:tgtEl>
+                                          <p:spTgt spid="9"/>
+                                        </p:tgtEl>
+                                        <p:attrNameLst>
+                                          <p:attrName>style.visibility</p:attrName>
+                                        </p:attrNameLst>
+                                      </p:cBhvr>
+                                      <p:to>
+                                        <p:strVal val="visible"/>
+                                      </p:to>
+                                    </p:set>
+                                    <p:anim calcmode="lin" valueType="num">
+                                      <p:cBhvr additive="base">
+                                        <p:cTn id="25" dur="500" fill="hold"/>
+                                        <p:tgtEl>
+                                          <p:spTgt spid="9"/>
+                                        </p:tgtEl>
+                                        <p:attrNameLst>
+                                          <p:attrName>ppt_x</p:attrName>
+                                        </p:attrNameLst>
+                                      </p:cBhvr>
+                                      <p:tavLst>
+                                        <p:tav tm="0">
+                                          <p:val>
+                                            <p:strVal val="#ppt_x"/>
+                                          </p:val>
+                                        </p:tav>
+                                        <p:tav tm="100000">
+                                          <p:val>
+                                            <p:strVal val="#ppt_x"/>
+                                          </p:val>
+                                        </p:tav>
+                                      </p:tavLst>
+                                    </p:anim>
+                                    <p:anim calcmode="lin" valueType="num">
+                                      <p:cBhvr additive="base">
+                                        <p:cTn id="26" dur="500" fill="hold"/>
+                                        <p:tgtEl>
+                                          <p:spTgt spid="9"/>
+                                        </p:tgtEl>
+                                        <p:attrNameLst>
+                                          <p:attrName>ppt_y</p:attrName>
+                                        </p:attrNameLst>
+                                      </p:cBhvr>
+                                      <p:tavLst>
+                                        <p:tav tm="0">
+                                          <p:val>
+                                            <p:strVal val="1+#ppt_h/2"/>
+                                          </p:val>
+                                        </p:tav>
+                                        <p:tav tm="100000">
+                                          <p:val>
+                                            <p:strVal val="#ppt_y"/>
+                                          </p:val>
+                                        </p:tav>
+                                      </p:tavLst>
+                                    </p:anim>
+                                  </p:childTnLst>
+                                </p:cTn>
+                              </p:par>
+                            </p:childTnLst>
+                          </p:cTn>
+                        </p:par>
+                      </p:childTnLst>
+                    </p:cTn>
+                  </p:par>
+                  <p:par>
+                    <p:cTn id="27" fill="hold">
+                      <p:stCondLst>
+                        <p:cond delay="indefinite"/>
+                      </p:stCondLst>
+                      <p:childTnLst>
+                        <p:par>
+                          <p:cTn id="28" fill="hold">
+                            <p:stCondLst>
+                              <p:cond delay="0"/>
+                            </p:stCondLst>
+                            <p:childTnLst>
+                              <p:par>
+                                <p:cTn id="29" presetID="2" presetClass="entr" presetSubtype="4" fill="hold" grpId="0" nodeType="clickEffect">
+                                  <p:stCondLst>
+                                    <p:cond delay="0"/>
+                                  </p:stCondLst>
+                                  <p:childTnLst>
+                                    <p:set>
+                                      <p:cBhvr>
+                                        <p:cTn id="30" dur="1" fill="hold">
+                                          <p:stCondLst>
+                                            <p:cond delay="0"/>
+                                          </p:stCondLst>
+                                        </p:cTn>
+                                        <p:tgtEl>
+                                          <p:spTgt spid="12"/>
+                                        </p:tgtEl>
+                                        <p:attrNameLst>
+                                          <p:attrName>style.visibility</p:attrName>
+                                        </p:attrNameLst>
+                                      </p:cBhvr>
+                                      <p:to>
+                                        <p:strVal val="visible"/>
+                                      </p:to>
+                                    </p:set>
+                                    <p:anim calcmode="lin" valueType="num">
+                                      <p:cBhvr additive="base">
+                                        <p:cTn id="31" dur="500" fill="hold"/>
+                                        <p:tgtEl>
+                                          <p:spTgt spid="12"/>
+                                        </p:tgtEl>
+                                        <p:attrNameLst>
+                                          <p:attrName>ppt_x</p:attrName>
+                                        </p:attrNameLst>
+                                      </p:cBhvr>
+                                      <p:tavLst>
+                                        <p:tav tm="0">
+                                          <p:val>
+                                            <p:strVal val="#ppt_x"/>
+                                          </p:val>
+                                        </p:tav>
+                                        <p:tav tm="100000">
+                                          <p:val>
+                                            <p:strVal val="#ppt_x"/>
+                                          </p:val>
+                                        </p:tav>
+                                      </p:tavLst>
+                                    </p:anim>
+                                    <p:anim calcmode="lin" valueType="num">
+                                      <p:cBhvr additive="base">
+                                        <p:cTn id="32" dur="500" fill="hold"/>
+                                        <p:tgtEl>
+                                          <p:spTgt spid="12"/>
+                                        </p:tgtEl>
+                                        <p:attrNameLst>
+                                          <p:attrName>ppt_y</p:attrName>
+                                        </p:attrNameLst>
+                                      </p:cBhvr>
+                                      <p:tavLst>
+                                        <p:tav tm="0">
+                                          <p:val>
+                                            <p:strVal val="1+#ppt_h/2"/>
+                                          </p:val>
+                                        </p:tav>
+                                        <p:tav tm="100000">
+                                          <p:val>
+                                            <p:strVal val="#ppt_y"/>
+                                          </p:val>
+                                        </p:tav>
+                                      </p:tavLst>
+                                    </p:anim>
+                                  </p:childTnLst>
+                                </p:cTn>
+                              </p:par>
+                            </p:childTnLst>
+                          </p:cTn>
+                        </p:par>
+                      </p:childTnLst>
+                    </p:cTn>
+                  </p:par>
+                  <p:par>
+                    <p:cTn id="33" fill="hold">
+                      <p:stCondLst>
+                        <p:cond delay="indefinite"/>
+                      </p:stCondLst>
+                      <p:childTnLst>
+                        <p:par>
+                          <p:cTn id="34" fill="hold">
+                            <p:stCondLst>
+                              <p:cond delay="0"/>
+                            </p:stCondLst>
+                            <p:childTnLst>
+                              <p:par>
+                                <p:cTn id="35" presetID="2" presetClass="entr" presetSubtype="4" fill="hold" nodeType="clickEffect">
+                                  <p:stCondLst>
+                                    <p:cond delay="0"/>
+                                  </p:stCondLst>
+                                  <p:childTnLst>
+                                    <p:set>
+                                      <p:cBhvr>
+                                        <p:cTn id="36" dur="1" fill="hold">
+                                          <p:stCondLst>
+                                            <p:cond delay="0"/>
+                                          </p:stCondLst>
+                                        </p:cTn>
+                                        <p:tgtEl>
+                                          <p:spTgt spid="11"/>
+                                        </p:tgtEl>
+                                        <p:attrNameLst>
+                                          <p:attrName>style.visibility</p:attrName>
+                                        </p:attrNameLst>
+                                      </p:cBhvr>
+                                      <p:to>
+                                        <p:strVal val="visible"/>
+                                      </p:to>
+                                    </p:set>
+                                    <p:anim calcmode="lin" valueType="num">
+                                      <p:cBhvr additive="base">
+                                        <p:cTn id="37" dur="500" fill="hold"/>
+                                        <p:tgtEl>
+                                          <p:spTgt spid="11"/>
+                                        </p:tgtEl>
+                                        <p:attrNameLst>
+                                          <p:attrName>ppt_x</p:attrName>
+                                        </p:attrNameLst>
+                                      </p:cBhvr>
+                                      <p:tavLst>
+                                        <p:tav tm="0">
+                                          <p:val>
+                                            <p:strVal val="#ppt_x"/>
+                                          </p:val>
+                                        </p:tav>
+                                        <p:tav tm="100000">
+                                          <p:val>
+                                            <p:strVal val="#ppt_x"/>
+                                          </p:val>
+                                        </p:tav>
+                                      </p:tavLst>
+                                    </p:anim>
+                                    <p:anim calcmode="lin" valueType="num">
+                                      <p:cBhvr additive="base">
+                                        <p:cTn id="38" dur="500" fill="hold"/>
+                                        <p:tgtEl>
+                                          <p:spTgt spid="11"/>
+                                        </p:tgtEl>
+                                        <p:attrNameLst>
+                                          <p:attrName>ppt_y</p:attrName>
+                                        </p:attrNameLst>
+                                      </p:cBhvr>
+                                      <p:tavLst>
+                                        <p:tav tm="0">
+                                          <p:val>
+                                            <p:strVal val="1+#ppt_h/2"/>
+                                          </p:val>
+                                        </p:tav>
+                                        <p:tav tm="100000">
+                                          <p:val>
+                                            <p:strVal val="#ppt_y"/>
+                                          </p:val>
+                                        </p:tav>
+                                      </p:tavLst>
+                                    </p:anim>
+                                  </p:childTnLst>
+                                </p:cTn>
+                              </p:par>
+                            </p:childTnLst>
+                          </p:cTn>
+                        </p:par>
+                      </p:childTnLst>
+                    </p:cTn>
+                  </p:par>
+                  <p:par>
+                    <p:cTn id="39" fill="hold">
+                      <p:stCondLst>
+                        <p:cond delay="indefinite"/>
+                      </p:stCondLst>
+                      <p:childTnLst>
+                        <p:par>
+                          <p:cTn id="40" fill="hold">
+                            <p:stCondLst>
+                              <p:cond delay="0"/>
+                            </p:stCondLst>
+                            <p:childTnLst>
+                              <p:par>
+                                <p:cTn id="41" presetID="2" presetClass="entr" presetSubtype="4" fill="hold" nodeType="clickEffect">
+                                  <p:stCondLst>
+                                    <p:cond delay="0"/>
+                                  </p:stCondLst>
+                                  <p:childTnLst>
+                                    <p:set>
+                                      <p:cBhvr>
+                                        <p:cTn id="42" dur="1" fill="hold">
+                                          <p:stCondLst>
+                                            <p:cond delay="0"/>
+                                          </p:stCondLst>
+                                        </p:cTn>
+                                        <p:tgtEl>
+                                          <p:spTgt spid="13"/>
+                                        </p:tgtEl>
+                                        <p:attrNameLst>
+                                          <p:attrName>style.visibility</p:attrName>
+                                        </p:attrNameLst>
+                                      </p:cBhvr>
+                                      <p:to>
+                                        <p:strVal val="visible"/>
+                                      </p:to>
+                                    </p:set>
+                                    <p:anim calcmode="lin" valueType="num">
+                                      <p:cBhvr additive="base">
+                                        <p:cTn id="43" dur="500" fill="hold"/>
+                                        <p:tgtEl>
+                                          <p:spTgt spid="13"/>
+                                        </p:tgtEl>
+                                        <p:attrNameLst>
+                                          <p:attrName>ppt_x</p:attrName>
+                                        </p:attrNameLst>
+                                      </p:cBhvr>
+                                      <p:tavLst>
+                                        <p:tav tm="0">
+                                          <p:val>
+                                            <p:strVal val="#ppt_x"/>
+                                          </p:val>
+                                        </p:tav>
+                                        <p:tav tm="100000">
+                                          <p:val>
+                                            <p:strVal val="#ppt_x"/>
+                                          </p:val>
+                                        </p:tav>
+                                      </p:tavLst>
+                                    </p:anim>
+                                    <p:anim calcmode="lin" valueType="num">
+                                      <p:cBhvr additive="base">
+                                        <p:cTn id="44" dur="500" fill="hold"/>
+                                        <p:tgtEl>
+                                          <p:spTgt spid="13"/>
+                                        </p:tgtEl>
+                                        <p:attrNameLst>
+                                          <p:attrName>ppt_y</p:attrName>
+                                        </p:attrNameLst>
+                                      </p:cBhvr>
+                                      <p:tavLst>
+                                        <p:tav tm="0">
+                                          <p:val>
+                                            <p:strVal val="1+#ppt_h/2"/>
+                                          </p:val>
+                                        </p:tav>
+                                        <p:tav tm="100000">
+                                          <p:val>
+                                            <p:strVal val="#ppt_y"/>
+                                          </p:val>
+                                        </p:tav>
+                                      </p:tavLst>
+                                    </p:anim>
+                                  </p:childTnLst>
+                                </p:cTn>
+                              </p:par>
+                            </p:childTnLst>
+                          </p:cTn>
+                        </p:par>
+                      </p:childTnLst>
+                    </p:cTn>
+                  </p:par>
+                  <p:par>
+                    <p:cTn id="45" fill="hold">
+                      <p:stCondLst>
+                        <p:cond delay="indefinite"/>
+                      </p:stCondLst>
+                      <p:childTnLst>
+                        <p:par>
+                          <p:cTn id="46" fill="hold">
+                            <p:stCondLst>
+                              <p:cond delay="0"/>
+                            </p:stCondLst>
+                            <p:childTnLst>
+                              <p:par>
+                                <p:cTn id="47" presetID="2" presetClass="entr" presetSubtype="4" fill="hold" grpId="0" nodeType="clickEffect">
+                                  <p:stCondLst>
+                                    <p:cond delay="0"/>
+                                  </p:stCondLst>
+                                  <p:childTnLst>
+                                    <p:set>
+                                      <p:cBhvr>
+                                        <p:cTn id="48" dur="1" fill="hold">
+                                          <p:stCondLst>
+                                            <p:cond delay="0"/>
+                                          </p:stCondLst>
+                                        </p:cTn>
+                                        <p:tgtEl>
+                                          <p:spTgt spid="14"/>
+                                        </p:tgtEl>
+                                        <p:attrNameLst>
+                                          <p:attrName>style.visibility</p:attrName>
+                                        </p:attrNameLst>
+                                      </p:cBhvr>
+                                      <p:to>
+                                        <p:strVal val="visible"/>
+                                      </p:to>
+                                    </p:set>
+                                    <p:anim calcmode="lin" valueType="num">
+                                      <p:cBhvr additive="base">
+                                        <p:cTn id="49" dur="500" fill="hold"/>
+                                        <p:tgtEl>
+                                          <p:spTgt spid="14"/>
+                                        </p:tgtEl>
+                                        <p:attrNameLst>
+                                          <p:attrName>ppt_x</p:attrName>
+                                        </p:attrNameLst>
+                                      </p:cBhvr>
+                                      <p:tavLst>
+                                        <p:tav tm="0">
+                                          <p:val>
+                                            <p:strVal val="#ppt_x"/>
+                                          </p:val>
+                                        </p:tav>
+                                        <p:tav tm="100000">
+                                          <p:val>
+                                            <p:strVal val="#ppt_x"/>
+                                          </p:val>
+                                        </p:tav>
+                                      </p:tavLst>
+                                    </p:anim>
+                                    <p:anim calcmode="lin" valueType="num">
+                                      <p:cBhvr additive="base">
+                                        <p:cTn id="50" dur="500" fill="hold"/>
+                                        <p:tgtEl>
+                                          <p:spTgt spid="14"/>
+                                        </p:tgtEl>
+                                        <p:attrNameLst>
+                                          <p:attrName>ppt_y</p:attrName>
+                                        </p:attrNameLst>
+                                      </p:cBhvr>
+                                      <p:tavLst>
+                                        <p:tav tm="0">
+                                          <p:val>
+                                            <p:strVal val="1+#ppt_h/2"/>
+                                          </p:val>
+                                        </p:tav>
+                                        <p:tav tm="100000">
+                                          <p:val>
+                                            <p:strVal val="#ppt_y"/>
+                                          </p:val>
+                                        </p:tav>
+                                      </p:tavLst>
+                                    </p:anim>
+                                  </p:childTnLst>
+                                </p:cTn>
+                              </p:par>
+                            </p:childTnLst>
+                          </p:cTn>
+                        </p:par>
+                      </p:childTnLst>
+                    </p:cTn>
+                  </p:par>
+                </p:childTnLst>
+              </p:cTn>
+              <p:prevCondLst>
+                <p:cond evt="onPrev" delay="0">
+                  <p:tgtEl>
+                    <p:sldTgt/>
+                  </p:tgtEl>
+                </p:cond>
+              </p:prevCondLst>
+              <p:nextCondLst>
+                <p:cond evt="onNext" delay="0">
+                  <p:tgtEl>
+                    <p:sldTgt/>
+                  </p:tgtEl>
+                </p:cond>
+              </p:nextCondLst>
+            </p:seq>
+          </p:childTnLst>
+        </p:cTn>
+      </p:par>
+    </p:tnLst>
+    <p:bldLst>
+      <p:bldP spid="5" grpId="0"/>
+      <p:bldP spid="12" grpId="0"/>
+      <p:bldP spid="14" grpId="0"/>
+    </p:bldLst>
+  </p:timing>
+</p:sld>
+</file>
+
+<file path=ppt/slides/slide47.xml><?xml version="1.0" encoding="utf-8"?>
+<p:sld xmlns:a="http://schemas.openxmlformats.org/drawingml/2006/main" xmlns:r="http://schemas.openxmlformats.org/officeDocument/2006/relationships" xmlns:p="http://schemas.openxmlformats.org/presentationml/2006/main">
+  <p:cSld>
+    <p:spTree>
+      <p:nvGrpSpPr>
+        <p:cNvPr id="1" name=""/>
+        <p:cNvGrpSpPr/>
+        <p:nvPr/>
+      </p:nvGrpSpPr>
+      <p:grpSpPr>
+        <a:xfrm>
+          <a:off x="0" y="0"/>
+          <a:ext cx="0" cy="0"/>
+          <a:chOff x="0" y="0"/>
+          <a:chExt cx="0" cy="0"/>
+        </a:xfrm>
+      </p:grpSpPr>
+      <p:sp>
+        <p:nvSpPr>
+          <p:cNvPr id="3" name="Title 2"/>
+          <p:cNvSpPr>
+            <a:spLocks noGrp="1"/>
+          </p:cNvSpPr>
+          <p:nvPr>
+            <p:ph type="title"/>
+          </p:nvPr>
+        </p:nvSpPr>
+        <p:spPr>
+          <a:xfrm>
+            <a:off x="1619672" y="-1"/>
+            <a:ext cx="7524328" cy="771551"/>
+          </a:xfrm>
+        </p:spPr>
+        <p:txBody>
+          <a:bodyPr/>
+          <a:lstStyle/>
+          <a:p>
+            <a:pPr algn="ctr"/>
+            <a:r>
+              <a:rPr lang="en-US" altLang="ko-KR" dirty="0" err="1" smtClean="0"/>
+              <a:t>Servisi</a:t>
+            </a:r>
+            <a:r>
+              <a:rPr lang="en-US" altLang="ko-KR" dirty="0" smtClean="0"/>
+              <a:t> </a:t>
+            </a:r>
+            <a:r>
+              <a:rPr lang="en-US" altLang="ko-KR" dirty="0" err="1" smtClean="0"/>
+              <a:t>i</a:t>
+            </a:r>
+            <a:r>
+              <a:rPr lang="en-US" altLang="ko-KR" dirty="0" smtClean="0"/>
+              <a:t> Environment </a:t>
+            </a:r>
+            <a:r>
+              <a:rPr lang="en-US" altLang="ko-KR" dirty="0" err="1" smtClean="0"/>
+              <a:t>Fajlovi</a:t>
+            </a:r>
+            <a:endParaRPr lang="ko-KR" altLang="en-US" dirty="0"/>
+          </a:p>
+        </p:txBody>
+      </p:sp>
+      <p:sp>
+        <p:nvSpPr>
+          <p:cNvPr id="5" name="TextBox 4"/>
+          <p:cNvSpPr txBox="1"/>
+          <p:nvPr/>
+        </p:nvSpPr>
+        <p:spPr>
+          <a:xfrm>
+            <a:off x="1632248" y="915566"/>
+            <a:ext cx="7200800" cy="523220"/>
+          </a:xfrm>
+          <a:prstGeom prst="rect">
+            <a:avLst/>
+          </a:prstGeom>
+          <a:noFill/>
+        </p:spPr>
+        <p:txBody>
+          <a:bodyPr wrap="square" rtlCol="0">
+            <a:spAutoFit/>
+          </a:bodyPr>
+          <a:lstStyle/>
+          <a:p>
+            <a:r>
+              <a:rPr lang="en-US" sz="1400" dirty="0" smtClean="0">
+                <a:latin typeface="Arial" panose="020B0604020202020204" pitchFamily="34" charset="0"/>
+                <a:cs typeface="Arial" panose="020B0604020202020204" pitchFamily="34" charset="0"/>
+              </a:rPr>
+              <a:t>Da bi </a:t>
+            </a:r>
+            <a:r>
+              <a:rPr lang="en-US" sz="1400" dirty="0" err="1" smtClean="0">
+                <a:latin typeface="Arial" panose="020B0604020202020204" pitchFamily="34" charset="0"/>
+                <a:cs typeface="Arial" panose="020B0604020202020204" pitchFamily="34" charset="0"/>
+              </a:rPr>
+              <a:t>smo</a:t>
+            </a:r>
+            <a:r>
+              <a:rPr lang="en-US" sz="1400" dirty="0" smtClean="0">
+                <a:latin typeface="Arial" panose="020B0604020202020204" pitchFamily="34" charset="0"/>
+                <a:cs typeface="Arial" panose="020B0604020202020204" pitchFamily="34" charset="0"/>
+              </a:rPr>
+              <a:t> </a:t>
+            </a:r>
+            <a:r>
+              <a:rPr lang="en-US" sz="1400" dirty="0" err="1" smtClean="0">
+                <a:latin typeface="Arial" panose="020B0604020202020204" pitchFamily="34" charset="0"/>
+                <a:cs typeface="Arial" panose="020B0604020202020204" pitchFamily="34" charset="0"/>
+              </a:rPr>
+              <a:t>slali</a:t>
+            </a:r>
+            <a:r>
+              <a:rPr lang="en-US" sz="1400" dirty="0" smtClean="0">
+                <a:latin typeface="Arial" panose="020B0604020202020204" pitchFamily="34" charset="0"/>
+                <a:cs typeface="Arial" panose="020B0604020202020204" pitchFamily="34" charset="0"/>
+              </a:rPr>
+              <a:t> HTTP </a:t>
+            </a:r>
+            <a:r>
+              <a:rPr lang="en-US" sz="1400" dirty="0" err="1" smtClean="0">
+                <a:latin typeface="Arial" panose="020B0604020202020204" pitchFamily="34" charset="0"/>
+                <a:cs typeface="Arial" panose="020B0604020202020204" pitchFamily="34" charset="0"/>
+              </a:rPr>
+              <a:t>zahteve</a:t>
+            </a:r>
+            <a:r>
+              <a:rPr lang="en-US" sz="1400" dirty="0" smtClean="0">
+                <a:latin typeface="Arial" panose="020B0604020202020204" pitchFamily="34" charset="0"/>
+                <a:cs typeface="Arial" panose="020B0604020202020204" pitchFamily="34" charset="0"/>
+              </a:rPr>
+              <a:t> </a:t>
+            </a:r>
+            <a:r>
+              <a:rPr lang="en-US" sz="1400" dirty="0" err="1" smtClean="0">
+                <a:latin typeface="Arial" panose="020B0604020202020204" pitchFamily="34" charset="0"/>
+                <a:cs typeface="Arial" panose="020B0604020202020204" pitchFamily="34" charset="0"/>
+              </a:rPr>
+              <a:t>ka</a:t>
+            </a:r>
+            <a:r>
+              <a:rPr lang="en-US" sz="1400" dirty="0" smtClean="0">
+                <a:latin typeface="Arial" panose="020B0604020202020204" pitchFamily="34" charset="0"/>
+                <a:cs typeface="Arial" panose="020B0604020202020204" pitchFamily="34" charset="0"/>
+              </a:rPr>
+              <a:t> </a:t>
+            </a:r>
+            <a:r>
+              <a:rPr lang="en-US" sz="1400" dirty="0" err="1" smtClean="0">
+                <a:latin typeface="Arial" panose="020B0604020202020204" pitchFamily="34" charset="0"/>
+                <a:cs typeface="Arial" panose="020B0604020202020204" pitchFamily="34" charset="0"/>
+              </a:rPr>
+              <a:t>serveru</a:t>
+            </a:r>
+            <a:r>
+              <a:rPr lang="en-US" sz="1400" dirty="0" smtClean="0">
+                <a:latin typeface="Arial" panose="020B0604020202020204" pitchFamily="34" charset="0"/>
+                <a:cs typeface="Arial" panose="020B0604020202020204" pitchFamily="34" charset="0"/>
+              </a:rPr>
+              <a:t>, mi </a:t>
+            </a:r>
+            <a:r>
+              <a:rPr lang="en-US" sz="1400" dirty="0" err="1" smtClean="0">
+                <a:latin typeface="Arial" panose="020B0604020202020204" pitchFamily="34" charset="0"/>
+                <a:cs typeface="Arial" panose="020B0604020202020204" pitchFamily="34" charset="0"/>
+              </a:rPr>
+              <a:t>moramo</a:t>
+            </a:r>
+            <a:r>
+              <a:rPr lang="en-US" sz="1400" dirty="0" smtClean="0">
+                <a:latin typeface="Arial" panose="020B0604020202020204" pitchFamily="34" charset="0"/>
+                <a:cs typeface="Arial" panose="020B0604020202020204" pitchFamily="34" charset="0"/>
+              </a:rPr>
+              <a:t> da </a:t>
+            </a:r>
+            <a:r>
+              <a:rPr lang="en-US" sz="1400" dirty="0" err="1" smtClean="0">
+                <a:latin typeface="Arial" panose="020B0604020202020204" pitchFamily="34" charset="0"/>
+                <a:cs typeface="Arial" panose="020B0604020202020204" pitchFamily="34" charset="0"/>
+              </a:rPr>
+              <a:t>registrujemo</a:t>
+            </a:r>
+            <a:r>
+              <a:rPr lang="en-US" sz="1400" dirty="0" smtClean="0">
+                <a:latin typeface="Arial" panose="020B0604020202020204" pitchFamily="34" charset="0"/>
+                <a:cs typeface="Arial" panose="020B0604020202020204" pitchFamily="34" charset="0"/>
+              </a:rPr>
+              <a:t> </a:t>
+            </a:r>
+            <a:r>
+              <a:rPr lang="en-US" sz="1400" dirty="0" err="1" smtClean="0">
+                <a:latin typeface="Arial" panose="020B0604020202020204" pitchFamily="34" charset="0"/>
+                <a:cs typeface="Arial" panose="020B0604020202020204" pitchFamily="34" charset="0"/>
+              </a:rPr>
+              <a:t>HTTPClientModule</a:t>
+            </a:r>
+            <a:r>
+              <a:rPr lang="en-US" sz="1400" dirty="0" smtClean="0">
+                <a:latin typeface="Arial" panose="020B0604020202020204" pitchFamily="34" charset="0"/>
+                <a:cs typeface="Arial" panose="020B0604020202020204" pitchFamily="34" charset="0"/>
+              </a:rPr>
+              <a:t> u Application Module </a:t>
+            </a:r>
+            <a:r>
+              <a:rPr lang="en-US" sz="1400" dirty="0" err="1" smtClean="0">
+                <a:latin typeface="Arial" panose="020B0604020202020204" pitchFamily="34" charset="0"/>
+                <a:cs typeface="Arial" panose="020B0604020202020204" pitchFamily="34" charset="0"/>
+              </a:rPr>
+              <a:t>fajlu</a:t>
+            </a:r>
+            <a:r>
+              <a:rPr lang="en-US" sz="1400" dirty="0" smtClean="0">
+                <a:latin typeface="Arial" panose="020B0604020202020204" pitchFamily="34" charset="0"/>
+                <a:cs typeface="Arial" panose="020B0604020202020204" pitchFamily="34" charset="0"/>
+              </a:rPr>
+              <a:t> </a:t>
+            </a:r>
+            <a:endParaRPr lang="en-US" sz="1400" dirty="0">
+              <a:latin typeface="Arial" panose="020B0604020202020204" pitchFamily="34" charset="0"/>
+              <a:cs typeface="Arial" panose="020B0604020202020204" pitchFamily="34" charset="0"/>
+            </a:endParaRPr>
+          </a:p>
+        </p:txBody>
+      </p:sp>
+      <p:pic>
+        <p:nvPicPr>
+          <p:cNvPr id="2" name="Picture 1"/>
+          <p:cNvPicPr>
+            <a:picLocks noChangeAspect="1"/>
+          </p:cNvPicPr>
+          <p:nvPr/>
+        </p:nvPicPr>
+        <p:blipFill>
+          <a:blip r:embed="rId2"/>
+          <a:stretch>
+            <a:fillRect/>
+          </a:stretch>
+        </p:blipFill>
+        <p:spPr>
+          <a:xfrm>
+            <a:off x="1763688" y="1438787"/>
+            <a:ext cx="4286993" cy="3704714"/>
+          </a:xfrm>
+          <a:prstGeom prst="rect">
+            <a:avLst/>
+          </a:prstGeom>
+        </p:spPr>
+      </p:pic>
+    </p:spTree>
+    <p:extLst>
+      <p:ext uri="{BB962C8B-B14F-4D97-AF65-F5344CB8AC3E}">
+        <p14:creationId xmlns:p14="http://schemas.microsoft.com/office/powerpoint/2010/main" val="2958719892"/>
+      </p:ext>
+    </p:extLst>
+  </p:cSld>
+  <p:clrMapOvr>
+    <a:masterClrMapping/>
+  </p:clrMapOvr>
+  <p:timing>
+    <p:tnLst>
+      <p:par>
+        <p:cTn id="1" dur="indefinite" restart="never" nodeType="tmRoot">
+          <p:childTnLst>
+            <p:seq concurrent="1" nextAc="seek">
+              <p:cTn id="2" dur="indefinite" nodeType="mainSeq">
+                <p:childTnLst>
+                  <p:par>
+                    <p:cTn id="3" fill="hold">
+                      <p:stCondLst>
+                        <p:cond delay="indefinite"/>
+                      </p:stCondLst>
+                      <p:childTnLst>
+                        <p:par>
+                          <p:cTn id="4" fill="hold">
+                            <p:stCondLst>
+                              <p:cond delay="0"/>
+                            </p:stCondLst>
+                            <p:childTnLst>
+                              <p:par>
+                                <p:cTn id="5" presetID="2" presetClass="entr" presetSubtype="4" fill="hold" grpId="0" nodeType="clickEffect">
+                                  <p:stCondLst>
+                                    <p:cond delay="0"/>
+                                  </p:stCondLst>
+                                  <p:childTnLst>
+                                    <p:set>
+                                      <p:cBhvr>
+                                        <p:cTn id="6" dur="1" fill="hold">
+                                          <p:stCondLst>
+                                            <p:cond delay="0"/>
+                                          </p:stCondLst>
+                                        </p:cTn>
+                                        <p:tgtEl>
+                                          <p:spTgt spid="5"/>
+                                        </p:tgtEl>
+                                        <p:attrNameLst>
+                                          <p:attrName>style.visibility</p:attrName>
+                                        </p:attrNameLst>
+                                      </p:cBhvr>
+                                      <p:to>
+                                        <p:strVal val="visible"/>
+                                      </p:to>
+                                    </p:set>
+                                    <p:anim calcmode="lin" valueType="num">
+                                      <p:cBhvr additive="base">
+                                        <p:cTn id="7" dur="500" fill="hold"/>
+                                        <p:tgtEl>
+                                          <p:spTgt spid="5"/>
+                                        </p:tgtEl>
+                                        <p:attrNameLst>
+                                          <p:attrName>ppt_x</p:attrName>
+                                        </p:attrNameLst>
+                                      </p:cBhvr>
+                                      <p:tavLst>
+                                        <p:tav tm="0">
+                                          <p:val>
+                                            <p:strVal val="#ppt_x"/>
+                                          </p:val>
+                                        </p:tav>
+                                        <p:tav tm="100000">
+                                          <p:val>
+                                            <p:strVal val="#ppt_x"/>
+                                          </p:val>
+                                        </p:tav>
+                                      </p:tavLst>
+                                    </p:anim>
+                                    <p:anim calcmode="lin" valueType="num">
+                                      <p:cBhvr additive="base">
+                                        <p:cTn id="8" dur="500" fill="hold"/>
+                                        <p:tgtEl>
+                                          <p:spTgt spid="5"/>
+                                        </p:tgtEl>
+                                        <p:attrNameLst>
+                                          <p:attrName>ppt_y</p:attrName>
+                                        </p:attrNameLst>
+                                      </p:cBhvr>
+                                      <p:tavLst>
+                                        <p:tav tm="0">
+                                          <p:val>
+                                            <p:strVal val="1+#ppt_h/2"/>
+                                          </p:val>
+                                        </p:tav>
+                                        <p:tav tm="100000">
+                                          <p:val>
+                                            <p:strVal val="#ppt_y"/>
+                                          </p:val>
+                                        </p:tav>
+                                      </p:tavLst>
+                                    </p:anim>
+                                  </p:childTnLst>
+                                </p:cTn>
+                              </p:par>
+                            </p:childTnLst>
+                          </p:cTn>
+                        </p:par>
+                      </p:childTnLst>
+                    </p:cTn>
+                  </p:par>
+                  <p:par>
+                    <p:cTn id="9" fill="hold">
+                      <p:stCondLst>
+                        <p:cond delay="indefinite"/>
+                      </p:stCondLst>
+                      <p:childTnLst>
+                        <p:par>
+                          <p:cTn id="10" fill="hold">
+                            <p:stCondLst>
+                              <p:cond delay="0"/>
+                            </p:stCondLst>
+                            <p:childTnLst>
+                              <p:par>
+                                <p:cTn id="11" presetID="2" presetClass="entr" presetSubtype="4" fill="hold" nodeType="clickEffect">
+                                  <p:stCondLst>
+                                    <p:cond delay="0"/>
+                                  </p:stCondLst>
+                                  <p:childTnLst>
+                                    <p:set>
+                                      <p:cBhvr>
+                                        <p:cTn id="12" dur="1" fill="hold">
+                                          <p:stCondLst>
+                                            <p:cond delay="0"/>
+                                          </p:stCondLst>
+                                        </p:cTn>
+                                        <p:tgtEl>
+                                          <p:spTgt spid="2"/>
+                                        </p:tgtEl>
+                                        <p:attrNameLst>
+                                          <p:attrName>style.visibility</p:attrName>
+                                        </p:attrNameLst>
+                                      </p:cBhvr>
+                                      <p:to>
+                                        <p:strVal val="visible"/>
+                                      </p:to>
+                                    </p:set>
+                                    <p:anim calcmode="lin" valueType="num">
+                                      <p:cBhvr additive="base">
+                                        <p:cTn id="13" dur="500" fill="hold"/>
+                                        <p:tgtEl>
+                                          <p:spTgt spid="2"/>
+                                        </p:tgtEl>
+                                        <p:attrNameLst>
+                                          <p:attrName>ppt_x</p:attrName>
+                                        </p:attrNameLst>
+                                      </p:cBhvr>
+                                      <p:tavLst>
+                                        <p:tav tm="0">
+                                          <p:val>
+                                            <p:strVal val="#ppt_x"/>
+                                          </p:val>
+                                        </p:tav>
+                                        <p:tav tm="100000">
+                                          <p:val>
+                                            <p:strVal val="#ppt_x"/>
+                                          </p:val>
+                                        </p:tav>
+                                      </p:tavLst>
+                                    </p:anim>
+                                    <p:anim calcmode="lin" valueType="num">
+                                      <p:cBhvr additive="base">
+                                        <p:cTn id="14" dur="500" fill="hold"/>
+                                        <p:tgtEl>
+                                          <p:spTgt spid="2"/>
+                                        </p:tgtEl>
+                                        <p:attrNameLst>
+                                          <p:attrName>ppt_y</p:attrName>
+                                        </p:attrNameLst>
+                                      </p:cBhvr>
+                                      <p:tavLst>
+                                        <p:tav tm="0">
+                                          <p:val>
+                                            <p:strVal val="1+#ppt_h/2"/>
+                                          </p:val>
+                                        </p:tav>
+                                        <p:tav tm="100000">
+                                          <p:val>
+                                            <p:strVal val="#ppt_y"/>
+                                          </p:val>
+                                        </p:tav>
+                                      </p:tavLst>
+                                    </p:anim>
+                                  </p:childTnLst>
+                                </p:cTn>
+                              </p:par>
+                            </p:childTnLst>
+                          </p:cTn>
+                        </p:par>
+                      </p:childTnLst>
+                    </p:cTn>
+                  </p:par>
+                </p:childTnLst>
+              </p:cTn>
+              <p:prevCondLst>
+                <p:cond evt="onPrev" delay="0">
+                  <p:tgtEl>
+                    <p:sldTgt/>
+                  </p:tgtEl>
+                </p:cond>
+              </p:prevCondLst>
+              <p:nextCondLst>
+                <p:cond evt="onNext" delay="0">
+                  <p:tgtEl>
+                    <p:sldTgt/>
+                  </p:tgtEl>
+                </p:cond>
+              </p:nextCondLst>
+            </p:seq>
+          </p:childTnLst>
+        </p:cTn>
+      </p:par>
+    </p:tnLst>
+    <p:bldLst>
+      <p:bldP spid="5" grpId="0"/>
+    </p:bldLst>
+  </p:timing>
+</p:sld>
+</file>
+
+<file path=ppt/slides/slide48.xml><?xml version="1.0" encoding="utf-8"?>
+<p:sld xmlns:a="http://schemas.openxmlformats.org/drawingml/2006/main" xmlns:r="http://schemas.openxmlformats.org/officeDocument/2006/relationships" xmlns:p="http://schemas.openxmlformats.org/presentationml/2006/main">
+  <p:cSld>
+    <p:spTree>
+      <p:nvGrpSpPr>
+        <p:cNvPr id="1" name=""/>
+        <p:cNvGrpSpPr/>
+        <p:nvPr/>
+      </p:nvGrpSpPr>
+      <p:grpSpPr>
+        <a:xfrm>
+          <a:off x="0" y="0"/>
+          <a:ext cx="0" cy="0"/>
+          <a:chOff x="0" y="0"/>
+          <a:chExt cx="0" cy="0"/>
+        </a:xfrm>
+      </p:grpSpPr>
+      <p:sp>
+        <p:nvSpPr>
+          <p:cNvPr id="3" name="Title 2"/>
+          <p:cNvSpPr>
+            <a:spLocks noGrp="1"/>
+          </p:cNvSpPr>
+          <p:nvPr>
+            <p:ph type="title"/>
+          </p:nvPr>
+        </p:nvSpPr>
+        <p:spPr>
+          <a:xfrm>
+            <a:off x="1619672" y="-1"/>
+            <a:ext cx="7524328" cy="771551"/>
+          </a:xfrm>
+        </p:spPr>
+        <p:txBody>
+          <a:bodyPr/>
+          <a:lstStyle/>
+          <a:p>
+            <a:pPr algn="ctr"/>
+            <a:r>
+              <a:rPr lang="en-US" altLang="ko-KR" dirty="0" err="1" smtClean="0"/>
+              <a:t>Servisi</a:t>
+            </a:r>
+            <a:r>
+              <a:rPr lang="en-US" altLang="ko-KR" dirty="0" smtClean="0"/>
+              <a:t> </a:t>
+            </a:r>
+            <a:r>
+              <a:rPr lang="en-US" altLang="ko-KR" dirty="0" err="1" smtClean="0"/>
+              <a:t>i</a:t>
+            </a:r>
+            <a:r>
+              <a:rPr lang="en-US" altLang="ko-KR" dirty="0" smtClean="0"/>
+              <a:t> Environment </a:t>
+            </a:r>
+            <a:r>
+              <a:rPr lang="en-US" altLang="ko-KR" dirty="0" err="1" smtClean="0"/>
+              <a:t>Fajlovi</a:t>
+            </a:r>
+            <a:endParaRPr lang="ko-KR" altLang="en-US" dirty="0"/>
+          </a:p>
+        </p:txBody>
+      </p:sp>
+      <p:sp>
+        <p:nvSpPr>
+          <p:cNvPr id="5" name="TextBox 4"/>
+          <p:cNvSpPr txBox="1"/>
+          <p:nvPr/>
+        </p:nvSpPr>
+        <p:spPr>
+          <a:xfrm>
+            <a:off x="1632248" y="915566"/>
+            <a:ext cx="7200800" cy="307777"/>
+          </a:xfrm>
+          <a:prstGeom prst="rect">
+            <a:avLst/>
+          </a:prstGeom>
+          <a:noFill/>
+        </p:spPr>
+        <p:txBody>
+          <a:bodyPr wrap="square" rtlCol="0">
+            <a:spAutoFit/>
+          </a:bodyPr>
+          <a:lstStyle/>
+          <a:p>
+            <a:r>
+              <a:rPr lang="en-US" sz="1400" dirty="0" err="1" smtClean="0">
+                <a:latin typeface="Arial" panose="020B0604020202020204" pitchFamily="34" charset="0"/>
+                <a:cs typeface="Arial" panose="020B0604020202020204" pitchFamily="34" charset="0"/>
+              </a:rPr>
+              <a:t>Sada</a:t>
+            </a:r>
+            <a:r>
+              <a:rPr lang="en-US" sz="1400" dirty="0" smtClean="0">
+                <a:latin typeface="Arial" panose="020B0604020202020204" pitchFamily="34" charset="0"/>
+                <a:cs typeface="Arial" panose="020B0604020202020204" pitchFamily="34" charset="0"/>
+              </a:rPr>
+              <a:t> </a:t>
+            </a:r>
+            <a:r>
+              <a:rPr lang="en-US" sz="1400" dirty="0" err="1" smtClean="0">
+                <a:latin typeface="Arial" panose="020B0604020202020204" pitchFamily="34" charset="0"/>
+                <a:cs typeface="Arial" panose="020B0604020202020204" pitchFamily="34" charset="0"/>
+              </a:rPr>
+              <a:t>mo</a:t>
+            </a:r>
+            <a:r>
+              <a:rPr lang="sr-Latn-RS" sz="1400" dirty="0" smtClean="0">
+                <a:latin typeface="Arial" panose="020B0604020202020204" pitchFamily="34" charset="0"/>
+                <a:cs typeface="Arial" panose="020B0604020202020204" pitchFamily="34" charset="0"/>
+              </a:rPr>
+              <a:t>žemo napraviti naš httpService fajl</a:t>
+            </a:r>
+            <a:endParaRPr lang="en-US" sz="1400" dirty="0">
+              <a:latin typeface="Arial" panose="020B0604020202020204" pitchFamily="34" charset="0"/>
+              <a:cs typeface="Arial" panose="020B0604020202020204" pitchFamily="34" charset="0"/>
+            </a:endParaRPr>
+          </a:p>
+        </p:txBody>
+      </p:sp>
+      <p:pic>
+        <p:nvPicPr>
+          <p:cNvPr id="4" name="Picture 3"/>
+          <p:cNvPicPr>
+            <a:picLocks noChangeAspect="1"/>
+          </p:cNvPicPr>
+          <p:nvPr/>
+        </p:nvPicPr>
+        <p:blipFill>
+          <a:blip r:embed="rId3"/>
+          <a:stretch>
+            <a:fillRect/>
+          </a:stretch>
+        </p:blipFill>
+        <p:spPr>
+          <a:xfrm>
+            <a:off x="1632248" y="1419622"/>
+            <a:ext cx="6868484" cy="457264"/>
+          </a:xfrm>
+          <a:prstGeom prst="rect">
+            <a:avLst/>
+          </a:prstGeom>
+        </p:spPr>
+      </p:pic>
+      <p:pic>
+        <p:nvPicPr>
+          <p:cNvPr id="6" name="Picture 5"/>
+          <p:cNvPicPr>
+            <a:picLocks noChangeAspect="1"/>
+          </p:cNvPicPr>
+          <p:nvPr/>
+        </p:nvPicPr>
+        <p:blipFill>
+          <a:blip r:embed="rId4"/>
+          <a:stretch>
+            <a:fillRect/>
+          </a:stretch>
+        </p:blipFill>
+        <p:spPr>
+          <a:xfrm>
+            <a:off x="1691680" y="2524958"/>
+            <a:ext cx="3820058" cy="2019582"/>
+          </a:xfrm>
+          <a:prstGeom prst="rect">
+            <a:avLst/>
+          </a:prstGeom>
+        </p:spPr>
+      </p:pic>
+      <p:sp>
+        <p:nvSpPr>
+          <p:cNvPr id="7" name="TextBox 6"/>
+          <p:cNvSpPr txBox="1"/>
+          <p:nvPr/>
+        </p:nvSpPr>
+        <p:spPr>
+          <a:xfrm>
+            <a:off x="1619672" y="2073165"/>
+            <a:ext cx="7200800" cy="307777"/>
+          </a:xfrm>
+          <a:prstGeom prst="rect">
+            <a:avLst/>
+          </a:prstGeom>
+          <a:noFill/>
+        </p:spPr>
+        <p:txBody>
+          <a:bodyPr wrap="square" rtlCol="0">
+            <a:spAutoFit/>
+          </a:bodyPr>
+          <a:lstStyle/>
+          <a:p>
+            <a:r>
+              <a:rPr lang="en-US" sz="1400" dirty="0" err="1" smtClean="0">
+                <a:latin typeface="Arial" panose="020B0604020202020204" pitchFamily="34" charset="0"/>
+                <a:cs typeface="Arial" panose="020B0604020202020204" pitchFamily="34" charset="0"/>
+              </a:rPr>
+              <a:t>Podrazumevano</a:t>
+            </a:r>
+            <a:r>
+              <a:rPr lang="en-US" sz="1400" dirty="0" smtClean="0">
+                <a:latin typeface="Arial" panose="020B0604020202020204" pitchFamily="34" charset="0"/>
+                <a:cs typeface="Arial" panose="020B0604020202020204" pitchFamily="34" charset="0"/>
+              </a:rPr>
+              <a:t> </a:t>
+            </a:r>
+            <a:r>
+              <a:rPr lang="en-US" sz="1400" dirty="0" err="1" smtClean="0">
+                <a:latin typeface="Arial" panose="020B0604020202020204" pitchFamily="34" charset="0"/>
+                <a:cs typeface="Arial" panose="020B0604020202020204" pitchFamily="34" charset="0"/>
+              </a:rPr>
+              <a:t>na</a:t>
+            </a:r>
+            <a:r>
+              <a:rPr lang="sr-Latn-RS" sz="1400" dirty="0" smtClean="0">
+                <a:latin typeface="Arial" panose="020B0604020202020204" pitchFamily="34" charset="0"/>
+                <a:cs typeface="Arial" panose="020B0604020202020204" pitchFamily="34" charset="0"/>
+              </a:rPr>
+              <a:t>š servis izgleda ovako</a:t>
+            </a:r>
+            <a:endParaRPr lang="en-US" sz="1400" dirty="0">
+              <a:latin typeface="Arial" panose="020B0604020202020204" pitchFamily="34" charset="0"/>
+              <a:cs typeface="Arial" panose="020B0604020202020204" pitchFamily="34" charset="0"/>
+            </a:endParaRPr>
+          </a:p>
+        </p:txBody>
+      </p:sp>
+      <p:sp>
+        <p:nvSpPr>
+          <p:cNvPr id="8" name="TextBox 7"/>
+          <p:cNvSpPr txBox="1"/>
+          <p:nvPr/>
+        </p:nvSpPr>
+        <p:spPr>
+          <a:xfrm>
+            <a:off x="1547664" y="4688556"/>
+            <a:ext cx="7200800" cy="523220"/>
+          </a:xfrm>
+          <a:prstGeom prst="rect">
+            <a:avLst/>
+          </a:prstGeom>
+          <a:noFill/>
+        </p:spPr>
+        <p:txBody>
+          <a:bodyPr wrap="square" rtlCol="0">
+            <a:spAutoFit/>
+          </a:bodyPr>
+          <a:lstStyle/>
+          <a:p>
+            <a:r>
+              <a:rPr lang="sr-Latn-RS" sz="1400" dirty="0" smtClean="0">
+                <a:latin typeface="Arial" panose="020B0604020202020204" pitchFamily="34" charset="0"/>
+                <a:cs typeface="Arial" panose="020B0604020202020204" pitchFamily="34" charset="0"/>
+              </a:rPr>
+              <a:t>Servisi su fajlovi u koje možemo da izvučemo logku relavantnu za naše komponente isto tako logiku koju možemo ponovno koristiti u drugim komponentama.</a:t>
+            </a:r>
+            <a:endParaRPr lang="en-US" sz="1400" dirty="0">
+              <a:latin typeface="Arial" panose="020B0604020202020204" pitchFamily="34" charset="0"/>
+              <a:cs typeface="Arial" panose="020B0604020202020204" pitchFamily="34" charset="0"/>
+            </a:endParaRPr>
+          </a:p>
+        </p:txBody>
+      </p:sp>
+    </p:spTree>
+    <p:extLst>
+      <p:ext uri="{BB962C8B-B14F-4D97-AF65-F5344CB8AC3E}">
+        <p14:creationId xmlns:p14="http://schemas.microsoft.com/office/powerpoint/2010/main" val="962764329"/>
+      </p:ext>
+    </p:extLst>
+  </p:cSld>
+  <p:clrMapOvr>
+    <a:masterClrMapping/>
+  </p:clrMapOvr>
+  <p:timing>
+    <p:tnLst>
+      <p:par>
+        <p:cTn id="1" dur="indefinite" restart="never" nodeType="tmRoot">
+          <p:childTnLst>
+            <p:seq concurrent="1" nextAc="seek">
+              <p:cTn id="2" dur="indefinite" nodeType="mainSeq">
+                <p:childTnLst>
+                  <p:par>
+                    <p:cTn id="3" fill="hold">
+                      <p:stCondLst>
+                        <p:cond delay="indefinite"/>
+                      </p:stCondLst>
+                      <p:childTnLst>
+                        <p:par>
+                          <p:cTn id="4" fill="hold">
+                            <p:stCondLst>
+                              <p:cond delay="0"/>
+                            </p:stCondLst>
+                            <p:childTnLst>
+                              <p:par>
+                                <p:cTn id="5" presetID="2" presetClass="entr" presetSubtype="4" fill="hold" grpId="0" nodeType="clickEffect">
+                                  <p:stCondLst>
+                                    <p:cond delay="0"/>
+                                  </p:stCondLst>
+                                  <p:childTnLst>
+                                    <p:set>
+                                      <p:cBhvr>
+                                        <p:cTn id="6" dur="1" fill="hold">
+                                          <p:stCondLst>
+                                            <p:cond delay="0"/>
+                                          </p:stCondLst>
+                                        </p:cTn>
+                                        <p:tgtEl>
+                                          <p:spTgt spid="5"/>
+                                        </p:tgtEl>
+                                        <p:attrNameLst>
+                                          <p:attrName>style.visibility</p:attrName>
+                                        </p:attrNameLst>
+                                      </p:cBhvr>
+                                      <p:to>
+                                        <p:strVal val="visible"/>
+                                      </p:to>
+                                    </p:set>
+                                    <p:anim calcmode="lin" valueType="num">
+                                      <p:cBhvr additive="base">
+                                        <p:cTn id="7" dur="500" fill="hold"/>
+                                        <p:tgtEl>
+                                          <p:spTgt spid="5"/>
+                                        </p:tgtEl>
+                                        <p:attrNameLst>
+                                          <p:attrName>ppt_x</p:attrName>
+                                        </p:attrNameLst>
+                                      </p:cBhvr>
+                                      <p:tavLst>
+                                        <p:tav tm="0">
+                                          <p:val>
+                                            <p:strVal val="#ppt_x"/>
+                                          </p:val>
+                                        </p:tav>
+                                        <p:tav tm="100000">
+                                          <p:val>
+                                            <p:strVal val="#ppt_x"/>
+                                          </p:val>
+                                        </p:tav>
+                                      </p:tavLst>
+                                    </p:anim>
+                                    <p:anim calcmode="lin" valueType="num">
+                                      <p:cBhvr additive="base">
+                                        <p:cTn id="8" dur="500" fill="hold"/>
+                                        <p:tgtEl>
+                                          <p:spTgt spid="5"/>
+                                        </p:tgtEl>
+                                        <p:attrNameLst>
+                                          <p:attrName>ppt_y</p:attrName>
+                                        </p:attrNameLst>
+                                      </p:cBhvr>
+                                      <p:tavLst>
+                                        <p:tav tm="0">
+                                          <p:val>
+                                            <p:strVal val="1+#ppt_h/2"/>
+                                          </p:val>
+                                        </p:tav>
+                                        <p:tav tm="100000">
+                                          <p:val>
+                                            <p:strVal val="#ppt_y"/>
+                                          </p:val>
+                                        </p:tav>
+                                      </p:tavLst>
+                                    </p:anim>
+                                  </p:childTnLst>
+                                </p:cTn>
+                              </p:par>
+                            </p:childTnLst>
+                          </p:cTn>
+                        </p:par>
+                      </p:childTnLst>
+                    </p:cTn>
+                  </p:par>
+                  <p:par>
+                    <p:cTn id="9" fill="hold">
+                      <p:stCondLst>
+                        <p:cond delay="indefinite"/>
+                      </p:stCondLst>
+                      <p:childTnLst>
+                        <p:par>
+                          <p:cTn id="10" fill="hold">
+                            <p:stCondLst>
+                              <p:cond delay="0"/>
+                            </p:stCondLst>
+                            <p:childTnLst>
+                              <p:par>
+                                <p:cTn id="11" presetID="2" presetClass="entr" presetSubtype="4" fill="hold" nodeType="clickEffect">
+                                  <p:stCondLst>
+                                    <p:cond delay="0"/>
+                                  </p:stCondLst>
+                                  <p:childTnLst>
+                                    <p:set>
+                                      <p:cBhvr>
+                                        <p:cTn id="12" dur="1" fill="hold">
+                                          <p:stCondLst>
+                                            <p:cond delay="0"/>
+                                          </p:stCondLst>
+                                        </p:cTn>
+                                        <p:tgtEl>
+                                          <p:spTgt spid="4"/>
+                                        </p:tgtEl>
+                                        <p:attrNameLst>
+                                          <p:attrName>style.visibility</p:attrName>
+                                        </p:attrNameLst>
+                                      </p:cBhvr>
+                                      <p:to>
+                                        <p:strVal val="visible"/>
+                                      </p:to>
+                                    </p:set>
+                                    <p:anim calcmode="lin" valueType="num">
+                                      <p:cBhvr additive="base">
+                                        <p:cTn id="13" dur="500" fill="hold"/>
+                                        <p:tgtEl>
+                                          <p:spTgt spid="4"/>
+                                        </p:tgtEl>
+                                        <p:attrNameLst>
+                                          <p:attrName>ppt_x</p:attrName>
+                                        </p:attrNameLst>
+                                      </p:cBhvr>
+                                      <p:tavLst>
+                                        <p:tav tm="0">
+                                          <p:val>
+                                            <p:strVal val="#ppt_x"/>
+                                          </p:val>
+                                        </p:tav>
+                                        <p:tav tm="100000">
+                                          <p:val>
+                                            <p:strVal val="#ppt_x"/>
+                                          </p:val>
+                                        </p:tav>
+                                      </p:tavLst>
+                                    </p:anim>
+                                    <p:anim calcmode="lin" valueType="num">
+                                      <p:cBhvr additive="base">
+                                        <p:cTn id="14" dur="500" fill="hold"/>
+                                        <p:tgtEl>
+                                          <p:spTgt spid="4"/>
+                                        </p:tgtEl>
+                                        <p:attrNameLst>
+                                          <p:attrName>ppt_y</p:attrName>
+                                        </p:attrNameLst>
+                                      </p:cBhvr>
+                                      <p:tavLst>
+                                        <p:tav tm="0">
+                                          <p:val>
+                                            <p:strVal val="1+#ppt_h/2"/>
+                                          </p:val>
+                                        </p:tav>
+                                        <p:tav tm="100000">
+                                          <p:val>
+                                            <p:strVal val="#ppt_y"/>
+                                          </p:val>
+                                        </p:tav>
+                                      </p:tavLst>
+                                    </p:anim>
+                                  </p:childTnLst>
+                                </p:cTn>
+                              </p:par>
+                            </p:childTnLst>
+                          </p:cTn>
+                        </p:par>
+                      </p:childTnLst>
+                    </p:cTn>
+                  </p:par>
+                  <p:par>
+                    <p:cTn id="15" fill="hold">
+                      <p:stCondLst>
+                        <p:cond delay="indefinite"/>
+                      </p:stCondLst>
+                      <p:childTnLst>
+                        <p:par>
+                          <p:cTn id="16" fill="hold">
+                            <p:stCondLst>
+                              <p:cond delay="0"/>
+                            </p:stCondLst>
+                            <p:childTnLst>
+                              <p:par>
+                                <p:cTn id="17" presetID="2" presetClass="entr" presetSubtype="4" fill="hold" grpId="0" nodeType="clickEffect">
+                                  <p:stCondLst>
+                                    <p:cond delay="0"/>
+                                  </p:stCondLst>
+                                  <p:childTnLst>
+                                    <p:set>
+                                      <p:cBhvr>
+                                        <p:cTn id="18" dur="1" fill="hold">
+                                          <p:stCondLst>
+                                            <p:cond delay="0"/>
+                                          </p:stCondLst>
+                                        </p:cTn>
+                                        <p:tgtEl>
+                                          <p:spTgt spid="7"/>
+                                        </p:tgtEl>
+                                        <p:attrNameLst>
+                                          <p:attrName>style.visibility</p:attrName>
+                                        </p:attrNameLst>
+                                      </p:cBhvr>
+                                      <p:to>
+                                        <p:strVal val="visible"/>
+                                      </p:to>
+                                    </p:set>
+                                    <p:anim calcmode="lin" valueType="num">
+                                      <p:cBhvr additive="base">
+                                        <p:cTn id="19" dur="500" fill="hold"/>
+                                        <p:tgtEl>
+                                          <p:spTgt spid="7"/>
+                                        </p:tgtEl>
+                                        <p:attrNameLst>
+                                          <p:attrName>ppt_x</p:attrName>
+                                        </p:attrNameLst>
+                                      </p:cBhvr>
+                                      <p:tavLst>
+                                        <p:tav tm="0">
+                                          <p:val>
+                                            <p:strVal val="#ppt_x"/>
+                                          </p:val>
+                                        </p:tav>
+                                        <p:tav tm="100000">
+                                          <p:val>
+                                            <p:strVal val="#ppt_x"/>
+                                          </p:val>
+                                        </p:tav>
+                                      </p:tavLst>
+                                    </p:anim>
+                                    <p:anim calcmode="lin" valueType="num">
+                                      <p:cBhvr additive="base">
+                                        <p:cTn id="20" dur="500" fill="hold"/>
+                                        <p:tgtEl>
+                                          <p:spTgt spid="7"/>
+                                        </p:tgtEl>
+                                        <p:attrNameLst>
+                                          <p:attrName>ppt_y</p:attrName>
+                                        </p:attrNameLst>
+                                      </p:cBhvr>
+                                      <p:tavLst>
+                                        <p:tav tm="0">
+                                          <p:val>
+                                            <p:strVal val="1+#ppt_h/2"/>
+                                          </p:val>
+                                        </p:tav>
+                                        <p:tav tm="100000">
+                                          <p:val>
+                                            <p:strVal val="#ppt_y"/>
+                                          </p:val>
+                                        </p:tav>
+                                      </p:tavLst>
+                                    </p:anim>
+                                  </p:childTnLst>
+                                </p:cTn>
+                              </p:par>
+                            </p:childTnLst>
+                          </p:cTn>
+                        </p:par>
+                      </p:childTnLst>
+                    </p:cTn>
+                  </p:par>
+                  <p:par>
+                    <p:cTn id="21" fill="hold">
+                      <p:stCondLst>
+                        <p:cond delay="indefinite"/>
+                      </p:stCondLst>
+                      <p:childTnLst>
+                        <p:par>
+                          <p:cTn id="22" fill="hold">
+                            <p:stCondLst>
+                              <p:cond delay="0"/>
+                            </p:stCondLst>
+                            <p:childTnLst>
+                              <p:par>
+                                <p:cTn id="23" presetID="2" presetClass="entr" presetSubtype="4" fill="hold" nodeType="clickEffect">
+                                  <p:stCondLst>
+                                    <p:cond delay="0"/>
+                                  </p:stCondLst>
+                                  <p:childTnLst>
+                                    <p:set>
+                                      <p:cBhvr>
+                                        <p:cTn id="24" dur="1" fill="hold">
+                                          <p:stCondLst>
+                                            <p:cond delay="0"/>
+                                          </p:stCondLst>
+                                        </p:cTn>
+                                        <p:tgtEl>
+                                          <p:spTgt spid="6"/>
+                                        </p:tgtEl>
+                                        <p:attrNameLst>
+                                          <p:attrName>style.visibility</p:attrName>
+                                        </p:attrNameLst>
+                                      </p:cBhvr>
+                                      <p:to>
+                                        <p:strVal val="visible"/>
+                                      </p:to>
+                                    </p:set>
+                                    <p:anim calcmode="lin" valueType="num">
+                                      <p:cBhvr additive="base">
+                                        <p:cTn id="25" dur="500" fill="hold"/>
+                                        <p:tgtEl>
+                                          <p:spTgt spid="6"/>
+                                        </p:tgtEl>
+                                        <p:attrNameLst>
+                                          <p:attrName>ppt_x</p:attrName>
+                                        </p:attrNameLst>
+                                      </p:cBhvr>
+                                      <p:tavLst>
+                                        <p:tav tm="0">
+                                          <p:val>
+                                            <p:strVal val="#ppt_x"/>
+                                          </p:val>
+                                        </p:tav>
+                                        <p:tav tm="100000">
+                                          <p:val>
+                                            <p:strVal val="#ppt_x"/>
+                                          </p:val>
+                                        </p:tav>
+                                      </p:tavLst>
+                                    </p:anim>
+                                    <p:anim calcmode="lin" valueType="num">
+                                      <p:cBhvr additive="base">
+                                        <p:cTn id="26" dur="500" fill="hold"/>
+                                        <p:tgtEl>
+                                          <p:spTgt spid="6"/>
+                                        </p:tgtEl>
+                                        <p:attrNameLst>
+                                          <p:attrName>ppt_y</p:attrName>
+                                        </p:attrNameLst>
+                                      </p:cBhvr>
+                                      <p:tavLst>
+                                        <p:tav tm="0">
+                                          <p:val>
+                                            <p:strVal val="1+#ppt_h/2"/>
+                                          </p:val>
+                                        </p:tav>
+                                        <p:tav tm="100000">
+                                          <p:val>
+                                            <p:strVal val="#ppt_y"/>
+                                          </p:val>
+                                        </p:tav>
+                                      </p:tavLst>
+                                    </p:anim>
+                                  </p:childTnLst>
+                                </p:cTn>
+                              </p:par>
+                            </p:childTnLst>
+                          </p:cTn>
+                        </p:par>
+                      </p:childTnLst>
+                    </p:cTn>
+                  </p:par>
+                  <p:par>
+                    <p:cTn id="27" fill="hold">
+                      <p:stCondLst>
+                        <p:cond delay="indefinite"/>
+                      </p:stCondLst>
+                      <p:childTnLst>
+                        <p:par>
+                          <p:cTn id="28" fill="hold">
+                            <p:stCondLst>
+                              <p:cond delay="0"/>
+                            </p:stCondLst>
+                            <p:childTnLst>
+                              <p:par>
+                                <p:cTn id="29" presetID="2" presetClass="entr" presetSubtype="4" fill="hold" grpId="0" nodeType="clickEffect">
+                                  <p:stCondLst>
+                                    <p:cond delay="0"/>
+                                  </p:stCondLst>
+                                  <p:childTnLst>
+                                    <p:set>
+                                      <p:cBhvr>
+                                        <p:cTn id="30" dur="1" fill="hold">
+                                          <p:stCondLst>
+                                            <p:cond delay="0"/>
+                                          </p:stCondLst>
+                                        </p:cTn>
+                                        <p:tgtEl>
+                                          <p:spTgt spid="8"/>
+                                        </p:tgtEl>
+                                        <p:attrNameLst>
+                                          <p:attrName>style.visibility</p:attrName>
+                                        </p:attrNameLst>
+                                      </p:cBhvr>
+                                      <p:to>
+                                        <p:strVal val="visible"/>
+                                      </p:to>
+                                    </p:set>
+                                    <p:anim calcmode="lin" valueType="num">
+                                      <p:cBhvr additive="base">
+                                        <p:cTn id="31" dur="500" fill="hold"/>
+                                        <p:tgtEl>
+                                          <p:spTgt spid="8"/>
+                                        </p:tgtEl>
+                                        <p:attrNameLst>
+                                          <p:attrName>ppt_x</p:attrName>
+                                        </p:attrNameLst>
+                                      </p:cBhvr>
+                                      <p:tavLst>
+                                        <p:tav tm="0">
+                                          <p:val>
+                                            <p:strVal val="#ppt_x"/>
+                                          </p:val>
+                                        </p:tav>
+                                        <p:tav tm="100000">
+                                          <p:val>
+                                            <p:strVal val="#ppt_x"/>
+                                          </p:val>
+                                        </p:tav>
+                                      </p:tavLst>
+                                    </p:anim>
+                                    <p:anim calcmode="lin" valueType="num">
+                                      <p:cBhvr additive="base">
+                                        <p:cTn id="32" dur="500" fill="hold"/>
+                                        <p:tgtEl>
+                                          <p:spTgt spid="8"/>
+                                        </p:tgtEl>
+                                        <p:attrNameLst>
+                                          <p:attrName>ppt_y</p:attrName>
+                                        </p:attrNameLst>
+                                      </p:cBhvr>
+                                      <p:tavLst>
+                                        <p:tav tm="0">
+                                          <p:val>
+                                            <p:strVal val="1+#ppt_h/2"/>
+                                          </p:val>
+                                        </p:tav>
+                                        <p:tav tm="100000">
+                                          <p:val>
+                                            <p:strVal val="#ppt_y"/>
+                                          </p:val>
+                                        </p:tav>
+                                      </p:tavLst>
+                                    </p:anim>
+                                  </p:childTnLst>
+                                </p:cTn>
+                              </p:par>
+                            </p:childTnLst>
+                          </p:cTn>
+                        </p:par>
+                      </p:childTnLst>
+                    </p:cTn>
+                  </p:par>
+                </p:childTnLst>
+              </p:cTn>
+              <p:prevCondLst>
+                <p:cond evt="onPrev" delay="0">
+                  <p:tgtEl>
+                    <p:sldTgt/>
+                  </p:tgtEl>
+                </p:cond>
+              </p:prevCondLst>
+              <p:nextCondLst>
+                <p:cond evt="onNext" delay="0">
+                  <p:tgtEl>
+                    <p:sldTgt/>
+                  </p:tgtEl>
+                </p:cond>
+              </p:nextCondLst>
+            </p:seq>
+          </p:childTnLst>
+        </p:cTn>
+      </p:par>
+    </p:tnLst>
+    <p:bldLst>
+      <p:bldP spid="5" grpId="0"/>
+      <p:bldP spid="7" grpId="0"/>
+      <p:bldP spid="8" grpId="0"/>
+    </p:bldLst>
+  </p:timing>
+</p:sld>
+</file>
+
+<file path=ppt/slides/slide49.xml><?xml version="1.0" encoding="utf-8"?>
+<p:sld xmlns:a="http://schemas.openxmlformats.org/drawingml/2006/main" xmlns:r="http://schemas.openxmlformats.org/officeDocument/2006/relationships" xmlns:p="http://schemas.openxmlformats.org/presentationml/2006/main">
+  <p:cSld>
+    <p:spTree>
+      <p:nvGrpSpPr>
+        <p:cNvPr id="1" name=""/>
+        <p:cNvGrpSpPr/>
+        <p:nvPr/>
+      </p:nvGrpSpPr>
+      <p:grpSpPr>
+        <a:xfrm>
+          <a:off x="0" y="0"/>
+          <a:ext cx="0" cy="0"/>
+          <a:chOff x="0" y="0"/>
+          <a:chExt cx="0" cy="0"/>
+        </a:xfrm>
+      </p:grpSpPr>
+      <p:pic>
+        <p:nvPicPr>
+          <p:cNvPr id="9" name="Picture 8"/>
+          <p:cNvPicPr>
+            <a:picLocks noChangeAspect="1"/>
+          </p:cNvPicPr>
+          <p:nvPr/>
+        </p:nvPicPr>
+        <p:blipFill>
+          <a:blip r:embed="rId3"/>
+          <a:stretch>
+            <a:fillRect/>
+          </a:stretch>
+        </p:blipFill>
+        <p:spPr>
+          <a:xfrm>
+            <a:off x="1547664" y="51470"/>
+            <a:ext cx="7618972" cy="5112568"/>
+          </a:xfrm>
+          <a:prstGeom prst="rect">
+            <a:avLst/>
+          </a:prstGeom>
+        </p:spPr>
+      </p:pic>
+    </p:spTree>
+    <p:extLst>
+      <p:ext uri="{BB962C8B-B14F-4D97-AF65-F5344CB8AC3E}">
+        <p14:creationId xmlns:p14="http://schemas.microsoft.com/office/powerpoint/2010/main" val="2708319604"/>
+      </p:ext>
+    </p:extLst>
+  </p:cSld>
+  <p:clrMapOvr>
+    <a:masterClrMapping/>
+  </p:clrMapOvr>
+  <p:timing>
+    <p:tnLst>
+      <p:par>
+        <p:cTn id="1" dur="indefinite" restart="never" nodeType="tmRoot"/>
+      </p:par>
+    </p:tnLst>
   </p:timing>
 </p:sld>
 </file>
@@ -20523,6 +28154,1532 @@
         </p:cTn>
       </p:par>
     </p:tnLst>
+  </p:timing>
+</p:sld>
+</file>
+
+<file path=ppt/slides/slide50.xml><?xml version="1.0" encoding="utf-8"?>
+<p:sld xmlns:a="http://schemas.openxmlformats.org/drawingml/2006/main" xmlns:r="http://schemas.openxmlformats.org/officeDocument/2006/relationships" xmlns:p="http://schemas.openxmlformats.org/presentationml/2006/main">
+  <p:cSld>
+    <p:spTree>
+      <p:nvGrpSpPr>
+        <p:cNvPr id="1" name=""/>
+        <p:cNvGrpSpPr/>
+        <p:nvPr/>
+      </p:nvGrpSpPr>
+      <p:grpSpPr>
+        <a:xfrm>
+          <a:off x="0" y="0"/>
+          <a:ext cx="0" cy="0"/>
+          <a:chOff x="0" y="0"/>
+          <a:chExt cx="0" cy="0"/>
+        </a:xfrm>
+      </p:grpSpPr>
+      <p:sp>
+        <p:nvSpPr>
+          <p:cNvPr id="3" name="Title 2"/>
+          <p:cNvSpPr>
+            <a:spLocks noGrp="1"/>
+          </p:cNvSpPr>
+          <p:nvPr>
+            <p:ph type="title"/>
+          </p:nvPr>
+        </p:nvSpPr>
+        <p:spPr>
+          <a:xfrm>
+            <a:off x="1619672" y="-1"/>
+            <a:ext cx="7524328" cy="771551"/>
+          </a:xfrm>
+        </p:spPr>
+        <p:txBody>
+          <a:bodyPr/>
+          <a:lstStyle/>
+          <a:p>
+            <a:pPr algn="ctr"/>
+            <a:r>
+              <a:rPr lang="en-US" altLang="ko-KR" dirty="0" err="1" smtClean="0"/>
+              <a:t>Servisi</a:t>
+            </a:r>
+            <a:r>
+              <a:rPr lang="en-US" altLang="ko-KR" dirty="0" smtClean="0"/>
+              <a:t> </a:t>
+            </a:r>
+            <a:r>
+              <a:rPr lang="en-US" altLang="ko-KR" dirty="0" err="1" smtClean="0"/>
+              <a:t>i</a:t>
+            </a:r>
+            <a:r>
+              <a:rPr lang="en-US" altLang="ko-KR" dirty="0" smtClean="0"/>
+              <a:t> Environment </a:t>
+            </a:r>
+            <a:r>
+              <a:rPr lang="en-US" altLang="ko-KR" dirty="0" err="1" smtClean="0"/>
+              <a:t>Fajlovi</a:t>
+            </a:r>
+            <a:endParaRPr lang="ko-KR" altLang="en-US" dirty="0"/>
+          </a:p>
+        </p:txBody>
+      </p:sp>
+      <p:sp>
+        <p:nvSpPr>
+          <p:cNvPr id="5" name="TextBox 4"/>
+          <p:cNvSpPr txBox="1"/>
+          <p:nvPr/>
+        </p:nvSpPr>
+        <p:spPr>
+          <a:xfrm>
+            <a:off x="1632248" y="915566"/>
+            <a:ext cx="7200800" cy="307777"/>
+          </a:xfrm>
+          <a:prstGeom prst="rect">
+            <a:avLst/>
+          </a:prstGeom>
+          <a:noFill/>
+        </p:spPr>
+        <p:txBody>
+          <a:bodyPr wrap="square" rtlCol="0">
+            <a:spAutoFit/>
+          </a:bodyPr>
+          <a:lstStyle/>
+          <a:p>
+            <a:r>
+              <a:rPr lang="en-US" sz="1400" dirty="0" smtClean="0">
+                <a:latin typeface="Arial" panose="020B0604020202020204" pitchFamily="34" charset="0"/>
+                <a:cs typeface="Arial" panose="020B0604020202020204" pitchFamily="34" charset="0"/>
+              </a:rPr>
+              <a:t>Pre Arrow </a:t>
+            </a:r>
+            <a:r>
+              <a:rPr lang="en-US" sz="1400" dirty="0" err="1" smtClean="0">
+                <a:latin typeface="Arial" panose="020B0604020202020204" pitchFamily="34" charset="0"/>
+                <a:cs typeface="Arial" panose="020B0604020202020204" pitchFamily="34" charset="0"/>
+              </a:rPr>
+              <a:t>Funkcije</a:t>
+            </a:r>
+            <a:endParaRPr lang="en-US" sz="1400" dirty="0">
+              <a:latin typeface="Arial" panose="020B0604020202020204" pitchFamily="34" charset="0"/>
+              <a:cs typeface="Arial" panose="020B0604020202020204" pitchFamily="34" charset="0"/>
+            </a:endParaRPr>
+          </a:p>
+        </p:txBody>
+      </p:sp>
+      <p:pic>
+        <p:nvPicPr>
+          <p:cNvPr id="2" name="Picture 1"/>
+          <p:cNvPicPr>
+            <a:picLocks noChangeAspect="1"/>
+          </p:cNvPicPr>
+          <p:nvPr/>
+        </p:nvPicPr>
+        <p:blipFill>
+          <a:blip r:embed="rId3"/>
+          <a:stretch>
+            <a:fillRect/>
+          </a:stretch>
+        </p:blipFill>
+        <p:spPr>
+          <a:xfrm>
+            <a:off x="1691680" y="1359785"/>
+            <a:ext cx="6163535" cy="543001"/>
+          </a:xfrm>
+          <a:prstGeom prst="rect">
+            <a:avLst/>
+          </a:prstGeom>
+        </p:spPr>
+      </p:pic>
+      <p:sp>
+        <p:nvSpPr>
+          <p:cNvPr id="9" name="TextBox 8"/>
+          <p:cNvSpPr txBox="1"/>
+          <p:nvPr/>
+        </p:nvSpPr>
+        <p:spPr>
+          <a:xfrm>
+            <a:off x="1632248" y="2039228"/>
+            <a:ext cx="7200800" cy="307777"/>
+          </a:xfrm>
+          <a:prstGeom prst="rect">
+            <a:avLst/>
+          </a:prstGeom>
+          <a:noFill/>
+        </p:spPr>
+        <p:txBody>
+          <a:bodyPr wrap="square" rtlCol="0">
+            <a:spAutoFit/>
+          </a:bodyPr>
+          <a:lstStyle/>
+          <a:p>
+            <a:r>
+              <a:rPr lang="en-US" sz="1400" dirty="0" smtClean="0">
+                <a:latin typeface="Arial" panose="020B0604020202020204" pitchFamily="34" charset="0"/>
+                <a:cs typeface="Arial" panose="020B0604020202020204" pitchFamily="34" charset="0"/>
+              </a:rPr>
+              <a:t>Arrow </a:t>
+            </a:r>
+            <a:r>
+              <a:rPr lang="en-US" sz="1400" dirty="0" err="1" smtClean="0">
+                <a:latin typeface="Arial" panose="020B0604020202020204" pitchFamily="34" charset="0"/>
+                <a:cs typeface="Arial" panose="020B0604020202020204" pitchFamily="34" charset="0"/>
+              </a:rPr>
+              <a:t>Funkcija</a:t>
+            </a:r>
+            <a:r>
+              <a:rPr lang="en-US" sz="1400" dirty="0" smtClean="0">
+                <a:latin typeface="Arial" panose="020B0604020202020204" pitchFamily="34" charset="0"/>
+                <a:cs typeface="Arial" panose="020B0604020202020204" pitchFamily="34" charset="0"/>
+              </a:rPr>
+              <a:t> </a:t>
+            </a:r>
+            <a:r>
+              <a:rPr lang="en-US" sz="1400" dirty="0" err="1" smtClean="0">
+                <a:latin typeface="Arial" panose="020B0604020202020204" pitchFamily="34" charset="0"/>
+                <a:cs typeface="Arial" panose="020B0604020202020204" pitchFamily="34" charset="0"/>
+              </a:rPr>
+              <a:t>implementirana</a:t>
+            </a:r>
+            <a:endParaRPr lang="en-US" sz="1400" dirty="0">
+              <a:latin typeface="Arial" panose="020B0604020202020204" pitchFamily="34" charset="0"/>
+              <a:cs typeface="Arial" panose="020B0604020202020204" pitchFamily="34" charset="0"/>
+            </a:endParaRPr>
+          </a:p>
+        </p:txBody>
+      </p:sp>
+      <p:pic>
+        <p:nvPicPr>
+          <p:cNvPr id="10" name="Picture 9"/>
+          <p:cNvPicPr>
+            <a:picLocks noChangeAspect="1"/>
+          </p:cNvPicPr>
+          <p:nvPr/>
+        </p:nvPicPr>
+        <p:blipFill>
+          <a:blip r:embed="rId4"/>
+          <a:stretch>
+            <a:fillRect/>
+          </a:stretch>
+        </p:blipFill>
+        <p:spPr>
+          <a:xfrm>
+            <a:off x="1691680" y="2437644"/>
+            <a:ext cx="6163535" cy="562053"/>
+          </a:xfrm>
+          <a:prstGeom prst="rect">
+            <a:avLst/>
+          </a:prstGeom>
+        </p:spPr>
+      </p:pic>
+      <p:sp>
+        <p:nvSpPr>
+          <p:cNvPr id="11" name="TextBox 10"/>
+          <p:cNvSpPr txBox="1"/>
+          <p:nvPr/>
+        </p:nvSpPr>
+        <p:spPr>
+          <a:xfrm>
+            <a:off x="1619672" y="3162890"/>
+            <a:ext cx="7200800" cy="307777"/>
+          </a:xfrm>
+          <a:prstGeom prst="rect">
+            <a:avLst/>
+          </a:prstGeom>
+          <a:noFill/>
+        </p:spPr>
+        <p:txBody>
+          <a:bodyPr wrap="square" rtlCol="0">
+            <a:spAutoFit/>
+          </a:bodyPr>
+          <a:lstStyle/>
+          <a:p>
+            <a:r>
+              <a:rPr lang="en-US" sz="1400" dirty="0" smtClean="0">
+                <a:latin typeface="Arial" panose="020B0604020202020204" pitchFamily="34" charset="0"/>
+                <a:cs typeface="Arial" panose="020B0604020202020204" pitchFamily="34" charset="0"/>
+              </a:rPr>
+              <a:t>One Line Arrow </a:t>
+            </a:r>
+            <a:r>
+              <a:rPr lang="en-US" sz="1400" dirty="0" err="1" smtClean="0">
+                <a:latin typeface="Arial" panose="020B0604020202020204" pitchFamily="34" charset="0"/>
+                <a:cs typeface="Arial" panose="020B0604020202020204" pitchFamily="34" charset="0"/>
+              </a:rPr>
+              <a:t>Funkcija</a:t>
+            </a:r>
+            <a:endParaRPr lang="en-US" sz="1400" dirty="0">
+              <a:latin typeface="Arial" panose="020B0604020202020204" pitchFamily="34" charset="0"/>
+              <a:cs typeface="Arial" panose="020B0604020202020204" pitchFamily="34" charset="0"/>
+            </a:endParaRPr>
+          </a:p>
+        </p:txBody>
+      </p:sp>
+      <p:pic>
+        <p:nvPicPr>
+          <p:cNvPr id="12" name="Picture 11"/>
+          <p:cNvPicPr>
+            <a:picLocks noChangeAspect="1"/>
+          </p:cNvPicPr>
+          <p:nvPr/>
+        </p:nvPicPr>
+        <p:blipFill>
+          <a:blip r:embed="rId5"/>
+          <a:stretch>
+            <a:fillRect/>
+          </a:stretch>
+        </p:blipFill>
+        <p:spPr>
+          <a:xfrm>
+            <a:off x="1619850" y="3637517"/>
+            <a:ext cx="7294071" cy="409632"/>
+          </a:xfrm>
+          <a:prstGeom prst="rect">
+            <a:avLst/>
+          </a:prstGeom>
+        </p:spPr>
+      </p:pic>
+    </p:spTree>
+    <p:extLst>
+      <p:ext uri="{BB962C8B-B14F-4D97-AF65-F5344CB8AC3E}">
+        <p14:creationId xmlns:p14="http://schemas.microsoft.com/office/powerpoint/2010/main" val="4225642952"/>
+      </p:ext>
+    </p:extLst>
+  </p:cSld>
+  <p:clrMapOvr>
+    <a:masterClrMapping/>
+  </p:clrMapOvr>
+  <p:timing>
+    <p:tnLst>
+      <p:par>
+        <p:cTn id="1" dur="indefinite" restart="never" nodeType="tmRoot">
+          <p:childTnLst>
+            <p:seq concurrent="1" nextAc="seek">
+              <p:cTn id="2" dur="indefinite" nodeType="mainSeq">
+                <p:childTnLst>
+                  <p:par>
+                    <p:cTn id="3" fill="hold">
+                      <p:stCondLst>
+                        <p:cond delay="indefinite"/>
+                      </p:stCondLst>
+                      <p:childTnLst>
+                        <p:par>
+                          <p:cTn id="4" fill="hold">
+                            <p:stCondLst>
+                              <p:cond delay="0"/>
+                            </p:stCondLst>
+                            <p:childTnLst>
+                              <p:par>
+                                <p:cTn id="5" presetID="2" presetClass="entr" presetSubtype="4" fill="hold" grpId="0" nodeType="clickEffect">
+                                  <p:stCondLst>
+                                    <p:cond delay="0"/>
+                                  </p:stCondLst>
+                                  <p:childTnLst>
+                                    <p:set>
+                                      <p:cBhvr>
+                                        <p:cTn id="6" dur="1" fill="hold">
+                                          <p:stCondLst>
+                                            <p:cond delay="0"/>
+                                          </p:stCondLst>
+                                        </p:cTn>
+                                        <p:tgtEl>
+                                          <p:spTgt spid="5"/>
+                                        </p:tgtEl>
+                                        <p:attrNameLst>
+                                          <p:attrName>style.visibility</p:attrName>
+                                        </p:attrNameLst>
+                                      </p:cBhvr>
+                                      <p:to>
+                                        <p:strVal val="visible"/>
+                                      </p:to>
+                                    </p:set>
+                                    <p:anim calcmode="lin" valueType="num">
+                                      <p:cBhvr additive="base">
+                                        <p:cTn id="7" dur="500" fill="hold"/>
+                                        <p:tgtEl>
+                                          <p:spTgt spid="5"/>
+                                        </p:tgtEl>
+                                        <p:attrNameLst>
+                                          <p:attrName>ppt_x</p:attrName>
+                                        </p:attrNameLst>
+                                      </p:cBhvr>
+                                      <p:tavLst>
+                                        <p:tav tm="0">
+                                          <p:val>
+                                            <p:strVal val="#ppt_x"/>
+                                          </p:val>
+                                        </p:tav>
+                                        <p:tav tm="100000">
+                                          <p:val>
+                                            <p:strVal val="#ppt_x"/>
+                                          </p:val>
+                                        </p:tav>
+                                      </p:tavLst>
+                                    </p:anim>
+                                    <p:anim calcmode="lin" valueType="num">
+                                      <p:cBhvr additive="base">
+                                        <p:cTn id="8" dur="500" fill="hold"/>
+                                        <p:tgtEl>
+                                          <p:spTgt spid="5"/>
+                                        </p:tgtEl>
+                                        <p:attrNameLst>
+                                          <p:attrName>ppt_y</p:attrName>
+                                        </p:attrNameLst>
+                                      </p:cBhvr>
+                                      <p:tavLst>
+                                        <p:tav tm="0">
+                                          <p:val>
+                                            <p:strVal val="1+#ppt_h/2"/>
+                                          </p:val>
+                                        </p:tav>
+                                        <p:tav tm="100000">
+                                          <p:val>
+                                            <p:strVal val="#ppt_y"/>
+                                          </p:val>
+                                        </p:tav>
+                                      </p:tavLst>
+                                    </p:anim>
+                                  </p:childTnLst>
+                                </p:cTn>
+                              </p:par>
+                            </p:childTnLst>
+                          </p:cTn>
+                        </p:par>
+                      </p:childTnLst>
+                    </p:cTn>
+                  </p:par>
+                  <p:par>
+                    <p:cTn id="9" fill="hold">
+                      <p:stCondLst>
+                        <p:cond delay="indefinite"/>
+                      </p:stCondLst>
+                      <p:childTnLst>
+                        <p:par>
+                          <p:cTn id="10" fill="hold">
+                            <p:stCondLst>
+                              <p:cond delay="0"/>
+                            </p:stCondLst>
+                            <p:childTnLst>
+                              <p:par>
+                                <p:cTn id="11" presetID="2" presetClass="entr" presetSubtype="4" fill="hold" nodeType="clickEffect">
+                                  <p:stCondLst>
+                                    <p:cond delay="0"/>
+                                  </p:stCondLst>
+                                  <p:childTnLst>
+                                    <p:set>
+                                      <p:cBhvr>
+                                        <p:cTn id="12" dur="1" fill="hold">
+                                          <p:stCondLst>
+                                            <p:cond delay="0"/>
+                                          </p:stCondLst>
+                                        </p:cTn>
+                                        <p:tgtEl>
+                                          <p:spTgt spid="2"/>
+                                        </p:tgtEl>
+                                        <p:attrNameLst>
+                                          <p:attrName>style.visibility</p:attrName>
+                                        </p:attrNameLst>
+                                      </p:cBhvr>
+                                      <p:to>
+                                        <p:strVal val="visible"/>
+                                      </p:to>
+                                    </p:set>
+                                    <p:anim calcmode="lin" valueType="num">
+                                      <p:cBhvr additive="base">
+                                        <p:cTn id="13" dur="500" fill="hold"/>
+                                        <p:tgtEl>
+                                          <p:spTgt spid="2"/>
+                                        </p:tgtEl>
+                                        <p:attrNameLst>
+                                          <p:attrName>ppt_x</p:attrName>
+                                        </p:attrNameLst>
+                                      </p:cBhvr>
+                                      <p:tavLst>
+                                        <p:tav tm="0">
+                                          <p:val>
+                                            <p:strVal val="#ppt_x"/>
+                                          </p:val>
+                                        </p:tav>
+                                        <p:tav tm="100000">
+                                          <p:val>
+                                            <p:strVal val="#ppt_x"/>
+                                          </p:val>
+                                        </p:tav>
+                                      </p:tavLst>
+                                    </p:anim>
+                                    <p:anim calcmode="lin" valueType="num">
+                                      <p:cBhvr additive="base">
+                                        <p:cTn id="14" dur="500" fill="hold"/>
+                                        <p:tgtEl>
+                                          <p:spTgt spid="2"/>
+                                        </p:tgtEl>
+                                        <p:attrNameLst>
+                                          <p:attrName>ppt_y</p:attrName>
+                                        </p:attrNameLst>
+                                      </p:cBhvr>
+                                      <p:tavLst>
+                                        <p:tav tm="0">
+                                          <p:val>
+                                            <p:strVal val="1+#ppt_h/2"/>
+                                          </p:val>
+                                        </p:tav>
+                                        <p:tav tm="100000">
+                                          <p:val>
+                                            <p:strVal val="#ppt_y"/>
+                                          </p:val>
+                                        </p:tav>
+                                      </p:tavLst>
+                                    </p:anim>
+                                  </p:childTnLst>
+                                </p:cTn>
+                              </p:par>
+                            </p:childTnLst>
+                          </p:cTn>
+                        </p:par>
+                      </p:childTnLst>
+                    </p:cTn>
+                  </p:par>
+                  <p:par>
+                    <p:cTn id="15" fill="hold">
+                      <p:stCondLst>
+                        <p:cond delay="indefinite"/>
+                      </p:stCondLst>
+                      <p:childTnLst>
+                        <p:par>
+                          <p:cTn id="16" fill="hold">
+                            <p:stCondLst>
+                              <p:cond delay="0"/>
+                            </p:stCondLst>
+                            <p:childTnLst>
+                              <p:par>
+                                <p:cTn id="17" presetID="2" presetClass="entr" presetSubtype="4" fill="hold" grpId="0" nodeType="clickEffect">
+                                  <p:stCondLst>
+                                    <p:cond delay="0"/>
+                                  </p:stCondLst>
+                                  <p:childTnLst>
+                                    <p:set>
+                                      <p:cBhvr>
+                                        <p:cTn id="18" dur="1" fill="hold">
+                                          <p:stCondLst>
+                                            <p:cond delay="0"/>
+                                          </p:stCondLst>
+                                        </p:cTn>
+                                        <p:tgtEl>
+                                          <p:spTgt spid="9"/>
+                                        </p:tgtEl>
+                                        <p:attrNameLst>
+                                          <p:attrName>style.visibility</p:attrName>
+                                        </p:attrNameLst>
+                                      </p:cBhvr>
+                                      <p:to>
+                                        <p:strVal val="visible"/>
+                                      </p:to>
+                                    </p:set>
+                                    <p:anim calcmode="lin" valueType="num">
+                                      <p:cBhvr additive="base">
+                                        <p:cTn id="19" dur="500" fill="hold"/>
+                                        <p:tgtEl>
+                                          <p:spTgt spid="9"/>
+                                        </p:tgtEl>
+                                        <p:attrNameLst>
+                                          <p:attrName>ppt_x</p:attrName>
+                                        </p:attrNameLst>
+                                      </p:cBhvr>
+                                      <p:tavLst>
+                                        <p:tav tm="0">
+                                          <p:val>
+                                            <p:strVal val="#ppt_x"/>
+                                          </p:val>
+                                        </p:tav>
+                                        <p:tav tm="100000">
+                                          <p:val>
+                                            <p:strVal val="#ppt_x"/>
+                                          </p:val>
+                                        </p:tav>
+                                      </p:tavLst>
+                                    </p:anim>
+                                    <p:anim calcmode="lin" valueType="num">
+                                      <p:cBhvr additive="base">
+                                        <p:cTn id="20" dur="500" fill="hold"/>
+                                        <p:tgtEl>
+                                          <p:spTgt spid="9"/>
+                                        </p:tgtEl>
+                                        <p:attrNameLst>
+                                          <p:attrName>ppt_y</p:attrName>
+                                        </p:attrNameLst>
+                                      </p:cBhvr>
+                                      <p:tavLst>
+                                        <p:tav tm="0">
+                                          <p:val>
+                                            <p:strVal val="1+#ppt_h/2"/>
+                                          </p:val>
+                                        </p:tav>
+                                        <p:tav tm="100000">
+                                          <p:val>
+                                            <p:strVal val="#ppt_y"/>
+                                          </p:val>
+                                        </p:tav>
+                                      </p:tavLst>
+                                    </p:anim>
+                                  </p:childTnLst>
+                                </p:cTn>
+                              </p:par>
+                            </p:childTnLst>
+                          </p:cTn>
+                        </p:par>
+                      </p:childTnLst>
+                    </p:cTn>
+                  </p:par>
+                  <p:par>
+                    <p:cTn id="21" fill="hold">
+                      <p:stCondLst>
+                        <p:cond delay="indefinite"/>
+                      </p:stCondLst>
+                      <p:childTnLst>
+                        <p:par>
+                          <p:cTn id="22" fill="hold">
+                            <p:stCondLst>
+                              <p:cond delay="0"/>
+                            </p:stCondLst>
+                            <p:childTnLst>
+                              <p:par>
+                                <p:cTn id="23" presetID="2" presetClass="entr" presetSubtype="4" fill="hold" nodeType="clickEffect">
+                                  <p:stCondLst>
+                                    <p:cond delay="0"/>
+                                  </p:stCondLst>
+                                  <p:childTnLst>
+                                    <p:set>
+                                      <p:cBhvr>
+                                        <p:cTn id="24" dur="1" fill="hold">
+                                          <p:stCondLst>
+                                            <p:cond delay="0"/>
+                                          </p:stCondLst>
+                                        </p:cTn>
+                                        <p:tgtEl>
+                                          <p:spTgt spid="10"/>
+                                        </p:tgtEl>
+                                        <p:attrNameLst>
+                                          <p:attrName>style.visibility</p:attrName>
+                                        </p:attrNameLst>
+                                      </p:cBhvr>
+                                      <p:to>
+                                        <p:strVal val="visible"/>
+                                      </p:to>
+                                    </p:set>
+                                    <p:anim calcmode="lin" valueType="num">
+                                      <p:cBhvr additive="base">
+                                        <p:cTn id="25" dur="500" fill="hold"/>
+                                        <p:tgtEl>
+                                          <p:spTgt spid="10"/>
+                                        </p:tgtEl>
+                                        <p:attrNameLst>
+                                          <p:attrName>ppt_x</p:attrName>
+                                        </p:attrNameLst>
+                                      </p:cBhvr>
+                                      <p:tavLst>
+                                        <p:tav tm="0">
+                                          <p:val>
+                                            <p:strVal val="#ppt_x"/>
+                                          </p:val>
+                                        </p:tav>
+                                        <p:tav tm="100000">
+                                          <p:val>
+                                            <p:strVal val="#ppt_x"/>
+                                          </p:val>
+                                        </p:tav>
+                                      </p:tavLst>
+                                    </p:anim>
+                                    <p:anim calcmode="lin" valueType="num">
+                                      <p:cBhvr additive="base">
+                                        <p:cTn id="26" dur="500" fill="hold"/>
+                                        <p:tgtEl>
+                                          <p:spTgt spid="10"/>
+                                        </p:tgtEl>
+                                        <p:attrNameLst>
+                                          <p:attrName>ppt_y</p:attrName>
+                                        </p:attrNameLst>
+                                      </p:cBhvr>
+                                      <p:tavLst>
+                                        <p:tav tm="0">
+                                          <p:val>
+                                            <p:strVal val="1+#ppt_h/2"/>
+                                          </p:val>
+                                        </p:tav>
+                                        <p:tav tm="100000">
+                                          <p:val>
+                                            <p:strVal val="#ppt_y"/>
+                                          </p:val>
+                                        </p:tav>
+                                      </p:tavLst>
+                                    </p:anim>
+                                  </p:childTnLst>
+                                </p:cTn>
+                              </p:par>
+                            </p:childTnLst>
+                          </p:cTn>
+                        </p:par>
+                      </p:childTnLst>
+                    </p:cTn>
+                  </p:par>
+                  <p:par>
+                    <p:cTn id="27" fill="hold">
+                      <p:stCondLst>
+                        <p:cond delay="indefinite"/>
+                      </p:stCondLst>
+                      <p:childTnLst>
+                        <p:par>
+                          <p:cTn id="28" fill="hold">
+                            <p:stCondLst>
+                              <p:cond delay="0"/>
+                            </p:stCondLst>
+                            <p:childTnLst>
+                              <p:par>
+                                <p:cTn id="29" presetID="2" presetClass="entr" presetSubtype="4" fill="hold" grpId="0" nodeType="clickEffect">
+                                  <p:stCondLst>
+                                    <p:cond delay="0"/>
+                                  </p:stCondLst>
+                                  <p:childTnLst>
+                                    <p:set>
+                                      <p:cBhvr>
+                                        <p:cTn id="30" dur="1" fill="hold">
+                                          <p:stCondLst>
+                                            <p:cond delay="0"/>
+                                          </p:stCondLst>
+                                        </p:cTn>
+                                        <p:tgtEl>
+                                          <p:spTgt spid="11"/>
+                                        </p:tgtEl>
+                                        <p:attrNameLst>
+                                          <p:attrName>style.visibility</p:attrName>
+                                        </p:attrNameLst>
+                                      </p:cBhvr>
+                                      <p:to>
+                                        <p:strVal val="visible"/>
+                                      </p:to>
+                                    </p:set>
+                                    <p:anim calcmode="lin" valueType="num">
+                                      <p:cBhvr additive="base">
+                                        <p:cTn id="31" dur="500" fill="hold"/>
+                                        <p:tgtEl>
+                                          <p:spTgt spid="11"/>
+                                        </p:tgtEl>
+                                        <p:attrNameLst>
+                                          <p:attrName>ppt_x</p:attrName>
+                                        </p:attrNameLst>
+                                      </p:cBhvr>
+                                      <p:tavLst>
+                                        <p:tav tm="0">
+                                          <p:val>
+                                            <p:strVal val="#ppt_x"/>
+                                          </p:val>
+                                        </p:tav>
+                                        <p:tav tm="100000">
+                                          <p:val>
+                                            <p:strVal val="#ppt_x"/>
+                                          </p:val>
+                                        </p:tav>
+                                      </p:tavLst>
+                                    </p:anim>
+                                    <p:anim calcmode="lin" valueType="num">
+                                      <p:cBhvr additive="base">
+                                        <p:cTn id="32" dur="500" fill="hold"/>
+                                        <p:tgtEl>
+                                          <p:spTgt spid="11"/>
+                                        </p:tgtEl>
+                                        <p:attrNameLst>
+                                          <p:attrName>ppt_y</p:attrName>
+                                        </p:attrNameLst>
+                                      </p:cBhvr>
+                                      <p:tavLst>
+                                        <p:tav tm="0">
+                                          <p:val>
+                                            <p:strVal val="1+#ppt_h/2"/>
+                                          </p:val>
+                                        </p:tav>
+                                        <p:tav tm="100000">
+                                          <p:val>
+                                            <p:strVal val="#ppt_y"/>
+                                          </p:val>
+                                        </p:tav>
+                                      </p:tavLst>
+                                    </p:anim>
+                                  </p:childTnLst>
+                                </p:cTn>
+                              </p:par>
+                            </p:childTnLst>
+                          </p:cTn>
+                        </p:par>
+                      </p:childTnLst>
+                    </p:cTn>
+                  </p:par>
+                </p:childTnLst>
+              </p:cTn>
+              <p:prevCondLst>
+                <p:cond evt="onPrev" delay="0">
+                  <p:tgtEl>
+                    <p:sldTgt/>
+                  </p:tgtEl>
+                </p:cond>
+              </p:prevCondLst>
+              <p:nextCondLst>
+                <p:cond evt="onNext" delay="0">
+                  <p:tgtEl>
+                    <p:sldTgt/>
+                  </p:tgtEl>
+                </p:cond>
+              </p:nextCondLst>
+            </p:seq>
+          </p:childTnLst>
+        </p:cTn>
+      </p:par>
+    </p:tnLst>
+    <p:bldLst>
+      <p:bldP spid="5" grpId="0"/>
+      <p:bldP spid="9" grpId="0"/>
+      <p:bldP spid="11" grpId="0"/>
+    </p:bldLst>
+  </p:timing>
+</p:sld>
+</file>
+
+<file path=ppt/slides/slide51.xml><?xml version="1.0" encoding="utf-8"?>
+<p:sld xmlns:a="http://schemas.openxmlformats.org/drawingml/2006/main" xmlns:r="http://schemas.openxmlformats.org/officeDocument/2006/relationships" xmlns:p="http://schemas.openxmlformats.org/presentationml/2006/main">
+  <p:cSld>
+    <p:spTree>
+      <p:nvGrpSpPr>
+        <p:cNvPr id="1" name=""/>
+        <p:cNvGrpSpPr/>
+        <p:nvPr/>
+      </p:nvGrpSpPr>
+      <p:grpSpPr>
+        <a:xfrm>
+          <a:off x="0" y="0"/>
+          <a:ext cx="0" cy="0"/>
+          <a:chOff x="0" y="0"/>
+          <a:chExt cx="0" cy="0"/>
+        </a:xfrm>
+      </p:grpSpPr>
+      <p:sp>
+        <p:nvSpPr>
+          <p:cNvPr id="3" name="Title 2"/>
+          <p:cNvSpPr>
+            <a:spLocks noGrp="1"/>
+          </p:cNvSpPr>
+          <p:nvPr>
+            <p:ph type="title"/>
+          </p:nvPr>
+        </p:nvSpPr>
+        <p:spPr>
+          <a:xfrm>
+            <a:off x="1619672" y="-1"/>
+            <a:ext cx="7524328" cy="771551"/>
+          </a:xfrm>
+        </p:spPr>
+        <p:txBody>
+          <a:bodyPr/>
+          <a:lstStyle/>
+          <a:p>
+            <a:pPr algn="ctr"/>
+            <a:r>
+              <a:rPr lang="en-US" altLang="ko-KR" dirty="0" err="1" smtClean="0"/>
+              <a:t>Servisi</a:t>
+            </a:r>
+            <a:r>
+              <a:rPr lang="en-US" altLang="ko-KR" dirty="0" smtClean="0"/>
+              <a:t> </a:t>
+            </a:r>
+            <a:r>
+              <a:rPr lang="en-US" altLang="ko-KR" dirty="0" err="1" smtClean="0"/>
+              <a:t>i</a:t>
+            </a:r>
+            <a:r>
+              <a:rPr lang="en-US" altLang="ko-KR" dirty="0" smtClean="0"/>
+              <a:t> Environment </a:t>
+            </a:r>
+            <a:r>
+              <a:rPr lang="en-US" altLang="ko-KR" dirty="0" err="1" smtClean="0"/>
+              <a:t>Fajlovi</a:t>
+            </a:r>
+            <a:endParaRPr lang="ko-KR" altLang="en-US" dirty="0"/>
+          </a:p>
+        </p:txBody>
+      </p:sp>
+      <p:sp>
+        <p:nvSpPr>
+          <p:cNvPr id="5" name="TextBox 4"/>
+          <p:cNvSpPr txBox="1"/>
+          <p:nvPr/>
+        </p:nvSpPr>
+        <p:spPr>
+          <a:xfrm>
+            <a:off x="1632248" y="915566"/>
+            <a:ext cx="7200800" cy="307777"/>
+          </a:xfrm>
+          <a:prstGeom prst="rect">
+            <a:avLst/>
+          </a:prstGeom>
+          <a:noFill/>
+        </p:spPr>
+        <p:txBody>
+          <a:bodyPr wrap="square" rtlCol="0">
+            <a:spAutoFit/>
+          </a:bodyPr>
+          <a:lstStyle/>
+          <a:p>
+            <a:r>
+              <a:rPr lang="en-US" sz="1400" dirty="0" smtClean="0">
+                <a:latin typeface="Arial" panose="020B0604020202020204" pitchFamily="34" charset="0"/>
+                <a:cs typeface="Arial" panose="020B0604020202020204" pitchFamily="34" charset="0"/>
+              </a:rPr>
+              <a:t>Re</a:t>
+            </a:r>
+            <a:r>
+              <a:rPr lang="sr-Latn-RS" sz="1400" dirty="0" smtClean="0">
+                <a:latin typeface="Arial" panose="020B0604020202020204" pitchFamily="34" charset="0"/>
+                <a:cs typeface="Arial" panose="020B0604020202020204" pitchFamily="34" charset="0"/>
+              </a:rPr>
+              <a:t>zultat http akcija je uvek Observable</a:t>
+            </a:r>
+            <a:r>
+              <a:rPr lang="en-US" sz="1400" dirty="0" smtClean="0">
+                <a:latin typeface="Arial" panose="020B0604020202020204" pitchFamily="34" charset="0"/>
+                <a:cs typeface="Arial" panose="020B0604020202020204" pitchFamily="34" charset="0"/>
+              </a:rPr>
+              <a:t>&lt;…&gt;</a:t>
+            </a:r>
+            <a:endParaRPr lang="en-US" sz="1400" dirty="0">
+              <a:latin typeface="Arial" panose="020B0604020202020204" pitchFamily="34" charset="0"/>
+              <a:cs typeface="Arial" panose="020B0604020202020204" pitchFamily="34" charset="0"/>
+            </a:endParaRPr>
+          </a:p>
+        </p:txBody>
+      </p:sp>
+      <p:pic>
+        <p:nvPicPr>
+          <p:cNvPr id="4" name="Picture 3"/>
+          <p:cNvPicPr>
+            <a:picLocks noChangeAspect="1"/>
+          </p:cNvPicPr>
+          <p:nvPr/>
+        </p:nvPicPr>
+        <p:blipFill>
+          <a:blip r:embed="rId3"/>
+          <a:stretch>
+            <a:fillRect/>
+          </a:stretch>
+        </p:blipFill>
+        <p:spPr>
+          <a:xfrm>
+            <a:off x="1763688" y="1275606"/>
+            <a:ext cx="5115639" cy="2705478"/>
+          </a:xfrm>
+          <a:prstGeom prst="rect">
+            <a:avLst/>
+          </a:prstGeom>
+        </p:spPr>
+      </p:pic>
+      <p:sp>
+        <p:nvSpPr>
+          <p:cNvPr id="13" name="TextBox 12"/>
+          <p:cNvSpPr txBox="1"/>
+          <p:nvPr/>
+        </p:nvSpPr>
+        <p:spPr>
+          <a:xfrm>
+            <a:off x="1619672" y="4155926"/>
+            <a:ext cx="7200800" cy="523220"/>
+          </a:xfrm>
+          <a:prstGeom prst="rect">
+            <a:avLst/>
+          </a:prstGeom>
+          <a:noFill/>
+        </p:spPr>
+        <p:txBody>
+          <a:bodyPr wrap="square" rtlCol="0">
+            <a:spAutoFit/>
+          </a:bodyPr>
+          <a:lstStyle/>
+          <a:p>
+            <a:r>
+              <a:rPr lang="sr-Latn-RS" sz="1400" dirty="0" smtClean="0">
+                <a:latin typeface="Arial" panose="020B0604020202020204" pitchFamily="34" charset="0"/>
+                <a:cs typeface="Arial" panose="020B0604020202020204" pitchFamily="34" charset="0"/>
+              </a:rPr>
+              <a:t>Observabl</a:t>
+            </a:r>
+            <a:r>
+              <a:rPr lang="en-US" sz="1400" dirty="0" smtClean="0">
+                <a:latin typeface="Arial" panose="020B0604020202020204" pitchFamily="34" charset="0"/>
+                <a:cs typeface="Arial" panose="020B0604020202020204" pitchFamily="34" charset="0"/>
+              </a:rPr>
+              <a:t>e je </a:t>
+            </a:r>
+            <a:r>
+              <a:rPr lang="en-US" sz="1400" dirty="0" err="1" smtClean="0">
+                <a:latin typeface="Arial" panose="020B0604020202020204" pitchFamily="34" charset="0"/>
+                <a:cs typeface="Arial" panose="020B0604020202020204" pitchFamily="34" charset="0"/>
+              </a:rPr>
+              <a:t>asinhrone</a:t>
+            </a:r>
+            <a:r>
+              <a:rPr lang="en-US" sz="1400" dirty="0" smtClean="0">
+                <a:latin typeface="Arial" panose="020B0604020202020204" pitchFamily="34" charset="0"/>
+                <a:cs typeface="Arial" panose="020B0604020202020204" pitchFamily="34" charset="0"/>
+              </a:rPr>
+              <a:t> </a:t>
+            </a:r>
+            <a:r>
+              <a:rPr lang="en-US" sz="1400" dirty="0" err="1" smtClean="0">
+                <a:latin typeface="Arial" panose="020B0604020202020204" pitchFamily="34" charset="0"/>
+                <a:cs typeface="Arial" panose="020B0604020202020204" pitchFamily="34" charset="0"/>
+              </a:rPr>
+              <a:t>prirode</a:t>
+            </a:r>
+            <a:r>
+              <a:rPr lang="en-US" sz="1400" dirty="0" smtClean="0">
+                <a:latin typeface="Arial" panose="020B0604020202020204" pitchFamily="34" charset="0"/>
+                <a:cs typeface="Arial" panose="020B0604020202020204" pitchFamily="34" charset="0"/>
+              </a:rPr>
+              <a:t> </a:t>
+            </a:r>
+            <a:r>
+              <a:rPr lang="en-US" sz="1400" dirty="0" err="1" smtClean="0">
+                <a:latin typeface="Arial" panose="020B0604020202020204" pitchFamily="34" charset="0"/>
+                <a:cs typeface="Arial" panose="020B0604020202020204" pitchFamily="34" charset="0"/>
+              </a:rPr>
+              <a:t>i</a:t>
+            </a:r>
+            <a:r>
+              <a:rPr lang="en-US" sz="1400" dirty="0" smtClean="0">
+                <a:latin typeface="Arial" panose="020B0604020202020204" pitchFamily="34" charset="0"/>
+                <a:cs typeface="Arial" panose="020B0604020202020204" pitchFamily="34" charset="0"/>
+              </a:rPr>
+              <a:t> </a:t>
+            </a:r>
+            <a:r>
+              <a:rPr lang="en-US" sz="1400" dirty="0" err="1" smtClean="0">
+                <a:latin typeface="Arial" panose="020B0604020202020204" pitchFamily="34" charset="0"/>
+                <a:cs typeface="Arial" panose="020B0604020202020204" pitchFamily="34" charset="0"/>
+              </a:rPr>
+              <a:t>zbog</a:t>
+            </a:r>
+            <a:r>
+              <a:rPr lang="en-US" sz="1400" dirty="0" smtClean="0">
+                <a:latin typeface="Arial" panose="020B0604020202020204" pitchFamily="34" charset="0"/>
+                <a:cs typeface="Arial" panose="020B0604020202020204" pitchFamily="34" charset="0"/>
+              </a:rPr>
+              <a:t> toga </a:t>
+            </a:r>
+            <a:r>
+              <a:rPr lang="en-US" sz="1400" dirty="0" err="1" smtClean="0">
+                <a:latin typeface="Arial" panose="020B0604020202020204" pitchFamily="34" charset="0"/>
+                <a:cs typeface="Arial" panose="020B0604020202020204" pitchFamily="34" charset="0"/>
+              </a:rPr>
+              <a:t>ga</a:t>
+            </a:r>
+            <a:r>
+              <a:rPr lang="en-US" sz="1400" dirty="0" smtClean="0">
+                <a:latin typeface="Arial" panose="020B0604020202020204" pitchFamily="34" charset="0"/>
+                <a:cs typeface="Arial" panose="020B0604020202020204" pitchFamily="34" charset="0"/>
+              </a:rPr>
+              <a:t> </a:t>
+            </a:r>
+            <a:r>
+              <a:rPr lang="en-US" sz="1400" dirty="0" err="1" smtClean="0">
+                <a:latin typeface="Arial" panose="020B0604020202020204" pitchFamily="34" charset="0"/>
+                <a:cs typeface="Arial" panose="020B0604020202020204" pitchFamily="34" charset="0"/>
+              </a:rPr>
+              <a:t>uvek</a:t>
+            </a:r>
+            <a:r>
+              <a:rPr lang="en-US" sz="1400" dirty="0" smtClean="0">
+                <a:latin typeface="Arial" panose="020B0604020202020204" pitchFamily="34" charset="0"/>
+                <a:cs typeface="Arial" panose="020B0604020202020204" pitchFamily="34" charset="0"/>
+              </a:rPr>
+              <a:t> </a:t>
+            </a:r>
+            <a:r>
+              <a:rPr lang="en-US" sz="1400" dirty="0" err="1" smtClean="0">
+                <a:latin typeface="Arial" panose="020B0604020202020204" pitchFamily="34" charset="0"/>
+                <a:cs typeface="Arial" panose="020B0604020202020204" pitchFamily="34" charset="0"/>
+              </a:rPr>
+              <a:t>moramo</a:t>
+            </a:r>
+            <a:r>
+              <a:rPr lang="en-US" sz="1400" dirty="0" smtClean="0">
+                <a:latin typeface="Arial" panose="020B0604020202020204" pitchFamily="34" charset="0"/>
+                <a:cs typeface="Arial" panose="020B0604020202020204" pitchFamily="34" charset="0"/>
+              </a:rPr>
+              <a:t> </a:t>
+            </a:r>
+            <a:r>
+              <a:rPr lang="sr-Latn-RS" sz="1400" dirty="0" smtClean="0">
+                <a:latin typeface="Arial" panose="020B0604020202020204" pitchFamily="34" charset="0"/>
+                <a:cs typeface="Arial" panose="020B0604020202020204" pitchFamily="34" charset="0"/>
+              </a:rPr>
+              <a:t>sačekati ako želimo da iskoristimo povratne podatke.</a:t>
+            </a:r>
+            <a:endParaRPr lang="en-US" sz="1400" dirty="0">
+              <a:latin typeface="Arial" panose="020B0604020202020204" pitchFamily="34" charset="0"/>
+              <a:cs typeface="Arial" panose="020B0604020202020204" pitchFamily="34" charset="0"/>
+            </a:endParaRPr>
+          </a:p>
+        </p:txBody>
+      </p:sp>
+      <p:sp>
+        <p:nvSpPr>
+          <p:cNvPr id="14" name="TextBox 13"/>
+          <p:cNvSpPr txBox="1"/>
+          <p:nvPr/>
+        </p:nvSpPr>
+        <p:spPr>
+          <a:xfrm>
+            <a:off x="1619672" y="4709541"/>
+            <a:ext cx="7200800" cy="307777"/>
+          </a:xfrm>
+          <a:prstGeom prst="rect">
+            <a:avLst/>
+          </a:prstGeom>
+          <a:noFill/>
+        </p:spPr>
+        <p:txBody>
+          <a:bodyPr wrap="square" rtlCol="0">
+            <a:spAutoFit/>
+          </a:bodyPr>
+          <a:lstStyle/>
+          <a:p>
+            <a:r>
+              <a:rPr lang="sr-Latn-RS" sz="1400" dirty="0" smtClean="0">
+                <a:latin typeface="Arial" panose="020B0604020202020204" pitchFamily="34" charset="0"/>
+                <a:cs typeface="Arial" panose="020B0604020202020204" pitchFamily="34" charset="0"/>
+              </a:rPr>
+              <a:t>Koristimo </a:t>
+            </a:r>
+            <a:r>
+              <a:rPr lang="sr-Latn-RS" sz="1400" b="1" dirty="0" smtClean="0">
+                <a:latin typeface="Arial" panose="020B0604020202020204" pitchFamily="34" charset="0"/>
+                <a:cs typeface="Arial" panose="020B0604020202020204" pitchFamily="34" charset="0"/>
+              </a:rPr>
+              <a:t>Subscribe</a:t>
+            </a:r>
+            <a:r>
+              <a:rPr lang="sr-Latn-RS" sz="1400" dirty="0" smtClean="0">
+                <a:latin typeface="Arial" panose="020B0604020202020204" pitchFamily="34" charset="0"/>
+                <a:cs typeface="Arial" panose="020B0604020202020204" pitchFamily="34" charset="0"/>
+              </a:rPr>
+              <a:t> da bi smo sačekali response od Observable</a:t>
+            </a:r>
+            <a:endParaRPr lang="en-US" sz="1400" dirty="0">
+              <a:latin typeface="Arial" panose="020B0604020202020204" pitchFamily="34" charset="0"/>
+              <a:cs typeface="Arial" panose="020B0604020202020204" pitchFamily="34" charset="0"/>
+            </a:endParaRPr>
+          </a:p>
+        </p:txBody>
+      </p:sp>
+    </p:spTree>
+    <p:extLst>
+      <p:ext uri="{BB962C8B-B14F-4D97-AF65-F5344CB8AC3E}">
+        <p14:creationId xmlns:p14="http://schemas.microsoft.com/office/powerpoint/2010/main" val="2930323481"/>
+      </p:ext>
+    </p:extLst>
+  </p:cSld>
+  <p:clrMapOvr>
+    <a:masterClrMapping/>
+  </p:clrMapOvr>
+  <p:timing>
+    <p:tnLst>
+      <p:par>
+        <p:cTn id="1" dur="indefinite" restart="never" nodeType="tmRoot">
+          <p:childTnLst>
+            <p:seq concurrent="1" nextAc="seek">
+              <p:cTn id="2" dur="indefinite" nodeType="mainSeq">
+                <p:childTnLst>
+                  <p:par>
+                    <p:cTn id="3" fill="hold">
+                      <p:stCondLst>
+                        <p:cond delay="indefinite"/>
+                      </p:stCondLst>
+                      <p:childTnLst>
+                        <p:par>
+                          <p:cTn id="4" fill="hold">
+                            <p:stCondLst>
+                              <p:cond delay="0"/>
+                            </p:stCondLst>
+                            <p:childTnLst>
+                              <p:par>
+                                <p:cTn id="5" presetID="2" presetClass="entr" presetSubtype="4" fill="hold" grpId="0" nodeType="clickEffect">
+                                  <p:stCondLst>
+                                    <p:cond delay="0"/>
+                                  </p:stCondLst>
+                                  <p:childTnLst>
+                                    <p:set>
+                                      <p:cBhvr>
+                                        <p:cTn id="6" dur="1" fill="hold">
+                                          <p:stCondLst>
+                                            <p:cond delay="0"/>
+                                          </p:stCondLst>
+                                        </p:cTn>
+                                        <p:tgtEl>
+                                          <p:spTgt spid="5"/>
+                                        </p:tgtEl>
+                                        <p:attrNameLst>
+                                          <p:attrName>style.visibility</p:attrName>
+                                        </p:attrNameLst>
+                                      </p:cBhvr>
+                                      <p:to>
+                                        <p:strVal val="visible"/>
+                                      </p:to>
+                                    </p:set>
+                                    <p:anim calcmode="lin" valueType="num">
+                                      <p:cBhvr additive="base">
+                                        <p:cTn id="7" dur="500" fill="hold"/>
+                                        <p:tgtEl>
+                                          <p:spTgt spid="5"/>
+                                        </p:tgtEl>
+                                        <p:attrNameLst>
+                                          <p:attrName>ppt_x</p:attrName>
+                                        </p:attrNameLst>
+                                      </p:cBhvr>
+                                      <p:tavLst>
+                                        <p:tav tm="0">
+                                          <p:val>
+                                            <p:strVal val="#ppt_x"/>
+                                          </p:val>
+                                        </p:tav>
+                                        <p:tav tm="100000">
+                                          <p:val>
+                                            <p:strVal val="#ppt_x"/>
+                                          </p:val>
+                                        </p:tav>
+                                      </p:tavLst>
+                                    </p:anim>
+                                    <p:anim calcmode="lin" valueType="num">
+                                      <p:cBhvr additive="base">
+                                        <p:cTn id="8" dur="500" fill="hold"/>
+                                        <p:tgtEl>
+                                          <p:spTgt spid="5"/>
+                                        </p:tgtEl>
+                                        <p:attrNameLst>
+                                          <p:attrName>ppt_y</p:attrName>
+                                        </p:attrNameLst>
+                                      </p:cBhvr>
+                                      <p:tavLst>
+                                        <p:tav tm="0">
+                                          <p:val>
+                                            <p:strVal val="1+#ppt_h/2"/>
+                                          </p:val>
+                                        </p:tav>
+                                        <p:tav tm="100000">
+                                          <p:val>
+                                            <p:strVal val="#ppt_y"/>
+                                          </p:val>
+                                        </p:tav>
+                                      </p:tavLst>
+                                    </p:anim>
+                                  </p:childTnLst>
+                                </p:cTn>
+                              </p:par>
+                            </p:childTnLst>
+                          </p:cTn>
+                        </p:par>
+                      </p:childTnLst>
+                    </p:cTn>
+                  </p:par>
+                  <p:par>
+                    <p:cTn id="9" fill="hold">
+                      <p:stCondLst>
+                        <p:cond delay="indefinite"/>
+                      </p:stCondLst>
+                      <p:childTnLst>
+                        <p:par>
+                          <p:cTn id="10" fill="hold">
+                            <p:stCondLst>
+                              <p:cond delay="0"/>
+                            </p:stCondLst>
+                            <p:childTnLst>
+                              <p:par>
+                                <p:cTn id="11" presetID="2" presetClass="entr" presetSubtype="4" fill="hold" nodeType="clickEffect">
+                                  <p:stCondLst>
+                                    <p:cond delay="0"/>
+                                  </p:stCondLst>
+                                  <p:childTnLst>
+                                    <p:set>
+                                      <p:cBhvr>
+                                        <p:cTn id="12" dur="1" fill="hold">
+                                          <p:stCondLst>
+                                            <p:cond delay="0"/>
+                                          </p:stCondLst>
+                                        </p:cTn>
+                                        <p:tgtEl>
+                                          <p:spTgt spid="4"/>
+                                        </p:tgtEl>
+                                        <p:attrNameLst>
+                                          <p:attrName>style.visibility</p:attrName>
+                                        </p:attrNameLst>
+                                      </p:cBhvr>
+                                      <p:to>
+                                        <p:strVal val="visible"/>
+                                      </p:to>
+                                    </p:set>
+                                    <p:anim calcmode="lin" valueType="num">
+                                      <p:cBhvr additive="base">
+                                        <p:cTn id="13" dur="500" fill="hold"/>
+                                        <p:tgtEl>
+                                          <p:spTgt spid="4"/>
+                                        </p:tgtEl>
+                                        <p:attrNameLst>
+                                          <p:attrName>ppt_x</p:attrName>
+                                        </p:attrNameLst>
+                                      </p:cBhvr>
+                                      <p:tavLst>
+                                        <p:tav tm="0">
+                                          <p:val>
+                                            <p:strVal val="#ppt_x"/>
+                                          </p:val>
+                                        </p:tav>
+                                        <p:tav tm="100000">
+                                          <p:val>
+                                            <p:strVal val="#ppt_x"/>
+                                          </p:val>
+                                        </p:tav>
+                                      </p:tavLst>
+                                    </p:anim>
+                                    <p:anim calcmode="lin" valueType="num">
+                                      <p:cBhvr additive="base">
+                                        <p:cTn id="14" dur="500" fill="hold"/>
+                                        <p:tgtEl>
+                                          <p:spTgt spid="4"/>
+                                        </p:tgtEl>
+                                        <p:attrNameLst>
+                                          <p:attrName>ppt_y</p:attrName>
+                                        </p:attrNameLst>
+                                      </p:cBhvr>
+                                      <p:tavLst>
+                                        <p:tav tm="0">
+                                          <p:val>
+                                            <p:strVal val="1+#ppt_h/2"/>
+                                          </p:val>
+                                        </p:tav>
+                                        <p:tav tm="100000">
+                                          <p:val>
+                                            <p:strVal val="#ppt_y"/>
+                                          </p:val>
+                                        </p:tav>
+                                      </p:tavLst>
+                                    </p:anim>
+                                  </p:childTnLst>
+                                </p:cTn>
+                              </p:par>
+                            </p:childTnLst>
+                          </p:cTn>
+                        </p:par>
+                      </p:childTnLst>
+                    </p:cTn>
+                  </p:par>
+                  <p:par>
+                    <p:cTn id="15" fill="hold">
+                      <p:stCondLst>
+                        <p:cond delay="indefinite"/>
+                      </p:stCondLst>
+                      <p:childTnLst>
+                        <p:par>
+                          <p:cTn id="16" fill="hold">
+                            <p:stCondLst>
+                              <p:cond delay="0"/>
+                            </p:stCondLst>
+                            <p:childTnLst>
+                              <p:par>
+                                <p:cTn id="17" presetID="2" presetClass="entr" presetSubtype="4" fill="hold" grpId="0" nodeType="clickEffect">
+                                  <p:stCondLst>
+                                    <p:cond delay="0"/>
+                                  </p:stCondLst>
+                                  <p:childTnLst>
+                                    <p:set>
+                                      <p:cBhvr>
+                                        <p:cTn id="18" dur="1" fill="hold">
+                                          <p:stCondLst>
+                                            <p:cond delay="0"/>
+                                          </p:stCondLst>
+                                        </p:cTn>
+                                        <p:tgtEl>
+                                          <p:spTgt spid="13"/>
+                                        </p:tgtEl>
+                                        <p:attrNameLst>
+                                          <p:attrName>style.visibility</p:attrName>
+                                        </p:attrNameLst>
+                                      </p:cBhvr>
+                                      <p:to>
+                                        <p:strVal val="visible"/>
+                                      </p:to>
+                                    </p:set>
+                                    <p:anim calcmode="lin" valueType="num">
+                                      <p:cBhvr additive="base">
+                                        <p:cTn id="19" dur="500" fill="hold"/>
+                                        <p:tgtEl>
+                                          <p:spTgt spid="13"/>
+                                        </p:tgtEl>
+                                        <p:attrNameLst>
+                                          <p:attrName>ppt_x</p:attrName>
+                                        </p:attrNameLst>
+                                      </p:cBhvr>
+                                      <p:tavLst>
+                                        <p:tav tm="0">
+                                          <p:val>
+                                            <p:strVal val="#ppt_x"/>
+                                          </p:val>
+                                        </p:tav>
+                                        <p:tav tm="100000">
+                                          <p:val>
+                                            <p:strVal val="#ppt_x"/>
+                                          </p:val>
+                                        </p:tav>
+                                      </p:tavLst>
+                                    </p:anim>
+                                    <p:anim calcmode="lin" valueType="num">
+                                      <p:cBhvr additive="base">
+                                        <p:cTn id="20" dur="500" fill="hold"/>
+                                        <p:tgtEl>
+                                          <p:spTgt spid="13"/>
+                                        </p:tgtEl>
+                                        <p:attrNameLst>
+                                          <p:attrName>ppt_y</p:attrName>
+                                        </p:attrNameLst>
+                                      </p:cBhvr>
+                                      <p:tavLst>
+                                        <p:tav tm="0">
+                                          <p:val>
+                                            <p:strVal val="1+#ppt_h/2"/>
+                                          </p:val>
+                                        </p:tav>
+                                        <p:tav tm="100000">
+                                          <p:val>
+                                            <p:strVal val="#ppt_y"/>
+                                          </p:val>
+                                        </p:tav>
+                                      </p:tavLst>
+                                    </p:anim>
+                                  </p:childTnLst>
+                                </p:cTn>
+                              </p:par>
+                            </p:childTnLst>
+                          </p:cTn>
+                        </p:par>
+                      </p:childTnLst>
+                    </p:cTn>
+                  </p:par>
+                  <p:par>
+                    <p:cTn id="21" fill="hold">
+                      <p:stCondLst>
+                        <p:cond delay="indefinite"/>
+                      </p:stCondLst>
+                      <p:childTnLst>
+                        <p:par>
+                          <p:cTn id="22" fill="hold">
+                            <p:stCondLst>
+                              <p:cond delay="0"/>
+                            </p:stCondLst>
+                            <p:childTnLst>
+                              <p:par>
+                                <p:cTn id="23" presetID="2" presetClass="entr" presetSubtype="4" fill="hold" grpId="0" nodeType="clickEffect">
+                                  <p:stCondLst>
+                                    <p:cond delay="0"/>
+                                  </p:stCondLst>
+                                  <p:childTnLst>
+                                    <p:set>
+                                      <p:cBhvr>
+                                        <p:cTn id="24" dur="1" fill="hold">
+                                          <p:stCondLst>
+                                            <p:cond delay="0"/>
+                                          </p:stCondLst>
+                                        </p:cTn>
+                                        <p:tgtEl>
+                                          <p:spTgt spid="14"/>
+                                        </p:tgtEl>
+                                        <p:attrNameLst>
+                                          <p:attrName>style.visibility</p:attrName>
+                                        </p:attrNameLst>
+                                      </p:cBhvr>
+                                      <p:to>
+                                        <p:strVal val="visible"/>
+                                      </p:to>
+                                    </p:set>
+                                    <p:anim calcmode="lin" valueType="num">
+                                      <p:cBhvr additive="base">
+                                        <p:cTn id="25" dur="500" fill="hold"/>
+                                        <p:tgtEl>
+                                          <p:spTgt spid="14"/>
+                                        </p:tgtEl>
+                                        <p:attrNameLst>
+                                          <p:attrName>ppt_x</p:attrName>
+                                        </p:attrNameLst>
+                                      </p:cBhvr>
+                                      <p:tavLst>
+                                        <p:tav tm="0">
+                                          <p:val>
+                                            <p:strVal val="#ppt_x"/>
+                                          </p:val>
+                                        </p:tav>
+                                        <p:tav tm="100000">
+                                          <p:val>
+                                            <p:strVal val="#ppt_x"/>
+                                          </p:val>
+                                        </p:tav>
+                                      </p:tavLst>
+                                    </p:anim>
+                                    <p:anim calcmode="lin" valueType="num">
+                                      <p:cBhvr additive="base">
+                                        <p:cTn id="26" dur="500" fill="hold"/>
+                                        <p:tgtEl>
+                                          <p:spTgt spid="14"/>
+                                        </p:tgtEl>
+                                        <p:attrNameLst>
+                                          <p:attrName>ppt_y</p:attrName>
+                                        </p:attrNameLst>
+                                      </p:cBhvr>
+                                      <p:tavLst>
+                                        <p:tav tm="0">
+                                          <p:val>
+                                            <p:strVal val="1+#ppt_h/2"/>
+                                          </p:val>
+                                        </p:tav>
+                                        <p:tav tm="100000">
+                                          <p:val>
+                                            <p:strVal val="#ppt_y"/>
+                                          </p:val>
+                                        </p:tav>
+                                      </p:tavLst>
+                                    </p:anim>
+                                  </p:childTnLst>
+                                </p:cTn>
+                              </p:par>
+                            </p:childTnLst>
+                          </p:cTn>
+                        </p:par>
+                      </p:childTnLst>
+                    </p:cTn>
+                  </p:par>
+                </p:childTnLst>
+              </p:cTn>
+              <p:prevCondLst>
+                <p:cond evt="onPrev" delay="0">
+                  <p:tgtEl>
+                    <p:sldTgt/>
+                  </p:tgtEl>
+                </p:cond>
+              </p:prevCondLst>
+              <p:nextCondLst>
+                <p:cond evt="onNext" delay="0">
+                  <p:tgtEl>
+                    <p:sldTgt/>
+                  </p:tgtEl>
+                </p:cond>
+              </p:nextCondLst>
+            </p:seq>
+          </p:childTnLst>
+        </p:cTn>
+      </p:par>
+    </p:tnLst>
+    <p:bldLst>
+      <p:bldP spid="5" grpId="0"/>
+      <p:bldP spid="13" grpId="0"/>
+      <p:bldP spid="14" grpId="0"/>
+    </p:bldLst>
   </p:timing>
 </p:sld>
 </file>
